--- a/Obhajoba/xdoubravsky_dp.pptx
+++ b/Obhajoba/xdoubravsky_dp.pptx
@@ -5,37 +5,43 @@
     <p:sldMasterId id="2147483648" r:id="rId1"/>
   </p:sldMasterIdLst>
   <p:notesMasterIdLst>
-    <p:notesMasterId r:id="rId30"/>
+    <p:notesMasterId r:id="rId36"/>
   </p:notesMasterIdLst>
   <p:sldIdLst>
     <p:sldId id="256" r:id="rId2"/>
     <p:sldId id="257" r:id="rId3"/>
-    <p:sldId id="283" r:id="rId4"/>
-    <p:sldId id="271" r:id="rId5"/>
-    <p:sldId id="258" r:id="rId6"/>
-    <p:sldId id="278" r:id="rId7"/>
-    <p:sldId id="270" r:id="rId8"/>
-    <p:sldId id="272" r:id="rId9"/>
-    <p:sldId id="279" r:id="rId10"/>
-    <p:sldId id="281" r:id="rId11"/>
-    <p:sldId id="280" r:id="rId12"/>
-    <p:sldId id="276" r:id="rId13"/>
-    <p:sldId id="275" r:id="rId14"/>
-    <p:sldId id="277" r:id="rId15"/>
-    <p:sldId id="284" r:id="rId16"/>
-    <p:sldId id="265" r:id="rId17"/>
-    <p:sldId id="266" r:id="rId18"/>
-    <p:sldId id="273" r:id="rId19"/>
-    <p:sldId id="274" r:id="rId20"/>
-    <p:sldId id="259" r:id="rId21"/>
-    <p:sldId id="282" r:id="rId22"/>
-    <p:sldId id="263" r:id="rId23"/>
-    <p:sldId id="260" r:id="rId24"/>
-    <p:sldId id="269" r:id="rId25"/>
-    <p:sldId id="261" r:id="rId26"/>
-    <p:sldId id="267" r:id="rId27"/>
-    <p:sldId id="268" r:id="rId28"/>
-    <p:sldId id="262" r:id="rId29"/>
+    <p:sldId id="286" r:id="rId4"/>
+    <p:sldId id="283" r:id="rId5"/>
+    <p:sldId id="285" r:id="rId6"/>
+    <p:sldId id="271" r:id="rId7"/>
+    <p:sldId id="287" r:id="rId8"/>
+    <p:sldId id="258" r:id="rId9"/>
+    <p:sldId id="289" r:id="rId10"/>
+    <p:sldId id="278" r:id="rId11"/>
+    <p:sldId id="270" r:id="rId12"/>
+    <p:sldId id="272" r:id="rId13"/>
+    <p:sldId id="279" r:id="rId14"/>
+    <p:sldId id="291" r:id="rId15"/>
+    <p:sldId id="290" r:id="rId16"/>
+    <p:sldId id="276" r:id="rId17"/>
+    <p:sldId id="275" r:id="rId18"/>
+    <p:sldId id="277" r:id="rId19"/>
+    <p:sldId id="284" r:id="rId20"/>
+    <p:sldId id="280" r:id="rId21"/>
+    <p:sldId id="281" r:id="rId22"/>
+    <p:sldId id="265" r:id="rId23"/>
+    <p:sldId id="266" r:id="rId24"/>
+    <p:sldId id="273" r:id="rId25"/>
+    <p:sldId id="274" r:id="rId26"/>
+    <p:sldId id="259" r:id="rId27"/>
+    <p:sldId id="282" r:id="rId28"/>
+    <p:sldId id="263" r:id="rId29"/>
+    <p:sldId id="260" r:id="rId30"/>
+    <p:sldId id="269" r:id="rId31"/>
+    <p:sldId id="261" r:id="rId32"/>
+    <p:sldId id="267" r:id="rId33"/>
+    <p:sldId id="288" r:id="rId34"/>
+    <p:sldId id="268" r:id="rId35"/>
   </p:sldIdLst>
   <p:sldSz cx="9144000" cy="6858000" type="screen4x3"/>
   <p:notesSz cx="6858000" cy="9144000"/>
@@ -219,7 +225,8 @@
           <a:p>
             <a:fld id="{0B773208-EC25-4DDD-B957-221EDD2F8199}" type="datetimeFigureOut">
               <a:rPr lang="en-US" smtClean="0"/>
-              <a:t>6/11/2017</a:t>
+              <a:pPr/>
+              <a:t>6/12/2017</a:t>
             </a:fld>
             <a:endParaRPr lang="en-US"/>
           </a:p>
@@ -380,6 +387,7 @@
           <a:p>
             <a:fld id="{72CCBEF4-1BE4-4B48-AF24-6E8DE69994C4}" type="slidenum">
               <a:rPr lang="en-US" smtClean="0"/>
+              <a:pPr/>
               <a:t>‹#›</a:t>
             </a:fld>
             <a:endParaRPr lang="en-US"/>
@@ -531,12 +539,30 @@
           <a:lstStyle/>
           <a:p>
             <a:r>
+              <a:rPr lang="sk-SK" dirty="0" smtClean="0"/>
+              <a:t>Na 14minut</a:t>
+            </a:r>
+            <a:r>
+              <a:rPr lang="sk-SK" baseline="0" dirty="0" smtClean="0"/>
+              <a:t> priprav</a:t>
+            </a:r>
+            <a:endParaRPr lang="sk-SK" dirty="0" smtClean="0"/>
+          </a:p>
+          <a:p>
+            <a:endParaRPr lang="sk-SK" dirty="0" smtClean="0"/>
+          </a:p>
+          <a:p>
+            <a:r>
               <a:rPr lang="en-US" dirty="0" err="1" smtClean="0"/>
               <a:t>Komisia</a:t>
             </a:r>
             <a:r>
               <a:rPr lang="en-US" dirty="0" smtClean="0"/>
-              <a:t> č. 6s-SI</a:t>
+              <a:t> </a:t>
+            </a:r>
+            <a:r>
+              <a:rPr lang="en-US" dirty="0" smtClean="0"/>
+              <a:t>č. 6s-SI</a:t>
             </a:r>
           </a:p>
           <a:p>
@@ -809,7 +835,127 @@
           <a:p>
             <a:fld id="{72CCBEF4-1BE4-4B48-AF24-6E8DE69994C4}" type="slidenum">
               <a:rPr lang="en-US" smtClean="0"/>
+              <a:pPr/>
               <a:t>1</a:t>
+            </a:fld>
+            <a:endParaRPr lang="en-US"/>
+          </a:p>
+        </p:txBody>
+      </p:sp>
+    </p:spTree>
+  </p:cSld>
+  <p:clrMapOvr>
+    <a:masterClrMapping/>
+  </p:clrMapOvr>
+</p:notes>
+</file>
+
+<file path=ppt/notesSlides/notesSlide10.xml><?xml version="1.0" encoding="utf-8"?>
+<p:notes xmlns:a="http://schemas.openxmlformats.org/drawingml/2006/main" xmlns:r="http://schemas.openxmlformats.org/officeDocument/2006/relationships" xmlns:p="http://schemas.openxmlformats.org/presentationml/2006/main">
+  <p:cSld>
+    <p:spTree>
+      <p:nvGrpSpPr>
+        <p:cNvPr id="1" name=""/>
+        <p:cNvGrpSpPr/>
+        <p:nvPr/>
+      </p:nvGrpSpPr>
+      <p:grpSpPr>
+        <a:xfrm>
+          <a:off x="0" y="0"/>
+          <a:ext cx="0" cy="0"/>
+          <a:chOff x="0" y="0"/>
+          <a:chExt cx="0" cy="0"/>
+        </a:xfrm>
+      </p:grpSpPr>
+      <p:sp>
+        <p:nvSpPr>
+          <p:cNvPr id="2" name="Slide Image Placeholder 1"/>
+          <p:cNvSpPr>
+            <a:spLocks noGrp="1" noRot="1" noChangeAspect="1"/>
+          </p:cNvSpPr>
+          <p:nvPr>
+            <p:ph type="sldImg"/>
+          </p:nvPr>
+        </p:nvSpPr>
+        <p:spPr/>
+      </p:sp>
+      <p:sp>
+        <p:nvSpPr>
+          <p:cNvPr id="3" name="Notes Placeholder 2"/>
+          <p:cNvSpPr>
+            <a:spLocks noGrp="1"/>
+          </p:cNvSpPr>
+          <p:nvPr>
+            <p:ph type="body" idx="1"/>
+          </p:nvPr>
+        </p:nvSpPr>
+        <p:spPr/>
+        <p:txBody>
+          <a:bodyPr>
+            <a:normAutofit/>
+          </a:bodyPr>
+          <a:lstStyle/>
+          <a:p>
+            <a:r>
+              <a:rPr lang="sk-SK" dirty="0" smtClean="0"/>
+              <a:t>Veľkosť</a:t>
+            </a:r>
+            <a:r>
+              <a:rPr lang="sk-SK" baseline="0" dirty="0" smtClean="0"/>
+              <a:t> siete, rozšíriteľnosti</a:t>
+            </a:r>
+            <a:endParaRPr lang="sk-SK" dirty="0" smtClean="0"/>
+          </a:p>
+          <a:p>
+            <a:r>
+              <a:rPr lang="sk-SK" dirty="0" smtClean="0"/>
+              <a:t>Rychlost, cena,</a:t>
+            </a:r>
+          </a:p>
+          <a:p>
+            <a:r>
+              <a:rPr lang="sk-SK" dirty="0" smtClean="0"/>
+              <a:t>Frekvencia</a:t>
+            </a:r>
+            <a:r>
+              <a:rPr lang="sk-SK" baseline="0" dirty="0" smtClean="0"/>
+              <a:t> nosnej vlny</a:t>
+            </a:r>
+          </a:p>
+          <a:p>
+            <a:r>
+              <a:rPr lang="sk-SK" baseline="0" dirty="0" smtClean="0"/>
+              <a:t>Prenosove ryhlosti</a:t>
+            </a:r>
+          </a:p>
+          <a:p>
+            <a:r>
+              <a:rPr lang="sk-SK" baseline="0" dirty="0" smtClean="0"/>
+              <a:t>kódovania</a:t>
+            </a:r>
+            <a:endParaRPr lang="en-US" dirty="0"/>
+          </a:p>
+        </p:txBody>
+      </p:sp>
+      <p:sp>
+        <p:nvSpPr>
+          <p:cNvPr id="4" name="Slide Number Placeholder 3"/>
+          <p:cNvSpPr>
+            <a:spLocks noGrp="1"/>
+          </p:cNvSpPr>
+          <p:nvPr>
+            <p:ph type="sldNum" sz="quarter" idx="10"/>
+          </p:nvPr>
+        </p:nvSpPr>
+        <p:spPr/>
+        <p:txBody>
+          <a:bodyPr/>
+          <a:lstStyle/>
+          <a:p>
+            <a:fld id="{72CCBEF4-1BE4-4B48-AF24-6E8DE69994C4}" type="slidenum">
+              <a:rPr lang="en-US" smtClean="0"/>
+              <a:pPr/>
+              <a:t>30</a:t>
             </a:fld>
             <a:endParaRPr lang="en-US"/>
           </a:p>
@@ -871,11 +1017,13 @@
           <a:p>
             <a:r>
               <a:rPr lang="sk-SK" dirty="0" smtClean="0"/>
-              <a:t>Po nadviazani</a:t>
-            </a:r>
-            <a:r>
-              <a:rPr lang="sk-SK" baseline="0" dirty="0" smtClean="0"/>
-              <a:t> doveri</a:t>
+              <a:t>Slabiny</a:t>
+            </a:r>
+          </a:p>
+          <a:p>
+            <a:r>
+              <a:rPr lang="sk-SK" dirty="0" smtClean="0"/>
+              <a:t>Vypoctovy vykon zariadeni rastie</a:t>
             </a:r>
             <a:endParaRPr lang="en-US" dirty="0"/>
           </a:p>
@@ -898,7 +1046,8 @@
           <a:p>
             <a:fld id="{72CCBEF4-1BE4-4B48-AF24-6E8DE69994C4}" type="slidenum">
               <a:rPr lang="en-US" smtClean="0"/>
-              <a:t>4</a:t>
+              <a:pPr/>
+              <a:t>2</a:t>
             </a:fld>
             <a:endParaRPr lang="en-US"/>
           </a:p>
@@ -958,32 +1107,6 @@
           </a:bodyPr>
           <a:lstStyle/>
           <a:p>
-            <a:r>
-              <a:rPr lang="sk-SK" dirty="0" smtClean="0"/>
-              <a:t>Programovo</a:t>
-            </a:r>
-            <a:r>
-              <a:rPr lang="sk-SK" baseline="0" dirty="0" smtClean="0"/>
-              <a:t> generuju data,</a:t>
-            </a:r>
-          </a:p>
-          <a:p>
-            <a:r>
-              <a:rPr lang="sk-SK" baseline="0" dirty="0" smtClean="0"/>
-              <a:t>200 hodnot</a:t>
-            </a:r>
-          </a:p>
-          <a:p>
-            <a:r>
-              <a:rPr lang="sk-SK" baseline="0" dirty="0" smtClean="0"/>
-              <a:t>Implementovane timeout</a:t>
-            </a:r>
-          </a:p>
-          <a:p>
-            <a:r>
-              <a:rPr lang="sk-SK" baseline="0" dirty="0" smtClean="0"/>
-              <a:t>treshold</a:t>
-            </a:r>
             <a:endParaRPr lang="en-US" dirty="0"/>
           </a:p>
         </p:txBody>
@@ -1005,7 +1128,8 @@
           <a:p>
             <a:fld id="{72CCBEF4-1BE4-4B48-AF24-6E8DE69994C4}" type="slidenum">
               <a:rPr lang="en-US" smtClean="0"/>
-              <a:t>16</a:t>
+              <a:pPr/>
+              <a:t>5</a:t>
             </a:fld>
             <a:endParaRPr lang="en-US"/>
           </a:p>
@@ -1067,7 +1191,11 @@
           <a:p>
             <a:r>
               <a:rPr lang="sk-SK" dirty="0" smtClean="0"/>
-              <a:t>fdsaf</a:t>
+              <a:t>Po nadviazani</a:t>
+            </a:r>
+            <a:r>
+              <a:rPr lang="sk-SK" baseline="0" dirty="0" smtClean="0"/>
+              <a:t> doveri</a:t>
             </a:r>
             <a:endParaRPr lang="en-US" dirty="0"/>
           </a:p>
@@ -1090,7 +1218,8 @@
           <a:p>
             <a:fld id="{72CCBEF4-1BE4-4B48-AF24-6E8DE69994C4}" type="slidenum">
               <a:rPr lang="en-US" smtClean="0"/>
-              <a:t>23</a:t>
+              <a:pPr/>
+              <a:t>6</a:t>
             </a:fld>
             <a:endParaRPr lang="en-US"/>
           </a:p>
@@ -1151,13 +1280,182 @@
           <a:lstStyle/>
           <a:p>
             <a:r>
-              <a:rPr lang="sk-SK" smtClean="0"/>
-              <a:t>fdsaf</a:t>
-            </a:r>
+              <a:rPr lang="en-US" dirty="0" smtClean="0"/>
+              <a:t>ANT</a:t>
+            </a:r>
+            <a:r>
+              <a:rPr lang="en-US" baseline="0" dirty="0" smtClean="0"/>
+              <a:t> o </a:t>
+            </a:r>
+            <a:r>
+              <a:rPr lang="en-US" baseline="0" dirty="0" err="1" smtClean="0"/>
+              <a:t>ve</a:t>
+            </a:r>
+            <a:r>
+              <a:rPr lang="sk-SK" baseline="0" smtClean="0"/>
+              <a:t>ľskost 100  4Hz</a:t>
+            </a:r>
+            <a:endParaRPr lang="en-US" dirty="0" smtClean="0"/>
+          </a:p>
+          <a:p>
+            <a:endParaRPr lang="en-US" dirty="0" smtClean="0"/>
+          </a:p>
+          <a:p>
+            <a:r>
+              <a:rPr lang="sk-SK" dirty="0" smtClean="0"/>
+              <a:t>Po </a:t>
+            </a:r>
+            <a:r>
+              <a:rPr lang="sk-SK" dirty="0" smtClean="0"/>
+              <a:t>nadviazani</a:t>
+            </a:r>
+            <a:r>
+              <a:rPr lang="sk-SK" baseline="0" dirty="0" smtClean="0"/>
+              <a:t> </a:t>
+            </a:r>
+            <a:r>
+              <a:rPr lang="sk-SK" baseline="0" dirty="0" smtClean="0"/>
+              <a:t>doveri</a:t>
+            </a:r>
+          </a:p>
+          <a:p>
+            <a:endParaRPr lang="sk-SK" baseline="0" dirty="0" smtClean="0"/>
+          </a:p>
+          <a:p>
+            <a:r>
+              <a:rPr lang="sk-SK" baseline="0" dirty="0" smtClean="0"/>
+              <a:t>Potvrdzovanie</a:t>
+            </a:r>
+          </a:p>
+          <a:p>
+            <a:r>
+              <a:rPr lang="sk-SK" baseline="0" dirty="0" smtClean="0"/>
+              <a:t>Náhodné čisla</a:t>
+            </a:r>
+          </a:p>
+          <a:p>
+            <a:r>
+              <a:rPr lang="sk-SK" baseline="0" dirty="0" smtClean="0"/>
+              <a:t>čas</a:t>
+            </a:r>
+            <a:endParaRPr lang="en-US" dirty="0"/>
+          </a:p>
+        </p:txBody>
+      </p:sp>
+      <p:sp>
+        <p:nvSpPr>
+          <p:cNvPr id="4" name="Slide Number Placeholder 3"/>
+          <p:cNvSpPr>
+            <a:spLocks noGrp="1"/>
+          </p:cNvSpPr>
+          <p:nvPr>
+            <p:ph type="sldNum" sz="quarter" idx="10"/>
+          </p:nvPr>
+        </p:nvSpPr>
+        <p:spPr/>
+        <p:txBody>
+          <a:bodyPr/>
+          <a:lstStyle/>
+          <a:p>
+            <a:fld id="{72CCBEF4-1BE4-4B48-AF24-6E8DE69994C4}" type="slidenum">
+              <a:rPr lang="en-US" smtClean="0"/>
+              <a:pPr/>
+              <a:t>7</a:t>
+            </a:fld>
             <a:endParaRPr lang="en-US"/>
           </a:p>
         </p:txBody>
       </p:sp>
+    </p:spTree>
+  </p:cSld>
+  <p:clrMapOvr>
+    <a:masterClrMapping/>
+  </p:clrMapOvr>
+</p:notes>
+</file>
+
+<file path=ppt/notesSlides/notesSlide6.xml><?xml version="1.0" encoding="utf-8"?>
+<p:notes xmlns:a="http://schemas.openxmlformats.org/drawingml/2006/main" xmlns:r="http://schemas.openxmlformats.org/officeDocument/2006/relationships" xmlns:p="http://schemas.openxmlformats.org/presentationml/2006/main">
+  <p:cSld>
+    <p:spTree>
+      <p:nvGrpSpPr>
+        <p:cNvPr id="1" name=""/>
+        <p:cNvGrpSpPr/>
+        <p:nvPr/>
+      </p:nvGrpSpPr>
+      <p:grpSpPr>
+        <a:xfrm>
+          <a:off x="0" y="0"/>
+          <a:ext cx="0" cy="0"/>
+          <a:chOff x="0" y="0"/>
+          <a:chExt cx="0" cy="0"/>
+        </a:xfrm>
+      </p:grpSpPr>
+      <p:sp>
+        <p:nvSpPr>
+          <p:cNvPr id="2" name="Slide Image Placeholder 1"/>
+          <p:cNvSpPr>
+            <a:spLocks noGrp="1" noRot="1" noChangeAspect="1"/>
+          </p:cNvSpPr>
+          <p:nvPr>
+            <p:ph type="sldImg"/>
+          </p:nvPr>
+        </p:nvSpPr>
+        <p:spPr/>
+      </p:sp>
+      <p:sp>
+        <p:nvSpPr>
+          <p:cNvPr id="3" name="Notes Placeholder 2"/>
+          <p:cNvSpPr>
+            <a:spLocks noGrp="1"/>
+          </p:cNvSpPr>
+          <p:nvPr>
+            <p:ph type="body" idx="1"/>
+          </p:nvPr>
+        </p:nvSpPr>
+        <p:spPr/>
+        <p:txBody>
+          <a:bodyPr>
+            <a:normAutofit/>
+          </a:bodyPr>
+          <a:lstStyle/>
+          <a:p>
+            <a:r>
+              <a:rPr lang="en-US" dirty="0" err="1" smtClean="0"/>
+              <a:t>Inicializ</a:t>
+            </a:r>
+            <a:r>
+              <a:rPr lang="sk-SK" dirty="0" smtClean="0"/>
+              <a:t>ácia</a:t>
+            </a:r>
+            <a:r>
+              <a:rPr lang="sk-SK" baseline="0" dirty="0" smtClean="0"/>
+              <a:t> po selekte</a:t>
+            </a:r>
+          </a:p>
+          <a:p>
+            <a:r>
+              <a:rPr lang="sk-SK" baseline="0" dirty="0" smtClean="0"/>
+              <a:t>Rozhoduje</a:t>
+            </a:r>
+          </a:p>
+          <a:p>
+            <a:r>
+              <a:rPr lang="sk-SK" baseline="0" dirty="0" smtClean="0"/>
+              <a:t>Kryptovanie</a:t>
+            </a:r>
+            <a:r>
+              <a:rPr lang="en-US" baseline="0" dirty="0" smtClean="0"/>
+              <a:t>/</a:t>
+            </a:r>
+            <a:r>
+              <a:rPr lang="sk-SK" baseline="0" dirty="0" smtClean="0"/>
+              <a:t>Dekryptovat </a:t>
+            </a:r>
+            <a:endParaRPr lang="en-US" dirty="0"/>
+          </a:p>
+        </p:txBody>
+      </p:sp>
       <p:sp>
         <p:nvSpPr>
           <p:cNvPr id="4" name="Slide Number Placeholder 3"/>
@@ -1175,7 +1473,288 @@
           <a:p>
             <a:fld id="{72CCBEF4-1BE4-4B48-AF24-6E8DE69994C4}" type="slidenum">
               <a:rPr lang="en-US" smtClean="0"/>
-              <a:t>24</a:t>
+              <a:pPr/>
+              <a:t>20</a:t>
+            </a:fld>
+            <a:endParaRPr lang="en-US"/>
+          </a:p>
+        </p:txBody>
+      </p:sp>
+    </p:spTree>
+  </p:cSld>
+  <p:clrMapOvr>
+    <a:masterClrMapping/>
+  </p:clrMapOvr>
+</p:notes>
+</file>
+
+<file path=ppt/notesSlides/notesSlide7.xml><?xml version="1.0" encoding="utf-8"?>
+<p:notes xmlns:a="http://schemas.openxmlformats.org/drawingml/2006/main" xmlns:r="http://schemas.openxmlformats.org/officeDocument/2006/relationships" xmlns:p="http://schemas.openxmlformats.org/presentationml/2006/main">
+  <p:cSld>
+    <p:spTree>
+      <p:nvGrpSpPr>
+        <p:cNvPr id="1" name=""/>
+        <p:cNvGrpSpPr/>
+        <p:nvPr/>
+      </p:nvGrpSpPr>
+      <p:grpSpPr>
+        <a:xfrm>
+          <a:off x="0" y="0"/>
+          <a:ext cx="0" cy="0"/>
+          <a:chOff x="0" y="0"/>
+          <a:chExt cx="0" cy="0"/>
+        </a:xfrm>
+      </p:grpSpPr>
+      <p:sp>
+        <p:nvSpPr>
+          <p:cNvPr id="2" name="Slide Image Placeholder 1"/>
+          <p:cNvSpPr>
+            <a:spLocks noGrp="1" noRot="1" noChangeAspect="1"/>
+          </p:cNvSpPr>
+          <p:nvPr>
+            <p:ph type="sldImg"/>
+          </p:nvPr>
+        </p:nvSpPr>
+        <p:spPr/>
+      </p:sp>
+      <p:sp>
+        <p:nvSpPr>
+          <p:cNvPr id="3" name="Notes Placeholder 2"/>
+          <p:cNvSpPr>
+            <a:spLocks noGrp="1"/>
+          </p:cNvSpPr>
+          <p:nvPr>
+            <p:ph type="body" idx="1"/>
+          </p:nvPr>
+        </p:nvSpPr>
+        <p:spPr/>
+        <p:txBody>
+          <a:bodyPr>
+            <a:normAutofit/>
+          </a:bodyPr>
+          <a:lstStyle/>
+          <a:p>
+            <a:r>
+              <a:rPr lang="en-US" dirty="0" smtClean="0"/>
+              <a:t>Desktop </a:t>
+            </a:r>
+            <a:r>
+              <a:rPr lang="en-US" dirty="0" err="1" smtClean="0"/>
+              <a:t>senzor</a:t>
+            </a:r>
+            <a:endParaRPr lang="en-US" dirty="0"/>
+          </a:p>
+        </p:txBody>
+      </p:sp>
+      <p:sp>
+        <p:nvSpPr>
+          <p:cNvPr id="4" name="Slide Number Placeholder 3"/>
+          <p:cNvSpPr>
+            <a:spLocks noGrp="1"/>
+          </p:cNvSpPr>
+          <p:nvPr>
+            <p:ph type="sldNum" sz="quarter" idx="10"/>
+          </p:nvPr>
+        </p:nvSpPr>
+        <p:spPr/>
+        <p:txBody>
+          <a:bodyPr/>
+          <a:lstStyle/>
+          <a:p>
+            <a:fld id="{72CCBEF4-1BE4-4B48-AF24-6E8DE69994C4}" type="slidenum">
+              <a:rPr lang="en-US" smtClean="0"/>
+              <a:pPr/>
+              <a:t>21</a:t>
+            </a:fld>
+            <a:endParaRPr lang="en-US"/>
+          </a:p>
+        </p:txBody>
+      </p:sp>
+    </p:spTree>
+  </p:cSld>
+  <p:clrMapOvr>
+    <a:masterClrMapping/>
+  </p:clrMapOvr>
+</p:notes>
+</file>
+
+<file path=ppt/notesSlides/notesSlide8.xml><?xml version="1.0" encoding="utf-8"?>
+<p:notes xmlns:a="http://schemas.openxmlformats.org/drawingml/2006/main" xmlns:r="http://schemas.openxmlformats.org/officeDocument/2006/relationships" xmlns:p="http://schemas.openxmlformats.org/presentationml/2006/main">
+  <p:cSld>
+    <p:spTree>
+      <p:nvGrpSpPr>
+        <p:cNvPr id="1" name=""/>
+        <p:cNvGrpSpPr/>
+        <p:nvPr/>
+      </p:nvGrpSpPr>
+      <p:grpSpPr>
+        <a:xfrm>
+          <a:off x="0" y="0"/>
+          <a:ext cx="0" cy="0"/>
+          <a:chOff x="0" y="0"/>
+          <a:chExt cx="0" cy="0"/>
+        </a:xfrm>
+      </p:grpSpPr>
+      <p:sp>
+        <p:nvSpPr>
+          <p:cNvPr id="2" name="Slide Image Placeholder 1"/>
+          <p:cNvSpPr>
+            <a:spLocks noGrp="1" noRot="1" noChangeAspect="1"/>
+          </p:cNvSpPr>
+          <p:nvPr>
+            <p:ph type="sldImg"/>
+          </p:nvPr>
+        </p:nvSpPr>
+        <p:spPr/>
+      </p:sp>
+      <p:sp>
+        <p:nvSpPr>
+          <p:cNvPr id="3" name="Notes Placeholder 2"/>
+          <p:cNvSpPr>
+            <a:spLocks noGrp="1"/>
+          </p:cNvSpPr>
+          <p:nvPr>
+            <p:ph type="body" idx="1"/>
+          </p:nvPr>
+        </p:nvSpPr>
+        <p:spPr/>
+        <p:txBody>
+          <a:bodyPr>
+            <a:normAutofit/>
+          </a:bodyPr>
+          <a:lstStyle/>
+          <a:p>
+            <a:r>
+              <a:rPr lang="sk-SK" dirty="0" smtClean="0"/>
+              <a:t>Programovo</a:t>
+            </a:r>
+            <a:r>
+              <a:rPr lang="sk-SK" baseline="0" dirty="0" smtClean="0"/>
+              <a:t> generuju data,</a:t>
+            </a:r>
+          </a:p>
+          <a:p>
+            <a:r>
+              <a:rPr lang="sk-SK" baseline="0" dirty="0" smtClean="0"/>
+              <a:t>200 hodnot</a:t>
+            </a:r>
+          </a:p>
+          <a:p>
+            <a:r>
+              <a:rPr lang="sk-SK" baseline="0" dirty="0" smtClean="0"/>
+              <a:t>Implementovane timeout</a:t>
+            </a:r>
+          </a:p>
+          <a:p>
+            <a:r>
+              <a:rPr lang="sk-SK" baseline="0" dirty="0" smtClean="0"/>
+              <a:t>treshold</a:t>
+            </a:r>
+            <a:endParaRPr lang="en-US" dirty="0"/>
+          </a:p>
+        </p:txBody>
+      </p:sp>
+      <p:sp>
+        <p:nvSpPr>
+          <p:cNvPr id="4" name="Slide Number Placeholder 3"/>
+          <p:cNvSpPr>
+            <a:spLocks noGrp="1"/>
+          </p:cNvSpPr>
+          <p:nvPr>
+            <p:ph type="sldNum" sz="quarter" idx="10"/>
+          </p:nvPr>
+        </p:nvSpPr>
+        <p:spPr/>
+        <p:txBody>
+          <a:bodyPr/>
+          <a:lstStyle/>
+          <a:p>
+            <a:fld id="{72CCBEF4-1BE4-4B48-AF24-6E8DE69994C4}" type="slidenum">
+              <a:rPr lang="en-US" smtClean="0"/>
+              <a:pPr/>
+              <a:t>22</a:t>
+            </a:fld>
+            <a:endParaRPr lang="en-US"/>
+          </a:p>
+        </p:txBody>
+      </p:sp>
+    </p:spTree>
+  </p:cSld>
+  <p:clrMapOvr>
+    <a:masterClrMapping/>
+  </p:clrMapOvr>
+</p:notes>
+</file>
+
+<file path=ppt/notesSlides/notesSlide9.xml><?xml version="1.0" encoding="utf-8"?>
+<p:notes xmlns:a="http://schemas.openxmlformats.org/drawingml/2006/main" xmlns:r="http://schemas.openxmlformats.org/officeDocument/2006/relationships" xmlns:p="http://schemas.openxmlformats.org/presentationml/2006/main">
+  <p:cSld>
+    <p:spTree>
+      <p:nvGrpSpPr>
+        <p:cNvPr id="1" name=""/>
+        <p:cNvGrpSpPr/>
+        <p:nvPr/>
+      </p:nvGrpSpPr>
+      <p:grpSpPr>
+        <a:xfrm>
+          <a:off x="0" y="0"/>
+          <a:ext cx="0" cy="0"/>
+          <a:chOff x="0" y="0"/>
+          <a:chExt cx="0" cy="0"/>
+        </a:xfrm>
+      </p:grpSpPr>
+      <p:sp>
+        <p:nvSpPr>
+          <p:cNvPr id="2" name="Slide Image Placeholder 1"/>
+          <p:cNvSpPr>
+            <a:spLocks noGrp="1" noRot="1" noChangeAspect="1"/>
+          </p:cNvSpPr>
+          <p:nvPr>
+            <p:ph type="sldImg"/>
+          </p:nvPr>
+        </p:nvSpPr>
+        <p:spPr/>
+      </p:sp>
+      <p:sp>
+        <p:nvSpPr>
+          <p:cNvPr id="3" name="Notes Placeholder 2"/>
+          <p:cNvSpPr>
+            <a:spLocks noGrp="1"/>
+          </p:cNvSpPr>
+          <p:nvPr>
+            <p:ph type="body" idx="1"/>
+          </p:nvPr>
+        </p:nvSpPr>
+        <p:spPr/>
+        <p:txBody>
+          <a:bodyPr>
+            <a:normAutofit/>
+          </a:bodyPr>
+          <a:lstStyle/>
+          <a:p>
+            <a:endParaRPr lang="en-US" dirty="0"/>
+          </a:p>
+        </p:txBody>
+      </p:sp>
+      <p:sp>
+        <p:nvSpPr>
+          <p:cNvPr id="4" name="Slide Number Placeholder 3"/>
+          <p:cNvSpPr>
+            <a:spLocks noGrp="1"/>
+          </p:cNvSpPr>
+          <p:nvPr>
+            <p:ph type="sldNum" sz="quarter" idx="10"/>
+          </p:nvPr>
+        </p:nvSpPr>
+        <p:spPr/>
+        <p:txBody>
+          <a:bodyPr/>
+          <a:lstStyle/>
+          <a:p>
+            <a:fld id="{72CCBEF4-1BE4-4B48-AF24-6E8DE69994C4}" type="slidenum">
+              <a:rPr lang="en-US" smtClean="0"/>
+              <a:pPr/>
+              <a:t>29</a:t>
             </a:fld>
             <a:endParaRPr lang="en-US"/>
           </a:p>
@@ -1370,7 +1949,8 @@
           <a:p>
             <a:fld id="{E1B5DF8F-3C97-4B59-88E1-3332BCA13463}" type="datetime1">
               <a:rPr lang="en-US" smtClean="0"/>
-              <a:t>6/11/2017</a:t>
+              <a:pPr/>
+              <a:t>6/12/2017</a:t>
             </a:fld>
             <a:endParaRPr lang="en-US"/>
           </a:p>
@@ -1412,6 +1992,7 @@
           <a:p>
             <a:fld id="{8C584B50-B360-452D-AFC7-DEF83B5F5806}" type="slidenum">
               <a:rPr lang="en-US" smtClean="0"/>
+              <a:pPr/>
               <a:t>‹#›</a:t>
             </a:fld>
             <a:endParaRPr lang="en-US"/>
@@ -1535,7 +2116,8 @@
           <a:p>
             <a:fld id="{BA9075BD-8710-4C84-8786-3811C743226F}" type="datetime1">
               <a:rPr lang="en-US" smtClean="0"/>
-              <a:t>6/11/2017</a:t>
+              <a:pPr/>
+              <a:t>6/12/2017</a:t>
             </a:fld>
             <a:endParaRPr lang="en-US"/>
           </a:p>
@@ -1577,6 +2159,7 @@
           <a:p>
             <a:fld id="{8C584B50-B360-452D-AFC7-DEF83B5F5806}" type="slidenum">
               <a:rPr lang="en-US" smtClean="0"/>
+              <a:pPr/>
               <a:t>‹#›</a:t>
             </a:fld>
             <a:endParaRPr lang="en-US"/>
@@ -1710,7 +2293,8 @@
           <a:p>
             <a:fld id="{AFF7F875-4BB6-4836-B09D-D289243DF449}" type="datetime1">
               <a:rPr lang="en-US" smtClean="0"/>
-              <a:t>6/11/2017</a:t>
+              <a:pPr/>
+              <a:t>6/12/2017</a:t>
             </a:fld>
             <a:endParaRPr lang="en-US"/>
           </a:p>
@@ -1752,6 +2336,7 @@
           <a:p>
             <a:fld id="{8C584B50-B360-452D-AFC7-DEF83B5F5806}" type="slidenum">
               <a:rPr lang="en-US" smtClean="0"/>
+              <a:pPr/>
               <a:t>‹#›</a:t>
             </a:fld>
             <a:endParaRPr lang="en-US"/>
@@ -1875,7 +2460,8 @@
           <a:p>
             <a:fld id="{03A6C798-90A1-449F-B909-889CAB126F4F}" type="datetime1">
               <a:rPr lang="en-US" smtClean="0"/>
-              <a:t>6/11/2017</a:t>
+              <a:pPr/>
+              <a:t>6/12/2017</a:t>
             </a:fld>
             <a:endParaRPr lang="en-US"/>
           </a:p>
@@ -1917,6 +2503,7 @@
           <a:p>
             <a:fld id="{8C584B50-B360-452D-AFC7-DEF83B5F5806}" type="slidenum">
               <a:rPr lang="en-US" smtClean="0"/>
+              <a:pPr/>
               <a:t>‹#›</a:t>
             </a:fld>
             <a:endParaRPr lang="en-US"/>
@@ -2116,7 +2703,8 @@
           <a:p>
             <a:fld id="{C519C653-ECD6-448A-A4AF-0DB7EA3A10E0}" type="datetime1">
               <a:rPr lang="en-US" smtClean="0"/>
-              <a:t>6/11/2017</a:t>
+              <a:pPr/>
+              <a:t>6/12/2017</a:t>
             </a:fld>
             <a:endParaRPr lang="en-US"/>
           </a:p>
@@ -2158,6 +2746,7 @@
           <a:p>
             <a:fld id="{8C584B50-B360-452D-AFC7-DEF83B5F5806}" type="slidenum">
               <a:rPr lang="en-US" smtClean="0"/>
+              <a:pPr/>
               <a:t>‹#›</a:t>
             </a:fld>
             <a:endParaRPr lang="en-US"/>
@@ -2399,7 +2988,8 @@
           <a:p>
             <a:fld id="{54163FB4-44F0-4C32-8002-B71033333E30}" type="datetime1">
               <a:rPr lang="en-US" smtClean="0"/>
-              <a:t>6/11/2017</a:t>
+              <a:pPr/>
+              <a:t>6/12/2017</a:t>
             </a:fld>
             <a:endParaRPr lang="en-US"/>
           </a:p>
@@ -2441,6 +3031,7 @@
           <a:p>
             <a:fld id="{8C584B50-B360-452D-AFC7-DEF83B5F5806}" type="slidenum">
               <a:rPr lang="en-US" smtClean="0"/>
+              <a:pPr/>
               <a:t>‹#›</a:t>
             </a:fld>
             <a:endParaRPr lang="en-US"/>
@@ -2816,7 +3407,8 @@
           <a:p>
             <a:fld id="{20F938D6-33CD-41B7-847E-61C4347BA632}" type="datetime1">
               <a:rPr lang="en-US" smtClean="0"/>
-              <a:t>6/11/2017</a:t>
+              <a:pPr/>
+              <a:t>6/12/2017</a:t>
             </a:fld>
             <a:endParaRPr lang="en-US"/>
           </a:p>
@@ -2858,6 +3450,7 @@
           <a:p>
             <a:fld id="{8C584B50-B360-452D-AFC7-DEF83B5F5806}" type="slidenum">
               <a:rPr lang="en-US" smtClean="0"/>
+              <a:pPr/>
               <a:t>‹#›</a:t>
             </a:fld>
             <a:endParaRPr lang="en-US"/>
@@ -2929,7 +3522,8 @@
           <a:p>
             <a:fld id="{DD05A9E9-89B1-41EE-B931-5A0FC24DD79F}" type="datetime1">
               <a:rPr lang="en-US" smtClean="0"/>
-              <a:t>6/11/2017</a:t>
+              <a:pPr/>
+              <a:t>6/12/2017</a:t>
             </a:fld>
             <a:endParaRPr lang="en-US"/>
           </a:p>
@@ -2971,6 +3565,7 @@
           <a:p>
             <a:fld id="{8C584B50-B360-452D-AFC7-DEF83B5F5806}" type="slidenum">
               <a:rPr lang="en-US" smtClean="0"/>
+              <a:pPr/>
               <a:t>‹#›</a:t>
             </a:fld>
             <a:endParaRPr lang="en-US"/>
@@ -3019,7 +3614,8 @@
           <a:p>
             <a:fld id="{62DBA4D6-0A0B-4BED-8DE6-7BA5EC563FFD}" type="datetime1">
               <a:rPr lang="en-US" smtClean="0"/>
-              <a:t>6/11/2017</a:t>
+              <a:pPr/>
+              <a:t>6/12/2017</a:t>
             </a:fld>
             <a:endParaRPr lang="en-US"/>
           </a:p>
@@ -3061,6 +3657,7 @@
           <a:p>
             <a:fld id="{8C584B50-B360-452D-AFC7-DEF83B5F5806}" type="slidenum">
               <a:rPr lang="en-US" smtClean="0"/>
+              <a:pPr/>
               <a:t>‹#›</a:t>
             </a:fld>
             <a:endParaRPr lang="en-US"/>
@@ -3291,7 +3888,8 @@
           <a:p>
             <a:fld id="{96A9687F-F34D-4AFB-96D8-4674A1B76C29}" type="datetime1">
               <a:rPr lang="en-US" smtClean="0"/>
-              <a:t>6/11/2017</a:t>
+              <a:pPr/>
+              <a:t>6/12/2017</a:t>
             </a:fld>
             <a:endParaRPr lang="en-US"/>
           </a:p>
@@ -3333,6 +3931,7 @@
           <a:p>
             <a:fld id="{8C584B50-B360-452D-AFC7-DEF83B5F5806}" type="slidenum">
               <a:rPr lang="en-US" smtClean="0"/>
+              <a:pPr/>
               <a:t>‹#›</a:t>
             </a:fld>
             <a:endParaRPr lang="en-US"/>
@@ -3539,7 +4138,8 @@
           <a:p>
             <a:fld id="{92290D2E-C391-4CE3-9C59-55599AB7B6BE}" type="datetime1">
               <a:rPr lang="en-US" smtClean="0"/>
-              <a:t>6/11/2017</a:t>
+              <a:pPr/>
+              <a:t>6/12/2017</a:t>
             </a:fld>
             <a:endParaRPr lang="en-US"/>
           </a:p>
@@ -3581,6 +4181,7 @@
           <a:p>
             <a:fld id="{8C584B50-B360-452D-AFC7-DEF83B5F5806}" type="slidenum">
               <a:rPr lang="en-US" smtClean="0"/>
+              <a:pPr/>
               <a:t>‹#›</a:t>
             </a:fld>
             <a:endParaRPr lang="en-US"/>
@@ -3747,7 +4348,8 @@
           <a:p>
             <a:fld id="{5CFE152D-BC5D-4C63-B13E-F0FA30DB29B3}" type="datetime1">
               <a:rPr lang="en-US" smtClean="0"/>
-              <a:t>6/11/2017</a:t>
+              <a:pPr/>
+              <a:t>6/12/2017</a:t>
             </a:fld>
             <a:endParaRPr lang="en-US"/>
           </a:p>
@@ -3825,6 +4427,7 @@
           <a:p>
             <a:fld id="{8C584B50-B360-452D-AFC7-DEF83B5F5806}" type="slidenum">
               <a:rPr lang="en-US" smtClean="0"/>
+              <a:pPr/>
               <a:t>‹#›</a:t>
             </a:fld>
             <a:endParaRPr lang="en-US"/>
@@ -4128,7 +4731,12 @@
             <p:ph type="ctrTitle"/>
           </p:nvPr>
         </p:nvSpPr>
-        <p:spPr/>
+        <p:spPr>
+          <a:xfrm>
+            <a:off x="685800" y="2187575"/>
+            <a:ext cx="7772400" cy="1470025"/>
+          </a:xfrm>
+        </p:spPr>
         <p:txBody>
           <a:bodyPr>
             <a:normAutofit fontScale="90000"/>
@@ -4141,22 +4749,24 @@
             </a:r>
             <a:r>
               <a:rPr lang="en-US" dirty="0" smtClean="0"/>
-              <a:t/>
-            </a:r>
-            <a:br>
-              <a:rPr lang="en-US" dirty="0" smtClean="0"/>
-            </a:br>
-            <a:r>
-              <a:rPr lang="sk-SK" dirty="0" smtClean="0"/>
-              <a:t>bezdrôtových komunikačných sietí</a:t>
-            </a:r>
-            <a:r>
-              <a:rPr lang="en-US" dirty="0" smtClean="0"/>
-              <a:t/>
-            </a:r>
-            <a:br>
-              <a:rPr lang="en-US" dirty="0" smtClean="0"/>
-            </a:br>
+              <a:t> </a:t>
+            </a:r>
+            <a:r>
+              <a:rPr lang="sk-SK" dirty="0" smtClean="0"/>
+              <a:t>bezdrôtových</a:t>
+            </a:r>
+            <a:r>
+              <a:rPr lang="en-US" dirty="0" smtClean="0"/>
+              <a:t> </a:t>
+            </a:r>
+            <a:r>
+              <a:rPr lang="sk-SK" dirty="0" smtClean="0"/>
+              <a:t>komunikačných sietí</a:t>
+            </a:r>
+            <a:r>
+              <a:rPr lang="en-US" dirty="0" smtClean="0"/>
+              <a:t> </a:t>
+            </a:r>
             <a:r>
               <a:rPr lang="sk-SK" dirty="0" smtClean="0"/>
               <a:t>v</a:t>
@@ -4167,18 +4777,31 @@
             </a:r>
             <a:r>
               <a:rPr lang="sk-SK" dirty="0" smtClean="0"/>
-              <a:t>inteligentných domácnostiach</a:t>
-            </a:r>
-            <a:r>
-              <a:rPr lang="en-US" dirty="0" smtClean="0"/>
-              <a:t/>
-            </a:r>
-            <a:br>
-              <a:rPr lang="en-US" dirty="0" smtClean="0"/>
-            </a:br>
-            <a:r>
-              <a:rPr lang="sk-SK" dirty="0" smtClean="0"/>
-              <a:t>proti kybernetickým útokom</a:t>
+              <a:t>inteligentných </a:t>
+            </a:r>
+            <a:r>
+              <a:rPr lang="sk-SK" dirty="0" smtClean="0"/>
+              <a:t>domácnostiach</a:t>
+            </a:r>
+            <a:r>
+              <a:rPr lang="en-US" dirty="0" smtClean="0"/>
+              <a:t> </a:t>
+            </a:r>
+            <a:r>
+              <a:rPr lang="sk-SK" dirty="0" smtClean="0"/>
+              <a:t>proti</a:t>
+            </a:r>
+            <a:r>
+              <a:rPr lang="en-US" dirty="0" smtClean="0"/>
+              <a:t> </a:t>
+            </a:r>
+            <a:r>
+              <a:rPr lang="sk-SK" dirty="0" smtClean="0"/>
+              <a:t>kybernetickým </a:t>
+            </a:r>
+            <a:r>
+              <a:rPr lang="sk-SK" dirty="0" smtClean="0"/>
+              <a:t>útokom</a:t>
             </a:r>
             <a:endParaRPr lang="en-US" dirty="0"/>
           </a:p>
@@ -4196,7 +4819,7 @@
         </p:nvSpPr>
         <p:spPr>
           <a:xfrm>
-            <a:off x="1371600" y="4572000"/>
+            <a:off x="1371600" y="5029200"/>
             <a:ext cx="6400800" cy="1752600"/>
           </a:xfrm>
         </p:spPr>
@@ -4263,21 +4886,13 @@
         <p:spPr/>
         <p:txBody>
           <a:bodyPr>
-            <a:normAutofit/>
+            <a:normAutofit fontScale="90000"/>
           </a:bodyPr>
           <a:lstStyle/>
           <a:p>
             <a:r>
               <a:rPr lang="sk-SK" dirty="0" smtClean="0"/>
-              <a:t>Implementácia-</a:t>
-            </a:r>
-            <a:r>
-              <a:rPr lang="en-US" dirty="0" smtClean="0"/>
-              <a:t>JC debug </a:t>
-            </a:r>
-            <a:r>
-              <a:rPr lang="en-US" dirty="0" err="1" smtClean="0"/>
-              <a:t>konzola</a:t>
+              <a:t>Implementácia-Komunikačný protokol</a:t>
             </a:r>
             <a:endParaRPr lang="en-US" dirty="0"/>
           </a:p>
@@ -4293,78 +4908,116 @@
             <p:ph idx="1"/>
           </p:nvPr>
         </p:nvSpPr>
-        <p:spPr/>
-        <p:txBody>
-          <a:bodyPr/>
-          <a:lstStyle/>
-          <a:p>
-            <a:r>
-              <a:rPr lang="sk-SK" dirty="0" smtClean="0"/>
-              <a:t>Segger J-Link RTT</a:t>
-            </a:r>
-          </a:p>
-          <a:p>
-            <a:pPr lvl="1"/>
-            <a:r>
-              <a:rPr lang="sk-SK" dirty="0" smtClean="0"/>
-              <a:t>Monitorovať, testovať</a:t>
-            </a:r>
-          </a:p>
-          <a:p>
-            <a:pPr lvl="1"/>
-            <a:r>
-              <a:rPr lang="sk-SK" dirty="0" smtClean="0"/>
-              <a:t>Výpis ATR správy</a:t>
-            </a:r>
-          </a:p>
-          <a:p>
-            <a:pPr lvl="1"/>
-            <a:r>
-              <a:rPr lang="sk-SK" dirty="0" smtClean="0"/>
-              <a:t>Vyhľadávanie manažera karty</a:t>
-            </a:r>
-          </a:p>
-          <a:p>
-            <a:pPr lvl="1"/>
-            <a:r>
-              <a:rPr lang="sk-SK" dirty="0" smtClean="0"/>
-              <a:t>Posielať APDU správy blokovo</a:t>
-            </a:r>
-            <a:r>
-              <a:rPr lang="en-US" dirty="0" smtClean="0"/>
-              <a:t>/</a:t>
-            </a:r>
-            <a:r>
-              <a:rPr lang="en-US" dirty="0" err="1" smtClean="0"/>
-              <a:t>bajtovo</a:t>
-            </a:r>
+        <p:spPr>
+          <a:xfrm>
+            <a:off x="457200" y="1600200"/>
+            <a:ext cx="8229600" cy="5257800"/>
+          </a:xfrm>
+        </p:spPr>
+        <p:txBody>
+          <a:bodyPr>
+            <a:normAutofit fontScale="92500" lnSpcReduction="10000"/>
+          </a:bodyPr>
+          <a:lstStyle/>
+          <a:p>
+            <a:r>
+              <a:rPr lang="sk-SK" dirty="0" smtClean="0"/>
+              <a:t>Viac ako 8 bajtov,  maximálne 254 </a:t>
+            </a:r>
+            <a:r>
+              <a:rPr lang="sk-SK" dirty="0" smtClean="0"/>
+              <a:t>bajtov</a:t>
+            </a:r>
+          </a:p>
+          <a:p>
             <a:endParaRPr lang="sk-SK" dirty="0" smtClean="0"/>
           </a:p>
           <a:p>
-            <a:pPr lvl="1"/>
-            <a:r>
-              <a:rPr lang="sk-SK" dirty="0" smtClean="0"/>
-              <a:t>Aktivácia, deaktivácia, resetovanie</a:t>
-            </a:r>
-          </a:p>
-          <a:p>
-            <a:pPr lvl="1"/>
-            <a:r>
-              <a:rPr lang="en-US" dirty="0" err="1" smtClean="0"/>
-              <a:t>Preh</a:t>
-            </a:r>
-            <a:r>
-              <a:rPr lang="sk-SK" dirty="0" smtClean="0"/>
-              <a:t>ľadávať inštrukcie</a:t>
-            </a:r>
-            <a:endParaRPr lang="en-US" dirty="0" smtClean="0"/>
-          </a:p>
-          <a:p>
-            <a:pPr lvl="1"/>
-            <a:r>
-              <a:rPr lang="sk-SK" dirty="0" smtClean="0"/>
-              <a:t>Zmena baud rýchlostí</a:t>
-            </a:r>
+            <a:endParaRPr lang="sk-SK" dirty="0" smtClean="0"/>
+          </a:p>
+          <a:p>
+            <a:endParaRPr lang="sk-SK" dirty="0"/>
+          </a:p>
+          <a:p>
+            <a:endParaRPr lang="sk-SK" dirty="0" smtClean="0"/>
+          </a:p>
+          <a:p>
+            <a:endParaRPr lang="sk-SK" dirty="0" smtClean="0"/>
+          </a:p>
+          <a:p>
+            <a:r>
+              <a:rPr lang="sk-SK" dirty="0" smtClean="0"/>
+              <a:t>Príklad správ</a:t>
+            </a:r>
+            <a:endParaRPr lang="sk-SK" dirty="0"/>
+          </a:p>
+          <a:p>
+            <a:pPr lvl="1">
+              <a:spcBef>
+                <a:spcPts val="200"/>
+              </a:spcBef>
+            </a:pPr>
+            <a:r>
+              <a:rPr lang="sk-SK" dirty="0" smtClean="0"/>
+              <a:t>FF</a:t>
+            </a:r>
+            <a:r>
+              <a:rPr lang="sk-SK" dirty="0" smtClean="0"/>
+              <a:t> FF </a:t>
+            </a:r>
+            <a:r>
+              <a:rPr lang="sk-SK" dirty="0" smtClean="0"/>
+              <a:t>			prázdna správa</a:t>
+            </a:r>
+          </a:p>
+          <a:p>
+            <a:pPr lvl="1">
+              <a:spcBef>
+                <a:spcPts val="200"/>
+              </a:spcBef>
+            </a:pPr>
+            <a:r>
+              <a:rPr lang="sk-SK" dirty="0" smtClean="0"/>
+              <a:t>00 00</a:t>
+            </a:r>
+            <a:r>
+              <a:rPr lang="sk-SK" dirty="0" smtClean="0"/>
+              <a:t>			prázdna správa</a:t>
+            </a:r>
+          </a:p>
+          <a:p>
+            <a:pPr lvl="1">
+              <a:spcBef>
+                <a:spcPts val="200"/>
+              </a:spcBef>
+            </a:pPr>
+            <a:r>
+              <a:rPr lang="sk-SK" dirty="0" smtClean="0"/>
+              <a:t>01 03  </a:t>
+            </a:r>
+            <a:r>
+              <a:rPr lang="sk-SK" dirty="0" smtClean="0"/>
+              <a:t>01 FF		nezabezpečená </a:t>
+            </a:r>
+            <a:r>
+              <a:rPr lang="sk-SK" dirty="0" smtClean="0"/>
+              <a:t>správa</a:t>
+            </a:r>
+          </a:p>
+          <a:p>
+            <a:pPr lvl="1">
+              <a:spcBef>
+                <a:spcPts val="200"/>
+              </a:spcBef>
+            </a:pPr>
+            <a:r>
+              <a:rPr lang="sk-SK" dirty="0" smtClean="0"/>
+              <a:t>03 03 			prázdna správa</a:t>
+            </a:r>
+            <a:endParaRPr lang="sk-SK" dirty="0" smtClean="0"/>
+          </a:p>
+          <a:p>
+            <a:endParaRPr lang="en-US" dirty="0"/>
           </a:p>
         </p:txBody>
       </p:sp>
@@ -4385,12 +5038,39 @@
           <a:p>
             <a:fld id="{8C584B50-B360-452D-AFC7-DEF83B5F5806}" type="slidenum">
               <a:rPr lang="en-US" smtClean="0"/>
+              <a:pPr/>
               <a:t>10</a:t>
             </a:fld>
-            <a:endParaRPr lang="en-US"/>
-          </a:p>
-        </p:txBody>
-      </p:sp>
+            <a:endParaRPr lang="en-US" dirty="0"/>
+          </a:p>
+        </p:txBody>
+      </p:sp>
+      <p:pic>
+        <p:nvPicPr>
+          <p:cNvPr id="3076" name="Picture 4" descr="C:\Lukas\Skola\FIIT\10. semester\Obhajoba\dáta.png"/>
+          <p:cNvPicPr>
+            <a:picLocks noChangeAspect="1" noChangeArrowheads="1"/>
+          </p:cNvPicPr>
+          <p:nvPr/>
+        </p:nvPicPr>
+        <p:blipFill>
+          <a:blip r:embed="rId2"/>
+          <a:srcRect/>
+          <a:stretch>
+            <a:fillRect/>
+          </a:stretch>
+        </p:blipFill>
+        <p:spPr bwMode="auto">
+          <a:xfrm>
+            <a:off x="447675" y="2286000"/>
+            <a:ext cx="8239125" cy="2286000"/>
+          </a:xfrm>
+          <a:prstGeom prst="rect">
+            <a:avLst/>
+          </a:prstGeom>
+          <a:noFill/>
+        </p:spPr>
+      </p:pic>
     </p:spTree>
   </p:cSld>
   <p:clrMapOvr>
@@ -4435,7 +5115,23 @@
           <a:p>
             <a:r>
               <a:rPr lang="sk-SK" dirty="0" smtClean="0"/>
-              <a:t>Implementácia-JC</a:t>
+              <a:t>Implementácia</a:t>
+            </a:r>
+            <a:r>
+              <a:rPr lang="en-US" dirty="0" smtClean="0"/>
+              <a:t>:</a:t>
+            </a:r>
+            <a:r>
+              <a:rPr lang="sk-SK" dirty="0" smtClean="0"/>
+              <a:t> </a:t>
+            </a:r>
+            <a:r>
+              <a:rPr lang="sk-SK" dirty="0" smtClean="0"/>
+              <a:t>SW </a:t>
+            </a:r>
+            <a:r>
+              <a:rPr lang="sk-SK" dirty="0" smtClean="0"/>
+              <a:t>AES</a:t>
             </a:r>
             <a:endParaRPr lang="en-US" dirty="0"/>
           </a:p>
@@ -4458,7 +5154,32 @@
           <a:p>
             <a:r>
               <a:rPr lang="sk-SK" dirty="0" smtClean="0"/>
-              <a:t>applet</a:t>
+              <a:t>Referenčná implementácia</a:t>
+            </a:r>
+          </a:p>
+          <a:p>
+            <a:r>
+              <a:rPr lang="sk-SK" dirty="0" smtClean="0"/>
+              <a:t>TinyAES-128 C</a:t>
+            </a:r>
+          </a:p>
+          <a:p>
+            <a:r>
+              <a:rPr lang="sk-SK" dirty="0" smtClean="0"/>
+              <a:t>CBC</a:t>
+            </a:r>
+          </a:p>
+          <a:p>
+            <a:endParaRPr lang="sk-SK" dirty="0" smtClean="0"/>
+          </a:p>
+          <a:p>
+            <a:r>
+              <a:rPr lang="sk-SK" dirty="0" smtClean="0"/>
+              <a:t>Použitie </a:t>
+            </a:r>
+            <a:r>
+              <a:rPr lang="sk-SK" dirty="0" smtClean="0"/>
+              <a:t>viac-menej priamočiare</a:t>
             </a:r>
             <a:endParaRPr lang="en-US" dirty="0"/>
           </a:p>
@@ -4481,6 +5202,7 @@
           <a:p>
             <a:fld id="{8C584B50-B360-452D-AFC7-DEF83B5F5806}" type="slidenum">
               <a:rPr lang="en-US" smtClean="0"/>
+              <a:pPr/>
               <a:t>11</a:t>
             </a:fld>
             <a:endParaRPr lang="en-US"/>
@@ -4531,7 +5253,23 @@
           <a:p>
             <a:r>
               <a:rPr lang="sk-SK" dirty="0" smtClean="0"/>
-              <a:t>Implementácia-ISO7816 UART</a:t>
+              <a:t>Implementácia</a:t>
+            </a:r>
+            <a:r>
+              <a:rPr lang="en-US" dirty="0" smtClean="0"/>
+              <a:t>:</a:t>
+            </a:r>
+            <a:r>
+              <a:rPr lang="sk-SK" dirty="0" smtClean="0"/>
+              <a:t> </a:t>
+            </a:r>
+            <a:r>
+              <a:rPr lang="sk-SK" dirty="0" smtClean="0"/>
+              <a:t>HW </a:t>
+            </a:r>
+            <a:r>
+              <a:rPr lang="sk-SK" dirty="0" smtClean="0"/>
+              <a:t>AES</a:t>
             </a:r>
             <a:endParaRPr lang="en-US" dirty="0"/>
           </a:p>
@@ -4539,6 +5277,45 @@
       </p:sp>
       <p:sp>
         <p:nvSpPr>
+          <p:cNvPr id="3" name="Content Placeholder 2"/>
+          <p:cNvSpPr>
+            <a:spLocks noGrp="1"/>
+          </p:cNvSpPr>
+          <p:nvPr>
+            <p:ph idx="1"/>
+          </p:nvPr>
+        </p:nvSpPr>
+        <p:spPr/>
+        <p:txBody>
+          <a:bodyPr/>
+          <a:lstStyle/>
+          <a:p>
+            <a:r>
+              <a:rPr lang="sk-SK" dirty="0" smtClean="0"/>
+              <a:t>Secure element</a:t>
+            </a:r>
+          </a:p>
+          <a:p>
+            <a:r>
+              <a:rPr lang="sk-SK" dirty="0" smtClean="0"/>
+              <a:t>HW</a:t>
+            </a:r>
+            <a:r>
+              <a:rPr lang="en-US" dirty="0" smtClean="0"/>
+              <a:t>: </a:t>
+            </a:r>
+            <a:r>
+              <a:rPr lang="sk-SK" dirty="0" smtClean="0"/>
+              <a:t>NFC, RNG, RSA, ECC, AES, DES koprocesor apod. </a:t>
+            </a:r>
+          </a:p>
+          <a:p>
+            <a:endParaRPr lang="sk-SK" dirty="0" smtClean="0"/>
+          </a:p>
+        </p:txBody>
+      </p:sp>
+      <p:sp>
+        <p:nvSpPr>
           <p:cNvPr id="4" name="Slide Number Placeholder 3"/>
           <p:cNvSpPr>
             <a:spLocks noGrp="1"/>
@@ -4554,6 +5331,7 @@
           <a:p>
             <a:fld id="{8C584B50-B360-452D-AFC7-DEF83B5F5806}" type="slidenum">
               <a:rPr lang="en-US" smtClean="0"/>
+              <a:pPr/>
               <a:t>12</a:t>
             </a:fld>
             <a:endParaRPr lang="en-US"/>
@@ -4562,16 +5340,14 @@
       </p:sp>
       <p:pic>
         <p:nvPicPr>
-          <p:cNvPr id="1026" name="Picture 2"/>
+          <p:cNvPr id="2051" name="Picture 3"/>
           <p:cNvPicPr>
-            <a:picLocks noGrp="1" noChangeAspect="1" noChangeArrowheads="1"/>
+            <a:picLocks noChangeAspect="1" noChangeArrowheads="1"/>
           </p:cNvPicPr>
-          <p:nvPr>
-            <p:ph idx="1"/>
-          </p:nvPr>
+          <p:nvPr/>
         </p:nvPicPr>
         <p:blipFill>
-          <a:blip r:embed="rId2"/>
+          <a:blip r:embed="rId2" cstate="print"/>
           <a:srcRect/>
           <a:stretch>
             <a:fillRect/>
@@ -4579,8 +5355,8 @@
         </p:blipFill>
         <p:spPr bwMode="auto">
           <a:xfrm>
-            <a:off x="1275417" y="1600200"/>
-            <a:ext cx="6593165" cy="4525963"/>
+            <a:off x="2838450" y="3023554"/>
+            <a:ext cx="3333750" cy="3758246"/>
           </a:xfrm>
           <a:prstGeom prst="rect">
             <a:avLst/>
@@ -4639,7 +5415,19 @@
           <a:p>
             <a:r>
               <a:rPr lang="sk-SK" dirty="0" smtClean="0"/>
-              <a:t>Implementácia-DPS I</a:t>
+              <a:t>Implementácia</a:t>
+            </a:r>
+            <a:r>
+              <a:rPr lang="en-US" dirty="0" smtClean="0"/>
+              <a:t>:</a:t>
+            </a:r>
+            <a:r>
+              <a:rPr lang="sk-SK" dirty="0" smtClean="0"/>
+              <a:t> </a:t>
+            </a:r>
+            <a:r>
+              <a:rPr lang="sk-SK" dirty="0" smtClean="0"/>
+              <a:t>ISO7816</a:t>
             </a:r>
             <a:endParaRPr lang="en-US" dirty="0"/>
           </a:p>
@@ -4647,6 +5435,195 @@
       </p:sp>
       <p:sp>
         <p:nvSpPr>
+          <p:cNvPr id="3" name="Content Placeholder 2"/>
+          <p:cNvSpPr>
+            <a:spLocks noGrp="1"/>
+          </p:cNvSpPr>
+          <p:nvPr>
+            <p:ph idx="1"/>
+          </p:nvPr>
+        </p:nvSpPr>
+        <p:spPr>
+          <a:xfrm>
+            <a:off x="457200" y="1600200"/>
+            <a:ext cx="8229600" cy="4724400"/>
+          </a:xfrm>
+        </p:spPr>
+        <p:txBody>
+          <a:bodyPr>
+            <a:normAutofit fontScale="85000" lnSpcReduction="20000"/>
+          </a:bodyPr>
+          <a:lstStyle/>
+          <a:p>
+            <a:r>
+              <a:rPr lang="sk-SK" dirty="0" smtClean="0"/>
+              <a:t>Signály </a:t>
+            </a:r>
+            <a:r>
+              <a:rPr lang="sk-SK" dirty="0" smtClean="0"/>
+              <a:t>sú generované </a:t>
+            </a:r>
+            <a:r>
+              <a:rPr lang="sk-SK" dirty="0" smtClean="0"/>
+              <a:t>GPIO</a:t>
+            </a:r>
+            <a:r>
+              <a:rPr lang="sk-SK" dirty="0" smtClean="0"/>
+              <a:t> </a:t>
+            </a:r>
+            <a:r>
+              <a:rPr lang="sk-SK" dirty="0" smtClean="0"/>
+              <a:t>a</a:t>
+            </a:r>
+            <a:r>
+              <a:rPr lang="en-US" dirty="0" smtClean="0"/>
+              <a:t> HW </a:t>
+            </a:r>
+            <a:r>
+              <a:rPr lang="en-US" dirty="0" err="1" smtClean="0"/>
+              <a:t>perif</a:t>
+            </a:r>
+            <a:r>
+              <a:rPr lang="sk-SK" dirty="0" smtClean="0"/>
+              <a:t>érií (</a:t>
+            </a:r>
+            <a:r>
+              <a:rPr lang="sk-SK" i="1" dirty="0" smtClean="0"/>
+              <a:t>PPI</a:t>
+            </a:r>
+            <a:r>
+              <a:rPr lang="sk-SK" dirty="0" smtClean="0"/>
+              <a:t>)</a:t>
+            </a:r>
+            <a:endParaRPr lang="en-US" dirty="0" smtClean="0"/>
+          </a:p>
+          <a:p>
+            <a:r>
+              <a:rPr lang="sk-SK" dirty="0" smtClean="0"/>
+              <a:t>IO signál UART</a:t>
+            </a:r>
+            <a:endParaRPr lang="sk-SK" dirty="0" smtClean="0"/>
+          </a:p>
+          <a:p>
+            <a:pPr lvl="1"/>
+            <a:r>
+              <a:rPr lang="sk-SK" dirty="0" smtClean="0"/>
+              <a:t>2.667 </a:t>
+            </a:r>
+            <a:r>
+              <a:rPr lang="sk-SK" dirty="0" smtClean="0"/>
+              <a:t>MHz</a:t>
+            </a:r>
+          </a:p>
+          <a:p>
+            <a:pPr lvl="1"/>
+            <a:r>
+              <a:rPr lang="sk-SK" dirty="0" smtClean="0"/>
+              <a:t>7168 bps</a:t>
+            </a:r>
+          </a:p>
+          <a:p>
+            <a:endParaRPr lang="sk-SK" dirty="0" smtClean="0"/>
+          </a:p>
+          <a:p>
+            <a:r>
+              <a:rPr lang="sk-SK" dirty="0" smtClean="0"/>
+              <a:t>ATR (answer to reset)</a:t>
+            </a:r>
+            <a:r>
+              <a:rPr lang="en-US" dirty="0" smtClean="0"/>
+              <a:t>, </a:t>
+            </a:r>
+            <a:r>
+              <a:rPr lang="en-US" dirty="0" err="1" smtClean="0"/>
+              <a:t>nastavenie</a:t>
+            </a:r>
+            <a:r>
+              <a:rPr lang="en-US" dirty="0" smtClean="0"/>
+              <a:t> </a:t>
+            </a:r>
+            <a:r>
+              <a:rPr lang="sk-SK" dirty="0" smtClean="0"/>
+              <a:t>časovanie</a:t>
+            </a:r>
+            <a:endParaRPr lang="sk-SK" dirty="0" smtClean="0"/>
+          </a:p>
+          <a:p>
+            <a:endParaRPr lang="sk-SK" dirty="0" smtClean="0"/>
+          </a:p>
+          <a:p>
+            <a:r>
+              <a:rPr lang="sk-SK" dirty="0" smtClean="0"/>
+              <a:t>Komunikácia</a:t>
+            </a:r>
+          </a:p>
+          <a:p>
+            <a:pPr lvl="1"/>
+            <a:r>
+              <a:rPr lang="en-US" dirty="0" smtClean="0"/>
+              <a:t>T=0 </a:t>
+            </a:r>
+            <a:r>
+              <a:rPr lang="sk-SK" dirty="0" smtClean="0"/>
+              <a:t>bajtová</a:t>
+            </a:r>
+            <a:r>
+              <a:rPr lang="en-US" dirty="0" smtClean="0"/>
+              <a:t> APDU </a:t>
+            </a:r>
+            <a:endParaRPr lang="sk-SK" dirty="0" smtClean="0"/>
+          </a:p>
+          <a:p>
+            <a:pPr lvl="1"/>
+            <a:r>
+              <a:rPr lang="sk-SK" dirty="0" smtClean="0"/>
+              <a:t>T</a:t>
+            </a:r>
+            <a:r>
+              <a:rPr lang="en-US" dirty="0" smtClean="0"/>
+              <a:t>=1 b</a:t>
+            </a:r>
+            <a:r>
+              <a:rPr lang="sk-SK" dirty="0" smtClean="0"/>
+              <a:t>loková</a:t>
+            </a:r>
+            <a:r>
+              <a:rPr lang="en-US" dirty="0" smtClean="0"/>
+              <a:t> </a:t>
+            </a:r>
+            <a:r>
+              <a:rPr lang="en-US" dirty="0" smtClean="0"/>
+              <a:t>APDU</a:t>
+            </a:r>
+            <a:r>
+              <a:rPr lang="sk-SK" dirty="0" smtClean="0"/>
+              <a:t> </a:t>
+            </a:r>
+            <a:r>
+              <a:rPr lang="en-US" dirty="0" err="1" smtClean="0"/>
+              <a:t>zabalen</a:t>
+            </a:r>
+            <a:r>
+              <a:rPr lang="sk-SK" dirty="0" smtClean="0"/>
+              <a:t>é do </a:t>
+            </a:r>
+            <a:r>
+              <a:rPr lang="sk-SK" dirty="0" smtClean="0"/>
+              <a:t>bloku</a:t>
+            </a:r>
+            <a:endParaRPr lang="sk-SK" dirty="0" smtClean="0"/>
+          </a:p>
+          <a:p>
+            <a:r>
+              <a:rPr lang="sk-SK" dirty="0" smtClean="0"/>
+              <a:t>LRC</a:t>
+            </a:r>
+            <a:endParaRPr lang="en-US" dirty="0"/>
+          </a:p>
+        </p:txBody>
+      </p:sp>
+      <p:sp>
+        <p:nvSpPr>
           <p:cNvPr id="4" name="Slide Number Placeholder 3"/>
           <p:cNvSpPr>
             <a:spLocks noGrp="1"/>
@@ -4662,47 +5639,13 @@
           <a:p>
             <a:fld id="{8C584B50-B360-452D-AFC7-DEF83B5F5806}" type="slidenum">
               <a:rPr lang="en-US" smtClean="0"/>
+              <a:pPr/>
               <a:t>13</a:t>
             </a:fld>
             <a:endParaRPr lang="en-US"/>
           </a:p>
         </p:txBody>
       </p:sp>
-      <p:pic>
-        <p:nvPicPr>
-          <p:cNvPr id="3074" name="Picture 2"/>
-          <p:cNvPicPr>
-            <a:picLocks noGrp="1" noChangeAspect="1" noChangeArrowheads="1"/>
-          </p:cNvPicPr>
-          <p:nvPr>
-            <p:ph idx="1"/>
-          </p:nvPr>
-        </p:nvPicPr>
-        <p:blipFill>
-          <a:blip r:embed="rId2"/>
-          <a:srcRect/>
-          <a:stretch>
-            <a:fillRect/>
-          </a:stretch>
-        </p:blipFill>
-        <p:spPr bwMode="auto">
-          <a:xfrm>
-            <a:off x="228600" y="1745419"/>
-            <a:ext cx="8686800" cy="4546424"/>
-          </a:xfrm>
-          <a:prstGeom prst="rect">
-            <a:avLst/>
-          </a:prstGeom>
-          <a:noFill/>
-          <a:ln w="9525">
-            <a:noFill/>
-            <a:miter lim="800000"/>
-            <a:headEnd/>
-            <a:tailEnd/>
-          </a:ln>
-          <a:effectLst/>
-        </p:spPr>
-      </p:pic>
     </p:spTree>
   </p:cSld>
   <p:clrMapOvr>
@@ -4741,13 +5684,44 @@
         <p:spPr/>
         <p:txBody>
           <a:bodyPr>
-            <a:normAutofit/>
+            <a:normAutofit fontScale="90000"/>
           </a:bodyPr>
           <a:lstStyle/>
           <a:p>
             <a:r>
               <a:rPr lang="sk-SK" dirty="0" smtClean="0"/>
-              <a:t>Implementácia-DPS II</a:t>
+              <a:t>Implementácia</a:t>
+            </a:r>
+            <a:r>
+              <a:rPr lang="en-US" dirty="0" smtClean="0"/>
+              <a:t>:</a:t>
+            </a:r>
+            <a:r>
+              <a:rPr lang="sk-SK" dirty="0" smtClean="0"/>
+              <a:t> ISO7816</a:t>
+            </a:r>
+            <a:br>
+              <a:rPr lang="sk-SK" dirty="0" smtClean="0"/>
+            </a:br>
+            <a:r>
+              <a:rPr lang="sk-SK" dirty="0" smtClean="0"/>
+              <a:t>APDU</a:t>
+            </a:r>
+            <a:r>
+              <a:rPr lang="en-US" dirty="0" smtClean="0"/>
+              <a:t> </a:t>
+            </a:r>
+            <a:r>
+              <a:rPr lang="sk-SK" dirty="0" smtClean="0"/>
+              <a:t>(T</a:t>
+            </a:r>
+            <a:r>
+              <a:rPr lang="en-US" dirty="0" smtClean="0"/>
+              <a:t>=0</a:t>
+            </a:r>
+            <a:r>
+              <a:rPr lang="sk-SK" dirty="0" smtClean="0"/>
+              <a:t>)</a:t>
             </a:r>
             <a:endParaRPr lang="en-US" dirty="0"/>
           </a:p>
@@ -4770,6 +5744,7 @@
           <a:p>
             <a:fld id="{8C584B50-B360-452D-AFC7-DEF83B5F5806}" type="slidenum">
               <a:rPr lang="en-US" smtClean="0"/>
+              <a:pPr/>
               <a:t>14</a:t>
             </a:fld>
             <a:endParaRPr lang="en-US"/>
@@ -4778,7 +5753,7 @@
       </p:sp>
       <p:pic>
         <p:nvPicPr>
-          <p:cNvPr id="4098" name="Picture 2"/>
+          <p:cNvPr id="5122" name="Picture 2"/>
           <p:cNvPicPr>
             <a:picLocks noGrp="1" noChangeAspect="1" noChangeArrowheads="1"/>
           </p:cNvPicPr>
@@ -4795,8 +5770,8 @@
         </p:blipFill>
         <p:spPr bwMode="auto">
           <a:xfrm>
-            <a:off x="457200" y="1436296"/>
-            <a:ext cx="8229600" cy="4853772"/>
+            <a:off x="457200" y="2772376"/>
+            <a:ext cx="8229600" cy="2380047"/>
           </a:xfrm>
           <a:prstGeom prst="rect">
             <a:avLst/>
@@ -4849,13 +5824,145 @@
         <p:spPr/>
         <p:txBody>
           <a:bodyPr>
+            <a:normAutofit fontScale="90000"/>
+          </a:bodyPr>
+          <a:lstStyle/>
+          <a:p>
+            <a:r>
+              <a:rPr lang="sk-SK" dirty="0" smtClean="0"/>
+              <a:t>Implementácia</a:t>
+            </a:r>
+            <a:r>
+              <a:rPr lang="en-US" dirty="0" smtClean="0"/>
+              <a:t>:</a:t>
+            </a:r>
+            <a:r>
+              <a:rPr lang="sk-SK" dirty="0" smtClean="0"/>
+              <a:t> ISO7816</a:t>
+            </a:r>
+            <a:br>
+              <a:rPr lang="sk-SK" dirty="0" smtClean="0"/>
+            </a:br>
+            <a:r>
+              <a:rPr lang="sk-SK" dirty="0" smtClean="0"/>
+              <a:t>Blok dát  (T</a:t>
+            </a:r>
+            <a:r>
+              <a:rPr lang="en-US" dirty="0" smtClean="0"/>
+              <a:t>=1</a:t>
+            </a:r>
+            <a:r>
+              <a:rPr lang="sk-SK" dirty="0" smtClean="0"/>
+              <a:t>)</a:t>
+            </a:r>
+            <a:endParaRPr lang="en-US" dirty="0"/>
+          </a:p>
+        </p:txBody>
+      </p:sp>
+      <p:sp>
+        <p:nvSpPr>
+          <p:cNvPr id="4" name="Slide Number Placeholder 3"/>
+          <p:cNvSpPr>
+            <a:spLocks noGrp="1"/>
+          </p:cNvSpPr>
+          <p:nvPr>
+            <p:ph type="sldNum" sz="quarter" idx="12"/>
+          </p:nvPr>
+        </p:nvSpPr>
+        <p:spPr/>
+        <p:txBody>
+          <a:bodyPr/>
+          <a:lstStyle/>
+          <a:p>
+            <a:fld id="{8C584B50-B360-452D-AFC7-DEF83B5F5806}" type="slidenum">
+              <a:rPr lang="en-US" smtClean="0"/>
+              <a:pPr/>
+              <a:t>15</a:t>
+            </a:fld>
+            <a:endParaRPr lang="en-US"/>
+          </a:p>
+        </p:txBody>
+      </p:sp>
+      <p:pic>
+        <p:nvPicPr>
+          <p:cNvPr id="6146" name="Picture 2"/>
+          <p:cNvPicPr>
+            <a:picLocks noGrp="1" noChangeAspect="1" noChangeArrowheads="1"/>
+          </p:cNvPicPr>
+          <p:nvPr>
+            <p:ph idx="1"/>
+          </p:nvPr>
+        </p:nvPicPr>
+        <p:blipFill>
+          <a:blip r:embed="rId2"/>
+          <a:srcRect/>
+          <a:stretch>
+            <a:fillRect/>
+          </a:stretch>
+        </p:blipFill>
+        <p:spPr bwMode="auto">
+          <a:xfrm>
+            <a:off x="0" y="2532122"/>
+            <a:ext cx="9144000" cy="2860556"/>
+          </a:xfrm>
+          <a:prstGeom prst="rect">
+            <a:avLst/>
+          </a:prstGeom>
+          <a:noFill/>
+          <a:ln w="9525">
+            <a:noFill/>
+            <a:miter lim="800000"/>
+            <a:headEnd/>
+            <a:tailEnd/>
+          </a:ln>
+          <a:effectLst/>
+        </p:spPr>
+      </p:pic>
+    </p:spTree>
+  </p:cSld>
+  <p:clrMapOvr>
+    <a:masterClrMapping/>
+  </p:clrMapOvr>
+</p:sld>
+</file>
+
+<file path=ppt/slides/slide16.xml><?xml version="1.0" encoding="utf-8"?>
+<p:sld xmlns:a="http://schemas.openxmlformats.org/drawingml/2006/main" xmlns:r="http://schemas.openxmlformats.org/officeDocument/2006/relationships" xmlns:p="http://schemas.openxmlformats.org/presentationml/2006/main">
+  <p:cSld>
+    <p:spTree>
+      <p:nvGrpSpPr>
+        <p:cNvPr id="1" name=""/>
+        <p:cNvGrpSpPr/>
+        <p:nvPr/>
+      </p:nvGrpSpPr>
+      <p:grpSpPr>
+        <a:xfrm>
+          <a:off x="0" y="0"/>
+          <a:ext cx="0" cy="0"/>
+          <a:chOff x="0" y="0"/>
+          <a:chExt cx="0" cy="0"/>
+        </a:xfrm>
+      </p:grpSpPr>
+      <p:sp>
+        <p:nvSpPr>
+          <p:cNvPr id="2" name="Title 1"/>
+          <p:cNvSpPr>
+            <a:spLocks noGrp="1"/>
+          </p:cNvSpPr>
+          <p:nvPr>
+            <p:ph type="title"/>
+          </p:nvPr>
+        </p:nvSpPr>
+        <p:spPr/>
+        <p:txBody>
+          <a:bodyPr>
             <a:normAutofit/>
           </a:bodyPr>
           <a:lstStyle/>
           <a:p>
             <a:r>
               <a:rPr lang="sk-SK" dirty="0" smtClean="0"/>
-              <a:t>Implementácia-DPS</a:t>
+              <a:t>Implementácia-ISO7816 UART</a:t>
             </a:r>
             <a:endParaRPr lang="en-US" dirty="0"/>
           </a:p>
@@ -4878,7 +5985,367 @@
           <a:p>
             <a:fld id="{8C584B50-B360-452D-AFC7-DEF83B5F5806}" type="slidenum">
               <a:rPr lang="en-US" smtClean="0"/>
-              <a:t>15</a:t>
+              <a:pPr/>
+              <a:t>16</a:t>
+            </a:fld>
+            <a:endParaRPr lang="en-US"/>
+          </a:p>
+        </p:txBody>
+      </p:sp>
+      <p:pic>
+        <p:nvPicPr>
+          <p:cNvPr id="1026" name="Picture 2"/>
+          <p:cNvPicPr>
+            <a:picLocks noGrp="1" noChangeAspect="1" noChangeArrowheads="1"/>
+          </p:cNvPicPr>
+          <p:nvPr>
+            <p:ph idx="1"/>
+          </p:nvPr>
+        </p:nvPicPr>
+        <p:blipFill>
+          <a:blip r:embed="rId2"/>
+          <a:srcRect/>
+          <a:stretch>
+            <a:fillRect/>
+          </a:stretch>
+        </p:blipFill>
+        <p:spPr bwMode="auto">
+          <a:xfrm>
+            <a:off x="1275417" y="1600200"/>
+            <a:ext cx="6593165" cy="4525963"/>
+          </a:xfrm>
+          <a:prstGeom prst="rect">
+            <a:avLst/>
+          </a:prstGeom>
+          <a:noFill/>
+          <a:ln w="9525">
+            <a:noFill/>
+            <a:miter lim="800000"/>
+            <a:headEnd/>
+            <a:tailEnd/>
+          </a:ln>
+          <a:effectLst/>
+        </p:spPr>
+      </p:pic>
+    </p:spTree>
+  </p:cSld>
+  <p:clrMapOvr>
+    <a:masterClrMapping/>
+  </p:clrMapOvr>
+</p:sld>
+</file>
+
+<file path=ppt/slides/slide17.xml><?xml version="1.0" encoding="utf-8"?>
+<p:sld xmlns:a="http://schemas.openxmlformats.org/drawingml/2006/main" xmlns:r="http://schemas.openxmlformats.org/officeDocument/2006/relationships" xmlns:p="http://schemas.openxmlformats.org/presentationml/2006/main">
+  <p:cSld>
+    <p:spTree>
+      <p:nvGrpSpPr>
+        <p:cNvPr id="1" name=""/>
+        <p:cNvGrpSpPr/>
+        <p:nvPr/>
+      </p:nvGrpSpPr>
+      <p:grpSpPr>
+        <a:xfrm>
+          <a:off x="0" y="0"/>
+          <a:ext cx="0" cy="0"/>
+          <a:chOff x="0" y="0"/>
+          <a:chExt cx="0" cy="0"/>
+        </a:xfrm>
+      </p:grpSpPr>
+      <p:sp>
+        <p:nvSpPr>
+          <p:cNvPr id="2" name="Title 1"/>
+          <p:cNvSpPr>
+            <a:spLocks noGrp="1"/>
+          </p:cNvSpPr>
+          <p:nvPr>
+            <p:ph type="title"/>
+          </p:nvPr>
+        </p:nvSpPr>
+        <p:spPr/>
+        <p:txBody>
+          <a:bodyPr>
+            <a:normAutofit/>
+          </a:bodyPr>
+          <a:lstStyle/>
+          <a:p>
+            <a:r>
+              <a:rPr lang="sk-SK" dirty="0" smtClean="0"/>
+              <a:t>Implementácia</a:t>
+            </a:r>
+            <a:r>
+              <a:rPr lang="en-US" dirty="0" smtClean="0"/>
+              <a:t>: </a:t>
+            </a:r>
+            <a:r>
+              <a:rPr lang="sk-SK" dirty="0" smtClean="0"/>
+              <a:t>DPS </a:t>
+            </a:r>
+            <a:r>
+              <a:rPr lang="sk-SK" dirty="0" smtClean="0"/>
+              <a:t>I</a:t>
+            </a:r>
+            <a:endParaRPr lang="en-US" dirty="0"/>
+          </a:p>
+        </p:txBody>
+      </p:sp>
+      <p:sp>
+        <p:nvSpPr>
+          <p:cNvPr id="4" name="Slide Number Placeholder 3"/>
+          <p:cNvSpPr>
+            <a:spLocks noGrp="1"/>
+          </p:cNvSpPr>
+          <p:nvPr>
+            <p:ph type="sldNum" sz="quarter" idx="12"/>
+          </p:nvPr>
+        </p:nvSpPr>
+        <p:spPr/>
+        <p:txBody>
+          <a:bodyPr/>
+          <a:lstStyle/>
+          <a:p>
+            <a:fld id="{8C584B50-B360-452D-AFC7-DEF83B5F5806}" type="slidenum">
+              <a:rPr lang="en-US" smtClean="0"/>
+              <a:pPr/>
+              <a:t>17</a:t>
+            </a:fld>
+            <a:endParaRPr lang="en-US"/>
+          </a:p>
+        </p:txBody>
+      </p:sp>
+      <p:pic>
+        <p:nvPicPr>
+          <p:cNvPr id="3074" name="Picture 2"/>
+          <p:cNvPicPr>
+            <a:picLocks noGrp="1" noChangeAspect="1" noChangeArrowheads="1"/>
+          </p:cNvPicPr>
+          <p:nvPr>
+            <p:ph idx="1"/>
+          </p:nvPr>
+        </p:nvPicPr>
+        <p:blipFill>
+          <a:blip r:embed="rId2"/>
+          <a:srcRect/>
+          <a:stretch>
+            <a:fillRect/>
+          </a:stretch>
+        </p:blipFill>
+        <p:spPr bwMode="auto">
+          <a:xfrm>
+            <a:off x="228600" y="1745419"/>
+            <a:ext cx="8686800" cy="4546424"/>
+          </a:xfrm>
+          <a:prstGeom prst="rect">
+            <a:avLst/>
+          </a:prstGeom>
+          <a:noFill/>
+          <a:ln w="9525">
+            <a:noFill/>
+            <a:miter lim="800000"/>
+            <a:headEnd/>
+            <a:tailEnd/>
+          </a:ln>
+          <a:effectLst/>
+        </p:spPr>
+      </p:pic>
+    </p:spTree>
+  </p:cSld>
+  <p:clrMapOvr>
+    <a:masterClrMapping/>
+  </p:clrMapOvr>
+</p:sld>
+</file>
+
+<file path=ppt/slides/slide18.xml><?xml version="1.0" encoding="utf-8"?>
+<p:sld xmlns:a="http://schemas.openxmlformats.org/drawingml/2006/main" xmlns:r="http://schemas.openxmlformats.org/officeDocument/2006/relationships" xmlns:p="http://schemas.openxmlformats.org/presentationml/2006/main">
+  <p:cSld>
+    <p:spTree>
+      <p:nvGrpSpPr>
+        <p:cNvPr id="1" name=""/>
+        <p:cNvGrpSpPr/>
+        <p:nvPr/>
+      </p:nvGrpSpPr>
+      <p:grpSpPr>
+        <a:xfrm>
+          <a:off x="0" y="0"/>
+          <a:ext cx="0" cy="0"/>
+          <a:chOff x="0" y="0"/>
+          <a:chExt cx="0" cy="0"/>
+        </a:xfrm>
+      </p:grpSpPr>
+      <p:sp>
+        <p:nvSpPr>
+          <p:cNvPr id="2" name="Title 1"/>
+          <p:cNvSpPr>
+            <a:spLocks noGrp="1"/>
+          </p:cNvSpPr>
+          <p:nvPr>
+            <p:ph type="title"/>
+          </p:nvPr>
+        </p:nvSpPr>
+        <p:spPr/>
+        <p:txBody>
+          <a:bodyPr>
+            <a:normAutofit/>
+          </a:bodyPr>
+          <a:lstStyle/>
+          <a:p>
+            <a:r>
+              <a:rPr lang="sk-SK" dirty="0" smtClean="0"/>
+              <a:t>Implementácia</a:t>
+            </a:r>
+            <a:r>
+              <a:rPr lang="en-US" dirty="0" smtClean="0"/>
+              <a:t>: </a:t>
+            </a:r>
+            <a:r>
+              <a:rPr lang="sk-SK" dirty="0" smtClean="0"/>
+              <a:t>DPS </a:t>
+            </a:r>
+            <a:r>
+              <a:rPr lang="sk-SK" dirty="0" smtClean="0"/>
+              <a:t>II</a:t>
+            </a:r>
+            <a:endParaRPr lang="en-US" dirty="0"/>
+          </a:p>
+        </p:txBody>
+      </p:sp>
+      <p:sp>
+        <p:nvSpPr>
+          <p:cNvPr id="4" name="Slide Number Placeholder 3"/>
+          <p:cNvSpPr>
+            <a:spLocks noGrp="1"/>
+          </p:cNvSpPr>
+          <p:nvPr>
+            <p:ph type="sldNum" sz="quarter" idx="12"/>
+          </p:nvPr>
+        </p:nvSpPr>
+        <p:spPr/>
+        <p:txBody>
+          <a:bodyPr/>
+          <a:lstStyle/>
+          <a:p>
+            <a:fld id="{8C584B50-B360-452D-AFC7-DEF83B5F5806}" type="slidenum">
+              <a:rPr lang="en-US" smtClean="0"/>
+              <a:pPr/>
+              <a:t>18</a:t>
+            </a:fld>
+            <a:endParaRPr lang="en-US"/>
+          </a:p>
+        </p:txBody>
+      </p:sp>
+      <p:pic>
+        <p:nvPicPr>
+          <p:cNvPr id="4098" name="Picture 2"/>
+          <p:cNvPicPr>
+            <a:picLocks noGrp="1" noChangeAspect="1" noChangeArrowheads="1"/>
+          </p:cNvPicPr>
+          <p:nvPr>
+            <p:ph idx="1"/>
+          </p:nvPr>
+        </p:nvPicPr>
+        <p:blipFill>
+          <a:blip r:embed="rId2"/>
+          <a:srcRect/>
+          <a:stretch>
+            <a:fillRect/>
+          </a:stretch>
+        </p:blipFill>
+        <p:spPr bwMode="auto">
+          <a:xfrm>
+            <a:off x="457200" y="1436296"/>
+            <a:ext cx="8229600" cy="4853772"/>
+          </a:xfrm>
+          <a:prstGeom prst="rect">
+            <a:avLst/>
+          </a:prstGeom>
+          <a:noFill/>
+          <a:ln w="9525">
+            <a:noFill/>
+            <a:miter lim="800000"/>
+            <a:headEnd/>
+            <a:tailEnd/>
+          </a:ln>
+          <a:effectLst/>
+        </p:spPr>
+      </p:pic>
+    </p:spTree>
+  </p:cSld>
+  <p:clrMapOvr>
+    <a:masterClrMapping/>
+  </p:clrMapOvr>
+</p:sld>
+</file>
+
+<file path=ppt/slides/slide19.xml><?xml version="1.0" encoding="utf-8"?>
+<p:sld xmlns:a="http://schemas.openxmlformats.org/drawingml/2006/main" xmlns:r="http://schemas.openxmlformats.org/officeDocument/2006/relationships" xmlns:p="http://schemas.openxmlformats.org/presentationml/2006/main">
+  <p:cSld>
+    <p:spTree>
+      <p:nvGrpSpPr>
+        <p:cNvPr id="1" name=""/>
+        <p:cNvGrpSpPr/>
+        <p:nvPr/>
+      </p:nvGrpSpPr>
+      <p:grpSpPr>
+        <a:xfrm>
+          <a:off x="0" y="0"/>
+          <a:ext cx="0" cy="0"/>
+          <a:chOff x="0" y="0"/>
+          <a:chExt cx="0" cy="0"/>
+        </a:xfrm>
+      </p:grpSpPr>
+      <p:sp>
+        <p:nvSpPr>
+          <p:cNvPr id="2" name="Title 1"/>
+          <p:cNvSpPr>
+            <a:spLocks noGrp="1"/>
+          </p:cNvSpPr>
+          <p:nvPr>
+            <p:ph type="title"/>
+          </p:nvPr>
+        </p:nvSpPr>
+        <p:spPr/>
+        <p:txBody>
+          <a:bodyPr>
+            <a:normAutofit/>
+          </a:bodyPr>
+          <a:lstStyle/>
+          <a:p>
+            <a:r>
+              <a:rPr lang="sk-SK" dirty="0" smtClean="0"/>
+              <a:t>Implementácia</a:t>
+            </a:r>
+            <a:r>
+              <a:rPr lang="en-US" dirty="0" smtClean="0"/>
+              <a:t>: </a:t>
+            </a:r>
+            <a:r>
+              <a:rPr lang="sk-SK" dirty="0" smtClean="0"/>
+              <a:t>DPS</a:t>
+            </a:r>
+            <a:endParaRPr lang="en-US" dirty="0"/>
+          </a:p>
+        </p:txBody>
+      </p:sp>
+      <p:sp>
+        <p:nvSpPr>
+          <p:cNvPr id="4" name="Slide Number Placeholder 3"/>
+          <p:cNvSpPr>
+            <a:spLocks noGrp="1"/>
+          </p:cNvSpPr>
+          <p:nvPr>
+            <p:ph type="sldNum" sz="quarter" idx="12"/>
+          </p:nvPr>
+        </p:nvSpPr>
+        <p:spPr/>
+        <p:txBody>
+          <a:bodyPr/>
+          <a:lstStyle/>
+          <a:p>
+            <a:fld id="{8C584B50-B360-452D-AFC7-DEF83B5F5806}" type="slidenum">
+              <a:rPr lang="en-US" smtClean="0"/>
+              <a:pPr/>
+              <a:t>19</a:t>
             </a:fld>
             <a:endParaRPr lang="en-US"/>
           </a:p>
@@ -4960,408 +6427,6 @@
 </p:sld>
 </file>
 
-<file path=ppt/slides/slide16.xml><?xml version="1.0" encoding="utf-8"?>
-<p:sld xmlns:a="http://schemas.openxmlformats.org/drawingml/2006/main" xmlns:r="http://schemas.openxmlformats.org/officeDocument/2006/relationships" xmlns:p="http://schemas.openxmlformats.org/presentationml/2006/main">
-  <p:cSld>
-    <p:spTree>
-      <p:nvGrpSpPr>
-        <p:cNvPr id="1" name=""/>
-        <p:cNvGrpSpPr/>
-        <p:nvPr/>
-      </p:nvGrpSpPr>
-      <p:grpSpPr>
-        <a:xfrm>
-          <a:off x="0" y="0"/>
-          <a:ext cx="0" cy="0"/>
-          <a:chOff x="0" y="0"/>
-          <a:chExt cx="0" cy="0"/>
-        </a:xfrm>
-      </p:grpSpPr>
-      <p:sp>
-        <p:nvSpPr>
-          <p:cNvPr id="2" name="Title 1"/>
-          <p:cNvSpPr>
-            <a:spLocks noGrp="1"/>
-          </p:cNvSpPr>
-          <p:nvPr>
-            <p:ph type="title"/>
-          </p:nvPr>
-        </p:nvSpPr>
-        <p:spPr/>
-        <p:txBody>
-          <a:bodyPr/>
-          <a:lstStyle/>
-          <a:p>
-            <a:r>
-              <a:rPr lang="sk-SK" dirty="0" smtClean="0"/>
-              <a:t>Testovanie</a:t>
-            </a:r>
-            <a:endParaRPr lang="en-US" dirty="0"/>
-          </a:p>
-        </p:txBody>
-      </p:sp>
-      <p:sp>
-        <p:nvSpPr>
-          <p:cNvPr id="4" name="Slide Number Placeholder 3"/>
-          <p:cNvSpPr>
-            <a:spLocks noGrp="1"/>
-          </p:cNvSpPr>
-          <p:nvPr>
-            <p:ph type="sldNum" sz="quarter" idx="12"/>
-          </p:nvPr>
-        </p:nvSpPr>
-        <p:spPr/>
-        <p:txBody>
-          <a:bodyPr/>
-          <a:lstStyle/>
-          <a:p>
-            <a:fld id="{8C584B50-B360-452D-AFC7-DEF83B5F5806}" type="slidenum">
-              <a:rPr lang="en-US" smtClean="0"/>
-              <a:t>16</a:t>
-            </a:fld>
-            <a:endParaRPr lang="en-US"/>
-          </a:p>
-        </p:txBody>
-      </p:sp>
-      <p:pic>
-        <p:nvPicPr>
-          <p:cNvPr id="2050" name="Picture 2"/>
-          <p:cNvPicPr>
-            <a:picLocks noGrp="1" noChangeAspect="1" noChangeArrowheads="1"/>
-          </p:cNvPicPr>
-          <p:nvPr>
-            <p:ph idx="1"/>
-          </p:nvPr>
-        </p:nvPicPr>
-        <p:blipFill>
-          <a:blip r:embed="rId3"/>
-          <a:srcRect/>
-          <a:stretch>
-            <a:fillRect/>
-          </a:stretch>
-        </p:blipFill>
-        <p:spPr bwMode="auto">
-          <a:xfrm>
-            <a:off x="2057400" y="1143000"/>
-            <a:ext cx="5029200" cy="5985162"/>
-          </a:xfrm>
-          <a:prstGeom prst="rect">
-            <a:avLst/>
-          </a:prstGeom>
-          <a:noFill/>
-          <a:ln w="9525">
-            <a:noFill/>
-            <a:miter lim="800000"/>
-            <a:headEnd/>
-            <a:tailEnd/>
-          </a:ln>
-          <a:effectLst/>
-        </p:spPr>
-      </p:pic>
-    </p:spTree>
-  </p:cSld>
-  <p:clrMapOvr>
-    <a:masterClrMapping/>
-  </p:clrMapOvr>
-</p:sld>
-</file>
-
-<file path=ppt/slides/slide17.xml><?xml version="1.0" encoding="utf-8"?>
-<p:sld xmlns:a="http://schemas.openxmlformats.org/drawingml/2006/main" xmlns:r="http://schemas.openxmlformats.org/officeDocument/2006/relationships" xmlns:p="http://schemas.openxmlformats.org/presentationml/2006/main">
-  <p:cSld>
-    <p:spTree>
-      <p:nvGrpSpPr>
-        <p:cNvPr id="1" name=""/>
-        <p:cNvGrpSpPr/>
-        <p:nvPr/>
-      </p:nvGrpSpPr>
-      <p:grpSpPr>
-        <a:xfrm>
-          <a:off x="0" y="0"/>
-          <a:ext cx="0" cy="0"/>
-          <a:chOff x="0" y="0"/>
-          <a:chExt cx="0" cy="0"/>
-        </a:xfrm>
-      </p:grpSpPr>
-      <p:sp>
-        <p:nvSpPr>
-          <p:cNvPr id="2" name="Title 1"/>
-          <p:cNvSpPr>
-            <a:spLocks noGrp="1"/>
-          </p:cNvSpPr>
-          <p:nvPr>
-            <p:ph type="title"/>
-          </p:nvPr>
-        </p:nvSpPr>
-        <p:spPr/>
-        <p:txBody>
-          <a:bodyPr/>
-          <a:lstStyle/>
-          <a:p>
-            <a:r>
-              <a:rPr lang="sk-SK" dirty="0" smtClean="0"/>
-              <a:t>Vyhodnotenie testovania</a:t>
-            </a:r>
-            <a:endParaRPr lang="en-US" dirty="0"/>
-          </a:p>
-        </p:txBody>
-      </p:sp>
-      <p:sp>
-        <p:nvSpPr>
-          <p:cNvPr id="3" name="Content Placeholder 2"/>
-          <p:cNvSpPr>
-            <a:spLocks noGrp="1"/>
-          </p:cNvSpPr>
-          <p:nvPr>
-            <p:ph idx="1"/>
-          </p:nvPr>
-        </p:nvSpPr>
-        <p:spPr/>
-        <p:txBody>
-          <a:bodyPr/>
-          <a:lstStyle/>
-          <a:p>
-            <a:r>
-              <a:rPr lang="sk-SK" dirty="0" smtClean="0"/>
-              <a:t>tabuľka</a:t>
-            </a:r>
-            <a:endParaRPr lang="en-US" dirty="0"/>
-          </a:p>
-        </p:txBody>
-      </p:sp>
-      <p:sp>
-        <p:nvSpPr>
-          <p:cNvPr id="4" name="Slide Number Placeholder 3"/>
-          <p:cNvSpPr>
-            <a:spLocks noGrp="1"/>
-          </p:cNvSpPr>
-          <p:nvPr>
-            <p:ph type="sldNum" sz="quarter" idx="12"/>
-          </p:nvPr>
-        </p:nvSpPr>
-        <p:spPr/>
-        <p:txBody>
-          <a:bodyPr/>
-          <a:lstStyle/>
-          <a:p>
-            <a:fld id="{8C584B50-B360-452D-AFC7-DEF83B5F5806}" type="slidenum">
-              <a:rPr lang="en-US" smtClean="0"/>
-              <a:t>17</a:t>
-            </a:fld>
-            <a:endParaRPr lang="en-US"/>
-          </a:p>
-        </p:txBody>
-      </p:sp>
-    </p:spTree>
-  </p:cSld>
-  <p:clrMapOvr>
-    <a:masterClrMapping/>
-  </p:clrMapOvr>
-</p:sld>
-</file>
-
-<file path=ppt/slides/slide18.xml><?xml version="1.0" encoding="utf-8"?>
-<p:sld xmlns:a="http://schemas.openxmlformats.org/drawingml/2006/main" xmlns:r="http://schemas.openxmlformats.org/officeDocument/2006/relationships" xmlns:p="http://schemas.openxmlformats.org/presentationml/2006/main">
-  <p:cSld>
-    <p:spTree>
-      <p:nvGrpSpPr>
-        <p:cNvPr id="1" name=""/>
-        <p:cNvGrpSpPr/>
-        <p:nvPr/>
-      </p:nvGrpSpPr>
-      <p:grpSpPr>
-        <a:xfrm>
-          <a:off x="0" y="0"/>
-          <a:ext cx="0" cy="0"/>
-          <a:chOff x="0" y="0"/>
-          <a:chExt cx="0" cy="0"/>
-        </a:xfrm>
-      </p:grpSpPr>
-      <p:sp>
-        <p:nvSpPr>
-          <p:cNvPr id="2" name="Title 1"/>
-          <p:cNvSpPr>
-            <a:spLocks noGrp="1"/>
-          </p:cNvSpPr>
-          <p:nvPr>
-            <p:ph type="title"/>
-          </p:nvPr>
-        </p:nvSpPr>
-        <p:spPr/>
-        <p:txBody>
-          <a:bodyPr/>
-          <a:lstStyle/>
-          <a:p>
-            <a:r>
-              <a:rPr lang="sk-SK" dirty="0" smtClean="0"/>
-              <a:t>Sebakritika-čo sa nepodarilo</a:t>
-            </a:r>
-            <a:endParaRPr lang="en-US" dirty="0"/>
-          </a:p>
-        </p:txBody>
-      </p:sp>
-      <p:sp>
-        <p:nvSpPr>
-          <p:cNvPr id="3" name="Content Placeholder 2"/>
-          <p:cNvSpPr>
-            <a:spLocks noGrp="1"/>
-          </p:cNvSpPr>
-          <p:nvPr>
-            <p:ph idx="1"/>
-          </p:nvPr>
-        </p:nvSpPr>
-        <p:spPr/>
-        <p:txBody>
-          <a:bodyPr/>
-          <a:lstStyle/>
-          <a:p>
-            <a:r>
-              <a:rPr lang="sk-SK" dirty="0" smtClean="0"/>
-              <a:t>RSA SW</a:t>
-            </a:r>
-            <a:endParaRPr lang="sk-SK" dirty="0" smtClean="0"/>
-          </a:p>
-          <a:p>
-            <a:r>
-              <a:rPr lang="sk-SK" dirty="0" smtClean="0"/>
-              <a:t>RSA HW (odhad)</a:t>
-            </a:r>
-          </a:p>
-        </p:txBody>
-      </p:sp>
-      <p:sp>
-        <p:nvSpPr>
-          <p:cNvPr id="4" name="Slide Number Placeholder 3"/>
-          <p:cNvSpPr>
-            <a:spLocks noGrp="1"/>
-          </p:cNvSpPr>
-          <p:nvPr>
-            <p:ph type="sldNum" sz="quarter" idx="12"/>
-          </p:nvPr>
-        </p:nvSpPr>
-        <p:spPr/>
-        <p:txBody>
-          <a:bodyPr/>
-          <a:lstStyle/>
-          <a:p>
-            <a:fld id="{8C584B50-B360-452D-AFC7-DEF83B5F5806}" type="slidenum">
-              <a:rPr lang="en-US" smtClean="0"/>
-              <a:t>18</a:t>
-            </a:fld>
-            <a:endParaRPr lang="en-US"/>
-          </a:p>
-        </p:txBody>
-      </p:sp>
-    </p:spTree>
-  </p:cSld>
-  <p:clrMapOvr>
-    <a:masterClrMapping/>
-  </p:clrMapOvr>
-</p:sld>
-</file>
-
-<file path=ppt/slides/slide19.xml><?xml version="1.0" encoding="utf-8"?>
-<p:sld xmlns:a="http://schemas.openxmlformats.org/drawingml/2006/main" xmlns:r="http://schemas.openxmlformats.org/officeDocument/2006/relationships" xmlns:p="http://schemas.openxmlformats.org/presentationml/2006/main">
-  <p:cSld>
-    <p:spTree>
-      <p:nvGrpSpPr>
-        <p:cNvPr id="1" name=""/>
-        <p:cNvGrpSpPr/>
-        <p:nvPr/>
-      </p:nvGrpSpPr>
-      <p:grpSpPr>
-        <a:xfrm>
-          <a:off x="0" y="0"/>
-          <a:ext cx="0" cy="0"/>
-          <a:chOff x="0" y="0"/>
-          <a:chExt cx="0" cy="0"/>
-        </a:xfrm>
-      </p:grpSpPr>
-      <p:sp>
-        <p:nvSpPr>
-          <p:cNvPr id="2" name="Title 1"/>
-          <p:cNvSpPr>
-            <a:spLocks noGrp="1"/>
-          </p:cNvSpPr>
-          <p:nvPr>
-            <p:ph type="title"/>
-          </p:nvPr>
-        </p:nvSpPr>
-        <p:spPr/>
-        <p:txBody>
-          <a:bodyPr>
-            <a:normAutofit fontScale="90000"/>
-          </a:bodyPr>
-          <a:lstStyle/>
-          <a:p>
-            <a:r>
-              <a:rPr lang="sk-SK" dirty="0" smtClean="0"/>
-              <a:t>Sebakritika-čo sa nefungovalo podľa predstáv</a:t>
-            </a:r>
-            <a:endParaRPr lang="en-US" dirty="0"/>
-          </a:p>
-        </p:txBody>
-      </p:sp>
-      <p:sp>
-        <p:nvSpPr>
-          <p:cNvPr id="3" name="Content Placeholder 2"/>
-          <p:cNvSpPr>
-            <a:spLocks noGrp="1"/>
-          </p:cNvSpPr>
-          <p:nvPr>
-            <p:ph idx="1"/>
-          </p:nvPr>
-        </p:nvSpPr>
-        <p:spPr/>
-        <p:txBody>
-          <a:bodyPr/>
-          <a:lstStyle/>
-          <a:p>
-            <a:r>
-              <a:rPr lang="sk-SK" dirty="0" smtClean="0"/>
-              <a:t>Komunikácia s </a:t>
-            </a:r>
-          </a:p>
-          <a:p>
-            <a:r>
-              <a:rPr lang="sk-SK" dirty="0" smtClean="0"/>
-              <a:t>ANT postrácanie paketov</a:t>
-            </a:r>
-            <a:endParaRPr lang="en-US" dirty="0"/>
-          </a:p>
-        </p:txBody>
-      </p:sp>
-      <p:sp>
-        <p:nvSpPr>
-          <p:cNvPr id="4" name="Slide Number Placeholder 3"/>
-          <p:cNvSpPr>
-            <a:spLocks noGrp="1"/>
-          </p:cNvSpPr>
-          <p:nvPr>
-            <p:ph type="sldNum" sz="quarter" idx="12"/>
-          </p:nvPr>
-        </p:nvSpPr>
-        <p:spPr/>
-        <p:txBody>
-          <a:bodyPr/>
-          <a:lstStyle/>
-          <a:p>
-            <a:fld id="{8C584B50-B360-452D-AFC7-DEF83B5F5806}" type="slidenum">
-              <a:rPr lang="en-US" smtClean="0"/>
-              <a:t>19</a:t>
-            </a:fld>
-            <a:endParaRPr lang="en-US"/>
-          </a:p>
-        </p:txBody>
-      </p:sp>
-    </p:spTree>
-  </p:cSld>
-  <p:clrMapOvr>
-    <a:masterClrMapping/>
-  </p:clrMapOvr>
-</p:sld>
-</file>
-
 <file path=ppt/slides/slide2.xml><?xml version="1.0" encoding="utf-8"?>
 <p:sld xmlns:a="http://schemas.openxmlformats.org/drawingml/2006/main" xmlns:r="http://schemas.openxmlformats.org/officeDocument/2006/relationships" xmlns:p="http://schemas.openxmlformats.org/presentationml/2006/main">
   <p:cSld>
@@ -5396,7 +6461,7 @@
           <a:p>
             <a:r>
               <a:rPr lang="sk-SK" dirty="0" smtClean="0"/>
-              <a:t>Stručný úvod</a:t>
+              <a:t>Motivácia</a:t>
             </a:r>
             <a:endParaRPr lang="en-US" dirty="0"/>
           </a:p>
@@ -5418,9 +6483,74 @@
           <a:lstStyle/>
           <a:p>
             <a:r>
-              <a:rPr lang="sk-SK" dirty="0" smtClean="0"/>
-              <a:t>Informačná bezpečnosť</a:t>
-            </a:r>
+              <a:rPr lang="en-US" dirty="0" err="1" smtClean="0"/>
+              <a:t>Bezpe</a:t>
+            </a:r>
+            <a:r>
+              <a:rPr lang="sk-SK" dirty="0" smtClean="0"/>
+              <a:t>čnosť je hra na mačku a myš</a:t>
+            </a:r>
+          </a:p>
+          <a:p>
+            <a:endParaRPr lang="en-US" dirty="0" smtClean="0"/>
+          </a:p>
+          <a:p>
+            <a:r>
+              <a:rPr lang="sk-SK" dirty="0" smtClean="0"/>
+              <a:t>bezpečnejšie,</a:t>
+            </a:r>
+          </a:p>
+          <a:p>
+            <a:r>
+              <a:rPr lang="sk-SK" dirty="0" smtClean="0"/>
+              <a:t>e</a:t>
+            </a:r>
+            <a:r>
+              <a:rPr lang="sk-SK" dirty="0" smtClean="0"/>
+              <a:t>fektívnejšie,</a:t>
+            </a:r>
+          </a:p>
+          <a:p>
+            <a:pPr lvl="1"/>
+            <a:r>
+              <a:rPr lang="sk-SK" dirty="0" smtClean="0"/>
+              <a:t>spotreba,</a:t>
+            </a:r>
+            <a:endParaRPr lang="sk-SK" dirty="0" smtClean="0"/>
+          </a:p>
+          <a:p>
+            <a:pPr lvl="1"/>
+            <a:r>
+              <a:rPr lang="sk-SK" dirty="0" smtClean="0"/>
+              <a:t>rýchlosť.</a:t>
+            </a:r>
+          </a:p>
+          <a:p>
+            <a:pPr lvl="1"/>
+            <a:endParaRPr lang="sk-SK" dirty="0" smtClean="0"/>
+          </a:p>
+          <a:p>
+            <a:r>
+              <a:rPr lang="en-US" dirty="0" smtClean="0"/>
+              <a:t>8-bitov</a:t>
+            </a:r>
+            <a:r>
+              <a:rPr lang="sk-SK" dirty="0" smtClean="0"/>
+              <a:t>é zariadenia</a:t>
+            </a:r>
+            <a:r>
+              <a:rPr lang="en-US" dirty="0" smtClean="0"/>
+              <a:t>, </a:t>
+            </a:r>
+            <a:r>
+              <a:rPr lang="en-US" dirty="0" err="1" smtClean="0"/>
+              <a:t>inteligent</a:t>
+            </a:r>
+            <a:r>
+              <a:rPr lang="sk-SK" dirty="0" smtClean="0"/>
+              <a:t>ná domácnosť</a:t>
+            </a:r>
+            <a:endParaRPr lang="sk-SK" dirty="0" smtClean="0"/>
           </a:p>
         </p:txBody>
       </p:sp>
@@ -5441,38 +6571,13 @@
           <a:p>
             <a:fld id="{8C584B50-B360-452D-AFC7-DEF83B5F5806}" type="slidenum">
               <a:rPr lang="en-US" smtClean="0"/>
+              <a:pPr/>
               <a:t>2</a:t>
             </a:fld>
             <a:endParaRPr lang="en-US"/>
           </a:p>
         </p:txBody>
       </p:sp>
-      <p:pic>
-        <p:nvPicPr>
-          <p:cNvPr id="6" name="Picture 2" descr="C:\Lukas\Skola\FIIT\8. semester\DPII\Obrazky\a_CIA.png"/>
-          <p:cNvPicPr>
-            <a:picLocks noChangeAspect="1" noChangeArrowheads="1"/>
-          </p:cNvPicPr>
-          <p:nvPr/>
-        </p:nvPicPr>
-        <p:blipFill>
-          <a:blip r:embed="rId2"/>
-          <a:srcRect/>
-          <a:stretch>
-            <a:fillRect/>
-          </a:stretch>
-        </p:blipFill>
-        <p:spPr bwMode="auto">
-          <a:xfrm>
-            <a:off x="2057400" y="2209800"/>
-            <a:ext cx="5168703" cy="4525963"/>
-          </a:xfrm>
-          <a:prstGeom prst="rect">
-            <a:avLst/>
-          </a:prstGeom>
-          <a:noFill/>
-        </p:spPr>
-      </p:pic>
     </p:spTree>
   </p:cSld>
   <p:clrMapOvr>
@@ -5516,12 +6621,16 @@
           <a:lstStyle/>
           <a:p>
             <a:r>
-              <a:rPr lang="en-US" dirty="0" smtClean="0"/>
-              <a:t>Z</a:t>
-            </a:r>
-            <a:r>
-              <a:rPr lang="sk-SK" dirty="0" smtClean="0"/>
-              <a:t>áver</a:t>
+              <a:rPr lang="sk-SK" dirty="0" smtClean="0"/>
+              <a:t>Implementácia</a:t>
+            </a:r>
+            <a:r>
+              <a:rPr lang="en-US" dirty="0" smtClean="0"/>
+              <a:t>: </a:t>
+            </a:r>
+            <a:r>
+              <a:rPr lang="sk-SK" dirty="0" smtClean="0"/>
+              <a:t>JC</a:t>
             </a:r>
             <a:endParaRPr lang="en-US" dirty="0"/>
           </a:p>
@@ -5539,10 +6648,45 @@
         </p:nvSpPr>
         <p:spPr/>
         <p:txBody>
-          <a:bodyPr/>
-          <a:lstStyle/>
-          <a:p>
-            <a:endParaRPr lang="en-US"/>
+          <a:bodyPr>
+            <a:normAutofit/>
+          </a:bodyPr>
+          <a:lstStyle/>
+          <a:p>
+            <a:r>
+              <a:rPr lang="sk-SK" dirty="0" smtClean="0"/>
+              <a:t>Applet  JC2.2.2</a:t>
+            </a:r>
+          </a:p>
+          <a:p>
+            <a:r>
+              <a:rPr lang="sk-SK" dirty="0" smtClean="0"/>
+              <a:t>HW AES-128 CBC</a:t>
+            </a:r>
+          </a:p>
+          <a:p>
+            <a:r>
+              <a:rPr lang="sk-SK" dirty="0" smtClean="0"/>
+              <a:t>APDU</a:t>
+            </a:r>
+            <a:r>
+              <a:rPr lang="en-US" dirty="0" smtClean="0"/>
+              <a:t>:</a:t>
+            </a:r>
+            <a:r>
+              <a:rPr lang="sk-SK" dirty="0" smtClean="0"/>
+              <a:t> Dáta</a:t>
+            </a:r>
+          </a:p>
+          <a:p>
+            <a:pPr lvl="1"/>
+            <a:r>
+              <a:rPr lang="sk-SK" dirty="0" smtClean="0"/>
+              <a:t>id operácie (enum), dáta</a:t>
+            </a:r>
+          </a:p>
+          <a:p>
+            <a:endParaRPr lang="en-US" dirty="0"/>
           </a:p>
         </p:txBody>
       </p:sp>
@@ -5563,12 +6707,46 @@
           <a:p>
             <a:fld id="{8C584B50-B360-452D-AFC7-DEF83B5F5806}" type="slidenum">
               <a:rPr lang="en-US" smtClean="0"/>
+              <a:pPr/>
               <a:t>20</a:t>
             </a:fld>
             <a:endParaRPr lang="en-US"/>
           </a:p>
         </p:txBody>
       </p:sp>
+      <p:pic>
+        <p:nvPicPr>
+          <p:cNvPr id="4099" name="Picture 3"/>
+          <p:cNvPicPr>
+            <a:picLocks noChangeAspect="1" noChangeArrowheads="1"/>
+          </p:cNvPicPr>
+          <p:nvPr/>
+        </p:nvPicPr>
+        <p:blipFill>
+          <a:blip r:embed="rId3"/>
+          <a:srcRect t="68310" r="14977"/>
+          <a:stretch>
+            <a:fillRect/>
+          </a:stretch>
+        </p:blipFill>
+        <p:spPr bwMode="auto">
+          <a:xfrm>
+            <a:off x="152400" y="4114800"/>
+            <a:ext cx="8903970" cy="2171700"/>
+          </a:xfrm>
+          <a:prstGeom prst="rect">
+            <a:avLst/>
+          </a:prstGeom>
+          <a:noFill/>
+          <a:ln w="9525">
+            <a:noFill/>
+            <a:miter lim="800000"/>
+            <a:headEnd/>
+            <a:tailEnd/>
+          </a:ln>
+          <a:effectLst/>
+        </p:spPr>
+      </p:pic>
     </p:spTree>
   </p:cSld>
   <p:clrMapOvr>
@@ -5613,7 +6791,19 @@
           <a:p>
             <a:r>
               <a:rPr lang="sk-SK" dirty="0" smtClean="0"/>
-              <a:t>Plány do budúcna</a:t>
+              <a:t>Implementácia</a:t>
+            </a:r>
+            <a:r>
+              <a:rPr lang="en-US" dirty="0" smtClean="0"/>
+              <a:t>:</a:t>
+            </a:r>
+            <a:r>
+              <a:rPr lang="sk-SK" dirty="0" smtClean="0"/>
+              <a:t> K</a:t>
+            </a:r>
+            <a:r>
+              <a:rPr lang="en-US" dirty="0" err="1" smtClean="0"/>
+              <a:t>onzola</a:t>
             </a:r>
             <a:endParaRPr lang="en-US" dirty="0"/>
           </a:p>
@@ -5631,78 +6821,151 @@
         </p:nvSpPr>
         <p:spPr/>
         <p:txBody>
-          <a:bodyPr/>
-          <a:lstStyle/>
-          <a:p>
-            <a:r>
-              <a:rPr lang="sk-SK" dirty="0" smtClean="0"/>
-              <a:t>Spravovanie pomocou udalostí nie procedurálne</a:t>
-            </a:r>
+          <a:bodyPr>
+            <a:normAutofit fontScale="92500" lnSpcReduction="20000"/>
+          </a:bodyPr>
+          <a:lstStyle/>
+          <a:p>
+            <a:r>
+              <a:rPr lang="sk-SK" dirty="0" smtClean="0"/>
+              <a:t>Segger J-Link </a:t>
+            </a:r>
+            <a:r>
+              <a:rPr lang="sk-SK" dirty="0" smtClean="0"/>
+              <a:t>RTT</a:t>
+            </a:r>
+            <a:r>
+              <a:rPr lang="en-US" dirty="0" smtClean="0"/>
+              <a:t> (Real Time Transfer)</a:t>
+            </a:r>
+            <a:endParaRPr lang="sk-SK" dirty="0" smtClean="0"/>
           </a:p>
           <a:p>
             <a:pPr lvl="1"/>
             <a:r>
               <a:rPr lang="sk-SK" dirty="0" smtClean="0"/>
-              <a:t>Pamäť</a:t>
+              <a:t>monitorovanie, testovanie,</a:t>
             </a:r>
           </a:p>
           <a:p>
             <a:pPr lvl="1"/>
             <a:r>
               <a:rPr lang="sk-SK" dirty="0" smtClean="0"/>
-              <a:t>Programová synchr</a:t>
-            </a:r>
-            <a:r>
-              <a:rPr lang="en-US" dirty="0" smtClean="0"/>
-              <a:t>o</a:t>
-            </a:r>
-            <a:r>
-              <a:rPr lang="sk-SK" dirty="0" smtClean="0"/>
-              <a:t>nonizácia</a:t>
+              <a:t>testovacie výpisy,</a:t>
+            </a:r>
+            <a:endParaRPr lang="sk-SK" dirty="0" smtClean="0"/>
+          </a:p>
+          <a:p>
+            <a:pPr lvl="1"/>
+            <a:r>
+              <a:rPr lang="sk-SK" dirty="0" smtClean="0"/>
+              <a:t>výpis </a:t>
+            </a:r>
+            <a:r>
+              <a:rPr lang="sk-SK" dirty="0" smtClean="0"/>
+              <a:t>ATR </a:t>
+            </a:r>
+            <a:r>
+              <a:rPr lang="sk-SK" dirty="0" smtClean="0"/>
+              <a:t>správy</a:t>
+            </a:r>
+            <a:r>
+              <a:rPr lang="en-US" dirty="0" smtClean="0"/>
+              <a:t>,</a:t>
+            </a:r>
+            <a:endParaRPr lang="sk-SK" dirty="0" smtClean="0"/>
+          </a:p>
+          <a:p>
+            <a:pPr lvl="1"/>
+            <a:r>
+              <a:rPr lang="sk-SK" dirty="0" smtClean="0"/>
+              <a:t>vyhľadávanie card manažéra,</a:t>
+            </a:r>
+            <a:endParaRPr lang="sk-SK" dirty="0" smtClean="0"/>
+          </a:p>
+          <a:p>
+            <a:pPr lvl="1"/>
+            <a:r>
+              <a:rPr lang="sk-SK" dirty="0" smtClean="0"/>
+              <a:t>posielanie </a:t>
+            </a:r>
+            <a:r>
+              <a:rPr lang="sk-SK" dirty="0" smtClean="0"/>
+              <a:t>APDU správy blokovo</a:t>
             </a:r>
             <a:r>
               <a:rPr lang="en-US" dirty="0" smtClean="0"/>
               <a:t>/</a:t>
             </a:r>
             <a:r>
-              <a:rPr lang="sk-SK" dirty="0" smtClean="0"/>
-              <a:t>semafory</a:t>
+              <a:rPr lang="en-US" dirty="0" err="1" smtClean="0"/>
+              <a:t>bajtovo</a:t>
+            </a:r>
+            <a:r>
+              <a:rPr lang="sk-SK" dirty="0" smtClean="0"/>
+              <a:t>,</a:t>
+            </a:r>
+          </a:p>
+          <a:p>
+            <a:pPr lvl="1"/>
+            <a:r>
+              <a:rPr lang="sk-SK" dirty="0" smtClean="0"/>
+              <a:t>posielanie preddefinovaných správ,</a:t>
+            </a:r>
+            <a:endParaRPr lang="sk-SK" dirty="0" smtClean="0"/>
+          </a:p>
+          <a:p>
+            <a:pPr lvl="1"/>
+            <a:r>
+              <a:rPr lang="sk-SK" dirty="0" smtClean="0"/>
+              <a:t>aktivácia</a:t>
+            </a:r>
+            <a:r>
+              <a:rPr lang="sk-SK" dirty="0" smtClean="0"/>
+              <a:t>, deaktivácia, </a:t>
+            </a:r>
+            <a:r>
+              <a:rPr lang="sk-SK" dirty="0" smtClean="0"/>
+              <a:t>resetovanie,</a:t>
+            </a:r>
+            <a:endParaRPr lang="sk-SK" dirty="0" smtClean="0"/>
+          </a:p>
+          <a:p>
+            <a:pPr lvl="1"/>
+            <a:r>
+              <a:rPr lang="sk-SK" dirty="0" smtClean="0"/>
+              <a:t>p</a:t>
+            </a:r>
+            <a:r>
+              <a:rPr lang="en-US" dirty="0" err="1" smtClean="0"/>
+              <a:t>reh</a:t>
+            </a:r>
+            <a:r>
+              <a:rPr lang="sk-SK" dirty="0" smtClean="0"/>
+              <a:t>ľadávanie inštrukcií,</a:t>
             </a:r>
             <a:endParaRPr lang="en-US" dirty="0" smtClean="0"/>
           </a:p>
           <a:p>
             <a:pPr lvl="1"/>
+            <a:r>
+              <a:rPr lang="sk-SK" dirty="0" smtClean="0"/>
+              <a:t>luďsky čitateľný výpis stavu z odpovedi,</a:t>
+            </a:r>
+            <a:endParaRPr lang="en-US" dirty="0" smtClean="0"/>
+          </a:p>
+          <a:p>
+            <a:pPr lvl="1"/>
+            <a:r>
+              <a:rPr lang="en-US" dirty="0" smtClean="0"/>
+              <a:t>z</a:t>
+            </a:r>
+            <a:r>
+              <a:rPr lang="sk-SK" dirty="0" smtClean="0"/>
+              <a:t>menenie baudovej rýchlosti.</a:t>
+            </a:r>
             <a:endParaRPr lang="sk-SK" dirty="0" smtClean="0"/>
           </a:p>
-          <a:p>
-            <a:r>
-              <a:rPr lang="sk-SK" dirty="0" smtClean="0"/>
-              <a:t>Urýchlenie výpočtov</a:t>
-            </a:r>
-            <a:r>
-              <a:rPr lang="en-US" dirty="0" smtClean="0"/>
-              <a:t>/</a:t>
-            </a:r>
-            <a:r>
-              <a:rPr lang="en-US" dirty="0" err="1" smtClean="0"/>
-              <a:t>komuni</a:t>
-            </a:r>
-            <a:r>
-              <a:rPr lang="sk-SK" dirty="0" smtClean="0"/>
-              <a:t>kácie s ISO7816</a:t>
-            </a:r>
-          </a:p>
-          <a:p>
-            <a:pPr lvl="1"/>
-            <a:r>
-              <a:rPr lang="sk-SK" dirty="0" smtClean="0"/>
-              <a:t>Vyššia rýchlosť CLK (zápory)</a:t>
-            </a:r>
-          </a:p>
-          <a:p>
-            <a:pPr lvl="1"/>
-            <a:endParaRPr lang="en-US" dirty="0"/>
-          </a:p>
         </p:txBody>
       </p:sp>
       <p:sp>
@@ -5722,6 +6985,7 @@
           <a:p>
             <a:fld id="{8C584B50-B360-452D-AFC7-DEF83B5F5806}" type="slidenum">
               <a:rPr lang="en-US" smtClean="0"/>
+              <a:pPr/>
               <a:t>21</a:t>
             </a:fld>
             <a:endParaRPr lang="en-US"/>
@@ -5765,18 +7029,12 @@
         </p:nvSpPr>
         <p:spPr/>
         <p:txBody>
-          <a:bodyPr>
-            <a:normAutofit/>
-          </a:bodyPr>
-          <a:lstStyle/>
-          <a:p>
-            <a:r>
-              <a:rPr lang="en-US" dirty="0" err="1" smtClean="0"/>
-              <a:t>Ot</a:t>
-            </a:r>
-            <a:r>
-              <a:rPr lang="sk-SK" dirty="0" smtClean="0"/>
-              <a:t>ázky</a:t>
+          <a:bodyPr/>
+          <a:lstStyle/>
+          <a:p>
+            <a:r>
+              <a:rPr lang="sk-SK" dirty="0" smtClean="0"/>
+              <a:t>Testovanie</a:t>
             </a:r>
             <a:endParaRPr lang="en-US" dirty="0"/>
           </a:p>
@@ -5784,29 +7042,6 @@
       </p:sp>
       <p:sp>
         <p:nvSpPr>
-          <p:cNvPr id="3" name="Content Placeholder 2"/>
-          <p:cNvSpPr>
-            <a:spLocks noGrp="1"/>
-          </p:cNvSpPr>
-          <p:nvPr>
-            <p:ph idx="1"/>
-          </p:nvPr>
-        </p:nvSpPr>
-        <p:spPr/>
-        <p:txBody>
-          <a:bodyPr/>
-          <a:lstStyle/>
-          <a:p>
-            <a:r>
-              <a:rPr lang="sk-SK" dirty="0" smtClean="0"/>
-              <a:t>obsah</a:t>
-            </a:r>
-            <a:endParaRPr lang="en-US" dirty="0"/>
-          </a:p>
-        </p:txBody>
-      </p:sp>
-      <p:sp>
-        <p:nvSpPr>
           <p:cNvPr id="4" name="Slide Number Placeholder 3"/>
           <p:cNvSpPr>
             <a:spLocks noGrp="1"/>
@@ -5822,12 +7057,48 @@
           <a:p>
             <a:fld id="{8C584B50-B360-452D-AFC7-DEF83B5F5806}" type="slidenum">
               <a:rPr lang="en-US" smtClean="0"/>
+              <a:pPr/>
               <a:t>22</a:t>
             </a:fld>
             <a:endParaRPr lang="en-US"/>
           </a:p>
         </p:txBody>
       </p:sp>
+      <p:pic>
+        <p:nvPicPr>
+          <p:cNvPr id="2050" name="Picture 2"/>
+          <p:cNvPicPr>
+            <a:picLocks noGrp="1" noChangeAspect="1" noChangeArrowheads="1"/>
+          </p:cNvPicPr>
+          <p:nvPr>
+            <p:ph idx="1"/>
+          </p:nvPr>
+        </p:nvPicPr>
+        <p:blipFill>
+          <a:blip r:embed="rId3"/>
+          <a:srcRect/>
+          <a:stretch>
+            <a:fillRect/>
+          </a:stretch>
+        </p:blipFill>
+        <p:spPr bwMode="auto">
+          <a:xfrm>
+            <a:off x="1752600" y="1143000"/>
+            <a:ext cx="5029200" cy="5985162"/>
+          </a:xfrm>
+          <a:prstGeom prst="rect">
+            <a:avLst/>
+          </a:prstGeom>
+          <a:noFill/>
+          <a:ln w="9525">
+            <a:noFill/>
+            <a:miter lim="800000"/>
+            <a:headEnd/>
+            <a:tailEnd/>
+          </a:ln>
+          <a:effectLst/>
+        </p:spPr>
+      </p:pic>
     </p:spTree>
   </p:cSld>
   <p:clrMapOvr>
@@ -5865,14 +7136,12 @@
         </p:nvSpPr>
         <p:spPr/>
         <p:txBody>
-          <a:bodyPr>
-            <a:normAutofit/>
-          </a:bodyPr>
-          <a:lstStyle/>
-          <a:p>
-            <a:r>
-              <a:rPr lang="sk-SK" dirty="0" smtClean="0"/>
-              <a:t>Vhodnosť sietí</a:t>
+          <a:bodyPr/>
+          <a:lstStyle/>
+          <a:p>
+            <a:r>
+              <a:rPr lang="sk-SK" dirty="0" smtClean="0"/>
+              <a:t>Vyhodnotenie testovania</a:t>
             </a:r>
             <a:endParaRPr lang="en-US" dirty="0"/>
           </a:p>
@@ -5894,80 +7163,8 @@
           <a:lstStyle/>
           <a:p>
             <a:r>
-              <a:rPr lang="en-US" dirty="0" smtClean="0"/>
-              <a:t>Marketing ako </a:t>
-            </a:r>
-            <a:r>
-              <a:rPr lang="en-US" dirty="0" err="1" smtClean="0"/>
-              <a:t>technol</a:t>
-            </a:r>
-            <a:r>
-              <a:rPr lang="sk-SK" dirty="0" smtClean="0"/>
-              <a:t>ógie</a:t>
-            </a:r>
-            <a:endParaRPr lang="en-US" dirty="0" smtClean="0"/>
-          </a:p>
-          <a:p>
-            <a:pPr lvl="1"/>
-            <a:r>
-              <a:rPr lang="sk-SK" dirty="0" smtClean="0"/>
-              <a:t>iControl Networks</a:t>
-            </a:r>
-            <a:r>
-              <a:rPr lang="en-US" dirty="0" smtClean="0"/>
-              <a:t>:</a:t>
-            </a:r>
-            <a:r>
-              <a:rPr lang="sk-SK" dirty="0" smtClean="0"/>
-              <a:t> </a:t>
-            </a:r>
-            <a:r>
-              <a:rPr lang="en-US" dirty="0" err="1" smtClean="0"/>
-              <a:t>ZigBee</a:t>
-            </a:r>
-            <a:r>
-              <a:rPr lang="en-US" dirty="0" smtClean="0"/>
-              <a:t>, </a:t>
-            </a:r>
-            <a:r>
-              <a:rPr lang="en-US" dirty="0" smtClean="0"/>
-              <a:t>Z-Wave</a:t>
-            </a:r>
-            <a:endParaRPr lang="en-US" dirty="0" smtClean="0"/>
-          </a:p>
-          <a:p>
-            <a:pPr lvl="1"/>
-            <a:r>
-              <a:rPr lang="en-US" dirty="0" err="1" smtClean="0"/>
-              <a:t>BeeWi</a:t>
-            </a:r>
-            <a:r>
-              <a:rPr lang="en-US" dirty="0" smtClean="0"/>
-              <a:t>: Bluetooth</a:t>
-            </a:r>
-            <a:endParaRPr lang="sk-SK" dirty="0" smtClean="0"/>
-          </a:p>
-          <a:p>
-            <a:pPr lvl="1"/>
-            <a:r>
-              <a:rPr lang="sk-SK" dirty="0" smtClean="0"/>
-              <a:t>Samsung SmartThings hub</a:t>
-            </a:r>
-            <a:r>
-              <a:rPr lang="en-US" dirty="0" smtClean="0"/>
-              <a:t>: </a:t>
-            </a:r>
-            <a:r>
-              <a:rPr lang="en-US" dirty="0" err="1" smtClean="0"/>
-              <a:t>WiFi</a:t>
-            </a:r>
-            <a:r>
-              <a:rPr lang="en-US" dirty="0" smtClean="0"/>
-              <a:t>, Z-Wave, LAN, </a:t>
-            </a:r>
-            <a:r>
-              <a:rPr lang="en-US" dirty="0" err="1" smtClean="0"/>
-              <a:t>ZigBee</a:t>
+              <a:rPr lang="sk-SK" dirty="0" smtClean="0"/>
+              <a:t>tabuľka</a:t>
             </a:r>
             <a:endParaRPr lang="en-US" dirty="0"/>
           </a:p>
@@ -5990,6 +7187,7 @@
           <a:p>
             <a:fld id="{8C584B50-B360-452D-AFC7-DEF83B5F5806}" type="slidenum">
               <a:rPr lang="en-US" smtClean="0"/>
+              <a:pPr/>
               <a:t>23</a:t>
             </a:fld>
             <a:endParaRPr lang="en-US"/>
@@ -6033,18 +7231,24 @@
         </p:nvSpPr>
         <p:spPr/>
         <p:txBody>
-          <a:bodyPr>
-            <a:normAutofit/>
-          </a:bodyPr>
-          <a:lstStyle/>
-          <a:p>
-            <a:r>
-              <a:rPr lang="en-US" dirty="0" err="1" smtClean="0"/>
-              <a:t>Odpor</a:t>
-            </a:r>
-            <a:r>
-              <a:rPr lang="sk-SK" dirty="0" smtClean="0"/>
-              <a:t>účané aplikácie sietí</a:t>
+          <a:bodyPr/>
+          <a:lstStyle/>
+          <a:p>
+            <a:r>
+              <a:rPr lang="sk-SK" dirty="0" smtClean="0"/>
+              <a:t>Sebakritika</a:t>
+            </a:r>
+            <a:r>
+              <a:rPr lang="en-US" dirty="0" smtClean="0"/>
+              <a:t>: </a:t>
+            </a:r>
+            <a:r>
+              <a:rPr lang="sk-SK" dirty="0" smtClean="0"/>
+              <a:t>čo </a:t>
+            </a:r>
+            <a:r>
+              <a:rPr lang="sk-SK" dirty="0" smtClean="0"/>
+              <a:t>sa nepodarilo</a:t>
             </a:r>
             <a:endParaRPr lang="en-US" dirty="0"/>
           </a:p>
@@ -6065,7 +7269,29 @@
           <a:bodyPr/>
           <a:lstStyle/>
           <a:p>
-            <a:endParaRPr lang="en-US" dirty="0"/>
+            <a:r>
+              <a:rPr lang="sk-SK" dirty="0" smtClean="0"/>
+              <a:t>RSA</a:t>
+            </a:r>
+            <a:r>
+              <a:rPr lang="en-US" dirty="0" smtClean="0"/>
+              <a:t> </a:t>
+            </a:r>
+            <a:r>
+              <a:rPr lang="sk-SK" dirty="0" smtClean="0"/>
+              <a:t>SW </a:t>
+            </a:r>
+            <a:r>
+              <a:rPr lang="sk-SK" dirty="0" smtClean="0"/>
+              <a:t>knižnice</a:t>
+            </a:r>
+            <a:endParaRPr lang="sk-SK" dirty="0" smtClean="0"/>
+          </a:p>
+          <a:p>
+            <a:r>
+              <a:rPr lang="sk-SK" dirty="0" smtClean="0"/>
+              <a:t>RSA HW (odhad)</a:t>
+            </a:r>
           </a:p>
         </p:txBody>
       </p:sp>
@@ -6086,6 +7312,7 @@
           <a:p>
             <a:fld id="{8C584B50-B360-452D-AFC7-DEF83B5F5806}" type="slidenum">
               <a:rPr lang="en-US" smtClean="0"/>
+              <a:pPr/>
               <a:t>24</a:t>
             </a:fld>
             <a:endParaRPr lang="en-US"/>
@@ -6130,17 +7357,25 @@
         <p:spPr/>
         <p:txBody>
           <a:bodyPr>
-            <a:normAutofit/>
+            <a:normAutofit fontScale="90000"/>
           </a:bodyPr>
           <a:lstStyle/>
           <a:p>
             <a:r>
               <a:rPr lang="sk-SK" dirty="0" smtClean="0"/>
-              <a:t>Prečo komunikačný protokol ANT</a:t>
-            </a:r>
-            <a:r>
-              <a:rPr lang="en-US" dirty="0" smtClean="0"/>
-              <a:t>?</a:t>
+              <a:t>Sebakritika</a:t>
+            </a:r>
+            <a:r>
+              <a:rPr lang="en-US" dirty="0" smtClean="0"/>
+              <a:t>: </a:t>
+            </a:r>
+            <a:r>
+              <a:rPr lang="sk-SK" dirty="0" smtClean="0"/>
+              <a:t>čo </a:t>
+            </a:r>
+            <a:r>
+              <a:rPr lang="sk-SK" dirty="0" smtClean="0"/>
+              <a:t>sa nefungovalo podľa predstáv</a:t>
             </a:r>
             <a:endParaRPr lang="en-US" dirty="0"/>
           </a:p>
@@ -6161,6 +7396,62 @@
           <a:bodyPr/>
           <a:lstStyle/>
           <a:p>
+            <a:r>
+              <a:rPr lang="en-US" dirty="0" smtClean="0"/>
+              <a:t>V</a:t>
+            </a:r>
+            <a:r>
+              <a:rPr lang="sk-SK" dirty="0" smtClean="0"/>
+              <a:t>ýsledky opačné, ako sa predpokladalo</a:t>
+            </a:r>
+          </a:p>
+          <a:p>
+            <a:pPr lvl="1"/>
+            <a:r>
+              <a:rPr lang="sk-SK" dirty="0" smtClean="0"/>
+              <a:t>v porovnaní s FPGA</a:t>
+            </a:r>
+          </a:p>
+          <a:p>
+            <a:pPr lvl="1"/>
+            <a:endParaRPr lang="sk-SK" dirty="0" smtClean="0"/>
+          </a:p>
+          <a:p>
+            <a:pPr lvl="1"/>
+            <a:r>
+              <a:rPr lang="sk-SK" dirty="0" smtClean="0"/>
+              <a:t>GPIO, periférie, komunikácia, program, RAM</a:t>
+            </a:r>
+          </a:p>
+          <a:p>
+            <a:pPr lvl="1"/>
+            <a:endParaRPr lang="sk-SK" dirty="0" smtClean="0"/>
+          </a:p>
+          <a:p>
+            <a:r>
+              <a:rPr lang="sk-SK" dirty="0" smtClean="0"/>
+              <a:t>postrácanie </a:t>
+            </a:r>
+            <a:r>
+              <a:rPr lang="sk-SK" dirty="0" smtClean="0"/>
+              <a:t>ANT</a:t>
+            </a:r>
+            <a:r>
+              <a:rPr lang="sk-SK" dirty="0" smtClean="0"/>
+              <a:t> paketov</a:t>
+            </a:r>
+            <a:r>
+              <a:rPr lang="en-US" dirty="0" smtClean="0"/>
+              <a:t>:</a:t>
+            </a:r>
+            <a:r>
+              <a:rPr lang="sk-SK" dirty="0" smtClean="0"/>
+              <a:t> po </a:t>
+            </a:r>
+            <a:r>
+              <a:rPr lang="sk-SK" dirty="0" smtClean="0"/>
+              <a:t>komunikácií s krypto-elementom</a:t>
+            </a:r>
             <a:endParaRPr lang="en-US" dirty="0"/>
           </a:p>
         </p:txBody>
@@ -6182,6 +7473,7 @@
           <a:p>
             <a:fld id="{8C584B50-B360-452D-AFC7-DEF83B5F5806}" type="slidenum">
               <a:rPr lang="en-US" smtClean="0"/>
+              <a:pPr/>
               <a:t>25</a:t>
             </a:fld>
             <a:endParaRPr lang="en-US"/>
@@ -6231,12 +7523,12 @@
           <a:lstStyle/>
           <a:p>
             <a:r>
-              <a:rPr lang="sk-SK" dirty="0" smtClean="0"/>
-              <a:t>Prečo komunikačný protokol ANT</a:t>
-            </a:r>
-            <a:r>
-              <a:rPr lang="en-US" dirty="0" smtClean="0"/>
-              <a:t>?</a:t>
+              <a:rPr lang="en-US" dirty="0" smtClean="0"/>
+              <a:t>Z</a:t>
+            </a:r>
+            <a:r>
+              <a:rPr lang="sk-SK" dirty="0" smtClean="0"/>
+              <a:t>áver</a:t>
             </a:r>
             <a:endParaRPr lang="en-US" dirty="0"/>
           </a:p>
@@ -6254,9 +7546,59 @@
         </p:nvSpPr>
         <p:spPr/>
         <p:txBody>
-          <a:bodyPr/>
-          <a:lstStyle/>
-          <a:p>
+          <a:bodyPr>
+            <a:normAutofit lnSpcReduction="10000"/>
+          </a:bodyPr>
+          <a:lstStyle/>
+          <a:p>
+            <a:r>
+              <a:rPr lang="sk-SK" dirty="0" smtClean="0"/>
+              <a:t>Identifikované slabiny daných technológií so Smart kartami</a:t>
+            </a:r>
+          </a:p>
+          <a:p>
+            <a:r>
+              <a:rPr lang="sk-SK" dirty="0" smtClean="0"/>
+              <a:t>Na základe výsledkov sa dá spraviť odhad riešenia pomocou PKI</a:t>
+            </a:r>
+          </a:p>
+          <a:p>
+            <a:endParaRPr lang="sk-SK" dirty="0" smtClean="0"/>
+          </a:p>
+          <a:p>
+            <a:r>
+              <a:rPr lang="sk-SK" dirty="0" smtClean="0"/>
+              <a:t>Riešenie je vhodné</a:t>
+            </a:r>
+            <a:r>
+              <a:rPr lang="en-US" dirty="0" smtClean="0"/>
+              <a:t>:</a:t>
+            </a:r>
+          </a:p>
+          <a:p>
+            <a:pPr lvl="1"/>
+            <a:r>
+              <a:rPr lang="sk-SK" dirty="0" smtClean="0"/>
+              <a:t>reálnych aplikáciách (štandardizované, bezp.),</a:t>
+            </a:r>
+          </a:p>
+          <a:p>
+            <a:pPr lvl="1"/>
+            <a:r>
+              <a:rPr lang="sk-SK" dirty="0" smtClean="0"/>
+              <a:t>na rýchlejšie siete,</a:t>
+            </a:r>
+          </a:p>
+          <a:p>
+            <a:pPr lvl="1"/>
+            <a:r>
+              <a:rPr lang="sk-SK" dirty="0" smtClean="0"/>
+              <a:t>m</a:t>
+            </a:r>
+            <a:r>
+              <a:rPr lang="sk-SK" dirty="0" smtClean="0"/>
+              <a:t>alé množstvo dát.</a:t>
+            </a:r>
             <a:endParaRPr lang="en-US" dirty="0"/>
           </a:p>
         </p:txBody>
@@ -6278,6 +7620,7 @@
           <a:p>
             <a:fld id="{8C584B50-B360-452D-AFC7-DEF83B5F5806}" type="slidenum">
               <a:rPr lang="en-US" smtClean="0"/>
+              <a:pPr/>
               <a:t>26</a:t>
             </a:fld>
             <a:endParaRPr lang="en-US"/>
@@ -6328,11 +7671,7 @@
           <a:p>
             <a:r>
               <a:rPr lang="sk-SK" dirty="0" smtClean="0"/>
-              <a:t>Prečo komunikačný protokol ANT</a:t>
-            </a:r>
-            <a:r>
-              <a:rPr lang="en-US" dirty="0" smtClean="0"/>
-              <a:t>?</a:t>
+              <a:t>Plány do budúcna</a:t>
             </a:r>
             <a:endParaRPr lang="en-US" dirty="0"/>
           </a:p>
@@ -6348,11 +7687,251 @@
             <p:ph idx="1"/>
           </p:nvPr>
         </p:nvSpPr>
-        <p:spPr/>
-        <p:txBody>
-          <a:bodyPr/>
-          <a:lstStyle/>
-          <a:p>
+        <p:spPr>
+          <a:xfrm>
+            <a:off x="457200" y="1600200"/>
+            <a:ext cx="8229600" cy="4953000"/>
+          </a:xfrm>
+        </p:spPr>
+        <p:txBody>
+          <a:bodyPr>
+            <a:normAutofit fontScale="85000" lnSpcReduction="10000"/>
+          </a:bodyPr>
+          <a:lstStyle/>
+          <a:p>
+            <a:r>
+              <a:rPr lang="sk-SK" dirty="0" smtClean="0"/>
+              <a:t>Spracovanie RF komunikácie </a:t>
+            </a:r>
+            <a:r>
+              <a:rPr lang="sk-SK" dirty="0" smtClean="0"/>
+              <a:t>pomocou </a:t>
+            </a:r>
+            <a:r>
+              <a:rPr lang="sk-SK" dirty="0" smtClean="0"/>
+              <a:t>udalostí</a:t>
+            </a:r>
+            <a:r>
+              <a:rPr lang="en-US" dirty="0" smtClean="0"/>
+              <a:t>:</a:t>
+            </a:r>
+            <a:endParaRPr lang="sk-SK" dirty="0" smtClean="0"/>
+          </a:p>
+          <a:p>
+            <a:pPr lvl="1"/>
+            <a:r>
+              <a:rPr lang="sk-SK" dirty="0" smtClean="0"/>
+              <a:t>Programová </a:t>
+            </a:r>
+            <a:r>
+              <a:rPr lang="sk-SK" dirty="0" smtClean="0"/>
+              <a:t>synchr</a:t>
+            </a:r>
+            <a:r>
+              <a:rPr lang="en-US" dirty="0" smtClean="0"/>
+              <a:t>o</a:t>
+            </a:r>
+            <a:r>
+              <a:rPr lang="sk-SK" dirty="0" smtClean="0"/>
+              <a:t>nizácia (</a:t>
+            </a:r>
+            <a:r>
+              <a:rPr lang="sk-SK" i="1" dirty="0" smtClean="0"/>
+              <a:t>program, chyby</a:t>
+            </a:r>
+            <a:r>
+              <a:rPr lang="sk-SK" dirty="0" smtClean="0"/>
+              <a:t>)</a:t>
+            </a:r>
+            <a:endParaRPr lang="en-US" dirty="0" smtClean="0"/>
+          </a:p>
+          <a:p>
+            <a:pPr lvl="1"/>
+            <a:endParaRPr lang="sk-SK" dirty="0" smtClean="0"/>
+          </a:p>
+          <a:p>
+            <a:r>
+              <a:rPr lang="sk-SK" dirty="0" smtClean="0"/>
+              <a:t>overenia na iných komunikačných protokoloch</a:t>
+            </a:r>
+            <a:r>
+              <a:rPr lang="en-US" dirty="0" smtClean="0"/>
+              <a:t>,</a:t>
+            </a:r>
+          </a:p>
+          <a:p>
+            <a:r>
+              <a:rPr lang="sk-SK" dirty="0" smtClean="0"/>
+              <a:t>väčšiu sieť</a:t>
+            </a:r>
+            <a:r>
+              <a:rPr lang="en-US" dirty="0" smtClean="0"/>
+              <a:t>,</a:t>
+            </a:r>
+          </a:p>
+          <a:p>
+            <a:r>
+              <a:rPr lang="sk-SK" dirty="0" smtClean="0"/>
+              <a:t>testovanie zásobníka</a:t>
+            </a:r>
+            <a:r>
+              <a:rPr lang="en-US" dirty="0" smtClean="0"/>
+              <a:t> v ne</a:t>
+            </a:r>
+            <a:r>
+              <a:rPr lang="sk-SK" dirty="0" smtClean="0"/>
+              <a:t>štandardných situáciach</a:t>
+            </a:r>
+            <a:r>
+              <a:rPr lang="en-US" dirty="0" smtClean="0"/>
+              <a:t>,</a:t>
+            </a:r>
+            <a:endParaRPr lang="sk-SK" dirty="0" smtClean="0"/>
+          </a:p>
+          <a:p>
+            <a:r>
+              <a:rPr lang="sk-SK" dirty="0" smtClean="0"/>
+              <a:t>t</a:t>
+            </a:r>
+            <a:r>
+              <a:rPr lang="en-US" dirty="0" err="1" smtClean="0"/>
+              <a:t>estovanie</a:t>
+            </a:r>
+            <a:r>
+              <a:rPr lang="en-US" dirty="0" smtClean="0"/>
+              <a:t>, </a:t>
+            </a:r>
+            <a:r>
+              <a:rPr lang="sk-SK" dirty="0" smtClean="0"/>
+              <a:t>s</a:t>
+            </a:r>
+            <a:r>
+              <a:rPr lang="en-US" dirty="0" err="1" smtClean="0"/>
+              <a:t>niffer</a:t>
+            </a:r>
+            <a:r>
+              <a:rPr lang="en-US" dirty="0" smtClean="0"/>
+              <a:t>, </a:t>
+            </a:r>
+            <a:r>
+              <a:rPr lang="sk-SK" dirty="0" smtClean="0"/>
+              <a:t>Unit testy</a:t>
+            </a:r>
+            <a:r>
+              <a:rPr lang="en-US" dirty="0" smtClean="0"/>
+              <a:t>,</a:t>
+            </a:r>
+            <a:endParaRPr lang="sk-SK" dirty="0" smtClean="0"/>
+          </a:p>
+          <a:p>
+            <a:r>
+              <a:rPr lang="sk-SK" dirty="0" smtClean="0"/>
+              <a:t>Urýchlenie výpočtov</a:t>
+            </a:r>
+            <a:r>
+              <a:rPr lang="en-US" dirty="0" smtClean="0"/>
+              <a:t>/</a:t>
+            </a:r>
+            <a:r>
+              <a:rPr lang="en-US" dirty="0" err="1" smtClean="0"/>
+              <a:t>komuni</a:t>
+            </a:r>
+            <a:r>
+              <a:rPr lang="sk-SK" dirty="0" smtClean="0"/>
+              <a:t>kácie s </a:t>
+            </a:r>
+            <a:r>
+              <a:rPr lang="sk-SK" dirty="0" smtClean="0"/>
+              <a:t>ISO7816</a:t>
+            </a:r>
+            <a:r>
+              <a:rPr lang="en-US" dirty="0" smtClean="0"/>
+              <a:t>:</a:t>
+            </a:r>
+            <a:endParaRPr lang="sk-SK" dirty="0" smtClean="0"/>
+          </a:p>
+          <a:p>
+            <a:pPr lvl="1"/>
+            <a:r>
+              <a:rPr lang="en-US" dirty="0" smtClean="0"/>
+              <a:t>v</a:t>
+            </a:r>
+            <a:r>
+              <a:rPr lang="sk-SK" dirty="0" smtClean="0"/>
+              <a:t>yššia </a:t>
+            </a:r>
+            <a:r>
+              <a:rPr lang="sk-SK" dirty="0" smtClean="0"/>
+              <a:t>rýchlosť CLK </a:t>
+            </a:r>
+            <a:r>
+              <a:rPr lang="sk-SK" dirty="0" smtClean="0"/>
+              <a:t>(</a:t>
+            </a:r>
+            <a:r>
+              <a:rPr lang="sk-SK" i="1" dirty="0" smtClean="0"/>
+              <a:t>nábežné časy, šum</a:t>
+            </a:r>
+            <a:r>
+              <a:rPr lang="sk-SK" dirty="0" smtClean="0"/>
+              <a:t>)</a:t>
+            </a:r>
+            <a:r>
+              <a:rPr lang="en-US" dirty="0" smtClean="0"/>
+              <a:t>,</a:t>
+            </a:r>
+            <a:endParaRPr lang="sk-SK" dirty="0" smtClean="0"/>
+          </a:p>
+          <a:p>
+            <a:pPr lvl="1"/>
+            <a:r>
+              <a:rPr lang="sk-SK" dirty="0" smtClean="0"/>
+              <a:t>Secure messaging</a:t>
+            </a:r>
+            <a:r>
+              <a:rPr lang="en-US" dirty="0" smtClean="0"/>
+              <a:t>,</a:t>
+            </a:r>
+            <a:endParaRPr lang="sk-SK" dirty="0" smtClean="0"/>
+          </a:p>
+          <a:p>
+            <a:pPr lvl="1"/>
+            <a:r>
+              <a:rPr lang="en-US" dirty="0" err="1" smtClean="0"/>
+              <a:t>manu</a:t>
+            </a:r>
+            <a:r>
+              <a:rPr lang="sk-SK" dirty="0" smtClean="0"/>
+              <a:t>álny</a:t>
+            </a:r>
+            <a:r>
+              <a:rPr lang="en-US" dirty="0" smtClean="0"/>
+              <a:t>:</a:t>
+            </a:r>
+            <a:r>
+              <a:rPr lang="sk-SK" dirty="0" smtClean="0"/>
+              <a:t> s</a:t>
+            </a:r>
+            <a:r>
+              <a:rPr lang="sk-SK" dirty="0" smtClean="0"/>
+              <a:t>elect, upload, install (</a:t>
+            </a:r>
+            <a:r>
+              <a:rPr lang="sk-SK" i="1" dirty="0" smtClean="0"/>
+              <a:t>reprogramovanie</a:t>
+            </a:r>
+            <a:r>
+              <a:rPr lang="sk-SK" dirty="0" smtClean="0"/>
+              <a:t>)</a:t>
+            </a:r>
+            <a:r>
+              <a:rPr lang="en-US" dirty="0" smtClean="0"/>
+              <a:t>.</a:t>
+            </a:r>
+            <a:endParaRPr lang="sk-SK" dirty="0" smtClean="0"/>
+          </a:p>
+          <a:p>
+            <a:pPr lvl="1"/>
             <a:endParaRPr lang="en-US" dirty="0"/>
           </a:p>
         </p:txBody>
@@ -6374,6 +7953,7 @@
           <a:p>
             <a:fld id="{8C584B50-B360-452D-AFC7-DEF83B5F5806}" type="slidenum">
               <a:rPr lang="en-US" smtClean="0"/>
+              <a:pPr/>
               <a:t>27</a:t>
             </a:fld>
             <a:endParaRPr lang="en-US"/>
@@ -6423,8 +8003,12 @@
           <a:lstStyle/>
           <a:p>
             <a:r>
-              <a:rPr lang="sk-SK" smtClean="0"/>
-              <a:t>Vhodnosť sietí</a:t>
+              <a:rPr lang="en-US" dirty="0" err="1" smtClean="0"/>
+              <a:t>Ot</a:t>
+            </a:r>
+            <a:r>
+              <a:rPr lang="sk-SK" dirty="0" smtClean="0"/>
+              <a:t>ázky</a:t>
             </a:r>
             <a:endParaRPr lang="en-US" dirty="0"/>
           </a:p>
@@ -6445,6 +8029,10 @@
           <a:bodyPr/>
           <a:lstStyle/>
           <a:p>
+            <a:r>
+              <a:rPr lang="sk-SK" dirty="0" smtClean="0"/>
+              <a:t>obsah</a:t>
+            </a:r>
             <a:endParaRPr lang="en-US" dirty="0"/>
           </a:p>
         </p:txBody>
@@ -6466,7 +8054,184 @@
           <a:p>
             <a:fld id="{8C584B50-B360-452D-AFC7-DEF83B5F5806}" type="slidenum">
               <a:rPr lang="en-US" smtClean="0"/>
+              <a:pPr/>
               <a:t>28</a:t>
+            </a:fld>
+            <a:endParaRPr lang="en-US"/>
+          </a:p>
+        </p:txBody>
+      </p:sp>
+    </p:spTree>
+  </p:cSld>
+  <p:clrMapOvr>
+    <a:masterClrMapping/>
+  </p:clrMapOvr>
+</p:sld>
+</file>
+
+<file path=ppt/slides/slide29.xml><?xml version="1.0" encoding="utf-8"?>
+<p:sld xmlns:a="http://schemas.openxmlformats.org/drawingml/2006/main" xmlns:r="http://schemas.openxmlformats.org/officeDocument/2006/relationships" xmlns:p="http://schemas.openxmlformats.org/presentationml/2006/main">
+  <p:cSld>
+    <p:spTree>
+      <p:nvGrpSpPr>
+        <p:cNvPr id="1" name=""/>
+        <p:cNvGrpSpPr/>
+        <p:nvPr/>
+      </p:nvGrpSpPr>
+      <p:grpSpPr>
+        <a:xfrm>
+          <a:off x="0" y="0"/>
+          <a:ext cx="0" cy="0"/>
+          <a:chOff x="0" y="0"/>
+          <a:chExt cx="0" cy="0"/>
+        </a:xfrm>
+      </p:grpSpPr>
+      <p:sp>
+        <p:nvSpPr>
+          <p:cNvPr id="2" name="Title 1"/>
+          <p:cNvSpPr>
+            <a:spLocks noGrp="1"/>
+          </p:cNvSpPr>
+          <p:nvPr>
+            <p:ph type="title"/>
+          </p:nvPr>
+        </p:nvSpPr>
+        <p:spPr/>
+        <p:txBody>
+          <a:bodyPr>
+            <a:normAutofit/>
+          </a:bodyPr>
+          <a:lstStyle/>
+          <a:p>
+            <a:r>
+              <a:rPr lang="sk-SK" dirty="0" smtClean="0"/>
+              <a:t>Používané technológie</a:t>
+            </a:r>
+            <a:endParaRPr lang="en-US" dirty="0"/>
+          </a:p>
+        </p:txBody>
+      </p:sp>
+      <p:sp>
+        <p:nvSpPr>
+          <p:cNvPr id="3" name="Content Placeholder 2"/>
+          <p:cNvSpPr>
+            <a:spLocks noGrp="1"/>
+          </p:cNvSpPr>
+          <p:nvPr>
+            <p:ph idx="1"/>
+          </p:nvPr>
+        </p:nvSpPr>
+        <p:spPr/>
+        <p:txBody>
+          <a:bodyPr/>
+          <a:lstStyle/>
+          <a:p>
+            <a:r>
+              <a:rPr lang="sk-SK" dirty="0" smtClean="0"/>
+              <a:t>Viac m</a:t>
+            </a:r>
+            <a:r>
+              <a:rPr lang="en-US" dirty="0" err="1" smtClean="0"/>
+              <a:t>arketing</a:t>
+            </a:r>
+            <a:r>
+              <a:rPr lang="en-US" dirty="0" smtClean="0"/>
+              <a:t> </a:t>
+            </a:r>
+            <a:r>
+              <a:rPr lang="en-US" dirty="0" smtClean="0"/>
+              <a:t>ako </a:t>
+            </a:r>
+            <a:r>
+              <a:rPr lang="en-US" dirty="0" err="1" smtClean="0"/>
+              <a:t>technol</a:t>
+            </a:r>
+            <a:r>
+              <a:rPr lang="sk-SK" dirty="0" smtClean="0"/>
+              <a:t>ógie</a:t>
+            </a:r>
+            <a:endParaRPr lang="en-US" dirty="0" smtClean="0"/>
+          </a:p>
+          <a:p>
+            <a:pPr lvl="1"/>
+            <a:r>
+              <a:rPr lang="sk-SK" dirty="0" smtClean="0"/>
+              <a:t>iControl Networks</a:t>
+            </a:r>
+            <a:r>
+              <a:rPr lang="en-US" dirty="0" smtClean="0"/>
+              <a:t>:</a:t>
+            </a:r>
+            <a:r>
+              <a:rPr lang="sk-SK" dirty="0" smtClean="0"/>
+              <a:t> </a:t>
+            </a:r>
+            <a:r>
+              <a:rPr lang="en-US" dirty="0" err="1" smtClean="0"/>
+              <a:t>ZigBee</a:t>
+            </a:r>
+            <a:r>
+              <a:rPr lang="en-US" dirty="0" smtClean="0"/>
+              <a:t>, Z-Wave</a:t>
+            </a:r>
+          </a:p>
+          <a:p>
+            <a:pPr lvl="1"/>
+            <a:r>
+              <a:rPr lang="en-US" dirty="0" err="1" smtClean="0"/>
+              <a:t>BeeWi</a:t>
+            </a:r>
+            <a:r>
+              <a:rPr lang="en-US" dirty="0" smtClean="0"/>
+              <a:t>: Bluetooth</a:t>
+            </a:r>
+            <a:endParaRPr lang="sk-SK" dirty="0" smtClean="0"/>
+          </a:p>
+          <a:p>
+            <a:pPr lvl="1"/>
+            <a:r>
+              <a:rPr lang="sk-SK" dirty="0" smtClean="0"/>
+              <a:t>Samsung SmartThings hub</a:t>
+            </a:r>
+            <a:r>
+              <a:rPr lang="en-US" dirty="0" smtClean="0"/>
+              <a:t>: </a:t>
+            </a:r>
+            <a:r>
+              <a:rPr lang="en-US" dirty="0" err="1" smtClean="0"/>
+              <a:t>WiFi</a:t>
+            </a:r>
+            <a:r>
+              <a:rPr lang="en-US" dirty="0" smtClean="0"/>
+              <a:t>, Z-Wave, LAN, </a:t>
+            </a:r>
+            <a:r>
+              <a:rPr lang="en-US" dirty="0" err="1" smtClean="0"/>
+              <a:t>ZigBee</a:t>
+            </a:r>
+            <a:endParaRPr lang="en-US" dirty="0"/>
+          </a:p>
+        </p:txBody>
+      </p:sp>
+      <p:sp>
+        <p:nvSpPr>
+          <p:cNvPr id="4" name="Slide Number Placeholder 3"/>
+          <p:cNvSpPr>
+            <a:spLocks noGrp="1"/>
+          </p:cNvSpPr>
+          <p:nvPr>
+            <p:ph type="sldNum" sz="quarter" idx="12"/>
+          </p:nvPr>
+        </p:nvSpPr>
+        <p:spPr/>
+        <p:txBody>
+          <a:bodyPr/>
+          <a:lstStyle/>
+          <a:p>
+            <a:fld id="{8C584B50-B360-452D-AFC7-DEF83B5F5806}" type="slidenum">
+              <a:rPr lang="en-US" smtClean="0"/>
+              <a:pPr/>
+              <a:t>29</a:t>
             </a:fld>
             <a:endParaRPr lang="en-US"/>
           </a:p>
@@ -6514,9 +8279,27 @@
           <a:p>
             <a:r>
               <a:rPr lang="sk-SK" dirty="0" smtClean="0"/>
-              <a:t>Stručný úvod</a:t>
-            </a:r>
-            <a:endParaRPr lang="en-US" dirty="0"/>
+              <a:t>Informačná bezpečnosť</a:t>
+            </a:r>
+          </a:p>
+        </p:txBody>
+      </p:sp>
+      <p:sp>
+        <p:nvSpPr>
+          <p:cNvPr id="3" name="Content Placeholder 2"/>
+          <p:cNvSpPr>
+            <a:spLocks noGrp="1"/>
+          </p:cNvSpPr>
+          <p:nvPr>
+            <p:ph idx="1"/>
+          </p:nvPr>
+        </p:nvSpPr>
+        <p:spPr/>
+        <p:txBody>
+          <a:bodyPr/>
+          <a:lstStyle/>
+          <a:p>
+            <a:endParaRPr lang="sk-SK" dirty="0" smtClean="0"/>
           </a:p>
         </p:txBody>
       </p:sp>
@@ -6537,6 +8320,7 @@
           <a:p>
             <a:fld id="{8C584B50-B360-452D-AFC7-DEF83B5F5806}" type="slidenum">
               <a:rPr lang="en-US" smtClean="0"/>
+              <a:pPr/>
               <a:t>3</a:t>
             </a:fld>
             <a:endParaRPr lang="en-US"/>
@@ -6545,13 +8329,11 @@
       </p:sp>
       <p:pic>
         <p:nvPicPr>
-          <p:cNvPr id="8" name="Picture 3" descr="C:\Lukas\Skola\FIIT\8. semester\DPII\Obrazky\a_attacks.png"/>
+          <p:cNvPr id="6" name="Picture 2" descr="C:\Lukas\Skola\FIIT\8. semester\DPII\Obrazky\a_CIA.png"/>
           <p:cNvPicPr>
-            <a:picLocks noGrp="1" noChangeAspect="1" noChangeArrowheads="1"/>
+            <a:picLocks noChangeAspect="1" noChangeArrowheads="1"/>
           </p:cNvPicPr>
-          <p:nvPr>
-            <p:ph idx="1"/>
-          </p:nvPr>
+          <p:nvPr/>
         </p:nvPicPr>
         <p:blipFill>
           <a:blip r:embed="rId2"/>
@@ -6561,12 +8343,1092 @@
           </a:stretch>
         </p:blipFill>
         <p:spPr bwMode="auto">
+          <a:xfrm>
+            <a:off x="2057400" y="1600200"/>
+            <a:ext cx="5168703" cy="4525963"/>
+          </a:xfrm>
           <a:prstGeom prst="rect">
             <a:avLst/>
           </a:prstGeom>
           <a:noFill/>
         </p:spPr>
       </p:pic>
+    </p:spTree>
+  </p:cSld>
+  <p:clrMapOvr>
+    <a:masterClrMapping/>
+  </p:clrMapOvr>
+</p:sld>
+</file>
+
+<file path=ppt/slides/slide30.xml><?xml version="1.0" encoding="utf-8"?>
+<p:sld xmlns:a="http://schemas.openxmlformats.org/drawingml/2006/main" xmlns:r="http://schemas.openxmlformats.org/officeDocument/2006/relationships" xmlns:p="http://schemas.openxmlformats.org/presentationml/2006/main">
+  <p:cSld>
+    <p:spTree>
+      <p:nvGrpSpPr>
+        <p:cNvPr id="1" name=""/>
+        <p:cNvGrpSpPr/>
+        <p:nvPr/>
+      </p:nvGrpSpPr>
+      <p:grpSpPr>
+        <a:xfrm>
+          <a:off x="0" y="0"/>
+          <a:ext cx="0" cy="0"/>
+          <a:chOff x="0" y="0"/>
+          <a:chExt cx="0" cy="0"/>
+        </a:xfrm>
+      </p:grpSpPr>
+      <p:sp>
+        <p:nvSpPr>
+          <p:cNvPr id="2" name="Title 1"/>
+          <p:cNvSpPr>
+            <a:spLocks noGrp="1"/>
+          </p:cNvSpPr>
+          <p:nvPr>
+            <p:ph type="title"/>
+          </p:nvPr>
+        </p:nvSpPr>
+        <p:spPr/>
+        <p:txBody>
+          <a:bodyPr>
+            <a:normAutofit/>
+          </a:bodyPr>
+          <a:lstStyle/>
+          <a:p>
+            <a:r>
+              <a:rPr lang="en-US" dirty="0" err="1" smtClean="0"/>
+              <a:t>Odpor</a:t>
+            </a:r>
+            <a:r>
+              <a:rPr lang="sk-SK" dirty="0" smtClean="0"/>
+              <a:t>účané aplikácie sietí</a:t>
+            </a:r>
+            <a:endParaRPr lang="en-US" dirty="0"/>
+          </a:p>
+        </p:txBody>
+      </p:sp>
+      <p:sp>
+        <p:nvSpPr>
+          <p:cNvPr id="3" name="Content Placeholder 2"/>
+          <p:cNvSpPr>
+            <a:spLocks noGrp="1"/>
+          </p:cNvSpPr>
+          <p:nvPr>
+            <p:ph sz="half" idx="1"/>
+          </p:nvPr>
+        </p:nvSpPr>
+        <p:spPr/>
+        <p:txBody>
+          <a:bodyPr/>
+          <a:lstStyle/>
+          <a:p>
+            <a:r>
+              <a:rPr lang="sk-SK" dirty="0" smtClean="0"/>
+              <a:t>NFC</a:t>
+            </a:r>
+          </a:p>
+          <a:p>
+            <a:r>
+              <a:rPr lang="sk-SK" dirty="0" smtClean="0"/>
+              <a:t>RFID</a:t>
+            </a:r>
+          </a:p>
+          <a:p>
+            <a:r>
+              <a:rPr lang="sk-SK" dirty="0" smtClean="0"/>
+              <a:t>ANT</a:t>
+            </a:r>
+          </a:p>
+          <a:p>
+            <a:r>
+              <a:rPr lang="en-US" dirty="0" smtClean="0"/>
+              <a:t>Bluetooth</a:t>
+            </a:r>
+            <a:endParaRPr lang="sk-SK" dirty="0" smtClean="0"/>
+          </a:p>
+          <a:p>
+            <a:r>
+              <a:rPr lang="sk-SK" dirty="0" smtClean="0"/>
+              <a:t>ZigBee</a:t>
+            </a:r>
+          </a:p>
+          <a:p>
+            <a:r>
+              <a:rPr lang="sk-SK" dirty="0" smtClean="0"/>
+              <a:t>SigFox</a:t>
+            </a:r>
+            <a:r>
+              <a:rPr lang="en-US" dirty="0" smtClean="0"/>
+              <a:t>/</a:t>
+            </a:r>
+            <a:r>
+              <a:rPr lang="sk-SK" dirty="0" smtClean="0"/>
+              <a:t>LoRa WAN</a:t>
+            </a:r>
+          </a:p>
+          <a:p>
+            <a:r>
+              <a:rPr lang="sk-SK" dirty="0" smtClean="0"/>
+              <a:t>WiFi</a:t>
+            </a:r>
+            <a:endParaRPr lang="sk-SK" dirty="0" smtClean="0"/>
+          </a:p>
+          <a:p>
+            <a:endParaRPr lang="en-US" dirty="0"/>
+          </a:p>
+        </p:txBody>
+      </p:sp>
+      <p:sp>
+        <p:nvSpPr>
+          <p:cNvPr id="5" name="Content Placeholder 4"/>
+          <p:cNvSpPr>
+            <a:spLocks noGrp="1"/>
+          </p:cNvSpPr>
+          <p:nvPr>
+            <p:ph sz="half" idx="2"/>
+          </p:nvPr>
+        </p:nvSpPr>
+        <p:spPr>
+          <a:xfrm>
+            <a:off x="3733800" y="1600200"/>
+            <a:ext cx="1295400" cy="4525963"/>
+          </a:xfrm>
+        </p:spPr>
+        <p:txBody>
+          <a:bodyPr/>
+          <a:lstStyle/>
+          <a:p>
+            <a:endParaRPr lang="en-US" dirty="0" smtClean="0"/>
+          </a:p>
+          <a:p>
+            <a:pPr>
+              <a:spcBef>
+                <a:spcPts val="1700"/>
+              </a:spcBef>
+            </a:pPr>
+            <a:r>
+              <a:rPr lang="en-US" dirty="0" smtClean="0"/>
+              <a:t>GSM</a:t>
+            </a:r>
+            <a:endParaRPr lang="en-US" dirty="0"/>
+          </a:p>
+        </p:txBody>
+      </p:sp>
+      <p:sp>
+        <p:nvSpPr>
+          <p:cNvPr id="4" name="Slide Number Placeholder 3"/>
+          <p:cNvSpPr>
+            <a:spLocks noGrp="1"/>
+          </p:cNvSpPr>
+          <p:nvPr>
+            <p:ph type="sldNum" sz="quarter" idx="12"/>
+          </p:nvPr>
+        </p:nvSpPr>
+        <p:spPr/>
+        <p:txBody>
+          <a:bodyPr/>
+          <a:lstStyle/>
+          <a:p>
+            <a:fld id="{8C584B50-B360-452D-AFC7-DEF83B5F5806}" type="slidenum">
+              <a:rPr lang="en-US" smtClean="0"/>
+              <a:pPr/>
+              <a:t>30</a:t>
+            </a:fld>
+            <a:endParaRPr lang="en-US"/>
+          </a:p>
+        </p:txBody>
+      </p:sp>
+      <p:sp>
+        <p:nvSpPr>
+          <p:cNvPr id="6" name="Content Placeholder 4"/>
+          <p:cNvSpPr txBox="1">
+            <a:spLocks/>
+          </p:cNvSpPr>
+          <p:nvPr/>
+        </p:nvSpPr>
+        <p:spPr>
+          <a:xfrm>
+            <a:off x="5715000" y="1600200"/>
+            <a:ext cx="2819400" cy="4525963"/>
+          </a:xfrm>
+          <a:prstGeom prst="rect">
+            <a:avLst/>
+          </a:prstGeom>
+        </p:spPr>
+        <p:txBody>
+          <a:bodyPr vert="horz" lIns="91440" tIns="45720" rIns="91440" bIns="45720" rtlCol="0">
+            <a:normAutofit/>
+          </a:bodyPr>
+          <a:lstStyle/>
+          <a:p>
+            <a:pPr marL="342900" marR="0" lvl="0" indent="-342900" algn="l" defTabSz="914400" rtl="0" eaLnBrk="1" fontAlgn="auto" latinLnBrk="0" hangingPunct="1">
+              <a:lnSpc>
+                <a:spcPct val="100000"/>
+              </a:lnSpc>
+              <a:spcBef>
+                <a:spcPct val="20000"/>
+              </a:spcBef>
+              <a:spcAft>
+                <a:spcPts val="0"/>
+              </a:spcAft>
+              <a:buClrTx/>
+              <a:buSzTx/>
+              <a:buFont typeface="Arial" pitchFamily="34" charset="0"/>
+              <a:buChar char="•"/>
+              <a:tabLst/>
+              <a:defRPr/>
+            </a:pPr>
+            <a:endParaRPr kumimoji="0" lang="en-US" sz="2800" b="0" i="0" u="none" strike="noStrike" kern="1200" cap="none" spc="0" normalizeH="0" baseline="0" noProof="0" dirty="0" smtClean="0">
+              <a:ln>
+                <a:noFill/>
+              </a:ln>
+              <a:solidFill>
+                <a:schemeClr val="tx1"/>
+              </a:solidFill>
+              <a:effectLst/>
+              <a:uLnTx/>
+              <a:uFillTx/>
+              <a:latin typeface="+mn-lt"/>
+              <a:ea typeface="+mn-ea"/>
+              <a:cs typeface="+mn-cs"/>
+            </a:endParaRPr>
+          </a:p>
+          <a:p>
+            <a:pPr marL="342900" marR="0" lvl="0" indent="-342900" algn="l" defTabSz="914400" rtl="0" eaLnBrk="1" fontAlgn="auto" latinLnBrk="0" hangingPunct="1">
+              <a:lnSpc>
+                <a:spcPct val="100000"/>
+              </a:lnSpc>
+              <a:spcBef>
+                <a:spcPts val="1700"/>
+              </a:spcBef>
+              <a:spcAft>
+                <a:spcPts val="0"/>
+              </a:spcAft>
+              <a:buClrTx/>
+              <a:buSzTx/>
+              <a:buFont typeface="Arial" pitchFamily="34" charset="0"/>
+              <a:buChar char="•"/>
+              <a:tabLst/>
+              <a:defRPr/>
+            </a:pPr>
+            <a:endParaRPr kumimoji="0" lang="en-US" sz="2800" b="0" i="0" u="none" strike="noStrike" kern="1200" cap="none" spc="0" normalizeH="0" baseline="0" noProof="0" dirty="0">
+              <a:ln>
+                <a:noFill/>
+              </a:ln>
+              <a:solidFill>
+                <a:schemeClr val="tx1"/>
+              </a:solidFill>
+              <a:effectLst/>
+              <a:uLnTx/>
+              <a:uFillTx/>
+              <a:latin typeface="+mn-lt"/>
+              <a:ea typeface="+mn-ea"/>
+              <a:cs typeface="+mn-cs"/>
+            </a:endParaRPr>
+          </a:p>
+        </p:txBody>
+      </p:sp>
+      <p:cxnSp>
+        <p:nvCxnSpPr>
+          <p:cNvPr id="8" name="Straight Arrow Connector 7"/>
+          <p:cNvCxnSpPr/>
+          <p:nvPr/>
+        </p:nvCxnSpPr>
+        <p:spPr>
+          <a:xfrm rot="5400000">
+            <a:off x="3771622" y="3543022"/>
+            <a:ext cx="3885406" cy="1350"/>
+          </a:xfrm>
+          <a:prstGeom prst="straightConnector1">
+            <a:avLst/>
+          </a:prstGeom>
+          <a:ln>
+            <a:tailEnd type="arrow"/>
+          </a:ln>
+        </p:spPr>
+        <p:style>
+          <a:lnRef idx="3">
+            <a:schemeClr val="dk1"/>
+          </a:lnRef>
+          <a:fillRef idx="0">
+            <a:schemeClr val="dk1"/>
+          </a:fillRef>
+          <a:effectRef idx="2">
+            <a:schemeClr val="dk1"/>
+          </a:effectRef>
+          <a:fontRef idx="minor">
+            <a:schemeClr val="tx1"/>
+          </a:fontRef>
+        </p:style>
+      </p:cxnSp>
+      <p:sp>
+        <p:nvSpPr>
+          <p:cNvPr id="9" name="Content Placeholder 4"/>
+          <p:cNvSpPr txBox="1">
+            <a:spLocks/>
+          </p:cNvSpPr>
+          <p:nvPr/>
+        </p:nvSpPr>
+        <p:spPr>
+          <a:xfrm>
+            <a:off x="5867400" y="1600200"/>
+            <a:ext cx="2971800" cy="4525963"/>
+          </a:xfrm>
+          <a:prstGeom prst="rect">
+            <a:avLst/>
+          </a:prstGeom>
+        </p:spPr>
+        <p:txBody>
+          <a:bodyPr vert="horz" lIns="91440" tIns="45720" rIns="91440" bIns="45720" rtlCol="0">
+            <a:normAutofit/>
+          </a:bodyPr>
+          <a:lstStyle/>
+          <a:p>
+            <a:pPr marL="342900" marR="0" lvl="0" indent="-342900" algn="l" defTabSz="914400" rtl="0" eaLnBrk="1" fontAlgn="auto" latinLnBrk="0" hangingPunct="1">
+              <a:lnSpc>
+                <a:spcPct val="100000"/>
+              </a:lnSpc>
+              <a:spcBef>
+                <a:spcPct val="20000"/>
+              </a:spcBef>
+              <a:spcAft>
+                <a:spcPts val="0"/>
+              </a:spcAft>
+              <a:buClrTx/>
+              <a:buSzTx/>
+              <a:buFont typeface="Arial" pitchFamily="34" charset="0"/>
+              <a:buChar char="•"/>
+              <a:tabLst/>
+              <a:defRPr/>
+            </a:pPr>
+            <a:endParaRPr kumimoji="0" lang="en-US" sz="2800" b="0" i="0" u="none" strike="noStrike" kern="1200" cap="none" spc="0" normalizeH="0" baseline="0" noProof="0" dirty="0" smtClean="0">
+              <a:ln>
+                <a:noFill/>
+              </a:ln>
+              <a:solidFill>
+                <a:schemeClr val="tx1"/>
+              </a:solidFill>
+              <a:effectLst/>
+              <a:uLnTx/>
+              <a:uFillTx/>
+              <a:latin typeface="+mn-lt"/>
+              <a:ea typeface="+mn-ea"/>
+              <a:cs typeface="+mn-cs"/>
+            </a:endParaRPr>
+          </a:p>
+          <a:p>
+            <a:pPr marL="342900" marR="0" lvl="0" indent="-342900" algn="l" defTabSz="914400" rtl="0" eaLnBrk="1" fontAlgn="auto" latinLnBrk="0" hangingPunct="1">
+              <a:lnSpc>
+                <a:spcPct val="100000"/>
+              </a:lnSpc>
+              <a:spcBef>
+                <a:spcPts val="1700"/>
+              </a:spcBef>
+              <a:spcAft>
+                <a:spcPts val="0"/>
+              </a:spcAft>
+              <a:buClrTx/>
+              <a:buSzTx/>
+              <a:tabLst/>
+              <a:defRPr/>
+            </a:pPr>
+            <a:r>
+              <a:rPr kumimoji="0" lang="sk-SK" sz="2800" b="0" i="0" u="none" strike="noStrike" kern="1200" cap="none" spc="0" normalizeH="0" baseline="0" noProof="0" dirty="0" smtClean="0">
+                <a:ln>
+                  <a:noFill/>
+                </a:ln>
+                <a:solidFill>
+                  <a:schemeClr val="tx1"/>
+                </a:solidFill>
+                <a:effectLst/>
+                <a:uLnTx/>
+                <a:uFillTx/>
+                <a:latin typeface="+mn-lt"/>
+                <a:ea typeface="+mn-ea"/>
+                <a:cs typeface="+mn-cs"/>
+              </a:rPr>
+              <a:t>Veľkosť</a:t>
+            </a:r>
+            <a:r>
+              <a:rPr kumimoji="0" lang="sk-SK" sz="2800" b="0" i="0" u="none" strike="noStrike" kern="1200" cap="none" spc="0" normalizeH="0" noProof="0" dirty="0" smtClean="0">
+                <a:ln>
+                  <a:noFill/>
+                </a:ln>
+                <a:solidFill>
+                  <a:schemeClr val="tx1"/>
+                </a:solidFill>
+                <a:effectLst/>
+                <a:uLnTx/>
+                <a:uFillTx/>
+                <a:latin typeface="+mn-lt"/>
+                <a:ea typeface="+mn-ea"/>
+                <a:cs typeface="+mn-cs"/>
+              </a:rPr>
+              <a:t> </a:t>
+            </a:r>
+            <a:r>
+              <a:rPr kumimoji="0" lang="sk-SK" sz="2800" b="0" i="0" u="none" strike="noStrike" kern="1200" cap="none" spc="0" normalizeH="0" baseline="0" noProof="0" dirty="0" smtClean="0">
+                <a:ln>
+                  <a:noFill/>
+                </a:ln>
+                <a:solidFill>
+                  <a:schemeClr val="tx1"/>
+                </a:solidFill>
+                <a:effectLst/>
+                <a:uLnTx/>
+                <a:uFillTx/>
+                <a:latin typeface="+mn-lt"/>
+                <a:ea typeface="+mn-ea"/>
+                <a:cs typeface="+mn-cs"/>
+              </a:rPr>
+              <a:t>siete</a:t>
+            </a:r>
+          </a:p>
+          <a:p>
+            <a:pPr marL="342900" marR="0" lvl="0" indent="-342900" algn="l" defTabSz="914400" rtl="0" eaLnBrk="1" fontAlgn="auto" latinLnBrk="0" hangingPunct="1">
+              <a:lnSpc>
+                <a:spcPct val="100000"/>
+              </a:lnSpc>
+              <a:spcBef>
+                <a:spcPts val="1700"/>
+              </a:spcBef>
+              <a:spcAft>
+                <a:spcPts val="0"/>
+              </a:spcAft>
+              <a:buClrTx/>
+              <a:buSzTx/>
+              <a:tabLst/>
+              <a:defRPr/>
+            </a:pPr>
+            <a:r>
+              <a:rPr lang="sk-SK" sz="2800" dirty="0" smtClean="0"/>
+              <a:t>Flexibilita</a:t>
+            </a:r>
+          </a:p>
+          <a:p>
+            <a:pPr marL="342900" indent="-342900">
+              <a:spcBef>
+                <a:spcPts val="1700"/>
+              </a:spcBef>
+            </a:pPr>
+            <a:r>
+              <a:rPr lang="sk-SK" sz="2800" dirty="0" smtClean="0"/>
+              <a:t>Spotreba</a:t>
+            </a:r>
+            <a:endParaRPr lang="en-US" sz="2800" dirty="0" smtClean="0"/>
+          </a:p>
+          <a:p>
+            <a:pPr marL="342900" indent="-342900">
+              <a:spcBef>
+                <a:spcPts val="1700"/>
+              </a:spcBef>
+            </a:pPr>
+            <a:r>
+              <a:rPr lang="sk-SK" sz="2800" dirty="0" smtClean="0"/>
+              <a:t>Kom. rýchlosť</a:t>
+            </a:r>
+            <a:endParaRPr lang="sk-SK" sz="2800" dirty="0" smtClean="0"/>
+          </a:p>
+          <a:p>
+            <a:pPr marL="342900" marR="0" lvl="0" indent="-342900" algn="l" defTabSz="914400" rtl="0" eaLnBrk="1" fontAlgn="auto" latinLnBrk="0" hangingPunct="1">
+              <a:lnSpc>
+                <a:spcPct val="100000"/>
+              </a:lnSpc>
+              <a:spcBef>
+                <a:spcPts val="1700"/>
+              </a:spcBef>
+              <a:spcAft>
+                <a:spcPts val="0"/>
+              </a:spcAft>
+              <a:buClrTx/>
+              <a:buSzTx/>
+              <a:tabLst/>
+              <a:defRPr/>
+            </a:pPr>
+            <a:r>
+              <a:rPr kumimoji="0" lang="sk-SK" sz="2800" b="0" i="0" u="none" strike="noStrike" kern="1200" cap="none" spc="0" normalizeH="0" baseline="0" noProof="0" dirty="0" smtClean="0">
+                <a:ln>
+                  <a:noFill/>
+                </a:ln>
+                <a:solidFill>
+                  <a:schemeClr val="tx1"/>
+                </a:solidFill>
+                <a:effectLst/>
+                <a:uLnTx/>
+                <a:uFillTx/>
+                <a:latin typeface="+mn-lt"/>
+                <a:ea typeface="+mn-ea"/>
+                <a:cs typeface="+mn-cs"/>
+              </a:rPr>
+              <a:t>Dosah</a:t>
+            </a:r>
+          </a:p>
+        </p:txBody>
+      </p:sp>
+    </p:spTree>
+  </p:cSld>
+  <p:clrMapOvr>
+    <a:masterClrMapping/>
+  </p:clrMapOvr>
+</p:sld>
+</file>
+
+<file path=ppt/slides/slide31.xml><?xml version="1.0" encoding="utf-8"?>
+<p:sld xmlns:a="http://schemas.openxmlformats.org/drawingml/2006/main" xmlns:r="http://schemas.openxmlformats.org/officeDocument/2006/relationships" xmlns:p="http://schemas.openxmlformats.org/presentationml/2006/main">
+  <p:cSld>
+    <p:spTree>
+      <p:nvGrpSpPr>
+        <p:cNvPr id="1" name=""/>
+        <p:cNvGrpSpPr/>
+        <p:nvPr/>
+      </p:nvGrpSpPr>
+      <p:grpSpPr>
+        <a:xfrm>
+          <a:off x="0" y="0"/>
+          <a:ext cx="0" cy="0"/>
+          <a:chOff x="0" y="0"/>
+          <a:chExt cx="0" cy="0"/>
+        </a:xfrm>
+      </p:grpSpPr>
+      <p:sp>
+        <p:nvSpPr>
+          <p:cNvPr id="2" name="Title 1"/>
+          <p:cNvSpPr>
+            <a:spLocks noGrp="1"/>
+          </p:cNvSpPr>
+          <p:nvPr>
+            <p:ph type="title"/>
+          </p:nvPr>
+        </p:nvSpPr>
+        <p:spPr/>
+        <p:txBody>
+          <a:bodyPr>
+            <a:normAutofit/>
+          </a:bodyPr>
+          <a:lstStyle/>
+          <a:p>
+            <a:r>
+              <a:rPr lang="sk-SK" dirty="0" smtClean="0"/>
+              <a:t>Prečo komunikačný protokol ANT</a:t>
+            </a:r>
+            <a:r>
+              <a:rPr lang="en-US" dirty="0" smtClean="0"/>
+              <a:t>?</a:t>
+            </a:r>
+            <a:endParaRPr lang="en-US" dirty="0"/>
+          </a:p>
+        </p:txBody>
+      </p:sp>
+      <p:sp>
+        <p:nvSpPr>
+          <p:cNvPr id="3" name="Content Placeholder 2"/>
+          <p:cNvSpPr>
+            <a:spLocks noGrp="1"/>
+          </p:cNvSpPr>
+          <p:nvPr>
+            <p:ph idx="1"/>
+          </p:nvPr>
+        </p:nvSpPr>
+        <p:spPr/>
+        <p:txBody>
+          <a:bodyPr/>
+          <a:lstStyle/>
+          <a:p>
+            <a:r>
+              <a:rPr lang="sk-SK" dirty="0" smtClean="0"/>
+              <a:t>Nutné na niečom overiť riešenie, fyzické výsledky</a:t>
+            </a:r>
+            <a:endParaRPr lang="en-US" dirty="0" smtClean="0"/>
+          </a:p>
+          <a:p>
+            <a:endParaRPr lang="en-US" dirty="0" smtClean="0"/>
+          </a:p>
+          <a:p>
+            <a:r>
+              <a:rPr lang="sk-SK" dirty="0" smtClean="0"/>
+              <a:t>g</a:t>
+            </a:r>
+            <a:r>
+              <a:rPr lang="en-US" dirty="0" err="1" smtClean="0"/>
+              <a:t>enerick</a:t>
+            </a:r>
+            <a:r>
+              <a:rPr lang="sk-SK" dirty="0" smtClean="0"/>
+              <a:t>é riešenie (roznorodosť)</a:t>
+            </a:r>
+          </a:p>
+          <a:p>
+            <a:r>
+              <a:rPr lang="sk-SK" dirty="0" smtClean="0"/>
+              <a:t>vždy bude nutnosť optimalizácie na HW</a:t>
+            </a:r>
+          </a:p>
+          <a:p>
+            <a:endParaRPr lang="sk-SK" dirty="0" smtClean="0"/>
+          </a:p>
+          <a:p>
+            <a:r>
+              <a:rPr lang="sk-SK" dirty="0" smtClean="0"/>
+              <a:t>bol po ruke</a:t>
+            </a:r>
+          </a:p>
+          <a:p>
+            <a:endParaRPr lang="en-US" dirty="0"/>
+          </a:p>
+        </p:txBody>
+      </p:sp>
+      <p:sp>
+        <p:nvSpPr>
+          <p:cNvPr id="4" name="Slide Number Placeholder 3"/>
+          <p:cNvSpPr>
+            <a:spLocks noGrp="1"/>
+          </p:cNvSpPr>
+          <p:nvPr>
+            <p:ph type="sldNum" sz="quarter" idx="12"/>
+          </p:nvPr>
+        </p:nvSpPr>
+        <p:spPr/>
+        <p:txBody>
+          <a:bodyPr/>
+          <a:lstStyle/>
+          <a:p>
+            <a:fld id="{8C584B50-B360-452D-AFC7-DEF83B5F5806}" type="slidenum">
+              <a:rPr lang="en-US" smtClean="0"/>
+              <a:pPr/>
+              <a:t>31</a:t>
+            </a:fld>
+            <a:endParaRPr lang="en-US"/>
+          </a:p>
+        </p:txBody>
+      </p:sp>
+    </p:spTree>
+  </p:cSld>
+  <p:clrMapOvr>
+    <a:masterClrMapping/>
+  </p:clrMapOvr>
+</p:sld>
+</file>
+
+<file path=ppt/slides/slide32.xml><?xml version="1.0" encoding="utf-8"?>
+<p:sld xmlns:a="http://schemas.openxmlformats.org/drawingml/2006/main" xmlns:r="http://schemas.openxmlformats.org/officeDocument/2006/relationships" xmlns:p="http://schemas.openxmlformats.org/presentationml/2006/main">
+  <p:cSld>
+    <p:spTree>
+      <p:nvGrpSpPr>
+        <p:cNvPr id="1" name=""/>
+        <p:cNvGrpSpPr/>
+        <p:nvPr/>
+      </p:nvGrpSpPr>
+      <p:grpSpPr>
+        <a:xfrm>
+          <a:off x="0" y="0"/>
+          <a:ext cx="0" cy="0"/>
+          <a:chOff x="0" y="0"/>
+          <a:chExt cx="0" cy="0"/>
+        </a:xfrm>
+      </p:grpSpPr>
+      <p:sp>
+        <p:nvSpPr>
+          <p:cNvPr id="2" name="Title 1"/>
+          <p:cNvSpPr>
+            <a:spLocks noGrp="1"/>
+          </p:cNvSpPr>
+          <p:nvPr>
+            <p:ph type="title"/>
+          </p:nvPr>
+        </p:nvSpPr>
+        <p:spPr/>
+        <p:txBody>
+          <a:bodyPr>
+            <a:normAutofit/>
+          </a:bodyPr>
+          <a:lstStyle/>
+          <a:p>
+            <a:r>
+              <a:rPr lang="sk-SK" dirty="0" smtClean="0"/>
+              <a:t>Najčastejšie dôvody porúch </a:t>
+            </a:r>
+            <a:endParaRPr lang="en-US" dirty="0"/>
+          </a:p>
+        </p:txBody>
+      </p:sp>
+      <p:sp>
+        <p:nvSpPr>
+          <p:cNvPr id="3" name="Content Placeholder 2"/>
+          <p:cNvSpPr>
+            <a:spLocks noGrp="1"/>
+          </p:cNvSpPr>
+          <p:nvPr>
+            <p:ph idx="1"/>
+          </p:nvPr>
+        </p:nvSpPr>
+        <p:spPr/>
+        <p:txBody>
+          <a:bodyPr>
+            <a:normAutofit/>
+          </a:bodyPr>
+          <a:lstStyle/>
+          <a:p>
+            <a:r>
+              <a:rPr lang="sk-SK" dirty="0" smtClean="0"/>
+              <a:t>predpokladám že najmä kvôli </a:t>
+            </a:r>
+          </a:p>
+          <a:p>
+            <a:pPr lvl="1"/>
+            <a:r>
+              <a:rPr lang="sk-SK" dirty="0" smtClean="0"/>
+              <a:t>komunikácii s kryptoelementom (atomicky)</a:t>
+            </a:r>
+          </a:p>
+          <a:p>
+            <a:pPr lvl="1"/>
+            <a:r>
+              <a:rPr lang="sk-SK" dirty="0" smtClean="0"/>
+              <a:t>z</a:t>
+            </a:r>
+            <a:r>
+              <a:rPr lang="sk-SK" dirty="0" smtClean="0"/>
+              <a:t>meškanie časového okna pre posielanie</a:t>
+            </a:r>
+            <a:r>
+              <a:rPr lang="en-US" dirty="0" smtClean="0"/>
+              <a:t>: </a:t>
+            </a:r>
+            <a:r>
+              <a:rPr lang="en-US" dirty="0" err="1" smtClean="0"/>
+              <a:t>rozsynchronizovanie</a:t>
+            </a:r>
+            <a:r>
+              <a:rPr lang="en-US" dirty="0" smtClean="0"/>
+              <a:t> </a:t>
+            </a:r>
+            <a:r>
+              <a:rPr lang="en-US" dirty="0" err="1" smtClean="0"/>
+              <a:t>protokolu</a:t>
+            </a:r>
+            <a:endParaRPr lang="sk-SK" dirty="0" smtClean="0"/>
+          </a:p>
+          <a:p>
+            <a:endParaRPr lang="sk-SK" dirty="0" smtClean="0"/>
+          </a:p>
+          <a:p>
+            <a:r>
+              <a:rPr lang="sk-SK" dirty="0" smtClean="0"/>
+              <a:t>Protiopatrenia</a:t>
+            </a:r>
+          </a:p>
+          <a:p>
+            <a:pPr lvl="1"/>
+            <a:r>
+              <a:rPr lang="sk-SK" dirty="0" smtClean="0"/>
+              <a:t>predpripravovanie dát, posielanie neskôr</a:t>
+            </a:r>
+          </a:p>
+          <a:p>
+            <a:pPr lvl="1"/>
+            <a:r>
+              <a:rPr lang="sk-SK" dirty="0" smtClean="0"/>
+              <a:t>SoftDevice</a:t>
+            </a:r>
+            <a:r>
+              <a:rPr lang="en-US" dirty="0" smtClean="0"/>
+              <a:t>: </a:t>
+            </a:r>
+            <a:r>
+              <a:rPr lang="sk-SK" dirty="0" smtClean="0"/>
+              <a:t>kontrola, či sa nič neposiela</a:t>
+            </a:r>
+            <a:endParaRPr lang="en-US" dirty="0"/>
+          </a:p>
+        </p:txBody>
+      </p:sp>
+      <p:sp>
+        <p:nvSpPr>
+          <p:cNvPr id="4" name="Slide Number Placeholder 3"/>
+          <p:cNvSpPr>
+            <a:spLocks noGrp="1"/>
+          </p:cNvSpPr>
+          <p:nvPr>
+            <p:ph type="sldNum" sz="quarter" idx="12"/>
+          </p:nvPr>
+        </p:nvSpPr>
+        <p:spPr/>
+        <p:txBody>
+          <a:bodyPr/>
+          <a:lstStyle/>
+          <a:p>
+            <a:fld id="{8C584B50-B360-452D-AFC7-DEF83B5F5806}" type="slidenum">
+              <a:rPr lang="en-US" smtClean="0"/>
+              <a:pPr/>
+              <a:t>32</a:t>
+            </a:fld>
+            <a:endParaRPr lang="en-US"/>
+          </a:p>
+        </p:txBody>
+      </p:sp>
+    </p:spTree>
+  </p:cSld>
+  <p:clrMapOvr>
+    <a:masterClrMapping/>
+  </p:clrMapOvr>
+</p:sld>
+</file>
+
+<file path=ppt/slides/slide33.xml><?xml version="1.0" encoding="utf-8"?>
+<p:sld xmlns:a="http://schemas.openxmlformats.org/drawingml/2006/main" xmlns:r="http://schemas.openxmlformats.org/officeDocument/2006/relationships" xmlns:p="http://schemas.openxmlformats.org/presentationml/2006/main">
+  <p:cSld>
+    <p:spTree>
+      <p:nvGrpSpPr>
+        <p:cNvPr id="1" name=""/>
+        <p:cNvGrpSpPr/>
+        <p:nvPr/>
+      </p:nvGrpSpPr>
+      <p:grpSpPr>
+        <a:xfrm>
+          <a:off x="0" y="0"/>
+          <a:ext cx="0" cy="0"/>
+          <a:chOff x="0" y="0"/>
+          <a:chExt cx="0" cy="0"/>
+        </a:xfrm>
+      </p:grpSpPr>
+      <p:sp>
+        <p:nvSpPr>
+          <p:cNvPr id="2" name="Title 1"/>
+          <p:cNvSpPr>
+            <a:spLocks noGrp="1"/>
+          </p:cNvSpPr>
+          <p:nvPr>
+            <p:ph type="title"/>
+          </p:nvPr>
+        </p:nvSpPr>
+        <p:spPr/>
+        <p:txBody>
+          <a:bodyPr>
+            <a:normAutofit/>
+          </a:bodyPr>
+          <a:lstStyle/>
+          <a:p>
+            <a:r>
+              <a:rPr lang="sk-SK" dirty="0" smtClean="0"/>
+              <a:t>Najčastejšie dôvody porúch </a:t>
+            </a:r>
+            <a:endParaRPr lang="en-US" dirty="0"/>
+          </a:p>
+        </p:txBody>
+      </p:sp>
+      <p:sp>
+        <p:nvSpPr>
+          <p:cNvPr id="4" name="Slide Number Placeholder 3"/>
+          <p:cNvSpPr>
+            <a:spLocks noGrp="1"/>
+          </p:cNvSpPr>
+          <p:nvPr>
+            <p:ph type="sldNum" sz="quarter" idx="12"/>
+          </p:nvPr>
+        </p:nvSpPr>
+        <p:spPr/>
+        <p:txBody>
+          <a:bodyPr/>
+          <a:lstStyle/>
+          <a:p>
+            <a:fld id="{8C584B50-B360-452D-AFC7-DEF83B5F5806}" type="slidenum">
+              <a:rPr lang="en-US" smtClean="0"/>
+              <a:pPr/>
+              <a:t>33</a:t>
+            </a:fld>
+            <a:endParaRPr lang="en-US"/>
+          </a:p>
+        </p:txBody>
+      </p:sp>
+      <p:pic>
+        <p:nvPicPr>
+          <p:cNvPr id="1026" name="Picture 2"/>
+          <p:cNvPicPr>
+            <a:picLocks noGrp="1" noChangeAspect="1" noChangeArrowheads="1"/>
+          </p:cNvPicPr>
+          <p:nvPr>
+            <p:ph idx="1"/>
+          </p:nvPr>
+        </p:nvPicPr>
+        <p:blipFill>
+          <a:blip r:embed="rId2"/>
+          <a:srcRect/>
+          <a:stretch>
+            <a:fillRect/>
+          </a:stretch>
+        </p:blipFill>
+        <p:spPr bwMode="auto">
+          <a:xfrm>
+            <a:off x="-11658" y="2697163"/>
+            <a:ext cx="9167316" cy="2332038"/>
+          </a:xfrm>
+          <a:prstGeom prst="rect">
+            <a:avLst/>
+          </a:prstGeom>
+          <a:noFill/>
+          <a:ln w="9525">
+            <a:noFill/>
+            <a:miter lim="800000"/>
+            <a:headEnd/>
+            <a:tailEnd/>
+          </a:ln>
+          <a:effectLst/>
+        </p:spPr>
+      </p:pic>
+    </p:spTree>
+  </p:cSld>
+  <p:clrMapOvr>
+    <a:masterClrMapping/>
+  </p:clrMapOvr>
+</p:sld>
+</file>
+
+<file path=ppt/slides/slide34.xml><?xml version="1.0" encoding="utf-8"?>
+<p:sld xmlns:a="http://schemas.openxmlformats.org/drawingml/2006/main" xmlns:r="http://schemas.openxmlformats.org/officeDocument/2006/relationships" xmlns:p="http://schemas.openxmlformats.org/presentationml/2006/main">
+  <p:cSld>
+    <p:spTree>
+      <p:nvGrpSpPr>
+        <p:cNvPr id="1" name=""/>
+        <p:cNvGrpSpPr/>
+        <p:nvPr/>
+      </p:nvGrpSpPr>
+      <p:grpSpPr>
+        <a:xfrm>
+          <a:off x="0" y="0"/>
+          <a:ext cx="0" cy="0"/>
+          <a:chOff x="0" y="0"/>
+          <a:chExt cx="0" cy="0"/>
+        </a:xfrm>
+      </p:grpSpPr>
+      <p:sp>
+        <p:nvSpPr>
+          <p:cNvPr id="2" name="Title 1"/>
+          <p:cNvSpPr>
+            <a:spLocks noGrp="1"/>
+          </p:cNvSpPr>
+          <p:nvPr>
+            <p:ph type="title"/>
+          </p:nvPr>
+        </p:nvSpPr>
+        <p:spPr/>
+        <p:txBody>
+          <a:bodyPr>
+            <a:normAutofit/>
+          </a:bodyPr>
+          <a:lstStyle/>
+          <a:p>
+            <a:r>
+              <a:rPr lang="sk-SK" dirty="0" smtClean="0"/>
+              <a:t>Ako urýchliť komunikáciu s HW</a:t>
+            </a:r>
+            <a:r>
+              <a:rPr lang="en-US" dirty="0" smtClean="0"/>
+              <a:t>?</a:t>
+            </a:r>
+            <a:endParaRPr lang="en-US" dirty="0"/>
+          </a:p>
+        </p:txBody>
+      </p:sp>
+      <p:sp>
+        <p:nvSpPr>
+          <p:cNvPr id="3" name="Content Placeholder 2"/>
+          <p:cNvSpPr>
+            <a:spLocks noGrp="1"/>
+          </p:cNvSpPr>
+          <p:nvPr>
+            <p:ph idx="1"/>
+          </p:nvPr>
+        </p:nvSpPr>
+        <p:spPr/>
+        <p:txBody>
+          <a:bodyPr>
+            <a:normAutofit/>
+          </a:bodyPr>
+          <a:lstStyle/>
+          <a:p>
+            <a:r>
+              <a:rPr lang="sk-SK" dirty="0" smtClean="0"/>
+              <a:t>vyššia rýchlosť ext. CLK pomocou GPIO</a:t>
+            </a:r>
+          </a:p>
+          <a:p>
+            <a:r>
+              <a:rPr lang="sk-SK" dirty="0" smtClean="0"/>
+              <a:t>d</a:t>
+            </a:r>
+            <a:r>
+              <a:rPr lang="sk-SK" dirty="0" smtClean="0"/>
+              <a:t>edikovaný periférie pre ISO7816 (atmel)</a:t>
+            </a:r>
+          </a:p>
+          <a:p>
+            <a:r>
+              <a:rPr lang="sk-SK" dirty="0" smtClean="0"/>
+              <a:t>k</a:t>
+            </a:r>
+            <a:r>
+              <a:rPr lang="sk-SK" dirty="0" smtClean="0"/>
+              <a:t>onverter na ISO7816</a:t>
+            </a:r>
+          </a:p>
+          <a:p>
+            <a:endParaRPr lang="sk-SK" dirty="0" smtClean="0"/>
+          </a:p>
+          <a:p>
+            <a:r>
+              <a:rPr lang="sk-SK" dirty="0" smtClean="0"/>
+              <a:t>bude to niečo stáť</a:t>
+            </a:r>
+          </a:p>
+          <a:p>
+            <a:pPr lvl="1"/>
+            <a:r>
+              <a:rPr lang="sk-SK" dirty="0" smtClean="0"/>
+              <a:t>vývoj</a:t>
+            </a:r>
+            <a:endParaRPr lang="sk-SK" dirty="0" smtClean="0"/>
+          </a:p>
+          <a:p>
+            <a:pPr lvl="1"/>
+            <a:r>
+              <a:rPr lang="sk-SK" dirty="0" smtClean="0"/>
+              <a:t>narastie veľkosť programu</a:t>
+            </a:r>
+          </a:p>
+          <a:p>
+            <a:pPr lvl="1"/>
+            <a:r>
+              <a:rPr lang="sk-SK" dirty="0" smtClean="0"/>
+              <a:t>možnosť výskytu chýb</a:t>
+            </a:r>
+            <a:endParaRPr lang="en-US" dirty="0"/>
+          </a:p>
+        </p:txBody>
+      </p:sp>
+      <p:sp>
+        <p:nvSpPr>
+          <p:cNvPr id="4" name="Slide Number Placeholder 3"/>
+          <p:cNvSpPr>
+            <a:spLocks noGrp="1"/>
+          </p:cNvSpPr>
+          <p:nvPr>
+            <p:ph type="sldNum" sz="quarter" idx="12"/>
+          </p:nvPr>
+        </p:nvSpPr>
+        <p:spPr/>
+        <p:txBody>
+          <a:bodyPr/>
+          <a:lstStyle/>
+          <a:p>
+            <a:fld id="{8C584B50-B360-452D-AFC7-DEF83B5F5806}" type="slidenum">
+              <a:rPr lang="en-US" smtClean="0"/>
+              <a:pPr/>
+              <a:t>34</a:t>
+            </a:fld>
+            <a:endParaRPr lang="en-US"/>
+          </a:p>
+        </p:txBody>
+      </p:sp>
     </p:spTree>
   </p:cSld>
   <p:clrMapOvr>
@@ -6609,7 +9471,7 @@
           <a:p>
             <a:r>
               <a:rPr lang="sk-SK" dirty="0" smtClean="0"/>
-              <a:t>Navrhnuté riešenie</a:t>
+              <a:t>Typy útokov</a:t>
             </a:r>
             <a:endParaRPr lang="en-US" dirty="0"/>
           </a:p>
@@ -6617,61 +9479,6 @@
       </p:sp>
       <p:sp>
         <p:nvSpPr>
-          <p:cNvPr id="3" name="Content Placeholder 2"/>
-          <p:cNvSpPr>
-            <a:spLocks noGrp="1"/>
-          </p:cNvSpPr>
-          <p:nvPr>
-            <p:ph idx="1"/>
-          </p:nvPr>
-        </p:nvSpPr>
-        <p:spPr/>
-        <p:txBody>
-          <a:bodyPr>
-            <a:normAutofit/>
-          </a:bodyPr>
-          <a:lstStyle/>
-          <a:p>
-            <a:r>
-              <a:rPr lang="sk-SK" dirty="0" smtClean="0"/>
-              <a:t>HW kryptolementy</a:t>
-            </a:r>
-          </a:p>
-          <a:p>
-            <a:r>
-              <a:rPr lang="sk-SK" smtClean="0"/>
-              <a:t>Senzory-HUB</a:t>
-            </a:r>
-            <a:endParaRPr lang="sk-SK" dirty="0"/>
-          </a:p>
-          <a:p>
-            <a:r>
-              <a:rPr lang="sk-SK" dirty="0" smtClean="0"/>
-              <a:t>Na aplikačnej vrstve autentifikáciu</a:t>
-            </a:r>
-          </a:p>
-          <a:p>
-            <a:pPr lvl="1"/>
-            <a:r>
-              <a:rPr lang="sk-SK" dirty="0" smtClean="0"/>
-              <a:t>Ostatné aspekty inf. bezp. sa dajú zebezpečiť nad touto vrstvou</a:t>
-            </a:r>
-          </a:p>
-          <a:p>
-            <a:pPr lvl="1"/>
-            <a:endParaRPr lang="sk-SK" dirty="0"/>
-          </a:p>
-          <a:p>
-            <a:r>
-              <a:rPr lang="sk-SK" dirty="0" smtClean="0"/>
-              <a:t>porovnané nezabezpečené riešenie, HW a SW zabezpečenie</a:t>
-            </a:r>
-            <a:endParaRPr lang="en-US" dirty="0"/>
-          </a:p>
-        </p:txBody>
-      </p:sp>
-      <p:sp>
-        <p:nvSpPr>
           <p:cNvPr id="4" name="Slide Number Placeholder 3"/>
           <p:cNvSpPr>
             <a:spLocks noGrp="1"/>
@@ -6687,12 +9494,37 @@
           <a:p>
             <a:fld id="{8C584B50-B360-452D-AFC7-DEF83B5F5806}" type="slidenum">
               <a:rPr lang="en-US" smtClean="0"/>
+              <a:pPr/>
               <a:t>4</a:t>
             </a:fld>
             <a:endParaRPr lang="en-US"/>
           </a:p>
         </p:txBody>
       </p:sp>
+      <p:pic>
+        <p:nvPicPr>
+          <p:cNvPr id="8" name="Picture 3" descr="C:\Lukas\Skola\FIIT\8. semester\DPII\Obrazky\a_attacks.png"/>
+          <p:cNvPicPr>
+            <a:picLocks noGrp="1" noChangeAspect="1" noChangeArrowheads="1"/>
+          </p:cNvPicPr>
+          <p:nvPr>
+            <p:ph idx="1"/>
+          </p:nvPr>
+        </p:nvPicPr>
+        <p:blipFill>
+          <a:blip r:embed="rId2"/>
+          <a:srcRect/>
+          <a:stretch>
+            <a:fillRect/>
+          </a:stretch>
+        </p:blipFill>
+        <p:spPr bwMode="auto">
+          <a:prstGeom prst="rect">
+            <a:avLst/>
+          </a:prstGeom>
+          <a:noFill/>
+        </p:spPr>
+      </p:pic>
     </p:spTree>
   </p:cSld>
   <p:clrMapOvr>
@@ -6730,14 +9562,28 @@
         </p:nvSpPr>
         <p:spPr/>
         <p:txBody>
-          <a:bodyPr>
-            <a:normAutofit fontScale="90000"/>
-          </a:bodyPr>
-          <a:lstStyle/>
-          <a:p>
-            <a:r>
-              <a:rPr lang="sk-SK" dirty="0" smtClean="0"/>
-              <a:t>Implementácia-Komunikačný protokol</a:t>
+          <a:bodyPr/>
+          <a:lstStyle/>
+          <a:p>
+            <a:r>
+              <a:rPr lang="en-US" dirty="0" err="1" smtClean="0"/>
+              <a:t>Aktu</a:t>
+            </a:r>
+            <a:r>
+              <a:rPr lang="sk-SK" dirty="0" smtClean="0"/>
+              <a:t>álny s</a:t>
+            </a:r>
+            <a:r>
+              <a:rPr lang="en-US" dirty="0" err="1" smtClean="0"/>
+              <a:t>tav</a:t>
+            </a:r>
+            <a:r>
+              <a:rPr lang="en-US" dirty="0" smtClean="0"/>
+              <a:t> </a:t>
+            </a:r>
+            <a:r>
+              <a:rPr lang="sk-SK" dirty="0" smtClean="0"/>
+              <a:t>vo WPAN 802.15</a:t>
             </a:r>
             <a:endParaRPr lang="en-US" dirty="0"/>
           </a:p>
@@ -6745,69 +9591,6 @@
       </p:sp>
       <p:sp>
         <p:nvSpPr>
-          <p:cNvPr id="3" name="Content Placeholder 2"/>
-          <p:cNvSpPr>
-            <a:spLocks noGrp="1"/>
-          </p:cNvSpPr>
-          <p:nvPr>
-            <p:ph idx="1"/>
-          </p:nvPr>
-        </p:nvSpPr>
-        <p:spPr/>
-        <p:txBody>
-          <a:bodyPr/>
-          <a:lstStyle/>
-          <a:p>
-            <a:r>
-              <a:rPr lang="sk-SK" dirty="0" smtClean="0"/>
-              <a:t>nrfNordic ANT</a:t>
-            </a:r>
-          </a:p>
-          <a:p>
-            <a:r>
-              <a:rPr lang="sk-SK" dirty="0" smtClean="0"/>
-              <a:t>Medzi 2 zariadeniami</a:t>
-            </a:r>
-          </a:p>
-          <a:p>
-            <a:endParaRPr lang="sk-SK" dirty="0" smtClean="0"/>
-          </a:p>
-          <a:p>
-            <a:r>
-              <a:rPr lang="sk-SK" dirty="0" smtClean="0"/>
-              <a:t>Master</a:t>
-            </a:r>
-            <a:r>
-              <a:rPr lang="en-US" dirty="0" smtClean="0"/>
-              <a:t> </a:t>
-            </a:r>
-            <a:r>
-              <a:rPr lang="en-US" dirty="0" err="1" smtClean="0"/>
-              <a:t>osaden</a:t>
-            </a:r>
-            <a:r>
-              <a:rPr lang="sk-SK" dirty="0" smtClean="0"/>
-              <a:t>ý na NRF MotherBoard</a:t>
-            </a:r>
-            <a:r>
-              <a:rPr lang="en-US" dirty="0" smtClean="0"/>
-              <a:t> </a:t>
-            </a:r>
-            <a:r>
-              <a:rPr lang="sk-SK" dirty="0" smtClean="0"/>
-              <a:t>tlačidlá, LED, nastavuje zabezpečenie</a:t>
-            </a:r>
-          </a:p>
-          <a:p>
-            <a:r>
-              <a:rPr lang="sk-SK" dirty="0" smtClean="0"/>
-              <a:t>Slave automaticky sa nastavuje zabezpečenie podľa prijatých správ, dekóduje, kóduje a posiela naspäť</a:t>
-            </a:r>
-          </a:p>
-        </p:txBody>
-      </p:sp>
-      <p:sp>
-        <p:nvSpPr>
           <p:cNvPr id="4" name="Slide Number Placeholder 3"/>
           <p:cNvSpPr>
             <a:spLocks noGrp="1"/>
@@ -6823,9 +9606,91 @@
           <a:p>
             <a:fld id="{8C584B50-B360-452D-AFC7-DEF83B5F5806}" type="slidenum">
               <a:rPr lang="en-US" smtClean="0"/>
+              <a:pPr/>
               <a:t>5</a:t>
             </a:fld>
             <a:endParaRPr lang="en-US"/>
+          </a:p>
+        </p:txBody>
+      </p:sp>
+      <p:sp>
+        <p:nvSpPr>
+          <p:cNvPr id="5" name="Content Placeholder 4"/>
+          <p:cNvSpPr>
+            <a:spLocks noGrp="1"/>
+          </p:cNvSpPr>
+          <p:nvPr>
+            <p:ph idx="1"/>
+          </p:nvPr>
+        </p:nvSpPr>
+        <p:spPr/>
+        <p:txBody>
+          <a:bodyPr/>
+          <a:lstStyle/>
+          <a:p>
+            <a:r>
+              <a:rPr lang="sk-SK" dirty="0" smtClean="0"/>
+              <a:t>Zabezpečenie na transpornej ale aj aplikačnej vrstve</a:t>
+            </a:r>
+          </a:p>
+          <a:p>
+            <a:endParaRPr lang="sk-SK" dirty="0" smtClean="0"/>
+          </a:p>
+          <a:p>
+            <a:r>
+              <a:rPr lang="sk-SK" dirty="0" smtClean="0"/>
+              <a:t>ANT</a:t>
+            </a:r>
+            <a:r>
+              <a:rPr lang="en-US" dirty="0" smtClean="0"/>
+              <a:t>:		</a:t>
+            </a:r>
+            <a:r>
+              <a:rPr lang="sk-SK" dirty="0" smtClean="0"/>
+              <a:t>AES</a:t>
+            </a:r>
+            <a:r>
+              <a:rPr lang="en-US" dirty="0" smtClean="0"/>
+              <a:t>-128</a:t>
+            </a:r>
+            <a:endParaRPr lang="sk-SK" dirty="0" smtClean="0"/>
+          </a:p>
+          <a:p>
+            <a:r>
+              <a:rPr lang="sk-SK" dirty="0" smtClean="0"/>
+              <a:t>Bluetooth</a:t>
+            </a:r>
+            <a:r>
+              <a:rPr lang="en-US" dirty="0" smtClean="0"/>
+              <a:t>:	AES-CMAC (128)</a:t>
+            </a:r>
+            <a:endParaRPr lang="sk-SK" dirty="0" smtClean="0"/>
+          </a:p>
+          <a:p>
+            <a:r>
+              <a:rPr lang="sk-SK" dirty="0" smtClean="0"/>
+              <a:t>Zigbee</a:t>
+            </a:r>
+            <a:r>
+              <a:rPr lang="en-US" dirty="0" smtClean="0"/>
+              <a:t>:		AES-128</a:t>
+            </a:r>
+            <a:endParaRPr lang="sk-SK" dirty="0" smtClean="0"/>
+          </a:p>
+          <a:p>
+            <a:r>
+              <a:rPr lang="sk-SK" dirty="0" smtClean="0"/>
+              <a:t>LoRa</a:t>
+            </a:r>
+            <a:r>
+              <a:rPr lang="en-US" dirty="0" smtClean="0"/>
+              <a:t>WAN:	</a:t>
+            </a:r>
+            <a:r>
+              <a:rPr lang="en-US" dirty="0" smtClean="0"/>
+              <a:t>AES-128</a:t>
+            </a:r>
+            <a:endParaRPr lang="sk-SK" dirty="0" smtClean="0"/>
           </a:p>
         </p:txBody>
       </p:sp>
@@ -6866,84 +9731,89 @@
         </p:nvSpPr>
         <p:spPr/>
         <p:txBody>
+          <a:bodyPr/>
+          <a:lstStyle/>
+          <a:p>
+            <a:r>
+              <a:rPr lang="sk-SK" dirty="0" smtClean="0"/>
+              <a:t>Navrhnuté riešenie</a:t>
+            </a:r>
+            <a:endParaRPr lang="en-US" dirty="0"/>
+          </a:p>
+        </p:txBody>
+      </p:sp>
+      <p:sp>
+        <p:nvSpPr>
+          <p:cNvPr id="3" name="Content Placeholder 2"/>
+          <p:cNvSpPr>
+            <a:spLocks noGrp="1"/>
+          </p:cNvSpPr>
+          <p:nvPr>
+            <p:ph idx="1"/>
+          </p:nvPr>
+        </p:nvSpPr>
+        <p:spPr/>
+        <p:txBody>
           <a:bodyPr>
-            <a:normAutofit fontScale="90000"/>
+            <a:normAutofit/>
           </a:bodyPr>
           <a:lstStyle/>
           <a:p>
             <a:r>
-              <a:rPr lang="sk-SK" dirty="0" smtClean="0"/>
-              <a:t>Implementácia-Komunikačný protokol</a:t>
-            </a:r>
-            <a:endParaRPr lang="en-US" dirty="0"/>
-          </a:p>
-        </p:txBody>
-      </p:sp>
-      <p:sp>
-        <p:nvSpPr>
-          <p:cNvPr id="3" name="Content Placeholder 2"/>
-          <p:cNvSpPr>
-            <a:spLocks noGrp="1"/>
-          </p:cNvSpPr>
-          <p:nvPr>
-            <p:ph idx="1"/>
-          </p:nvPr>
-        </p:nvSpPr>
-        <p:spPr/>
-        <p:txBody>
-          <a:bodyPr/>
-          <a:lstStyle/>
-          <a:p>
-            <a:r>
-              <a:rPr lang="sk-SK" dirty="0" smtClean="0"/>
-              <a:t>Viac ako 8 bajtov,  maximálne 254 bajtov</a:t>
-            </a:r>
-          </a:p>
-          <a:p>
+              <a:rPr lang="sk-SK" b="1" dirty="0" smtClean="0"/>
+              <a:t>HW</a:t>
+            </a:r>
+            <a:endParaRPr lang="sk-SK" b="1" dirty="0" smtClean="0"/>
+          </a:p>
+          <a:p>
+            <a:pPr lvl="1"/>
+            <a:r>
+              <a:rPr lang="sk-SK" dirty="0" smtClean="0"/>
+              <a:t>kryptolementy</a:t>
+            </a:r>
+            <a:endParaRPr lang="sk-SK" dirty="0" smtClean="0"/>
+          </a:p>
+          <a:p>
+            <a:endParaRPr lang="sk-SK" dirty="0" smtClean="0"/>
+          </a:p>
+          <a:p>
+            <a:r>
+              <a:rPr lang="en-US" dirty="0" err="1" smtClean="0"/>
+              <a:t>Zabezpe</a:t>
+            </a:r>
+            <a:r>
+              <a:rPr lang="sk-SK" dirty="0" smtClean="0"/>
+              <a:t>čiť komunikáci</a:t>
+            </a:r>
+            <a:r>
+              <a:rPr lang="en-US" dirty="0" smtClean="0"/>
+              <a:t>u</a:t>
+            </a:r>
+            <a:r>
+              <a:rPr lang="sk-SK" dirty="0" smtClean="0"/>
+              <a:t> medzi</a:t>
+            </a:r>
+            <a:r>
+              <a:rPr lang="en-US" dirty="0" smtClean="0"/>
+              <a:t>:</a:t>
+            </a:r>
+            <a:endParaRPr lang="sk-SK" dirty="0" smtClean="0"/>
+          </a:p>
+          <a:p>
+            <a:pPr lvl="1"/>
+            <a:r>
+              <a:rPr lang="sk-SK" dirty="0" smtClean="0"/>
+              <a:t>senzorom,</a:t>
+            </a:r>
+          </a:p>
+          <a:p>
+            <a:pPr lvl="1"/>
+            <a:r>
+              <a:rPr lang="sk-SK" dirty="0" smtClean="0"/>
+              <a:t>najbližším zariadením s výpočtovým výkonom (cloud, HUB)</a:t>
+            </a:r>
             <a:endParaRPr lang="sk-SK" dirty="0"/>
           </a:p>
-          <a:p>
-            <a:endParaRPr lang="sk-SK" dirty="0" smtClean="0"/>
-          </a:p>
-          <a:p>
-            <a:endParaRPr lang="sk-SK" dirty="0" smtClean="0"/>
-          </a:p>
-          <a:p>
-            <a:r>
-              <a:rPr lang="sk-SK" dirty="0" smtClean="0"/>
-              <a:t>Príklad správ</a:t>
-            </a:r>
-            <a:endParaRPr lang="sk-SK" dirty="0"/>
-          </a:p>
-          <a:p>
-            <a:pPr lvl="1"/>
-            <a:r>
-              <a:rPr lang="sk-SK" dirty="0" smtClean="0"/>
-              <a:t>01 01 			prázdna správa</a:t>
-            </a:r>
-          </a:p>
-          <a:p>
-            <a:pPr lvl="1"/>
-            <a:r>
-              <a:rPr lang="sk-SK" dirty="0" smtClean="0"/>
-              <a:t>02 02			</a:t>
-            </a:r>
-            <a:r>
-              <a:rPr lang="sk-SK" dirty="0" smtClean="0"/>
-              <a:t>prázdna správa</a:t>
-            </a:r>
-            <a:endParaRPr lang="sk-SK" dirty="0" smtClean="0"/>
-          </a:p>
-          <a:p>
-            <a:pPr lvl="1"/>
-            <a:r>
-              <a:rPr lang="sk-SK" dirty="0" smtClean="0"/>
-              <a:t>03 05  01 FF		nezabezpečená správa</a:t>
-            </a:r>
-          </a:p>
-          <a:p>
-            <a:endParaRPr lang="en-US" dirty="0"/>
-          </a:p>
         </p:txBody>
       </p:sp>
       <p:sp>
@@ -6963,6 +9833,7 @@
           <a:p>
             <a:fld id="{8C584B50-B360-452D-AFC7-DEF83B5F5806}" type="slidenum">
               <a:rPr lang="en-US" smtClean="0"/>
+              <a:pPr/>
               <a:t>6</a:t>
             </a:fld>
             <a:endParaRPr lang="en-US"/>
@@ -7006,14 +9877,142 @@
         </p:nvSpPr>
         <p:spPr/>
         <p:txBody>
+          <a:bodyPr/>
+          <a:lstStyle/>
+          <a:p>
+            <a:r>
+              <a:rPr lang="sk-SK" dirty="0" smtClean="0"/>
+              <a:t>Navrhnuté riešenie</a:t>
+            </a:r>
+            <a:endParaRPr lang="en-US" dirty="0"/>
+          </a:p>
+        </p:txBody>
+      </p:sp>
+      <p:sp>
+        <p:nvSpPr>
+          <p:cNvPr id="3" name="Content Placeholder 2"/>
+          <p:cNvSpPr>
+            <a:spLocks noGrp="1"/>
+          </p:cNvSpPr>
+          <p:nvPr>
+            <p:ph idx="1"/>
+          </p:nvPr>
+        </p:nvSpPr>
+        <p:spPr>
+          <a:xfrm>
+            <a:off x="457200" y="1600200"/>
+            <a:ext cx="8229600" cy="4800600"/>
+          </a:xfrm>
+        </p:spPr>
+        <p:txBody>
           <a:bodyPr>
-            <a:normAutofit/>
+            <a:normAutofit fontScale="92500" lnSpcReduction="20000"/>
           </a:bodyPr>
           <a:lstStyle/>
           <a:p>
             <a:r>
-              <a:rPr lang="sk-SK" dirty="0" smtClean="0"/>
-              <a:t>Implementácia-SW AES</a:t>
+              <a:rPr lang="en-US" dirty="0" err="1" smtClean="0"/>
+              <a:t>centralizovan</a:t>
+            </a:r>
+            <a:r>
+              <a:rPr lang="sk-SK" dirty="0" smtClean="0"/>
+              <a:t>é riešenie</a:t>
+            </a:r>
+          </a:p>
+          <a:p>
+            <a:r>
+              <a:rPr lang="sk-SK" dirty="0" smtClean="0"/>
+              <a:t>PKI</a:t>
+            </a:r>
+          </a:p>
+          <a:p>
+            <a:pPr lvl="1"/>
+            <a:r>
+              <a:rPr lang="sk-SK" dirty="0" smtClean="0"/>
+              <a:t>RSA</a:t>
+            </a:r>
+            <a:r>
+              <a:rPr lang="en-US" dirty="0" smtClean="0"/>
+              <a:t>/ECC</a:t>
+            </a:r>
+            <a:r>
+              <a:rPr lang="sk-SK" dirty="0" smtClean="0"/>
+              <a:t>-AES</a:t>
+            </a:r>
+            <a:r>
+              <a:rPr lang="en-US" dirty="0" smtClean="0"/>
+              <a:t> + </a:t>
+            </a:r>
+            <a:r>
+              <a:rPr lang="en-US" dirty="0" err="1" smtClean="0"/>
+              <a:t>podpisov</a:t>
+            </a:r>
+            <a:r>
+              <a:rPr lang="sk-SK" dirty="0" smtClean="0"/>
+              <a:t>é schémy</a:t>
+            </a:r>
+          </a:p>
+          <a:p>
+            <a:pPr lvl="1"/>
+            <a:r>
+              <a:rPr lang="sk-SK" dirty="0" smtClean="0"/>
+              <a:t>Certifikáty (ale predzdieľané </a:t>
+            </a:r>
+            <a:r>
+              <a:rPr lang="en-US" dirty="0" smtClean="0"/>
+              <a:t>“</a:t>
+            </a:r>
+            <a:r>
+              <a:rPr lang="en-US" dirty="0" err="1" smtClean="0"/>
+              <a:t>bezpe</a:t>
+            </a:r>
+            <a:r>
+              <a:rPr lang="sk-SK" dirty="0" smtClean="0"/>
+              <a:t>čne</a:t>
+            </a:r>
+            <a:r>
+              <a:rPr lang="en-US" dirty="0" smtClean="0"/>
+              <a:t>”</a:t>
+            </a:r>
+            <a:r>
+              <a:rPr lang="sk-SK" dirty="0" smtClean="0"/>
+              <a:t> NFC)</a:t>
+            </a:r>
+          </a:p>
+          <a:p>
+            <a:pPr lvl="1"/>
+            <a:endParaRPr lang="en-US" dirty="0" smtClean="0"/>
+          </a:p>
+          <a:p>
+            <a:r>
+              <a:rPr lang="sk-SK" dirty="0" smtClean="0"/>
+              <a:t>Autentifikáciu na a</a:t>
+            </a:r>
+            <a:r>
+              <a:rPr lang="sk-SK" dirty="0" smtClean="0"/>
+              <a:t>plikačnej vrstve</a:t>
+            </a:r>
+            <a:endParaRPr lang="sk-SK" dirty="0" smtClean="0"/>
+          </a:p>
+          <a:p>
+            <a:pPr lvl="1"/>
+            <a:r>
+              <a:rPr lang="sk-SK" dirty="0" smtClean="0"/>
+              <a:t>ostatné </a:t>
+            </a:r>
+            <a:r>
+              <a:rPr lang="sk-SK" dirty="0" smtClean="0"/>
+              <a:t>aspekty inf. bezp. sa dajú zebezpečiť nad touto vrstvou</a:t>
+            </a:r>
+          </a:p>
+          <a:p>
+            <a:pPr lvl="1"/>
+            <a:endParaRPr lang="sk-SK" dirty="0"/>
+          </a:p>
+          <a:p>
+            <a:r>
+              <a:rPr lang="sk-SK" dirty="0" smtClean="0"/>
+              <a:t>porovnané nezabezpečené riešenie, HW a SW zabezpečenie</a:t>
             </a:r>
             <a:endParaRPr lang="en-US" dirty="0"/>
           </a:p>
@@ -7021,25 +10020,6 @@
       </p:sp>
       <p:sp>
         <p:nvSpPr>
-          <p:cNvPr id="3" name="Content Placeholder 2"/>
-          <p:cNvSpPr>
-            <a:spLocks noGrp="1"/>
-          </p:cNvSpPr>
-          <p:nvPr>
-            <p:ph idx="1"/>
-          </p:nvPr>
-        </p:nvSpPr>
-        <p:spPr/>
-        <p:txBody>
-          <a:bodyPr/>
-          <a:lstStyle/>
-          <a:p>
-            <a:endParaRPr lang="en-US"/>
-          </a:p>
-        </p:txBody>
-      </p:sp>
-      <p:sp>
-        <p:nvSpPr>
           <p:cNvPr id="4" name="Slide Number Placeholder 3"/>
           <p:cNvSpPr>
             <a:spLocks noGrp="1"/>
@@ -7055,6 +10035,7 @@
           <a:p>
             <a:fld id="{8C584B50-B360-452D-AFC7-DEF83B5F5806}" type="slidenum">
               <a:rPr lang="en-US" smtClean="0"/>
+              <a:pPr/>
               <a:t>7</a:t>
             </a:fld>
             <a:endParaRPr lang="en-US"/>
@@ -7099,13 +10080,13 @@
         <p:spPr/>
         <p:txBody>
           <a:bodyPr>
-            <a:normAutofit/>
+            <a:normAutofit fontScale="90000"/>
           </a:bodyPr>
           <a:lstStyle/>
           <a:p>
             <a:r>
               <a:rPr lang="sk-SK" dirty="0" smtClean="0"/>
-              <a:t>Implementácia-HW AES</a:t>
+              <a:t>Implementácia-Komunikačný protokol</a:t>
             </a:r>
             <a:endParaRPr lang="en-US" dirty="0"/>
           </a:p>
@@ -7123,14 +10104,146 @@
         </p:nvSpPr>
         <p:spPr/>
         <p:txBody>
-          <a:bodyPr/>
-          <a:lstStyle/>
-          <a:p>
-            <a:r>
-              <a:rPr lang="sk-SK" dirty="0" smtClean="0"/>
-              <a:t>Fotka kryptoelementu</a:t>
-            </a:r>
-            <a:endParaRPr lang="en-US" dirty="0"/>
+          <a:bodyPr>
+            <a:normAutofit fontScale="85000" lnSpcReduction="20000"/>
+          </a:bodyPr>
+          <a:lstStyle/>
+          <a:p>
+            <a:r>
+              <a:rPr lang="en-US" dirty="0" smtClean="0"/>
+              <a:t>DK Nordic </a:t>
+            </a:r>
+            <a:r>
+              <a:rPr lang="en-US" dirty="0" smtClean="0"/>
+              <a:t>Semi</a:t>
+            </a:r>
+            <a:r>
+              <a:rPr lang="sk-SK" dirty="0" smtClean="0"/>
+              <a:t>conductors</a:t>
+            </a:r>
+            <a:r>
+              <a:rPr lang="en-US" dirty="0" smtClean="0"/>
+              <a:t> </a:t>
+            </a:r>
+            <a:r>
+              <a:rPr lang="en-US" dirty="0" smtClean="0"/>
+              <a:t>nRF51422</a:t>
+            </a:r>
+            <a:endParaRPr lang="sk-SK" dirty="0" smtClean="0"/>
+          </a:p>
+          <a:p>
+            <a:pPr lvl="1"/>
+            <a:r>
+              <a:rPr lang="sk-SK" dirty="0" smtClean="0"/>
+              <a:t>ANT SoftDevice, 2.4 GHz</a:t>
+            </a:r>
+          </a:p>
+          <a:p>
+            <a:pPr lvl="1"/>
+            <a:r>
+              <a:rPr lang="sk-SK" dirty="0" smtClean="0"/>
+              <a:t>32bit architektúra</a:t>
+            </a:r>
+          </a:p>
+          <a:p>
+            <a:pPr lvl="1"/>
+            <a:r>
+              <a:rPr lang="sk-SK" dirty="0" smtClean="0"/>
+              <a:t>256 kB program, 16kB RAM</a:t>
+            </a:r>
+          </a:p>
+          <a:p>
+            <a:endParaRPr lang="sk-SK" dirty="0" smtClean="0"/>
+          </a:p>
+          <a:p>
+            <a:r>
+              <a:rPr lang="sk-SK" dirty="0" smtClean="0"/>
+              <a:t>Medzi </a:t>
+            </a:r>
+            <a:r>
+              <a:rPr lang="sk-SK" dirty="0" smtClean="0"/>
+              <a:t>2 </a:t>
+            </a:r>
+            <a:r>
+              <a:rPr lang="sk-SK" dirty="0" smtClean="0"/>
+              <a:t>zariadeniami</a:t>
+            </a:r>
+            <a:endParaRPr lang="sk-SK" dirty="0" smtClean="0"/>
+          </a:p>
+          <a:p>
+            <a:endParaRPr lang="sk-SK" dirty="0" smtClean="0"/>
+          </a:p>
+          <a:p>
+            <a:r>
+              <a:rPr lang="sk-SK" dirty="0" smtClean="0"/>
+              <a:t>Zariadenie </a:t>
+            </a:r>
+            <a:r>
+              <a:rPr lang="en-US" dirty="0" smtClean="0"/>
+              <a:t>“</a:t>
+            </a:r>
+            <a:r>
+              <a:rPr lang="sk-SK" dirty="0" smtClean="0"/>
+              <a:t>Master</a:t>
+            </a:r>
+            <a:r>
+              <a:rPr lang="en-US" dirty="0" smtClean="0"/>
+              <a:t>” je </a:t>
+            </a:r>
+            <a:r>
+              <a:rPr lang="en-US" dirty="0" err="1" smtClean="0"/>
+              <a:t>osaden</a:t>
+            </a:r>
+            <a:r>
+              <a:rPr lang="sk-SK" dirty="0" smtClean="0"/>
+              <a:t>ý na NRF MotherBoard</a:t>
+            </a:r>
+            <a:r>
+              <a:rPr lang="en-US" dirty="0" smtClean="0"/>
+              <a:t> </a:t>
+            </a:r>
+            <a:r>
+              <a:rPr lang="sk-SK" dirty="0" smtClean="0"/>
+              <a:t>tlačidlá, LED, nastavuje zabezpečenie</a:t>
+            </a:r>
+          </a:p>
+          <a:p>
+            <a:r>
+              <a:rPr lang="en-US" dirty="0" err="1" smtClean="0"/>
+              <a:t>Zariadenie</a:t>
+            </a:r>
+            <a:r>
+              <a:rPr lang="en-US" dirty="0" smtClean="0"/>
+              <a:t> </a:t>
+            </a:r>
+            <a:r>
+              <a:rPr lang="en-US" dirty="0" smtClean="0"/>
+              <a:t>“</a:t>
+            </a:r>
+            <a:r>
+              <a:rPr lang="sk-SK" dirty="0" smtClean="0"/>
+              <a:t>Slave</a:t>
+            </a:r>
+            <a:r>
+              <a:rPr lang="en-US" dirty="0" smtClean="0"/>
+              <a:t>“</a:t>
+            </a:r>
+            <a:r>
+              <a:rPr lang="sk-SK" dirty="0" smtClean="0"/>
+              <a:t> prispôsobuje zabezpečeniu podľa </a:t>
+            </a:r>
+            <a:r>
+              <a:rPr lang="sk-SK" dirty="0" smtClean="0"/>
+              <a:t>prijatých správ, dekóduje, </a:t>
+            </a:r>
+            <a:r>
+              <a:rPr lang="sk-SK" dirty="0" smtClean="0"/>
+              <a:t>zakóduje </a:t>
+            </a:r>
+            <a:r>
+              <a:rPr lang="sk-SK" dirty="0" smtClean="0"/>
+              <a:t>a posiela naspäť</a:t>
+            </a:r>
           </a:p>
         </p:txBody>
       </p:sp>
@@ -7151,6 +10264,7 @@
           <a:p>
             <a:fld id="{8C584B50-B360-452D-AFC7-DEF83B5F5806}" type="slidenum">
               <a:rPr lang="en-US" smtClean="0"/>
+              <a:pPr/>
               <a:t>8</a:t>
             </a:fld>
             <a:endParaRPr lang="en-US"/>
@@ -7195,111 +10309,41 @@
         <p:spPr/>
         <p:txBody>
           <a:bodyPr>
+            <a:normAutofit fontScale="90000"/>
+          </a:bodyPr>
+          <a:lstStyle/>
+          <a:p>
+            <a:r>
+              <a:rPr lang="sk-SK" dirty="0" smtClean="0"/>
+              <a:t>Implementácia-Komunikačný protokol</a:t>
+            </a:r>
+            <a:endParaRPr lang="en-US" dirty="0"/>
+          </a:p>
+        </p:txBody>
+      </p:sp>
+      <p:sp>
+        <p:nvSpPr>
+          <p:cNvPr id="3" name="Content Placeholder 2"/>
+          <p:cNvSpPr>
+            <a:spLocks noGrp="1"/>
+          </p:cNvSpPr>
+          <p:nvPr>
+            <p:ph idx="1"/>
+          </p:nvPr>
+        </p:nvSpPr>
+        <p:spPr/>
+        <p:txBody>
+          <a:bodyPr>
             <a:normAutofit/>
           </a:bodyPr>
           <a:lstStyle/>
           <a:p>
             <a:r>
               <a:rPr lang="sk-SK" dirty="0" smtClean="0"/>
-              <a:t>Implementácia-ISO7816</a:t>
-            </a:r>
-            <a:endParaRPr lang="en-US" dirty="0"/>
-          </a:p>
-        </p:txBody>
-      </p:sp>
-      <p:sp>
-        <p:nvSpPr>
-          <p:cNvPr id="3" name="Content Placeholder 2"/>
-          <p:cNvSpPr>
-            <a:spLocks noGrp="1"/>
-          </p:cNvSpPr>
-          <p:nvPr>
-            <p:ph idx="1"/>
-          </p:nvPr>
-        </p:nvSpPr>
-        <p:spPr/>
-        <p:txBody>
-          <a:bodyPr>
-            <a:normAutofit fontScale="92500" lnSpcReduction="10000"/>
-          </a:bodyPr>
-          <a:lstStyle/>
-          <a:p>
-            <a:r>
-              <a:rPr lang="sk-SK" dirty="0" smtClean="0"/>
-              <a:t>UART</a:t>
-            </a:r>
-          </a:p>
-          <a:p>
-            <a:pPr lvl="1"/>
-            <a:r>
-              <a:rPr lang="sk-SK" dirty="0" smtClean="0"/>
-              <a:t>2.6 MHz</a:t>
-            </a:r>
-          </a:p>
-          <a:p>
-            <a:pPr lvl="1"/>
-            <a:r>
-              <a:rPr lang="sk-SK" dirty="0" smtClean="0"/>
-              <a:t>bps</a:t>
-            </a:r>
-          </a:p>
-          <a:p>
-            <a:r>
-              <a:rPr lang="sk-SK" dirty="0" smtClean="0"/>
-              <a:t>Signály sú generované GPIO</a:t>
-            </a:r>
-          </a:p>
-          <a:p>
-            <a:r>
-              <a:rPr lang="sk-SK" dirty="0" smtClean="0"/>
-              <a:t>ATR</a:t>
-            </a:r>
-            <a:r>
-              <a:rPr lang="en-US" dirty="0" smtClean="0"/>
-              <a:t>, </a:t>
-            </a:r>
-            <a:r>
-              <a:rPr lang="en-US" dirty="0" err="1" smtClean="0"/>
-              <a:t>nastavenie</a:t>
+              <a:t>obrázok</a:t>
             </a:r>
             <a:endParaRPr lang="sk-SK" dirty="0" smtClean="0"/>
           </a:p>
-          <a:p>
-            <a:endParaRPr lang="sk-SK" dirty="0" smtClean="0"/>
-          </a:p>
-          <a:p>
-            <a:r>
-              <a:rPr lang="sk-SK" dirty="0" smtClean="0"/>
-              <a:t>Komunikácia</a:t>
-            </a:r>
-          </a:p>
-          <a:p>
-            <a:pPr lvl="1"/>
-            <a:r>
-              <a:rPr lang="sk-SK" dirty="0" smtClean="0"/>
-              <a:t>T</a:t>
-            </a:r>
-            <a:r>
-              <a:rPr lang="en-US" dirty="0" smtClean="0"/>
-              <a:t>=1 b</a:t>
-            </a:r>
-            <a:r>
-              <a:rPr lang="sk-SK" dirty="0" smtClean="0"/>
-              <a:t>loková</a:t>
-            </a:r>
-          </a:p>
-          <a:p>
-            <a:pPr lvl="1"/>
-            <a:r>
-              <a:rPr lang="en-US" dirty="0" smtClean="0"/>
-              <a:t>T=0 </a:t>
-            </a:r>
-            <a:r>
-              <a:rPr lang="sk-SK" dirty="0" smtClean="0"/>
-              <a:t>bajtová</a:t>
-            </a:r>
-            <a:endParaRPr lang="en-US" dirty="0"/>
-          </a:p>
         </p:txBody>
       </p:sp>
       <p:sp>
@@ -7319,6 +10363,7 @@
           <a:p>
             <a:fld id="{8C584B50-B360-452D-AFC7-DEF83B5F5806}" type="slidenum">
               <a:rPr lang="en-US" smtClean="0"/>
+              <a:pPr/>
               <a:t>9</a:t>
             </a:fld>
             <a:endParaRPr lang="en-US"/>

--- a/Obhajoba/xdoubravsky_dp.pptx
+++ b/Obhajoba/xdoubravsky_dp.pptx
@@ -5,7 +5,7 @@
     <p:sldMasterId id="2147483648" r:id="rId1"/>
   </p:sldMasterIdLst>
   <p:notesMasterIdLst>
-    <p:notesMasterId r:id="rId36"/>
+    <p:notesMasterId r:id="rId39"/>
   </p:notesMasterIdLst>
   <p:sldIdLst>
     <p:sldId id="256" r:id="rId2"/>
@@ -31,17 +31,20 @@
     <p:sldId id="281" r:id="rId22"/>
     <p:sldId id="265" r:id="rId23"/>
     <p:sldId id="266" r:id="rId24"/>
-    <p:sldId id="273" r:id="rId25"/>
-    <p:sldId id="274" r:id="rId26"/>
-    <p:sldId id="259" r:id="rId27"/>
-    <p:sldId id="282" r:id="rId28"/>
-    <p:sldId id="263" r:id="rId29"/>
-    <p:sldId id="260" r:id="rId30"/>
-    <p:sldId id="269" r:id="rId31"/>
-    <p:sldId id="261" r:id="rId32"/>
-    <p:sldId id="267" r:id="rId33"/>
-    <p:sldId id="288" r:id="rId34"/>
-    <p:sldId id="268" r:id="rId35"/>
+    <p:sldId id="292" r:id="rId25"/>
+    <p:sldId id="293" r:id="rId26"/>
+    <p:sldId id="294" r:id="rId27"/>
+    <p:sldId id="273" r:id="rId28"/>
+    <p:sldId id="274" r:id="rId29"/>
+    <p:sldId id="259" r:id="rId30"/>
+    <p:sldId id="282" r:id="rId31"/>
+    <p:sldId id="263" r:id="rId32"/>
+    <p:sldId id="260" r:id="rId33"/>
+    <p:sldId id="269" r:id="rId34"/>
+    <p:sldId id="261" r:id="rId35"/>
+    <p:sldId id="267" r:id="rId36"/>
+    <p:sldId id="288" r:id="rId37"/>
+    <p:sldId id="268" r:id="rId38"/>
   </p:sldIdLst>
   <p:sldSz cx="9144000" cy="6858000" type="screen4x3"/>
   <p:notesSz cx="6858000" cy="9144000"/>
@@ -558,11 +561,7 @@
             </a:r>
             <a:r>
               <a:rPr lang="en-US" dirty="0" smtClean="0"/>
-              <a:t> </a:t>
-            </a:r>
-            <a:r>
-              <a:rPr lang="en-US" dirty="0" smtClean="0"/>
-              <a:t>č. 6s-SI</a:t>
+              <a:t> č. 6s-SI</a:t>
             </a:r>
           </a:p>
           <a:p>
@@ -955,7 +954,7 @@
             <a:fld id="{72CCBEF4-1BE4-4B48-AF24-6E8DE69994C4}" type="slidenum">
               <a:rPr lang="en-US" smtClean="0"/>
               <a:pPr/>
-              <a:t>30</a:t>
+              <a:t>33</a:t>
             </a:fld>
             <a:endParaRPr lang="en-US"/>
           </a:p>
@@ -1303,19 +1302,11 @@
           <a:p>
             <a:r>
               <a:rPr lang="sk-SK" dirty="0" smtClean="0"/>
-              <a:t>Po </a:t>
-            </a:r>
-            <a:r>
-              <a:rPr lang="sk-SK" dirty="0" smtClean="0"/>
-              <a:t>nadviazani</a:t>
+              <a:t>Po nadviazani</a:t>
             </a:r>
             <a:r>
               <a:rPr lang="sk-SK" baseline="0" dirty="0" smtClean="0"/>
-              <a:t> </a:t>
-            </a:r>
-            <a:r>
-              <a:rPr lang="sk-SK" baseline="0" dirty="0" smtClean="0"/>
-              <a:t>doveri</a:t>
+              <a:t> doveri</a:t>
             </a:r>
           </a:p>
           <a:p>
@@ -1754,7 +1745,7 @@
             <a:fld id="{72CCBEF4-1BE4-4B48-AF24-6E8DE69994C4}" type="slidenum">
               <a:rPr lang="en-US" smtClean="0"/>
               <a:pPr/>
-              <a:t>29</a:t>
+              <a:t>32</a:t>
             </a:fld>
             <a:endParaRPr lang="en-US"/>
           </a:p>
@@ -4777,11 +4768,7 @@
             </a:r>
             <a:r>
               <a:rPr lang="sk-SK" dirty="0" smtClean="0"/>
-              <a:t>inteligentných </a:t>
-            </a:r>
-            <a:r>
-              <a:rPr lang="sk-SK" dirty="0" smtClean="0"/>
-              <a:t>domácnostiach</a:t>
+              <a:t>inteligentných domácnostiach</a:t>
             </a:r>
             <a:r>
               <a:rPr lang="en-US" dirty="0" smtClean="0"/>
@@ -4797,11 +4784,7 @@
             </a:r>
             <a:r>
               <a:rPr lang="sk-SK" dirty="0" smtClean="0"/>
-              <a:t>kybernetickým </a:t>
-            </a:r>
-            <a:r>
-              <a:rPr lang="sk-SK" dirty="0" smtClean="0"/>
-              <a:t>útokom</a:t>
+              <a:t>kybernetickým útokom</a:t>
             </a:r>
             <a:endParaRPr lang="en-US" dirty="0"/>
           </a:p>
@@ -4842,7 +4825,23 @@
             </a:r>
             <a:r>
               <a:rPr lang="sk-SK" dirty="0" smtClean="0"/>
-              <a:t>áš Doubravský</a:t>
+              <a:t>áš </a:t>
+            </a:r>
+            <a:r>
+              <a:rPr lang="sk-SK" dirty="0" smtClean="0"/>
+              <a:t>Doubravský</a:t>
+            </a:r>
+            <a:endParaRPr lang="en-US" dirty="0" smtClean="0"/>
+          </a:p>
+          <a:p>
+            <a:pPr algn="r"/>
+            <a:r>
+              <a:rPr lang="en-US" dirty="0" smtClean="0"/>
+              <a:t>14. </a:t>
+            </a:r>
+            <a:r>
+              <a:rPr lang="en-US" smtClean="0"/>
+              <a:t>06. 2017</a:t>
             </a:r>
             <a:endParaRPr lang="en-US" dirty="0"/>
           </a:p>
@@ -4886,13 +4885,21 @@
         <p:spPr/>
         <p:txBody>
           <a:bodyPr>
-            <a:normAutofit fontScale="90000"/>
+            <a:normAutofit/>
           </a:bodyPr>
           <a:lstStyle/>
           <a:p>
             <a:r>
               <a:rPr lang="sk-SK" dirty="0" smtClean="0"/>
-              <a:t>Implementácia-Komunikačný protokol</a:t>
+              <a:t>Implementácia</a:t>
+            </a:r>
+            <a:r>
+              <a:rPr lang="en-US" dirty="0" smtClean="0"/>
+              <a:t>: Segment</a:t>
+            </a:r>
+            <a:r>
+              <a:rPr lang="sk-SK" dirty="0" smtClean="0"/>
+              <a:t>ácia správ</a:t>
             </a:r>
             <a:endParaRPr lang="en-US" dirty="0"/>
           </a:p>
@@ -4922,11 +4929,7 @@
           <a:p>
             <a:r>
               <a:rPr lang="sk-SK" dirty="0" smtClean="0"/>
-              <a:t>Viac ako 8 bajtov,  maximálne 254 </a:t>
-            </a:r>
-            <a:r>
-              <a:rPr lang="sk-SK" dirty="0" smtClean="0"/>
-              <a:t>bajtov</a:t>
+              <a:t>Viac ako 8 bajtov,  maximálne 254 bajtov</a:t>
             </a:r>
           </a:p>
           <a:p>
@@ -4959,15 +4962,7 @@
             </a:pPr>
             <a:r>
               <a:rPr lang="sk-SK" dirty="0" smtClean="0"/>
-              <a:t>FF</a:t>
-            </a:r>
-            <a:r>
-              <a:rPr lang="sk-SK" dirty="0" smtClean="0"/>
-              <a:t> FF </a:t>
-            </a:r>
-            <a:r>
-              <a:rPr lang="sk-SK" dirty="0" smtClean="0"/>
-              <a:t>			prázdna správa</a:t>
+              <a:t>FF FF 			prázdna správa</a:t>
             </a:r>
           </a:p>
           <a:p>
@@ -4978,11 +4973,7 @@
             </a:pPr>
             <a:r>
               <a:rPr lang="sk-SK" dirty="0" smtClean="0"/>
-              <a:t>00 00</a:t>
-            </a:r>
-            <a:r>
-              <a:rPr lang="sk-SK" dirty="0" smtClean="0"/>
-              <a:t>			prázdna správa</a:t>
+              <a:t>00 00			prázdna správa</a:t>
             </a:r>
           </a:p>
           <a:p>
@@ -4993,15 +4984,7 @@
             </a:pPr>
             <a:r>
               <a:rPr lang="sk-SK" dirty="0" smtClean="0"/>
-              <a:t>01 03  </a:t>
-            </a:r>
-            <a:r>
-              <a:rPr lang="sk-SK" dirty="0" smtClean="0"/>
-              <a:t>01 FF		nezabezpečená </a:t>
-            </a:r>
-            <a:r>
-              <a:rPr lang="sk-SK" dirty="0" smtClean="0"/>
-              <a:t>správa</a:t>
+              <a:t>01 03  01 FF		nezabezpečená správa</a:t>
             </a:r>
           </a:p>
           <a:p>
@@ -5014,7 +4997,6 @@
               <a:rPr lang="sk-SK" dirty="0" smtClean="0"/>
               <a:t>03 03 			prázdna správa</a:t>
             </a:r>
-            <a:endParaRPr lang="sk-SK" dirty="0" smtClean="0"/>
           </a:p>
           <a:p>
             <a:endParaRPr lang="en-US" dirty="0"/>
@@ -5123,15 +5105,7 @@
             </a:r>
             <a:r>
               <a:rPr lang="sk-SK" dirty="0" smtClean="0"/>
-              <a:t> </a:t>
-            </a:r>
-            <a:r>
-              <a:rPr lang="sk-SK" dirty="0" smtClean="0"/>
-              <a:t>SW </a:t>
-            </a:r>
-            <a:r>
-              <a:rPr lang="sk-SK" dirty="0" smtClean="0"/>
-              <a:t>AES</a:t>
+              <a:t> SW AES</a:t>
             </a:r>
             <a:endParaRPr lang="en-US" dirty="0"/>
           </a:p>
@@ -5175,11 +5149,7 @@
           <a:p>
             <a:r>
               <a:rPr lang="sk-SK" dirty="0" smtClean="0"/>
-              <a:t>Použitie </a:t>
-            </a:r>
-            <a:r>
-              <a:rPr lang="sk-SK" dirty="0" smtClean="0"/>
-              <a:t>viac-menej priamočiare</a:t>
+              <a:t>Použitie viac-menej priamočiare</a:t>
             </a:r>
             <a:endParaRPr lang="en-US" dirty="0"/>
           </a:p>
@@ -5261,15 +5231,7 @@
             </a:r>
             <a:r>
               <a:rPr lang="sk-SK" dirty="0" smtClean="0"/>
-              <a:t> </a:t>
-            </a:r>
-            <a:r>
-              <a:rPr lang="sk-SK" dirty="0" smtClean="0"/>
-              <a:t>HW </a:t>
-            </a:r>
-            <a:r>
-              <a:rPr lang="sk-SK" dirty="0" smtClean="0"/>
-              <a:t>AES</a:t>
+              <a:t> HW AES</a:t>
             </a:r>
             <a:endParaRPr lang="en-US" dirty="0"/>
           </a:p>
@@ -5423,11 +5385,7 @@
             </a:r>
             <a:r>
               <a:rPr lang="sk-SK" dirty="0" smtClean="0"/>
-              <a:t> </a:t>
-            </a:r>
-            <a:r>
-              <a:rPr lang="sk-SK" dirty="0" smtClean="0"/>
-              <a:t>ISO7816</a:t>
+              <a:t> ISO7816</a:t>
             </a:r>
             <a:endParaRPr lang="en-US" dirty="0"/>
           </a:p>
@@ -5457,23 +5415,7 @@
           <a:p>
             <a:r>
               <a:rPr lang="sk-SK" dirty="0" smtClean="0"/>
-              <a:t>Signály </a:t>
-            </a:r>
-            <a:r>
-              <a:rPr lang="sk-SK" dirty="0" smtClean="0"/>
-              <a:t>sú generované </a:t>
-            </a:r>
-            <a:r>
-              <a:rPr lang="sk-SK" dirty="0" smtClean="0"/>
-              <a:t>GPIO</a:t>
-            </a:r>
-            <a:r>
-              <a:rPr lang="sk-SK" dirty="0" smtClean="0"/>
-              <a:t> </a:t>
-            </a:r>
-            <a:r>
-              <a:rPr lang="sk-SK" dirty="0" smtClean="0"/>
-              <a:t>a</a:t>
+              <a:t>Signály sú generované GPIO a</a:t>
             </a:r>
             <a:r>
               <a:rPr lang="en-US" dirty="0" smtClean="0"/>
@@ -5502,17 +5444,12 @@
               <a:rPr lang="sk-SK" dirty="0" smtClean="0"/>
               <a:t>IO signál UART</a:t>
             </a:r>
-            <a:endParaRPr lang="sk-SK" dirty="0" smtClean="0"/>
           </a:p>
           <a:p>
             <a:pPr lvl="1"/>
             <a:r>
               <a:rPr lang="sk-SK" dirty="0" smtClean="0"/>
-              <a:t>2.667 </a:t>
-            </a:r>
-            <a:r>
-              <a:rPr lang="sk-SK" dirty="0" smtClean="0"/>
-              <a:t>MHz</a:t>
+              <a:t>2.667 MHz</a:t>
             </a:r>
           </a:p>
           <a:p>
@@ -5546,36 +5483,35 @@
               <a:rPr lang="sk-SK" dirty="0" smtClean="0"/>
               <a:t>časovanie</a:t>
             </a:r>
+          </a:p>
+          <a:p>
             <a:endParaRPr lang="sk-SK" dirty="0" smtClean="0"/>
           </a:p>
           <a:p>
+            <a:r>
+              <a:rPr lang="sk-SK" dirty="0" smtClean="0"/>
+              <a:t>Komunikácia</a:t>
+            </a:r>
+          </a:p>
+          <a:p>
+            <a:pPr lvl="1"/>
+            <a:r>
+              <a:rPr lang="en-US" dirty="0" smtClean="0"/>
+              <a:t>T=0 </a:t>
+            </a:r>
+            <a:r>
+              <a:rPr lang="sk-SK" dirty="0" smtClean="0"/>
+              <a:t>bajtová</a:t>
+            </a:r>
+            <a:r>
+              <a:rPr lang="en-US" dirty="0" smtClean="0"/>
+              <a:t> APDU </a:t>
+            </a:r>
             <a:endParaRPr lang="sk-SK" dirty="0" smtClean="0"/>
           </a:p>
           <a:p>
-            <a:r>
-              <a:rPr lang="sk-SK" dirty="0" smtClean="0"/>
-              <a:t>Komunikácia</a:t>
-            </a:r>
-          </a:p>
-          <a:p>
             <a:pPr lvl="1"/>
             <a:r>
-              <a:rPr lang="en-US" dirty="0" smtClean="0"/>
-              <a:t>T=0 </a:t>
-            </a:r>
-            <a:r>
-              <a:rPr lang="sk-SK" dirty="0" smtClean="0"/>
-              <a:t>bajtová</a:t>
-            </a:r>
-            <a:r>
-              <a:rPr lang="en-US" dirty="0" smtClean="0"/>
-              <a:t> APDU </a:t>
-            </a:r>
-            <a:endParaRPr lang="sk-SK" dirty="0" smtClean="0"/>
-          </a:p>
-          <a:p>
-            <a:pPr lvl="1"/>
-            <a:r>
               <a:rPr lang="sk-SK" dirty="0" smtClean="0"/>
               <a:t>T</a:t>
             </a:r>
@@ -5589,11 +5525,7 @@
             </a:r>
             <a:r>
               <a:rPr lang="en-US" dirty="0" smtClean="0"/>
-              <a:t> </a:t>
-            </a:r>
-            <a:r>
-              <a:rPr lang="en-US" dirty="0" smtClean="0"/>
-              <a:t>APDU</a:t>
+              <a:t> APDU</a:t>
             </a:r>
             <a:r>
               <a:rPr lang="sk-SK" dirty="0" smtClean="0"/>
@@ -5605,13 +5537,8 @@
             </a:r>
             <a:r>
               <a:rPr lang="sk-SK" dirty="0" smtClean="0"/>
-              <a:t>é do </a:t>
-            </a:r>
-            <a:r>
-              <a:rPr lang="sk-SK" dirty="0" smtClean="0"/>
-              <a:t>bloku</a:t>
-            </a:r>
-            <a:endParaRPr lang="sk-SK" dirty="0" smtClean="0"/>
+              <a:t>é do bloku</a:t>
+            </a:r>
           </a:p>
           <a:p>
             <a:r>
@@ -6079,11 +6006,7 @@
             </a:r>
             <a:r>
               <a:rPr lang="sk-SK" dirty="0" smtClean="0"/>
-              <a:t>DPS </a:t>
-            </a:r>
-            <a:r>
-              <a:rPr lang="sk-SK" dirty="0" smtClean="0"/>
-              <a:t>I</a:t>
+              <a:t>DPS I</a:t>
             </a:r>
             <a:endParaRPr lang="en-US" dirty="0"/>
           </a:p>
@@ -6200,11 +6123,7 @@
             </a:r>
             <a:r>
               <a:rPr lang="sk-SK" dirty="0" smtClean="0"/>
-              <a:t>DPS </a:t>
-            </a:r>
-            <a:r>
-              <a:rPr lang="sk-SK" dirty="0" smtClean="0"/>
-              <a:t>II</a:t>
+              <a:t>DPS II</a:t>
             </a:r>
             <a:endParaRPr lang="en-US" dirty="0"/>
           </a:p>
@@ -6503,11 +6422,7 @@
           <a:p>
             <a:r>
               <a:rPr lang="sk-SK" dirty="0" smtClean="0"/>
-              <a:t>e</a:t>
-            </a:r>
-            <a:r>
-              <a:rPr lang="sk-SK" dirty="0" smtClean="0"/>
-              <a:t>fektívnejšie,</a:t>
+              <a:t>efektívnejšie,</a:t>
             </a:r>
           </a:p>
           <a:p>
@@ -6516,7 +6431,6 @@
               <a:rPr lang="sk-SK" dirty="0" smtClean="0"/>
               <a:t>spotreba,</a:t>
             </a:r>
-            <a:endParaRPr lang="sk-SK" dirty="0" smtClean="0"/>
           </a:p>
           <a:p>
             <a:pPr lvl="1"/>
@@ -6550,7 +6464,6 @@
               <a:rPr lang="sk-SK" dirty="0" smtClean="0"/>
               <a:t>ná domácnosť</a:t>
             </a:r>
-            <a:endParaRPr lang="sk-SK" dirty="0" smtClean="0"/>
           </a:p>
         </p:txBody>
       </p:sp>
@@ -6828,11 +6741,7 @@
           <a:p>
             <a:r>
               <a:rPr lang="sk-SK" dirty="0" smtClean="0"/>
-              <a:t>Segger J-Link </a:t>
-            </a:r>
-            <a:r>
-              <a:rPr lang="sk-SK" dirty="0" smtClean="0"/>
-              <a:t>RTT</a:t>
+              <a:t>Segger J-Link RTT</a:t>
             </a:r>
             <a:r>
               <a:rPr lang="en-US" dirty="0" smtClean="0"/>
@@ -6853,45 +6762,31 @@
               <a:rPr lang="sk-SK" dirty="0" smtClean="0"/>
               <a:t>testovacie výpisy,</a:t>
             </a:r>
+          </a:p>
+          <a:p>
+            <a:pPr lvl="1"/>
+            <a:r>
+              <a:rPr lang="sk-SK" dirty="0" smtClean="0"/>
+              <a:t>výpis ATR správy</a:t>
+            </a:r>
+            <a:r>
+              <a:rPr lang="en-US" dirty="0" smtClean="0"/>
+              <a:t>,</a:t>
+            </a:r>
             <a:endParaRPr lang="sk-SK" dirty="0" smtClean="0"/>
           </a:p>
           <a:p>
             <a:pPr lvl="1"/>
             <a:r>
               <a:rPr lang="sk-SK" dirty="0" smtClean="0"/>
-              <a:t>výpis </a:t>
-            </a:r>
-            <a:r>
-              <a:rPr lang="sk-SK" dirty="0" smtClean="0"/>
-              <a:t>ATR </a:t>
-            </a:r>
-            <a:r>
-              <a:rPr lang="sk-SK" dirty="0" smtClean="0"/>
-              <a:t>správy</a:t>
-            </a:r>
-            <a:r>
-              <a:rPr lang="en-US" dirty="0" smtClean="0"/>
-              <a:t>,</a:t>
-            </a:r>
-            <a:endParaRPr lang="sk-SK" dirty="0" smtClean="0"/>
+              <a:t>vyhľadávanie card manažéra,</a:t>
+            </a:r>
           </a:p>
           <a:p>
             <a:pPr lvl="1"/>
             <a:r>
               <a:rPr lang="sk-SK" dirty="0" smtClean="0"/>
-              <a:t>vyhľadávanie card manažéra,</a:t>
-            </a:r>
-            <a:endParaRPr lang="sk-SK" dirty="0" smtClean="0"/>
-          </a:p>
-          <a:p>
-            <a:pPr lvl="1"/>
-            <a:r>
-              <a:rPr lang="sk-SK" dirty="0" smtClean="0"/>
-              <a:t>posielanie </a:t>
-            </a:r>
-            <a:r>
-              <a:rPr lang="sk-SK" dirty="0" smtClean="0"/>
-              <a:t>APDU správy blokovo</a:t>
+              <a:t>posielanie APDU správy blokovo</a:t>
             </a:r>
             <a:r>
               <a:rPr lang="en-US" dirty="0" smtClean="0"/>
@@ -6912,23 +6807,13 @@
               <a:rPr lang="sk-SK" dirty="0" smtClean="0"/>
               <a:t>posielanie preddefinovaných správ,</a:t>
             </a:r>
-            <a:endParaRPr lang="sk-SK" dirty="0" smtClean="0"/>
           </a:p>
           <a:p>
             <a:pPr lvl="1"/>
             <a:r>
               <a:rPr lang="sk-SK" dirty="0" smtClean="0"/>
-              <a:t>aktivácia</a:t>
-            </a:r>
-            <a:r>
-              <a:rPr lang="sk-SK" dirty="0" smtClean="0"/>
-              <a:t>, deaktivácia, </a:t>
-            </a:r>
-            <a:r>
-              <a:rPr lang="sk-SK" dirty="0" smtClean="0"/>
-              <a:t>resetovanie,</a:t>
-            </a:r>
-            <a:endParaRPr lang="sk-SK" dirty="0" smtClean="0"/>
+              <a:t>aktivácia, deaktivácia, resetovanie,</a:t>
+            </a:r>
           </a:p>
           <a:p>
             <a:pPr lvl="1"/>
@@ -6964,7 +6849,6 @@
               <a:rPr lang="sk-SK" dirty="0" smtClean="0"/>
               <a:t>menenie baudovej rýchlosti.</a:t>
             </a:r>
-            <a:endParaRPr lang="sk-SK" dirty="0" smtClean="0"/>
           </a:p>
         </p:txBody>
       </p:sp>
@@ -7147,29 +7031,384 @@
           </a:p>
         </p:txBody>
       </p:sp>
-      <p:sp>
-        <p:nvSpPr>
-          <p:cNvPr id="3" name="Content Placeholder 2"/>
-          <p:cNvSpPr>
-            <a:spLocks noGrp="1"/>
-          </p:cNvSpPr>
+      <p:graphicFrame>
+        <p:nvGraphicFramePr>
+          <p:cNvPr id="5" name="Content Placeholder 4"/>
+          <p:cNvGraphicFramePr>
+            <a:graphicFrameLocks noGrp="1"/>
+          </p:cNvGraphicFramePr>
           <p:nvPr>
             <p:ph idx="1"/>
           </p:nvPr>
-        </p:nvSpPr>
-        <p:spPr/>
-        <p:txBody>
-          <a:bodyPr/>
-          <a:lstStyle/>
-          <a:p>
-            <a:r>
-              <a:rPr lang="sk-SK" dirty="0" smtClean="0"/>
-              <a:t>tabuľka</a:t>
-            </a:r>
-            <a:endParaRPr lang="en-US" dirty="0"/>
-          </a:p>
-        </p:txBody>
-      </p:sp>
+        </p:nvGraphicFramePr>
+        <p:xfrm>
+          <a:off x="381000" y="2743200"/>
+          <a:ext cx="8229600" cy="1876425"/>
+        </p:xfrm>
+        <a:graphic>
+          <a:graphicData uri="http://schemas.openxmlformats.org/drawingml/2006/table">
+            <a:tbl>
+              <a:tblPr firstRow="1" bandRow="1">
+                <a:tableStyleId>{5940675A-B579-460E-94D1-54222C63F5DA}</a:tableStyleId>
+              </a:tblPr>
+              <a:tblGrid>
+                <a:gridCol w="2743200"/>
+                <a:gridCol w="2743200"/>
+                <a:gridCol w="2743200"/>
+              </a:tblGrid>
+              <a:tr h="370840">
+                <a:tc rowSpan="2">
+                  <a:txBody>
+                    <a:bodyPr/>
+                    <a:lstStyle/>
+                    <a:p>
+                      <a:pPr algn="ctr" fontAlgn="ctr"/>
+                      <a:r>
+                        <a:rPr lang="en-US" sz="2400" b="0" i="0" u="none" strike="noStrike" dirty="0" err="1">
+                          <a:solidFill>
+                            <a:srgbClr val="000000"/>
+                          </a:solidFill>
+                          <a:latin typeface="Calibri"/>
+                        </a:rPr>
+                        <a:t>Typ</a:t>
+                      </a:r>
+                      <a:r>
+                        <a:rPr lang="en-US" sz="2400" b="0" i="0" u="none" strike="noStrike" dirty="0">
+                          <a:solidFill>
+                            <a:srgbClr val="000000"/>
+                          </a:solidFill>
+                          <a:latin typeface="Calibri"/>
+                        </a:rPr>
+                        <a:t> </a:t>
+                      </a:r>
+                      <a:r>
+                        <a:rPr lang="en-US" sz="2400" b="0" i="0" u="none" strike="noStrike" dirty="0" err="1">
+                          <a:solidFill>
+                            <a:srgbClr val="000000"/>
+                          </a:solidFill>
+                          <a:latin typeface="Calibri"/>
+                        </a:rPr>
+                        <a:t>zabezpečenia</a:t>
+                      </a:r>
+                      <a:endParaRPr lang="en-US" sz="2400" b="0" i="0" u="none" strike="noStrike" dirty="0">
+                        <a:solidFill>
+                          <a:srgbClr val="000000"/>
+                        </a:solidFill>
+                        <a:latin typeface="Calibri"/>
+                      </a:endParaRPr>
+                    </a:p>
+                  </a:txBody>
+                  <a:tcPr marL="9525" marR="9525" marT="9525" marB="0" anchor="ctr"/>
+                </a:tc>
+                <a:tc gridSpan="2">
+                  <a:txBody>
+                    <a:bodyPr/>
+                    <a:lstStyle/>
+                    <a:p>
+                      <a:pPr algn="ctr" fontAlgn="b"/>
+                      <a:r>
+                        <a:rPr lang="en-US" sz="2400" b="0" i="0" u="none" strike="noStrike" dirty="0" err="1">
+                          <a:solidFill>
+                            <a:srgbClr val="000000"/>
+                          </a:solidFill>
+                          <a:latin typeface="Calibri"/>
+                        </a:rPr>
+                        <a:t>Metriky</a:t>
+                      </a:r>
+                      <a:endParaRPr lang="en-US" sz="2400" b="0" i="0" u="none" strike="noStrike" dirty="0">
+                        <a:solidFill>
+                          <a:srgbClr val="000000"/>
+                        </a:solidFill>
+                        <a:latin typeface="Calibri"/>
+                      </a:endParaRPr>
+                    </a:p>
+                  </a:txBody>
+                  <a:tcPr marL="9525" marR="9525" marT="9525" marB="0" anchor="b"/>
+                </a:tc>
+                <a:tc hMerge="1">
+                  <a:txBody>
+                    <a:bodyPr/>
+                    <a:lstStyle/>
+                    <a:p>
+                      <a:endParaRPr lang="en-US"/>
+                    </a:p>
+                  </a:txBody>
+                  <a:tcPr/>
+                </a:tc>
+              </a:tr>
+              <a:tr h="370840">
+                <a:tc vMerge="1">
+                  <a:txBody>
+                    <a:bodyPr/>
+                    <a:lstStyle/>
+                    <a:p>
+                      <a:endParaRPr lang="en-US"/>
+                    </a:p>
+                  </a:txBody>
+                  <a:tcPr/>
+                </a:tc>
+                <a:tc>
+                  <a:txBody>
+                    <a:bodyPr/>
+                    <a:lstStyle/>
+                    <a:p>
+                      <a:pPr algn="ctr" fontAlgn="b"/>
+                      <a:r>
+                        <a:rPr lang="en-US" sz="2400" b="0" i="0" u="none" strike="noStrike">
+                          <a:solidFill>
+                            <a:srgbClr val="000000"/>
+                          </a:solidFill>
+                          <a:latin typeface="Calibri"/>
+                        </a:rPr>
+                        <a:t>Pamäť programu [B]</a:t>
+                      </a:r>
+                    </a:p>
+                  </a:txBody>
+                  <a:tcPr marL="9525" marR="9525" marT="9525" marB="0" anchor="b"/>
+                </a:tc>
+                <a:tc>
+                  <a:txBody>
+                    <a:bodyPr/>
+                    <a:lstStyle/>
+                    <a:p>
+                      <a:pPr algn="ctr" fontAlgn="b"/>
+                      <a:r>
+                        <a:rPr lang="en-US" sz="2400" b="0" i="0" u="none" strike="noStrike">
+                          <a:solidFill>
+                            <a:srgbClr val="000000"/>
+                          </a:solidFill>
+                          <a:latin typeface="Calibri"/>
+                        </a:rPr>
+                        <a:t>SRAM [B]</a:t>
+                      </a:r>
+                    </a:p>
+                  </a:txBody>
+                  <a:tcPr marL="9525" marR="9525" marT="9525" marB="0" anchor="b"/>
+                </a:tc>
+              </a:tr>
+              <a:tr h="370840">
+                <a:tc>
+                  <a:txBody>
+                    <a:bodyPr/>
+                    <a:lstStyle/>
+                    <a:p>
+                      <a:pPr algn="ctr" fontAlgn="b"/>
+                      <a:r>
+                        <a:rPr lang="en-US" sz="2400" b="0" i="0" u="none" strike="noStrike" dirty="0" err="1">
+                          <a:solidFill>
+                            <a:srgbClr val="000000"/>
+                          </a:solidFill>
+                          <a:latin typeface="Calibri"/>
+                        </a:rPr>
+                        <a:t>Žiadne</a:t>
+                      </a:r>
+                      <a:r>
+                        <a:rPr lang="en-US" sz="2400" b="0" i="0" u="none" strike="noStrike" dirty="0">
+                          <a:solidFill>
+                            <a:srgbClr val="000000"/>
+                          </a:solidFill>
+                          <a:latin typeface="Calibri"/>
+                        </a:rPr>
+                        <a:t> </a:t>
+                      </a:r>
+                      <a:r>
+                        <a:rPr lang="en-US" sz="2400" b="0" i="0" u="none" strike="noStrike" dirty="0" err="1">
+                          <a:solidFill>
+                            <a:srgbClr val="000000"/>
+                          </a:solidFill>
+                          <a:latin typeface="Calibri"/>
+                        </a:rPr>
+                        <a:t>zabezpečenie</a:t>
+                      </a:r>
+                      <a:endParaRPr lang="en-US" sz="2400" b="0" i="0" u="none" strike="noStrike" dirty="0">
+                        <a:solidFill>
+                          <a:srgbClr val="000000"/>
+                        </a:solidFill>
+                        <a:latin typeface="Calibri"/>
+                      </a:endParaRPr>
+                    </a:p>
+                  </a:txBody>
+                  <a:tcPr marL="9525" marR="9525" marT="9525" marB="0" anchor="b"/>
+                </a:tc>
+                <a:tc>
+                  <a:txBody>
+                    <a:bodyPr/>
+                    <a:lstStyle/>
+                    <a:p>
+                      <a:pPr algn="ctr" fontAlgn="b"/>
+                      <a:r>
+                        <a:rPr lang="en-US" sz="2400" b="0" i="0" u="none" strike="noStrike" dirty="0">
+                          <a:solidFill>
+                            <a:srgbClr val="000000"/>
+                          </a:solidFill>
+                          <a:latin typeface="Calibri"/>
+                        </a:rPr>
+                        <a:t>7308</a:t>
+                      </a:r>
+                    </a:p>
+                  </a:txBody>
+                  <a:tcPr marL="9525" marR="9525" marT="9525" marB="0" anchor="b"/>
+                </a:tc>
+                <a:tc>
+                  <a:txBody>
+                    <a:bodyPr/>
+                    <a:lstStyle/>
+                    <a:p>
+                      <a:pPr algn="ctr" fontAlgn="b"/>
+                      <a:r>
+                        <a:rPr lang="en-US" sz="2400" b="0" i="0" u="none" strike="noStrike">
+                          <a:solidFill>
+                            <a:srgbClr val="000000"/>
+                          </a:solidFill>
+                          <a:latin typeface="Calibri"/>
+                        </a:rPr>
+                        <a:t>5696</a:t>
+                      </a:r>
+                    </a:p>
+                  </a:txBody>
+                  <a:tcPr marL="9525" marR="9525" marT="9525" marB="0" anchor="b"/>
+                </a:tc>
+              </a:tr>
+              <a:tr h="370840">
+                <a:tc>
+                  <a:txBody>
+                    <a:bodyPr/>
+                    <a:lstStyle/>
+                    <a:p>
+                      <a:pPr algn="ctr" fontAlgn="b"/>
+                      <a:r>
+                        <a:rPr lang="en-US" sz="2400" b="1" i="0" u="none" strike="noStrike" dirty="0">
+                          <a:solidFill>
+                            <a:srgbClr val="000000"/>
+                          </a:solidFill>
+                          <a:latin typeface="Calibri"/>
+                        </a:rPr>
+                        <a:t>SW </a:t>
+                      </a:r>
+                      <a:r>
+                        <a:rPr lang="en-US" sz="2400" b="0" i="0" u="none" strike="noStrike" dirty="0">
+                          <a:solidFill>
+                            <a:srgbClr val="000000"/>
+                          </a:solidFill>
+                          <a:latin typeface="Calibri"/>
+                        </a:rPr>
+                        <a:t>AES 128 CBC</a:t>
+                      </a:r>
+                    </a:p>
+                  </a:txBody>
+                  <a:tcPr marL="9525" marR="9525" marT="9525" marB="0" anchor="b"/>
+                </a:tc>
+                <a:tc>
+                  <a:txBody>
+                    <a:bodyPr/>
+                    <a:lstStyle/>
+                    <a:p>
+                      <a:pPr algn="ctr" fontAlgn="b"/>
+                      <a:r>
+                        <a:rPr lang="en-US" sz="2400" b="0" i="0" u="none" strike="noStrike" dirty="0">
+                          <a:solidFill>
+                            <a:srgbClr val="000000"/>
+                          </a:solidFill>
+                          <a:latin typeface="Calibri"/>
+                        </a:rPr>
+                        <a:t>11336</a:t>
+                      </a:r>
+                    </a:p>
+                  </a:txBody>
+                  <a:tcPr marL="9525" marR="9525" marT="9525" marB="0" anchor="b"/>
+                </a:tc>
+                <a:tc>
+                  <a:txBody>
+                    <a:bodyPr/>
+                    <a:lstStyle/>
+                    <a:p>
+                      <a:pPr algn="ctr" fontAlgn="b"/>
+                      <a:r>
+                        <a:rPr lang="en-US" sz="2400" b="0" i="0" u="none" strike="noStrike">
+                          <a:solidFill>
+                            <a:srgbClr val="000000"/>
+                          </a:solidFill>
+                          <a:latin typeface="Calibri"/>
+                        </a:rPr>
+                        <a:t>6104</a:t>
+                      </a:r>
+                    </a:p>
+                  </a:txBody>
+                  <a:tcPr marL="9525" marR="9525" marT="9525" marB="0" anchor="b"/>
+                </a:tc>
+              </a:tr>
+              <a:tr h="370840">
+                <a:tc>
+                  <a:txBody>
+                    <a:bodyPr/>
+                    <a:lstStyle/>
+                    <a:p>
+                      <a:pPr algn="ctr" fontAlgn="b"/>
+                      <a:r>
+                        <a:rPr lang="en-US" sz="2400" b="1" i="0" u="none" strike="noStrike" dirty="0">
+                          <a:solidFill>
+                            <a:srgbClr val="000000"/>
+                          </a:solidFill>
+                          <a:latin typeface="Calibri"/>
+                        </a:rPr>
+                        <a:t>HW </a:t>
+                      </a:r>
+                      <a:r>
+                        <a:rPr lang="en-US" sz="2400" b="0" i="0" u="none" strike="noStrike" dirty="0">
+                          <a:solidFill>
+                            <a:srgbClr val="000000"/>
+                          </a:solidFill>
+                          <a:latin typeface="Calibri"/>
+                        </a:rPr>
+                        <a:t>AES 128 CBC</a:t>
+                      </a:r>
+                    </a:p>
+                  </a:txBody>
+                  <a:tcPr marL="9525" marR="9525" marT="9525" marB="0" anchor="b"/>
+                </a:tc>
+                <a:tc>
+                  <a:txBody>
+                    <a:bodyPr/>
+                    <a:lstStyle/>
+                    <a:p>
+                      <a:pPr algn="ctr" fontAlgn="b"/>
+                      <a:r>
+                        <a:rPr lang="en-US" sz="2400" b="0" i="0" u="none" strike="noStrike">
+                          <a:solidFill>
+                            <a:srgbClr val="000000"/>
+                          </a:solidFill>
+                          <a:latin typeface="Calibri"/>
+                        </a:rPr>
+                        <a:t>18412</a:t>
+                      </a:r>
+                    </a:p>
+                  </a:txBody>
+                  <a:tcPr marL="9525" marR="9525" marT="9525" marB="0" anchor="b"/>
+                </a:tc>
+                <a:tc>
+                  <a:txBody>
+                    <a:bodyPr/>
+                    <a:lstStyle/>
+                    <a:p>
+                      <a:pPr algn="ctr" fontAlgn="b"/>
+                      <a:r>
+                        <a:rPr lang="en-US" sz="2400" b="0" i="0" u="none" strike="noStrike" dirty="0">
+                          <a:solidFill>
+                            <a:srgbClr val="000000"/>
+                          </a:solidFill>
+                          <a:latin typeface="Calibri"/>
+                        </a:rPr>
+                        <a:t>7960</a:t>
+                      </a:r>
+                    </a:p>
+                  </a:txBody>
+                  <a:tcPr marL="9525" marR="9525" marT="9525" marB="0" anchor="b"/>
+                </a:tc>
+              </a:tr>
+            </a:tbl>
+          </a:graphicData>
+        </a:graphic>
+      </p:graphicFrame>
       <p:sp>
         <p:nvSpPr>
           <p:cNvPr id="4" name="Slide Number Placeholder 3"/>
@@ -7236,62 +7475,9 @@
           <a:p>
             <a:r>
               <a:rPr lang="sk-SK" dirty="0" smtClean="0"/>
-              <a:t>Sebakritika</a:t>
-            </a:r>
-            <a:r>
-              <a:rPr lang="en-US" dirty="0" smtClean="0"/>
-              <a:t>: </a:t>
-            </a:r>
-            <a:r>
-              <a:rPr lang="sk-SK" dirty="0" smtClean="0"/>
-              <a:t>čo </a:t>
-            </a:r>
-            <a:r>
-              <a:rPr lang="sk-SK" dirty="0" smtClean="0"/>
-              <a:t>sa nepodarilo</a:t>
+              <a:t>Vyhodnotenie testovania</a:t>
             </a:r>
             <a:endParaRPr lang="en-US" dirty="0"/>
-          </a:p>
-        </p:txBody>
-      </p:sp>
-      <p:sp>
-        <p:nvSpPr>
-          <p:cNvPr id="3" name="Content Placeholder 2"/>
-          <p:cNvSpPr>
-            <a:spLocks noGrp="1"/>
-          </p:cNvSpPr>
-          <p:nvPr>
-            <p:ph idx="1"/>
-          </p:nvPr>
-        </p:nvSpPr>
-        <p:spPr/>
-        <p:txBody>
-          <a:bodyPr/>
-          <a:lstStyle/>
-          <a:p>
-            <a:r>
-              <a:rPr lang="sk-SK" dirty="0" smtClean="0"/>
-              <a:t>RSA</a:t>
-            </a:r>
-            <a:r>
-              <a:rPr lang="en-US" dirty="0" smtClean="0"/>
-              <a:t> </a:t>
-            </a:r>
-            <a:r>
-              <a:rPr lang="sk-SK" dirty="0" smtClean="0"/>
-              <a:t>SW </a:t>
-            </a:r>
-            <a:r>
-              <a:rPr lang="sk-SK" dirty="0" smtClean="0"/>
-              <a:t>knižnice</a:t>
-            </a:r>
-            <a:endParaRPr lang="sk-SK" dirty="0" smtClean="0"/>
-          </a:p>
-          <a:p>
-            <a:r>
-              <a:rPr lang="sk-SK" dirty="0" smtClean="0"/>
-              <a:t>RSA HW (odhad)</a:t>
-            </a:r>
           </a:p>
         </p:txBody>
       </p:sp>
@@ -7319,6 +7505,342 @@
           </a:p>
         </p:txBody>
       </p:sp>
+      <p:graphicFrame>
+        <p:nvGraphicFramePr>
+          <p:cNvPr id="7" name="Content Placeholder 6"/>
+          <p:cNvGraphicFramePr>
+            <a:graphicFrameLocks noGrp="1"/>
+          </p:cNvGraphicFramePr>
+          <p:nvPr>
+            <p:ph idx="1"/>
+          </p:nvPr>
+        </p:nvGraphicFramePr>
+        <p:xfrm>
+          <a:off x="457200" y="2514600"/>
+          <a:ext cx="8229600" cy="1876425"/>
+        </p:xfrm>
+        <a:graphic>
+          <a:graphicData uri="http://schemas.openxmlformats.org/drawingml/2006/table">
+            <a:tbl>
+              <a:tblPr firstRow="1" bandRow="1">
+                <a:tableStyleId>{5940675A-B579-460E-94D1-54222C63F5DA}</a:tableStyleId>
+              </a:tblPr>
+              <a:tblGrid>
+                <a:gridCol w="4114800"/>
+                <a:gridCol w="4114800"/>
+              </a:tblGrid>
+              <a:tr h="370840">
+                <a:tc rowSpan="2">
+                  <a:txBody>
+                    <a:bodyPr/>
+                    <a:lstStyle/>
+                    <a:p>
+                      <a:pPr algn="ctr" fontAlgn="ctr"/>
+                      <a:r>
+                        <a:rPr lang="en-US" sz="2400" b="0" i="0" u="none" strike="noStrike" dirty="0" err="1">
+                          <a:solidFill>
+                            <a:srgbClr val="000000"/>
+                          </a:solidFill>
+                          <a:latin typeface="Calibri"/>
+                        </a:rPr>
+                        <a:t>Typ</a:t>
+                      </a:r>
+                      <a:r>
+                        <a:rPr lang="en-US" sz="2400" b="0" i="0" u="none" strike="noStrike" dirty="0">
+                          <a:solidFill>
+                            <a:srgbClr val="000000"/>
+                          </a:solidFill>
+                          <a:latin typeface="Calibri"/>
+                        </a:rPr>
+                        <a:t> </a:t>
+                      </a:r>
+                      <a:r>
+                        <a:rPr lang="en-US" sz="2400" b="0" i="0" u="none" strike="noStrike" dirty="0" err="1">
+                          <a:solidFill>
+                            <a:srgbClr val="000000"/>
+                          </a:solidFill>
+                          <a:latin typeface="Calibri"/>
+                        </a:rPr>
+                        <a:t>zabezpečenia</a:t>
+                      </a:r>
+                      <a:endParaRPr lang="en-US" sz="2400" b="0" i="0" u="none" strike="noStrike" dirty="0">
+                        <a:solidFill>
+                          <a:srgbClr val="000000"/>
+                        </a:solidFill>
+                        <a:latin typeface="Calibri"/>
+                      </a:endParaRPr>
+                    </a:p>
+                  </a:txBody>
+                  <a:tcPr marL="9525" marR="9525" marT="9525" marB="0" anchor="ctr"/>
+                </a:tc>
+                <a:tc>
+                  <a:txBody>
+                    <a:bodyPr/>
+                    <a:lstStyle/>
+                    <a:p>
+                      <a:pPr algn="ctr" fontAlgn="b"/>
+                      <a:r>
+                        <a:rPr lang="en-US" sz="2400" b="0" i="0" u="none" strike="noStrike" dirty="0" err="1">
+                          <a:solidFill>
+                            <a:srgbClr val="000000"/>
+                          </a:solidFill>
+                          <a:latin typeface="Calibri"/>
+                        </a:rPr>
+                        <a:t>Metriky</a:t>
+                      </a:r>
+                      <a:endParaRPr lang="en-US" sz="2400" b="0" i="0" u="none" strike="noStrike" dirty="0">
+                        <a:solidFill>
+                          <a:srgbClr val="000000"/>
+                        </a:solidFill>
+                        <a:latin typeface="Calibri"/>
+                      </a:endParaRPr>
+                    </a:p>
+                  </a:txBody>
+                  <a:tcPr marL="9525" marR="9525" marT="9525" marB="0" anchor="b"/>
+                </a:tc>
+              </a:tr>
+              <a:tr h="370840">
+                <a:tc vMerge="1">
+                  <a:txBody>
+                    <a:bodyPr/>
+                    <a:lstStyle/>
+                    <a:p>
+                      <a:endParaRPr lang="en-US"/>
+                    </a:p>
+                  </a:txBody>
+                  <a:tcPr/>
+                </a:tc>
+                <a:tc>
+                  <a:txBody>
+                    <a:bodyPr/>
+                    <a:lstStyle/>
+                    <a:p>
+                      <a:pPr algn="ctr" fontAlgn="b"/>
+                      <a:r>
+                        <a:rPr lang="en-US" sz="2400" b="0" i="0" u="none" strike="noStrike" dirty="0" err="1">
+                          <a:solidFill>
+                            <a:srgbClr val="000000"/>
+                          </a:solidFill>
+                          <a:latin typeface="Calibri"/>
+                        </a:rPr>
+                        <a:t>Prúdová</a:t>
+                      </a:r>
+                      <a:r>
+                        <a:rPr lang="en-US" sz="2400" b="0" i="0" u="none" strike="noStrike" dirty="0">
+                          <a:solidFill>
+                            <a:srgbClr val="000000"/>
+                          </a:solidFill>
+                          <a:latin typeface="Calibri"/>
+                        </a:rPr>
+                        <a:t> </a:t>
+                      </a:r>
+                      <a:r>
+                        <a:rPr lang="en-US" sz="2400" b="0" i="0" u="none" strike="noStrike" dirty="0" err="1">
+                          <a:solidFill>
+                            <a:srgbClr val="000000"/>
+                          </a:solidFill>
+                          <a:latin typeface="Calibri"/>
+                        </a:rPr>
+                        <a:t>spotreba</a:t>
+                      </a:r>
+                      <a:r>
+                        <a:rPr lang="en-US" sz="2400" b="0" i="0" u="none" strike="noStrike" dirty="0">
+                          <a:solidFill>
+                            <a:srgbClr val="000000"/>
+                          </a:solidFill>
+                          <a:latin typeface="Calibri"/>
+                        </a:rPr>
+                        <a:t> [</a:t>
+                      </a:r>
+                      <a:r>
+                        <a:rPr lang="en-US" sz="2400" b="0" i="0" u="none" strike="noStrike" dirty="0" err="1">
+                          <a:solidFill>
+                            <a:srgbClr val="000000"/>
+                          </a:solidFill>
+                          <a:latin typeface="Calibri"/>
+                        </a:rPr>
+                        <a:t>mA</a:t>
+                      </a:r>
+                      <a:r>
+                        <a:rPr lang="en-US" sz="2400" b="0" i="0" u="none" strike="noStrike" dirty="0">
+                          <a:solidFill>
+                            <a:srgbClr val="000000"/>
+                          </a:solidFill>
+                          <a:latin typeface="Calibri"/>
+                        </a:rPr>
+                        <a:t>]</a:t>
+                      </a:r>
+                    </a:p>
+                  </a:txBody>
+                  <a:tcPr marL="9525" marR="9525" marT="9525" marB="0" anchor="b"/>
+                </a:tc>
+              </a:tr>
+              <a:tr h="370840">
+                <a:tc>
+                  <a:txBody>
+                    <a:bodyPr/>
+                    <a:lstStyle/>
+                    <a:p>
+                      <a:pPr algn="ctr" fontAlgn="b"/>
+                      <a:r>
+                        <a:rPr lang="en-US" sz="2400" b="0" i="0" u="none" strike="noStrike" dirty="0" err="1">
+                          <a:solidFill>
+                            <a:srgbClr val="000000"/>
+                          </a:solidFill>
+                          <a:latin typeface="Calibri"/>
+                        </a:rPr>
+                        <a:t>Žiadne</a:t>
+                      </a:r>
+                      <a:r>
+                        <a:rPr lang="en-US" sz="2400" b="0" i="0" u="none" strike="noStrike" dirty="0">
+                          <a:solidFill>
+                            <a:srgbClr val="000000"/>
+                          </a:solidFill>
+                          <a:latin typeface="Calibri"/>
+                        </a:rPr>
+                        <a:t> </a:t>
+                      </a:r>
+                      <a:r>
+                        <a:rPr lang="en-US" sz="2400" b="0" i="0" u="none" strike="noStrike" dirty="0" err="1">
+                          <a:solidFill>
+                            <a:srgbClr val="000000"/>
+                          </a:solidFill>
+                          <a:latin typeface="Calibri"/>
+                        </a:rPr>
+                        <a:t>zabezpečenie</a:t>
+                      </a:r>
+                      <a:endParaRPr lang="en-US" sz="2400" b="0" i="0" u="none" strike="noStrike" dirty="0">
+                        <a:solidFill>
+                          <a:srgbClr val="000000"/>
+                        </a:solidFill>
+                        <a:latin typeface="Calibri"/>
+                      </a:endParaRPr>
+                    </a:p>
+                  </a:txBody>
+                  <a:tcPr marL="9525" marR="9525" marT="9525" marB="0" anchor="b"/>
+                </a:tc>
+                <a:tc>
+                  <a:txBody>
+                    <a:bodyPr/>
+                    <a:lstStyle/>
+                    <a:p>
+                      <a:pPr algn="ctr" fontAlgn="b"/>
+                      <a:r>
+                        <a:rPr lang="en-US" sz="2400" b="0" i="0" u="none" strike="noStrike">
+                          <a:solidFill>
+                            <a:srgbClr val="000000"/>
+                          </a:solidFill>
+                          <a:latin typeface="Calibri"/>
+                        </a:rPr>
+                        <a:t>1.4</a:t>
+                      </a:r>
+                    </a:p>
+                  </a:txBody>
+                  <a:tcPr marL="9525" marR="9525" marT="9525" marB="0" anchor="b"/>
+                </a:tc>
+              </a:tr>
+              <a:tr h="370840">
+                <a:tc>
+                  <a:txBody>
+                    <a:bodyPr/>
+                    <a:lstStyle/>
+                    <a:p>
+                      <a:pPr algn="ctr" fontAlgn="b"/>
+                      <a:r>
+                        <a:rPr lang="en-US" sz="2400" b="1" i="0" u="none" strike="noStrike">
+                          <a:solidFill>
+                            <a:srgbClr val="000000"/>
+                          </a:solidFill>
+                          <a:latin typeface="Calibri"/>
+                        </a:rPr>
+                        <a:t>SW </a:t>
+                      </a:r>
+                      <a:r>
+                        <a:rPr lang="en-US" sz="2400" b="0" i="0" u="none" strike="noStrike">
+                          <a:solidFill>
+                            <a:srgbClr val="000000"/>
+                          </a:solidFill>
+                          <a:latin typeface="Calibri"/>
+                        </a:rPr>
+                        <a:t>AES 128 CBC</a:t>
+                      </a:r>
+                    </a:p>
+                  </a:txBody>
+                  <a:tcPr marL="9525" marR="9525" marT="9525" marB="0" anchor="b"/>
+                </a:tc>
+                <a:tc>
+                  <a:txBody>
+                    <a:bodyPr/>
+                    <a:lstStyle/>
+                    <a:p>
+                      <a:pPr algn="ctr" fontAlgn="b"/>
+                      <a:r>
+                        <a:rPr lang="en-US" sz="2400" b="0" i="0" u="none" strike="noStrike">
+                          <a:solidFill>
+                            <a:srgbClr val="000000"/>
+                          </a:solidFill>
+                          <a:latin typeface="Calibri"/>
+                        </a:rPr>
+                        <a:t>5.6</a:t>
+                      </a:r>
+                    </a:p>
+                  </a:txBody>
+                  <a:tcPr marL="9525" marR="9525" marT="9525" marB="0" anchor="b"/>
+                </a:tc>
+              </a:tr>
+              <a:tr h="370840">
+                <a:tc>
+                  <a:txBody>
+                    <a:bodyPr/>
+                    <a:lstStyle/>
+                    <a:p>
+                      <a:pPr algn="ctr" fontAlgn="b"/>
+                      <a:r>
+                        <a:rPr lang="en-US" sz="2400" b="1" i="0" u="none" strike="noStrike" dirty="0">
+                          <a:solidFill>
+                            <a:srgbClr val="000000"/>
+                          </a:solidFill>
+                          <a:latin typeface="Calibri"/>
+                        </a:rPr>
+                        <a:t>HW </a:t>
+                      </a:r>
+                      <a:r>
+                        <a:rPr lang="en-US" sz="2400" b="0" i="0" u="none" strike="noStrike" dirty="0">
+                          <a:solidFill>
+                            <a:srgbClr val="000000"/>
+                          </a:solidFill>
+                          <a:latin typeface="Calibri"/>
+                        </a:rPr>
+                        <a:t>AES 128 CBC</a:t>
+                      </a:r>
+                    </a:p>
+                  </a:txBody>
+                  <a:tcPr marL="9525" marR="9525" marT="9525" marB="0" anchor="b"/>
+                </a:tc>
+                <a:tc>
+                  <a:txBody>
+                    <a:bodyPr/>
+                    <a:lstStyle/>
+                    <a:p>
+                      <a:pPr algn="ctr" fontAlgn="b"/>
+                      <a:r>
+                        <a:rPr lang="en-US" sz="2400" b="0" i="0" u="none" strike="noStrike" dirty="0">
+                          <a:solidFill>
+                            <a:srgbClr val="000000"/>
+                          </a:solidFill>
+                          <a:latin typeface="Calibri"/>
+                        </a:rPr>
+                        <a:t>8</a:t>
+                      </a:r>
+                    </a:p>
+                  </a:txBody>
+                  <a:tcPr marL="9525" marR="9525" marT="9525" marB="0" anchor="b"/>
+                </a:tc>
+              </a:tr>
+            </a:tbl>
+          </a:graphicData>
+        </a:graphic>
+      </p:graphicFrame>
     </p:spTree>
   </p:cSld>
   <p:clrMapOvr>
@@ -7356,101 +7878,12 @@
         </p:nvSpPr>
         <p:spPr/>
         <p:txBody>
-          <a:bodyPr>
-            <a:normAutofit fontScale="90000"/>
-          </a:bodyPr>
-          <a:lstStyle/>
-          <a:p>
-            <a:r>
-              <a:rPr lang="sk-SK" dirty="0" smtClean="0"/>
-              <a:t>Sebakritika</a:t>
-            </a:r>
-            <a:r>
-              <a:rPr lang="en-US" dirty="0" smtClean="0"/>
-              <a:t>: </a:t>
-            </a:r>
-            <a:r>
-              <a:rPr lang="sk-SK" dirty="0" smtClean="0"/>
-              <a:t>čo </a:t>
-            </a:r>
-            <a:r>
-              <a:rPr lang="sk-SK" dirty="0" smtClean="0"/>
-              <a:t>sa nefungovalo podľa predstáv</a:t>
-            </a:r>
-            <a:endParaRPr lang="en-US" dirty="0"/>
-          </a:p>
-        </p:txBody>
-      </p:sp>
-      <p:sp>
-        <p:nvSpPr>
-          <p:cNvPr id="3" name="Content Placeholder 2"/>
-          <p:cNvSpPr>
-            <a:spLocks noGrp="1"/>
-          </p:cNvSpPr>
-          <p:nvPr>
-            <p:ph idx="1"/>
-          </p:nvPr>
-        </p:nvSpPr>
-        <p:spPr/>
-        <p:txBody>
           <a:bodyPr/>
           <a:lstStyle/>
           <a:p>
             <a:r>
-              <a:rPr lang="en-US" dirty="0" smtClean="0"/>
-              <a:t>V</a:t>
-            </a:r>
-            <a:r>
-              <a:rPr lang="sk-SK" dirty="0" smtClean="0"/>
-              <a:t>ýsledky opačné, ako sa predpokladalo</a:t>
-            </a:r>
-          </a:p>
-          <a:p>
-            <a:pPr lvl="1"/>
-            <a:r>
-              <a:rPr lang="sk-SK" dirty="0" smtClean="0"/>
-              <a:t>v porovnaní s FPGA</a:t>
-            </a:r>
-          </a:p>
-          <a:p>
-            <a:pPr lvl="1"/>
-            <a:endParaRPr lang="sk-SK" dirty="0" smtClean="0"/>
-          </a:p>
-          <a:p>
-            <a:pPr lvl="1"/>
-            <a:r>
-              <a:rPr lang="sk-SK" dirty="0" smtClean="0"/>
-              <a:t>GPIO, periférie, komunikácia, program, RAM</a:t>
-            </a:r>
-          </a:p>
-          <a:p>
-            <a:pPr lvl="1"/>
-            <a:endParaRPr lang="sk-SK" dirty="0" smtClean="0"/>
-          </a:p>
-          <a:p>
-            <a:r>
-              <a:rPr lang="sk-SK" dirty="0" smtClean="0"/>
-              <a:t>postrácanie </a:t>
-            </a:r>
-            <a:r>
-              <a:rPr lang="sk-SK" dirty="0" smtClean="0"/>
-              <a:t>ANT</a:t>
-            </a:r>
-            <a:r>
-              <a:rPr lang="sk-SK" dirty="0" smtClean="0"/>
-              <a:t> paketov</a:t>
-            </a:r>
-            <a:r>
-              <a:rPr lang="en-US" dirty="0" smtClean="0"/>
-              <a:t>:</a:t>
-            </a:r>
-            <a:r>
-              <a:rPr lang="sk-SK" dirty="0" smtClean="0"/>
-              <a:t> po </a:t>
-            </a:r>
-            <a:r>
-              <a:rPr lang="sk-SK" dirty="0" smtClean="0"/>
-              <a:t>komunikácií s krypto-elementom</a:t>
+              <a:rPr lang="sk-SK" dirty="0" smtClean="0"/>
+              <a:t>Vyhodnotenie testovania</a:t>
             </a:r>
             <a:endParaRPr lang="en-US" dirty="0"/>
           </a:p>
@@ -7480,6 +7913,333 @@
           </a:p>
         </p:txBody>
       </p:sp>
+      <p:graphicFrame>
+        <p:nvGraphicFramePr>
+          <p:cNvPr id="5" name="Content Placeholder 4"/>
+          <p:cNvGraphicFramePr>
+            <a:graphicFrameLocks noGrp="1"/>
+          </p:cNvGraphicFramePr>
+          <p:nvPr>
+            <p:ph idx="1"/>
+          </p:nvPr>
+        </p:nvGraphicFramePr>
+        <p:xfrm>
+          <a:off x="457200" y="2590800"/>
+          <a:ext cx="8229600" cy="1876425"/>
+        </p:xfrm>
+        <a:graphic>
+          <a:graphicData uri="http://schemas.openxmlformats.org/drawingml/2006/table">
+            <a:tbl>
+              <a:tblPr firstRow="1" bandRow="1">
+                <a:tableStyleId>{5940675A-B579-460E-94D1-54222C63F5DA}</a:tableStyleId>
+              </a:tblPr>
+              <a:tblGrid>
+                <a:gridCol w="2743200"/>
+                <a:gridCol w="2743200"/>
+                <a:gridCol w="2743200"/>
+              </a:tblGrid>
+              <a:tr h="370840">
+                <a:tc rowSpan="2">
+                  <a:txBody>
+                    <a:bodyPr/>
+                    <a:lstStyle/>
+                    <a:p>
+                      <a:pPr algn="ctr" fontAlgn="ctr"/>
+                      <a:r>
+                        <a:rPr lang="en-US" sz="2400" u="none" strike="noStrike" dirty="0" err="1"/>
+                        <a:t>Typ</a:t>
+                      </a:r>
+                      <a:r>
+                        <a:rPr lang="en-US" sz="2400" u="none" strike="noStrike" dirty="0"/>
+                        <a:t> </a:t>
+                      </a:r>
+                      <a:r>
+                        <a:rPr lang="en-US" sz="2400" u="none" strike="noStrike" dirty="0" err="1"/>
+                        <a:t>zabezpečenia</a:t>
+                      </a:r>
+                      <a:endParaRPr lang="en-US" sz="2400" b="0" i="0" u="none" strike="noStrike" dirty="0">
+                        <a:solidFill>
+                          <a:srgbClr val="000000"/>
+                        </a:solidFill>
+                        <a:latin typeface="Calibri"/>
+                      </a:endParaRPr>
+                    </a:p>
+                  </a:txBody>
+                  <a:tcPr marL="9525" marR="9525" marT="9525" marB="0" anchor="ctr"/>
+                </a:tc>
+                <a:tc gridSpan="2">
+                  <a:txBody>
+                    <a:bodyPr/>
+                    <a:lstStyle/>
+                    <a:p>
+                      <a:pPr algn="ctr" fontAlgn="b"/>
+                      <a:r>
+                        <a:rPr lang="en-US" sz="2400" u="none" strike="noStrike"/>
+                        <a:t>Metriky</a:t>
+                      </a:r>
+                      <a:endParaRPr lang="en-US" sz="2400" b="0" i="0" u="none" strike="noStrike">
+                        <a:solidFill>
+                          <a:srgbClr val="000000"/>
+                        </a:solidFill>
+                        <a:latin typeface="Calibri"/>
+                      </a:endParaRPr>
+                    </a:p>
+                  </a:txBody>
+                  <a:tcPr marL="9525" marR="9525" marT="9525" marB="0" anchor="b"/>
+                </a:tc>
+                <a:tc hMerge="1">
+                  <a:txBody>
+                    <a:bodyPr/>
+                    <a:lstStyle/>
+                    <a:p>
+                      <a:endParaRPr lang="en-US"/>
+                    </a:p>
+                  </a:txBody>
+                  <a:tcPr/>
+                </a:tc>
+              </a:tr>
+              <a:tr h="370840">
+                <a:tc vMerge="1">
+                  <a:txBody>
+                    <a:bodyPr/>
+                    <a:lstStyle/>
+                    <a:p>
+                      <a:endParaRPr lang="en-US"/>
+                    </a:p>
+                  </a:txBody>
+                  <a:tcPr/>
+                </a:tc>
+                <a:tc>
+                  <a:txBody>
+                    <a:bodyPr/>
+                    <a:lstStyle/>
+                    <a:p>
+                      <a:pPr algn="ctr" fontAlgn="b"/>
+                      <a:r>
+                        <a:rPr lang="en-US" sz="2400" u="none" strike="noStrike"/>
+                        <a:t>Čas 200 [s]</a:t>
+                      </a:r>
+                      <a:endParaRPr lang="en-US" sz="2400" b="0" i="0" u="none" strike="noStrike">
+                        <a:solidFill>
+                          <a:srgbClr val="000000"/>
+                        </a:solidFill>
+                        <a:latin typeface="Calibri"/>
+                      </a:endParaRPr>
+                    </a:p>
+                  </a:txBody>
+                  <a:tcPr marL="9525" marR="9525" marT="9525" marB="0" anchor="b"/>
+                </a:tc>
+                <a:tc>
+                  <a:txBody>
+                    <a:bodyPr/>
+                    <a:lstStyle/>
+                    <a:p>
+                      <a:pPr algn="ctr" fontAlgn="b"/>
+                      <a:r>
+                        <a:rPr lang="en-US" sz="2400" u="none" strike="noStrike"/>
+                        <a:t>Čas 1 interakcie [s]</a:t>
+                      </a:r>
+                      <a:endParaRPr lang="en-US" sz="2400" b="0" i="0" u="none" strike="noStrike">
+                        <a:solidFill>
+                          <a:srgbClr val="000000"/>
+                        </a:solidFill>
+                        <a:latin typeface="Calibri"/>
+                      </a:endParaRPr>
+                    </a:p>
+                  </a:txBody>
+                  <a:tcPr marL="9525" marR="9525" marT="9525" marB="0" anchor="b"/>
+                </a:tc>
+              </a:tr>
+              <a:tr h="370840">
+                <a:tc>
+                  <a:txBody>
+                    <a:bodyPr/>
+                    <a:lstStyle/>
+                    <a:p>
+                      <a:pPr algn="ctr" fontAlgn="b"/>
+                      <a:r>
+                        <a:rPr lang="en-US" sz="2400" u="none" strike="noStrike"/>
+                        <a:t>Žiadne zabezpečenie</a:t>
+                      </a:r>
+                      <a:endParaRPr lang="en-US" sz="2400" b="0" i="0" u="none" strike="noStrike">
+                        <a:solidFill>
+                          <a:srgbClr val="000000"/>
+                        </a:solidFill>
+                        <a:latin typeface="Calibri"/>
+                      </a:endParaRPr>
+                    </a:p>
+                  </a:txBody>
+                  <a:tcPr marL="9525" marR="9525" marT="9525" marB="0" anchor="b"/>
+                </a:tc>
+                <a:tc>
+                  <a:txBody>
+                    <a:bodyPr/>
+                    <a:lstStyle/>
+                    <a:p>
+                      <a:pPr algn="ctr" fontAlgn="b"/>
+                      <a:r>
+                        <a:rPr lang="en-US" sz="2400" u="none" strike="noStrike"/>
+                        <a:t>258.35</a:t>
+                      </a:r>
+                      <a:endParaRPr lang="en-US" sz="2400" b="0" i="0" u="none" strike="noStrike">
+                        <a:solidFill>
+                          <a:srgbClr val="000000"/>
+                        </a:solidFill>
+                        <a:latin typeface="Calibri"/>
+                      </a:endParaRPr>
+                    </a:p>
+                  </a:txBody>
+                  <a:tcPr marL="9525" marR="9525" marT="9525" marB="0" anchor="b"/>
+                </a:tc>
+                <a:tc>
+                  <a:txBody>
+                    <a:bodyPr/>
+                    <a:lstStyle/>
+                    <a:p>
+                      <a:pPr algn="ctr" fontAlgn="b"/>
+                      <a:r>
+                        <a:rPr lang="en-US" sz="2400" u="none" strike="noStrike"/>
+                        <a:t>1.29175</a:t>
+                      </a:r>
+                      <a:endParaRPr lang="en-US" sz="2400" b="0" i="0" u="none" strike="noStrike">
+                        <a:solidFill>
+                          <a:srgbClr val="000000"/>
+                        </a:solidFill>
+                        <a:latin typeface="Calibri"/>
+                      </a:endParaRPr>
+                    </a:p>
+                  </a:txBody>
+                  <a:tcPr marL="9525" marR="9525" marT="9525" marB="0" anchor="b"/>
+                </a:tc>
+              </a:tr>
+              <a:tr h="370840">
+                <a:tc>
+                  <a:txBody>
+                    <a:bodyPr/>
+                    <a:lstStyle/>
+                    <a:p>
+                      <a:pPr algn="ctr" fontAlgn="b"/>
+                      <a:r>
+                        <a:rPr lang="en-US" sz="2400" u="none" strike="noStrike"/>
+                        <a:t>SW AES 128 CBC</a:t>
+                      </a:r>
+                      <a:endParaRPr lang="en-US" sz="2400" b="0" i="0" u="none" strike="noStrike">
+                        <a:solidFill>
+                          <a:srgbClr val="000000"/>
+                        </a:solidFill>
+                        <a:latin typeface="Calibri"/>
+                      </a:endParaRPr>
+                    </a:p>
+                  </a:txBody>
+                  <a:tcPr marL="9525" marR="9525" marT="9525" marB="0" anchor="b"/>
+                </a:tc>
+                <a:tc>
+                  <a:txBody>
+                    <a:bodyPr/>
+                    <a:lstStyle/>
+                    <a:p>
+                      <a:pPr algn="ctr" fontAlgn="b"/>
+                      <a:r>
+                        <a:rPr lang="en-US" sz="2400" u="none" strike="noStrike"/>
+                        <a:t>546.75</a:t>
+                      </a:r>
+                      <a:endParaRPr lang="en-US" sz="2400" b="0" i="0" u="none" strike="noStrike">
+                        <a:solidFill>
+                          <a:srgbClr val="000000"/>
+                        </a:solidFill>
+                        <a:latin typeface="Calibri"/>
+                      </a:endParaRPr>
+                    </a:p>
+                  </a:txBody>
+                  <a:tcPr marL="9525" marR="9525" marT="9525" marB="0" anchor="b"/>
+                </a:tc>
+                <a:tc>
+                  <a:txBody>
+                    <a:bodyPr/>
+                    <a:lstStyle/>
+                    <a:p>
+                      <a:pPr algn="ctr" fontAlgn="b"/>
+                      <a:r>
+                        <a:rPr lang="en-US" sz="2400" u="none" strike="noStrike"/>
+                        <a:t>2.73375</a:t>
+                      </a:r>
+                      <a:endParaRPr lang="en-US" sz="2400" b="0" i="0" u="none" strike="noStrike">
+                        <a:solidFill>
+                          <a:srgbClr val="000000"/>
+                        </a:solidFill>
+                        <a:latin typeface="Calibri"/>
+                      </a:endParaRPr>
+                    </a:p>
+                  </a:txBody>
+                  <a:tcPr marL="9525" marR="9525" marT="9525" marB="0" anchor="b"/>
+                </a:tc>
+              </a:tr>
+              <a:tr h="370840">
+                <a:tc>
+                  <a:txBody>
+                    <a:bodyPr/>
+                    <a:lstStyle/>
+                    <a:p>
+                      <a:pPr algn="ctr" fontAlgn="b"/>
+                      <a:r>
+                        <a:rPr lang="en-US" sz="2400" u="none" strike="noStrike"/>
+                        <a:t>HW AES 128 CBC</a:t>
+                      </a:r>
+                      <a:endParaRPr lang="en-US" sz="2400" b="0" i="0" u="none" strike="noStrike">
+                        <a:solidFill>
+                          <a:srgbClr val="000000"/>
+                        </a:solidFill>
+                        <a:latin typeface="Calibri"/>
+                      </a:endParaRPr>
+                    </a:p>
+                  </a:txBody>
+                  <a:tcPr marL="9525" marR="9525" marT="9525" marB="0" anchor="b"/>
+                </a:tc>
+                <a:tc>
+                  <a:txBody>
+                    <a:bodyPr/>
+                    <a:lstStyle/>
+                    <a:p>
+                      <a:pPr algn="ctr" fontAlgn="b"/>
+                      <a:r>
+                        <a:rPr lang="en-US" sz="2400" u="none" strike="noStrike"/>
+                        <a:t>1638.47</a:t>
+                      </a:r>
+                      <a:endParaRPr lang="en-US" sz="2400" b="0" i="0" u="none" strike="noStrike">
+                        <a:solidFill>
+                          <a:srgbClr val="000000"/>
+                        </a:solidFill>
+                        <a:latin typeface="Calibri"/>
+                      </a:endParaRPr>
+                    </a:p>
+                  </a:txBody>
+                  <a:tcPr marL="9525" marR="9525" marT="9525" marB="0" anchor="b"/>
+                </a:tc>
+                <a:tc>
+                  <a:txBody>
+                    <a:bodyPr/>
+                    <a:lstStyle/>
+                    <a:p>
+                      <a:pPr algn="ctr" fontAlgn="b"/>
+                      <a:r>
+                        <a:rPr lang="en-US" sz="2400" u="none" strike="noStrike" dirty="0"/>
+                        <a:t>8.19235</a:t>
+                      </a:r>
+                      <a:endParaRPr lang="en-US" sz="2400" b="0" i="0" u="none" strike="noStrike" dirty="0">
+                        <a:solidFill>
+                          <a:srgbClr val="000000"/>
+                        </a:solidFill>
+                        <a:latin typeface="Calibri"/>
+                      </a:endParaRPr>
+                    </a:p>
+                  </a:txBody>
+                  <a:tcPr marL="9525" marR="9525" marT="9525" marB="0" anchor="b"/>
+                </a:tc>
+              </a:tr>
+            </a:tbl>
+          </a:graphicData>
+        </a:graphic>
+      </p:graphicFrame>
     </p:spTree>
   </p:cSld>
   <p:clrMapOvr>
@@ -7517,87 +8277,12 @@
         </p:nvSpPr>
         <p:spPr/>
         <p:txBody>
-          <a:bodyPr>
-            <a:normAutofit/>
-          </a:bodyPr>
-          <a:lstStyle/>
-          <a:p>
-            <a:r>
-              <a:rPr lang="en-US" dirty="0" smtClean="0"/>
-              <a:t>Z</a:t>
-            </a:r>
-            <a:r>
-              <a:rPr lang="sk-SK" dirty="0" smtClean="0"/>
-              <a:t>áver</a:t>
-            </a:r>
-            <a:endParaRPr lang="en-US" dirty="0"/>
-          </a:p>
-        </p:txBody>
-      </p:sp>
-      <p:sp>
-        <p:nvSpPr>
-          <p:cNvPr id="3" name="Content Placeholder 2"/>
-          <p:cNvSpPr>
-            <a:spLocks noGrp="1"/>
-          </p:cNvSpPr>
-          <p:nvPr>
-            <p:ph idx="1"/>
-          </p:nvPr>
-        </p:nvSpPr>
-        <p:spPr/>
-        <p:txBody>
-          <a:bodyPr>
-            <a:normAutofit lnSpcReduction="10000"/>
-          </a:bodyPr>
-          <a:lstStyle/>
-          <a:p>
-            <a:r>
-              <a:rPr lang="sk-SK" dirty="0" smtClean="0"/>
-              <a:t>Identifikované slabiny daných technológií so Smart kartami</a:t>
-            </a:r>
-          </a:p>
-          <a:p>
-            <a:r>
-              <a:rPr lang="sk-SK" dirty="0" smtClean="0"/>
-              <a:t>Na základe výsledkov sa dá spraviť odhad riešenia pomocou PKI</a:t>
-            </a:r>
-          </a:p>
-          <a:p>
-            <a:endParaRPr lang="sk-SK" dirty="0" smtClean="0"/>
-          </a:p>
-          <a:p>
-            <a:r>
-              <a:rPr lang="sk-SK" dirty="0" smtClean="0"/>
-              <a:t>Riešenie je vhodné</a:t>
-            </a:r>
-            <a:r>
-              <a:rPr lang="en-US" dirty="0" smtClean="0"/>
-              <a:t>:</a:t>
-            </a:r>
-          </a:p>
-          <a:p>
-            <a:pPr lvl="1"/>
-            <a:r>
-              <a:rPr lang="sk-SK" dirty="0" smtClean="0"/>
-              <a:t>reálnych aplikáciách (štandardizované, bezp.),</a:t>
-            </a:r>
-          </a:p>
-          <a:p>
-            <a:pPr lvl="1"/>
-            <a:r>
-              <a:rPr lang="sk-SK" dirty="0" smtClean="0"/>
-              <a:t>na rýchlejšie siete,</a:t>
-            </a:r>
-          </a:p>
-          <a:p>
-            <a:pPr lvl="1"/>
-            <a:r>
-              <a:rPr lang="sk-SK" dirty="0" smtClean="0"/>
-              <a:t>m</a:t>
-            </a:r>
-            <a:r>
-              <a:rPr lang="sk-SK" dirty="0" smtClean="0"/>
-              <a:t>alé množstvo dát.</a:t>
+          <a:bodyPr/>
+          <a:lstStyle/>
+          <a:p>
+            <a:r>
+              <a:rPr lang="sk-SK" dirty="0" smtClean="0"/>
+              <a:t>Vyhodnotenie testovania</a:t>
             </a:r>
             <a:endParaRPr lang="en-US" dirty="0"/>
           </a:p>
@@ -7627,6 +8312,242 @@
           </a:p>
         </p:txBody>
       </p:sp>
+      <p:graphicFrame>
+        <p:nvGraphicFramePr>
+          <p:cNvPr id="5" name="Content Placeholder 4"/>
+          <p:cNvGraphicFramePr>
+            <a:graphicFrameLocks noGrp="1"/>
+          </p:cNvGraphicFramePr>
+          <p:nvPr>
+            <p:ph idx="1"/>
+          </p:nvPr>
+        </p:nvGraphicFramePr>
+        <p:xfrm>
+          <a:off x="457200" y="2667000"/>
+          <a:ext cx="8229600" cy="1876425"/>
+        </p:xfrm>
+        <a:graphic>
+          <a:graphicData uri="http://schemas.openxmlformats.org/drawingml/2006/table">
+            <a:tbl>
+              <a:tblPr firstRow="1" bandRow="1">
+                <a:tableStyleId>{5940675A-B579-460E-94D1-54222C63F5DA}</a:tableStyleId>
+              </a:tblPr>
+              <a:tblGrid>
+                <a:gridCol w="4114800"/>
+                <a:gridCol w="4114800"/>
+              </a:tblGrid>
+              <a:tr h="370840">
+                <a:tc rowSpan="2">
+                  <a:txBody>
+                    <a:bodyPr/>
+                    <a:lstStyle/>
+                    <a:p>
+                      <a:pPr algn="ctr" fontAlgn="ctr"/>
+                      <a:r>
+                        <a:rPr lang="en-US" sz="2400" u="none" strike="noStrike" dirty="0" err="1"/>
+                        <a:t>Typ</a:t>
+                      </a:r>
+                      <a:r>
+                        <a:rPr lang="en-US" sz="2400" u="none" strike="noStrike" dirty="0"/>
+                        <a:t> </a:t>
+                      </a:r>
+                      <a:r>
+                        <a:rPr lang="en-US" sz="2400" u="none" strike="noStrike" dirty="0" err="1"/>
+                        <a:t>zabezpečenia</a:t>
+                      </a:r>
+                      <a:endParaRPr lang="en-US" sz="2400" b="0" i="0" u="none" strike="noStrike" dirty="0">
+                        <a:solidFill>
+                          <a:srgbClr val="000000"/>
+                        </a:solidFill>
+                        <a:latin typeface="Calibri"/>
+                      </a:endParaRPr>
+                    </a:p>
+                  </a:txBody>
+                  <a:tcPr marL="9525" marR="9525" marT="9525" marB="0" anchor="ctr"/>
+                </a:tc>
+                <a:tc>
+                  <a:txBody>
+                    <a:bodyPr/>
+                    <a:lstStyle/>
+                    <a:p>
+                      <a:pPr algn="ctr" fontAlgn="b"/>
+                      <a:r>
+                        <a:rPr lang="en-US" sz="2400" u="none" strike="noStrike"/>
+                        <a:t>Metriky</a:t>
+                      </a:r>
+                      <a:endParaRPr lang="en-US" sz="2400" b="0" i="0" u="none" strike="noStrike">
+                        <a:solidFill>
+                          <a:srgbClr val="000000"/>
+                        </a:solidFill>
+                        <a:latin typeface="Calibri"/>
+                      </a:endParaRPr>
+                    </a:p>
+                  </a:txBody>
+                  <a:tcPr marL="9525" marR="9525" marT="9525" marB="0" anchor="b"/>
+                </a:tc>
+              </a:tr>
+              <a:tr h="370840">
+                <a:tc vMerge="1">
+                  <a:txBody>
+                    <a:bodyPr/>
+                    <a:lstStyle/>
+                    <a:p>
+                      <a:endParaRPr lang="en-US"/>
+                    </a:p>
+                  </a:txBody>
+                  <a:tcPr/>
+                </a:tc>
+                <a:tc>
+                  <a:txBody>
+                    <a:bodyPr/>
+                    <a:lstStyle/>
+                    <a:p>
+                      <a:pPr algn="ctr" fontAlgn="b"/>
+                      <a:r>
+                        <a:rPr lang="en-US" sz="2400" u="none" strike="noStrike"/>
+                        <a:t>Network overhead [B]</a:t>
+                      </a:r>
+                      <a:endParaRPr lang="en-US" sz="2400" b="0" i="0" u="none" strike="noStrike">
+                        <a:solidFill>
+                          <a:srgbClr val="000000"/>
+                        </a:solidFill>
+                        <a:latin typeface="Calibri"/>
+                      </a:endParaRPr>
+                    </a:p>
+                  </a:txBody>
+                  <a:tcPr marL="9525" marR="9525" marT="9525" marB="0" anchor="b"/>
+                </a:tc>
+              </a:tr>
+              <a:tr h="370840">
+                <a:tc>
+                  <a:txBody>
+                    <a:bodyPr/>
+                    <a:lstStyle/>
+                    <a:p>
+                      <a:pPr algn="ctr" fontAlgn="b"/>
+                      <a:r>
+                        <a:rPr lang="en-US" sz="2400" u="none" strike="noStrike"/>
+                        <a:t>Žiadne zabezpečenie</a:t>
+                      </a:r>
+                      <a:endParaRPr lang="en-US" sz="2400" b="0" i="0" u="none" strike="noStrike">
+                        <a:solidFill>
+                          <a:srgbClr val="000000"/>
+                        </a:solidFill>
+                        <a:latin typeface="Calibri"/>
+                      </a:endParaRPr>
+                    </a:p>
+                  </a:txBody>
+                  <a:tcPr marL="9525" marR="9525" marT="9525" marB="0" anchor="b"/>
+                </a:tc>
+                <a:tc>
+                  <a:txBody>
+                    <a:bodyPr/>
+                    <a:lstStyle/>
+                    <a:p>
+                      <a:pPr algn="ctr" fontAlgn="b"/>
+                      <a:r>
+                        <a:rPr lang="en-US" sz="2400" u="none" strike="noStrike"/>
+                        <a:t>1x12</a:t>
+                      </a:r>
+                      <a:endParaRPr lang="en-US" sz="2400" b="0" i="0" u="none" strike="noStrike">
+                        <a:solidFill>
+                          <a:srgbClr val="000000"/>
+                        </a:solidFill>
+                        <a:latin typeface="Calibri"/>
+                      </a:endParaRPr>
+                    </a:p>
+                  </a:txBody>
+                  <a:tcPr marL="9525" marR="9525" marT="9525" marB="0" anchor="b"/>
+                </a:tc>
+              </a:tr>
+              <a:tr h="370840">
+                <a:tc>
+                  <a:txBody>
+                    <a:bodyPr/>
+                    <a:lstStyle/>
+                    <a:p>
+                      <a:pPr algn="ctr" fontAlgn="b"/>
+                      <a:r>
+                        <a:rPr lang="en-US" sz="2400" u="none" strike="noStrike"/>
+                        <a:t>SW AES 128 CBC</a:t>
+                      </a:r>
+                      <a:endParaRPr lang="en-US" sz="2400" b="0" i="0" u="none" strike="noStrike">
+                        <a:solidFill>
+                          <a:srgbClr val="000000"/>
+                        </a:solidFill>
+                        <a:latin typeface="Calibri"/>
+                      </a:endParaRPr>
+                    </a:p>
+                  </a:txBody>
+                  <a:tcPr marL="9525" marR="9525" marT="9525" marB="0" anchor="b"/>
+                </a:tc>
+                <a:tc>
+                  <a:txBody>
+                    <a:bodyPr/>
+                    <a:lstStyle/>
+                    <a:p>
+                      <a:pPr algn="ctr" fontAlgn="b"/>
+                      <a:r>
+                        <a:rPr lang="en-US" sz="2400" u="none" strike="noStrike"/>
+                        <a:t>3x12</a:t>
+                      </a:r>
+                      <a:endParaRPr lang="en-US" sz="2400" b="0" i="0" u="none" strike="noStrike">
+                        <a:solidFill>
+                          <a:srgbClr val="000000"/>
+                        </a:solidFill>
+                        <a:latin typeface="Calibri"/>
+                      </a:endParaRPr>
+                    </a:p>
+                  </a:txBody>
+                  <a:tcPr marL="9525" marR="9525" marT="9525" marB="0" anchor="b"/>
+                </a:tc>
+              </a:tr>
+              <a:tr h="370840">
+                <a:tc>
+                  <a:txBody>
+                    <a:bodyPr/>
+                    <a:lstStyle/>
+                    <a:p>
+                      <a:pPr algn="ctr" fontAlgn="b"/>
+                      <a:r>
+                        <a:rPr lang="en-US" sz="2400" u="none" strike="noStrike"/>
+                        <a:t>HW AES 128 CBC</a:t>
+                      </a:r>
+                      <a:endParaRPr lang="en-US" sz="2400" b="0" i="0" u="none" strike="noStrike">
+                        <a:solidFill>
+                          <a:srgbClr val="000000"/>
+                        </a:solidFill>
+                        <a:latin typeface="Calibri"/>
+                      </a:endParaRPr>
+                    </a:p>
+                  </a:txBody>
+                  <a:tcPr marL="9525" marR="9525" marT="9525" marB="0" anchor="b"/>
+                </a:tc>
+                <a:tc>
+                  <a:txBody>
+                    <a:bodyPr/>
+                    <a:lstStyle/>
+                    <a:p>
+                      <a:pPr algn="ctr" fontAlgn="b"/>
+                      <a:r>
+                        <a:rPr lang="en-US" sz="2400" u="none" strike="noStrike" dirty="0"/>
+                        <a:t>3x12</a:t>
+                      </a:r>
+                      <a:endParaRPr lang="en-US" sz="2400" b="0" i="0" u="none" strike="noStrike" dirty="0">
+                        <a:solidFill>
+                          <a:srgbClr val="000000"/>
+                        </a:solidFill>
+                        <a:latin typeface="Calibri"/>
+                      </a:endParaRPr>
+                    </a:p>
+                  </a:txBody>
+                  <a:tcPr marL="9525" marR="9525" marT="9525" marB="0" anchor="b"/>
+                </a:tc>
+              </a:tr>
+            </a:tbl>
+          </a:graphicData>
+        </a:graphic>
+      </p:graphicFrame>
     </p:spTree>
   </p:cSld>
   <p:clrMapOvr>
@@ -7664,14 +8585,20 @@
         </p:nvSpPr>
         <p:spPr/>
         <p:txBody>
-          <a:bodyPr>
-            <a:normAutofit/>
-          </a:bodyPr>
-          <a:lstStyle/>
-          <a:p>
-            <a:r>
-              <a:rPr lang="sk-SK" dirty="0" smtClean="0"/>
-              <a:t>Plány do budúcna</a:t>
+          <a:bodyPr/>
+          <a:lstStyle/>
+          <a:p>
+            <a:r>
+              <a:rPr lang="sk-SK" dirty="0" smtClean="0"/>
+              <a:t>Sebakritika</a:t>
+            </a:r>
+            <a:r>
+              <a:rPr lang="en-US" dirty="0" smtClean="0"/>
+              <a:t>: </a:t>
+            </a:r>
+            <a:r>
+              <a:rPr lang="sk-SK" dirty="0" smtClean="0"/>
+              <a:t>čo sa nepodarilo</a:t>
             </a:r>
             <a:endParaRPr lang="en-US" dirty="0"/>
           </a:p>
@@ -7687,252 +8614,29 @@
             <p:ph idx="1"/>
           </p:nvPr>
         </p:nvSpPr>
-        <p:spPr>
-          <a:xfrm>
-            <a:off x="457200" y="1600200"/>
-            <a:ext cx="8229600" cy="4953000"/>
-          </a:xfrm>
-        </p:spPr>
-        <p:txBody>
-          <a:bodyPr>
-            <a:normAutofit fontScale="85000" lnSpcReduction="10000"/>
-          </a:bodyPr>
-          <a:lstStyle/>
-          <a:p>
-            <a:r>
-              <a:rPr lang="sk-SK" dirty="0" smtClean="0"/>
-              <a:t>Spracovanie RF komunikácie </a:t>
-            </a:r>
-            <a:r>
-              <a:rPr lang="sk-SK" dirty="0" smtClean="0"/>
-              <a:t>pomocou </a:t>
-            </a:r>
-            <a:r>
-              <a:rPr lang="sk-SK" dirty="0" smtClean="0"/>
-              <a:t>udalostí</a:t>
-            </a:r>
-            <a:r>
-              <a:rPr lang="en-US" dirty="0" smtClean="0"/>
-              <a:t>:</a:t>
-            </a:r>
-            <a:endParaRPr lang="sk-SK" dirty="0" smtClean="0"/>
-          </a:p>
-          <a:p>
-            <a:pPr lvl="1"/>
-            <a:r>
-              <a:rPr lang="sk-SK" dirty="0" smtClean="0"/>
-              <a:t>Programová </a:t>
-            </a:r>
-            <a:r>
-              <a:rPr lang="sk-SK" dirty="0" smtClean="0"/>
-              <a:t>synchr</a:t>
-            </a:r>
-            <a:r>
-              <a:rPr lang="en-US" dirty="0" smtClean="0"/>
-              <a:t>o</a:t>
-            </a:r>
-            <a:r>
-              <a:rPr lang="sk-SK" dirty="0" smtClean="0"/>
-              <a:t>nizácia (</a:t>
-            </a:r>
-            <a:r>
-              <a:rPr lang="sk-SK" i="1" dirty="0" smtClean="0"/>
-              <a:t>program, chyby</a:t>
-            </a:r>
-            <a:r>
-              <a:rPr lang="sk-SK" dirty="0" smtClean="0"/>
-              <a:t>)</a:t>
-            </a:r>
-            <a:endParaRPr lang="en-US" dirty="0" smtClean="0"/>
-          </a:p>
-          <a:p>
-            <a:pPr lvl="1"/>
-            <a:endParaRPr lang="sk-SK" dirty="0" smtClean="0"/>
-          </a:p>
-          <a:p>
-            <a:r>
-              <a:rPr lang="sk-SK" dirty="0" smtClean="0"/>
-              <a:t>overenia na iných komunikačných protokoloch</a:t>
-            </a:r>
-            <a:r>
-              <a:rPr lang="en-US" dirty="0" smtClean="0"/>
-              <a:t>,</a:t>
-            </a:r>
-          </a:p>
-          <a:p>
-            <a:r>
-              <a:rPr lang="sk-SK" dirty="0" smtClean="0"/>
-              <a:t>väčšiu sieť</a:t>
-            </a:r>
-            <a:r>
-              <a:rPr lang="en-US" dirty="0" smtClean="0"/>
-              <a:t>,</a:t>
-            </a:r>
-          </a:p>
-          <a:p>
-            <a:r>
-              <a:rPr lang="sk-SK" dirty="0" smtClean="0"/>
-              <a:t>testovanie zásobníka</a:t>
-            </a:r>
-            <a:r>
-              <a:rPr lang="en-US" dirty="0" smtClean="0"/>
-              <a:t> v ne</a:t>
-            </a:r>
-            <a:r>
-              <a:rPr lang="sk-SK" dirty="0" smtClean="0"/>
-              <a:t>štandardných situáciach</a:t>
-            </a:r>
-            <a:r>
-              <a:rPr lang="en-US" dirty="0" smtClean="0"/>
-              <a:t>,</a:t>
-            </a:r>
-            <a:endParaRPr lang="sk-SK" dirty="0" smtClean="0"/>
-          </a:p>
-          <a:p>
-            <a:r>
-              <a:rPr lang="sk-SK" dirty="0" smtClean="0"/>
-              <a:t>t</a:t>
-            </a:r>
-            <a:r>
-              <a:rPr lang="en-US" dirty="0" err="1" smtClean="0"/>
-              <a:t>estovanie</a:t>
-            </a:r>
-            <a:r>
-              <a:rPr lang="en-US" dirty="0" smtClean="0"/>
-              <a:t>, </a:t>
-            </a:r>
-            <a:r>
-              <a:rPr lang="sk-SK" dirty="0" smtClean="0"/>
-              <a:t>s</a:t>
-            </a:r>
-            <a:r>
-              <a:rPr lang="en-US" dirty="0" err="1" smtClean="0"/>
-              <a:t>niffer</a:t>
-            </a:r>
-            <a:r>
-              <a:rPr lang="en-US" dirty="0" smtClean="0"/>
-              <a:t>, </a:t>
-            </a:r>
-            <a:r>
-              <a:rPr lang="sk-SK" dirty="0" smtClean="0"/>
-              <a:t>Unit testy</a:t>
-            </a:r>
-            <a:r>
-              <a:rPr lang="en-US" dirty="0" smtClean="0"/>
-              <a:t>,</a:t>
-            </a:r>
-            <a:endParaRPr lang="sk-SK" dirty="0" smtClean="0"/>
-          </a:p>
-          <a:p>
-            <a:r>
-              <a:rPr lang="sk-SK" dirty="0" smtClean="0"/>
-              <a:t>Urýchlenie výpočtov</a:t>
-            </a:r>
-            <a:r>
-              <a:rPr lang="en-US" dirty="0" smtClean="0"/>
-              <a:t>/</a:t>
-            </a:r>
-            <a:r>
-              <a:rPr lang="en-US" dirty="0" err="1" smtClean="0"/>
-              <a:t>komuni</a:t>
-            </a:r>
-            <a:r>
-              <a:rPr lang="sk-SK" dirty="0" smtClean="0"/>
-              <a:t>kácie s </a:t>
-            </a:r>
-            <a:r>
-              <a:rPr lang="sk-SK" dirty="0" smtClean="0"/>
-              <a:t>ISO7816</a:t>
-            </a:r>
-            <a:r>
-              <a:rPr lang="en-US" dirty="0" smtClean="0"/>
-              <a:t>:</a:t>
-            </a:r>
-            <a:endParaRPr lang="sk-SK" dirty="0" smtClean="0"/>
-          </a:p>
-          <a:p>
-            <a:pPr lvl="1"/>
-            <a:r>
-              <a:rPr lang="en-US" dirty="0" smtClean="0"/>
-              <a:t>v</a:t>
-            </a:r>
-            <a:r>
-              <a:rPr lang="sk-SK" dirty="0" smtClean="0"/>
-              <a:t>yššia </a:t>
-            </a:r>
-            <a:r>
-              <a:rPr lang="sk-SK" dirty="0" smtClean="0"/>
-              <a:t>rýchlosť CLK </a:t>
-            </a:r>
-            <a:r>
-              <a:rPr lang="sk-SK" dirty="0" smtClean="0"/>
-              <a:t>(</a:t>
-            </a:r>
-            <a:r>
-              <a:rPr lang="sk-SK" i="1" dirty="0" smtClean="0"/>
-              <a:t>nábežné časy, šum</a:t>
-            </a:r>
-            <a:r>
-              <a:rPr lang="sk-SK" dirty="0" smtClean="0"/>
-              <a:t>)</a:t>
-            </a:r>
-            <a:r>
-              <a:rPr lang="en-US" dirty="0" smtClean="0"/>
-              <a:t>,</a:t>
-            </a:r>
-            <a:endParaRPr lang="sk-SK" dirty="0" smtClean="0"/>
-          </a:p>
-          <a:p>
-            <a:pPr lvl="1"/>
-            <a:r>
-              <a:rPr lang="sk-SK" dirty="0" smtClean="0"/>
-              <a:t>Secure messaging</a:t>
-            </a:r>
-            <a:r>
-              <a:rPr lang="en-US" dirty="0" smtClean="0"/>
-              <a:t>,</a:t>
-            </a:r>
-            <a:endParaRPr lang="sk-SK" dirty="0" smtClean="0"/>
-          </a:p>
-          <a:p>
-            <a:pPr lvl="1"/>
-            <a:r>
-              <a:rPr lang="en-US" dirty="0" err="1" smtClean="0"/>
-              <a:t>manu</a:t>
-            </a:r>
-            <a:r>
-              <a:rPr lang="sk-SK" dirty="0" smtClean="0"/>
-              <a:t>álny</a:t>
-            </a:r>
-            <a:r>
-              <a:rPr lang="en-US" dirty="0" smtClean="0"/>
-              <a:t>:</a:t>
-            </a:r>
-            <a:r>
-              <a:rPr lang="sk-SK" dirty="0" smtClean="0"/>
-              <a:t> s</a:t>
-            </a:r>
-            <a:r>
-              <a:rPr lang="sk-SK" dirty="0" smtClean="0"/>
-              <a:t>elect, upload, install (</a:t>
-            </a:r>
-            <a:r>
-              <a:rPr lang="sk-SK" i="1" dirty="0" smtClean="0"/>
-              <a:t>reprogramovanie</a:t>
-            </a:r>
-            <a:r>
-              <a:rPr lang="sk-SK" dirty="0" smtClean="0"/>
-              <a:t>)</a:t>
-            </a:r>
-            <a:r>
-              <a:rPr lang="en-US" dirty="0" smtClean="0"/>
-              <a:t>.</a:t>
-            </a:r>
-            <a:endParaRPr lang="sk-SK" dirty="0" smtClean="0"/>
-          </a:p>
-          <a:p>
-            <a:pPr lvl="1"/>
-            <a:endParaRPr lang="en-US" dirty="0"/>
+        <p:spPr/>
+        <p:txBody>
+          <a:bodyPr/>
+          <a:lstStyle/>
+          <a:p>
+            <a:r>
+              <a:rPr lang="sk-SK" dirty="0" smtClean="0"/>
+              <a:t>RSA</a:t>
+            </a:r>
+            <a:r>
+              <a:rPr lang="en-US" dirty="0" smtClean="0"/>
+              <a:t> </a:t>
+            </a:r>
+            <a:r>
+              <a:rPr lang="sk-SK" dirty="0" smtClean="0"/>
+              <a:t>SW knižnice</a:t>
+            </a:r>
+          </a:p>
+          <a:p>
+            <a:r>
+              <a:rPr lang="sk-SK" dirty="0" smtClean="0"/>
+              <a:t>RSA HW (odhad)</a:t>
+            </a:r>
           </a:p>
         </p:txBody>
       </p:sp>
@@ -7998,17 +8702,21 @@
         <p:spPr/>
         <p:txBody>
           <a:bodyPr>
-            <a:normAutofit/>
+            <a:normAutofit fontScale="90000"/>
           </a:bodyPr>
           <a:lstStyle/>
           <a:p>
             <a:r>
-              <a:rPr lang="en-US" dirty="0" err="1" smtClean="0"/>
-              <a:t>Ot</a:t>
-            </a:r>
-            <a:r>
-              <a:rPr lang="sk-SK" dirty="0" smtClean="0"/>
-              <a:t>ázky</a:t>
+              <a:rPr lang="sk-SK" dirty="0" smtClean="0"/>
+              <a:t>Sebakritika</a:t>
+            </a:r>
+            <a:r>
+              <a:rPr lang="en-US" dirty="0" smtClean="0"/>
+              <a:t>: </a:t>
+            </a:r>
+            <a:r>
+              <a:rPr lang="sk-SK" dirty="0" smtClean="0"/>
+              <a:t>čo sa nefungovalo podľa predstáv</a:t>
             </a:r>
             <a:endParaRPr lang="en-US" dirty="0"/>
           </a:p>
@@ -8030,8 +8738,48 @@
           <a:lstStyle/>
           <a:p>
             <a:r>
-              <a:rPr lang="sk-SK" dirty="0" smtClean="0"/>
-              <a:t>obsah</a:t>
+              <a:rPr lang="en-US" dirty="0" smtClean="0"/>
+              <a:t>V</a:t>
+            </a:r>
+            <a:r>
+              <a:rPr lang="sk-SK" dirty="0" smtClean="0"/>
+              <a:t>ýsledky opačné, ako sa predpokladalo</a:t>
+            </a:r>
+          </a:p>
+          <a:p>
+            <a:pPr lvl="1"/>
+            <a:r>
+              <a:rPr lang="sk-SK" dirty="0" smtClean="0"/>
+              <a:t>v porovnaní s FPGA</a:t>
+            </a:r>
+          </a:p>
+          <a:p>
+            <a:pPr lvl="1"/>
+            <a:endParaRPr lang="sk-SK" dirty="0" smtClean="0"/>
+          </a:p>
+          <a:p>
+            <a:pPr lvl="1"/>
+            <a:r>
+              <a:rPr lang="sk-SK" dirty="0" smtClean="0"/>
+              <a:t>GPIO, periférie, komunikácia, program, RAM</a:t>
+            </a:r>
+          </a:p>
+          <a:p>
+            <a:pPr lvl="1"/>
+            <a:endParaRPr lang="sk-SK" dirty="0" smtClean="0"/>
+          </a:p>
+          <a:p>
+            <a:r>
+              <a:rPr lang="sk-SK" dirty="0" smtClean="0"/>
+              <a:t>postrácanie ANT paketov</a:t>
+            </a:r>
+            <a:r>
+              <a:rPr lang="en-US" dirty="0" smtClean="0"/>
+              <a:t>:</a:t>
+            </a:r>
+            <a:r>
+              <a:rPr lang="sk-SK" dirty="0" smtClean="0"/>
+              <a:t> po komunikácií s krypto-elementom</a:t>
             </a:r>
             <a:endParaRPr lang="en-US" dirty="0"/>
           </a:p>
@@ -8104,8 +8852,12 @@
           <a:lstStyle/>
           <a:p>
             <a:r>
-              <a:rPr lang="sk-SK" dirty="0" smtClean="0"/>
-              <a:t>Používané technológie</a:t>
+              <a:rPr lang="en-US" dirty="0" smtClean="0"/>
+              <a:t>Z</a:t>
+            </a:r>
+            <a:r>
+              <a:rPr lang="sk-SK" dirty="0" smtClean="0"/>
+              <a:t>áver</a:t>
             </a:r>
             <a:endParaRPr lang="en-US" dirty="0"/>
           </a:p>
@@ -8123,91 +8875,54 @@
         </p:nvSpPr>
         <p:spPr/>
         <p:txBody>
-          <a:bodyPr/>
-          <a:lstStyle/>
-          <a:p>
-            <a:r>
-              <a:rPr lang="sk-SK" dirty="0" smtClean="0"/>
-              <a:t>Viac m</a:t>
-            </a:r>
-            <a:r>
-              <a:rPr lang="en-US" dirty="0" err="1" smtClean="0"/>
-              <a:t>arketing</a:t>
-            </a:r>
-            <a:r>
-              <a:rPr lang="en-US" dirty="0" smtClean="0"/>
-              <a:t> </a:t>
-            </a:r>
-            <a:r>
-              <a:rPr lang="en-US" dirty="0" smtClean="0"/>
-              <a:t>ako </a:t>
-            </a:r>
-            <a:r>
-              <a:rPr lang="en-US" dirty="0" err="1" smtClean="0"/>
-              <a:t>technol</a:t>
-            </a:r>
-            <a:r>
-              <a:rPr lang="sk-SK" dirty="0" smtClean="0"/>
-              <a:t>ógie</a:t>
-            </a:r>
-            <a:endParaRPr lang="en-US" dirty="0" smtClean="0"/>
+          <a:bodyPr>
+            <a:normAutofit lnSpcReduction="10000"/>
+          </a:bodyPr>
+          <a:lstStyle/>
+          <a:p>
+            <a:r>
+              <a:rPr lang="sk-SK" dirty="0" smtClean="0"/>
+              <a:t>Identifikované slabiny daných technológií so Smart kartami</a:t>
+            </a:r>
+          </a:p>
+          <a:p>
+            <a:r>
+              <a:rPr lang="sk-SK" dirty="0" smtClean="0"/>
+              <a:t>Na základe výsledkov sa dá spraviť odhad riešenia pomocou PKI</a:t>
+            </a:r>
+          </a:p>
+          <a:p>
+            <a:endParaRPr lang="sk-SK" dirty="0" smtClean="0"/>
+          </a:p>
+          <a:p>
+            <a:r>
+              <a:rPr lang="sk-SK" dirty="0" smtClean="0"/>
+              <a:t>Riešenie je vhodné</a:t>
+            </a:r>
+            <a:r>
+              <a:rPr lang="en-US" dirty="0" smtClean="0"/>
+              <a:t>:</a:t>
+            </a:r>
           </a:p>
           <a:p>
             <a:pPr lvl="1"/>
             <a:r>
               <a:rPr lang="sk-SK" dirty="0" smtClean="0"/>
-              <a:t>iControl Networks</a:t>
-            </a:r>
-            <a:r>
-              <a:rPr lang="en-US" dirty="0" smtClean="0"/>
-              <a:t>:</a:t>
-            </a:r>
-            <a:r>
-              <a:rPr lang="sk-SK" dirty="0" smtClean="0"/>
-              <a:t> </a:t>
-            </a:r>
-            <a:r>
-              <a:rPr lang="en-US" dirty="0" err="1" smtClean="0"/>
-              <a:t>ZigBee</a:t>
-            </a:r>
-            <a:r>
-              <a:rPr lang="en-US" dirty="0" smtClean="0"/>
-              <a:t>, Z-Wave</a:t>
+              <a:t>reálnych aplikáciách (štandardizované, bezp.),</a:t>
             </a:r>
           </a:p>
           <a:p>
             <a:pPr lvl="1"/>
             <a:r>
-              <a:rPr lang="en-US" dirty="0" err="1" smtClean="0"/>
-              <a:t>BeeWi</a:t>
-            </a:r>
-            <a:r>
-              <a:rPr lang="en-US" dirty="0" smtClean="0"/>
-              <a:t>: Bluetooth</a:t>
-            </a:r>
-            <a:endParaRPr lang="sk-SK" dirty="0" smtClean="0"/>
+              <a:rPr lang="sk-SK" dirty="0" smtClean="0"/>
+              <a:t>na rýchlejšie siete,</a:t>
+            </a:r>
           </a:p>
           <a:p>
             <a:pPr lvl="1"/>
             <a:r>
               <a:rPr lang="sk-SK" dirty="0" smtClean="0"/>
-              <a:t>Samsung SmartThings hub</a:t>
-            </a:r>
-            <a:r>
-              <a:rPr lang="en-US" dirty="0" smtClean="0"/>
-              <a:t>: </a:t>
-            </a:r>
-            <a:r>
-              <a:rPr lang="en-US" dirty="0" err="1" smtClean="0"/>
-              <a:t>WiFi</a:t>
-            </a:r>
-            <a:r>
-              <a:rPr lang="en-US" dirty="0" smtClean="0"/>
-              <a:t>, Z-Wave, LAN, </a:t>
-            </a:r>
-            <a:r>
-              <a:rPr lang="en-US" dirty="0" err="1" smtClean="0"/>
-              <a:t>ZigBee</a:t>
+              <a:t>malé množstvo dát.</a:t>
             </a:r>
             <a:endParaRPr lang="en-US" dirty="0"/>
           </a:p>
@@ -8396,6 +9111,799 @@
           <a:lstStyle/>
           <a:p>
             <a:r>
+              <a:rPr lang="sk-SK" dirty="0" smtClean="0"/>
+              <a:t>Plány do budúcna</a:t>
+            </a:r>
+            <a:endParaRPr lang="en-US" dirty="0"/>
+          </a:p>
+        </p:txBody>
+      </p:sp>
+      <p:sp>
+        <p:nvSpPr>
+          <p:cNvPr id="3" name="Content Placeholder 2"/>
+          <p:cNvSpPr>
+            <a:spLocks noGrp="1"/>
+          </p:cNvSpPr>
+          <p:nvPr>
+            <p:ph idx="1"/>
+          </p:nvPr>
+        </p:nvSpPr>
+        <p:spPr>
+          <a:xfrm>
+            <a:off x="457200" y="1600200"/>
+            <a:ext cx="8229600" cy="4953000"/>
+          </a:xfrm>
+        </p:spPr>
+        <p:txBody>
+          <a:bodyPr>
+            <a:normAutofit fontScale="85000" lnSpcReduction="10000"/>
+          </a:bodyPr>
+          <a:lstStyle/>
+          <a:p>
+            <a:r>
+              <a:rPr lang="sk-SK" dirty="0" smtClean="0"/>
+              <a:t>Spracovanie RF komunikácie pomocou udalostí</a:t>
+            </a:r>
+            <a:r>
+              <a:rPr lang="en-US" dirty="0" smtClean="0"/>
+              <a:t>:</a:t>
+            </a:r>
+            <a:endParaRPr lang="sk-SK" dirty="0" smtClean="0"/>
+          </a:p>
+          <a:p>
+            <a:pPr lvl="1"/>
+            <a:r>
+              <a:rPr lang="sk-SK" dirty="0" smtClean="0"/>
+              <a:t>Programová synchr</a:t>
+            </a:r>
+            <a:r>
+              <a:rPr lang="en-US" dirty="0" smtClean="0"/>
+              <a:t>o</a:t>
+            </a:r>
+            <a:r>
+              <a:rPr lang="sk-SK" dirty="0" smtClean="0"/>
+              <a:t>nizácia (</a:t>
+            </a:r>
+            <a:r>
+              <a:rPr lang="sk-SK" i="1" dirty="0" smtClean="0"/>
+              <a:t>program, chyby</a:t>
+            </a:r>
+            <a:r>
+              <a:rPr lang="sk-SK" dirty="0" smtClean="0"/>
+              <a:t>)</a:t>
+            </a:r>
+            <a:endParaRPr lang="en-US" dirty="0" smtClean="0"/>
+          </a:p>
+          <a:p>
+            <a:pPr lvl="1"/>
+            <a:endParaRPr lang="sk-SK" dirty="0" smtClean="0"/>
+          </a:p>
+          <a:p>
+            <a:r>
+              <a:rPr lang="sk-SK" dirty="0" smtClean="0"/>
+              <a:t>overenia na iných komunikačných protokoloch</a:t>
+            </a:r>
+            <a:r>
+              <a:rPr lang="en-US" dirty="0" smtClean="0"/>
+              <a:t>,</a:t>
+            </a:r>
+          </a:p>
+          <a:p>
+            <a:r>
+              <a:rPr lang="sk-SK" dirty="0" smtClean="0"/>
+              <a:t>väčšiu sieť</a:t>
+            </a:r>
+            <a:r>
+              <a:rPr lang="en-US" dirty="0" smtClean="0"/>
+              <a:t>,</a:t>
+            </a:r>
+          </a:p>
+          <a:p>
+            <a:r>
+              <a:rPr lang="sk-SK" dirty="0" smtClean="0"/>
+              <a:t>testovanie zásobníka</a:t>
+            </a:r>
+            <a:r>
+              <a:rPr lang="en-US" dirty="0" smtClean="0"/>
+              <a:t> v ne</a:t>
+            </a:r>
+            <a:r>
+              <a:rPr lang="sk-SK" dirty="0" smtClean="0"/>
+              <a:t>štandardných situáciach</a:t>
+            </a:r>
+            <a:r>
+              <a:rPr lang="en-US" dirty="0" smtClean="0"/>
+              <a:t>,</a:t>
+            </a:r>
+            <a:endParaRPr lang="sk-SK" dirty="0" smtClean="0"/>
+          </a:p>
+          <a:p>
+            <a:r>
+              <a:rPr lang="sk-SK" dirty="0" smtClean="0"/>
+              <a:t>t</a:t>
+            </a:r>
+            <a:r>
+              <a:rPr lang="en-US" dirty="0" err="1" smtClean="0"/>
+              <a:t>estovanie</a:t>
+            </a:r>
+            <a:r>
+              <a:rPr lang="en-US" dirty="0" smtClean="0"/>
+              <a:t>, </a:t>
+            </a:r>
+            <a:r>
+              <a:rPr lang="sk-SK" dirty="0" smtClean="0"/>
+              <a:t>s</a:t>
+            </a:r>
+            <a:r>
+              <a:rPr lang="en-US" dirty="0" err="1" smtClean="0"/>
+              <a:t>niffer</a:t>
+            </a:r>
+            <a:r>
+              <a:rPr lang="en-US" dirty="0" smtClean="0"/>
+              <a:t>, </a:t>
+            </a:r>
+            <a:r>
+              <a:rPr lang="sk-SK" dirty="0" smtClean="0"/>
+              <a:t>Unit testy</a:t>
+            </a:r>
+            <a:r>
+              <a:rPr lang="en-US" dirty="0" smtClean="0"/>
+              <a:t>,</a:t>
+            </a:r>
+            <a:endParaRPr lang="sk-SK" dirty="0" smtClean="0"/>
+          </a:p>
+          <a:p>
+            <a:r>
+              <a:rPr lang="sk-SK" dirty="0" smtClean="0"/>
+              <a:t>Urýchlenie výpočtov</a:t>
+            </a:r>
+            <a:r>
+              <a:rPr lang="en-US" dirty="0" smtClean="0"/>
+              <a:t>/</a:t>
+            </a:r>
+            <a:r>
+              <a:rPr lang="en-US" dirty="0" err="1" smtClean="0"/>
+              <a:t>komuni</a:t>
+            </a:r>
+            <a:r>
+              <a:rPr lang="sk-SK" dirty="0" smtClean="0"/>
+              <a:t>kácie s ISO7816</a:t>
+            </a:r>
+            <a:r>
+              <a:rPr lang="en-US" dirty="0" smtClean="0"/>
+              <a:t>:</a:t>
+            </a:r>
+            <a:endParaRPr lang="sk-SK" dirty="0" smtClean="0"/>
+          </a:p>
+          <a:p>
+            <a:pPr lvl="1"/>
+            <a:r>
+              <a:rPr lang="en-US" dirty="0" smtClean="0"/>
+              <a:t>v</a:t>
+            </a:r>
+            <a:r>
+              <a:rPr lang="sk-SK" dirty="0" smtClean="0"/>
+              <a:t>yššia rýchlosť CLK (</a:t>
+            </a:r>
+            <a:r>
+              <a:rPr lang="sk-SK" i="1" dirty="0" smtClean="0"/>
+              <a:t>nábežné časy, šum</a:t>
+            </a:r>
+            <a:r>
+              <a:rPr lang="sk-SK" dirty="0" smtClean="0"/>
+              <a:t>)</a:t>
+            </a:r>
+            <a:r>
+              <a:rPr lang="en-US" dirty="0" smtClean="0"/>
+              <a:t>,</a:t>
+            </a:r>
+            <a:endParaRPr lang="sk-SK" dirty="0" smtClean="0"/>
+          </a:p>
+          <a:p>
+            <a:pPr lvl="1"/>
+            <a:r>
+              <a:rPr lang="sk-SK" dirty="0" smtClean="0"/>
+              <a:t>Secure messaging</a:t>
+            </a:r>
+            <a:r>
+              <a:rPr lang="en-US" dirty="0" smtClean="0"/>
+              <a:t>,</a:t>
+            </a:r>
+            <a:endParaRPr lang="sk-SK" dirty="0" smtClean="0"/>
+          </a:p>
+          <a:p>
+            <a:pPr lvl="1"/>
+            <a:r>
+              <a:rPr lang="en-US" dirty="0" err="1" smtClean="0"/>
+              <a:t>manu</a:t>
+            </a:r>
+            <a:r>
+              <a:rPr lang="sk-SK" dirty="0" smtClean="0"/>
+              <a:t>álny</a:t>
+            </a:r>
+            <a:r>
+              <a:rPr lang="en-US" dirty="0" smtClean="0"/>
+              <a:t>:</a:t>
+            </a:r>
+            <a:r>
+              <a:rPr lang="sk-SK" dirty="0" smtClean="0"/>
+              <a:t> select, upload, install (</a:t>
+            </a:r>
+            <a:r>
+              <a:rPr lang="sk-SK" i="1" dirty="0" smtClean="0"/>
+              <a:t>reprogramovanie</a:t>
+            </a:r>
+            <a:r>
+              <a:rPr lang="sk-SK" dirty="0" smtClean="0"/>
+              <a:t>)</a:t>
+            </a:r>
+            <a:r>
+              <a:rPr lang="en-US" dirty="0" smtClean="0"/>
+              <a:t>.</a:t>
+            </a:r>
+            <a:endParaRPr lang="sk-SK" dirty="0" smtClean="0"/>
+          </a:p>
+          <a:p>
+            <a:pPr lvl="1"/>
+            <a:endParaRPr lang="en-US" dirty="0"/>
+          </a:p>
+        </p:txBody>
+      </p:sp>
+      <p:sp>
+        <p:nvSpPr>
+          <p:cNvPr id="4" name="Slide Number Placeholder 3"/>
+          <p:cNvSpPr>
+            <a:spLocks noGrp="1"/>
+          </p:cNvSpPr>
+          <p:nvPr>
+            <p:ph type="sldNum" sz="quarter" idx="12"/>
+          </p:nvPr>
+        </p:nvSpPr>
+        <p:spPr/>
+        <p:txBody>
+          <a:bodyPr/>
+          <a:lstStyle/>
+          <a:p>
+            <a:fld id="{8C584B50-B360-452D-AFC7-DEF83B5F5806}" type="slidenum">
+              <a:rPr lang="en-US" smtClean="0"/>
+              <a:pPr/>
+              <a:t>30</a:t>
+            </a:fld>
+            <a:endParaRPr lang="en-US"/>
+          </a:p>
+        </p:txBody>
+      </p:sp>
+    </p:spTree>
+  </p:cSld>
+  <p:clrMapOvr>
+    <a:masterClrMapping/>
+  </p:clrMapOvr>
+</p:sld>
+</file>
+
+<file path=ppt/slides/slide31.xml><?xml version="1.0" encoding="utf-8"?>
+<p:sld xmlns:a="http://schemas.openxmlformats.org/drawingml/2006/main" xmlns:r="http://schemas.openxmlformats.org/officeDocument/2006/relationships" xmlns:p="http://schemas.openxmlformats.org/presentationml/2006/main">
+  <p:cSld>
+    <p:spTree>
+      <p:nvGrpSpPr>
+        <p:cNvPr id="1" name=""/>
+        <p:cNvGrpSpPr/>
+        <p:nvPr/>
+      </p:nvGrpSpPr>
+      <p:grpSpPr>
+        <a:xfrm>
+          <a:off x="0" y="0"/>
+          <a:ext cx="0" cy="0"/>
+          <a:chOff x="0" y="0"/>
+          <a:chExt cx="0" cy="0"/>
+        </a:xfrm>
+      </p:grpSpPr>
+      <p:sp>
+        <p:nvSpPr>
+          <p:cNvPr id="2" name="Title 1"/>
+          <p:cNvSpPr>
+            <a:spLocks noGrp="1"/>
+          </p:cNvSpPr>
+          <p:nvPr>
+            <p:ph type="title"/>
+          </p:nvPr>
+        </p:nvSpPr>
+        <p:spPr/>
+        <p:txBody>
+          <a:bodyPr>
+            <a:normAutofit/>
+          </a:bodyPr>
+          <a:lstStyle/>
+          <a:p>
+            <a:r>
+              <a:rPr lang="en-US" dirty="0" err="1" smtClean="0"/>
+              <a:t>Ot</a:t>
+            </a:r>
+            <a:r>
+              <a:rPr lang="sk-SK" dirty="0" smtClean="0"/>
+              <a:t>ázky</a:t>
+            </a:r>
+            <a:endParaRPr lang="en-US" dirty="0"/>
+          </a:p>
+        </p:txBody>
+      </p:sp>
+      <p:sp>
+        <p:nvSpPr>
+          <p:cNvPr id="3" name="Content Placeholder 2"/>
+          <p:cNvSpPr>
+            <a:spLocks noGrp="1"/>
+          </p:cNvSpPr>
+          <p:nvPr>
+            <p:ph idx="1"/>
+          </p:nvPr>
+        </p:nvSpPr>
+        <p:spPr>
+          <a:xfrm>
+            <a:off x="457200" y="1143000"/>
+            <a:ext cx="8229600" cy="5562600"/>
+          </a:xfrm>
+        </p:spPr>
+        <p:txBody>
+          <a:bodyPr>
+            <a:noAutofit/>
+          </a:bodyPr>
+          <a:lstStyle/>
+          <a:p>
+            <a:r>
+              <a:rPr lang="sk-SK" sz="1600" dirty="0" smtClean="0"/>
+              <a:t>Motivácia</a:t>
+            </a:r>
+            <a:endParaRPr lang="en-US" sz="1600" dirty="0" smtClean="0"/>
+          </a:p>
+          <a:p>
+            <a:r>
+              <a:rPr lang="sk-SK" sz="1600" dirty="0" smtClean="0"/>
+              <a:t>Informačná bezpečnosť</a:t>
+            </a:r>
+          </a:p>
+          <a:p>
+            <a:r>
+              <a:rPr lang="sk-SK" sz="1600" dirty="0" smtClean="0"/>
+              <a:t>Typy útokov</a:t>
+            </a:r>
+            <a:endParaRPr lang="en-US" sz="1600" dirty="0" smtClean="0"/>
+          </a:p>
+          <a:p>
+            <a:r>
+              <a:rPr lang="en-US" sz="1600" dirty="0" err="1" smtClean="0"/>
+              <a:t>Aktu</a:t>
+            </a:r>
+            <a:r>
+              <a:rPr lang="sk-SK" sz="1600" dirty="0" smtClean="0"/>
+              <a:t>álny s</a:t>
+            </a:r>
+            <a:r>
+              <a:rPr lang="en-US" sz="1600" dirty="0" err="1" smtClean="0"/>
+              <a:t>tav</a:t>
+            </a:r>
+            <a:r>
+              <a:rPr lang="en-US" sz="1600" dirty="0" smtClean="0"/>
+              <a:t> </a:t>
+            </a:r>
+            <a:r>
+              <a:rPr lang="sk-SK" sz="1600" dirty="0" smtClean="0"/>
+              <a:t>vo WPAN 802.15</a:t>
+            </a:r>
+            <a:endParaRPr lang="en-US" sz="1600" dirty="0" smtClean="0"/>
+          </a:p>
+          <a:p>
+            <a:r>
+              <a:rPr lang="sk-SK" sz="1600" dirty="0" smtClean="0"/>
+              <a:t>Navrhnuté riešenie</a:t>
+            </a:r>
+          </a:p>
+          <a:p>
+            <a:r>
+              <a:rPr lang="sk-SK" sz="1600" dirty="0" smtClean="0"/>
+              <a:t>Implementácia</a:t>
+            </a:r>
+            <a:endParaRPr lang="en-US" sz="1600" dirty="0" smtClean="0"/>
+          </a:p>
+          <a:p>
+            <a:pPr lvl="1">
+              <a:spcBef>
+                <a:spcPts val="100"/>
+              </a:spcBef>
+            </a:pPr>
+            <a:r>
+              <a:rPr lang="sk-SK" sz="1600" dirty="0" smtClean="0"/>
+              <a:t>Komunikačný protokol</a:t>
+            </a:r>
+            <a:endParaRPr lang="en-US" sz="1600" dirty="0" smtClean="0"/>
+          </a:p>
+          <a:p>
+            <a:pPr lvl="1">
+              <a:spcBef>
+                <a:spcPts val="100"/>
+              </a:spcBef>
+            </a:pPr>
+            <a:r>
+              <a:rPr lang="en-US" sz="1600" dirty="0" smtClean="0"/>
+              <a:t>RF k</a:t>
+            </a:r>
+            <a:r>
+              <a:rPr lang="sk-SK" sz="1600" dirty="0" smtClean="0"/>
+              <a:t>omuniká</a:t>
+            </a:r>
+            <a:r>
+              <a:rPr lang="en-US" sz="1600" dirty="0" err="1" smtClean="0"/>
+              <a:t>cia</a:t>
+            </a:r>
+            <a:endParaRPr lang="en-US" sz="1600" i="1" dirty="0" smtClean="0"/>
+          </a:p>
+          <a:p>
+            <a:pPr lvl="1">
+              <a:spcBef>
+                <a:spcPts val="100"/>
+              </a:spcBef>
+            </a:pPr>
+            <a:r>
+              <a:rPr lang="en-US" sz="1600" dirty="0" smtClean="0"/>
+              <a:t>Segment</a:t>
+            </a:r>
+            <a:r>
+              <a:rPr lang="sk-SK" sz="1600" dirty="0" smtClean="0"/>
+              <a:t>ácia správ </a:t>
+            </a:r>
+          </a:p>
+          <a:p>
+            <a:pPr lvl="1">
+              <a:spcBef>
+                <a:spcPts val="100"/>
+              </a:spcBef>
+            </a:pPr>
+            <a:r>
+              <a:rPr lang="sk-SK" sz="1600" dirty="0" smtClean="0"/>
+              <a:t>SW AES-128 a HW AES-128</a:t>
+            </a:r>
+            <a:endParaRPr lang="en-US" sz="1600" dirty="0" smtClean="0"/>
+          </a:p>
+          <a:p>
+            <a:pPr lvl="1">
+              <a:spcBef>
+                <a:spcPts val="100"/>
+              </a:spcBef>
+            </a:pPr>
+            <a:r>
+              <a:rPr lang="sk-SK" sz="1600" dirty="0" smtClean="0"/>
+              <a:t>ISO7816, APDU, blok dát, UART</a:t>
+            </a:r>
+            <a:endParaRPr lang="en-US" sz="1600" dirty="0" smtClean="0"/>
+          </a:p>
+          <a:p>
+            <a:pPr lvl="1">
+              <a:spcBef>
+                <a:spcPts val="100"/>
+              </a:spcBef>
+            </a:pPr>
+            <a:r>
+              <a:rPr lang="sk-SK" sz="1600" dirty="0" smtClean="0"/>
+              <a:t>DPS</a:t>
+            </a:r>
+            <a:endParaRPr lang="en-US" sz="1600" dirty="0" smtClean="0"/>
+          </a:p>
+          <a:p>
+            <a:pPr lvl="1">
+              <a:spcBef>
+                <a:spcPts val="100"/>
+              </a:spcBef>
+            </a:pPr>
+            <a:r>
+              <a:rPr lang="sk-SK" sz="1600" dirty="0" smtClean="0"/>
+              <a:t>JavaCard</a:t>
+            </a:r>
+            <a:endParaRPr lang="en-US" sz="1600" dirty="0" smtClean="0"/>
+          </a:p>
+          <a:p>
+            <a:pPr lvl="1">
+              <a:spcBef>
+                <a:spcPts val="100"/>
+              </a:spcBef>
+            </a:pPr>
+            <a:r>
+              <a:rPr lang="sk-SK" sz="1600" dirty="0" smtClean="0"/>
+              <a:t>K</a:t>
+            </a:r>
+            <a:r>
+              <a:rPr lang="en-US" sz="1600" dirty="0" err="1" smtClean="0"/>
+              <a:t>onzola</a:t>
+            </a:r>
+            <a:endParaRPr lang="en-US" sz="1600" dirty="0" smtClean="0"/>
+          </a:p>
+          <a:p>
+            <a:r>
+              <a:rPr lang="sk-SK" sz="1600" dirty="0" smtClean="0"/>
+              <a:t>Testovanie  a vyhodnotenie</a:t>
+            </a:r>
+            <a:endParaRPr lang="en-US" sz="1600" dirty="0" smtClean="0"/>
+          </a:p>
+          <a:p>
+            <a:r>
+              <a:rPr lang="sk-SK" sz="1600" dirty="0" smtClean="0"/>
+              <a:t>Sebakritika</a:t>
+            </a:r>
+            <a:endParaRPr lang="en-US" sz="1600" dirty="0" smtClean="0"/>
+          </a:p>
+          <a:p>
+            <a:pPr lvl="1"/>
+            <a:r>
+              <a:rPr lang="sk-SK" sz="1600" dirty="0" smtClean="0"/>
+              <a:t>Čo sa nepodarilo</a:t>
+            </a:r>
+            <a:endParaRPr lang="en-US" sz="1600" dirty="0" smtClean="0"/>
+          </a:p>
+          <a:p>
+            <a:pPr lvl="1"/>
+            <a:r>
+              <a:rPr lang="sk-SK" sz="1600" dirty="0" smtClean="0"/>
+              <a:t>Čo sa nefungovalo podľa predstáv</a:t>
+            </a:r>
+            <a:endParaRPr lang="en-US" sz="1600" dirty="0" smtClean="0"/>
+          </a:p>
+          <a:p>
+            <a:r>
+              <a:rPr lang="en-US" sz="1600" dirty="0" smtClean="0"/>
+              <a:t>Z</a:t>
+            </a:r>
+            <a:r>
+              <a:rPr lang="sk-SK" sz="1600" dirty="0" smtClean="0"/>
+              <a:t>áver</a:t>
+            </a:r>
+            <a:endParaRPr lang="en-US" sz="1600" dirty="0" smtClean="0"/>
+          </a:p>
+          <a:p>
+            <a:r>
+              <a:rPr lang="sk-SK" sz="1600" dirty="0" smtClean="0"/>
+              <a:t>Plány do budúcna</a:t>
+            </a:r>
+            <a:endParaRPr lang="en-US" sz="1600" dirty="0"/>
+          </a:p>
+        </p:txBody>
+      </p:sp>
+      <p:sp>
+        <p:nvSpPr>
+          <p:cNvPr id="4" name="Slide Number Placeholder 3"/>
+          <p:cNvSpPr>
+            <a:spLocks noGrp="1"/>
+          </p:cNvSpPr>
+          <p:nvPr>
+            <p:ph type="sldNum" sz="quarter" idx="12"/>
+          </p:nvPr>
+        </p:nvSpPr>
+        <p:spPr/>
+        <p:txBody>
+          <a:bodyPr/>
+          <a:lstStyle/>
+          <a:p>
+            <a:fld id="{8C584B50-B360-452D-AFC7-DEF83B5F5806}" type="slidenum">
+              <a:rPr lang="en-US" smtClean="0"/>
+              <a:pPr/>
+              <a:t>31</a:t>
+            </a:fld>
+            <a:endParaRPr lang="en-US"/>
+          </a:p>
+        </p:txBody>
+      </p:sp>
+    </p:spTree>
+  </p:cSld>
+  <p:clrMapOvr>
+    <a:masterClrMapping/>
+  </p:clrMapOvr>
+</p:sld>
+</file>
+
+<file path=ppt/slides/slide32.xml><?xml version="1.0" encoding="utf-8"?>
+<p:sld xmlns:a="http://schemas.openxmlformats.org/drawingml/2006/main" xmlns:r="http://schemas.openxmlformats.org/officeDocument/2006/relationships" xmlns:p="http://schemas.openxmlformats.org/presentationml/2006/main">
+  <p:cSld>
+    <p:spTree>
+      <p:nvGrpSpPr>
+        <p:cNvPr id="1" name=""/>
+        <p:cNvGrpSpPr/>
+        <p:nvPr/>
+      </p:nvGrpSpPr>
+      <p:grpSpPr>
+        <a:xfrm>
+          <a:off x="0" y="0"/>
+          <a:ext cx="0" cy="0"/>
+          <a:chOff x="0" y="0"/>
+          <a:chExt cx="0" cy="0"/>
+        </a:xfrm>
+      </p:grpSpPr>
+      <p:sp>
+        <p:nvSpPr>
+          <p:cNvPr id="2" name="Title 1"/>
+          <p:cNvSpPr>
+            <a:spLocks noGrp="1"/>
+          </p:cNvSpPr>
+          <p:nvPr>
+            <p:ph type="title"/>
+          </p:nvPr>
+        </p:nvSpPr>
+        <p:spPr/>
+        <p:txBody>
+          <a:bodyPr>
+            <a:normAutofit/>
+          </a:bodyPr>
+          <a:lstStyle/>
+          <a:p>
+            <a:r>
+              <a:rPr lang="sk-SK" dirty="0" smtClean="0"/>
+              <a:t>Používané technológie</a:t>
+            </a:r>
+            <a:endParaRPr lang="en-US" dirty="0"/>
+          </a:p>
+        </p:txBody>
+      </p:sp>
+      <p:sp>
+        <p:nvSpPr>
+          <p:cNvPr id="3" name="Content Placeholder 2"/>
+          <p:cNvSpPr>
+            <a:spLocks noGrp="1"/>
+          </p:cNvSpPr>
+          <p:nvPr>
+            <p:ph idx="1"/>
+          </p:nvPr>
+        </p:nvSpPr>
+        <p:spPr/>
+        <p:txBody>
+          <a:bodyPr/>
+          <a:lstStyle/>
+          <a:p>
+            <a:r>
+              <a:rPr lang="sk-SK" dirty="0" smtClean="0"/>
+              <a:t>Viac m</a:t>
+            </a:r>
+            <a:r>
+              <a:rPr lang="en-US" dirty="0" err="1" smtClean="0"/>
+              <a:t>arketing</a:t>
+            </a:r>
+            <a:r>
+              <a:rPr lang="en-US" dirty="0" smtClean="0"/>
+              <a:t> ako </a:t>
+            </a:r>
+            <a:r>
+              <a:rPr lang="en-US" dirty="0" err="1" smtClean="0"/>
+              <a:t>technol</a:t>
+            </a:r>
+            <a:r>
+              <a:rPr lang="sk-SK" dirty="0" smtClean="0"/>
+              <a:t>ógie</a:t>
+            </a:r>
+            <a:endParaRPr lang="en-US" dirty="0" smtClean="0"/>
+          </a:p>
+          <a:p>
+            <a:pPr lvl="1"/>
+            <a:r>
+              <a:rPr lang="sk-SK" dirty="0" smtClean="0"/>
+              <a:t>iControl Networks</a:t>
+            </a:r>
+            <a:r>
+              <a:rPr lang="en-US" dirty="0" smtClean="0"/>
+              <a:t>:</a:t>
+            </a:r>
+            <a:r>
+              <a:rPr lang="sk-SK" dirty="0" smtClean="0"/>
+              <a:t> </a:t>
+            </a:r>
+            <a:r>
+              <a:rPr lang="en-US" dirty="0" err="1" smtClean="0"/>
+              <a:t>ZigBee</a:t>
+            </a:r>
+            <a:r>
+              <a:rPr lang="en-US" dirty="0" smtClean="0"/>
+              <a:t>, Z-Wave</a:t>
+            </a:r>
+          </a:p>
+          <a:p>
+            <a:pPr lvl="1"/>
+            <a:r>
+              <a:rPr lang="en-US" dirty="0" err="1" smtClean="0"/>
+              <a:t>BeeWi</a:t>
+            </a:r>
+            <a:r>
+              <a:rPr lang="en-US" dirty="0" smtClean="0"/>
+              <a:t>: Bluetooth</a:t>
+            </a:r>
+            <a:endParaRPr lang="sk-SK" dirty="0" smtClean="0"/>
+          </a:p>
+          <a:p>
+            <a:pPr lvl="1"/>
+            <a:r>
+              <a:rPr lang="sk-SK" dirty="0" smtClean="0"/>
+              <a:t>Samsung SmartThings hub</a:t>
+            </a:r>
+            <a:r>
+              <a:rPr lang="en-US" dirty="0" smtClean="0"/>
+              <a:t>: </a:t>
+            </a:r>
+            <a:r>
+              <a:rPr lang="en-US" dirty="0" err="1" smtClean="0"/>
+              <a:t>WiFi</a:t>
+            </a:r>
+            <a:r>
+              <a:rPr lang="en-US" dirty="0" smtClean="0"/>
+              <a:t>, Z-Wave, LAN, </a:t>
+            </a:r>
+            <a:r>
+              <a:rPr lang="en-US" dirty="0" err="1" smtClean="0"/>
+              <a:t>ZigBee</a:t>
+            </a:r>
+            <a:endParaRPr lang="en-US" dirty="0"/>
+          </a:p>
+        </p:txBody>
+      </p:sp>
+      <p:sp>
+        <p:nvSpPr>
+          <p:cNvPr id="4" name="Slide Number Placeholder 3"/>
+          <p:cNvSpPr>
+            <a:spLocks noGrp="1"/>
+          </p:cNvSpPr>
+          <p:nvPr>
+            <p:ph type="sldNum" sz="quarter" idx="12"/>
+          </p:nvPr>
+        </p:nvSpPr>
+        <p:spPr/>
+        <p:txBody>
+          <a:bodyPr/>
+          <a:lstStyle/>
+          <a:p>
+            <a:fld id="{8C584B50-B360-452D-AFC7-DEF83B5F5806}" type="slidenum">
+              <a:rPr lang="en-US" smtClean="0"/>
+              <a:pPr/>
+              <a:t>32</a:t>
+            </a:fld>
+            <a:endParaRPr lang="en-US"/>
+          </a:p>
+        </p:txBody>
+      </p:sp>
+    </p:spTree>
+  </p:cSld>
+  <p:clrMapOvr>
+    <a:masterClrMapping/>
+  </p:clrMapOvr>
+</p:sld>
+</file>
+
+<file path=ppt/slides/slide33.xml><?xml version="1.0" encoding="utf-8"?>
+<p:sld xmlns:a="http://schemas.openxmlformats.org/drawingml/2006/main" xmlns:r="http://schemas.openxmlformats.org/officeDocument/2006/relationships" xmlns:p="http://schemas.openxmlformats.org/presentationml/2006/main">
+  <p:cSld>
+    <p:spTree>
+      <p:nvGrpSpPr>
+        <p:cNvPr id="1" name=""/>
+        <p:cNvGrpSpPr/>
+        <p:nvPr/>
+      </p:nvGrpSpPr>
+      <p:grpSpPr>
+        <a:xfrm>
+          <a:off x="0" y="0"/>
+          <a:ext cx="0" cy="0"/>
+          <a:chOff x="0" y="0"/>
+          <a:chExt cx="0" cy="0"/>
+        </a:xfrm>
+      </p:grpSpPr>
+      <p:sp>
+        <p:nvSpPr>
+          <p:cNvPr id="2" name="Title 1"/>
+          <p:cNvSpPr>
+            <a:spLocks noGrp="1"/>
+          </p:cNvSpPr>
+          <p:nvPr>
+            <p:ph type="title"/>
+          </p:nvPr>
+        </p:nvSpPr>
+        <p:spPr/>
+        <p:txBody>
+          <a:bodyPr>
+            <a:normAutofit/>
+          </a:bodyPr>
+          <a:lstStyle/>
+          <a:p>
+            <a:r>
               <a:rPr lang="en-US" dirty="0" err="1" smtClean="0"/>
               <a:t>Odpor</a:t>
             </a:r>
@@ -8471,7 +9979,6 @@
               <a:rPr lang="sk-SK" dirty="0" smtClean="0"/>
               <a:t>WiFi</a:t>
             </a:r>
-            <a:endParaRPr lang="sk-SK" dirty="0" smtClean="0"/>
           </a:p>
           <a:p>
             <a:endParaRPr lang="en-US" dirty="0"/>
@@ -8532,7 +10039,7 @@
             <a:fld id="{8C584B50-B360-452D-AFC7-DEF83B5F5806}" type="slidenum">
               <a:rPr lang="en-US" smtClean="0"/>
               <a:pPr/>
-              <a:t>30</a:t>
+              <a:t>33</a:t>
             </a:fld>
             <a:endParaRPr lang="en-US"/>
           </a:p>
@@ -8827,7 +10334,6 @@
               <a:rPr lang="sk-SK" sz="2800" dirty="0" smtClean="0"/>
               <a:t>Kom. rýchlosť</a:t>
             </a:r>
-            <a:endParaRPr lang="sk-SK" sz="2800" dirty="0" smtClean="0"/>
           </a:p>
           <a:p>
             <a:pPr marL="342900" marR="0" lvl="0" indent="-342900" algn="l" defTabSz="914400" rtl="0" eaLnBrk="1" fontAlgn="auto" latinLnBrk="0" hangingPunct="1">
@@ -8873,7 +10379,7 @@
 </p:sld>
 </file>
 
-<file path=ppt/slides/slide31.xml><?xml version="1.0" encoding="utf-8"?>
+<file path=ppt/slides/slide34.xml><?xml version="1.0" encoding="utf-8"?>
 <p:sld xmlns:a="http://schemas.openxmlformats.org/drawingml/2006/main" xmlns:r="http://schemas.openxmlformats.org/officeDocument/2006/relationships" xmlns:p="http://schemas.openxmlformats.org/presentationml/2006/main">
   <p:cSld>
     <p:spTree>
@@ -8995,7 +10501,7 @@
             <a:fld id="{8C584B50-B360-452D-AFC7-DEF83B5F5806}" type="slidenum">
               <a:rPr lang="en-US" smtClean="0"/>
               <a:pPr/>
-              <a:t>31</a:t>
+              <a:t>34</a:t>
             </a:fld>
             <a:endParaRPr lang="en-US"/>
           </a:p>
@@ -9009,7 +10515,7 @@
 </p:sld>
 </file>
 
-<file path=ppt/slides/slide32.xml><?xml version="1.0" encoding="utf-8"?>
+<file path=ppt/slides/slide35.xml><?xml version="1.0" encoding="utf-8"?>
 <p:sld xmlns:a="http://schemas.openxmlformats.org/drawingml/2006/main" xmlns:r="http://schemas.openxmlformats.org/officeDocument/2006/relationships" xmlns:p="http://schemas.openxmlformats.org/presentationml/2006/main">
   <p:cSld>
     <p:spTree>
@@ -9070,25 +10576,37 @@
           <a:p>
             <a:r>
               <a:rPr lang="sk-SK" dirty="0" smtClean="0"/>
-              <a:t>predpokladám že najmä kvôli </a:t>
+              <a:t>predpoklad </a:t>
+            </a:r>
+            <a:r>
+              <a:rPr lang="sk-SK" dirty="0" smtClean="0"/>
+              <a:t>že najmä kvôli </a:t>
             </a:r>
           </a:p>
           <a:p>
             <a:pPr lvl="1"/>
             <a:r>
               <a:rPr lang="sk-SK" dirty="0" smtClean="0"/>
-              <a:t>komunikácii s kryptoelementom (atomicky)</a:t>
+              <a:t>komunikáci</a:t>
+            </a:r>
+            <a:r>
+              <a:rPr lang="en-US" dirty="0" smtClean="0"/>
+              <a:t>a</a:t>
+            </a:r>
+            <a:r>
+              <a:rPr lang="sk-SK" dirty="0" smtClean="0"/>
+              <a:t> </a:t>
+            </a:r>
+            <a:r>
+              <a:rPr lang="sk-SK" dirty="0" smtClean="0"/>
+              <a:t>s kryptoelementom (atomicky)</a:t>
             </a:r>
           </a:p>
           <a:p>
             <a:pPr lvl="1"/>
             <a:r>
               <a:rPr lang="sk-SK" dirty="0" smtClean="0"/>
-              <a:t>z</a:t>
-            </a:r>
-            <a:r>
-              <a:rPr lang="sk-SK" dirty="0" smtClean="0"/>
-              <a:t>meškanie časového okna pre posielanie</a:t>
+              <a:t>zmeškanie časového okna pre posielanie</a:t>
             </a:r>
             <a:r>
               <a:rPr lang="en-US" dirty="0" smtClean="0"/>
@@ -9160,7 +10678,7 @@
             <a:fld id="{8C584B50-B360-452D-AFC7-DEF83B5F5806}" type="slidenum">
               <a:rPr lang="en-US" smtClean="0"/>
               <a:pPr/>
-              <a:t>32</a:t>
+              <a:t>35</a:t>
             </a:fld>
             <a:endParaRPr lang="en-US"/>
           </a:p>
@@ -9174,7 +10692,7 @@
 </p:sld>
 </file>
 
-<file path=ppt/slides/slide33.xml><?xml version="1.0" encoding="utf-8"?>
+<file path=ppt/slides/slide36.xml><?xml version="1.0" encoding="utf-8"?>
 <p:sld xmlns:a="http://schemas.openxmlformats.org/drawingml/2006/main" xmlns:r="http://schemas.openxmlformats.org/officeDocument/2006/relationships" xmlns:p="http://schemas.openxmlformats.org/presentationml/2006/main">
   <p:cSld>
     <p:spTree>
@@ -9234,7 +10752,7 @@
             <a:fld id="{8C584B50-B360-452D-AFC7-DEF83B5F5806}" type="slidenum">
               <a:rPr lang="en-US" smtClean="0"/>
               <a:pPr/>
-              <a:t>33</a:t>
+              <a:t>36</a:t>
             </a:fld>
             <a:endParaRPr lang="en-US"/>
           </a:p>
@@ -9283,7 +10801,7 @@
 </p:sld>
 </file>
 
-<file path=ppt/slides/slide34.xml><?xml version="1.0" encoding="utf-8"?>
+<file path=ppt/slides/slide37.xml><?xml version="1.0" encoding="utf-8"?>
 <p:sld xmlns:a="http://schemas.openxmlformats.org/drawingml/2006/main" xmlns:r="http://schemas.openxmlformats.org/officeDocument/2006/relationships" xmlns:p="http://schemas.openxmlformats.org/presentationml/2006/main">
   <p:cSld>
     <p:spTree>
@@ -9319,7 +10837,15 @@
           <a:p>
             <a:r>
               <a:rPr lang="sk-SK" dirty="0" smtClean="0"/>
-              <a:t>Ako urýchliť komunikáciu s HW</a:t>
+              <a:t>Ako urýchliť </a:t>
+            </a:r>
+            <a:r>
+              <a:rPr lang="en-US" dirty="0" smtClean="0"/>
+              <a:t>HW </a:t>
+            </a:r>
+            <a:r>
+              <a:rPr lang="en-US" dirty="0" err="1" smtClean="0"/>
+              <a:t>kryptovanie</a:t>
             </a:r>
             <a:r>
               <a:rPr lang="en-US" dirty="0" smtClean="0"/>
@@ -9354,21 +10880,13 @@
           <a:p>
             <a:r>
               <a:rPr lang="sk-SK" dirty="0" smtClean="0"/>
-              <a:t>d</a:t>
-            </a:r>
-            <a:r>
-              <a:rPr lang="sk-SK" dirty="0" smtClean="0"/>
-              <a:t>edikovaný periférie pre ISO7816 (atmel)</a:t>
-            </a:r>
-          </a:p>
-          <a:p>
-            <a:r>
-              <a:rPr lang="sk-SK" dirty="0" smtClean="0"/>
-              <a:t>k</a:t>
-            </a:r>
-            <a:r>
-              <a:rPr lang="sk-SK" dirty="0" smtClean="0"/>
-              <a:t>onverter na ISO7816</a:t>
+              <a:t>dedikovaný periférie pre ISO7816 (atmel)</a:t>
+            </a:r>
+          </a:p>
+          <a:p>
+            <a:r>
+              <a:rPr lang="sk-SK" dirty="0" smtClean="0"/>
+              <a:t>konverter na ISO7816</a:t>
             </a:r>
           </a:p>
           <a:p>
@@ -9383,8 +10901,16 @@
           <a:p>
             <a:pPr lvl="1"/>
             <a:r>
-              <a:rPr lang="sk-SK" dirty="0" smtClean="0"/>
-              <a:t>vývoj</a:t>
+              <a:rPr lang="en-US" dirty="0" smtClean="0"/>
+              <a:t>v</a:t>
+            </a:r>
+            <a:r>
+              <a:rPr lang="sk-SK" dirty="0" smtClean="0"/>
+              <a:t>ývoj</a:t>
+            </a:r>
+            <a:r>
+              <a:rPr lang="en-US" dirty="0" smtClean="0"/>
+              <a:t>,</a:t>
             </a:r>
             <a:endParaRPr lang="sk-SK" dirty="0" smtClean="0"/>
           </a:p>
@@ -9392,14 +10918,31 @@
             <a:pPr lvl="1"/>
             <a:r>
               <a:rPr lang="sk-SK" dirty="0" smtClean="0"/>
-              <a:t>narastie veľkosť programu</a:t>
-            </a:r>
+              <a:t>narastie veľkosť </a:t>
+            </a:r>
+            <a:r>
+              <a:rPr lang="sk-SK" dirty="0" smtClean="0"/>
+              <a:t>programu</a:t>
+            </a:r>
+            <a:r>
+              <a:rPr lang="en-US" dirty="0" smtClean="0"/>
+              <a:t>,</a:t>
+            </a:r>
+            <a:endParaRPr lang="sk-SK" dirty="0" smtClean="0"/>
           </a:p>
           <a:p>
             <a:pPr lvl="1"/>
             <a:r>
               <a:rPr lang="sk-SK" dirty="0" smtClean="0"/>
-              <a:t>možnosť výskytu chýb</a:t>
+              <a:t>možnosť výskytu </a:t>
+            </a:r>
+            <a:r>
+              <a:rPr lang="sk-SK" dirty="0" smtClean="0"/>
+              <a:t>chýb</a:t>
+            </a:r>
+            <a:r>
+              <a:rPr lang="en-US" dirty="0" smtClean="0"/>
+              <a:t>.</a:t>
             </a:r>
             <a:endParaRPr lang="en-US" dirty="0"/>
           </a:p>
@@ -9423,7 +10966,7 @@
             <a:fld id="{8C584B50-B360-452D-AFC7-DEF83B5F5806}" type="slidenum">
               <a:rPr lang="en-US" smtClean="0"/>
               <a:pPr/>
-              <a:t>34</a:t>
+              <a:t>37</a:t>
             </a:fld>
             <a:endParaRPr lang="en-US"/>
           </a:p>
@@ -9630,7 +11173,15 @@
           <a:p>
             <a:r>
               <a:rPr lang="sk-SK" dirty="0" smtClean="0"/>
-              <a:t>Zabezpečenie na transpornej ale aj aplikačnej vrstve</a:t>
+              <a:t>Zabezpečenie na transpor</a:t>
+            </a:r>
+            <a:r>
+              <a:rPr lang="en-US" dirty="0" smtClean="0"/>
+              <a:t>t</a:t>
+            </a:r>
+            <a:r>
+              <a:rPr lang="sk-SK" dirty="0" smtClean="0"/>
+              <a:t>nej ale aj aplikačnej vrstve</a:t>
             </a:r>
           </a:p>
           <a:p>
@@ -9684,11 +11235,7 @@
             </a:r>
             <a:r>
               <a:rPr lang="en-US" dirty="0" smtClean="0"/>
-              <a:t>WAN:	</a:t>
-            </a:r>
-            <a:r>
-              <a:rPr lang="en-US" dirty="0" smtClean="0"/>
-              <a:t>AES-128</a:t>
+              <a:t>WAN:	AES-128</a:t>
             </a:r>
             <a:endParaRPr lang="sk-SK" dirty="0" smtClean="0"/>
           </a:p>
@@ -9763,7 +11310,6 @@
               <a:rPr lang="sk-SK" b="1" dirty="0" smtClean="0"/>
               <a:t>HW</a:t>
             </a:r>
-            <a:endParaRPr lang="sk-SK" b="1" dirty="0" smtClean="0"/>
           </a:p>
           <a:p>
             <a:pPr lvl="1"/>
@@ -9771,7 +11317,6 @@
               <a:rPr lang="sk-SK" dirty="0" smtClean="0"/>
               <a:t>kryptolementy</a:t>
             </a:r>
-            <a:endParaRPr lang="sk-SK" dirty="0" smtClean="0"/>
           </a:p>
           <a:p>
             <a:endParaRPr lang="sk-SK" dirty="0" smtClean="0"/>
@@ -9918,6 +11463,11 @@
               <a:rPr lang="sk-SK" dirty="0" smtClean="0"/>
               <a:t>é riešenie</a:t>
             </a:r>
+            <a:r>
+              <a:rPr lang="en-US" dirty="0" smtClean="0"/>
+              <a:t>,</a:t>
+            </a:r>
+            <a:endParaRPr lang="sk-SK" dirty="0" smtClean="0"/>
           </a:p>
           <a:p>
             <a:r>
@@ -9986,23 +11536,14 @@
           <a:p>
             <a:r>
               <a:rPr lang="sk-SK" dirty="0" smtClean="0"/>
-              <a:t>Autentifikáciu na a</a:t>
-            </a:r>
-            <a:r>
-              <a:rPr lang="sk-SK" dirty="0" smtClean="0"/>
-              <a:t>plikačnej vrstve</a:t>
-            </a:r>
-            <a:endParaRPr lang="sk-SK" dirty="0" smtClean="0"/>
+              <a:t>Autentifikáciu na aplikačnej vrstve</a:t>
+            </a:r>
           </a:p>
           <a:p>
             <a:pPr lvl="1"/>
             <a:r>
               <a:rPr lang="sk-SK" dirty="0" smtClean="0"/>
-              <a:t>ostatné </a:t>
-            </a:r>
-            <a:r>
-              <a:rPr lang="sk-SK" dirty="0" smtClean="0"/>
-              <a:t>aspekty inf. bezp. sa dajú zebezpečiť nad touto vrstvou</a:t>
+              <a:t>ostatné aspekty inf. bezp. sa dajú zebezpečiť nad touto vrstvou</a:t>
             </a:r>
           </a:p>
           <a:p>
@@ -10086,7 +11627,19 @@
           <a:p>
             <a:r>
               <a:rPr lang="sk-SK" dirty="0" smtClean="0"/>
-              <a:t>Implementácia-Komunikačný protokol</a:t>
+              <a:t>Implementácia</a:t>
+            </a:r>
+            <a:r>
+              <a:rPr lang="en-US" dirty="0" smtClean="0"/>
+              <a:t>: </a:t>
+            </a:r>
+            <a:r>
+              <a:rPr lang="sk-SK" dirty="0" smtClean="0"/>
+              <a:t>Komunikačný </a:t>
+            </a:r>
+            <a:r>
+              <a:rPr lang="sk-SK" dirty="0" smtClean="0"/>
+              <a:t>protokol</a:t>
             </a:r>
             <a:endParaRPr lang="en-US" dirty="0"/>
           </a:p>
@@ -10105,17 +11658,13 @@
         <p:spPr/>
         <p:txBody>
           <a:bodyPr>
-            <a:normAutofit fontScale="85000" lnSpcReduction="20000"/>
+            <a:normAutofit fontScale="77500" lnSpcReduction="20000"/>
           </a:bodyPr>
           <a:lstStyle/>
           <a:p>
             <a:r>
               <a:rPr lang="en-US" dirty="0" smtClean="0"/>
-              <a:t>DK Nordic </a:t>
-            </a:r>
-            <a:r>
-              <a:rPr lang="en-US" dirty="0" smtClean="0"/>
-              <a:t>Semi</a:t>
+              <a:t>DK Nordic Semi</a:t>
             </a:r>
             <a:r>
               <a:rPr lang="sk-SK" dirty="0" smtClean="0"/>
@@ -10123,11 +11672,14 @@
             </a:r>
             <a:r>
               <a:rPr lang="en-US" dirty="0" smtClean="0"/>
-              <a:t> </a:t>
-            </a:r>
-            <a:r>
-              <a:rPr lang="en-US" dirty="0" smtClean="0"/>
-              <a:t>nRF51422</a:t>
+              <a:t> nRF51422</a:t>
+            </a:r>
+          </a:p>
+          <a:p>
+            <a:pPr lvl="1"/>
+            <a:r>
+              <a:rPr lang="en-US" dirty="0" smtClean="0"/>
+              <a:t>C</a:t>
             </a:r>
             <a:endParaRPr lang="sk-SK" dirty="0" smtClean="0"/>
           </a:p>
@@ -10158,17 +11710,8 @@
           <a:p>
             <a:r>
               <a:rPr lang="sk-SK" dirty="0" smtClean="0"/>
-              <a:t>Medzi </a:t>
-            </a:r>
-            <a:r>
-              <a:rPr lang="sk-SK" dirty="0" smtClean="0"/>
-              <a:t>2 </a:t>
-            </a:r>
-            <a:r>
-              <a:rPr lang="sk-SK" dirty="0" smtClean="0"/>
-              <a:t>zariadeniami</a:t>
-            </a:r>
-            <a:endParaRPr lang="sk-SK" dirty="0" smtClean="0"/>
+              <a:t>Medzi 2 zariadeniami</a:t>
+            </a:r>
           </a:p>
           <a:p>
             <a:endParaRPr lang="sk-SK" dirty="0" smtClean="0"/>
@@ -10214,7 +11757,11 @@
             </a:r>
             <a:r>
               <a:rPr lang="en-US" dirty="0" smtClean="0"/>
-              <a:t> </a:t>
+              <a:t> “</a:t>
+            </a:r>
+            <a:r>
+              <a:rPr lang="sk-SK" dirty="0" smtClean="0"/>
+              <a:t>Slave</a:t>
             </a:r>
             <a:r>
               <a:rPr lang="en-US" dirty="0" smtClean="0"/>
@@ -10222,27 +11769,7 @@
             </a:r>
             <a:r>
               <a:rPr lang="sk-SK" dirty="0" smtClean="0"/>
-              <a:t>Slave</a:t>
-            </a:r>
-            <a:r>
-              <a:rPr lang="en-US" dirty="0" smtClean="0"/>
-              <a:t>“</a:t>
-            </a:r>
-            <a:r>
-              <a:rPr lang="sk-SK" dirty="0" smtClean="0"/>
-              <a:t> prispôsobuje zabezpečeniu podľa </a:t>
-            </a:r>
-            <a:r>
-              <a:rPr lang="sk-SK" dirty="0" smtClean="0"/>
-              <a:t>prijatých správ, dekóduje, </a:t>
-            </a:r>
-            <a:r>
-              <a:rPr lang="sk-SK" dirty="0" smtClean="0"/>
-              <a:t>zakóduje </a:t>
-            </a:r>
-            <a:r>
-              <a:rPr lang="sk-SK" dirty="0" smtClean="0"/>
-              <a:t>a posiela naspäť</a:t>
+              <a:t> prispôsobuje zabezpečeniu podľa prijatých správ, dekóduje, zakóduje a posiela naspäť</a:t>
             </a:r>
           </a:p>
         </p:txBody>
@@ -10315,34 +11842,32 @@
           <a:p>
             <a:r>
               <a:rPr lang="sk-SK" dirty="0" smtClean="0"/>
-              <a:t>Implementácia-Komunikačný protokol</a:t>
-            </a:r>
-            <a:endParaRPr lang="en-US" dirty="0"/>
-          </a:p>
-        </p:txBody>
-      </p:sp>
-      <p:sp>
-        <p:nvSpPr>
-          <p:cNvPr id="3" name="Content Placeholder 2"/>
-          <p:cNvSpPr>
-            <a:spLocks noGrp="1"/>
-          </p:cNvSpPr>
-          <p:nvPr>
-            <p:ph idx="1"/>
-          </p:nvPr>
-        </p:nvSpPr>
-        <p:spPr/>
-        <p:txBody>
-          <a:bodyPr>
-            <a:normAutofit/>
-          </a:bodyPr>
-          <a:lstStyle/>
-          <a:p>
-            <a:r>
-              <a:rPr lang="sk-SK" dirty="0" smtClean="0"/>
-              <a:t>obrázok</a:t>
-            </a:r>
-            <a:endParaRPr lang="sk-SK" dirty="0" smtClean="0"/>
+              <a:t>Implementácia</a:t>
+            </a:r>
+            <a:r>
+              <a:rPr lang="en-US" dirty="0" smtClean="0"/>
+              <a:t>:  RF k</a:t>
+            </a:r>
+            <a:r>
+              <a:rPr lang="sk-SK" dirty="0" smtClean="0"/>
+              <a:t>omuniká</a:t>
+            </a:r>
+            <a:r>
+              <a:rPr lang="en-US" dirty="0" err="1" smtClean="0"/>
+              <a:t>cia</a:t>
+            </a:r>
+            <a:r>
+              <a:rPr lang="sk-SK" dirty="0" smtClean="0"/>
+              <a:t/>
+            </a:r>
+            <a:br>
+              <a:rPr lang="sk-SK" dirty="0" smtClean="0"/>
+            </a:br>
+            <a:r>
+              <a:rPr lang="sk-SK" i="1" dirty="0" smtClean="0"/>
+              <a:t>TODO better photo</a:t>
+            </a:r>
+            <a:endParaRPr lang="en-US" i="1" dirty="0"/>
           </a:p>
         </p:txBody>
       </p:sp>
@@ -10370,6 +11895,41 @@
           </a:p>
         </p:txBody>
       </p:sp>
+      <p:pic>
+        <p:nvPicPr>
+          <p:cNvPr id="1026" name="Picture 2"/>
+          <p:cNvPicPr>
+            <a:picLocks noGrp="1" noChangeAspect="1" noChangeArrowheads="1"/>
+          </p:cNvPicPr>
+          <p:nvPr>
+            <p:ph idx="1"/>
+          </p:nvPr>
+        </p:nvPicPr>
+        <p:blipFill>
+          <a:blip r:embed="rId2" cstate="print"/>
+          <a:srcRect/>
+          <a:stretch>
+            <a:fillRect/>
+          </a:stretch>
+        </p:blipFill>
+        <p:spPr bwMode="auto">
+          <a:xfrm>
+            <a:off x="1295400" y="1711291"/>
+            <a:ext cx="6553200" cy="4303782"/>
+          </a:xfrm>
+          <a:prstGeom prst="rect">
+            <a:avLst/>
+          </a:prstGeom>
+          <a:noFill/>
+          <a:ln w="9525">
+            <a:noFill/>
+            <a:miter lim="800000"/>
+            <a:headEnd/>
+            <a:tailEnd/>
+          </a:ln>
+          <a:effectLst/>
+        </p:spPr>
+      </p:pic>
     </p:spTree>
   </p:cSld>
   <p:clrMapOvr>

--- a/Obhajoba/xdoubravsky_dp.pptx
+++ b/Obhajoba/xdoubravsky_dp.pptx
@@ -5,7 +5,7 @@
     <p:sldMasterId id="2147483648" r:id="rId1"/>
   </p:sldMasterIdLst>
   <p:notesMasterIdLst>
-    <p:notesMasterId r:id="rId39"/>
+    <p:notesMasterId r:id="rId38"/>
   </p:notesMasterIdLst>
   <p:sldIdLst>
     <p:sldId id="256" r:id="rId2"/>
@@ -35,16 +35,15 @@
     <p:sldId id="293" r:id="rId26"/>
     <p:sldId id="294" r:id="rId27"/>
     <p:sldId id="273" r:id="rId28"/>
-    <p:sldId id="274" r:id="rId29"/>
-    <p:sldId id="259" r:id="rId30"/>
-    <p:sldId id="282" r:id="rId31"/>
-    <p:sldId id="263" r:id="rId32"/>
-    <p:sldId id="260" r:id="rId33"/>
-    <p:sldId id="269" r:id="rId34"/>
-    <p:sldId id="261" r:id="rId35"/>
-    <p:sldId id="267" r:id="rId36"/>
-    <p:sldId id="288" r:id="rId37"/>
-    <p:sldId id="268" r:id="rId38"/>
+    <p:sldId id="259" r:id="rId29"/>
+    <p:sldId id="282" r:id="rId30"/>
+    <p:sldId id="263" r:id="rId31"/>
+    <p:sldId id="260" r:id="rId32"/>
+    <p:sldId id="269" r:id="rId33"/>
+    <p:sldId id="261" r:id="rId34"/>
+    <p:sldId id="267" r:id="rId35"/>
+    <p:sldId id="288" r:id="rId36"/>
+    <p:sldId id="268" r:id="rId37"/>
   </p:sldIdLst>
   <p:sldSz cx="9144000" cy="6858000" type="screen4x3"/>
   <p:notesSz cx="6858000" cy="9144000"/>
@@ -229,7 +228,7 @@
             <a:fld id="{0B773208-EC25-4DDD-B957-221EDD2F8199}" type="datetimeFigureOut">
               <a:rPr lang="en-US" smtClean="0"/>
               <a:pPr/>
-              <a:t>6/12/2017</a:t>
+              <a:t>6/13/2017</a:t>
             </a:fld>
             <a:endParaRPr lang="en-US"/>
           </a:p>
@@ -954,7 +953,7 @@
             <a:fld id="{72CCBEF4-1BE4-4B48-AF24-6E8DE69994C4}" type="slidenum">
               <a:rPr lang="en-US" smtClean="0"/>
               <a:pPr/>
-              <a:t>33</a:t>
+              <a:t>32</a:t>
             </a:fld>
             <a:endParaRPr lang="en-US"/>
           </a:p>
@@ -1745,7 +1744,7 @@
             <a:fld id="{72CCBEF4-1BE4-4B48-AF24-6E8DE69994C4}" type="slidenum">
               <a:rPr lang="en-US" smtClean="0"/>
               <a:pPr/>
-              <a:t>32</a:t>
+              <a:t>31</a:t>
             </a:fld>
             <a:endParaRPr lang="en-US"/>
           </a:p>
@@ -1941,7 +1940,7 @@
             <a:fld id="{E1B5DF8F-3C97-4B59-88E1-3332BCA13463}" type="datetime1">
               <a:rPr lang="en-US" smtClean="0"/>
               <a:pPr/>
-              <a:t>6/12/2017</a:t>
+              <a:t>6/13/2017</a:t>
             </a:fld>
             <a:endParaRPr lang="en-US"/>
           </a:p>
@@ -2108,7 +2107,7 @@
             <a:fld id="{BA9075BD-8710-4C84-8786-3811C743226F}" type="datetime1">
               <a:rPr lang="en-US" smtClean="0"/>
               <a:pPr/>
-              <a:t>6/12/2017</a:t>
+              <a:t>6/13/2017</a:t>
             </a:fld>
             <a:endParaRPr lang="en-US"/>
           </a:p>
@@ -2285,7 +2284,7 @@
             <a:fld id="{AFF7F875-4BB6-4836-B09D-D289243DF449}" type="datetime1">
               <a:rPr lang="en-US" smtClean="0"/>
               <a:pPr/>
-              <a:t>6/12/2017</a:t>
+              <a:t>6/13/2017</a:t>
             </a:fld>
             <a:endParaRPr lang="en-US"/>
           </a:p>
@@ -2452,7 +2451,7 @@
             <a:fld id="{03A6C798-90A1-449F-B909-889CAB126F4F}" type="datetime1">
               <a:rPr lang="en-US" smtClean="0"/>
               <a:pPr/>
-              <a:t>6/12/2017</a:t>
+              <a:t>6/13/2017</a:t>
             </a:fld>
             <a:endParaRPr lang="en-US"/>
           </a:p>
@@ -2695,7 +2694,7 @@
             <a:fld id="{C519C653-ECD6-448A-A4AF-0DB7EA3A10E0}" type="datetime1">
               <a:rPr lang="en-US" smtClean="0"/>
               <a:pPr/>
-              <a:t>6/12/2017</a:t>
+              <a:t>6/13/2017</a:t>
             </a:fld>
             <a:endParaRPr lang="en-US"/>
           </a:p>
@@ -2980,7 +2979,7 @@
             <a:fld id="{54163FB4-44F0-4C32-8002-B71033333E30}" type="datetime1">
               <a:rPr lang="en-US" smtClean="0"/>
               <a:pPr/>
-              <a:t>6/12/2017</a:t>
+              <a:t>6/13/2017</a:t>
             </a:fld>
             <a:endParaRPr lang="en-US"/>
           </a:p>
@@ -3399,7 +3398,7 @@
             <a:fld id="{20F938D6-33CD-41B7-847E-61C4347BA632}" type="datetime1">
               <a:rPr lang="en-US" smtClean="0"/>
               <a:pPr/>
-              <a:t>6/12/2017</a:t>
+              <a:t>6/13/2017</a:t>
             </a:fld>
             <a:endParaRPr lang="en-US"/>
           </a:p>
@@ -3514,7 +3513,7 @@
             <a:fld id="{DD05A9E9-89B1-41EE-B931-5A0FC24DD79F}" type="datetime1">
               <a:rPr lang="en-US" smtClean="0"/>
               <a:pPr/>
-              <a:t>6/12/2017</a:t>
+              <a:t>6/13/2017</a:t>
             </a:fld>
             <a:endParaRPr lang="en-US"/>
           </a:p>
@@ -3606,7 +3605,7 @@
             <a:fld id="{62DBA4D6-0A0B-4BED-8DE6-7BA5EC563FFD}" type="datetime1">
               <a:rPr lang="en-US" smtClean="0"/>
               <a:pPr/>
-              <a:t>6/12/2017</a:t>
+              <a:t>6/13/2017</a:t>
             </a:fld>
             <a:endParaRPr lang="en-US"/>
           </a:p>
@@ -3880,7 +3879,7 @@
             <a:fld id="{96A9687F-F34D-4AFB-96D8-4674A1B76C29}" type="datetime1">
               <a:rPr lang="en-US" smtClean="0"/>
               <a:pPr/>
-              <a:t>6/12/2017</a:t>
+              <a:t>6/13/2017</a:t>
             </a:fld>
             <a:endParaRPr lang="en-US"/>
           </a:p>
@@ -4130,7 +4129,7 @@
             <a:fld id="{92290D2E-C391-4CE3-9C59-55599AB7B6BE}" type="datetime1">
               <a:rPr lang="en-US" smtClean="0"/>
               <a:pPr/>
-              <a:t>6/12/2017</a:t>
+              <a:t>6/13/2017</a:t>
             </a:fld>
             <a:endParaRPr lang="en-US"/>
           </a:p>
@@ -4340,7 +4339,7 @@
             <a:fld id="{5CFE152D-BC5D-4C63-B13E-F0FA30DB29B3}" type="datetime1">
               <a:rPr lang="en-US" smtClean="0"/>
               <a:pPr/>
-              <a:t>6/12/2017</a:t>
+              <a:t>6/13/2017</a:t>
             </a:fld>
             <a:endParaRPr lang="en-US"/>
           </a:p>
@@ -4825,11 +4824,7 @@
             </a:r>
             <a:r>
               <a:rPr lang="sk-SK" dirty="0" smtClean="0"/>
-              <a:t>áš </a:t>
-            </a:r>
-            <a:r>
-              <a:rPr lang="sk-SK" dirty="0" smtClean="0"/>
-              <a:t>Doubravský</a:t>
+              <a:t>áš Doubravský</a:t>
             </a:r>
             <a:endParaRPr lang="en-US" dirty="0" smtClean="0"/>
           </a:p>
@@ -4837,11 +4832,7 @@
             <a:pPr algn="r"/>
             <a:r>
               <a:rPr lang="en-US" dirty="0" smtClean="0"/>
-              <a:t>14. </a:t>
-            </a:r>
-            <a:r>
-              <a:rPr lang="en-US" smtClean="0"/>
-              <a:t>06. 2017</a:t>
+              <a:t>14. 06. 2017</a:t>
             </a:r>
             <a:endParaRPr lang="en-US" dirty="0"/>
           </a:p>
@@ -4962,7 +4953,15 @@
             </a:pPr>
             <a:r>
               <a:rPr lang="sk-SK" dirty="0" smtClean="0"/>
-              <a:t>FF FF 			prázdna správa</a:t>
+              <a:t>FF </a:t>
+            </a:r>
+            <a:r>
+              <a:rPr lang="sk-SK" dirty="0" smtClean="0"/>
+              <a:t>FF  ...</a:t>
+            </a:r>
+            <a:r>
+              <a:rPr lang="sk-SK" dirty="0" smtClean="0"/>
+              <a:t>		prázdna správa</a:t>
             </a:r>
           </a:p>
           <a:p>
@@ -4973,7 +4972,15 @@
             </a:pPr>
             <a:r>
               <a:rPr lang="sk-SK" dirty="0" smtClean="0"/>
-              <a:t>00 00			prázdna správa</a:t>
+              <a:t>00 </a:t>
+            </a:r>
+            <a:r>
+              <a:rPr lang="sk-SK" dirty="0" smtClean="0"/>
+              <a:t>00 ...</a:t>
+            </a:r>
+            <a:r>
+              <a:rPr lang="sk-SK" dirty="0" smtClean="0"/>
+              <a:t>			prázdna správa</a:t>
             </a:r>
           </a:p>
           <a:p>
@@ -4984,7 +4991,15 @@
             </a:pPr>
             <a:r>
               <a:rPr lang="sk-SK" dirty="0" smtClean="0"/>
-              <a:t>01 03  01 FF		nezabezpečená správa</a:t>
+              <a:t>01 03  01 </a:t>
+            </a:r>
+            <a:r>
+              <a:rPr lang="sk-SK" dirty="0" smtClean="0"/>
+              <a:t>FF ...</a:t>
+            </a:r>
+            <a:r>
+              <a:rPr lang="sk-SK" dirty="0" smtClean="0"/>
+              <a:t>		nezabezpečená správa</a:t>
             </a:r>
           </a:p>
           <a:p>
@@ -4995,7 +5010,15 @@
             </a:pPr>
             <a:r>
               <a:rPr lang="sk-SK" dirty="0" smtClean="0"/>
-              <a:t>03 03 			prázdna správa</a:t>
+              <a:t>03 03 </a:t>
+            </a:r>
+            <a:r>
+              <a:rPr lang="sk-SK" dirty="0" smtClean="0"/>
+              <a:t>...</a:t>
+            </a:r>
+            <a:r>
+              <a:rPr lang="sk-SK" dirty="0" smtClean="0"/>
+              <a:t>			prázdna správa</a:t>
             </a:r>
           </a:p>
           <a:p>
@@ -5409,7 +5432,7 @@
         </p:spPr>
         <p:txBody>
           <a:bodyPr>
-            <a:normAutofit fontScale="85000" lnSpcReduction="20000"/>
+            <a:normAutofit fontScale="92500" lnSpcReduction="20000"/>
           </a:bodyPr>
           <a:lstStyle/>
           <a:p>
@@ -5481,8 +5504,9 @@
             </a:r>
             <a:r>
               <a:rPr lang="sk-SK" dirty="0" smtClean="0"/>
-              <a:t>časovanie</a:t>
-            </a:r>
+              <a:t>časovania</a:t>
+            </a:r>
+            <a:endParaRPr lang="sk-SK" dirty="0" smtClean="0"/>
           </a:p>
           <a:p>
             <a:endParaRPr lang="sk-SK" dirty="0" smtClean="0"/>
@@ -5537,15 +5561,13 @@
             </a:r>
             <a:r>
               <a:rPr lang="sk-SK" dirty="0" smtClean="0"/>
-              <a:t>é do bloku</a:t>
-            </a:r>
-          </a:p>
-          <a:p>
-            <a:r>
-              <a:rPr lang="sk-SK" dirty="0" smtClean="0"/>
-              <a:t>LRC</a:t>
-            </a:r>
-            <a:endParaRPr lang="en-US" dirty="0"/>
+              <a:t>é do </a:t>
+            </a:r>
+            <a:r>
+              <a:rPr lang="sk-SK" dirty="0" smtClean="0"/>
+              <a:t>bloku</a:t>
+            </a:r>
+            <a:endParaRPr lang="sk-SK" dirty="0" smtClean="0"/>
           </a:p>
         </p:txBody>
       </p:sp>
@@ -5889,7 +5911,19 @@
           <a:p>
             <a:r>
               <a:rPr lang="sk-SK" dirty="0" smtClean="0"/>
-              <a:t>Implementácia-ISO7816 UART</a:t>
+              <a:t>Implementácia</a:t>
+            </a:r>
+            <a:r>
+              <a:rPr lang="en-US" dirty="0" smtClean="0"/>
+              <a:t>: </a:t>
+            </a:r>
+            <a:r>
+              <a:rPr lang="sk-SK" dirty="0" smtClean="0"/>
+              <a:t>ISO7816 </a:t>
+            </a:r>
+            <a:r>
+              <a:rPr lang="sk-SK" dirty="0" smtClean="0"/>
+              <a:t>UART</a:t>
             </a:r>
             <a:endParaRPr lang="en-US" dirty="0"/>
           </a:p>
@@ -6006,7 +6040,11 @@
             </a:r>
             <a:r>
               <a:rPr lang="sk-SK" dirty="0" smtClean="0"/>
-              <a:t>DPS I</a:t>
+              <a:t>Schéma </a:t>
+            </a:r>
+            <a:r>
+              <a:rPr lang="sk-SK" dirty="0" smtClean="0"/>
+              <a:t>I</a:t>
             </a:r>
             <a:endParaRPr lang="en-US" dirty="0"/>
           </a:p>
@@ -6123,7 +6161,15 @@
             </a:r>
             <a:r>
               <a:rPr lang="sk-SK" dirty="0" smtClean="0"/>
-              <a:t>DPS II</a:t>
+              <a:t>Schéma</a:t>
+            </a:r>
+            <a:r>
+              <a:rPr lang="sk-SK" dirty="0" smtClean="0"/>
+              <a:t> </a:t>
+            </a:r>
+            <a:r>
+              <a:rPr lang="sk-SK" dirty="0" smtClean="0"/>
+              <a:t>II</a:t>
             </a:r>
             <a:endParaRPr lang="en-US" dirty="0"/>
           </a:p>
@@ -6398,7 +6444,9 @@
         </p:nvSpPr>
         <p:spPr/>
         <p:txBody>
-          <a:bodyPr/>
+          <a:bodyPr>
+            <a:normAutofit lnSpcReduction="10000"/>
+          </a:bodyPr>
           <a:lstStyle/>
           <a:p>
             <a:r>
@@ -6445,25 +6493,18 @@
           </a:p>
           <a:p>
             <a:r>
-              <a:rPr lang="en-US" dirty="0" smtClean="0"/>
-              <a:t>8-bitov</a:t>
-            </a:r>
-            <a:r>
-              <a:rPr lang="sk-SK" dirty="0" smtClean="0"/>
-              <a:t>é zariadenia</a:t>
-            </a:r>
-            <a:r>
-              <a:rPr lang="en-US" dirty="0" smtClean="0"/>
-              <a:t>, </a:t>
-            </a:r>
-            <a:r>
               <a:rPr lang="en-US" dirty="0" err="1" smtClean="0"/>
               <a:t>inteligent</a:t>
             </a:r>
             <a:r>
               <a:rPr lang="sk-SK" dirty="0" smtClean="0"/>
-              <a:t>ná domácnosť</a:t>
-            </a:r>
+              <a:t>ná </a:t>
+            </a:r>
+            <a:r>
+              <a:rPr lang="sk-SK" dirty="0" smtClean="0"/>
+              <a:t>domácnosť (menej výkonné zariadenia)</a:t>
+            </a:r>
+            <a:endParaRPr lang="sk-SK" dirty="0" smtClean="0"/>
           </a:p>
         </p:txBody>
       </p:sp>
@@ -6543,7 +6584,7 @@
             </a:r>
             <a:r>
               <a:rPr lang="sk-SK" dirty="0" smtClean="0"/>
-              <a:t>JC</a:t>
+              <a:t>JavaCard</a:t>
             </a:r>
             <a:endParaRPr lang="en-US" dirty="0"/>
           </a:p>
@@ -6568,8 +6609,20 @@
           <a:p>
             <a:r>
               <a:rPr lang="sk-SK" dirty="0" smtClean="0"/>
-              <a:t>Applet  JC2.2.2</a:t>
-            </a:r>
+              <a:t>Applet  </a:t>
+            </a:r>
+            <a:r>
+              <a:rPr lang="sk-SK" dirty="0" smtClean="0"/>
+              <a:t>JC2.2.2</a:t>
+            </a:r>
+          </a:p>
+          <a:p>
+            <a:pPr lvl="1"/>
+            <a:r>
+              <a:rPr lang="sk-SK" dirty="0" smtClean="0"/>
+              <a:t>java</a:t>
+            </a:r>
+            <a:endParaRPr lang="sk-SK" dirty="0" smtClean="0"/>
           </a:p>
           <a:p>
             <a:r>
@@ -6644,8 +6697,8 @@
         </p:blipFill>
         <p:spPr bwMode="auto">
           <a:xfrm>
-            <a:off x="152400" y="4114800"/>
-            <a:ext cx="8903970" cy="2171700"/>
+            <a:off x="316230" y="4304371"/>
+            <a:ext cx="8599170" cy="2097358"/>
           </a:xfrm>
           <a:prstGeom prst="rect">
             <a:avLst/>
@@ -6745,7 +6798,15 @@
             </a:r>
             <a:r>
               <a:rPr lang="en-US" dirty="0" smtClean="0"/>
-              <a:t> (Real Time Transfer)</a:t>
+              <a:t> (Real Time Transfer</a:t>
+            </a:r>
+            <a:r>
+              <a:rPr lang="en-US" dirty="0" smtClean="0"/>
+              <a:t>)</a:t>
+            </a:r>
+            <a:r>
+              <a:rPr lang="en-US" dirty="0" smtClean="0"/>
+              <a:t>:</a:t>
             </a:r>
             <a:endParaRPr lang="sk-SK" dirty="0" smtClean="0"/>
           </a:p>
@@ -6779,8 +6840,13 @@
             <a:pPr lvl="1"/>
             <a:r>
               <a:rPr lang="sk-SK" dirty="0" smtClean="0"/>
-              <a:t>vyhľadávanie card manažéra,</a:t>
-            </a:r>
+              <a:t>vyhľadávanie </a:t>
+            </a:r>
+            <a:r>
+              <a:rPr lang="sk-SK" dirty="0" smtClean="0"/>
+              <a:t>manažéra karty,</a:t>
+            </a:r>
+            <a:endParaRPr lang="sk-SK" dirty="0" smtClean="0"/>
           </a:p>
           <a:p>
             <a:pPr lvl="1"/>
@@ -6835,7 +6901,11 @@
             <a:pPr lvl="1"/>
             <a:r>
               <a:rPr lang="sk-SK" dirty="0" smtClean="0"/>
-              <a:t>luďsky čitateľný výpis stavu z odpovedi,</a:t>
+              <a:t>ľudsky </a:t>
+            </a:r>
+            <a:r>
+              <a:rPr lang="sk-SK" dirty="0" smtClean="0"/>
+              <a:t>čitateľný výpis stavu z odpovedi,</a:t>
             </a:r>
             <a:endParaRPr lang="en-US" dirty="0" smtClean="0"/>
           </a:p>
@@ -7107,13 +7177,22 @@
                     <a:p>
                       <a:pPr algn="ctr" fontAlgn="b"/>
                       <a:r>
-                        <a:rPr lang="en-US" sz="2400" b="0" i="0" u="none" strike="noStrike" dirty="0" err="1">
+                        <a:rPr lang="en-US" sz="2400" b="0" i="0" u="none" strike="noStrike" dirty="0" err="1" smtClean="0">
                           <a:solidFill>
                             <a:srgbClr val="000000"/>
                           </a:solidFill>
                           <a:latin typeface="Calibri"/>
                         </a:rPr>
-                        <a:t>Metriky</a:t>
+                        <a:t>Metrik</a:t>
+                      </a:r>
+                      <a:r>
+                        <a:rPr lang="sk-SK" sz="2400" b="0" i="0" u="none" strike="noStrike" dirty="0" smtClean="0">
+                          <a:solidFill>
+                            <a:srgbClr val="000000"/>
+                          </a:solidFill>
+                          <a:latin typeface="Calibri"/>
+                        </a:rPr>
+                        <a:t>a</a:t>
                       </a:r>
                       <a:endParaRPr lang="en-US" sz="2400" b="0" i="0" u="none" strike="noStrike" dirty="0">
                         <a:solidFill>
@@ -7580,13 +7659,22 @@
                     <a:p>
                       <a:pPr algn="ctr" fontAlgn="b"/>
                       <a:r>
-                        <a:rPr lang="en-US" sz="2400" b="0" i="0" u="none" strike="noStrike" dirty="0" err="1">
+                        <a:rPr lang="en-US" sz="2400" b="0" i="0" u="none" strike="noStrike" dirty="0" err="1" smtClean="0">
                           <a:solidFill>
                             <a:srgbClr val="000000"/>
                           </a:solidFill>
                           <a:latin typeface="Calibri"/>
                         </a:rPr>
-                        <a:t>Metriky</a:t>
+                        <a:t>Metrik</a:t>
+                      </a:r>
+                      <a:r>
+                        <a:rPr lang="sk-SK" sz="2400" b="0" i="0" u="none" strike="noStrike" dirty="0" smtClean="0">
+                          <a:solidFill>
+                            <a:srgbClr val="000000"/>
+                          </a:solidFill>
+                          <a:latin typeface="Calibri"/>
+                        </a:rPr>
+                        <a:t>a</a:t>
                       </a:r>
                       <a:endParaRPr lang="en-US" sz="2400" b="0" i="0" u="none" strike="noStrike" dirty="0">
                         <a:solidFill>
@@ -7974,10 +8062,14 @@
                     <a:p>
                       <a:pPr algn="ctr" fontAlgn="b"/>
                       <a:r>
-                        <a:rPr lang="en-US" sz="2400" u="none" strike="noStrike"/>
-                        <a:t>Metriky</a:t>
+                        <a:rPr lang="en-US" sz="2400" u="none" strike="noStrike" dirty="0" err="1" smtClean="0"/>
+                        <a:t>Metrik</a:t>
                       </a:r>
-                      <a:endParaRPr lang="en-US" sz="2400" b="0" i="0" u="none" strike="noStrike">
+                      <a:r>
+                        <a:rPr lang="sk-SK" sz="2400" u="none" strike="noStrike" dirty="0" smtClean="0"/>
+                        <a:t>a</a:t>
+                      </a:r>
+                      <a:endParaRPr lang="en-US" sz="2400" b="0" i="0" u="none" strike="noStrike" dirty="0">
                         <a:solidFill>
                           <a:srgbClr val="000000"/>
                         </a:solidFill>
@@ -8016,10 +8108,34 @@
                     <a:p>
                       <a:pPr algn="ctr" fontAlgn="b"/>
                       <a:r>
-                        <a:rPr lang="en-US" sz="2400" u="none" strike="noStrike"/>
-                        <a:t>Čas 200 [s]</a:t>
+                        <a:rPr lang="en-US" sz="2400" u="none" strike="noStrike" dirty="0" err="1"/>
+                        <a:t>Čas</a:t>
                       </a:r>
-                      <a:endParaRPr lang="en-US" sz="2400" b="0" i="0" u="none" strike="noStrike">
+                      <a:r>
+                        <a:rPr lang="en-US" sz="2400" u="none" strike="noStrike" dirty="0"/>
+                        <a:t> </a:t>
+                      </a:r>
+                      <a:r>
+                        <a:rPr lang="en-US" sz="2400" u="none" strike="noStrike" dirty="0" smtClean="0"/>
+                        <a:t>200 </a:t>
+                      </a:r>
+                      <a:r>
+                        <a:rPr lang="en-US" sz="2400" u="none" strike="noStrike" dirty="0" err="1" smtClean="0"/>
+                        <a:t>interakci</a:t>
+                      </a:r>
+                      <a:r>
+                        <a:rPr lang="sk-SK" sz="2400" u="none" strike="noStrike" dirty="0" smtClean="0"/>
+                        <a:t>í</a:t>
+                      </a:r>
+                      <a:r>
+                        <a:rPr lang="en-US" sz="2400" u="none" strike="noStrike" dirty="0" smtClean="0"/>
+                        <a:t> </a:t>
+                      </a:r>
+                      <a:r>
+                        <a:rPr lang="en-US" sz="2400" u="none" strike="noStrike" dirty="0"/>
+                        <a:t>[s]</a:t>
+                      </a:r>
+                      <a:endParaRPr lang="en-US" sz="2400" b="0" i="0" u="none" strike="noStrike" dirty="0">
                         <a:solidFill>
                           <a:srgbClr val="000000"/>
                         </a:solidFill>
@@ -8078,10 +8194,14 @@
                     <a:p>
                       <a:pPr algn="ctr" fontAlgn="b"/>
                       <a:r>
-                        <a:rPr lang="en-US" sz="2400" u="none" strike="noStrike"/>
+                        <a:rPr lang="en-US" sz="2400" u="none" strike="noStrike" dirty="0" smtClean="0"/>
                         <a:t>258.35</a:t>
                       </a:r>
-                      <a:endParaRPr lang="en-US" sz="2400" b="0" i="0" u="none" strike="noStrike">
+                      <a:r>
+                        <a:rPr lang="sk-SK" sz="2400" u="none" strike="noStrike" dirty="0" smtClean="0"/>
+                        <a:t> (4 min.)</a:t>
+                      </a:r>
+                      <a:endParaRPr lang="en-US" sz="2400" b="0" i="0" u="none" strike="noStrike" dirty="0">
                         <a:solidFill>
                           <a:srgbClr val="000000"/>
                         </a:solidFill>
@@ -8120,10 +8240,14 @@
                     <a:p>
                       <a:pPr algn="ctr" fontAlgn="b"/>
                       <a:r>
-                        <a:rPr lang="en-US" sz="2400" u="none" strike="noStrike"/>
-                        <a:t>SW AES 128 CBC</a:t>
+                        <a:rPr lang="en-US" sz="2400" b="1" u="none" strike="noStrike" dirty="0"/>
+                        <a:t>SW</a:t>
                       </a:r>
-                      <a:endParaRPr lang="en-US" sz="2400" b="0" i="0" u="none" strike="noStrike">
+                      <a:r>
+                        <a:rPr lang="en-US" sz="2400" u="none" strike="noStrike" dirty="0"/>
+                        <a:t> AES 128 CBC</a:t>
+                      </a:r>
+                      <a:endParaRPr lang="en-US" sz="2400" b="0" i="0" u="none" strike="noStrike" dirty="0">
                         <a:solidFill>
                           <a:srgbClr val="000000"/>
                         </a:solidFill>
@@ -8140,10 +8264,14 @@
                     <a:p>
                       <a:pPr algn="ctr" fontAlgn="b"/>
                       <a:r>
-                        <a:rPr lang="en-US" sz="2400" u="none" strike="noStrike"/>
+                        <a:rPr lang="en-US" sz="2400" u="none" strike="noStrike" dirty="0" smtClean="0"/>
                         <a:t>546.75</a:t>
                       </a:r>
-                      <a:endParaRPr lang="en-US" sz="2400" b="0" i="0" u="none" strike="noStrike">
+                      <a:r>
+                        <a:rPr lang="sk-SK" sz="2400" u="none" strike="noStrike" dirty="0" smtClean="0"/>
+                        <a:t> (9 min.)</a:t>
+                      </a:r>
+                      <a:endParaRPr lang="en-US" sz="2400" b="0" i="0" u="none" strike="noStrike" dirty="0">
                         <a:solidFill>
                           <a:srgbClr val="000000"/>
                         </a:solidFill>
@@ -8182,10 +8310,14 @@
                     <a:p>
                       <a:pPr algn="ctr" fontAlgn="b"/>
                       <a:r>
-                        <a:rPr lang="en-US" sz="2400" u="none" strike="noStrike"/>
-                        <a:t>HW AES 128 CBC</a:t>
+                        <a:rPr lang="en-US" sz="2400" b="1" u="none" strike="noStrike" dirty="0"/>
+                        <a:t>HW</a:t>
                       </a:r>
-                      <a:endParaRPr lang="en-US" sz="2400" b="0" i="0" u="none" strike="noStrike">
+                      <a:r>
+                        <a:rPr lang="en-US" sz="2400" u="none" strike="noStrike" dirty="0"/>
+                        <a:t> AES 128 CBC</a:t>
+                      </a:r>
+                      <a:endParaRPr lang="en-US" sz="2400" b="0" i="0" u="none" strike="noStrike" dirty="0">
                         <a:solidFill>
                           <a:srgbClr val="000000"/>
                         </a:solidFill>
@@ -8202,10 +8334,14 @@
                     <a:p>
                       <a:pPr algn="ctr" fontAlgn="b"/>
                       <a:r>
-                        <a:rPr lang="en-US" sz="2400" u="none" strike="noStrike"/>
+                        <a:rPr lang="en-US" sz="2400" u="none" strike="noStrike" dirty="0" smtClean="0"/>
                         <a:t>1638.47</a:t>
                       </a:r>
-                      <a:endParaRPr lang="en-US" sz="2400" b="0" i="0" u="none" strike="noStrike">
+                      <a:r>
+                        <a:rPr lang="sk-SK" sz="2400" u="none" strike="noStrike" dirty="0" smtClean="0"/>
+                        <a:t> (27 min.)</a:t>
+                      </a:r>
+                      <a:endParaRPr lang="en-US" sz="2400" b="0" i="0" u="none" strike="noStrike" dirty="0">
                         <a:solidFill>
                           <a:srgbClr val="000000"/>
                         </a:solidFill>
@@ -8372,10 +8508,14 @@
                     <a:p>
                       <a:pPr algn="ctr" fontAlgn="b"/>
                       <a:r>
-                        <a:rPr lang="en-US" sz="2400" u="none" strike="noStrike"/>
-                        <a:t>Metriky</a:t>
+                        <a:rPr lang="en-US" sz="2400" u="none" strike="noStrike" dirty="0" err="1" smtClean="0"/>
+                        <a:t>Metrik</a:t>
                       </a:r>
-                      <a:endParaRPr lang="en-US" sz="2400" b="0" i="0" u="none" strike="noStrike">
+                      <a:r>
+                        <a:rPr lang="sk-SK" sz="2400" u="none" strike="noStrike" dirty="0" smtClean="0"/>
+                        <a:t>a</a:t>
+                      </a:r>
+                      <a:endParaRPr lang="en-US" sz="2400" b="0" i="0" u="none" strike="noStrike" dirty="0">
                         <a:solidFill>
                           <a:srgbClr val="000000"/>
                         </a:solidFill>
@@ -8468,10 +8608,14 @@
                     <a:p>
                       <a:pPr algn="ctr" fontAlgn="b"/>
                       <a:r>
-                        <a:rPr lang="en-US" sz="2400" u="none" strike="noStrike"/>
-                        <a:t>SW AES 128 CBC</a:t>
+                        <a:rPr lang="en-US" sz="2400" b="1" u="none" strike="noStrike" dirty="0"/>
+                        <a:t>SW </a:t>
                       </a:r>
-                      <a:endParaRPr lang="en-US" sz="2400" b="0" i="0" u="none" strike="noStrike">
+                      <a:r>
+                        <a:rPr lang="en-US" sz="2400" u="none" strike="noStrike" dirty="0"/>
+                        <a:t>AES 128 CBC</a:t>
+                      </a:r>
+                      <a:endParaRPr lang="en-US" sz="2400" b="0" i="0" u="none" strike="noStrike" dirty="0">
                         <a:solidFill>
                           <a:srgbClr val="000000"/>
                         </a:solidFill>
@@ -8510,10 +8654,14 @@
                     <a:p>
                       <a:pPr algn="ctr" fontAlgn="b"/>
                       <a:r>
-                        <a:rPr lang="en-US" sz="2400" u="none" strike="noStrike"/>
-                        <a:t>HW AES 128 CBC</a:t>
+                        <a:rPr lang="en-US" sz="2400" b="1" u="none" strike="noStrike" dirty="0"/>
+                        <a:t>HW </a:t>
                       </a:r>
-                      <a:endParaRPr lang="en-US" sz="2400" b="0" i="0" u="none" strike="noStrike">
+                      <a:r>
+                        <a:rPr lang="en-US" sz="2400" u="none" strike="noStrike" dirty="0"/>
+                        <a:t>AES 128 CBC</a:t>
+                      </a:r>
+                      <a:endParaRPr lang="en-US" sz="2400" b="0" i="0" u="none" strike="noStrike" dirty="0">
                         <a:solidFill>
                           <a:srgbClr val="000000"/>
                         </a:solidFill>
@@ -8592,14 +8740,6 @@
               <a:rPr lang="sk-SK" dirty="0" smtClean="0"/>
               <a:t>Sebakritika</a:t>
             </a:r>
-            <a:r>
-              <a:rPr lang="en-US" dirty="0" smtClean="0"/>
-              <a:t>: </a:t>
-            </a:r>
-            <a:r>
-              <a:rPr lang="sk-SK" dirty="0" smtClean="0"/>
-              <a:t>čo sa nepodarilo</a:t>
-            </a:r>
             <a:endParaRPr lang="en-US" dirty="0"/>
           </a:p>
         </p:txBody>
@@ -8616,9 +8756,18 @@
         </p:nvSpPr>
         <p:spPr/>
         <p:txBody>
-          <a:bodyPr/>
-          <a:lstStyle/>
-          <a:p>
+          <a:bodyPr>
+            <a:normAutofit/>
+          </a:bodyPr>
+          <a:lstStyle/>
+          <a:p>
+            <a:r>
+              <a:rPr lang="sk-SK" dirty="0" smtClean="0"/>
+              <a:t>PKI</a:t>
+            </a:r>
+          </a:p>
+          <a:p>
+            <a:pPr lvl="1"/>
             <a:r>
               <a:rPr lang="sk-SK" dirty="0" smtClean="0"/>
               <a:t>RSA</a:t>
@@ -8633,10 +8782,43 @@
             </a:r>
           </a:p>
           <a:p>
-            <a:r>
-              <a:rPr lang="sk-SK" dirty="0" smtClean="0"/>
-              <a:t>RSA HW (odhad)</a:t>
-            </a:r>
+            <a:pPr lvl="1"/>
+            <a:r>
+              <a:rPr lang="sk-SK" dirty="0" smtClean="0"/>
+              <a:t>RSA HW (odhad</a:t>
+            </a:r>
+            <a:r>
+              <a:rPr lang="sk-SK" dirty="0" smtClean="0"/>
+              <a:t>)</a:t>
+            </a:r>
+          </a:p>
+          <a:p>
+            <a:endParaRPr lang="sk-SK" dirty="0" smtClean="0"/>
+          </a:p>
+          <a:p>
+            <a:r>
+              <a:rPr lang="sk-SK" dirty="0" smtClean="0"/>
+              <a:t>Prekvapený výsledkami HW riešenia</a:t>
+            </a:r>
+            <a:endParaRPr lang="sk-SK" dirty="0" smtClean="0"/>
+          </a:p>
+          <a:p>
+            <a:r>
+              <a:rPr lang="sk-SK" dirty="0" smtClean="0"/>
+              <a:t>postrácanie ANT paketov</a:t>
+            </a:r>
+            <a:r>
+              <a:rPr lang="en-US" dirty="0" smtClean="0"/>
+              <a:t>:</a:t>
+            </a:r>
+            <a:r>
+              <a:rPr lang="sk-SK" dirty="0" smtClean="0"/>
+              <a:t> po komunikácií s krypto-elementom</a:t>
+            </a:r>
+            <a:endParaRPr lang="en-US" dirty="0" smtClean="0"/>
+          </a:p>
+          <a:p>
+            <a:endParaRPr lang="sk-SK" dirty="0" smtClean="0"/>
           </a:p>
         </p:txBody>
       </p:sp>
@@ -8702,21 +8884,17 @@
         <p:spPr/>
         <p:txBody>
           <a:bodyPr>
-            <a:normAutofit fontScale="90000"/>
+            <a:normAutofit/>
           </a:bodyPr>
           <a:lstStyle/>
           <a:p>
             <a:r>
-              <a:rPr lang="sk-SK" dirty="0" smtClean="0"/>
-              <a:t>Sebakritika</a:t>
-            </a:r>
-            <a:r>
-              <a:rPr lang="en-US" dirty="0" smtClean="0"/>
-              <a:t>: </a:t>
-            </a:r>
-            <a:r>
-              <a:rPr lang="sk-SK" dirty="0" smtClean="0"/>
-              <a:t>čo sa nefungovalo podľa predstáv</a:t>
+              <a:rPr lang="en-US" dirty="0" smtClean="0"/>
+              <a:t>Z</a:t>
+            </a:r>
+            <a:r>
+              <a:rPr lang="sk-SK" dirty="0" smtClean="0"/>
+              <a:t>áver</a:t>
             </a:r>
             <a:endParaRPr lang="en-US" dirty="0"/>
           </a:p>
@@ -8734,54 +8912,77 @@
         </p:nvSpPr>
         <p:spPr/>
         <p:txBody>
-          <a:bodyPr/>
-          <a:lstStyle/>
-          <a:p>
-            <a:r>
-              <a:rPr lang="en-US" dirty="0" smtClean="0"/>
-              <a:t>V</a:t>
-            </a:r>
-            <a:r>
-              <a:rPr lang="sk-SK" dirty="0" smtClean="0"/>
-              <a:t>ýsledky opačné, ako sa predpokladalo</a:t>
+          <a:bodyPr>
+            <a:normAutofit lnSpcReduction="10000"/>
+          </a:bodyPr>
+          <a:lstStyle/>
+          <a:p>
+            <a:r>
+              <a:rPr lang="sk-SK" dirty="0" smtClean="0"/>
+              <a:t>nepodarilo sa zvýšiť zabezpečenie,</a:t>
             </a:r>
           </a:p>
           <a:p>
             <a:pPr lvl="1"/>
             <a:r>
               <a:rPr lang="sk-SK" dirty="0" smtClean="0"/>
-              <a:t>v porovnaní s FPGA</a:t>
+              <a:t>na </a:t>
+            </a:r>
+            <a:r>
+              <a:rPr lang="sk-SK" dirty="0" smtClean="0"/>
+              <a:t>základe výsledkov sa dá spraviť odhad riešenia pomocou PKI</a:t>
             </a:r>
           </a:p>
           <a:p>
             <a:pPr lvl="1"/>
+            <a:r>
+              <a:rPr lang="sk-SK" dirty="0" smtClean="0"/>
+              <a:t>Identifikované </a:t>
+            </a:r>
+            <a:r>
+              <a:rPr lang="sk-SK" dirty="0" smtClean="0"/>
+              <a:t>slabiny daných technológií so Smart kartami</a:t>
+            </a:r>
+          </a:p>
+          <a:p>
             <a:endParaRPr lang="sk-SK" dirty="0" smtClean="0"/>
           </a:p>
           <a:p>
+            <a:r>
+              <a:rPr lang="sk-SK" dirty="0" smtClean="0"/>
+              <a:t>Riešenie </a:t>
+            </a:r>
+            <a:r>
+              <a:rPr lang="sk-SK" dirty="0" smtClean="0"/>
+              <a:t>je použiteľné</a:t>
+            </a:r>
+            <a:r>
+              <a:rPr lang="en-US" dirty="0" smtClean="0"/>
+              <a:t>:</a:t>
+            </a:r>
+            <a:endParaRPr lang="en-US" dirty="0" smtClean="0"/>
+          </a:p>
+          <a:p>
             <a:pPr lvl="1"/>
             <a:r>
               <a:rPr lang="sk-SK" dirty="0" smtClean="0"/>
-              <a:t>GPIO, periférie, komunikácia, program, RAM</a:t>
+              <a:t>na </a:t>
+            </a:r>
+            <a:r>
+              <a:rPr lang="sk-SK" dirty="0" smtClean="0"/>
+              <a:t>rýchlejšie siete,</a:t>
             </a:r>
           </a:p>
           <a:p>
             <a:pPr lvl="1"/>
-            <a:endParaRPr lang="sk-SK" dirty="0" smtClean="0"/>
-          </a:p>
-          <a:p>
-            <a:r>
-              <a:rPr lang="sk-SK" dirty="0" smtClean="0"/>
-              <a:t>postrácanie ANT paketov</a:t>
-            </a:r>
-            <a:r>
-              <a:rPr lang="en-US" dirty="0" smtClean="0"/>
-              <a:t>:</a:t>
-            </a:r>
-            <a:r>
-              <a:rPr lang="sk-SK" dirty="0" smtClean="0"/>
-              <a:t> po komunikácií s krypto-elementom</a:t>
-            </a:r>
-            <a:endParaRPr lang="en-US" dirty="0"/>
+            <a:r>
+              <a:rPr lang="sk-SK" dirty="0" smtClean="0"/>
+              <a:t>malé množstvo </a:t>
+            </a:r>
+            <a:r>
+              <a:rPr lang="sk-SK" dirty="0" smtClean="0"/>
+              <a:t>dát.</a:t>
+            </a:r>
           </a:p>
         </p:txBody>
       </p:sp>
@@ -8852,12 +9053,8 @@
           <a:lstStyle/>
           <a:p>
             <a:r>
-              <a:rPr lang="en-US" dirty="0" smtClean="0"/>
-              <a:t>Z</a:t>
-            </a:r>
-            <a:r>
-              <a:rPr lang="sk-SK" dirty="0" smtClean="0"/>
-              <a:t>áver</a:t>
+              <a:rPr lang="sk-SK" dirty="0" smtClean="0"/>
+              <a:t>Plány do budúcna</a:t>
             </a:r>
             <a:endParaRPr lang="en-US" dirty="0"/>
           </a:p>
@@ -8873,57 +9070,214 @@
             <p:ph idx="1"/>
           </p:nvPr>
         </p:nvSpPr>
-        <p:spPr/>
+        <p:spPr>
+          <a:xfrm>
+            <a:off x="457200" y="1600200"/>
+            <a:ext cx="8229600" cy="4953000"/>
+          </a:xfrm>
+        </p:spPr>
         <p:txBody>
           <a:bodyPr>
-            <a:normAutofit lnSpcReduction="10000"/>
+            <a:normAutofit fontScale="85000" lnSpcReduction="10000"/>
           </a:bodyPr>
           <a:lstStyle/>
           <a:p>
             <a:r>
               <a:rPr lang="sk-SK" dirty="0" smtClean="0"/>
-              <a:t>Identifikované slabiny daných technológií so Smart kartami</a:t>
-            </a:r>
-          </a:p>
-          <a:p>
-            <a:r>
-              <a:rPr lang="sk-SK" dirty="0" smtClean="0"/>
-              <a:t>Na základe výsledkov sa dá spraviť odhad riešenia pomocou PKI</a:t>
-            </a:r>
-          </a:p>
-          <a:p>
+              <a:t>spracovanie </a:t>
+            </a:r>
+            <a:r>
+              <a:rPr lang="sk-SK" dirty="0" smtClean="0"/>
+              <a:t>RF komunikácie pomocou udalostí</a:t>
+            </a:r>
+            <a:r>
+              <a:rPr lang="en-US" dirty="0" smtClean="0"/>
+              <a:t>:</a:t>
+            </a:r>
             <a:endParaRPr lang="sk-SK" dirty="0" smtClean="0"/>
           </a:p>
           <a:p>
-            <a:r>
-              <a:rPr lang="sk-SK" dirty="0" smtClean="0"/>
-              <a:t>Riešenie je vhodné</a:t>
+            <a:pPr lvl="1"/>
+            <a:r>
+              <a:rPr lang="sk-SK" dirty="0" smtClean="0"/>
+              <a:t>programová </a:t>
+            </a:r>
+            <a:r>
+              <a:rPr lang="sk-SK" dirty="0" smtClean="0"/>
+              <a:t>synchr</a:t>
+            </a:r>
+            <a:r>
+              <a:rPr lang="en-US" dirty="0" smtClean="0"/>
+              <a:t>o</a:t>
+            </a:r>
+            <a:r>
+              <a:rPr lang="sk-SK" dirty="0" smtClean="0"/>
+              <a:t>nizácia (</a:t>
+            </a:r>
+            <a:r>
+              <a:rPr lang="sk-SK" i="1" dirty="0" smtClean="0"/>
+              <a:t>program, chyby</a:t>
+            </a:r>
+            <a:r>
+              <a:rPr lang="sk-SK" dirty="0" smtClean="0"/>
+              <a:t>)</a:t>
+            </a:r>
+            <a:endParaRPr lang="en-US" dirty="0" smtClean="0"/>
+          </a:p>
+          <a:p>
+            <a:pPr lvl="1"/>
+            <a:endParaRPr lang="sk-SK" dirty="0" smtClean="0"/>
+          </a:p>
+          <a:p>
+            <a:r>
+              <a:rPr lang="sk-SK" dirty="0" smtClean="0"/>
+              <a:t>overenia na iných komunikačných protokoloch</a:t>
+            </a:r>
+            <a:r>
+              <a:rPr lang="en-US" dirty="0" smtClean="0"/>
+              <a:t>,</a:t>
+            </a:r>
+          </a:p>
+          <a:p>
+            <a:r>
+              <a:rPr lang="sk-SK" dirty="0" smtClean="0"/>
+              <a:t>väčšiu sieť</a:t>
+            </a:r>
+            <a:r>
+              <a:rPr lang="en-US" dirty="0" smtClean="0"/>
+              <a:t>,</a:t>
+            </a:r>
+          </a:p>
+          <a:p>
+            <a:r>
+              <a:rPr lang="sk-SK" dirty="0" smtClean="0"/>
+              <a:t>testovanie zásobníka</a:t>
+            </a:r>
+            <a:r>
+              <a:rPr lang="en-US" dirty="0" smtClean="0"/>
+              <a:t> v ne</a:t>
+            </a:r>
+            <a:r>
+              <a:rPr lang="sk-SK" dirty="0" smtClean="0"/>
+              <a:t>štandardných situáciach</a:t>
+            </a:r>
+            <a:r>
+              <a:rPr lang="en-US" dirty="0" smtClean="0"/>
+              <a:t>,</a:t>
+            </a:r>
+            <a:endParaRPr lang="sk-SK" dirty="0" smtClean="0"/>
+          </a:p>
+          <a:p>
+            <a:r>
+              <a:rPr lang="sk-SK" dirty="0" smtClean="0"/>
+              <a:t>t</a:t>
+            </a:r>
+            <a:r>
+              <a:rPr lang="en-US" dirty="0" err="1" smtClean="0"/>
+              <a:t>estovanie</a:t>
+            </a:r>
+            <a:r>
+              <a:rPr lang="sk-SK" dirty="0" smtClean="0"/>
+              <a:t>,</a:t>
+            </a:r>
+          </a:p>
+          <a:p>
+            <a:r>
+              <a:rPr lang="sk-SK" dirty="0" smtClean="0"/>
+              <a:t>urýchlenie </a:t>
+            </a:r>
+            <a:r>
+              <a:rPr lang="sk-SK" dirty="0" smtClean="0"/>
+              <a:t>výpočtov</a:t>
+            </a:r>
+            <a:r>
+              <a:rPr lang="en-US" dirty="0" smtClean="0"/>
+              <a:t>/</a:t>
+            </a:r>
+            <a:r>
+              <a:rPr lang="en-US" dirty="0" err="1" smtClean="0"/>
+              <a:t>komuni</a:t>
+            </a:r>
+            <a:r>
+              <a:rPr lang="sk-SK" dirty="0" smtClean="0"/>
+              <a:t>kácie s ISO7816</a:t>
             </a:r>
             <a:r>
               <a:rPr lang="en-US" dirty="0" smtClean="0"/>
               <a:t>:</a:t>
             </a:r>
+            <a:endParaRPr lang="sk-SK" dirty="0" smtClean="0"/>
           </a:p>
           <a:p>
             <a:pPr lvl="1"/>
             <a:r>
-              <a:rPr lang="sk-SK" dirty="0" smtClean="0"/>
-              <a:t>reálnych aplikáciách (štandardizované, bezp.),</a:t>
-            </a:r>
+              <a:rPr lang="en-US" dirty="0" smtClean="0"/>
+              <a:t>v</a:t>
+            </a:r>
+            <a:r>
+              <a:rPr lang="sk-SK" dirty="0" smtClean="0"/>
+              <a:t>yššia rýchlosť CLK (</a:t>
+            </a:r>
+            <a:r>
+              <a:rPr lang="sk-SK" i="1" dirty="0" smtClean="0"/>
+              <a:t>nábežné časy, šum</a:t>
+            </a:r>
+            <a:r>
+              <a:rPr lang="sk-SK" dirty="0" smtClean="0"/>
+              <a:t>)</a:t>
+            </a:r>
+            <a:r>
+              <a:rPr lang="en-US" dirty="0" smtClean="0"/>
+              <a:t>,</a:t>
+            </a:r>
+            <a:endParaRPr lang="sk-SK" dirty="0" smtClean="0"/>
           </a:p>
           <a:p>
             <a:pPr lvl="1"/>
             <a:r>
               <a:rPr lang="sk-SK" dirty="0" smtClean="0"/>
-              <a:t>na rýchlejšie siete,</a:t>
-            </a:r>
+              <a:t>Secure messaging</a:t>
+            </a:r>
+            <a:r>
+              <a:rPr lang="en-US" dirty="0" smtClean="0"/>
+              <a:t>,</a:t>
+            </a:r>
+            <a:endParaRPr lang="sk-SK" dirty="0" smtClean="0"/>
           </a:p>
           <a:p>
             <a:pPr lvl="1"/>
             <a:r>
-              <a:rPr lang="sk-SK" dirty="0" smtClean="0"/>
-              <a:t>malé množstvo dát.</a:t>
-            </a:r>
+              <a:rPr lang="en-US" dirty="0" err="1" smtClean="0"/>
+              <a:t>manu</a:t>
+            </a:r>
+            <a:r>
+              <a:rPr lang="sk-SK" dirty="0" smtClean="0"/>
+              <a:t>álny</a:t>
+            </a:r>
+            <a:r>
+              <a:rPr lang="en-US" dirty="0" smtClean="0"/>
+              <a:t>:</a:t>
+            </a:r>
+            <a:r>
+              <a:rPr lang="sk-SK" dirty="0" smtClean="0"/>
+              <a:t> select, upload, install (</a:t>
+            </a:r>
+            <a:r>
+              <a:rPr lang="sk-SK" i="1" dirty="0" smtClean="0"/>
+              <a:t>reprogramovanie</a:t>
+            </a:r>
+            <a:r>
+              <a:rPr lang="sk-SK" dirty="0" smtClean="0"/>
+              <a:t>)</a:t>
+            </a:r>
+            <a:r>
+              <a:rPr lang="en-US" dirty="0" smtClean="0"/>
+              <a:t>.</a:t>
+            </a:r>
+            <a:endParaRPr lang="sk-SK" dirty="0" smtClean="0"/>
+          </a:p>
+          <a:p>
+            <a:pPr lvl="1"/>
             <a:endParaRPr lang="en-US" dirty="0"/>
           </a:p>
         </p:txBody>
@@ -9111,8 +9465,16 @@
           <a:lstStyle/>
           <a:p>
             <a:r>
-              <a:rPr lang="sk-SK" dirty="0" smtClean="0"/>
-              <a:t>Plány do budúcna</a:t>
+              <a:rPr lang="en-US" dirty="0" err="1" smtClean="0"/>
+              <a:t>Ot</a:t>
+            </a:r>
+            <a:r>
+              <a:rPr lang="sk-SK" dirty="0" smtClean="0"/>
+              <a:t>ázky</a:t>
+            </a:r>
+            <a:r>
+              <a:rPr lang="en-US" dirty="0" smtClean="0"/>
+              <a:t>?</a:t>
             </a:r>
             <a:endParaRPr lang="en-US" dirty="0"/>
           </a:p>
@@ -9130,222 +9492,221 @@
         </p:nvSpPr>
         <p:spPr>
           <a:xfrm>
-            <a:off x="457200" y="1600200"/>
-            <a:ext cx="8229600" cy="4953000"/>
+            <a:off x="457200" y="1143000"/>
+            <a:ext cx="8229600" cy="5562600"/>
           </a:xfrm>
         </p:spPr>
         <p:txBody>
           <a:bodyPr>
-            <a:normAutofit fontScale="85000" lnSpcReduction="10000"/>
+            <a:noAutofit/>
           </a:bodyPr>
           <a:lstStyle/>
           <a:p>
             <a:r>
-              <a:rPr lang="sk-SK" dirty="0" smtClean="0"/>
-              <a:t>Spracovanie RF komunikácie pomocou udalostí</a:t>
-            </a:r>
-            <a:r>
-              <a:rPr lang="en-US" dirty="0" smtClean="0"/>
-              <a:t>:</a:t>
-            </a:r>
-            <a:endParaRPr lang="sk-SK" dirty="0" smtClean="0"/>
-          </a:p>
-          <a:p>
-            <a:pPr lvl="1"/>
-            <a:r>
-              <a:rPr lang="sk-SK" dirty="0" smtClean="0"/>
-              <a:t>Programová synchr</a:t>
-            </a:r>
-            <a:r>
-              <a:rPr lang="en-US" dirty="0" smtClean="0"/>
-              <a:t>o</a:t>
-            </a:r>
-            <a:r>
-              <a:rPr lang="sk-SK" dirty="0" smtClean="0"/>
-              <a:t>nizácia (</a:t>
-            </a:r>
-            <a:r>
-              <a:rPr lang="sk-SK" i="1" dirty="0" smtClean="0"/>
-              <a:t>program, chyby</a:t>
-            </a:r>
-            <a:r>
-              <a:rPr lang="sk-SK" dirty="0" smtClean="0"/>
-              <a:t>)</a:t>
-            </a:r>
-            <a:endParaRPr lang="en-US" dirty="0" smtClean="0"/>
-          </a:p>
-          <a:p>
-            <a:pPr lvl="1"/>
-            <a:endParaRPr lang="sk-SK" dirty="0" smtClean="0"/>
-          </a:p>
-          <a:p>
-            <a:r>
-              <a:rPr lang="sk-SK" dirty="0" smtClean="0"/>
-              <a:t>overenia na iných komunikačných protokoloch</a:t>
-            </a:r>
-            <a:r>
-              <a:rPr lang="en-US" dirty="0" smtClean="0"/>
-              <a:t>,</a:t>
-            </a:r>
-          </a:p>
-          <a:p>
-            <a:r>
-              <a:rPr lang="sk-SK" dirty="0" smtClean="0"/>
-              <a:t>väčšiu sieť</a:t>
-            </a:r>
-            <a:r>
-              <a:rPr lang="en-US" dirty="0" smtClean="0"/>
-              <a:t>,</a:t>
-            </a:r>
-          </a:p>
-          <a:p>
-            <a:r>
-              <a:rPr lang="sk-SK" dirty="0" smtClean="0"/>
-              <a:t>testovanie zásobníka</a:t>
-            </a:r>
-            <a:r>
-              <a:rPr lang="en-US" dirty="0" smtClean="0"/>
-              <a:t> v ne</a:t>
-            </a:r>
-            <a:r>
-              <a:rPr lang="sk-SK" dirty="0" smtClean="0"/>
-              <a:t>štandardných situáciach</a:t>
-            </a:r>
-            <a:r>
-              <a:rPr lang="en-US" dirty="0" smtClean="0"/>
-              <a:t>,</a:t>
-            </a:r>
-            <a:endParaRPr lang="sk-SK" dirty="0" smtClean="0"/>
-          </a:p>
-          <a:p>
-            <a:r>
-              <a:rPr lang="sk-SK" dirty="0" smtClean="0"/>
-              <a:t>t</a:t>
-            </a:r>
-            <a:r>
-              <a:rPr lang="en-US" dirty="0" err="1" smtClean="0"/>
-              <a:t>estovanie</a:t>
-            </a:r>
-            <a:r>
-              <a:rPr lang="en-US" dirty="0" smtClean="0"/>
-              <a:t>, </a:t>
-            </a:r>
-            <a:r>
-              <a:rPr lang="sk-SK" dirty="0" smtClean="0"/>
-              <a:t>s</a:t>
-            </a:r>
-            <a:r>
-              <a:rPr lang="en-US" dirty="0" err="1" smtClean="0"/>
-              <a:t>niffer</a:t>
-            </a:r>
-            <a:r>
-              <a:rPr lang="en-US" dirty="0" smtClean="0"/>
-              <a:t>, </a:t>
-            </a:r>
-            <a:r>
-              <a:rPr lang="sk-SK" dirty="0" smtClean="0"/>
-              <a:t>Unit testy</a:t>
-            </a:r>
-            <a:r>
-              <a:rPr lang="en-US" dirty="0" smtClean="0"/>
-              <a:t>,</a:t>
-            </a:r>
-            <a:endParaRPr lang="sk-SK" dirty="0" smtClean="0"/>
-          </a:p>
-          <a:p>
-            <a:r>
-              <a:rPr lang="sk-SK" dirty="0" smtClean="0"/>
-              <a:t>Urýchlenie výpočtov</a:t>
-            </a:r>
-            <a:r>
-              <a:rPr lang="en-US" dirty="0" smtClean="0"/>
-              <a:t>/</a:t>
-            </a:r>
-            <a:r>
-              <a:rPr lang="en-US" dirty="0" err="1" smtClean="0"/>
-              <a:t>komuni</a:t>
-            </a:r>
-            <a:r>
-              <a:rPr lang="sk-SK" dirty="0" smtClean="0"/>
-              <a:t>kácie s ISO7816</a:t>
-            </a:r>
-            <a:r>
-              <a:rPr lang="en-US" dirty="0" smtClean="0"/>
-              <a:t>:</a:t>
-            </a:r>
-            <a:endParaRPr lang="sk-SK" dirty="0" smtClean="0"/>
-          </a:p>
-          <a:p>
-            <a:pPr lvl="1"/>
-            <a:r>
-              <a:rPr lang="en-US" dirty="0" smtClean="0"/>
-              <a:t>v</a:t>
-            </a:r>
-            <a:r>
-              <a:rPr lang="sk-SK" dirty="0" smtClean="0"/>
-              <a:t>yššia rýchlosť CLK (</a:t>
-            </a:r>
-            <a:r>
-              <a:rPr lang="sk-SK" i="1" dirty="0" smtClean="0"/>
-              <a:t>nábežné časy, šum</a:t>
-            </a:r>
-            <a:r>
-              <a:rPr lang="sk-SK" dirty="0" smtClean="0"/>
-              <a:t>)</a:t>
-            </a:r>
-            <a:r>
-              <a:rPr lang="en-US" dirty="0" smtClean="0"/>
-              <a:t>,</a:t>
-            </a:r>
-            <a:endParaRPr lang="sk-SK" dirty="0" smtClean="0"/>
-          </a:p>
-          <a:p>
-            <a:pPr lvl="1"/>
-            <a:r>
-              <a:rPr lang="sk-SK" dirty="0" smtClean="0"/>
-              <a:t>Secure messaging</a:t>
-            </a:r>
-            <a:r>
-              <a:rPr lang="en-US" dirty="0" smtClean="0"/>
-              <a:t>,</a:t>
-            </a:r>
-            <a:endParaRPr lang="sk-SK" dirty="0" smtClean="0"/>
-          </a:p>
-          <a:p>
-            <a:pPr lvl="1"/>
-            <a:r>
-              <a:rPr lang="en-US" dirty="0" err="1" smtClean="0"/>
-              <a:t>manu</a:t>
-            </a:r>
-            <a:r>
-              <a:rPr lang="sk-SK" dirty="0" smtClean="0"/>
-              <a:t>álny</a:t>
-            </a:r>
-            <a:r>
-              <a:rPr lang="en-US" dirty="0" smtClean="0"/>
-              <a:t>:</a:t>
-            </a:r>
-            <a:r>
-              <a:rPr lang="sk-SK" dirty="0" smtClean="0"/>
-              <a:t> select, upload, install (</a:t>
-            </a:r>
-            <a:r>
-              <a:rPr lang="sk-SK" i="1" dirty="0" smtClean="0"/>
-              <a:t>reprogramovanie</a:t>
-            </a:r>
-            <a:r>
-              <a:rPr lang="sk-SK" dirty="0" smtClean="0"/>
-              <a:t>)</a:t>
-            </a:r>
-            <a:r>
-              <a:rPr lang="en-US" dirty="0" smtClean="0"/>
-              <a:t>.</a:t>
-            </a:r>
-            <a:endParaRPr lang="sk-SK" dirty="0" smtClean="0"/>
-          </a:p>
-          <a:p>
-            <a:pPr lvl="1"/>
-            <a:endParaRPr lang="en-US" dirty="0"/>
+              <a:rPr lang="sk-SK" sz="1800" dirty="0" smtClean="0"/>
+              <a:t>Motivácia</a:t>
+            </a:r>
+            <a:endParaRPr lang="en-US" sz="1800" dirty="0" smtClean="0"/>
+          </a:p>
+          <a:p>
+            <a:r>
+              <a:rPr lang="sk-SK" sz="1800" dirty="0" smtClean="0"/>
+              <a:t>Informačná bezpečnosť</a:t>
+            </a:r>
+          </a:p>
+          <a:p>
+            <a:r>
+              <a:rPr lang="sk-SK" sz="1800" dirty="0" smtClean="0"/>
+              <a:t>Typy útokov</a:t>
+            </a:r>
+            <a:endParaRPr lang="en-US" sz="1800" dirty="0" smtClean="0"/>
+          </a:p>
+          <a:p>
+            <a:r>
+              <a:rPr lang="en-US" sz="1800" dirty="0" err="1" smtClean="0"/>
+              <a:t>Aktu</a:t>
+            </a:r>
+            <a:r>
+              <a:rPr lang="sk-SK" sz="1800" dirty="0" smtClean="0"/>
+              <a:t>álny s</a:t>
+            </a:r>
+            <a:r>
+              <a:rPr lang="en-US" sz="1800" dirty="0" err="1" smtClean="0"/>
+              <a:t>tav</a:t>
+            </a:r>
+            <a:r>
+              <a:rPr lang="en-US" sz="1800" dirty="0" smtClean="0"/>
+              <a:t> </a:t>
+            </a:r>
+            <a:r>
+              <a:rPr lang="sk-SK" sz="1800" dirty="0" smtClean="0"/>
+              <a:t>vo WPAN 802.15</a:t>
+            </a:r>
+            <a:endParaRPr lang="en-US" sz="1800" dirty="0" smtClean="0"/>
+          </a:p>
+          <a:p>
+            <a:r>
+              <a:rPr lang="sk-SK" sz="1800" dirty="0" smtClean="0"/>
+              <a:t>Navrhnuté riešenie</a:t>
+            </a:r>
+          </a:p>
+          <a:p>
+            <a:r>
+              <a:rPr lang="sk-SK" sz="1800" dirty="0" smtClean="0"/>
+              <a:t>Implementácia</a:t>
+            </a:r>
+            <a:endParaRPr lang="en-US" sz="1800" dirty="0" smtClean="0"/>
+          </a:p>
+          <a:p>
+            <a:pPr lvl="1">
+              <a:spcBef>
+                <a:spcPts val="100"/>
+              </a:spcBef>
+            </a:pPr>
+            <a:r>
+              <a:rPr lang="sk-SK" sz="1800" dirty="0" smtClean="0"/>
+              <a:t>Komunikačný protokol</a:t>
+            </a:r>
+            <a:endParaRPr lang="en-US" sz="1800" dirty="0" smtClean="0"/>
+          </a:p>
+          <a:p>
+            <a:pPr lvl="1">
+              <a:spcBef>
+                <a:spcPts val="100"/>
+              </a:spcBef>
+            </a:pPr>
+            <a:r>
+              <a:rPr lang="en-US" sz="1800" dirty="0" smtClean="0"/>
+              <a:t>RF k</a:t>
+            </a:r>
+            <a:r>
+              <a:rPr lang="sk-SK" sz="1800" dirty="0" smtClean="0"/>
+              <a:t>omuniká</a:t>
+            </a:r>
+            <a:r>
+              <a:rPr lang="en-US" sz="1800" dirty="0" err="1" smtClean="0"/>
+              <a:t>cia</a:t>
+            </a:r>
+            <a:endParaRPr lang="en-US" sz="1800" i="1" dirty="0" smtClean="0"/>
+          </a:p>
+          <a:p>
+            <a:pPr lvl="1">
+              <a:spcBef>
+                <a:spcPts val="100"/>
+              </a:spcBef>
+            </a:pPr>
+            <a:r>
+              <a:rPr lang="en-US" sz="1800" dirty="0" smtClean="0"/>
+              <a:t>Segment</a:t>
+            </a:r>
+            <a:r>
+              <a:rPr lang="sk-SK" sz="1800" dirty="0" smtClean="0"/>
+              <a:t>ácia správ </a:t>
+            </a:r>
+          </a:p>
+          <a:p>
+            <a:pPr lvl="1">
+              <a:spcBef>
+                <a:spcPts val="100"/>
+              </a:spcBef>
+            </a:pPr>
+            <a:r>
+              <a:rPr lang="sk-SK" sz="1800" dirty="0" smtClean="0"/>
+              <a:t>SW AES-128 a HW AES-128</a:t>
+            </a:r>
+            <a:endParaRPr lang="en-US" sz="1800" dirty="0" smtClean="0"/>
+          </a:p>
+          <a:p>
+            <a:pPr lvl="1">
+              <a:spcBef>
+                <a:spcPts val="100"/>
+              </a:spcBef>
+            </a:pPr>
+            <a:r>
+              <a:rPr lang="sk-SK" sz="1800" dirty="0" smtClean="0"/>
+              <a:t>ISO7816, APDU, blok dát, UART</a:t>
+            </a:r>
+            <a:endParaRPr lang="en-US" sz="1800" dirty="0" smtClean="0"/>
+          </a:p>
+          <a:p>
+            <a:pPr lvl="1">
+              <a:spcBef>
+                <a:spcPts val="100"/>
+              </a:spcBef>
+            </a:pPr>
+            <a:r>
+              <a:rPr lang="sk-SK" sz="1800" dirty="0" smtClean="0"/>
+              <a:t>Schémy, DPS</a:t>
+            </a:r>
+            <a:endParaRPr lang="en-US" sz="1800" dirty="0" smtClean="0"/>
+          </a:p>
+          <a:p>
+            <a:pPr lvl="1">
+              <a:spcBef>
+                <a:spcPts val="100"/>
+              </a:spcBef>
+            </a:pPr>
+            <a:r>
+              <a:rPr lang="sk-SK" sz="1800" dirty="0" smtClean="0"/>
+              <a:t>JavaCard</a:t>
+            </a:r>
+            <a:endParaRPr lang="en-US" sz="1800" dirty="0" smtClean="0"/>
+          </a:p>
+          <a:p>
+            <a:pPr lvl="1">
+              <a:spcBef>
+                <a:spcPts val="100"/>
+              </a:spcBef>
+            </a:pPr>
+            <a:r>
+              <a:rPr lang="sk-SK" sz="1800" dirty="0" smtClean="0"/>
+              <a:t>K</a:t>
+            </a:r>
+            <a:r>
+              <a:rPr lang="en-US" sz="1800" dirty="0" err="1" smtClean="0"/>
+              <a:t>onzola</a:t>
+            </a:r>
+            <a:endParaRPr lang="en-US" sz="1800" dirty="0" smtClean="0"/>
+          </a:p>
+          <a:p>
+            <a:r>
+              <a:rPr lang="sk-SK" sz="1800" dirty="0" smtClean="0"/>
+              <a:t>Testovanie </a:t>
+            </a:r>
+            <a:r>
+              <a:rPr lang="sk-SK" sz="1800" dirty="0" smtClean="0"/>
+              <a:t>a </a:t>
+            </a:r>
+            <a:r>
+              <a:rPr lang="sk-SK" sz="1800" dirty="0" smtClean="0"/>
+              <a:t>vyhodnotenie</a:t>
+            </a:r>
+            <a:endParaRPr lang="en-US" sz="1800" dirty="0" smtClean="0"/>
+          </a:p>
+          <a:p>
+            <a:r>
+              <a:rPr lang="sk-SK" sz="1800" dirty="0" smtClean="0"/>
+              <a:t>Sebakritika</a:t>
+            </a:r>
+            <a:endParaRPr lang="en-US" sz="1800" dirty="0" smtClean="0"/>
+          </a:p>
+          <a:p>
+            <a:r>
+              <a:rPr lang="en-US" sz="1800" dirty="0" smtClean="0"/>
+              <a:t>Z</a:t>
+            </a:r>
+            <a:r>
+              <a:rPr lang="sk-SK" sz="1800" dirty="0" smtClean="0"/>
+              <a:t>áver</a:t>
+            </a:r>
+            <a:endParaRPr lang="en-US" sz="1800" dirty="0" smtClean="0"/>
+          </a:p>
+          <a:p>
+            <a:r>
+              <a:rPr lang="sk-SK" sz="1800" dirty="0" smtClean="0"/>
+              <a:t>Plány do budúcna</a:t>
+            </a:r>
+            <a:endParaRPr lang="en-US" sz="1800" dirty="0"/>
           </a:p>
         </p:txBody>
       </p:sp>
@@ -9416,252 +9777,120 @@
           <a:lstStyle/>
           <a:p>
             <a:r>
+              <a:rPr lang="sk-SK" dirty="0" smtClean="0"/>
+              <a:t>Používané technológie</a:t>
+            </a:r>
+            <a:endParaRPr lang="en-US" dirty="0"/>
+          </a:p>
+        </p:txBody>
+      </p:sp>
+      <p:sp>
+        <p:nvSpPr>
+          <p:cNvPr id="3" name="Content Placeholder 2"/>
+          <p:cNvSpPr>
+            <a:spLocks noGrp="1"/>
+          </p:cNvSpPr>
+          <p:nvPr>
+            <p:ph idx="1"/>
+          </p:nvPr>
+        </p:nvSpPr>
+        <p:spPr/>
+        <p:txBody>
+          <a:bodyPr/>
+          <a:lstStyle/>
+          <a:p>
+            <a:r>
+              <a:rPr lang="sk-SK" dirty="0" smtClean="0"/>
+              <a:t>Viac m</a:t>
+            </a:r>
+            <a:r>
               <a:rPr lang="en-US" dirty="0" err="1" smtClean="0"/>
-              <a:t>Ot</a:t>
-            </a:r>
-            <a:r>
-              <a:rPr lang="sk-SK" dirty="0" smtClean="0"/>
-              <a:t>ázky</a:t>
+              <a:t>arketing</a:t>
+            </a:r>
+            <a:r>
+              <a:rPr lang="en-US" dirty="0" smtClean="0"/>
+              <a:t> ako </a:t>
+            </a:r>
+            <a:r>
+              <a:rPr lang="en-US" dirty="0" err="1" smtClean="0"/>
+              <a:t>technol</a:t>
+            </a:r>
+            <a:r>
+              <a:rPr lang="sk-SK" dirty="0" smtClean="0"/>
+              <a:t>ógie</a:t>
+            </a:r>
+            <a:r>
+              <a:rPr lang="en-US" dirty="0" smtClean="0"/>
+              <a:t> a </a:t>
+            </a:r>
+            <a:r>
+              <a:rPr lang="en-US" dirty="0" err="1" smtClean="0"/>
+              <a:t>parametre</a:t>
+            </a:r>
+            <a:r>
+              <a:rPr lang="en-US" dirty="0" smtClean="0"/>
+              <a:t>:</a:t>
+            </a:r>
+            <a:endParaRPr lang="en-US" dirty="0" smtClean="0"/>
+          </a:p>
+          <a:p>
+            <a:pPr lvl="1"/>
+            <a:r>
+              <a:rPr lang="sk-SK" dirty="0" smtClean="0"/>
+              <a:t>iControl Networks</a:t>
+            </a:r>
+            <a:r>
+              <a:rPr lang="en-US" dirty="0" smtClean="0"/>
+              <a:t>:</a:t>
+            </a:r>
+            <a:r>
+              <a:rPr lang="sk-SK" dirty="0" smtClean="0"/>
+              <a:t> </a:t>
+            </a:r>
+            <a:r>
+              <a:rPr lang="en-US" dirty="0" err="1" smtClean="0"/>
+              <a:t>ZigBee</a:t>
+            </a:r>
+            <a:r>
+              <a:rPr lang="en-US" dirty="0" smtClean="0"/>
+              <a:t>, Z-Wave</a:t>
+            </a:r>
+          </a:p>
+          <a:p>
+            <a:pPr lvl="1"/>
+            <a:r>
+              <a:rPr lang="en-US" dirty="0" err="1" smtClean="0"/>
+              <a:t>BeeWi</a:t>
+            </a:r>
+            <a:r>
+              <a:rPr lang="en-US" dirty="0" smtClean="0"/>
+              <a:t>: Bluetooth</a:t>
+            </a:r>
+            <a:endParaRPr lang="sk-SK" dirty="0" smtClean="0"/>
+          </a:p>
+          <a:p>
+            <a:pPr lvl="1"/>
+            <a:r>
+              <a:rPr lang="sk-SK" dirty="0" smtClean="0"/>
+              <a:t>Samsung SmartThings hub</a:t>
+            </a:r>
+            <a:r>
+              <a:rPr lang="en-US" dirty="0" smtClean="0"/>
+              <a:t>: </a:t>
+            </a:r>
+            <a:r>
+              <a:rPr lang="en-US" dirty="0" err="1" smtClean="0"/>
+              <a:t>WiFi</a:t>
+            </a:r>
+            <a:r>
+              <a:rPr lang="en-US" dirty="0" smtClean="0"/>
+              <a:t>, Z-Wave, LAN, </a:t>
+            </a:r>
+            <a:r>
+              <a:rPr lang="en-US" dirty="0" err="1" smtClean="0"/>
+              <a:t>ZigBee</a:t>
             </a:r>
             <a:endParaRPr lang="en-US" dirty="0"/>
-          </a:p>
-        </p:txBody>
-      </p:sp>
-      <p:sp>
-        <p:nvSpPr>
-          <p:cNvPr id="3" name="Content Placeholder 2"/>
-          <p:cNvSpPr>
-            <a:spLocks noGrp="1"/>
-          </p:cNvSpPr>
-          <p:nvPr>
-            <p:ph idx="1"/>
-          </p:nvPr>
-        </p:nvSpPr>
-        <p:spPr>
-          <a:xfrm>
-            <a:off x="457200" y="1143000"/>
-            <a:ext cx="8229600" cy="5562600"/>
-          </a:xfrm>
-        </p:spPr>
-        <p:txBody>
-          <a:bodyPr>
-            <a:noAutofit/>
-          </a:bodyPr>
-          <a:lstStyle/>
-          <a:p>
-            <a:r>
-              <a:rPr lang="sk-SK" sz="1600" dirty="0" smtClean="0"/>
-              <a:t>Motivácia</a:t>
-            </a:r>
-            <a:endParaRPr lang="en-US" sz="1600" dirty="0" smtClean="0"/>
-          </a:p>
-          <a:p>
-            <a:r>
-              <a:rPr lang="sk-SK" sz="1600" dirty="0" smtClean="0"/>
-              <a:t>Informačná bezpečnosť</a:t>
-            </a:r>
-          </a:p>
-          <a:p>
-            <a:r>
-              <a:rPr lang="sk-SK" sz="1600" dirty="0" smtClean="0"/>
-              <a:t>Typy útokov</a:t>
-            </a:r>
-            <a:endParaRPr lang="en-US" sz="1600" dirty="0" smtClean="0"/>
-          </a:p>
-          <a:p>
-            <a:r>
-              <a:rPr lang="en-US" sz="1600" dirty="0" err="1" smtClean="0"/>
-              <a:t>Aktu</a:t>
-            </a:r>
-            <a:r>
-              <a:rPr lang="sk-SK" sz="1600" dirty="0" smtClean="0"/>
-              <a:t>álny s</a:t>
-            </a:r>
-            <a:r>
-              <a:rPr lang="en-US" sz="1600" dirty="0" err="1" smtClean="0"/>
-              <a:t>tav</a:t>
-            </a:r>
-            <a:r>
-              <a:rPr lang="en-US" sz="1600" dirty="0" smtClean="0"/>
-              <a:t> </a:t>
-            </a:r>
-            <a:r>
-              <a:rPr lang="sk-SK" sz="1600" dirty="0" smtClean="0"/>
-              <a:t>vo WPAN 802.15</a:t>
-            </a:r>
-            <a:endParaRPr lang="en-US" sz="1600" dirty="0" smtClean="0"/>
-          </a:p>
-          <a:p>
-            <a:r>
-              <a:rPr lang="sk-SK" sz="1600" dirty="0" smtClean="0"/>
-              <a:t>Navrhnuté riešenie</a:t>
-            </a:r>
-          </a:p>
-          <a:p>
-            <a:r>
-              <a:rPr lang="sk-SK" sz="1600" dirty="0" smtClean="0"/>
-              <a:t>Implementácia</a:t>
-            </a:r>
-            <a:endParaRPr lang="en-US" sz="1600" dirty="0" smtClean="0"/>
-          </a:p>
-          <a:p>
-            <a:pPr lvl="1">
-              <a:spcBef>
-                <a:spcPts val="100"/>
-              </a:spcBef>
-            </a:pPr>
-            <a:r>
-              <a:rPr lang="sk-SK" sz="1600" dirty="0" smtClean="0"/>
-              <a:t>Komunikačný protokol</a:t>
-            </a:r>
-            <a:endParaRPr lang="en-US" sz="1600" dirty="0" smtClean="0"/>
-          </a:p>
-          <a:p>
-            <a:pPr lvl="1">
-              <a:spcBef>
-                <a:spcPts val="100"/>
-              </a:spcBef>
-            </a:pPr>
-            <a:r>
-              <a:rPr lang="en-US" sz="1600" dirty="0" smtClean="0"/>
-              <a:t>RF k</a:t>
-            </a:r>
-            <a:r>
-              <a:rPr lang="sk-SK" sz="1600" dirty="0" smtClean="0"/>
-              <a:t>omuniká</a:t>
-            </a:r>
-            <a:r>
-              <a:rPr lang="en-US" sz="1600" dirty="0" err="1" smtClean="0"/>
-              <a:t>cia</a:t>
-            </a:r>
-            <a:endParaRPr lang="en-US" sz="1600" i="1" dirty="0" smtClean="0"/>
-          </a:p>
-          <a:p>
-            <a:pPr lvl="1">
-              <a:spcBef>
-                <a:spcPts val="100"/>
-              </a:spcBef>
-            </a:pPr>
-            <a:r>
-              <a:rPr lang="en-US" sz="1600" dirty="0" smtClean="0"/>
-              <a:t>Segment</a:t>
-            </a:r>
-            <a:r>
-              <a:rPr lang="sk-SK" sz="1600" dirty="0" smtClean="0"/>
-              <a:t>ácia správ </a:t>
-            </a:r>
-          </a:p>
-          <a:p>
-            <a:pPr lvl="1">
-              <a:spcBef>
-                <a:spcPts val="100"/>
-              </a:spcBef>
-            </a:pPr>
-            <a:r>
-              <a:rPr lang="sk-SK" sz="1600" dirty="0" smtClean="0"/>
-              <a:t>SW AES-128 a HW AES-128</a:t>
-            </a:r>
-            <a:endParaRPr lang="en-US" sz="1600" dirty="0" smtClean="0"/>
-          </a:p>
-          <a:p>
-            <a:pPr lvl="1">
-              <a:spcBef>
-                <a:spcPts val="100"/>
-              </a:spcBef>
-            </a:pPr>
-            <a:r>
-              <a:rPr lang="sk-SK" sz="1600" dirty="0" smtClean="0"/>
-              <a:t>ISO7816, APDU, blok dát, UART</a:t>
-            </a:r>
-            <a:endParaRPr lang="en-US" sz="1600" dirty="0" smtClean="0"/>
-          </a:p>
-          <a:p>
-            <a:pPr lvl="1">
-              <a:spcBef>
-                <a:spcPts val="100"/>
-              </a:spcBef>
-            </a:pPr>
-            <a:r>
-              <a:rPr lang="sk-SK" sz="1600" dirty="0" smtClean="0"/>
-              <a:t>DPS</a:t>
-            </a:r>
-            <a:endParaRPr lang="en-US" sz="1600" dirty="0" smtClean="0"/>
-          </a:p>
-          <a:p>
-            <a:pPr lvl="1">
-              <a:spcBef>
-                <a:spcPts val="100"/>
-              </a:spcBef>
-            </a:pPr>
-            <a:r>
-              <a:rPr lang="sk-SK" sz="1600" dirty="0" smtClean="0"/>
-              <a:t>JavaCard</a:t>
-            </a:r>
-            <a:endParaRPr lang="en-US" sz="1600" dirty="0" smtClean="0"/>
-          </a:p>
-          <a:p>
-            <a:pPr lvl="1">
-              <a:spcBef>
-                <a:spcPts val="100"/>
-              </a:spcBef>
-            </a:pPr>
-            <a:r>
-              <a:rPr lang="sk-SK" sz="1600" dirty="0" smtClean="0"/>
-              <a:t>K</a:t>
-            </a:r>
-            <a:r>
-              <a:rPr lang="en-US" sz="1600" dirty="0" err="1" smtClean="0"/>
-              <a:t>onzola</a:t>
-            </a:r>
-            <a:endParaRPr lang="en-US" sz="1600" dirty="0" smtClean="0"/>
-          </a:p>
-          <a:p>
-            <a:r>
-              <a:rPr lang="sk-SK" sz="1600" dirty="0" smtClean="0"/>
-              <a:t>Testovanie  a vyhodnotenie</a:t>
-            </a:r>
-            <a:endParaRPr lang="en-US" sz="1600" dirty="0" smtClean="0"/>
-          </a:p>
-          <a:p>
-            <a:r>
-              <a:rPr lang="sk-SK" sz="1600" dirty="0" smtClean="0"/>
-              <a:t>Sebakritika</a:t>
-            </a:r>
-            <a:endParaRPr lang="en-US" sz="1600" dirty="0" smtClean="0"/>
-          </a:p>
-          <a:p>
-            <a:pPr lvl="1"/>
-            <a:r>
-              <a:rPr lang="sk-SK" sz="1600" dirty="0" smtClean="0"/>
-              <a:t>Čo sa nepodarilo</a:t>
-            </a:r>
-            <a:endParaRPr lang="en-US" sz="1600" dirty="0" smtClean="0"/>
-          </a:p>
-          <a:p>
-            <a:pPr lvl="1"/>
-            <a:r>
-              <a:rPr lang="sk-SK" sz="1600" dirty="0" smtClean="0"/>
-              <a:t>Čo sa nefungovalo podľa predstáv</a:t>
-            </a:r>
-            <a:endParaRPr lang="en-US" sz="1600" dirty="0" smtClean="0"/>
-          </a:p>
-          <a:p>
-            <a:r>
-              <a:rPr lang="en-US" sz="1600" dirty="0" smtClean="0"/>
-              <a:t>Z</a:t>
-            </a:r>
-            <a:r>
-              <a:rPr lang="sk-SK" sz="1600" dirty="0" smtClean="0"/>
-              <a:t>áver</a:t>
-            </a:r>
-            <a:endParaRPr lang="en-US" sz="1600" dirty="0" smtClean="0"/>
-          </a:p>
-          <a:p>
-            <a:r>
-              <a:rPr lang="sk-SK" sz="1600" dirty="0" smtClean="0"/>
-              <a:t>Plány do budúcna</a:t>
-            </a:r>
-            <a:endParaRPr lang="en-US" sz="1600" dirty="0"/>
           </a:p>
         </p:txBody>
       </p:sp>
@@ -9732,178 +9961,6 @@
           <a:lstStyle/>
           <a:p>
             <a:r>
-              <a:rPr lang="sk-SK" dirty="0" smtClean="0"/>
-              <a:t>Používané technológie</a:t>
-            </a:r>
-            <a:endParaRPr lang="en-US" dirty="0"/>
-          </a:p>
-        </p:txBody>
-      </p:sp>
-      <p:sp>
-        <p:nvSpPr>
-          <p:cNvPr id="3" name="Content Placeholder 2"/>
-          <p:cNvSpPr>
-            <a:spLocks noGrp="1"/>
-          </p:cNvSpPr>
-          <p:nvPr>
-            <p:ph idx="1"/>
-          </p:nvPr>
-        </p:nvSpPr>
-        <p:spPr/>
-        <p:txBody>
-          <a:bodyPr/>
-          <a:lstStyle/>
-          <a:p>
-            <a:r>
-              <a:rPr lang="sk-SK" dirty="0" smtClean="0"/>
-              <a:t>Viac m</a:t>
-            </a:r>
-            <a:r>
-              <a:rPr lang="en-US" dirty="0" err="1" smtClean="0"/>
-              <a:t>arketing</a:t>
-            </a:r>
-            <a:r>
-              <a:rPr lang="en-US" dirty="0" smtClean="0"/>
-              <a:t> ako </a:t>
-            </a:r>
-            <a:r>
-              <a:rPr lang="en-US" dirty="0" err="1" smtClean="0"/>
-              <a:t>technol</a:t>
-            </a:r>
-            <a:r>
-              <a:rPr lang="sk-SK" dirty="0" smtClean="0"/>
-              <a:t>ógie</a:t>
-            </a:r>
-            <a:endParaRPr lang="en-US" dirty="0" smtClean="0"/>
-          </a:p>
-          <a:p>
-            <a:pPr lvl="1"/>
-            <a:r>
-              <a:rPr lang="sk-SK" dirty="0" smtClean="0"/>
-              <a:t>iControl Networks</a:t>
-            </a:r>
-            <a:r>
-              <a:rPr lang="en-US" dirty="0" smtClean="0"/>
-              <a:t>:</a:t>
-            </a:r>
-            <a:r>
-              <a:rPr lang="sk-SK" dirty="0" smtClean="0"/>
-              <a:t> </a:t>
-            </a:r>
-            <a:r>
-              <a:rPr lang="en-US" dirty="0" err="1" smtClean="0"/>
-              <a:t>ZigBee</a:t>
-            </a:r>
-            <a:r>
-              <a:rPr lang="en-US" dirty="0" smtClean="0"/>
-              <a:t>, Z-Wave</a:t>
-            </a:r>
-          </a:p>
-          <a:p>
-            <a:pPr lvl="1"/>
-            <a:r>
-              <a:rPr lang="en-US" dirty="0" err="1" smtClean="0"/>
-              <a:t>BeeWi</a:t>
-            </a:r>
-            <a:r>
-              <a:rPr lang="en-US" dirty="0" smtClean="0"/>
-              <a:t>: Bluetooth</a:t>
-            </a:r>
-            <a:endParaRPr lang="sk-SK" dirty="0" smtClean="0"/>
-          </a:p>
-          <a:p>
-            <a:pPr lvl="1"/>
-            <a:r>
-              <a:rPr lang="sk-SK" dirty="0" smtClean="0"/>
-              <a:t>Samsung SmartThings hub</a:t>
-            </a:r>
-            <a:r>
-              <a:rPr lang="en-US" dirty="0" smtClean="0"/>
-              <a:t>: </a:t>
-            </a:r>
-            <a:r>
-              <a:rPr lang="en-US" dirty="0" err="1" smtClean="0"/>
-              <a:t>WiFi</a:t>
-            </a:r>
-            <a:r>
-              <a:rPr lang="en-US" dirty="0" smtClean="0"/>
-              <a:t>, Z-Wave, LAN, </a:t>
-            </a:r>
-            <a:r>
-              <a:rPr lang="en-US" dirty="0" err="1" smtClean="0"/>
-              <a:t>ZigBee</a:t>
-            </a:r>
-            <a:endParaRPr lang="en-US" dirty="0"/>
-          </a:p>
-        </p:txBody>
-      </p:sp>
-      <p:sp>
-        <p:nvSpPr>
-          <p:cNvPr id="4" name="Slide Number Placeholder 3"/>
-          <p:cNvSpPr>
-            <a:spLocks noGrp="1"/>
-          </p:cNvSpPr>
-          <p:nvPr>
-            <p:ph type="sldNum" sz="quarter" idx="12"/>
-          </p:nvPr>
-        </p:nvSpPr>
-        <p:spPr/>
-        <p:txBody>
-          <a:bodyPr/>
-          <a:lstStyle/>
-          <a:p>
-            <a:fld id="{8C584B50-B360-452D-AFC7-DEF83B5F5806}" type="slidenum">
-              <a:rPr lang="en-US" smtClean="0"/>
-              <a:pPr/>
-              <a:t>32</a:t>
-            </a:fld>
-            <a:endParaRPr lang="en-US"/>
-          </a:p>
-        </p:txBody>
-      </p:sp>
-    </p:spTree>
-  </p:cSld>
-  <p:clrMapOvr>
-    <a:masterClrMapping/>
-  </p:clrMapOvr>
-</p:sld>
-</file>
-
-<file path=ppt/slides/slide33.xml><?xml version="1.0" encoding="utf-8"?>
-<p:sld xmlns:a="http://schemas.openxmlformats.org/drawingml/2006/main" xmlns:r="http://schemas.openxmlformats.org/officeDocument/2006/relationships" xmlns:p="http://schemas.openxmlformats.org/presentationml/2006/main">
-  <p:cSld>
-    <p:spTree>
-      <p:nvGrpSpPr>
-        <p:cNvPr id="1" name=""/>
-        <p:cNvGrpSpPr/>
-        <p:nvPr/>
-      </p:nvGrpSpPr>
-      <p:grpSpPr>
-        <a:xfrm>
-          <a:off x="0" y="0"/>
-          <a:ext cx="0" cy="0"/>
-          <a:chOff x="0" y="0"/>
-          <a:chExt cx="0" cy="0"/>
-        </a:xfrm>
-      </p:grpSpPr>
-      <p:sp>
-        <p:nvSpPr>
-          <p:cNvPr id="2" name="Title 1"/>
-          <p:cNvSpPr>
-            <a:spLocks noGrp="1"/>
-          </p:cNvSpPr>
-          <p:nvPr>
-            <p:ph type="title"/>
-          </p:nvPr>
-        </p:nvSpPr>
-        <p:spPr/>
-        <p:txBody>
-          <a:bodyPr>
-            <a:normAutofit/>
-          </a:bodyPr>
-          <a:lstStyle/>
-          <a:p>
-            <a:r>
               <a:rPr lang="en-US" dirty="0" err="1" smtClean="0"/>
               <a:t>Odpor</a:t>
             </a:r>
@@ -10039,7 +10096,7 @@
             <a:fld id="{8C584B50-B360-452D-AFC7-DEF83B5F5806}" type="slidenum">
               <a:rPr lang="en-US" smtClean="0"/>
               <a:pPr/>
-              <a:t>33</a:t>
+              <a:t>32</a:t>
             </a:fld>
             <a:endParaRPr lang="en-US"/>
           </a:p>
@@ -10379,6 +10436,150 @@
 </p:sld>
 </file>
 
+<file path=ppt/slides/slide33.xml><?xml version="1.0" encoding="utf-8"?>
+<p:sld xmlns:a="http://schemas.openxmlformats.org/drawingml/2006/main" xmlns:r="http://schemas.openxmlformats.org/officeDocument/2006/relationships" xmlns:p="http://schemas.openxmlformats.org/presentationml/2006/main">
+  <p:cSld>
+    <p:spTree>
+      <p:nvGrpSpPr>
+        <p:cNvPr id="1" name=""/>
+        <p:cNvGrpSpPr/>
+        <p:nvPr/>
+      </p:nvGrpSpPr>
+      <p:grpSpPr>
+        <a:xfrm>
+          <a:off x="0" y="0"/>
+          <a:ext cx="0" cy="0"/>
+          <a:chOff x="0" y="0"/>
+          <a:chExt cx="0" cy="0"/>
+        </a:xfrm>
+      </p:grpSpPr>
+      <p:sp>
+        <p:nvSpPr>
+          <p:cNvPr id="2" name="Title 1"/>
+          <p:cNvSpPr>
+            <a:spLocks noGrp="1"/>
+          </p:cNvSpPr>
+          <p:nvPr>
+            <p:ph type="title"/>
+          </p:nvPr>
+        </p:nvSpPr>
+        <p:spPr/>
+        <p:txBody>
+          <a:bodyPr>
+            <a:normAutofit/>
+          </a:bodyPr>
+          <a:lstStyle/>
+          <a:p>
+            <a:r>
+              <a:rPr lang="sk-SK" dirty="0" smtClean="0"/>
+              <a:t>Prečo komunikačný protokol ANT</a:t>
+            </a:r>
+            <a:r>
+              <a:rPr lang="en-US" dirty="0" smtClean="0"/>
+              <a:t>?</a:t>
+            </a:r>
+            <a:endParaRPr lang="en-US" dirty="0"/>
+          </a:p>
+        </p:txBody>
+      </p:sp>
+      <p:sp>
+        <p:nvSpPr>
+          <p:cNvPr id="3" name="Content Placeholder 2"/>
+          <p:cNvSpPr>
+            <a:spLocks noGrp="1"/>
+          </p:cNvSpPr>
+          <p:nvPr>
+            <p:ph idx="1"/>
+          </p:nvPr>
+        </p:nvSpPr>
+        <p:spPr/>
+        <p:txBody>
+          <a:bodyPr/>
+          <a:lstStyle/>
+          <a:p>
+            <a:r>
+              <a:rPr lang="sk-SK" dirty="0" smtClean="0"/>
+              <a:t>Nutné na niečom overiť riešenie, fyzické výsledky</a:t>
+            </a:r>
+            <a:endParaRPr lang="en-US" dirty="0" smtClean="0"/>
+          </a:p>
+          <a:p>
+            <a:endParaRPr lang="en-US" dirty="0" smtClean="0"/>
+          </a:p>
+          <a:p>
+            <a:r>
+              <a:rPr lang="sk-SK" dirty="0" smtClean="0"/>
+              <a:t>g</a:t>
+            </a:r>
+            <a:r>
+              <a:rPr lang="en-US" dirty="0" err="1" smtClean="0"/>
+              <a:t>enerick</a:t>
+            </a:r>
+            <a:r>
+              <a:rPr lang="sk-SK" dirty="0" smtClean="0"/>
+              <a:t>é riešenie (</a:t>
+            </a:r>
+            <a:r>
+              <a:rPr lang="sk-SK" dirty="0" smtClean="0"/>
+              <a:t>rôznorodosť</a:t>
+            </a:r>
+            <a:r>
+              <a:rPr lang="sk-SK" dirty="0" smtClean="0"/>
+              <a:t>)</a:t>
+            </a:r>
+          </a:p>
+          <a:p>
+            <a:r>
+              <a:rPr lang="sk-SK" dirty="0" smtClean="0"/>
+              <a:t>vždy bude nutnosť optimalizácie na HW</a:t>
+            </a:r>
+          </a:p>
+          <a:p>
+            <a:endParaRPr lang="sk-SK" dirty="0" smtClean="0"/>
+          </a:p>
+          <a:p>
+            <a:r>
+              <a:rPr lang="sk-SK" dirty="0" smtClean="0"/>
+              <a:t>bol po ruke</a:t>
+            </a:r>
+          </a:p>
+          <a:p>
+            <a:endParaRPr lang="en-US" dirty="0"/>
+          </a:p>
+        </p:txBody>
+      </p:sp>
+      <p:sp>
+        <p:nvSpPr>
+          <p:cNvPr id="4" name="Slide Number Placeholder 3"/>
+          <p:cNvSpPr>
+            <a:spLocks noGrp="1"/>
+          </p:cNvSpPr>
+          <p:nvPr>
+            <p:ph type="sldNum" sz="quarter" idx="12"/>
+          </p:nvPr>
+        </p:nvSpPr>
+        <p:spPr/>
+        <p:txBody>
+          <a:bodyPr/>
+          <a:lstStyle/>
+          <a:p>
+            <a:fld id="{8C584B50-B360-452D-AFC7-DEF83B5F5806}" type="slidenum">
+              <a:rPr lang="en-US" smtClean="0"/>
+              <a:pPr/>
+              <a:t>33</a:t>
+            </a:fld>
+            <a:endParaRPr lang="en-US"/>
+          </a:p>
+        </p:txBody>
+      </p:sp>
+    </p:spTree>
+  </p:cSld>
+  <p:clrMapOvr>
+    <a:masterClrMapping/>
+  </p:clrMapOvr>
+</p:sld>
+</file>
+
 <file path=ppt/slides/slide34.xml><?xml version="1.0" encoding="utf-8"?>
 <p:sld xmlns:a="http://schemas.openxmlformats.org/drawingml/2006/main" xmlns:r="http://schemas.openxmlformats.org/officeDocument/2006/relationships" xmlns:p="http://schemas.openxmlformats.org/presentationml/2006/main">
   <p:cSld>
@@ -10415,11 +10616,7 @@
           <a:p>
             <a:r>
               <a:rPr lang="sk-SK" dirty="0" smtClean="0"/>
-              <a:t>Prečo komunikačný protokol ANT</a:t>
-            </a:r>
-            <a:r>
-              <a:rPr lang="en-US" dirty="0" smtClean="0"/>
-              <a:t>?</a:t>
+              <a:t>Najčastejšie dôvody porúch </a:t>
             </a:r>
             <a:endParaRPr lang="en-US" dirty="0"/>
           </a:p>
@@ -10437,48 +10634,89 @@
         </p:nvSpPr>
         <p:spPr/>
         <p:txBody>
-          <a:bodyPr/>
-          <a:lstStyle/>
-          <a:p>
-            <a:r>
-              <a:rPr lang="sk-SK" dirty="0" smtClean="0"/>
-              <a:t>Nutné na niečom overiť riešenie, fyzické výsledky</a:t>
-            </a:r>
-            <a:endParaRPr lang="en-US" dirty="0" smtClean="0"/>
-          </a:p>
-          <a:p>
-            <a:endParaRPr lang="en-US" dirty="0" smtClean="0"/>
-          </a:p>
-          <a:p>
-            <a:r>
-              <a:rPr lang="sk-SK" dirty="0" smtClean="0"/>
-              <a:t>g</a:t>
+          <a:bodyPr>
+            <a:normAutofit/>
+          </a:bodyPr>
+          <a:lstStyle/>
+          <a:p>
+            <a:r>
+              <a:rPr lang="sk-SK" dirty="0" smtClean="0"/>
+              <a:t>predpoklad že najmä kvôli </a:t>
+            </a:r>
+          </a:p>
+          <a:p>
+            <a:pPr lvl="1"/>
+            <a:r>
+              <a:rPr lang="sk-SK" dirty="0" smtClean="0"/>
+              <a:t>komunikáci</a:t>
+            </a:r>
+            <a:r>
+              <a:rPr lang="en-US" dirty="0" smtClean="0"/>
+              <a:t>a</a:t>
+            </a:r>
+            <a:r>
+              <a:rPr lang="sk-SK" dirty="0" smtClean="0"/>
+              <a:t> s kryptoelementom (atomicky)</a:t>
+            </a:r>
+          </a:p>
+          <a:p>
+            <a:pPr lvl="1"/>
+            <a:r>
+              <a:rPr lang="sk-SK" dirty="0" smtClean="0"/>
+              <a:t>zmeškanie časového okna pre posielanie</a:t>
+            </a:r>
+            <a:r>
+              <a:rPr lang="en-US" dirty="0" smtClean="0"/>
+              <a:t>: </a:t>
             </a:r>
             <a:r>
               <a:rPr lang="en-US" dirty="0" err="1" smtClean="0"/>
-              <a:t>enerick</a:t>
-            </a:r>
-            <a:r>
-              <a:rPr lang="sk-SK" dirty="0" smtClean="0"/>
-              <a:t>é riešenie (roznorodosť)</a:t>
-            </a:r>
-          </a:p>
-          <a:p>
-            <a:r>
-              <a:rPr lang="sk-SK" dirty="0" smtClean="0"/>
-              <a:t>vždy bude nutnosť optimalizácie na HW</a:t>
-            </a:r>
-          </a:p>
-          <a:p>
+              <a:t>rozsynchronizovanie</a:t>
+            </a:r>
+            <a:r>
+              <a:rPr lang="en-US" dirty="0" smtClean="0"/>
+              <a:t> </a:t>
+            </a:r>
+            <a:r>
+              <a:rPr lang="en-US" dirty="0" err="1" smtClean="0"/>
+              <a:t>protokolu</a:t>
+            </a:r>
             <a:endParaRPr lang="sk-SK" dirty="0" smtClean="0"/>
           </a:p>
           <a:p>
-            <a:r>
-              <a:rPr lang="sk-SK" dirty="0" smtClean="0"/>
-              <a:t>bol po ruke</a:t>
-            </a:r>
-          </a:p>
-          <a:p>
+            <a:endParaRPr lang="sk-SK" dirty="0" smtClean="0"/>
+          </a:p>
+          <a:p>
+            <a:r>
+              <a:rPr lang="sk-SK" dirty="0" smtClean="0"/>
+              <a:t>Protiopatrenia</a:t>
+            </a:r>
+          </a:p>
+          <a:p>
+            <a:pPr lvl="1"/>
+            <a:r>
+              <a:rPr lang="sk-SK" dirty="0" smtClean="0"/>
+              <a:t>pred-pripravovanie </a:t>
+            </a:r>
+            <a:r>
+              <a:rPr lang="sk-SK" dirty="0" smtClean="0"/>
+              <a:t>dát, posielanie neskôr</a:t>
+            </a:r>
+          </a:p>
+          <a:p>
+            <a:pPr lvl="1"/>
+            <a:r>
+              <a:rPr lang="sk-SK" dirty="0" smtClean="0"/>
+              <a:t>SoftDevice</a:t>
+            </a:r>
+            <a:r>
+              <a:rPr lang="en-US" dirty="0" smtClean="0"/>
+              <a:t>: </a:t>
+            </a:r>
+            <a:r>
+              <a:rPr lang="sk-SK" dirty="0" smtClean="0"/>
+              <a:t>kontrola, či sa nič neposiela</a:t>
+            </a:r>
             <a:endParaRPr lang="en-US" dirty="0"/>
           </a:p>
         </p:txBody>
@@ -10559,109 +10797,6 @@
       </p:sp>
       <p:sp>
         <p:nvSpPr>
-          <p:cNvPr id="3" name="Content Placeholder 2"/>
-          <p:cNvSpPr>
-            <a:spLocks noGrp="1"/>
-          </p:cNvSpPr>
-          <p:nvPr>
-            <p:ph idx="1"/>
-          </p:nvPr>
-        </p:nvSpPr>
-        <p:spPr/>
-        <p:txBody>
-          <a:bodyPr>
-            <a:normAutofit/>
-          </a:bodyPr>
-          <a:lstStyle/>
-          <a:p>
-            <a:r>
-              <a:rPr lang="sk-SK" dirty="0" smtClean="0"/>
-              <a:t>predpoklad </a:t>
-            </a:r>
-            <a:r>
-              <a:rPr lang="sk-SK" dirty="0" smtClean="0"/>
-              <a:t>že najmä kvôli </a:t>
-            </a:r>
-          </a:p>
-          <a:p>
-            <a:pPr lvl="1"/>
-            <a:r>
-              <a:rPr lang="sk-SK" dirty="0" smtClean="0"/>
-              <a:t>komunikáci</a:t>
-            </a:r>
-            <a:r>
-              <a:rPr lang="en-US" dirty="0" smtClean="0"/>
-              <a:t>a</a:t>
-            </a:r>
-            <a:r>
-              <a:rPr lang="sk-SK" dirty="0" smtClean="0"/>
-              <a:t> </a:t>
-            </a:r>
-            <a:r>
-              <a:rPr lang="sk-SK" dirty="0" smtClean="0"/>
-              <a:t>s kryptoelementom (atomicky)</a:t>
-            </a:r>
-          </a:p>
-          <a:p>
-            <a:pPr lvl="1"/>
-            <a:r>
-              <a:rPr lang="sk-SK" dirty="0" smtClean="0"/>
-              <a:t>zmeškanie časového okna pre posielanie</a:t>
-            </a:r>
-            <a:r>
-              <a:rPr lang="en-US" dirty="0" smtClean="0"/>
-              <a:t>: </a:t>
-            </a:r>
-            <a:r>
-              <a:rPr lang="en-US" dirty="0" err="1" smtClean="0"/>
-              <a:t>rozsynchronizovanie</a:t>
-            </a:r>
-            <a:r>
-              <a:rPr lang="en-US" dirty="0" smtClean="0"/>
-              <a:t> </a:t>
-            </a:r>
-            <a:r>
-              <a:rPr lang="en-US" dirty="0" err="1" smtClean="0"/>
-              <a:t>protokolu</a:t>
-            </a:r>
-            <a:endParaRPr lang="sk-SK" dirty="0" smtClean="0"/>
-          </a:p>
-          <a:p>
-            <a:endParaRPr lang="sk-SK" dirty="0" smtClean="0"/>
-          </a:p>
-          <a:p>
-            <a:r>
-              <a:rPr lang="sk-SK" dirty="0" smtClean="0"/>
-              <a:t>Protiopatrenia</a:t>
-            </a:r>
-          </a:p>
-          <a:p>
-            <a:pPr lvl="1"/>
-            <a:r>
-              <a:rPr lang="sk-SK" dirty="0" smtClean="0"/>
-              <a:t>predpripravovanie dát, posielanie neskôr</a:t>
-            </a:r>
-          </a:p>
-          <a:p>
-            <a:pPr lvl="1"/>
-            <a:r>
-              <a:rPr lang="sk-SK" dirty="0" smtClean="0"/>
-              <a:t>SoftDevice</a:t>
-            </a:r>
-            <a:r>
-              <a:rPr lang="en-US" dirty="0" smtClean="0"/>
-              <a:t>: </a:t>
-            </a:r>
-            <a:r>
-              <a:rPr lang="sk-SK" dirty="0" smtClean="0"/>
-              <a:t>kontrola, či sa nič neposiela</a:t>
-            </a:r>
-            <a:endParaRPr lang="en-US" dirty="0"/>
-          </a:p>
-        </p:txBody>
-      </p:sp>
-      <p:sp>
-        <p:nvSpPr>
           <p:cNvPr id="4" name="Slide Number Placeholder 3"/>
           <p:cNvSpPr>
             <a:spLocks noGrp="1"/>
@@ -10679,80 +10814,6 @@
               <a:rPr lang="en-US" smtClean="0"/>
               <a:pPr/>
               <a:t>35</a:t>
-            </a:fld>
-            <a:endParaRPr lang="en-US"/>
-          </a:p>
-        </p:txBody>
-      </p:sp>
-    </p:spTree>
-  </p:cSld>
-  <p:clrMapOvr>
-    <a:masterClrMapping/>
-  </p:clrMapOvr>
-</p:sld>
-</file>
-
-<file path=ppt/slides/slide36.xml><?xml version="1.0" encoding="utf-8"?>
-<p:sld xmlns:a="http://schemas.openxmlformats.org/drawingml/2006/main" xmlns:r="http://schemas.openxmlformats.org/officeDocument/2006/relationships" xmlns:p="http://schemas.openxmlformats.org/presentationml/2006/main">
-  <p:cSld>
-    <p:spTree>
-      <p:nvGrpSpPr>
-        <p:cNvPr id="1" name=""/>
-        <p:cNvGrpSpPr/>
-        <p:nvPr/>
-      </p:nvGrpSpPr>
-      <p:grpSpPr>
-        <a:xfrm>
-          <a:off x="0" y="0"/>
-          <a:ext cx="0" cy="0"/>
-          <a:chOff x="0" y="0"/>
-          <a:chExt cx="0" cy="0"/>
-        </a:xfrm>
-      </p:grpSpPr>
-      <p:sp>
-        <p:nvSpPr>
-          <p:cNvPr id="2" name="Title 1"/>
-          <p:cNvSpPr>
-            <a:spLocks noGrp="1"/>
-          </p:cNvSpPr>
-          <p:nvPr>
-            <p:ph type="title"/>
-          </p:nvPr>
-        </p:nvSpPr>
-        <p:spPr/>
-        <p:txBody>
-          <a:bodyPr>
-            <a:normAutofit/>
-          </a:bodyPr>
-          <a:lstStyle/>
-          <a:p>
-            <a:r>
-              <a:rPr lang="sk-SK" dirty="0" smtClean="0"/>
-              <a:t>Najčastejšie dôvody porúch </a:t>
-            </a:r>
-            <a:endParaRPr lang="en-US" dirty="0"/>
-          </a:p>
-        </p:txBody>
-      </p:sp>
-      <p:sp>
-        <p:nvSpPr>
-          <p:cNvPr id="4" name="Slide Number Placeholder 3"/>
-          <p:cNvSpPr>
-            <a:spLocks noGrp="1"/>
-          </p:cNvSpPr>
-          <p:nvPr>
-            <p:ph type="sldNum" sz="quarter" idx="12"/>
-          </p:nvPr>
-        </p:nvSpPr>
-        <p:spPr/>
-        <p:txBody>
-          <a:bodyPr/>
-          <a:lstStyle/>
-          <a:p>
-            <a:fld id="{8C584B50-B360-452D-AFC7-DEF83B5F5806}" type="slidenum">
-              <a:rPr lang="en-US" smtClean="0"/>
-              <a:pPr/>
-              <a:t>36</a:t>
             </a:fld>
             <a:endParaRPr lang="en-US"/>
           </a:p>
@@ -10801,7 +10862,7 @@
 </p:sld>
 </file>
 
-<file path=ppt/slides/slide37.xml><?xml version="1.0" encoding="utf-8"?>
+<file path=ppt/slides/slide36.xml><?xml version="1.0" encoding="utf-8"?>
 <p:sld xmlns:a="http://schemas.openxmlformats.org/drawingml/2006/main" xmlns:r="http://schemas.openxmlformats.org/officeDocument/2006/relationships" xmlns:p="http://schemas.openxmlformats.org/presentationml/2006/main">
   <p:cSld>
     <p:spTree>
@@ -10837,7 +10898,11 @@
           <a:p>
             <a:r>
               <a:rPr lang="sk-SK" dirty="0" smtClean="0"/>
-              <a:t>Ako urýchliť </a:t>
+              <a:t>Ako </a:t>
+            </a:r>
+            <a:r>
+              <a:rPr lang="sk-SK" dirty="0" smtClean="0"/>
+              <a:t>zefetkívniť </a:t>
             </a:r>
             <a:r>
               <a:rPr lang="en-US" dirty="0" smtClean="0"/>
@@ -10918,11 +10983,7 @@
             <a:pPr lvl="1"/>
             <a:r>
               <a:rPr lang="sk-SK" dirty="0" smtClean="0"/>
-              <a:t>narastie veľkosť </a:t>
-            </a:r>
-            <a:r>
-              <a:rPr lang="sk-SK" dirty="0" smtClean="0"/>
-              <a:t>programu</a:t>
+              <a:t>narastie veľkosť programu</a:t>
             </a:r>
             <a:r>
               <a:rPr lang="en-US" dirty="0" smtClean="0"/>
@@ -10934,11 +10995,7 @@
             <a:pPr lvl="1"/>
             <a:r>
               <a:rPr lang="sk-SK" dirty="0" smtClean="0"/>
-              <a:t>možnosť výskytu </a:t>
-            </a:r>
-            <a:r>
-              <a:rPr lang="sk-SK" dirty="0" smtClean="0"/>
-              <a:t>chýb</a:t>
+              <a:t>možnosť výskytu chýb</a:t>
             </a:r>
             <a:r>
               <a:rPr lang="en-US" dirty="0" smtClean="0"/>
@@ -10966,7 +11023,7 @@
             <a:fld id="{8C584B50-B360-452D-AFC7-DEF83B5F5806}" type="slidenum">
               <a:rPr lang="en-US" smtClean="0"/>
               <a:pPr/>
-              <a:t>37</a:t>
+              <a:t>36</a:t>
             </a:fld>
             <a:endParaRPr lang="en-US"/>
           </a:p>
@@ -11308,8 +11365,9 @@
           <a:p>
             <a:r>
               <a:rPr lang="sk-SK" b="1" dirty="0" smtClean="0"/>
-              <a:t>HW</a:t>
-            </a:r>
+              <a:t>Hardvérové zabezpečenie</a:t>
+            </a:r>
+            <a:endParaRPr lang="sk-SK" b="1" dirty="0" smtClean="0"/>
           </a:p>
           <a:p>
             <a:pPr lvl="1"/>
@@ -11317,6 +11375,14 @@
               <a:rPr lang="sk-SK" dirty="0" smtClean="0"/>
               <a:t>kryptolementy</a:t>
             </a:r>
+          </a:p>
+          <a:p>
+            <a:pPr lvl="1"/>
+            <a:r>
+              <a:rPr lang="sk-SK" dirty="0" smtClean="0"/>
+              <a:t>každý senzor osadený kryptoelement</a:t>
+            </a:r>
+            <a:endParaRPr lang="sk-SK" dirty="0" smtClean="0"/>
           </a:p>
           <a:p>
             <a:endParaRPr lang="sk-SK" dirty="0" smtClean="0"/>
@@ -11461,7 +11527,11 @@
             </a:r>
             <a:r>
               <a:rPr lang="sk-SK" dirty="0" smtClean="0"/>
-              <a:t>é riešenie</a:t>
+              <a:t>é </a:t>
+            </a:r>
+            <a:r>
+              <a:rPr lang="sk-SK" dirty="0" smtClean="0"/>
+              <a:t>architektúra siete</a:t>
             </a:r>
             <a:r>
               <a:rPr lang="en-US" dirty="0" smtClean="0"/>
@@ -11543,7 +11613,23 @@
             <a:pPr lvl="1"/>
             <a:r>
               <a:rPr lang="sk-SK" dirty="0" smtClean="0"/>
-              <a:t>ostatné aspekty inf. bezp. sa dajú zebezpečiť nad touto vrstvou</a:t>
+              <a:t>ostatné aspekty inf. bezp. sa dajú </a:t>
+            </a:r>
+            <a:r>
+              <a:rPr lang="sk-SK" dirty="0" smtClean="0"/>
+              <a:t>z</a:t>
+            </a:r>
+            <a:r>
+              <a:rPr lang="en-US" dirty="0" smtClean="0"/>
+              <a:t>a</a:t>
+            </a:r>
+            <a:r>
+              <a:rPr lang="sk-SK" dirty="0" smtClean="0"/>
+              <a:t>bezpečiť </a:t>
+            </a:r>
+            <a:r>
+              <a:rPr lang="sk-SK" dirty="0" smtClean="0"/>
+              <a:t>nad touto vrstvou</a:t>
             </a:r>
           </a:p>
           <a:p>
@@ -11635,11 +11721,7 @@
             </a:r>
             <a:r>
               <a:rPr lang="sk-SK" dirty="0" smtClean="0"/>
-              <a:t>Komunikačný </a:t>
-            </a:r>
-            <a:r>
-              <a:rPr lang="sk-SK" dirty="0" smtClean="0"/>
-              <a:t>protokol</a:t>
+              <a:t>Komunikačný protokol</a:t>
             </a:r>
             <a:endParaRPr lang="en-US" dirty="0"/>
           </a:p>
@@ -11658,7 +11740,7 @@
         <p:spPr/>
         <p:txBody>
           <a:bodyPr>
-            <a:normAutofit fontScale="77500" lnSpcReduction="20000"/>
+            <a:normAutofit/>
           </a:bodyPr>
           <a:lstStyle/>
           <a:p>
@@ -11701,76 +11783,13 @@
             <a:pPr lvl="1"/>
             <a:r>
               <a:rPr lang="sk-SK" dirty="0" smtClean="0"/>
-              <a:t>256 kB program, 16kB RAM</a:t>
-            </a:r>
-          </a:p>
-          <a:p>
+              <a:t>256 kB program, 16kB </a:t>
+            </a:r>
+            <a:r>
+              <a:rPr lang="sk-SK" dirty="0" smtClean="0"/>
+              <a:t>RAM</a:t>
+            </a:r>
             <a:endParaRPr lang="sk-SK" dirty="0" smtClean="0"/>
-          </a:p>
-          <a:p>
-            <a:r>
-              <a:rPr lang="sk-SK" dirty="0" smtClean="0"/>
-              <a:t>Medzi 2 zariadeniami</a:t>
-            </a:r>
-          </a:p>
-          <a:p>
-            <a:endParaRPr lang="sk-SK" dirty="0" smtClean="0"/>
-          </a:p>
-          <a:p>
-            <a:r>
-              <a:rPr lang="sk-SK" dirty="0" smtClean="0"/>
-              <a:t>Zariadenie </a:t>
-            </a:r>
-            <a:r>
-              <a:rPr lang="en-US" dirty="0" smtClean="0"/>
-              <a:t>“</a:t>
-            </a:r>
-            <a:r>
-              <a:rPr lang="sk-SK" dirty="0" smtClean="0"/>
-              <a:t>Master</a:t>
-            </a:r>
-            <a:r>
-              <a:rPr lang="en-US" dirty="0" smtClean="0"/>
-              <a:t>” je </a:t>
-            </a:r>
-            <a:r>
-              <a:rPr lang="en-US" dirty="0" err="1" smtClean="0"/>
-              <a:t>osaden</a:t>
-            </a:r>
-            <a:r>
-              <a:rPr lang="sk-SK" dirty="0" smtClean="0"/>
-              <a:t>ý na NRF MotherBoard</a:t>
-            </a:r>
-            <a:r>
-              <a:rPr lang="en-US" dirty="0" smtClean="0"/>
-              <a:t> </a:t>
-            </a:r>
-            <a:r>
-              <a:rPr lang="sk-SK" dirty="0" smtClean="0"/>
-              <a:t>tlačidlá, LED, nastavuje zabezpečenie</a:t>
-            </a:r>
-          </a:p>
-          <a:p>
-            <a:r>
-              <a:rPr lang="en-US" dirty="0" err="1" smtClean="0"/>
-              <a:t>Zariadenie</a:t>
-            </a:r>
-            <a:r>
-              <a:rPr lang="en-US" dirty="0" smtClean="0"/>
-              <a:t> “</a:t>
-            </a:r>
-            <a:r>
-              <a:rPr lang="sk-SK" dirty="0" smtClean="0"/>
-              <a:t>Slave</a:t>
-            </a:r>
-            <a:r>
-              <a:rPr lang="en-US" dirty="0" smtClean="0"/>
-              <a:t>“</a:t>
-            </a:r>
-            <a:r>
-              <a:rPr lang="sk-SK" dirty="0" smtClean="0"/>
-              <a:t> prispôsobuje zabezpečeniu podľa prijatých správ, dekóduje, zakóduje a posiela naspäť</a:t>
-            </a:r>
           </a:p>
         </p:txBody>
       </p:sp>
@@ -11836,7 +11855,7 @@
         <p:spPr/>
         <p:txBody>
           <a:bodyPr>
-            <a:normAutofit fontScale="90000"/>
+            <a:normAutofit/>
           </a:bodyPr>
           <a:lstStyle/>
           <a:p>
@@ -11856,66 +11875,30 @@
               <a:rPr lang="en-US" dirty="0" err="1" smtClean="0"/>
               <a:t>cia</a:t>
             </a:r>
-            <a:r>
-              <a:rPr lang="sk-SK" dirty="0" smtClean="0"/>
-              <a:t/>
-            </a:r>
-            <a:br>
-              <a:rPr lang="sk-SK" dirty="0" smtClean="0"/>
-            </a:br>
-            <a:r>
-              <a:rPr lang="sk-SK" i="1" dirty="0" smtClean="0"/>
-              <a:t>TODO better photo</a:t>
-            </a:r>
             <a:endParaRPr lang="en-US" i="1" dirty="0"/>
-          </a:p>
-        </p:txBody>
-      </p:sp>
-      <p:sp>
-        <p:nvSpPr>
-          <p:cNvPr id="4" name="Slide Number Placeholder 3"/>
-          <p:cNvSpPr>
-            <a:spLocks noGrp="1"/>
-          </p:cNvSpPr>
-          <p:nvPr>
-            <p:ph type="sldNum" sz="quarter" idx="12"/>
-          </p:nvPr>
-        </p:nvSpPr>
-        <p:spPr/>
-        <p:txBody>
-          <a:bodyPr/>
-          <a:lstStyle/>
-          <a:p>
-            <a:fld id="{8C584B50-B360-452D-AFC7-DEF83B5F5806}" type="slidenum">
-              <a:rPr lang="en-US" smtClean="0"/>
-              <a:pPr/>
-              <a:t>9</a:t>
-            </a:fld>
-            <a:endParaRPr lang="en-US"/>
           </a:p>
         </p:txBody>
       </p:sp>
       <p:pic>
         <p:nvPicPr>
-          <p:cNvPr id="1026" name="Picture 2"/>
+          <p:cNvPr id="1027" name="Picture 3"/>
           <p:cNvPicPr>
             <a:picLocks noGrp="1" noChangeAspect="1" noChangeArrowheads="1"/>
           </p:cNvPicPr>
           <p:nvPr>
-            <p:ph idx="1"/>
+            <p:ph sz="half" idx="1"/>
           </p:nvPr>
         </p:nvPicPr>
         <p:blipFill>
-          <a:blip r:embed="rId2" cstate="print"/>
-          <a:srcRect/>
+          <a:blip r:embed="rId2"/>
           <a:stretch>
             <a:fillRect/>
           </a:stretch>
         </p:blipFill>
         <p:spPr bwMode="auto">
           <a:xfrm>
-            <a:off x="1295400" y="1711291"/>
-            <a:ext cx="6553200" cy="4303782"/>
+            <a:off x="609600" y="1117854"/>
+            <a:ext cx="7543800" cy="5054346"/>
           </a:xfrm>
           <a:prstGeom prst="rect">
             <a:avLst/>
@@ -11930,6 +11913,149 @@
           <a:effectLst/>
         </p:spPr>
       </p:pic>
+      <p:sp>
+        <p:nvSpPr>
+          <p:cNvPr id="5" name="Content Placeholder 4"/>
+          <p:cNvSpPr>
+            <a:spLocks noGrp="1"/>
+          </p:cNvSpPr>
+          <p:nvPr>
+            <p:ph sz="half" idx="2"/>
+          </p:nvPr>
+        </p:nvSpPr>
+        <p:spPr>
+          <a:xfrm>
+            <a:off x="762000" y="6172200"/>
+            <a:ext cx="3352800" cy="609600"/>
+          </a:xfrm>
+        </p:spPr>
+        <p:txBody>
+          <a:bodyPr>
+            <a:normAutofit/>
+          </a:bodyPr>
+          <a:lstStyle/>
+          <a:p>
+            <a:pPr>
+              <a:buNone/>
+            </a:pPr>
+            <a:r>
+              <a:rPr lang="en-US" dirty="0" smtClean="0"/>
+              <a:t>"</a:t>
+            </a:r>
+            <a:r>
+              <a:rPr lang="sk-SK" dirty="0" smtClean="0"/>
+              <a:t>Master</a:t>
+            </a:r>
+            <a:r>
+              <a:rPr lang="en-US" dirty="0" smtClean="0"/>
+              <a:t>"</a:t>
+            </a:r>
+            <a:r>
+              <a:rPr lang="sk-SK" dirty="0" smtClean="0"/>
+              <a:t> </a:t>
+            </a:r>
+            <a:r>
+              <a:rPr lang="sk-SK" sz="1800" dirty="0" smtClean="0"/>
+              <a:t>styk s prostredím</a:t>
+            </a:r>
+            <a:endParaRPr lang="en-US" sz="1800" dirty="0"/>
+          </a:p>
+        </p:txBody>
+      </p:sp>
+      <p:sp>
+        <p:nvSpPr>
+          <p:cNvPr id="4" name="Slide Number Placeholder 3"/>
+          <p:cNvSpPr>
+            <a:spLocks noGrp="1"/>
+          </p:cNvSpPr>
+          <p:nvPr>
+            <p:ph type="sldNum" sz="quarter" idx="12"/>
+          </p:nvPr>
+        </p:nvSpPr>
+        <p:spPr/>
+        <p:txBody>
+          <a:bodyPr/>
+          <a:lstStyle/>
+          <a:p>
+            <a:fld id="{8C584B50-B360-452D-AFC7-DEF83B5F5806}" type="slidenum">
+              <a:rPr lang="en-US" smtClean="0"/>
+              <a:pPr/>
+              <a:t>9</a:t>
+            </a:fld>
+            <a:endParaRPr lang="en-US"/>
+          </a:p>
+        </p:txBody>
+      </p:sp>
+      <p:sp>
+        <p:nvSpPr>
+          <p:cNvPr id="6" name="Content Placeholder 4"/>
+          <p:cNvSpPr txBox="1">
+            <a:spLocks/>
+          </p:cNvSpPr>
+          <p:nvPr/>
+        </p:nvSpPr>
+        <p:spPr>
+          <a:xfrm>
+            <a:off x="6553200" y="6172200"/>
+            <a:ext cx="1295400" cy="609600"/>
+          </a:xfrm>
+          <a:prstGeom prst="rect">
+            <a:avLst/>
+          </a:prstGeom>
+        </p:spPr>
+        <p:txBody>
+          <a:bodyPr vert="horz" lIns="91440" tIns="45720" rIns="91440" bIns="45720" rtlCol="0">
+            <a:normAutofit/>
+          </a:bodyPr>
+          <a:lstStyle/>
+          <a:p>
+            <a:pPr marL="342900" lvl="0" indent="-342900">
+              <a:spcBef>
+                <a:spcPct val="20000"/>
+              </a:spcBef>
+            </a:pPr>
+            <a:r>
+              <a:rPr lang="en-US" sz="2800" dirty="0" smtClean="0"/>
+              <a:t>"</a:t>
+            </a:r>
+            <a:r>
+              <a:rPr kumimoji="0" lang="sk-SK" sz="2800" b="0" i="0" u="none" strike="noStrike" kern="1200" cap="none" spc="0" normalizeH="0" baseline="0" noProof="0" dirty="0" smtClean="0">
+                <a:ln>
+                  <a:noFill/>
+                </a:ln>
+                <a:solidFill>
+                  <a:schemeClr val="tx1"/>
+                </a:solidFill>
+                <a:effectLst/>
+                <a:uLnTx/>
+                <a:uFillTx/>
+                <a:latin typeface="+mn-lt"/>
+                <a:ea typeface="+mn-ea"/>
+                <a:cs typeface="+mn-cs"/>
+              </a:rPr>
+              <a:t>Slave</a:t>
+            </a:r>
+            <a:r>
+              <a:rPr lang="en-US" sz="2800" dirty="0" smtClean="0"/>
+              <a:t>"</a:t>
+            </a:r>
+            <a:endParaRPr kumimoji="0" lang="en-US" sz="1800" b="0" i="0" u="none" strike="noStrike" kern="1200" cap="none" spc="0" normalizeH="0" baseline="0" noProof="0" dirty="0">
+              <a:ln>
+                <a:noFill/>
+              </a:ln>
+              <a:solidFill>
+                <a:schemeClr val="tx1"/>
+              </a:solidFill>
+              <a:effectLst/>
+              <a:uLnTx/>
+              <a:uFillTx/>
+              <a:latin typeface="+mn-lt"/>
+              <a:ea typeface="+mn-ea"/>
+              <a:cs typeface="+mn-cs"/>
+            </a:endParaRPr>
+          </a:p>
+        </p:txBody>
+      </p:sp>
     </p:spTree>
   </p:cSld>
   <p:clrMapOvr>

--- a/Obhajoba/xdoubravsky_dp.pptx
+++ b/Obhajoba/xdoubravsky_dp.pptx
@@ -5,7 +5,7 @@
     <p:sldMasterId id="2147483648" r:id="rId1"/>
   </p:sldMasterIdLst>
   <p:notesMasterIdLst>
-    <p:notesMasterId r:id="rId38"/>
+    <p:notesMasterId r:id="rId37"/>
   </p:notesMasterIdLst>
   <p:sldIdLst>
     <p:sldId id="256" r:id="rId2"/>
@@ -21,29 +21,28 @@
     <p:sldId id="270" r:id="rId12"/>
     <p:sldId id="272" r:id="rId13"/>
     <p:sldId id="279" r:id="rId14"/>
-    <p:sldId id="291" r:id="rId15"/>
-    <p:sldId id="290" r:id="rId16"/>
-    <p:sldId id="276" r:id="rId17"/>
-    <p:sldId id="275" r:id="rId18"/>
-    <p:sldId id="277" r:id="rId19"/>
-    <p:sldId id="284" r:id="rId20"/>
-    <p:sldId id="280" r:id="rId21"/>
-    <p:sldId id="281" r:id="rId22"/>
-    <p:sldId id="265" r:id="rId23"/>
-    <p:sldId id="266" r:id="rId24"/>
-    <p:sldId id="292" r:id="rId25"/>
-    <p:sldId id="293" r:id="rId26"/>
-    <p:sldId id="294" r:id="rId27"/>
-    <p:sldId id="273" r:id="rId28"/>
-    <p:sldId id="259" r:id="rId29"/>
-    <p:sldId id="282" r:id="rId30"/>
-    <p:sldId id="263" r:id="rId31"/>
-    <p:sldId id="260" r:id="rId32"/>
-    <p:sldId id="269" r:id="rId33"/>
-    <p:sldId id="261" r:id="rId34"/>
-    <p:sldId id="267" r:id="rId35"/>
-    <p:sldId id="288" r:id="rId36"/>
-    <p:sldId id="268" r:id="rId37"/>
+    <p:sldId id="276" r:id="rId15"/>
+    <p:sldId id="275" r:id="rId16"/>
+    <p:sldId id="284" r:id="rId17"/>
+    <p:sldId id="280" r:id="rId18"/>
+    <p:sldId id="281" r:id="rId19"/>
+    <p:sldId id="265" r:id="rId20"/>
+    <p:sldId id="266" r:id="rId21"/>
+    <p:sldId id="292" r:id="rId22"/>
+    <p:sldId id="293" r:id="rId23"/>
+    <p:sldId id="294" r:id="rId24"/>
+    <p:sldId id="273" r:id="rId25"/>
+    <p:sldId id="259" r:id="rId26"/>
+    <p:sldId id="282" r:id="rId27"/>
+    <p:sldId id="263" r:id="rId28"/>
+    <p:sldId id="260" r:id="rId29"/>
+    <p:sldId id="269" r:id="rId30"/>
+    <p:sldId id="261" r:id="rId31"/>
+    <p:sldId id="267" r:id="rId32"/>
+    <p:sldId id="288" r:id="rId33"/>
+    <p:sldId id="268" r:id="rId34"/>
+    <p:sldId id="291" r:id="rId35"/>
+    <p:sldId id="290" r:id="rId36"/>
   </p:sldIdLst>
   <p:sldSz cx="9144000" cy="6858000" type="screen4x3"/>
   <p:notesSz cx="6858000" cy="9144000"/>
@@ -895,42 +894,160 @@
           <a:lstStyle/>
           <a:p>
             <a:r>
-              <a:rPr lang="sk-SK" dirty="0" smtClean="0"/>
-              <a:t>Veľkosť</a:t>
-            </a:r>
-            <a:r>
-              <a:rPr lang="sk-SK" baseline="0" dirty="0" smtClean="0"/>
-              <a:t> siete, rozšíriteľnosti</a:t>
+              <a:rPr lang="en-US" dirty="0" smtClean="0"/>
+              <a:t>Desktop </a:t>
+            </a:r>
+            <a:r>
+              <a:rPr lang="en-US" dirty="0" err="1" smtClean="0"/>
+              <a:t>senzor</a:t>
+            </a:r>
+            <a:endParaRPr lang="en-US" dirty="0" smtClean="0"/>
+          </a:p>
+          <a:p>
+            <a:endParaRPr lang="en-US" dirty="0" smtClean="0"/>
+          </a:p>
+          <a:p>
+            <a:pPr marL="0" marR="0" lvl="1" indent="0" algn="l" defTabSz="914400" rtl="0" eaLnBrk="1" fontAlgn="auto" latinLnBrk="0" hangingPunct="1">
+              <a:lnSpc>
+                <a:spcPct val="100000"/>
+              </a:lnSpc>
+              <a:spcBef>
+                <a:spcPts val="0"/>
+              </a:spcBef>
+              <a:spcAft>
+                <a:spcPts val="0"/>
+              </a:spcAft>
+              <a:buClrTx/>
+              <a:buSzTx/>
+              <a:buFontTx/>
+              <a:buNone/>
+              <a:tabLst/>
+              <a:defRPr/>
+            </a:pPr>
+            <a:endParaRPr lang="en-US" dirty="0" smtClean="0"/>
+          </a:p>
+          <a:p>
+            <a:pPr marL="0" marR="0" lvl="1" indent="0" algn="l" defTabSz="914400" rtl="0" eaLnBrk="1" fontAlgn="auto" latinLnBrk="0" hangingPunct="1">
+              <a:lnSpc>
+                <a:spcPct val="100000"/>
+              </a:lnSpc>
+              <a:spcBef>
+                <a:spcPts val="0"/>
+              </a:spcBef>
+              <a:spcAft>
+                <a:spcPts val="0"/>
+              </a:spcAft>
+              <a:buClrTx/>
+              <a:buSzTx/>
+              <a:buFontTx/>
+              <a:buNone/>
+              <a:tabLst/>
+              <a:defRPr/>
+            </a:pPr>
+            <a:r>
+              <a:rPr lang="sk-SK" dirty="0" smtClean="0"/>
+              <a:t>testovacie výpisy,</a:t>
+            </a:r>
+            <a:endParaRPr lang="en-US" dirty="0" smtClean="0"/>
+          </a:p>
+          <a:p>
+            <a:pPr marL="0" marR="0" lvl="1" indent="0" algn="l" defTabSz="914400" rtl="0" eaLnBrk="1" fontAlgn="auto" latinLnBrk="0" hangingPunct="1">
+              <a:lnSpc>
+                <a:spcPct val="100000"/>
+              </a:lnSpc>
+              <a:spcBef>
+                <a:spcPts val="0"/>
+              </a:spcBef>
+              <a:spcAft>
+                <a:spcPts val="0"/>
+              </a:spcAft>
+              <a:buClrTx/>
+              <a:buSzTx/>
+              <a:buFontTx/>
+              <a:buNone/>
+              <a:tabLst/>
+              <a:defRPr/>
+            </a:pPr>
+            <a:r>
+              <a:rPr lang="sk-SK" dirty="0" smtClean="0"/>
+              <a:t>výpis ATR správy</a:t>
+            </a:r>
+            <a:r>
+              <a:rPr lang="en-US" dirty="0" smtClean="0"/>
+              <a:t>,</a:t>
             </a:r>
             <a:endParaRPr lang="sk-SK" dirty="0" smtClean="0"/>
           </a:p>
           <a:p>
-            <a:r>
-              <a:rPr lang="sk-SK" dirty="0" smtClean="0"/>
-              <a:t>Rychlost, cena,</a:t>
-            </a:r>
-          </a:p>
-          <a:p>
-            <a:r>
-              <a:rPr lang="sk-SK" dirty="0" smtClean="0"/>
-              <a:t>Frekvencia</a:t>
-            </a:r>
-            <a:r>
-              <a:rPr lang="sk-SK" baseline="0" dirty="0" smtClean="0"/>
-              <a:t> nosnej vlny</a:t>
-            </a:r>
-          </a:p>
-          <a:p>
-            <a:r>
-              <a:rPr lang="sk-SK" baseline="0" dirty="0" smtClean="0"/>
-              <a:t>Prenosove ryhlosti</a:t>
-            </a:r>
-          </a:p>
-          <a:p>
-            <a:r>
-              <a:rPr lang="sk-SK" baseline="0" dirty="0" smtClean="0"/>
-              <a:t>kódovania</a:t>
-            </a:r>
+            <a:pPr lvl="1"/>
+            <a:r>
+              <a:rPr lang="sk-SK" dirty="0" smtClean="0"/>
+              <a:t>posielanie preddefinovaných správ,</a:t>
+            </a:r>
+          </a:p>
+          <a:p>
+            <a:pPr lvl="1"/>
+            <a:r>
+              <a:rPr lang="sk-SK" dirty="0" smtClean="0"/>
+              <a:t>aktivácia, deaktivácia, resetovanie,</a:t>
+            </a:r>
+          </a:p>
+          <a:p>
+            <a:pPr lvl="1"/>
+            <a:r>
+              <a:rPr lang="sk-SK" dirty="0" smtClean="0"/>
+              <a:t>p</a:t>
+            </a:r>
+            <a:r>
+              <a:rPr lang="en-US" dirty="0" err="1" smtClean="0"/>
+              <a:t>reh</a:t>
+            </a:r>
+            <a:r>
+              <a:rPr lang="sk-SK" dirty="0" smtClean="0"/>
+              <a:t>ľadávanie inštrukcií,</a:t>
+            </a:r>
+            <a:endParaRPr lang="en-US" dirty="0" smtClean="0"/>
+          </a:p>
+          <a:p>
+            <a:pPr lvl="1"/>
+            <a:r>
+              <a:rPr lang="sk-SK" dirty="0" smtClean="0"/>
+              <a:t>ľudsky čitateľný výpis stavu z odpovedi,</a:t>
+            </a:r>
+            <a:endParaRPr lang="en-US" dirty="0" smtClean="0"/>
+          </a:p>
+          <a:p>
+            <a:pPr lvl="1"/>
+            <a:r>
+              <a:rPr lang="en-US" dirty="0" smtClean="0"/>
+              <a:t>z</a:t>
+            </a:r>
+            <a:r>
+              <a:rPr lang="sk-SK" dirty="0" smtClean="0"/>
+              <a:t>menenie baudovej rýchlosti.</a:t>
+            </a:r>
+          </a:p>
+          <a:p>
+            <a:pPr marL="0" marR="0" lvl="1" indent="0" algn="l" defTabSz="914400" rtl="0" eaLnBrk="1" fontAlgn="auto" latinLnBrk="0" hangingPunct="1">
+              <a:lnSpc>
+                <a:spcPct val="100000"/>
+              </a:lnSpc>
+              <a:spcBef>
+                <a:spcPts val="0"/>
+              </a:spcBef>
+              <a:spcAft>
+                <a:spcPts val="0"/>
+              </a:spcAft>
+              <a:buClrTx/>
+              <a:buSzTx/>
+              <a:buFontTx/>
+              <a:buNone/>
+              <a:tabLst/>
+              <a:defRPr/>
+            </a:pPr>
+            <a:endParaRPr lang="sk-SK" dirty="0" smtClean="0"/>
+          </a:p>
+          <a:p>
             <a:endParaRPr lang="en-US" dirty="0"/>
           </a:p>
         </p:txBody>
@@ -953,7 +1070,412 @@
             <a:fld id="{72CCBEF4-1BE4-4B48-AF24-6E8DE69994C4}" type="slidenum">
               <a:rPr lang="en-US" smtClean="0"/>
               <a:pPr/>
-              <a:t>32</a:t>
+              <a:t>18</a:t>
+            </a:fld>
+            <a:endParaRPr lang="en-US"/>
+          </a:p>
+        </p:txBody>
+      </p:sp>
+    </p:spTree>
+  </p:cSld>
+  <p:clrMapOvr>
+    <a:masterClrMapping/>
+  </p:clrMapOvr>
+</p:notes>
+</file>
+
+<file path=ppt/notesSlides/notesSlide11.xml><?xml version="1.0" encoding="utf-8"?>
+<p:notes xmlns:a="http://schemas.openxmlformats.org/drawingml/2006/main" xmlns:r="http://schemas.openxmlformats.org/officeDocument/2006/relationships" xmlns:p="http://schemas.openxmlformats.org/presentationml/2006/main">
+  <p:cSld>
+    <p:spTree>
+      <p:nvGrpSpPr>
+        <p:cNvPr id="1" name=""/>
+        <p:cNvGrpSpPr/>
+        <p:nvPr/>
+      </p:nvGrpSpPr>
+      <p:grpSpPr>
+        <a:xfrm>
+          <a:off x="0" y="0"/>
+          <a:ext cx="0" cy="0"/>
+          <a:chOff x="0" y="0"/>
+          <a:chExt cx="0" cy="0"/>
+        </a:xfrm>
+      </p:grpSpPr>
+      <p:sp>
+        <p:nvSpPr>
+          <p:cNvPr id="2" name="Slide Image Placeholder 1"/>
+          <p:cNvSpPr>
+            <a:spLocks noGrp="1" noRot="1" noChangeAspect="1"/>
+          </p:cNvSpPr>
+          <p:nvPr>
+            <p:ph type="sldImg"/>
+          </p:nvPr>
+        </p:nvSpPr>
+        <p:spPr/>
+      </p:sp>
+      <p:sp>
+        <p:nvSpPr>
+          <p:cNvPr id="3" name="Notes Placeholder 2"/>
+          <p:cNvSpPr>
+            <a:spLocks noGrp="1"/>
+          </p:cNvSpPr>
+          <p:nvPr>
+            <p:ph type="body" idx="1"/>
+          </p:nvPr>
+        </p:nvSpPr>
+        <p:spPr/>
+        <p:txBody>
+          <a:bodyPr>
+            <a:normAutofit/>
+          </a:bodyPr>
+          <a:lstStyle/>
+          <a:p>
+            <a:r>
+              <a:rPr lang="sk-SK" dirty="0" smtClean="0"/>
+              <a:t>automatizovane</a:t>
+            </a:r>
+          </a:p>
+          <a:p>
+            <a:r>
+              <a:rPr lang="sk-SK" dirty="0" smtClean="0"/>
+              <a:t>Programovo</a:t>
+            </a:r>
+            <a:r>
+              <a:rPr lang="sk-SK" baseline="0" dirty="0" smtClean="0"/>
+              <a:t> </a:t>
+            </a:r>
+            <a:r>
+              <a:rPr lang="sk-SK" baseline="0" dirty="0" smtClean="0"/>
+              <a:t>generuju data,</a:t>
+            </a:r>
+          </a:p>
+          <a:p>
+            <a:r>
+              <a:rPr lang="sk-SK" baseline="0" dirty="0" smtClean="0"/>
+              <a:t>200 hodnot</a:t>
+            </a:r>
+          </a:p>
+          <a:p>
+            <a:r>
+              <a:rPr lang="sk-SK" baseline="0" dirty="0" smtClean="0"/>
+              <a:t>Implementovane timeout</a:t>
+            </a:r>
+          </a:p>
+          <a:p>
+            <a:r>
+              <a:rPr lang="sk-SK" baseline="0" dirty="0" smtClean="0"/>
+              <a:t>treshold</a:t>
+            </a:r>
+            <a:endParaRPr lang="en-US" dirty="0"/>
+          </a:p>
+        </p:txBody>
+      </p:sp>
+      <p:sp>
+        <p:nvSpPr>
+          <p:cNvPr id="4" name="Slide Number Placeholder 3"/>
+          <p:cNvSpPr>
+            <a:spLocks noGrp="1"/>
+          </p:cNvSpPr>
+          <p:nvPr>
+            <p:ph type="sldNum" sz="quarter" idx="10"/>
+          </p:nvPr>
+        </p:nvSpPr>
+        <p:spPr/>
+        <p:txBody>
+          <a:bodyPr/>
+          <a:lstStyle/>
+          <a:p>
+            <a:fld id="{72CCBEF4-1BE4-4B48-AF24-6E8DE69994C4}" type="slidenum">
+              <a:rPr lang="en-US" smtClean="0"/>
+              <a:pPr/>
+              <a:t>19</a:t>
+            </a:fld>
+            <a:endParaRPr lang="en-US"/>
+          </a:p>
+        </p:txBody>
+      </p:sp>
+    </p:spTree>
+  </p:cSld>
+  <p:clrMapOvr>
+    <a:masterClrMapping/>
+  </p:clrMapOvr>
+</p:notes>
+</file>
+
+<file path=ppt/notesSlides/notesSlide12.xml><?xml version="1.0" encoding="utf-8"?>
+<p:notes xmlns:a="http://schemas.openxmlformats.org/drawingml/2006/main" xmlns:r="http://schemas.openxmlformats.org/officeDocument/2006/relationships" xmlns:p="http://schemas.openxmlformats.org/presentationml/2006/main">
+  <p:cSld>
+    <p:spTree>
+      <p:nvGrpSpPr>
+        <p:cNvPr id="1" name=""/>
+        <p:cNvGrpSpPr/>
+        <p:nvPr/>
+      </p:nvGrpSpPr>
+      <p:grpSpPr>
+        <a:xfrm>
+          <a:off x="0" y="0"/>
+          <a:ext cx="0" cy="0"/>
+          <a:chOff x="0" y="0"/>
+          <a:chExt cx="0" cy="0"/>
+        </a:xfrm>
+      </p:grpSpPr>
+      <p:sp>
+        <p:nvSpPr>
+          <p:cNvPr id="2" name="Slide Image Placeholder 1"/>
+          <p:cNvSpPr>
+            <a:spLocks noGrp="1" noRot="1" noChangeAspect="1"/>
+          </p:cNvSpPr>
+          <p:nvPr>
+            <p:ph type="sldImg"/>
+          </p:nvPr>
+        </p:nvSpPr>
+        <p:spPr/>
+      </p:sp>
+      <p:sp>
+        <p:nvSpPr>
+          <p:cNvPr id="3" name="Notes Placeholder 2"/>
+          <p:cNvSpPr>
+            <a:spLocks noGrp="1"/>
+          </p:cNvSpPr>
+          <p:nvPr>
+            <p:ph type="body" idx="1"/>
+          </p:nvPr>
+        </p:nvSpPr>
+        <p:spPr/>
+        <p:txBody>
+          <a:bodyPr>
+            <a:normAutofit/>
+          </a:bodyPr>
+          <a:lstStyle/>
+          <a:p>
+            <a:r>
+              <a:rPr lang="sk-SK" dirty="0" smtClean="0"/>
+              <a:t>Dopad na rýhlosť</a:t>
+            </a:r>
+            <a:endParaRPr lang="en-US" dirty="0"/>
+          </a:p>
+        </p:txBody>
+      </p:sp>
+      <p:sp>
+        <p:nvSpPr>
+          <p:cNvPr id="4" name="Slide Number Placeholder 3"/>
+          <p:cNvSpPr>
+            <a:spLocks noGrp="1"/>
+          </p:cNvSpPr>
+          <p:nvPr>
+            <p:ph type="sldNum" sz="quarter" idx="10"/>
+          </p:nvPr>
+        </p:nvSpPr>
+        <p:spPr/>
+        <p:txBody>
+          <a:bodyPr/>
+          <a:lstStyle/>
+          <a:p>
+            <a:fld id="{72CCBEF4-1BE4-4B48-AF24-6E8DE69994C4}" type="slidenum">
+              <a:rPr lang="en-US" smtClean="0"/>
+              <a:pPr/>
+              <a:t>26</a:t>
+            </a:fld>
+            <a:endParaRPr lang="en-US"/>
+          </a:p>
+        </p:txBody>
+      </p:sp>
+    </p:spTree>
+  </p:cSld>
+  <p:clrMapOvr>
+    <a:masterClrMapping/>
+  </p:clrMapOvr>
+</p:notes>
+</file>
+
+<file path=ppt/notesSlides/notesSlide13.xml><?xml version="1.0" encoding="utf-8"?>
+<p:notes xmlns:a="http://schemas.openxmlformats.org/drawingml/2006/main" xmlns:r="http://schemas.openxmlformats.org/officeDocument/2006/relationships" xmlns:p="http://schemas.openxmlformats.org/presentationml/2006/main">
+  <p:cSld>
+    <p:spTree>
+      <p:nvGrpSpPr>
+        <p:cNvPr id="1" name=""/>
+        <p:cNvGrpSpPr/>
+        <p:nvPr/>
+      </p:nvGrpSpPr>
+      <p:grpSpPr>
+        <a:xfrm>
+          <a:off x="0" y="0"/>
+          <a:ext cx="0" cy="0"/>
+          <a:chOff x="0" y="0"/>
+          <a:chExt cx="0" cy="0"/>
+        </a:xfrm>
+      </p:grpSpPr>
+      <p:sp>
+        <p:nvSpPr>
+          <p:cNvPr id="2" name="Slide Image Placeholder 1"/>
+          <p:cNvSpPr>
+            <a:spLocks noGrp="1" noRot="1" noChangeAspect="1"/>
+          </p:cNvSpPr>
+          <p:nvPr>
+            <p:ph type="sldImg"/>
+          </p:nvPr>
+        </p:nvSpPr>
+        <p:spPr/>
+      </p:sp>
+      <p:sp>
+        <p:nvSpPr>
+          <p:cNvPr id="3" name="Notes Placeholder 2"/>
+          <p:cNvSpPr>
+            <a:spLocks noGrp="1"/>
+          </p:cNvSpPr>
+          <p:nvPr>
+            <p:ph type="body" idx="1"/>
+          </p:nvPr>
+        </p:nvSpPr>
+        <p:spPr/>
+        <p:txBody>
+          <a:bodyPr>
+            <a:normAutofit/>
+          </a:bodyPr>
+          <a:lstStyle/>
+          <a:p>
+            <a:endParaRPr lang="en-US" dirty="0"/>
+          </a:p>
+        </p:txBody>
+      </p:sp>
+      <p:sp>
+        <p:nvSpPr>
+          <p:cNvPr id="4" name="Slide Number Placeholder 3"/>
+          <p:cNvSpPr>
+            <a:spLocks noGrp="1"/>
+          </p:cNvSpPr>
+          <p:nvPr>
+            <p:ph type="sldNum" sz="quarter" idx="10"/>
+          </p:nvPr>
+        </p:nvSpPr>
+        <p:spPr/>
+        <p:txBody>
+          <a:bodyPr/>
+          <a:lstStyle/>
+          <a:p>
+            <a:fld id="{72CCBEF4-1BE4-4B48-AF24-6E8DE69994C4}" type="slidenum">
+              <a:rPr lang="en-US" smtClean="0"/>
+              <a:pPr/>
+              <a:t>28</a:t>
+            </a:fld>
+            <a:endParaRPr lang="en-US"/>
+          </a:p>
+        </p:txBody>
+      </p:sp>
+    </p:spTree>
+  </p:cSld>
+  <p:clrMapOvr>
+    <a:masterClrMapping/>
+  </p:clrMapOvr>
+</p:notes>
+</file>
+
+<file path=ppt/notesSlides/notesSlide14.xml><?xml version="1.0" encoding="utf-8"?>
+<p:notes xmlns:a="http://schemas.openxmlformats.org/drawingml/2006/main" xmlns:r="http://schemas.openxmlformats.org/officeDocument/2006/relationships" xmlns:p="http://schemas.openxmlformats.org/presentationml/2006/main">
+  <p:cSld>
+    <p:spTree>
+      <p:nvGrpSpPr>
+        <p:cNvPr id="1" name=""/>
+        <p:cNvGrpSpPr/>
+        <p:nvPr/>
+      </p:nvGrpSpPr>
+      <p:grpSpPr>
+        <a:xfrm>
+          <a:off x="0" y="0"/>
+          <a:ext cx="0" cy="0"/>
+          <a:chOff x="0" y="0"/>
+          <a:chExt cx="0" cy="0"/>
+        </a:xfrm>
+      </p:grpSpPr>
+      <p:sp>
+        <p:nvSpPr>
+          <p:cNvPr id="2" name="Slide Image Placeholder 1"/>
+          <p:cNvSpPr>
+            <a:spLocks noGrp="1" noRot="1" noChangeAspect="1"/>
+          </p:cNvSpPr>
+          <p:nvPr>
+            <p:ph type="sldImg"/>
+          </p:nvPr>
+        </p:nvSpPr>
+        <p:spPr/>
+      </p:sp>
+      <p:sp>
+        <p:nvSpPr>
+          <p:cNvPr id="3" name="Notes Placeholder 2"/>
+          <p:cNvSpPr>
+            <a:spLocks noGrp="1"/>
+          </p:cNvSpPr>
+          <p:nvPr>
+            <p:ph type="body" idx="1"/>
+          </p:nvPr>
+        </p:nvSpPr>
+        <p:spPr/>
+        <p:txBody>
+          <a:bodyPr>
+            <a:normAutofit/>
+          </a:bodyPr>
+          <a:lstStyle/>
+          <a:p>
+            <a:r>
+              <a:rPr lang="sk-SK" dirty="0" smtClean="0"/>
+              <a:t>Veľkosť</a:t>
+            </a:r>
+            <a:r>
+              <a:rPr lang="sk-SK" baseline="0" dirty="0" smtClean="0"/>
+              <a:t> siete, rozšíriteľnosti</a:t>
+            </a:r>
+            <a:endParaRPr lang="sk-SK" dirty="0" smtClean="0"/>
+          </a:p>
+          <a:p>
+            <a:r>
+              <a:rPr lang="sk-SK" dirty="0" smtClean="0"/>
+              <a:t>Rychlost, cena,</a:t>
+            </a:r>
+          </a:p>
+          <a:p>
+            <a:r>
+              <a:rPr lang="sk-SK" dirty="0" smtClean="0"/>
+              <a:t>Frekvencia</a:t>
+            </a:r>
+            <a:r>
+              <a:rPr lang="sk-SK" baseline="0" dirty="0" smtClean="0"/>
+              <a:t> nosnej vlny</a:t>
+            </a:r>
+          </a:p>
+          <a:p>
+            <a:r>
+              <a:rPr lang="sk-SK" baseline="0" dirty="0" smtClean="0"/>
+              <a:t>Prenosove ryhlosti</a:t>
+            </a:r>
+          </a:p>
+          <a:p>
+            <a:r>
+              <a:rPr lang="sk-SK" baseline="0" dirty="0" smtClean="0"/>
+              <a:t>kódovania</a:t>
+            </a:r>
+            <a:endParaRPr lang="en-US" dirty="0"/>
+          </a:p>
+        </p:txBody>
+      </p:sp>
+      <p:sp>
+        <p:nvSpPr>
+          <p:cNvPr id="4" name="Slide Number Placeholder 3"/>
+          <p:cNvSpPr>
+            <a:spLocks noGrp="1"/>
+          </p:cNvSpPr>
+          <p:nvPr>
+            <p:ph type="sldNum" sz="quarter" idx="10"/>
+          </p:nvPr>
+        </p:nvSpPr>
+        <p:spPr/>
+        <p:txBody>
+          <a:bodyPr/>
+          <a:lstStyle/>
+          <a:p>
+            <a:fld id="{72CCBEF4-1BE4-4B48-AF24-6E8DE69994C4}" type="slidenum">
+              <a:rPr lang="en-US" smtClean="0"/>
+              <a:pPr/>
+              <a:t>29</a:t>
             </a:fld>
             <a:endParaRPr lang="en-US"/>
           </a:p>
@@ -1105,6 +1627,14 @@
           </a:bodyPr>
           <a:lstStyle/>
           <a:p>
+            <a:r>
+              <a:rPr lang="en-US" dirty="0" err="1" smtClean="0"/>
+              <a:t>Zakladny</a:t>
+            </a:r>
+            <a:r>
+              <a:rPr lang="en-US" dirty="0" smtClean="0"/>
+              <a:t> model</a:t>
+            </a:r>
             <a:endParaRPr lang="en-US" dirty="0"/>
           </a:p>
         </p:txBody>
@@ -1127,7 +1657,7 @@
             <a:fld id="{72CCBEF4-1BE4-4B48-AF24-6E8DE69994C4}" type="slidenum">
               <a:rPr lang="en-US" smtClean="0"/>
               <a:pPr/>
-              <a:t>5</a:t>
+              <a:t>3</a:t>
             </a:fld>
             <a:endParaRPr lang="en-US"/>
           </a:p>
@@ -1188,12 +1718,102 @@
           <a:lstStyle/>
           <a:p>
             <a:r>
-              <a:rPr lang="sk-SK" dirty="0" smtClean="0"/>
-              <a:t>Po nadviazani</a:t>
-            </a:r>
+              <a:rPr lang="en-US" dirty="0" err="1" smtClean="0"/>
+              <a:t>Obsah</a:t>
+            </a:r>
+            <a:r>
+              <a:rPr lang="en-US" dirty="0" smtClean="0"/>
+              <a:t> </a:t>
+            </a:r>
+            <a:r>
+              <a:rPr lang="en-US" dirty="0" err="1" smtClean="0"/>
+              <a:t>spravy</a:t>
+            </a:r>
+            <a:r>
+              <a:rPr lang="en-US" baseline="0" dirty="0" smtClean="0"/>
+              <a:t> </a:t>
+            </a:r>
+            <a:r>
+              <a:rPr lang="en-US" baseline="0" dirty="0" err="1" smtClean="0"/>
+              <a:t>bude</a:t>
+            </a:r>
+            <a:r>
+              <a:rPr lang="en-US" baseline="0" dirty="0" smtClean="0"/>
+              <a:t> </a:t>
+            </a:r>
+            <a:r>
+              <a:rPr lang="en-US" baseline="0" dirty="0" err="1" smtClean="0"/>
+              <a:t>vyzradeny</a:t>
+            </a:r>
+            <a:endParaRPr lang="en-US" baseline="0" dirty="0" smtClean="0"/>
+          </a:p>
+          <a:p>
+            <a:r>
+              <a:rPr lang="en-US" baseline="0" dirty="0" err="1" smtClean="0"/>
+              <a:t>Niekto</a:t>
+            </a:r>
+            <a:r>
+              <a:rPr lang="en-US" baseline="0" dirty="0" smtClean="0"/>
+              <a:t> </a:t>
+            </a:r>
+            <a:r>
+              <a:rPr lang="en-US" baseline="0" dirty="0" err="1" smtClean="0"/>
+              <a:t>sa</a:t>
+            </a:r>
+            <a:r>
+              <a:rPr lang="en-US" baseline="0" dirty="0" smtClean="0"/>
+              <a:t> </a:t>
+            </a:r>
+            <a:r>
+              <a:rPr lang="en-US" baseline="0" dirty="0" err="1" smtClean="0"/>
+              <a:t>vydava</a:t>
+            </a:r>
+            <a:r>
+              <a:rPr lang="en-US" baseline="0" dirty="0" smtClean="0"/>
+              <a:t> </a:t>
+            </a:r>
+            <a:r>
+              <a:rPr lang="en-US" baseline="0" dirty="0" err="1" smtClean="0"/>
+              <a:t>za</a:t>
+            </a:r>
+            <a:r>
+              <a:rPr lang="en-US" baseline="0" dirty="0" smtClean="0"/>
+              <a:t> </a:t>
+            </a:r>
+            <a:r>
+              <a:rPr lang="en-US" baseline="0" dirty="0" err="1" smtClean="0"/>
+              <a:t>niekoho</a:t>
+            </a:r>
+            <a:r>
+              <a:rPr lang="en-US" baseline="0" dirty="0" smtClean="0"/>
+              <a:t> </a:t>
+            </a:r>
+            <a:r>
+              <a:rPr lang="en-US" baseline="0" dirty="0" err="1" smtClean="0"/>
+              <a:t>kym</a:t>
+            </a:r>
+            <a:r>
+              <a:rPr lang="en-US" baseline="0" dirty="0" smtClean="0"/>
+              <a:t> v </a:t>
+            </a:r>
+            <a:r>
+              <a:rPr lang="en-US" baseline="0" dirty="0" err="1" smtClean="0"/>
+              <a:t>skutocnosti</a:t>
+            </a:r>
+            <a:r>
+              <a:rPr lang="en-US" baseline="0" dirty="0" smtClean="0"/>
+              <a:t> </a:t>
+            </a:r>
+            <a:r>
+              <a:rPr lang="en-US" baseline="0" dirty="0" err="1" smtClean="0"/>
+              <a:t>nieje</a:t>
+            </a:r>
+            <a:endParaRPr lang="en-US" baseline="0" dirty="0" smtClean="0"/>
+          </a:p>
+          <a:p>
             <a:r>
               <a:rPr lang="sk-SK" baseline="0" dirty="0" smtClean="0"/>
-              <a:t> doveri</a:t>
+              <a:t>Uprava spravy</a:t>
             </a:r>
             <a:endParaRPr lang="en-US" dirty="0"/>
           </a:p>
@@ -1217,7 +1837,7 @@
             <a:fld id="{72CCBEF4-1BE4-4B48-AF24-6E8DE69994C4}" type="slidenum">
               <a:rPr lang="en-US" smtClean="0"/>
               <a:pPr/>
-              <a:t>6</a:t>
+              <a:t>4</a:t>
             </a:fld>
             <a:endParaRPr lang="en-US"/>
           </a:p>
@@ -1278,56 +1898,84 @@
           <a:lstStyle/>
           <a:p>
             <a:r>
-              <a:rPr lang="en-US" dirty="0" smtClean="0"/>
-              <a:t>ANT</a:t>
+              <a:rPr lang="sk-SK" dirty="0" smtClean="0"/>
+              <a:t>Wireless personal area networks</a:t>
+            </a:r>
+          </a:p>
+          <a:p>
+            <a:endParaRPr lang="sk-SK" dirty="0" smtClean="0"/>
+          </a:p>
+          <a:p>
+            <a:r>
+              <a:rPr lang="sk-SK" dirty="0" smtClean="0"/>
+              <a:t>MAC message autentication code integritu</a:t>
+            </a:r>
+          </a:p>
+          <a:p>
+            <a:r>
+              <a:rPr lang="sk-SK" dirty="0" smtClean="0"/>
+              <a:t>CMAC </a:t>
+            </a:r>
+            <a:r>
+              <a:rPr lang="en-US" dirty="0" smtClean="0"/>
+              <a:t>Cipher-based Message Authentication Code</a:t>
+            </a:r>
+            <a:endParaRPr lang="sk-SK" dirty="0" smtClean="0"/>
+          </a:p>
+          <a:p>
+            <a:r>
+              <a:rPr lang="sk-SK" dirty="0" smtClean="0"/>
+              <a:t>	ekv</a:t>
+            </a:r>
+            <a:r>
+              <a:rPr lang="en-US" dirty="0" smtClean="0"/>
+              <a:t>:</a:t>
             </a:r>
             <a:r>
               <a:rPr lang="en-US" baseline="0" dirty="0" smtClean="0"/>
-              <a:t> o </a:t>
-            </a:r>
-            <a:r>
-              <a:rPr lang="en-US" baseline="0" dirty="0" err="1" smtClean="0"/>
-              <a:t>ve</a:t>
-            </a:r>
-            <a:r>
-              <a:rPr lang="sk-SK" baseline="0" smtClean="0"/>
-              <a:t>ľskost 100  4Hz</a:t>
-            </a:r>
+              <a:t> </a:t>
+            </a:r>
+            <a:r>
+              <a:rPr lang="en-US" dirty="0" smtClean="0"/>
+              <a:t>One-Key CBC MAC1</a:t>
+            </a:r>
+          </a:p>
+          <a:p>
             <a:endParaRPr lang="en-US" dirty="0" smtClean="0"/>
           </a:p>
           <a:p>
-            <a:endParaRPr lang="en-US" dirty="0" smtClean="0"/>
-          </a:p>
-          <a:p>
-            <a:r>
-              <a:rPr lang="sk-SK" dirty="0" smtClean="0"/>
-              <a:t>Po nadviazani</a:t>
-            </a:r>
-            <a:r>
-              <a:rPr lang="sk-SK" baseline="0" dirty="0" smtClean="0"/>
-              <a:t> doveri</a:t>
-            </a:r>
-          </a:p>
-          <a:p>
-            <a:endParaRPr lang="sk-SK" baseline="0" dirty="0" smtClean="0"/>
-          </a:p>
-          <a:p>
-            <a:r>
-              <a:rPr lang="sk-SK" baseline="0" dirty="0" smtClean="0"/>
-              <a:t>Potvrdzovanie</a:t>
-            </a:r>
-          </a:p>
-          <a:p>
-            <a:r>
-              <a:rPr lang="sk-SK" baseline="0" dirty="0" smtClean="0"/>
-              <a:t>Náhodné čisla</a:t>
-            </a:r>
-          </a:p>
-          <a:p>
-            <a:r>
-              <a:rPr lang="sk-SK" baseline="0" dirty="0" smtClean="0"/>
-              <a:t>čas</a:t>
-            </a:r>
+            <a:pPr marL="0" marR="0" indent="0" algn="l" defTabSz="914400" rtl="0" eaLnBrk="1" fontAlgn="auto" latinLnBrk="0" hangingPunct="1">
+              <a:lnSpc>
+                <a:spcPct val="100000"/>
+              </a:lnSpc>
+              <a:spcBef>
+                <a:spcPts val="0"/>
+              </a:spcBef>
+              <a:spcAft>
+                <a:spcPts val="0"/>
+              </a:spcAft>
+              <a:buClrTx/>
+              <a:buSzTx/>
+              <a:buFontTx/>
+              <a:buNone/>
+              <a:tabLst/>
+              <a:defRPr/>
+            </a:pPr>
+            <a:r>
+              <a:rPr lang="en-US" b="0" dirty="0" smtClean="0"/>
+              <a:t>HMAC hash</a:t>
+            </a:r>
+            <a:r>
+              <a:rPr lang="en-US" b="0" baseline="0" dirty="0" smtClean="0"/>
+              <a:t> based</a:t>
+            </a:r>
+            <a:r>
+              <a:rPr lang="en-US" b="0" dirty="0" smtClean="0"/>
+              <a:t> Message Authentication Code</a:t>
+            </a:r>
+            <a:endParaRPr lang="sk-SK" b="0" dirty="0" smtClean="0"/>
+          </a:p>
+          <a:p>
             <a:endParaRPr lang="en-US" dirty="0"/>
           </a:p>
         </p:txBody>
@@ -1350,7 +1998,7 @@
             <a:fld id="{72CCBEF4-1BE4-4B48-AF24-6E8DE69994C4}" type="slidenum">
               <a:rPr lang="en-US" smtClean="0"/>
               <a:pPr/>
-              <a:t>7</a:t>
+              <a:t>5</a:t>
             </a:fld>
             <a:endParaRPr lang="en-US"/>
           </a:p>
@@ -1411,36 +2059,12 @@
           <a:lstStyle/>
           <a:p>
             <a:r>
-              <a:rPr lang="en-US" dirty="0" err="1" smtClean="0"/>
-              <a:t>Inicializ</a:t>
-            </a:r>
-            <a:r>
-              <a:rPr lang="sk-SK" dirty="0" smtClean="0"/>
-              <a:t>ácia</a:t>
+              <a:rPr lang="sk-SK" dirty="0" smtClean="0"/>
+              <a:t>Po nadviazani</a:t>
             </a:r>
             <a:r>
               <a:rPr lang="sk-SK" baseline="0" dirty="0" smtClean="0"/>
-              <a:t> po selekte</a:t>
-            </a:r>
-          </a:p>
-          <a:p>
-            <a:r>
-              <a:rPr lang="sk-SK" baseline="0" dirty="0" smtClean="0"/>
-              <a:t>Rozhoduje</a:t>
-            </a:r>
-          </a:p>
-          <a:p>
-            <a:r>
-              <a:rPr lang="sk-SK" baseline="0" dirty="0" smtClean="0"/>
-              <a:t>Kryptovanie</a:t>
-            </a:r>
-            <a:r>
-              <a:rPr lang="en-US" baseline="0" dirty="0" smtClean="0"/>
-              <a:t>/</a:t>
-            </a:r>
-            <a:r>
-              <a:rPr lang="sk-SK" baseline="0" dirty="0" smtClean="0"/>
-              <a:t>Dekryptovat </a:t>
+              <a:t> doveri</a:t>
             </a:r>
             <a:endParaRPr lang="en-US" dirty="0"/>
           </a:p>
@@ -1464,7 +2088,7 @@
             <a:fld id="{72CCBEF4-1BE4-4B48-AF24-6E8DE69994C4}" type="slidenum">
               <a:rPr lang="en-US" smtClean="0"/>
               <a:pPr/>
-              <a:t>20</a:t>
+              <a:t>6</a:t>
             </a:fld>
             <a:endParaRPr lang="en-US"/>
           </a:p>
@@ -1526,11 +2150,54 @@
           <a:p>
             <a:r>
               <a:rPr lang="en-US" dirty="0" smtClean="0"/>
-              <a:t>Desktop </a:t>
-            </a:r>
-            <a:r>
-              <a:rPr lang="en-US" dirty="0" err="1" smtClean="0"/>
-              <a:t>senzor</a:t>
+              <a:t>ANT</a:t>
+            </a:r>
+            <a:r>
+              <a:rPr lang="en-US" baseline="0" dirty="0" smtClean="0"/>
+              <a:t> o </a:t>
+            </a:r>
+            <a:r>
+              <a:rPr lang="en-US" baseline="0" dirty="0" err="1" smtClean="0"/>
+              <a:t>ve</a:t>
+            </a:r>
+            <a:r>
+              <a:rPr lang="sk-SK" baseline="0" smtClean="0"/>
+              <a:t>ľskost 100  4Hz</a:t>
+            </a:r>
+            <a:endParaRPr lang="en-US" dirty="0" smtClean="0"/>
+          </a:p>
+          <a:p>
+            <a:endParaRPr lang="en-US" dirty="0" smtClean="0"/>
+          </a:p>
+          <a:p>
+            <a:r>
+              <a:rPr lang="sk-SK" dirty="0" smtClean="0"/>
+              <a:t>Po nadviazani</a:t>
+            </a:r>
+            <a:r>
+              <a:rPr lang="sk-SK" baseline="0" dirty="0" smtClean="0"/>
+              <a:t> doveri</a:t>
+            </a:r>
+          </a:p>
+          <a:p>
+            <a:endParaRPr lang="sk-SK" baseline="0" dirty="0" smtClean="0"/>
+          </a:p>
+          <a:p>
+            <a:r>
+              <a:rPr lang="sk-SK" baseline="0" dirty="0" smtClean="0"/>
+              <a:t>Potvrdzovanie</a:t>
+            </a:r>
+          </a:p>
+          <a:p>
+            <a:r>
+              <a:rPr lang="sk-SK" baseline="0" dirty="0" smtClean="0"/>
+              <a:t>Náhodné čisla</a:t>
+            </a:r>
+          </a:p>
+          <a:p>
+            <a:r>
+              <a:rPr lang="sk-SK" baseline="0" dirty="0" smtClean="0"/>
+              <a:t>čas</a:t>
             </a:r>
             <a:endParaRPr lang="en-US" dirty="0"/>
           </a:p>
@@ -1554,7 +2221,7 @@
             <a:fld id="{72CCBEF4-1BE4-4B48-AF24-6E8DE69994C4}" type="slidenum">
               <a:rPr lang="en-US" smtClean="0"/>
               <a:pPr/>
-              <a:t>21</a:t>
+              <a:t>7</a:t>
             </a:fld>
             <a:endParaRPr lang="en-US"/>
           </a:p>
@@ -1614,32 +2281,118 @@
           </a:bodyPr>
           <a:lstStyle/>
           <a:p>
-            <a:r>
-              <a:rPr lang="sk-SK" dirty="0" smtClean="0"/>
-              <a:t>Programovo</a:t>
-            </a:r>
-            <a:r>
-              <a:rPr lang="sk-SK" baseline="0" dirty="0" smtClean="0"/>
-              <a:t> generuju data,</a:t>
-            </a:r>
-          </a:p>
-          <a:p>
-            <a:r>
-              <a:rPr lang="sk-SK" baseline="0" dirty="0" smtClean="0"/>
-              <a:t>200 hodnot</a:t>
-            </a:r>
-          </a:p>
-          <a:p>
-            <a:r>
-              <a:rPr lang="sk-SK" baseline="0" dirty="0" smtClean="0"/>
-              <a:t>Implementovane timeout</a:t>
-            </a:r>
-          </a:p>
-          <a:p>
-            <a:r>
-              <a:rPr lang="sk-SK" baseline="0" dirty="0" smtClean="0"/>
-              <a:t>treshold</a:t>
-            </a:r>
+            <a:pPr marL="0" marR="0" lvl="1" indent="0" algn="l" defTabSz="914400" rtl="0" eaLnBrk="1" fontAlgn="auto" latinLnBrk="0" hangingPunct="1">
+              <a:lnSpc>
+                <a:spcPct val="100000"/>
+              </a:lnSpc>
+              <a:spcBef>
+                <a:spcPts val="0"/>
+              </a:spcBef>
+              <a:spcAft>
+                <a:spcPts val="0"/>
+              </a:spcAft>
+              <a:buClrTx/>
+              <a:buSzTx/>
+              <a:buFontTx/>
+              <a:buNone/>
+              <a:tabLst/>
+              <a:defRPr/>
+            </a:pPr>
+            <a:r>
+              <a:rPr lang="sk-SK" dirty="0" smtClean="0"/>
+              <a:t>Identifikacia stavu správy</a:t>
+            </a:r>
+          </a:p>
+          <a:p>
+            <a:pPr marL="0" marR="0" lvl="1" indent="0" algn="l" defTabSz="914400" rtl="0" eaLnBrk="1" fontAlgn="auto" latinLnBrk="0" hangingPunct="1">
+              <a:lnSpc>
+                <a:spcPct val="100000"/>
+              </a:lnSpc>
+              <a:spcBef>
+                <a:spcPts val="0"/>
+              </a:spcBef>
+              <a:spcAft>
+                <a:spcPts val="0"/>
+              </a:spcAft>
+              <a:buClrTx/>
+              <a:buSzTx/>
+              <a:buFontTx/>
+              <a:buNone/>
+              <a:tabLst/>
+              <a:defRPr/>
+            </a:pPr>
+            <a:r>
+              <a:rPr lang="sk-SK" dirty="0" smtClean="0"/>
+              <a:t>inkermentuje</a:t>
+            </a:r>
+          </a:p>
+          <a:p>
+            <a:pPr marL="0" marR="0" lvl="1" indent="0" algn="l" defTabSz="914400" rtl="0" eaLnBrk="1" fontAlgn="auto" latinLnBrk="0" hangingPunct="1">
+              <a:lnSpc>
+                <a:spcPct val="100000"/>
+              </a:lnSpc>
+              <a:spcBef>
+                <a:spcPts val="0"/>
+              </a:spcBef>
+              <a:spcAft>
+                <a:spcPts val="0"/>
+              </a:spcAft>
+              <a:buClrTx/>
+              <a:buSzTx/>
+              <a:buFontTx/>
+              <a:buNone/>
+              <a:tabLst/>
+              <a:defRPr/>
+            </a:pPr>
+            <a:endParaRPr lang="sk-SK" dirty="0" smtClean="0"/>
+          </a:p>
+          <a:p>
+            <a:pPr marL="0" marR="0" lvl="1" indent="0" algn="l" defTabSz="914400" rtl="0" eaLnBrk="1" fontAlgn="auto" latinLnBrk="0" hangingPunct="1">
+              <a:lnSpc>
+                <a:spcPct val="100000"/>
+              </a:lnSpc>
+              <a:spcBef>
+                <a:spcPts val="0"/>
+              </a:spcBef>
+              <a:spcAft>
+                <a:spcPts val="0"/>
+              </a:spcAft>
+              <a:buClrTx/>
+              <a:buSzTx/>
+              <a:buFontTx/>
+              <a:buNone/>
+              <a:tabLst/>
+              <a:defRPr/>
+            </a:pPr>
+            <a:r>
+              <a:rPr lang="sk-SK" dirty="0" smtClean="0"/>
+              <a:t>FF FF  ...		prázdna správa</a:t>
+            </a:r>
+          </a:p>
+          <a:p>
+            <a:pPr marL="0" marR="0" lvl="1" indent="0" algn="l" defTabSz="914400" rtl="0" eaLnBrk="1" fontAlgn="auto" latinLnBrk="0" hangingPunct="1">
+              <a:lnSpc>
+                <a:spcPct val="100000"/>
+              </a:lnSpc>
+              <a:spcBef>
+                <a:spcPts val="0"/>
+              </a:spcBef>
+              <a:spcAft>
+                <a:spcPts val="0"/>
+              </a:spcAft>
+              <a:buClrTx/>
+              <a:buSzTx/>
+              <a:buFontTx/>
+              <a:buNone/>
+              <a:tabLst/>
+              <a:defRPr/>
+            </a:pPr>
+            <a:r>
+              <a:rPr lang="sk-SK" dirty="0" smtClean="0"/>
+              <a:t>03 03 ...			prázdna správa</a:t>
+            </a:r>
+          </a:p>
+          <a:p>
             <a:endParaRPr lang="en-US" dirty="0"/>
           </a:p>
         </p:txBody>
@@ -1662,7 +2415,7 @@
             <a:fld id="{72CCBEF4-1BE4-4B48-AF24-6E8DE69994C4}" type="slidenum">
               <a:rPr lang="en-US" smtClean="0"/>
               <a:pPr/>
-              <a:t>22</a:t>
+              <a:t>10</a:t>
             </a:fld>
             <a:endParaRPr lang="en-US"/>
           </a:p>
@@ -1722,6 +2475,38 @@
           </a:bodyPr>
           <a:lstStyle/>
           <a:p>
+            <a:r>
+              <a:rPr lang="en-US" dirty="0" err="1" smtClean="0"/>
+              <a:t>Inicializ</a:t>
+            </a:r>
+            <a:r>
+              <a:rPr lang="sk-SK" dirty="0" smtClean="0"/>
+              <a:t>ácia</a:t>
+            </a:r>
+            <a:r>
+              <a:rPr lang="sk-SK" baseline="0" dirty="0" smtClean="0"/>
+              <a:t> po selekte</a:t>
+            </a:r>
+          </a:p>
+          <a:p>
+            <a:r>
+              <a:rPr lang="sk-SK" baseline="0" dirty="0" smtClean="0"/>
+              <a:t>Rozhoduje</a:t>
+            </a:r>
+          </a:p>
+          <a:p>
+            <a:r>
+              <a:rPr lang="sk-SK" baseline="0" dirty="0" smtClean="0"/>
+              <a:t>Kryptovanie</a:t>
+            </a:r>
+            <a:r>
+              <a:rPr lang="en-US" baseline="0" dirty="0" smtClean="0"/>
+              <a:t>/</a:t>
+            </a:r>
+            <a:r>
+              <a:rPr lang="sk-SK" baseline="0" dirty="0" smtClean="0"/>
+              <a:t>Dekryptovat </a:t>
+            </a:r>
             <a:endParaRPr lang="en-US" dirty="0"/>
           </a:p>
         </p:txBody>
@@ -1744,7 +2529,7 @@
             <a:fld id="{72CCBEF4-1BE4-4B48-AF24-6E8DE69994C4}" type="slidenum">
               <a:rPr lang="en-US" smtClean="0"/>
               <a:pPr/>
-              <a:t>31</a:t>
+              <a:t>17</a:t>
             </a:fld>
             <a:endParaRPr lang="en-US"/>
           </a:p>
@@ -4843,6 +5628,13 @@
   <p:clrMapOvr>
     <a:masterClrMapping/>
   </p:clrMapOvr>
+  <p:timing>
+    <p:tnLst>
+      <p:par>
+        <p:cTn id="1" dur="indefinite" restart="never" nodeType="tmRoot"/>
+      </p:par>
+    </p:tnLst>
+  </p:timing>
 </p:sld>
 </file>
 
@@ -4914,7 +5706,7 @@
         </p:spPr>
         <p:txBody>
           <a:bodyPr>
-            <a:normAutofit fontScale="92500" lnSpcReduction="10000"/>
+            <a:normAutofit/>
           </a:bodyPr>
           <a:lstStyle/>
           <a:p>
@@ -4953,15 +5745,11 @@
             </a:pPr>
             <a:r>
               <a:rPr lang="sk-SK" dirty="0" smtClean="0"/>
-              <a:t>FF </a:t>
-            </a:r>
-            <a:r>
-              <a:rPr lang="sk-SK" dirty="0" smtClean="0"/>
-              <a:t>FF  ...</a:t>
-            </a:r>
-            <a:r>
-              <a:rPr lang="sk-SK" dirty="0" smtClean="0"/>
-              <a:t>		prázdna správa</a:t>
+              <a:t>00 </a:t>
+            </a:r>
+            <a:r>
+              <a:rPr lang="sk-SK" dirty="0" smtClean="0"/>
+              <a:t>00 ...			prázdna správa</a:t>
             </a:r>
           </a:p>
           <a:p>
@@ -4972,53 +5760,7 @@
             </a:pPr>
             <a:r>
               <a:rPr lang="sk-SK" dirty="0" smtClean="0"/>
-              <a:t>00 </a:t>
-            </a:r>
-            <a:r>
-              <a:rPr lang="sk-SK" dirty="0" smtClean="0"/>
-              <a:t>00 ...</a:t>
-            </a:r>
-            <a:r>
-              <a:rPr lang="sk-SK" dirty="0" smtClean="0"/>
-              <a:t>			prázdna správa</a:t>
-            </a:r>
-          </a:p>
-          <a:p>
-            <a:pPr lvl="1">
-              <a:spcBef>
-                <a:spcPts val="200"/>
-              </a:spcBef>
-            </a:pPr>
-            <a:r>
-              <a:rPr lang="sk-SK" dirty="0" smtClean="0"/>
-              <a:t>01 03  01 </a:t>
-            </a:r>
-            <a:r>
-              <a:rPr lang="sk-SK" dirty="0" smtClean="0"/>
-              <a:t>FF ...</a:t>
-            </a:r>
-            <a:r>
-              <a:rPr lang="sk-SK" dirty="0" smtClean="0"/>
-              <a:t>		nezabezpečená správa</a:t>
-            </a:r>
-          </a:p>
-          <a:p>
-            <a:pPr lvl="1">
-              <a:spcBef>
-                <a:spcPts val="200"/>
-              </a:spcBef>
-            </a:pPr>
-            <a:r>
-              <a:rPr lang="sk-SK" dirty="0" smtClean="0"/>
-              <a:t>03 03 </a:t>
-            </a:r>
-            <a:r>
-              <a:rPr lang="sk-SK" dirty="0" smtClean="0"/>
-              <a:t>...</a:t>
-            </a:r>
-            <a:r>
-              <a:rPr lang="sk-SK" dirty="0" smtClean="0"/>
-              <a:t>			prázdna správa</a:t>
+              <a:t>01 03  01 FF ...		nezabezpečená správa</a:t>
             </a:r>
           </a:p>
           <a:p>
@@ -5046,6 +5788,10 @@
               <a:pPr/>
               <a:t>10</a:t>
             </a:fld>
+            <a:r>
+              <a:rPr lang="en-US" dirty="0" smtClean="0"/>
+              <a:t>/26</a:t>
+            </a:r>
             <a:endParaRPr lang="en-US" dirty="0"/>
           </a:p>
         </p:txBody>
@@ -5059,7 +5805,7 @@
           <p:nvPr/>
         </p:nvPicPr>
         <p:blipFill>
-          <a:blip r:embed="rId2"/>
+          <a:blip r:embed="rId3"/>
           <a:srcRect/>
           <a:stretch>
             <a:fillRect/>
@@ -5067,7 +5813,7 @@
         </p:blipFill>
         <p:spPr bwMode="auto">
           <a:xfrm>
-            <a:off x="447675" y="2286000"/>
+            <a:off x="447675" y="2438400"/>
             <a:ext cx="8239125" cy="2286000"/>
           </a:xfrm>
           <a:prstGeom prst="rect">
@@ -5081,6 +5827,13 @@
   <p:clrMapOvr>
     <a:masterClrMapping/>
   </p:clrMapOvr>
+  <p:timing>
+    <p:tnLst>
+      <p:par>
+        <p:cTn id="1" dur="indefinite" restart="never" nodeType="tmRoot"/>
+      </p:par>
+    </p:tnLst>
+  </p:timing>
 </p:sld>
 </file>
 
@@ -5151,30 +5904,62 @@
           <a:p>
             <a:r>
               <a:rPr lang="sk-SK" dirty="0" smtClean="0"/>
-              <a:t>Referenčná implementácia</a:t>
-            </a:r>
-          </a:p>
-          <a:p>
-            <a:r>
-              <a:rPr lang="sk-SK" dirty="0" smtClean="0"/>
-              <a:t>TinyAES-128 C</a:t>
-            </a:r>
-          </a:p>
-          <a:p>
+              <a:t>Referenčná</a:t>
+            </a:r>
+            <a:r>
+              <a:rPr lang="en-US" dirty="0" smtClean="0"/>
+              <a:t> </a:t>
+            </a:r>
+            <a:r>
+              <a:rPr lang="en-US" dirty="0" smtClean="0"/>
+              <a:t>SW</a:t>
+            </a:r>
+            <a:r>
+              <a:rPr lang="sk-SK" dirty="0" smtClean="0"/>
+              <a:t> </a:t>
+            </a:r>
+            <a:r>
+              <a:rPr lang="sk-SK" dirty="0" smtClean="0"/>
+              <a:t>implementácia</a:t>
+            </a:r>
+          </a:p>
+          <a:p>
+            <a:r>
+              <a:rPr lang="en-US" dirty="0" err="1" smtClean="0"/>
+              <a:t>kni</a:t>
+            </a:r>
+            <a:r>
+              <a:rPr lang="sk-SK" dirty="0" smtClean="0"/>
+              <a:t>žnica</a:t>
+            </a:r>
+            <a:r>
+              <a:rPr lang="en-US" dirty="0" smtClean="0"/>
+              <a:t>:</a:t>
+            </a:r>
+            <a:r>
+              <a:rPr lang="sk-SK" dirty="0" smtClean="0"/>
+              <a:t> Tiny AES128 v jazyku C</a:t>
+            </a:r>
+            <a:endParaRPr lang="sk-SK" dirty="0" smtClean="0"/>
+          </a:p>
+          <a:p>
+            <a:r>
+              <a:rPr lang="en-US" dirty="0" smtClean="0"/>
+              <a:t>m</a:t>
+            </a:r>
+            <a:r>
+              <a:rPr lang="sk-SK" dirty="0" smtClean="0"/>
+              <a:t>ód</a:t>
+            </a:r>
+            <a:r>
+              <a:rPr lang="en-US" dirty="0" smtClean="0"/>
+              <a:t>: </a:t>
+            </a:r>
             <a:r>
               <a:rPr lang="sk-SK" dirty="0" smtClean="0"/>
               <a:t>CBC</a:t>
             </a:r>
-          </a:p>
-          <a:p>
             <a:endParaRPr lang="sk-SK" dirty="0" smtClean="0"/>
-          </a:p>
-          <a:p>
-            <a:r>
-              <a:rPr lang="sk-SK" dirty="0" smtClean="0"/>
-              <a:t>Použitie viac-menej priamočiare</a:t>
-            </a:r>
-            <a:endParaRPr lang="en-US" dirty="0"/>
           </a:p>
         </p:txBody>
       </p:sp>
@@ -5198,7 +5983,11 @@
               <a:pPr/>
               <a:t>11</a:t>
             </a:fld>
-            <a:endParaRPr lang="en-US"/>
+            <a:r>
+              <a:rPr lang="en-US" dirty="0" smtClean="0"/>
+              <a:t>/26</a:t>
+            </a:r>
+            <a:endParaRPr lang="en-US" dirty="0"/>
           </a:p>
         </p:txBody>
       </p:sp>
@@ -5207,6 +5996,13 @@
   <p:clrMapOvr>
     <a:masterClrMapping/>
   </p:clrMapOvr>
+  <p:timing>
+    <p:tnLst>
+      <p:par>
+        <p:cTn id="1" dur="indefinite" restart="never" nodeType="tmRoot"/>
+      </p:par>
+    </p:tnLst>
+  </p:timing>
 </p:sld>
 </file>
 
@@ -5319,7 +6115,11 @@
               <a:pPr/>
               <a:t>12</a:t>
             </a:fld>
-            <a:endParaRPr lang="en-US"/>
+            <a:r>
+              <a:rPr lang="en-US" dirty="0" smtClean="0"/>
+              <a:t>/26</a:t>
+            </a:r>
+            <a:endParaRPr lang="en-US" dirty="0"/>
           </a:p>
         </p:txBody>
       </p:sp>
@@ -5361,6 +6161,13 @@
   <p:clrMapOvr>
     <a:masterClrMapping/>
   </p:clrMapOvr>
+  <p:timing>
+    <p:tnLst>
+      <p:par>
+        <p:cTn id="1" dur="indefinite" restart="never" nodeType="tmRoot"/>
+      </p:par>
+    </p:tnLst>
+  </p:timing>
 </p:sld>
 </file>
 
@@ -5432,13 +6239,55 @@
         </p:spPr>
         <p:txBody>
           <a:bodyPr>
-            <a:normAutofit fontScale="92500" lnSpcReduction="20000"/>
+            <a:normAutofit fontScale="70000" lnSpcReduction="20000"/>
           </a:bodyPr>
           <a:lstStyle/>
           <a:p>
             <a:r>
-              <a:rPr lang="sk-SK" dirty="0" smtClean="0"/>
-              <a:t>Signály sú generované GPIO a</a:t>
+              <a:rPr lang="en-US" dirty="0" smtClean="0"/>
+              <a:t>p</a:t>
+            </a:r>
+            <a:r>
+              <a:rPr lang="en-US" dirty="0" smtClean="0"/>
+              <a:t>re </a:t>
+            </a:r>
+            <a:r>
+              <a:rPr lang="sk-SK" dirty="0" smtClean="0"/>
+              <a:t>k</a:t>
+            </a:r>
+            <a:r>
+              <a:rPr lang="en-US" dirty="0" err="1" smtClean="0"/>
+              <a:t>ontaktn</a:t>
+            </a:r>
+            <a:r>
+              <a:rPr lang="sk-SK" dirty="0" smtClean="0"/>
+              <a:t>é </a:t>
+            </a:r>
+            <a:r>
+              <a:rPr lang="en-US" dirty="0" smtClean="0"/>
+              <a:t>Smart </a:t>
+            </a:r>
+            <a:r>
+              <a:rPr lang="en-US" dirty="0" err="1" smtClean="0"/>
+              <a:t>karty</a:t>
+            </a:r>
+            <a:endParaRPr lang="sk-SK" dirty="0" smtClean="0"/>
+          </a:p>
+          <a:p>
+            <a:endParaRPr lang="en-US" dirty="0" smtClean="0"/>
+          </a:p>
+          <a:p>
+            <a:r>
+              <a:rPr lang="sk-SK" dirty="0" smtClean="0"/>
+              <a:t>s</a:t>
+            </a:r>
+            <a:r>
+              <a:rPr lang="sk-SK" dirty="0" smtClean="0"/>
+              <a:t>ignály </a:t>
+            </a:r>
+            <a:r>
+              <a:rPr lang="sk-SK" dirty="0" smtClean="0"/>
+              <a:t>sú generované GPIO a</a:t>
             </a:r>
             <a:r>
               <a:rPr lang="en-US" dirty="0" smtClean="0"/>
@@ -5460,82 +6309,100 @@
               <a:rPr lang="sk-SK" dirty="0" smtClean="0"/>
               <a:t>)</a:t>
             </a:r>
+          </a:p>
+          <a:p>
+            <a:pPr lvl="1"/>
+            <a:r>
+              <a:rPr lang="sk-SK" dirty="0" smtClean="0"/>
+              <a:t>CLK</a:t>
+            </a:r>
+            <a:r>
+              <a:rPr lang="en-US" dirty="0" smtClean="0"/>
+              <a:t>: </a:t>
+            </a:r>
+            <a:r>
+              <a:rPr lang="sk-SK" dirty="0" smtClean="0"/>
+              <a:t>2.667 MHz</a:t>
+            </a:r>
+          </a:p>
+          <a:p>
             <a:endParaRPr lang="en-US" dirty="0" smtClean="0"/>
           </a:p>
           <a:p>
             <a:r>
               <a:rPr lang="sk-SK" dirty="0" smtClean="0"/>
-              <a:t>IO signál UART</a:t>
+              <a:t>ISO7816 I</a:t>
+            </a:r>
+            <a:r>
+              <a:rPr lang="en-US" dirty="0" smtClean="0"/>
+              <a:t>/</a:t>
+            </a:r>
+            <a:r>
+              <a:rPr lang="sk-SK" dirty="0" smtClean="0"/>
+              <a:t>O </a:t>
+            </a:r>
+            <a:r>
+              <a:rPr lang="sk-SK" dirty="0" smtClean="0"/>
+              <a:t>signál UART</a:t>
             </a:r>
           </a:p>
           <a:p>
             <a:pPr lvl="1"/>
             <a:r>
-              <a:rPr lang="sk-SK" dirty="0" smtClean="0"/>
-              <a:t>2.667 MHz</a:t>
+              <a:rPr lang="en-US" dirty="0" smtClean="0"/>
+              <a:t>Baud rate: </a:t>
+            </a:r>
+            <a:r>
+              <a:rPr lang="sk-SK" dirty="0" smtClean="0"/>
+              <a:t>7168 </a:t>
+            </a:r>
+            <a:r>
+              <a:rPr lang="sk-SK" dirty="0" smtClean="0"/>
+              <a:t>bps</a:t>
+            </a:r>
+          </a:p>
+          <a:p>
+            <a:endParaRPr lang="sk-SK" dirty="0" smtClean="0"/>
+          </a:p>
+          <a:p>
+            <a:r>
+              <a:rPr lang="sk-SK" dirty="0" smtClean="0"/>
+              <a:t>ATR (answer to reset</a:t>
+            </a:r>
+            <a:r>
+              <a:rPr lang="sk-SK" dirty="0" smtClean="0"/>
+              <a:t>)</a:t>
+            </a:r>
+            <a:endParaRPr lang="en-US" dirty="0" smtClean="0"/>
+          </a:p>
+          <a:p>
+            <a:endParaRPr lang="sk-SK" dirty="0" smtClean="0"/>
+          </a:p>
+          <a:p>
+            <a:r>
+              <a:rPr lang="sk-SK" dirty="0" smtClean="0"/>
+              <a:t>Komunikácia</a:t>
             </a:r>
           </a:p>
           <a:p>
             <a:pPr lvl="1"/>
             <a:r>
-              <a:rPr lang="sk-SK" dirty="0" smtClean="0"/>
-              <a:t>7168 bps</a:t>
-            </a:r>
-          </a:p>
-          <a:p>
+              <a:rPr lang="en-US" dirty="0" smtClean="0"/>
+              <a:t>T=0 </a:t>
+            </a:r>
+            <a:r>
+              <a:rPr lang="sk-SK" dirty="0" smtClean="0"/>
+              <a:t>bajtová</a:t>
+            </a:r>
+            <a:r>
+              <a:rPr lang="en-US" dirty="0" smtClean="0"/>
+              <a:t>: 	APDU </a:t>
+            </a:r>
             <a:endParaRPr lang="sk-SK" dirty="0" smtClean="0"/>
           </a:p>
           <a:p>
-            <a:r>
-              <a:rPr lang="sk-SK" dirty="0" smtClean="0"/>
-              <a:t>ATR (answer to reset)</a:t>
-            </a:r>
-            <a:r>
-              <a:rPr lang="en-US" dirty="0" smtClean="0"/>
-              <a:t>, </a:t>
-            </a:r>
-            <a:r>
-              <a:rPr lang="en-US" dirty="0" err="1" smtClean="0"/>
-              <a:t>nastavenie</a:t>
-            </a:r>
-            <a:r>
-              <a:rPr lang="en-US" dirty="0" smtClean="0"/>
-              <a:t> </a:t>
-            </a:r>
-            <a:r>
-              <a:rPr lang="sk-SK" dirty="0" smtClean="0"/>
-              <a:t>časovania</a:t>
-            </a:r>
-            <a:endParaRPr lang="sk-SK" dirty="0" smtClean="0"/>
-          </a:p>
-          <a:p>
-            <a:endParaRPr lang="sk-SK" dirty="0" smtClean="0"/>
-          </a:p>
-          <a:p>
-            <a:r>
-              <a:rPr lang="sk-SK" dirty="0" smtClean="0"/>
-              <a:t>Komunikácia</a:t>
-            </a:r>
-          </a:p>
-          <a:p>
             <a:pPr lvl="1"/>
             <a:r>
-              <a:rPr lang="en-US" dirty="0" smtClean="0"/>
-              <a:t>T=0 </a:t>
-            </a:r>
-            <a:r>
-              <a:rPr lang="sk-SK" dirty="0" smtClean="0"/>
-              <a:t>bajtová</a:t>
-            </a:r>
-            <a:r>
-              <a:rPr lang="en-US" dirty="0" smtClean="0"/>
-              <a:t> APDU </a:t>
-            </a:r>
-            <a:endParaRPr lang="sk-SK" dirty="0" smtClean="0"/>
-          </a:p>
-          <a:p>
-            <a:pPr lvl="1"/>
-            <a:r>
               <a:rPr lang="sk-SK" dirty="0" smtClean="0"/>
               <a:t>T</a:t>
             </a:r>
@@ -5549,7 +6416,7 @@
             </a:r>
             <a:r>
               <a:rPr lang="en-US" dirty="0" smtClean="0"/>
-              <a:t> APDU</a:t>
+              <a:t>: 	APDU</a:t>
             </a:r>
             <a:r>
               <a:rPr lang="sk-SK" dirty="0" smtClean="0"/>
@@ -5561,13 +6428,8 @@
             </a:r>
             <a:r>
               <a:rPr lang="sk-SK" dirty="0" smtClean="0"/>
-              <a:t>é do </a:t>
-            </a:r>
-            <a:r>
-              <a:rPr lang="sk-SK" dirty="0" smtClean="0"/>
-              <a:t>bloku</a:t>
-            </a:r>
-            <a:endParaRPr lang="sk-SK" dirty="0" smtClean="0"/>
+              <a:t>é do bloku</a:t>
+            </a:r>
           </a:p>
         </p:txBody>
       </p:sp>
@@ -5591,7 +6453,11 @@
               <a:pPr/>
               <a:t>13</a:t>
             </a:fld>
-            <a:endParaRPr lang="en-US"/>
+            <a:r>
+              <a:rPr lang="en-US" dirty="0" smtClean="0"/>
+              <a:t>/26</a:t>
+            </a:r>
+            <a:endParaRPr lang="en-US" dirty="0"/>
           </a:p>
         </p:txBody>
       </p:sp>
@@ -5600,6 +6466,13 @@
   <p:clrMapOvr>
     <a:masterClrMapping/>
   </p:clrMapOvr>
+  <p:timing>
+    <p:tnLst>
+      <p:par>
+        <p:cTn id="1" dur="indefinite" restart="never" nodeType="tmRoot"/>
+      </p:par>
+    </p:tnLst>
+  </p:timing>
 </p:sld>
 </file>
 
@@ -5633,7 +6506,7 @@
         <p:spPr/>
         <p:txBody>
           <a:bodyPr>
-            <a:normAutofit fontScale="90000"/>
+            <a:normAutofit/>
           </a:bodyPr>
           <a:lstStyle/>
           <a:p>
@@ -5643,34 +6516,15 @@
             </a:r>
             <a:r>
               <a:rPr lang="en-US" dirty="0" smtClean="0"/>
-              <a:t>:</a:t>
-            </a:r>
-            <a:r>
-              <a:rPr lang="sk-SK" dirty="0" smtClean="0"/>
-              <a:t> ISO7816</a:t>
-            </a:r>
-            <a:br>
-              <a:rPr lang="sk-SK" dirty="0" smtClean="0"/>
-            </a:br>
-            <a:r>
-              <a:rPr lang="sk-SK" dirty="0" smtClean="0"/>
-              <a:t>APDU</a:t>
-            </a:r>
-            <a:r>
-              <a:rPr lang="en-US" dirty="0" smtClean="0"/>
-              <a:t> </a:t>
-            </a:r>
-            <a:r>
-              <a:rPr lang="sk-SK" dirty="0" smtClean="0"/>
-              <a:t>(T</a:t>
-            </a:r>
-            <a:r>
-              <a:rPr lang="en-US" dirty="0" smtClean="0"/>
-              <a:t>=0</a:t>
-            </a:r>
-            <a:r>
-              <a:rPr lang="sk-SK" dirty="0" smtClean="0"/>
-              <a:t>)</a:t>
+              <a:t>: </a:t>
+            </a:r>
+            <a:r>
+              <a:rPr lang="sk-SK" dirty="0" smtClean="0"/>
+              <a:t>ISO7816 na </a:t>
+            </a:r>
+            <a:r>
+              <a:rPr lang="sk-SK" dirty="0" smtClean="0"/>
+              <a:t>UART</a:t>
             </a:r>
             <a:endParaRPr lang="en-US" dirty="0"/>
           </a:p>
@@ -5696,13 +6550,17 @@
               <a:pPr/>
               <a:t>14</a:t>
             </a:fld>
-            <a:endParaRPr lang="en-US"/>
+            <a:r>
+              <a:rPr lang="en-US" dirty="0" smtClean="0"/>
+              <a:t>/26</a:t>
+            </a:r>
+            <a:endParaRPr lang="en-US" dirty="0"/>
           </a:p>
         </p:txBody>
       </p:sp>
       <p:pic>
         <p:nvPicPr>
-          <p:cNvPr id="5122" name="Picture 2"/>
+          <p:cNvPr id="1026" name="Picture 2"/>
           <p:cNvPicPr>
             <a:picLocks noGrp="1" noChangeAspect="1" noChangeArrowheads="1"/>
           </p:cNvPicPr>
@@ -5719,8 +6577,8 @@
         </p:blipFill>
         <p:spPr bwMode="auto">
           <a:xfrm>
-            <a:off x="457200" y="2772376"/>
-            <a:ext cx="8229600" cy="2380047"/>
+            <a:off x="1523999" y="1770842"/>
+            <a:ext cx="6096002" cy="4184680"/>
           </a:xfrm>
           <a:prstGeom prst="rect">
             <a:avLst/>
@@ -5740,6 +6598,13 @@
   <p:clrMapOvr>
     <a:masterClrMapping/>
   </p:clrMapOvr>
+  <p:timing>
+    <p:tnLst>
+      <p:par>
+        <p:cTn id="1" dur="indefinite" restart="never" nodeType="tmRoot"/>
+      </p:par>
+    </p:tnLst>
+  </p:timing>
 </p:sld>
 </file>
 
@@ -5773,7 +6638,7 @@
         <p:spPr/>
         <p:txBody>
           <a:bodyPr>
-            <a:normAutofit fontScale="90000"/>
+            <a:normAutofit/>
           </a:bodyPr>
           <a:lstStyle/>
           <a:p>
@@ -5783,26 +6648,15 @@
             </a:r>
             <a:r>
               <a:rPr lang="en-US" dirty="0" smtClean="0"/>
-              <a:t>:</a:t>
-            </a:r>
-            <a:r>
-              <a:rPr lang="sk-SK" dirty="0" smtClean="0"/>
-              <a:t> ISO7816</a:t>
-            </a:r>
-            <a:br>
-              <a:rPr lang="sk-SK" dirty="0" smtClean="0"/>
-            </a:br>
-            <a:r>
-              <a:rPr lang="sk-SK" dirty="0" smtClean="0"/>
-              <a:t>Blok dát  (T</a:t>
-            </a:r>
-            <a:r>
-              <a:rPr lang="en-US" dirty="0" smtClean="0"/>
-              <a:t>=1</a:t>
-            </a:r>
-            <a:r>
-              <a:rPr lang="sk-SK" dirty="0" smtClean="0"/>
-              <a:t>)</a:t>
+              <a:t>: </a:t>
+            </a:r>
+            <a:r>
+              <a:rPr lang="sk-SK" dirty="0" smtClean="0"/>
+              <a:t>Schém</a:t>
+            </a:r>
+            <a:r>
+              <a:rPr lang="en-US" dirty="0" smtClean="0"/>
+              <a:t>y</a:t>
             </a:r>
             <a:endParaRPr lang="en-US" dirty="0"/>
           </a:p>
@@ -5828,13 +6682,17 @@
               <a:pPr/>
               <a:t>15</a:t>
             </a:fld>
-            <a:endParaRPr lang="en-US"/>
+            <a:r>
+              <a:rPr lang="en-US" dirty="0" smtClean="0"/>
+              <a:t>/26</a:t>
+            </a:r>
+            <a:endParaRPr lang="en-US" dirty="0"/>
           </a:p>
         </p:txBody>
       </p:sp>
       <p:pic>
         <p:nvPicPr>
-          <p:cNvPr id="6146" name="Picture 2"/>
+          <p:cNvPr id="3074" name="Picture 2"/>
           <p:cNvPicPr>
             <a:picLocks noGrp="1" noChangeAspect="1" noChangeArrowheads="1"/>
           </p:cNvPicPr>
@@ -5843,7 +6701,7 @@
           </p:nvPr>
         </p:nvPicPr>
         <p:blipFill>
-          <a:blip r:embed="rId2"/>
+          <a:blip r:embed="rId2" cstate="print"/>
           <a:srcRect/>
           <a:stretch>
             <a:fillRect/>
@@ -5851,8 +6709,41 @@
         </p:blipFill>
         <p:spPr bwMode="auto">
           <a:xfrm>
-            <a:off x="0" y="2532122"/>
-            <a:ext cx="9144000" cy="2860556"/>
+            <a:off x="152400" y="1219200"/>
+            <a:ext cx="4444142" cy="2325938"/>
+          </a:xfrm>
+          <a:prstGeom prst="rect">
+            <a:avLst/>
+          </a:prstGeom>
+          <a:noFill/>
+          <a:ln w="9525">
+            <a:noFill/>
+            <a:miter lim="800000"/>
+            <a:headEnd/>
+            <a:tailEnd/>
+          </a:ln>
+          <a:effectLst/>
+        </p:spPr>
+      </p:pic>
+      <p:pic>
+        <p:nvPicPr>
+          <p:cNvPr id="5" name="Picture 2"/>
+          <p:cNvPicPr>
+            <a:picLocks noChangeAspect="1" noChangeArrowheads="1"/>
+          </p:cNvPicPr>
+          <p:nvPr/>
+        </p:nvPicPr>
+        <p:blipFill>
+          <a:blip r:embed="rId3" cstate="print"/>
+          <a:srcRect/>
+          <a:stretch>
+            <a:fillRect/>
+          </a:stretch>
+        </p:blipFill>
+        <p:spPr bwMode="auto">
+          <a:xfrm>
+            <a:off x="4032007" y="3581400"/>
+            <a:ext cx="4702255" cy="2773364"/>
           </a:xfrm>
           <a:prstGeom prst="rect">
             <a:avLst/>
@@ -5872,6 +6763,13 @@
   <p:clrMapOvr>
     <a:masterClrMapping/>
   </p:clrMapOvr>
+  <p:timing>
+    <p:tnLst>
+      <p:par>
+        <p:cTn id="1" dur="indefinite" restart="never" nodeType="tmRoot"/>
+      </p:par>
+    </p:tnLst>
+  </p:timing>
 </p:sld>
 </file>
 
@@ -5919,11 +6817,7 @@
             </a:r>
             <a:r>
               <a:rPr lang="sk-SK" dirty="0" smtClean="0"/>
-              <a:t>ISO7816 </a:t>
-            </a:r>
-            <a:r>
-              <a:rPr lang="sk-SK" dirty="0" smtClean="0"/>
-              <a:t>UART</a:t>
+              <a:t>DPS</a:t>
             </a:r>
             <a:endParaRPr lang="en-US" dirty="0"/>
           </a:p>
@@ -5949,13 +6843,17 @@
               <a:pPr/>
               <a:t>16</a:t>
             </a:fld>
-            <a:endParaRPr lang="en-US"/>
+            <a:r>
+              <a:rPr lang="en-US" dirty="0" smtClean="0"/>
+              <a:t>/26</a:t>
+            </a:r>
+            <a:endParaRPr lang="en-US" dirty="0"/>
           </a:p>
         </p:txBody>
       </p:sp>
       <p:pic>
         <p:nvPicPr>
-          <p:cNvPr id="1026" name="Picture 2"/>
+          <p:cNvPr id="5122" name="Picture 2"/>
           <p:cNvPicPr>
             <a:picLocks noGrp="1" noChangeAspect="1" noChangeArrowheads="1"/>
           </p:cNvPicPr>
@@ -5972,370 +6870,7 @@
         </p:blipFill>
         <p:spPr bwMode="auto">
           <a:xfrm>
-            <a:off x="1275417" y="1600200"/>
-            <a:ext cx="6593165" cy="4525963"/>
-          </a:xfrm>
-          <a:prstGeom prst="rect">
-            <a:avLst/>
-          </a:prstGeom>
-          <a:noFill/>
-          <a:ln w="9525">
-            <a:noFill/>
-            <a:miter lim="800000"/>
-            <a:headEnd/>
-            <a:tailEnd/>
-          </a:ln>
-          <a:effectLst/>
-        </p:spPr>
-      </p:pic>
-    </p:spTree>
-  </p:cSld>
-  <p:clrMapOvr>
-    <a:masterClrMapping/>
-  </p:clrMapOvr>
-</p:sld>
-</file>
-
-<file path=ppt/slides/slide17.xml><?xml version="1.0" encoding="utf-8"?>
-<p:sld xmlns:a="http://schemas.openxmlformats.org/drawingml/2006/main" xmlns:r="http://schemas.openxmlformats.org/officeDocument/2006/relationships" xmlns:p="http://schemas.openxmlformats.org/presentationml/2006/main">
-  <p:cSld>
-    <p:spTree>
-      <p:nvGrpSpPr>
-        <p:cNvPr id="1" name=""/>
-        <p:cNvGrpSpPr/>
-        <p:nvPr/>
-      </p:nvGrpSpPr>
-      <p:grpSpPr>
-        <a:xfrm>
-          <a:off x="0" y="0"/>
-          <a:ext cx="0" cy="0"/>
-          <a:chOff x="0" y="0"/>
-          <a:chExt cx="0" cy="0"/>
-        </a:xfrm>
-      </p:grpSpPr>
-      <p:sp>
-        <p:nvSpPr>
-          <p:cNvPr id="2" name="Title 1"/>
-          <p:cNvSpPr>
-            <a:spLocks noGrp="1"/>
-          </p:cNvSpPr>
-          <p:nvPr>
-            <p:ph type="title"/>
-          </p:nvPr>
-        </p:nvSpPr>
-        <p:spPr/>
-        <p:txBody>
-          <a:bodyPr>
-            <a:normAutofit/>
-          </a:bodyPr>
-          <a:lstStyle/>
-          <a:p>
-            <a:r>
-              <a:rPr lang="sk-SK" dirty="0" smtClean="0"/>
-              <a:t>Implementácia</a:t>
-            </a:r>
-            <a:r>
-              <a:rPr lang="en-US" dirty="0" smtClean="0"/>
-              <a:t>: </a:t>
-            </a:r>
-            <a:r>
-              <a:rPr lang="sk-SK" dirty="0" smtClean="0"/>
-              <a:t>Schéma </a:t>
-            </a:r>
-            <a:r>
-              <a:rPr lang="sk-SK" dirty="0" smtClean="0"/>
-              <a:t>I</a:t>
-            </a:r>
-            <a:endParaRPr lang="en-US" dirty="0"/>
-          </a:p>
-        </p:txBody>
-      </p:sp>
-      <p:sp>
-        <p:nvSpPr>
-          <p:cNvPr id="4" name="Slide Number Placeholder 3"/>
-          <p:cNvSpPr>
-            <a:spLocks noGrp="1"/>
-          </p:cNvSpPr>
-          <p:nvPr>
-            <p:ph type="sldNum" sz="quarter" idx="12"/>
-          </p:nvPr>
-        </p:nvSpPr>
-        <p:spPr/>
-        <p:txBody>
-          <a:bodyPr/>
-          <a:lstStyle/>
-          <a:p>
-            <a:fld id="{8C584B50-B360-452D-AFC7-DEF83B5F5806}" type="slidenum">
-              <a:rPr lang="en-US" smtClean="0"/>
-              <a:pPr/>
-              <a:t>17</a:t>
-            </a:fld>
-            <a:endParaRPr lang="en-US"/>
-          </a:p>
-        </p:txBody>
-      </p:sp>
-      <p:pic>
-        <p:nvPicPr>
-          <p:cNvPr id="3074" name="Picture 2"/>
-          <p:cNvPicPr>
-            <a:picLocks noGrp="1" noChangeAspect="1" noChangeArrowheads="1"/>
-          </p:cNvPicPr>
-          <p:nvPr>
-            <p:ph idx="1"/>
-          </p:nvPr>
-        </p:nvPicPr>
-        <p:blipFill>
-          <a:blip r:embed="rId2"/>
-          <a:srcRect/>
-          <a:stretch>
-            <a:fillRect/>
-          </a:stretch>
-        </p:blipFill>
-        <p:spPr bwMode="auto">
-          <a:xfrm>
-            <a:off x="228600" y="1745419"/>
-            <a:ext cx="8686800" cy="4546424"/>
-          </a:xfrm>
-          <a:prstGeom prst="rect">
-            <a:avLst/>
-          </a:prstGeom>
-          <a:noFill/>
-          <a:ln w="9525">
-            <a:noFill/>
-            <a:miter lim="800000"/>
-            <a:headEnd/>
-            <a:tailEnd/>
-          </a:ln>
-          <a:effectLst/>
-        </p:spPr>
-      </p:pic>
-    </p:spTree>
-  </p:cSld>
-  <p:clrMapOvr>
-    <a:masterClrMapping/>
-  </p:clrMapOvr>
-</p:sld>
-</file>
-
-<file path=ppt/slides/slide18.xml><?xml version="1.0" encoding="utf-8"?>
-<p:sld xmlns:a="http://schemas.openxmlformats.org/drawingml/2006/main" xmlns:r="http://schemas.openxmlformats.org/officeDocument/2006/relationships" xmlns:p="http://schemas.openxmlformats.org/presentationml/2006/main">
-  <p:cSld>
-    <p:spTree>
-      <p:nvGrpSpPr>
-        <p:cNvPr id="1" name=""/>
-        <p:cNvGrpSpPr/>
-        <p:nvPr/>
-      </p:nvGrpSpPr>
-      <p:grpSpPr>
-        <a:xfrm>
-          <a:off x="0" y="0"/>
-          <a:ext cx="0" cy="0"/>
-          <a:chOff x="0" y="0"/>
-          <a:chExt cx="0" cy="0"/>
-        </a:xfrm>
-      </p:grpSpPr>
-      <p:sp>
-        <p:nvSpPr>
-          <p:cNvPr id="2" name="Title 1"/>
-          <p:cNvSpPr>
-            <a:spLocks noGrp="1"/>
-          </p:cNvSpPr>
-          <p:nvPr>
-            <p:ph type="title"/>
-          </p:nvPr>
-        </p:nvSpPr>
-        <p:spPr/>
-        <p:txBody>
-          <a:bodyPr>
-            <a:normAutofit/>
-          </a:bodyPr>
-          <a:lstStyle/>
-          <a:p>
-            <a:r>
-              <a:rPr lang="sk-SK" dirty="0" smtClean="0"/>
-              <a:t>Implementácia</a:t>
-            </a:r>
-            <a:r>
-              <a:rPr lang="en-US" dirty="0" smtClean="0"/>
-              <a:t>: </a:t>
-            </a:r>
-            <a:r>
-              <a:rPr lang="sk-SK" dirty="0" smtClean="0"/>
-              <a:t>Schéma</a:t>
-            </a:r>
-            <a:r>
-              <a:rPr lang="sk-SK" dirty="0" smtClean="0"/>
-              <a:t> </a:t>
-            </a:r>
-            <a:r>
-              <a:rPr lang="sk-SK" dirty="0" smtClean="0"/>
-              <a:t>II</a:t>
-            </a:r>
-            <a:endParaRPr lang="en-US" dirty="0"/>
-          </a:p>
-        </p:txBody>
-      </p:sp>
-      <p:sp>
-        <p:nvSpPr>
-          <p:cNvPr id="4" name="Slide Number Placeholder 3"/>
-          <p:cNvSpPr>
-            <a:spLocks noGrp="1"/>
-          </p:cNvSpPr>
-          <p:nvPr>
-            <p:ph type="sldNum" sz="quarter" idx="12"/>
-          </p:nvPr>
-        </p:nvSpPr>
-        <p:spPr/>
-        <p:txBody>
-          <a:bodyPr/>
-          <a:lstStyle/>
-          <a:p>
-            <a:fld id="{8C584B50-B360-452D-AFC7-DEF83B5F5806}" type="slidenum">
-              <a:rPr lang="en-US" smtClean="0"/>
-              <a:pPr/>
-              <a:t>18</a:t>
-            </a:fld>
-            <a:endParaRPr lang="en-US"/>
-          </a:p>
-        </p:txBody>
-      </p:sp>
-      <p:pic>
-        <p:nvPicPr>
-          <p:cNvPr id="4098" name="Picture 2"/>
-          <p:cNvPicPr>
-            <a:picLocks noGrp="1" noChangeAspect="1" noChangeArrowheads="1"/>
-          </p:cNvPicPr>
-          <p:nvPr>
-            <p:ph idx="1"/>
-          </p:nvPr>
-        </p:nvPicPr>
-        <p:blipFill>
-          <a:blip r:embed="rId2"/>
-          <a:srcRect/>
-          <a:stretch>
-            <a:fillRect/>
-          </a:stretch>
-        </p:blipFill>
-        <p:spPr bwMode="auto">
-          <a:xfrm>
-            <a:off x="457200" y="1436296"/>
-            <a:ext cx="8229600" cy="4853772"/>
-          </a:xfrm>
-          <a:prstGeom prst="rect">
-            <a:avLst/>
-          </a:prstGeom>
-          <a:noFill/>
-          <a:ln w="9525">
-            <a:noFill/>
-            <a:miter lim="800000"/>
-            <a:headEnd/>
-            <a:tailEnd/>
-          </a:ln>
-          <a:effectLst/>
-        </p:spPr>
-      </p:pic>
-    </p:spTree>
-  </p:cSld>
-  <p:clrMapOvr>
-    <a:masterClrMapping/>
-  </p:clrMapOvr>
-</p:sld>
-</file>
-
-<file path=ppt/slides/slide19.xml><?xml version="1.0" encoding="utf-8"?>
-<p:sld xmlns:a="http://schemas.openxmlformats.org/drawingml/2006/main" xmlns:r="http://schemas.openxmlformats.org/officeDocument/2006/relationships" xmlns:p="http://schemas.openxmlformats.org/presentationml/2006/main">
-  <p:cSld>
-    <p:spTree>
-      <p:nvGrpSpPr>
-        <p:cNvPr id="1" name=""/>
-        <p:cNvGrpSpPr/>
-        <p:nvPr/>
-      </p:nvGrpSpPr>
-      <p:grpSpPr>
-        <a:xfrm>
-          <a:off x="0" y="0"/>
-          <a:ext cx="0" cy="0"/>
-          <a:chOff x="0" y="0"/>
-          <a:chExt cx="0" cy="0"/>
-        </a:xfrm>
-      </p:grpSpPr>
-      <p:sp>
-        <p:nvSpPr>
-          <p:cNvPr id="2" name="Title 1"/>
-          <p:cNvSpPr>
-            <a:spLocks noGrp="1"/>
-          </p:cNvSpPr>
-          <p:nvPr>
-            <p:ph type="title"/>
-          </p:nvPr>
-        </p:nvSpPr>
-        <p:spPr/>
-        <p:txBody>
-          <a:bodyPr>
-            <a:normAutofit/>
-          </a:bodyPr>
-          <a:lstStyle/>
-          <a:p>
-            <a:r>
-              <a:rPr lang="sk-SK" dirty="0" smtClean="0"/>
-              <a:t>Implementácia</a:t>
-            </a:r>
-            <a:r>
-              <a:rPr lang="en-US" dirty="0" smtClean="0"/>
-              <a:t>: </a:t>
-            </a:r>
-            <a:r>
-              <a:rPr lang="sk-SK" dirty="0" smtClean="0"/>
-              <a:t>DPS</a:t>
-            </a:r>
-            <a:endParaRPr lang="en-US" dirty="0"/>
-          </a:p>
-        </p:txBody>
-      </p:sp>
-      <p:sp>
-        <p:nvSpPr>
-          <p:cNvPr id="4" name="Slide Number Placeholder 3"/>
-          <p:cNvSpPr>
-            <a:spLocks noGrp="1"/>
-          </p:cNvSpPr>
-          <p:nvPr>
-            <p:ph type="sldNum" sz="quarter" idx="12"/>
-          </p:nvPr>
-        </p:nvSpPr>
-        <p:spPr/>
-        <p:txBody>
-          <a:bodyPr/>
-          <a:lstStyle/>
-          <a:p>
-            <a:fld id="{8C584B50-B360-452D-AFC7-DEF83B5F5806}" type="slidenum">
-              <a:rPr lang="en-US" smtClean="0"/>
-              <a:pPr/>
-              <a:t>19</a:t>
-            </a:fld>
-            <a:endParaRPr lang="en-US"/>
-          </a:p>
-        </p:txBody>
-      </p:sp>
-      <p:pic>
-        <p:nvPicPr>
-          <p:cNvPr id="5122" name="Picture 2"/>
-          <p:cNvPicPr>
-            <a:picLocks noGrp="1" noChangeAspect="1" noChangeArrowheads="1"/>
-          </p:cNvPicPr>
-          <p:nvPr>
-            <p:ph idx="1"/>
-          </p:nvPr>
-        </p:nvPicPr>
-        <p:blipFill>
-          <a:blip r:embed="rId2"/>
-          <a:srcRect/>
-          <a:stretch>
-            <a:fillRect/>
-          </a:stretch>
-        </p:blipFill>
-        <p:spPr bwMode="auto">
-          <a:xfrm>
-            <a:off x="0" y="1219200"/>
+            <a:off x="-63911" y="1194619"/>
             <a:ext cx="5029202" cy="2924042"/>
           </a:xfrm>
           <a:prstGeom prst="rect">
@@ -6361,15 +6896,15 @@
         </p:nvPicPr>
         <p:blipFill>
           <a:blip r:embed="rId3"/>
-          <a:srcRect l="10000" t="2628" r="3333" b="1447"/>
+          <a:srcRect l="12051" t="2628" r="5869" b="1447"/>
           <a:stretch>
             <a:fillRect/>
           </a:stretch>
         </p:blipFill>
         <p:spPr bwMode="auto">
           <a:xfrm>
-            <a:off x="5029199" y="3474426"/>
-            <a:ext cx="4114801" cy="2888274"/>
+            <a:off x="4994787" y="3377332"/>
+            <a:ext cx="4159045" cy="3082462"/>
           </a:xfrm>
           <a:prstGeom prst="rect">
             <a:avLst/>
@@ -6389,10 +6924,17 @@
   <p:clrMapOvr>
     <a:masterClrMapping/>
   </p:clrMapOvr>
+  <p:timing>
+    <p:tnLst>
+      <p:par>
+        <p:cTn id="1" dur="indefinite" restart="never" nodeType="tmRoot"/>
+      </p:par>
+    </p:tnLst>
+  </p:timing>
 </p:sld>
 </file>
 
-<file path=ppt/slides/slide2.xml><?xml version="1.0" encoding="utf-8"?>
+<file path=ppt/slides/slide17.xml><?xml version="1.0" encoding="utf-8"?>
 <p:sld xmlns:a="http://schemas.openxmlformats.org/drawingml/2006/main" xmlns:r="http://schemas.openxmlformats.org/officeDocument/2006/relationships" xmlns:p="http://schemas.openxmlformats.org/presentationml/2006/main">
   <p:cSld>
     <p:spTree>
@@ -6421,12 +6963,22 @@
         </p:nvSpPr>
         <p:spPr/>
         <p:txBody>
-          <a:bodyPr/>
-          <a:lstStyle/>
-          <a:p>
-            <a:r>
-              <a:rPr lang="sk-SK" dirty="0" smtClean="0"/>
-              <a:t>Motivácia</a:t>
+          <a:bodyPr>
+            <a:normAutofit/>
+          </a:bodyPr>
+          <a:lstStyle/>
+          <a:p>
+            <a:r>
+              <a:rPr lang="sk-SK" dirty="0" smtClean="0"/>
+              <a:t>Implementácia</a:t>
+            </a:r>
+            <a:r>
+              <a:rPr lang="en-US" dirty="0" smtClean="0"/>
+              <a:t>: </a:t>
+            </a:r>
+            <a:r>
+              <a:rPr lang="sk-SK" dirty="0" smtClean="0"/>
+              <a:t>JavaCard</a:t>
             </a:r>
             <a:endParaRPr lang="en-US" dirty="0"/>
           </a:p>
@@ -6445,64 +6997,36 @@
         <p:spPr/>
         <p:txBody>
           <a:bodyPr>
-            <a:normAutofit lnSpcReduction="10000"/>
+            <a:normAutofit/>
           </a:bodyPr>
           <a:lstStyle/>
           <a:p>
             <a:r>
-              <a:rPr lang="en-US" dirty="0" err="1" smtClean="0"/>
-              <a:t>Bezpe</a:t>
-            </a:r>
-            <a:r>
-              <a:rPr lang="sk-SK" dirty="0" smtClean="0"/>
-              <a:t>čnosť je hra na mačku a myš</a:t>
-            </a:r>
-          </a:p>
-          <a:p>
-            <a:endParaRPr lang="en-US" dirty="0" smtClean="0"/>
-          </a:p>
-          <a:p>
-            <a:r>
-              <a:rPr lang="sk-SK" dirty="0" smtClean="0"/>
-              <a:t>bezpečnejšie,</a:t>
-            </a:r>
-          </a:p>
-          <a:p>
-            <a:r>
-              <a:rPr lang="sk-SK" dirty="0" smtClean="0"/>
-              <a:t>efektívnejšie,</a:t>
+              <a:rPr lang="sk-SK" dirty="0" smtClean="0"/>
+              <a:t>Applet  JC2.2.2</a:t>
             </a:r>
           </a:p>
           <a:p>
             <a:pPr lvl="1"/>
             <a:r>
               <a:rPr lang="sk-SK" dirty="0" smtClean="0"/>
-              <a:t>spotreba,</a:t>
-            </a:r>
-          </a:p>
-          <a:p>
-            <a:pPr lvl="1"/>
-            <a:r>
-              <a:rPr lang="sk-SK" dirty="0" smtClean="0"/>
-              <a:t>rýchlosť.</a:t>
-            </a:r>
-          </a:p>
-          <a:p>
-            <a:pPr lvl="1"/>
-            <a:endParaRPr lang="sk-SK" dirty="0" smtClean="0"/>
-          </a:p>
-          <a:p>
-            <a:r>
-              <a:rPr lang="en-US" dirty="0" err="1" smtClean="0"/>
-              <a:t>inteligent</a:t>
-            </a:r>
-            <a:r>
-              <a:rPr lang="sk-SK" dirty="0" smtClean="0"/>
-              <a:t>ná </a:t>
-            </a:r>
-            <a:r>
-              <a:rPr lang="sk-SK" dirty="0" smtClean="0"/>
-              <a:t>domácnosť (menej výkonné zariadenia)</a:t>
+              <a:t>java</a:t>
+            </a:r>
+          </a:p>
+          <a:p>
+            <a:r>
+              <a:rPr lang="sk-SK" dirty="0" smtClean="0"/>
+              <a:t>HW AES-128 CBC</a:t>
+            </a:r>
+          </a:p>
+          <a:p>
+            <a:r>
+              <a:rPr lang="en-US" dirty="0" smtClean="0"/>
+              <a:t>Form</a:t>
+            </a:r>
+            <a:r>
+              <a:rPr lang="sk-SK" dirty="0" smtClean="0"/>
+              <a:t>át správy APDU (terminál-SmartCard)</a:t>
             </a:r>
             <a:endParaRPr lang="sk-SK" dirty="0" smtClean="0"/>
           </a:p>
@@ -6526,157 +7050,13 @@
             <a:fld id="{8C584B50-B360-452D-AFC7-DEF83B5F5806}" type="slidenum">
               <a:rPr lang="en-US" smtClean="0"/>
               <a:pPr/>
-              <a:t>2</a:t>
+              <a:t>17</a:t>
             </a:fld>
-            <a:endParaRPr lang="en-US"/>
-          </a:p>
-        </p:txBody>
-      </p:sp>
-    </p:spTree>
-  </p:cSld>
-  <p:clrMapOvr>
-    <a:masterClrMapping/>
-  </p:clrMapOvr>
-</p:sld>
-</file>
-
-<file path=ppt/slides/slide20.xml><?xml version="1.0" encoding="utf-8"?>
-<p:sld xmlns:a="http://schemas.openxmlformats.org/drawingml/2006/main" xmlns:r="http://schemas.openxmlformats.org/officeDocument/2006/relationships" xmlns:p="http://schemas.openxmlformats.org/presentationml/2006/main">
-  <p:cSld>
-    <p:spTree>
-      <p:nvGrpSpPr>
-        <p:cNvPr id="1" name=""/>
-        <p:cNvGrpSpPr/>
-        <p:nvPr/>
-      </p:nvGrpSpPr>
-      <p:grpSpPr>
-        <a:xfrm>
-          <a:off x="0" y="0"/>
-          <a:ext cx="0" cy="0"/>
-          <a:chOff x="0" y="0"/>
-          <a:chExt cx="0" cy="0"/>
-        </a:xfrm>
-      </p:grpSpPr>
-      <p:sp>
-        <p:nvSpPr>
-          <p:cNvPr id="2" name="Title 1"/>
-          <p:cNvSpPr>
-            <a:spLocks noGrp="1"/>
-          </p:cNvSpPr>
-          <p:nvPr>
-            <p:ph type="title"/>
-          </p:nvPr>
-        </p:nvSpPr>
-        <p:spPr/>
-        <p:txBody>
-          <a:bodyPr>
-            <a:normAutofit/>
-          </a:bodyPr>
-          <a:lstStyle/>
-          <a:p>
-            <a:r>
-              <a:rPr lang="sk-SK" dirty="0" smtClean="0"/>
-              <a:t>Implementácia</a:t>
-            </a:r>
-            <a:r>
-              <a:rPr lang="en-US" dirty="0" smtClean="0"/>
-              <a:t>: </a:t>
-            </a:r>
-            <a:r>
-              <a:rPr lang="sk-SK" dirty="0" smtClean="0"/>
-              <a:t>JavaCard</a:t>
+            <a:r>
+              <a:rPr lang="en-US" dirty="0" smtClean="0"/>
+              <a:t>/26</a:t>
             </a:r>
             <a:endParaRPr lang="en-US" dirty="0"/>
-          </a:p>
-        </p:txBody>
-      </p:sp>
-      <p:sp>
-        <p:nvSpPr>
-          <p:cNvPr id="3" name="Content Placeholder 2"/>
-          <p:cNvSpPr>
-            <a:spLocks noGrp="1"/>
-          </p:cNvSpPr>
-          <p:nvPr>
-            <p:ph idx="1"/>
-          </p:nvPr>
-        </p:nvSpPr>
-        <p:spPr/>
-        <p:txBody>
-          <a:bodyPr>
-            <a:normAutofit/>
-          </a:bodyPr>
-          <a:lstStyle/>
-          <a:p>
-            <a:r>
-              <a:rPr lang="sk-SK" dirty="0" smtClean="0"/>
-              <a:t>Applet  </a:t>
-            </a:r>
-            <a:r>
-              <a:rPr lang="sk-SK" dirty="0" smtClean="0"/>
-              <a:t>JC2.2.2</a:t>
-            </a:r>
-          </a:p>
-          <a:p>
-            <a:pPr lvl="1"/>
-            <a:r>
-              <a:rPr lang="sk-SK" dirty="0" smtClean="0"/>
-              <a:t>java</a:t>
-            </a:r>
-            <a:endParaRPr lang="sk-SK" dirty="0" smtClean="0"/>
-          </a:p>
-          <a:p>
-            <a:r>
-              <a:rPr lang="sk-SK" dirty="0" smtClean="0"/>
-              <a:t>HW AES-128 CBC</a:t>
-            </a:r>
-          </a:p>
-          <a:p>
-            <a:r>
-              <a:rPr lang="sk-SK" dirty="0" smtClean="0"/>
-              <a:t>APDU</a:t>
-            </a:r>
-            <a:r>
-              <a:rPr lang="en-US" dirty="0" smtClean="0"/>
-              <a:t>:</a:t>
-            </a:r>
-            <a:r>
-              <a:rPr lang="sk-SK" dirty="0" smtClean="0"/>
-              <a:t> Dáta</a:t>
-            </a:r>
-          </a:p>
-          <a:p>
-            <a:pPr lvl="1"/>
-            <a:r>
-              <a:rPr lang="sk-SK" dirty="0" smtClean="0"/>
-              <a:t>id operácie (enum), dáta</a:t>
-            </a:r>
-          </a:p>
-          <a:p>
-            <a:endParaRPr lang="en-US" dirty="0"/>
-          </a:p>
-        </p:txBody>
-      </p:sp>
-      <p:sp>
-        <p:nvSpPr>
-          <p:cNvPr id="4" name="Slide Number Placeholder 3"/>
-          <p:cNvSpPr>
-            <a:spLocks noGrp="1"/>
-          </p:cNvSpPr>
-          <p:nvPr>
-            <p:ph type="sldNum" sz="quarter" idx="12"/>
-          </p:nvPr>
-        </p:nvSpPr>
-        <p:spPr/>
-        <p:txBody>
-          <a:bodyPr/>
-          <a:lstStyle/>
-          <a:p>
-            <a:fld id="{8C584B50-B360-452D-AFC7-DEF83B5F5806}" type="slidenum">
-              <a:rPr lang="en-US" smtClean="0"/>
-              <a:pPr/>
-              <a:t>20</a:t>
-            </a:fld>
-            <a:endParaRPr lang="en-US"/>
           </a:p>
         </p:txBody>
       </p:sp>
@@ -6718,10 +7098,17 @@
   <p:clrMapOvr>
     <a:masterClrMapping/>
   </p:clrMapOvr>
+  <p:timing>
+    <p:tnLst>
+      <p:par>
+        <p:cTn id="1" dur="indefinite" restart="never" nodeType="tmRoot"/>
+      </p:par>
+    </p:tnLst>
+  </p:timing>
 </p:sld>
 </file>
 
-<file path=ppt/slides/slide21.xml><?xml version="1.0" encoding="utf-8"?>
+<file path=ppt/slides/slide18.xml><?xml version="1.0" encoding="utf-8"?>
 <p:sld xmlns:a="http://schemas.openxmlformats.org/drawingml/2006/main" xmlns:r="http://schemas.openxmlformats.org/officeDocument/2006/relationships" xmlns:p="http://schemas.openxmlformats.org/presentationml/2006/main">
   <p:cSld>
     <p:spTree>
@@ -6788,25 +7175,36 @@
         <p:spPr/>
         <p:txBody>
           <a:bodyPr>
-            <a:normAutofit fontScale="92500" lnSpcReduction="20000"/>
+            <a:normAutofit/>
           </a:bodyPr>
           <a:lstStyle/>
           <a:p>
             <a:r>
-              <a:rPr lang="sk-SK" dirty="0" smtClean="0"/>
-              <a:t>Segger J-Link RTT</a:t>
-            </a:r>
-            <a:r>
-              <a:rPr lang="en-US" dirty="0" smtClean="0"/>
-              <a:t> (Real Time Transfer</a:t>
-            </a:r>
-            <a:r>
-              <a:rPr lang="en-US" dirty="0" smtClean="0"/>
-              <a:t>)</a:t>
-            </a:r>
-            <a:r>
-              <a:rPr lang="en-US" dirty="0" smtClean="0"/>
-              <a:t>:</a:t>
+              <a:rPr lang="en-US" dirty="0" smtClean="0"/>
+              <a:t>Desktop-</a:t>
+            </a:r>
+            <a:r>
+              <a:rPr lang="en-US" dirty="0" err="1" smtClean="0"/>
+              <a:t>senzor</a:t>
+            </a:r>
+            <a:r>
+              <a:rPr lang="sk-SK" dirty="0" smtClean="0"/>
+              <a:t>,</a:t>
+            </a:r>
+            <a:endParaRPr lang="en-US" dirty="0" smtClean="0"/>
+          </a:p>
+          <a:p>
+            <a:r>
+              <a:rPr lang="sk-SK" dirty="0" smtClean="0"/>
+              <a:t>Segger </a:t>
+            </a:r>
+            <a:r>
+              <a:rPr lang="sk-SK" dirty="0" smtClean="0"/>
+              <a:t>J-Link RTT</a:t>
+            </a:r>
+            <a:r>
+              <a:rPr lang="en-US" dirty="0" smtClean="0"/>
+              <a:t> (Real Time Transfer):</a:t>
             </a:r>
             <a:endParaRPr lang="sk-SK" dirty="0" smtClean="0"/>
           </a:p>
@@ -6814,39 +7212,30 @@
             <a:pPr lvl="1"/>
             <a:r>
               <a:rPr lang="sk-SK" dirty="0" smtClean="0"/>
-              <a:t>monitorovanie, testovanie,</a:t>
+              <a:t>monitorovanie,</a:t>
             </a:r>
           </a:p>
           <a:p>
             <a:pPr lvl="1"/>
             <a:r>
               <a:rPr lang="sk-SK" dirty="0" smtClean="0"/>
-              <a:t>testovacie výpisy,</a:t>
+              <a:t>testovanie</a:t>
+            </a:r>
+            <a:r>
+              <a:rPr lang="sk-SK" dirty="0" smtClean="0"/>
+              <a:t>,</a:t>
             </a:r>
           </a:p>
           <a:p>
             <a:pPr lvl="1"/>
             <a:r>
               <a:rPr lang="sk-SK" dirty="0" smtClean="0"/>
-              <a:t>výpis ATR správy</a:t>
-            </a:r>
-            <a:r>
-              <a:rPr lang="en-US" dirty="0" smtClean="0"/>
-              <a:t>,</a:t>
-            </a:r>
-            <a:endParaRPr lang="sk-SK" dirty="0" smtClean="0"/>
-          </a:p>
-          <a:p>
-            <a:pPr lvl="1"/>
-            <a:r>
-              <a:rPr lang="sk-SK" dirty="0" smtClean="0"/>
               <a:t>vyhľadávanie </a:t>
             </a:r>
             <a:r>
               <a:rPr lang="sk-SK" dirty="0" smtClean="0"/>
               <a:t>manažéra karty,</a:t>
             </a:r>
-            <a:endParaRPr lang="sk-SK" dirty="0" smtClean="0"/>
           </a:p>
           <a:p>
             <a:pPr lvl="1"/>
@@ -6866,58 +7255,21 @@
               <a:rPr lang="sk-SK" dirty="0" smtClean="0"/>
               <a:t>,</a:t>
             </a:r>
+            <a:endParaRPr lang="en-US" dirty="0" smtClean="0"/>
           </a:p>
           <a:p>
             <a:pPr lvl="1"/>
             <a:r>
               <a:rPr lang="sk-SK" dirty="0" smtClean="0"/>
-              <a:t>posielanie preddefinovaných správ,</a:t>
-            </a:r>
-          </a:p>
-          <a:p>
-            <a:pPr lvl="1"/>
-            <a:r>
-              <a:rPr lang="sk-SK" dirty="0" smtClean="0"/>
-              <a:t>aktivácia, deaktivácia, resetovanie,</a:t>
-            </a:r>
-          </a:p>
-          <a:p>
-            <a:pPr lvl="1"/>
-            <a:r>
-              <a:rPr lang="sk-SK" dirty="0" smtClean="0"/>
-              <a:t>p</a:t>
-            </a:r>
-            <a:r>
-              <a:rPr lang="en-US" dirty="0" err="1" smtClean="0"/>
-              <a:t>reh</a:t>
-            </a:r>
-            <a:r>
-              <a:rPr lang="sk-SK" dirty="0" smtClean="0"/>
-              <a:t>ľadávanie inštrukcií,</a:t>
-            </a:r>
-            <a:endParaRPr lang="en-US" dirty="0" smtClean="0"/>
-          </a:p>
-          <a:p>
-            <a:pPr lvl="1"/>
-            <a:r>
-              <a:rPr lang="sk-SK" dirty="0" smtClean="0"/>
-              <a:t>ľudsky </a:t>
-            </a:r>
-            <a:r>
-              <a:rPr lang="sk-SK" dirty="0" smtClean="0"/>
-              <a:t>čitateľný výpis stavu z odpovedi,</a:t>
-            </a:r>
-            <a:endParaRPr lang="en-US" dirty="0" smtClean="0"/>
-          </a:p>
-          <a:p>
-            <a:pPr lvl="1"/>
-            <a:r>
-              <a:rPr lang="en-US" dirty="0" smtClean="0"/>
-              <a:t>z</a:t>
-            </a:r>
-            <a:r>
-              <a:rPr lang="sk-SK" dirty="0" smtClean="0"/>
-              <a:t>menenie baudovej rýchlosti.</a:t>
+              <a:t>ľudsky čitateľný výpis stavu z </a:t>
+            </a:r>
+            <a:r>
+              <a:rPr lang="sk-SK" dirty="0" smtClean="0"/>
+              <a:t>odpovedi</a:t>
+            </a:r>
+            <a:r>
+              <a:rPr lang="en-US" dirty="0" smtClean="0"/>
+              <a:t>.</a:t>
             </a:r>
           </a:p>
         </p:txBody>
@@ -6940,9 +7292,13 @@
             <a:fld id="{8C584B50-B360-452D-AFC7-DEF83B5F5806}" type="slidenum">
               <a:rPr lang="en-US" smtClean="0"/>
               <a:pPr/>
-              <a:t>21</a:t>
+              <a:t>18</a:t>
             </a:fld>
-            <a:endParaRPr lang="en-US"/>
+            <a:r>
+              <a:rPr lang="en-US" dirty="0" smtClean="0"/>
+              <a:t>/26</a:t>
+            </a:r>
+            <a:endParaRPr lang="en-US" dirty="0"/>
           </a:p>
         </p:txBody>
       </p:sp>
@@ -6951,10 +7307,17 @@
   <p:clrMapOvr>
     <a:masterClrMapping/>
   </p:clrMapOvr>
+  <p:timing>
+    <p:tnLst>
+      <p:par>
+        <p:cTn id="1" dur="indefinite" restart="never" nodeType="tmRoot"/>
+      </p:par>
+    </p:tnLst>
+  </p:timing>
 </p:sld>
 </file>
 
-<file path=ppt/slides/slide22.xml><?xml version="1.0" encoding="utf-8"?>
+<file path=ppt/slides/slide19.xml><?xml version="1.0" encoding="utf-8"?>
 <p:sld xmlns:a="http://schemas.openxmlformats.org/drawingml/2006/main" xmlns:r="http://schemas.openxmlformats.org/officeDocument/2006/relationships" xmlns:p="http://schemas.openxmlformats.org/presentationml/2006/main">
   <p:cSld>
     <p:spTree>
@@ -7012,9 +7375,13 @@
             <a:fld id="{8C584B50-B360-452D-AFC7-DEF83B5F5806}" type="slidenum">
               <a:rPr lang="en-US" smtClean="0"/>
               <a:pPr/>
-              <a:t>22</a:t>
+              <a:t>19</a:t>
             </a:fld>
-            <a:endParaRPr lang="en-US"/>
+            <a:r>
+              <a:rPr lang="en-US" dirty="0" smtClean="0"/>
+              <a:t>/26</a:t>
+            </a:r>
+            <a:endParaRPr lang="en-US" dirty="0" smtClean="0"/>
           </a:p>
         </p:txBody>
       </p:sp>
@@ -7037,7 +7404,7 @@
         </p:blipFill>
         <p:spPr bwMode="auto">
           <a:xfrm>
-            <a:off x="1752600" y="1143000"/>
+            <a:off x="1676400" y="1143000"/>
             <a:ext cx="5029200" cy="5985162"/>
           </a:xfrm>
           <a:prstGeom prst="rect">
@@ -7058,10 +7425,17 @@
   <p:clrMapOvr>
     <a:masterClrMapping/>
   </p:clrMapOvr>
+  <p:timing>
+    <p:tnLst>
+      <p:par>
+        <p:cTn id="1" dur="indefinite" restart="never" nodeType="tmRoot"/>
+      </p:par>
+    </p:tnLst>
+  </p:timing>
 </p:sld>
 </file>
 
-<file path=ppt/slides/slide23.xml><?xml version="1.0" encoding="utf-8"?>
+<file path=ppt/slides/slide2.xml><?xml version="1.0" encoding="utf-8"?>
 <p:sld xmlns:a="http://schemas.openxmlformats.org/drawingml/2006/main" xmlns:r="http://schemas.openxmlformats.org/officeDocument/2006/relationships" xmlns:p="http://schemas.openxmlformats.org/presentationml/2006/main">
   <p:cSld>
     <p:spTree>
@@ -7095,7 +7469,212 @@
           <a:p>
             <a:r>
               <a:rPr lang="sk-SK" dirty="0" smtClean="0"/>
-              <a:t>Vyhodnotenie testovania</a:t>
+              <a:t>Motivácia</a:t>
+            </a:r>
+            <a:endParaRPr lang="en-US" dirty="0"/>
+          </a:p>
+        </p:txBody>
+      </p:sp>
+      <p:sp>
+        <p:nvSpPr>
+          <p:cNvPr id="3" name="Content Placeholder 2"/>
+          <p:cNvSpPr>
+            <a:spLocks noGrp="1"/>
+          </p:cNvSpPr>
+          <p:nvPr>
+            <p:ph idx="1"/>
+          </p:nvPr>
+        </p:nvSpPr>
+        <p:spPr/>
+        <p:txBody>
+          <a:bodyPr>
+            <a:normAutofit fontScale="92500" lnSpcReduction="20000"/>
+          </a:bodyPr>
+          <a:lstStyle/>
+          <a:p>
+            <a:r>
+              <a:rPr lang="sk-SK" dirty="0" smtClean="0"/>
+              <a:t>b</a:t>
+            </a:r>
+            <a:r>
+              <a:rPr lang="en-US" dirty="0" err="1" smtClean="0"/>
+              <a:t>ezpe</a:t>
+            </a:r>
+            <a:r>
+              <a:rPr lang="sk-SK" dirty="0" smtClean="0"/>
+              <a:t>čnosť je </a:t>
+            </a:r>
+            <a:r>
+              <a:rPr lang="sk-SK" dirty="0" smtClean="0"/>
+              <a:t>neustály boj</a:t>
+            </a:r>
+            <a:endParaRPr lang="sk-SK" dirty="0" smtClean="0"/>
+          </a:p>
+          <a:p>
+            <a:endParaRPr lang="en-US" dirty="0" smtClean="0"/>
+          </a:p>
+          <a:p>
+            <a:r>
+              <a:rPr lang="sk-SK" dirty="0" smtClean="0"/>
+              <a:t>bezpečnejšie verzie algoritmov,</a:t>
+            </a:r>
+            <a:endParaRPr lang="sk-SK" dirty="0" smtClean="0"/>
+          </a:p>
+          <a:p>
+            <a:r>
+              <a:rPr lang="sk-SK" dirty="0" smtClean="0"/>
+              <a:t>efektívnejšie</a:t>
+            </a:r>
+            <a:r>
+              <a:rPr lang="sk-SK" dirty="0" smtClean="0"/>
+              <a:t>,</a:t>
+            </a:r>
+          </a:p>
+          <a:p>
+            <a:pPr lvl="1"/>
+            <a:r>
+              <a:rPr lang="sk-SK" dirty="0" smtClean="0"/>
+              <a:t>pamäť,</a:t>
+            </a:r>
+            <a:endParaRPr lang="sk-SK" dirty="0" smtClean="0"/>
+          </a:p>
+          <a:p>
+            <a:pPr lvl="1"/>
+            <a:r>
+              <a:rPr lang="sk-SK" dirty="0" smtClean="0"/>
+              <a:t>spotreba,</a:t>
+            </a:r>
+          </a:p>
+          <a:p>
+            <a:pPr lvl="1"/>
+            <a:r>
+              <a:rPr lang="sk-SK" dirty="0" smtClean="0"/>
+              <a:t>rýchlosť.</a:t>
+            </a:r>
+          </a:p>
+          <a:p>
+            <a:pPr lvl="1"/>
+            <a:endParaRPr lang="sk-SK" dirty="0" smtClean="0"/>
+          </a:p>
+          <a:p>
+            <a:r>
+              <a:rPr lang="en-US" dirty="0" err="1" smtClean="0"/>
+              <a:t>Cie</a:t>
+            </a:r>
+            <a:r>
+              <a:rPr lang="sk-SK" dirty="0" smtClean="0"/>
+              <a:t>ľ</a:t>
+            </a:r>
+            <a:r>
+              <a:rPr lang="en-US" dirty="0" smtClean="0"/>
+              <a:t>: </a:t>
+            </a:r>
+            <a:r>
+              <a:rPr lang="sk-SK" dirty="0" smtClean="0"/>
+              <a:t>zvýši</a:t>
+            </a:r>
+            <a:r>
+              <a:rPr lang="sk-SK" dirty="0" smtClean="0"/>
+              <a:t>ť</a:t>
+            </a:r>
+            <a:r>
+              <a:rPr lang="sk-SK" dirty="0" smtClean="0"/>
+              <a:t> zabezpečenie v </a:t>
+            </a:r>
+            <a:r>
+              <a:rPr lang="en-US" dirty="0" err="1" smtClean="0"/>
+              <a:t>inteligent</a:t>
+            </a:r>
+            <a:r>
+              <a:rPr lang="sk-SK" dirty="0" smtClean="0"/>
+              <a:t>ných domácnostiach</a:t>
+            </a:r>
+            <a:endParaRPr lang="sk-SK" dirty="0" smtClean="0"/>
+          </a:p>
+        </p:txBody>
+      </p:sp>
+      <p:sp>
+        <p:nvSpPr>
+          <p:cNvPr id="4" name="Slide Number Placeholder 3"/>
+          <p:cNvSpPr>
+            <a:spLocks noGrp="1"/>
+          </p:cNvSpPr>
+          <p:nvPr>
+            <p:ph type="sldNum" sz="quarter" idx="12"/>
+          </p:nvPr>
+        </p:nvSpPr>
+        <p:spPr/>
+        <p:txBody>
+          <a:bodyPr/>
+          <a:lstStyle/>
+          <a:p>
+            <a:fld id="{8C584B50-B360-452D-AFC7-DEF83B5F5806}" type="slidenum">
+              <a:rPr lang="en-US" smtClean="0"/>
+              <a:pPr/>
+              <a:t>2</a:t>
+            </a:fld>
+            <a:r>
+              <a:rPr lang="en-US" dirty="0" smtClean="0"/>
+              <a:t>/26</a:t>
+            </a:r>
+            <a:endParaRPr lang="en-US" dirty="0"/>
+          </a:p>
+        </p:txBody>
+      </p:sp>
+    </p:spTree>
+  </p:cSld>
+  <p:clrMapOvr>
+    <a:masterClrMapping/>
+  </p:clrMapOvr>
+  <p:timing>
+    <p:tnLst>
+      <p:par>
+        <p:cTn id="1" dur="indefinite" restart="never" nodeType="tmRoot"/>
+      </p:par>
+    </p:tnLst>
+  </p:timing>
+</p:sld>
+</file>
+
+<file path=ppt/slides/slide20.xml><?xml version="1.0" encoding="utf-8"?>
+<p:sld xmlns:a="http://schemas.openxmlformats.org/drawingml/2006/main" xmlns:r="http://schemas.openxmlformats.org/officeDocument/2006/relationships" xmlns:p="http://schemas.openxmlformats.org/presentationml/2006/main">
+  <p:cSld>
+    <p:spTree>
+      <p:nvGrpSpPr>
+        <p:cNvPr id="1" name=""/>
+        <p:cNvGrpSpPr/>
+        <p:nvPr/>
+      </p:nvGrpSpPr>
+      <p:grpSpPr>
+        <a:xfrm>
+          <a:off x="0" y="0"/>
+          <a:ext cx="0" cy="0"/>
+          <a:chOff x="0" y="0"/>
+          <a:chExt cx="0" cy="0"/>
+        </a:xfrm>
+      </p:grpSpPr>
+      <p:sp>
+        <p:nvSpPr>
+          <p:cNvPr id="2" name="Title 1"/>
+          <p:cNvSpPr>
+            <a:spLocks noGrp="1"/>
+          </p:cNvSpPr>
+          <p:nvPr>
+            <p:ph type="title"/>
+          </p:nvPr>
+        </p:nvSpPr>
+        <p:spPr/>
+        <p:txBody>
+          <a:bodyPr/>
+          <a:lstStyle/>
+          <a:p>
+            <a:r>
+              <a:rPr lang="sk-SK" dirty="0" smtClean="0"/>
+              <a:t>Výsledky </a:t>
+            </a:r>
+            <a:r>
+              <a:rPr lang="sk-SK" dirty="0" smtClean="0"/>
+              <a:t>testovania</a:t>
             </a:r>
             <a:endParaRPr lang="en-US" dirty="0"/>
           </a:p>
@@ -7506,9 +8085,94 @@
             <a:fld id="{8C584B50-B360-452D-AFC7-DEF83B5F5806}" type="slidenum">
               <a:rPr lang="en-US" smtClean="0"/>
               <a:pPr/>
-              <a:t>23</a:t>
+              <a:t>20</a:t>
             </a:fld>
-            <a:endParaRPr lang="en-US"/>
+            <a:r>
+              <a:rPr lang="en-US" dirty="0" smtClean="0"/>
+              <a:t>/26</a:t>
+            </a:r>
+            <a:endParaRPr lang="en-US" dirty="0"/>
+          </a:p>
+        </p:txBody>
+      </p:sp>
+      <p:sp>
+        <p:nvSpPr>
+          <p:cNvPr id="6" name="Content Placeholder 2"/>
+          <p:cNvSpPr txBox="1">
+            <a:spLocks/>
+          </p:cNvSpPr>
+          <p:nvPr/>
+        </p:nvSpPr>
+        <p:spPr>
+          <a:xfrm>
+            <a:off x="457200" y="5486400"/>
+            <a:ext cx="8229600" cy="639763"/>
+          </a:xfrm>
+          <a:prstGeom prst="rect">
+            <a:avLst/>
+          </a:prstGeom>
+        </p:spPr>
+        <p:txBody>
+          <a:bodyPr vert="horz" lIns="91440" tIns="45720" rIns="91440" bIns="45720" rtlCol="0">
+            <a:normAutofit/>
+          </a:bodyPr>
+          <a:lstStyle/>
+          <a:p>
+            <a:pPr marL="342900" indent="-342900">
+              <a:spcBef>
+                <a:spcPct val="20000"/>
+              </a:spcBef>
+              <a:buFont typeface="Arial" pitchFamily="34" charset="0"/>
+              <a:buChar char="•"/>
+            </a:pPr>
+            <a:r>
+              <a:rPr kumimoji="0" lang="sk-SK" sz="2800" b="0" i="0" u="none" strike="noStrike" kern="1200" cap="none" spc="0" normalizeH="0" baseline="0" noProof="0" dirty="0" smtClean="0">
+                <a:ln>
+                  <a:noFill/>
+                </a:ln>
+                <a:solidFill>
+                  <a:schemeClr val="tx1"/>
+                </a:solidFill>
+                <a:effectLst/>
+                <a:uLnTx/>
+                <a:uFillTx/>
+                <a:latin typeface="+mn-lt"/>
+                <a:ea typeface="+mn-ea"/>
+                <a:cs typeface="+mn-cs"/>
+              </a:rPr>
+              <a:t>Nárast veľkosti programu,</a:t>
+            </a:r>
+            <a:r>
+              <a:rPr kumimoji="0" lang="sk-SK" sz="2800" b="0" i="0" u="none" strike="noStrike" kern="1200" cap="none" spc="0" normalizeH="0" noProof="0" dirty="0" smtClean="0">
+                <a:ln>
+                  <a:noFill/>
+                </a:ln>
+                <a:solidFill>
+                  <a:schemeClr val="tx1"/>
+                </a:solidFill>
+                <a:effectLst/>
+                <a:uLnTx/>
+                <a:uFillTx/>
+                <a:latin typeface="+mn-lt"/>
+                <a:ea typeface="+mn-ea"/>
+                <a:cs typeface="+mn-cs"/>
+              </a:rPr>
+              <a:t> a to aj pri HW zabezpečení</a:t>
+            </a:r>
+            <a:endParaRPr kumimoji="0" lang="sk-SK" sz="2800" b="0" i="0" u="none" strike="noStrike" kern="1200" cap="none" spc="0" normalizeH="0" baseline="0" noProof="0" dirty="0" smtClean="0">
+              <a:ln>
+                <a:noFill/>
+              </a:ln>
+              <a:solidFill>
+                <a:schemeClr val="tx1"/>
+              </a:solidFill>
+              <a:effectLst/>
+              <a:uLnTx/>
+              <a:uFillTx/>
+              <a:latin typeface="+mn-lt"/>
+              <a:ea typeface="+mn-ea"/>
+              <a:cs typeface="+mn-cs"/>
+            </a:endParaRPr>
           </a:p>
         </p:txBody>
       </p:sp>
@@ -7517,10 +8181,17 @@
   <p:clrMapOvr>
     <a:masterClrMapping/>
   </p:clrMapOvr>
+  <p:timing>
+    <p:tnLst>
+      <p:par>
+        <p:cTn id="1" dur="indefinite" restart="never" nodeType="tmRoot"/>
+      </p:par>
+    </p:tnLst>
+  </p:timing>
 </p:sld>
 </file>
 
-<file path=ppt/slides/slide24.xml><?xml version="1.0" encoding="utf-8"?>
+<file path=ppt/slides/slide21.xml><?xml version="1.0" encoding="utf-8"?>
 <p:sld xmlns:a="http://schemas.openxmlformats.org/drawingml/2006/main" xmlns:r="http://schemas.openxmlformats.org/officeDocument/2006/relationships" xmlns:p="http://schemas.openxmlformats.org/presentationml/2006/main">
   <p:cSld>
     <p:spTree>
@@ -7554,7 +8225,11 @@
           <a:p>
             <a:r>
               <a:rPr lang="sk-SK" dirty="0" smtClean="0"/>
-              <a:t>Vyhodnotenie testovania</a:t>
+              <a:t>Výsledky </a:t>
+            </a:r>
+            <a:r>
+              <a:rPr lang="sk-SK" dirty="0" smtClean="0"/>
+              <a:t>testovania</a:t>
             </a:r>
             <a:endParaRPr lang="en-US" dirty="0"/>
           </a:p>
@@ -7578,9 +8253,13 @@
             <a:fld id="{8C584B50-B360-452D-AFC7-DEF83B5F5806}" type="slidenum">
               <a:rPr lang="en-US" smtClean="0"/>
               <a:pPr/>
-              <a:t>24</a:t>
+              <a:t>21</a:t>
             </a:fld>
-            <a:endParaRPr lang="en-US"/>
+            <a:r>
+              <a:rPr lang="en-US" dirty="0" smtClean="0"/>
+              <a:t>/26</a:t>
+            </a:r>
+            <a:endParaRPr lang="en-US" dirty="0"/>
           </a:p>
         </p:txBody>
       </p:sp>
@@ -7929,15 +8608,72 @@
           </a:graphicData>
         </a:graphic>
       </p:graphicFrame>
+      <p:sp>
+        <p:nvSpPr>
+          <p:cNvPr id="5" name="Content Placeholder 2"/>
+          <p:cNvSpPr txBox="1">
+            <a:spLocks/>
+          </p:cNvSpPr>
+          <p:nvPr/>
+        </p:nvSpPr>
+        <p:spPr>
+          <a:xfrm>
+            <a:off x="457200" y="5486400"/>
+            <a:ext cx="8229600" cy="639763"/>
+          </a:xfrm>
+          <a:prstGeom prst="rect">
+            <a:avLst/>
+          </a:prstGeom>
+        </p:spPr>
+        <p:txBody>
+          <a:bodyPr vert="horz" lIns="91440" tIns="45720" rIns="91440" bIns="45720" rtlCol="0">
+            <a:normAutofit/>
+          </a:bodyPr>
+          <a:lstStyle/>
+          <a:p>
+            <a:pPr marL="342900" indent="-342900">
+              <a:spcBef>
+                <a:spcPct val="20000"/>
+              </a:spcBef>
+              <a:buFont typeface="Arial" pitchFamily="34" charset="0"/>
+              <a:buChar char="•"/>
+            </a:pPr>
+            <a:r>
+              <a:rPr kumimoji="0" lang="sk-SK" sz="2800" b="0" i="0" u="none" strike="noStrike" kern="1200" cap="none" spc="0" normalizeH="0" baseline="0" noProof="0" dirty="0" smtClean="0">
+                <a:ln>
+                  <a:noFill/>
+                </a:ln>
+                <a:solidFill>
+                  <a:schemeClr val="tx1"/>
+                </a:solidFill>
+                <a:effectLst/>
+                <a:uLnTx/>
+                <a:uFillTx/>
+                <a:latin typeface="+mn-lt"/>
+                <a:ea typeface="+mn-ea"/>
+                <a:cs typeface="+mn-cs"/>
+              </a:rPr>
+              <a:t>Nárast prúdovej spotreby, aj pri HW zabezpečení</a:t>
+            </a:r>
+          </a:p>
+        </p:txBody>
+      </p:sp>
     </p:spTree>
   </p:cSld>
   <p:clrMapOvr>
     <a:masterClrMapping/>
   </p:clrMapOvr>
+  <p:timing>
+    <p:tnLst>
+      <p:par>
+        <p:cTn id="1" dur="indefinite" restart="never" nodeType="tmRoot"/>
+      </p:par>
+    </p:tnLst>
+  </p:timing>
 </p:sld>
 </file>
 
-<file path=ppt/slides/slide25.xml><?xml version="1.0" encoding="utf-8"?>
+<file path=ppt/slides/slide22.xml><?xml version="1.0" encoding="utf-8"?>
 <p:sld xmlns:a="http://schemas.openxmlformats.org/drawingml/2006/main" xmlns:r="http://schemas.openxmlformats.org/officeDocument/2006/relationships" xmlns:p="http://schemas.openxmlformats.org/presentationml/2006/main">
   <p:cSld>
     <p:spTree>
@@ -7971,7 +8707,7 @@
           <a:p>
             <a:r>
               <a:rPr lang="sk-SK" dirty="0" smtClean="0"/>
-              <a:t>Vyhodnotenie testovania</a:t>
+              <a:t>Výsledky testovania</a:t>
             </a:r>
             <a:endParaRPr lang="en-US" dirty="0"/>
           </a:p>
@@ -7995,9 +8731,13 @@
             <a:fld id="{8C584B50-B360-452D-AFC7-DEF83B5F5806}" type="slidenum">
               <a:rPr lang="en-US" smtClean="0"/>
               <a:pPr/>
-              <a:t>25</a:t>
+              <a:t>22</a:t>
             </a:fld>
-            <a:endParaRPr lang="en-US"/>
+            <a:r>
+              <a:rPr lang="en-US" dirty="0" smtClean="0"/>
+              <a:t>/26</a:t>
+            </a:r>
+            <a:endParaRPr lang="en-US" dirty="0"/>
           </a:p>
         </p:txBody>
       </p:sp>
@@ -8376,15 +9116,111 @@
           </a:graphicData>
         </a:graphic>
       </p:graphicFrame>
+      <p:sp>
+        <p:nvSpPr>
+          <p:cNvPr id="6" name="Content Placeholder 2"/>
+          <p:cNvSpPr txBox="1">
+            <a:spLocks/>
+          </p:cNvSpPr>
+          <p:nvPr/>
+        </p:nvSpPr>
+        <p:spPr>
+          <a:xfrm>
+            <a:off x="457200" y="5486400"/>
+            <a:ext cx="8229600" cy="639763"/>
+          </a:xfrm>
+          <a:prstGeom prst="rect">
+            <a:avLst/>
+          </a:prstGeom>
+        </p:spPr>
+        <p:txBody>
+          <a:bodyPr vert="horz" lIns="91440" tIns="45720" rIns="91440" bIns="45720" rtlCol="0">
+            <a:normAutofit/>
+          </a:bodyPr>
+          <a:lstStyle/>
+          <a:p>
+            <a:pPr marL="342900" indent="-342900">
+              <a:spcBef>
+                <a:spcPct val="20000"/>
+              </a:spcBef>
+              <a:buFont typeface="Arial" pitchFamily="34" charset="0"/>
+              <a:buChar char="•"/>
+            </a:pPr>
+            <a:r>
+              <a:rPr kumimoji="0" lang="sk-SK" sz="2800" b="0" i="0" u="none" strike="noStrike" kern="1200" cap="none" spc="0" normalizeH="0" baseline="0" noProof="0" dirty="0" smtClean="0">
+                <a:ln>
+                  <a:noFill/>
+                </a:ln>
+                <a:solidFill>
+                  <a:schemeClr val="tx1"/>
+                </a:solidFill>
+                <a:effectLst/>
+                <a:uLnTx/>
+                <a:uFillTx/>
+                <a:latin typeface="+mn-lt"/>
+                <a:ea typeface="+mn-ea"/>
+                <a:cs typeface="+mn-cs"/>
+              </a:rPr>
+              <a:t>Nárast času</a:t>
+            </a:r>
+            <a:r>
+              <a:rPr kumimoji="0" lang="sk-SK" sz="2800" b="0" i="0" u="none" strike="noStrike" kern="1200" cap="none" spc="0" normalizeH="0" noProof="0" dirty="0" smtClean="0">
+                <a:ln>
+                  <a:noFill/>
+                </a:ln>
+                <a:solidFill>
+                  <a:schemeClr val="tx1"/>
+                </a:solidFill>
+                <a:effectLst/>
+                <a:uLnTx/>
+                <a:uFillTx/>
+                <a:latin typeface="+mn-lt"/>
+                <a:ea typeface="+mn-ea"/>
+                <a:cs typeface="+mn-cs"/>
+              </a:rPr>
+              <a:t> vykonania</a:t>
+            </a:r>
+            <a:r>
+              <a:rPr lang="sk-SK" sz="2800" dirty="0" smtClean="0"/>
+              <a:t>, </a:t>
+            </a:r>
+            <a:r>
+              <a:rPr lang="sk-SK" sz="2800" dirty="0" smtClean="0"/>
+              <a:t>aj pri HW zabezpečení</a:t>
+            </a:r>
+            <a:endParaRPr kumimoji="0" lang="sk-SK" sz="2800" b="0" i="0" u="none" strike="noStrike" kern="1200" cap="none" spc="0" normalizeH="0" baseline="0" noProof="0" dirty="0" smtClean="0">
+              <a:ln>
+                <a:noFill/>
+              </a:ln>
+              <a:solidFill>
+                <a:schemeClr val="tx1"/>
+              </a:solidFill>
+              <a:effectLst/>
+              <a:uLnTx/>
+              <a:uFillTx/>
+              <a:latin typeface="+mn-lt"/>
+              <a:ea typeface="+mn-ea"/>
+              <a:cs typeface="+mn-cs"/>
+            </a:endParaRPr>
+          </a:p>
+        </p:txBody>
+      </p:sp>
     </p:spTree>
   </p:cSld>
   <p:clrMapOvr>
     <a:masterClrMapping/>
   </p:clrMapOvr>
+  <p:timing>
+    <p:tnLst>
+      <p:par>
+        <p:cTn id="1" dur="indefinite" restart="never" nodeType="tmRoot"/>
+      </p:par>
+    </p:tnLst>
+  </p:timing>
 </p:sld>
 </file>
 
-<file path=ppt/slides/slide26.xml><?xml version="1.0" encoding="utf-8"?>
+<file path=ppt/slides/slide23.xml><?xml version="1.0" encoding="utf-8"?>
 <p:sld xmlns:a="http://schemas.openxmlformats.org/drawingml/2006/main" xmlns:r="http://schemas.openxmlformats.org/officeDocument/2006/relationships" xmlns:p="http://schemas.openxmlformats.org/presentationml/2006/main">
   <p:cSld>
     <p:spTree>
@@ -8418,7 +9254,7 @@
           <a:p>
             <a:r>
               <a:rPr lang="sk-SK" dirty="0" smtClean="0"/>
-              <a:t>Vyhodnotenie testovania</a:t>
+              <a:t>Výsledky testovania</a:t>
             </a:r>
             <a:endParaRPr lang="en-US" dirty="0"/>
           </a:p>
@@ -8442,9 +9278,13 @@
             <a:fld id="{8C584B50-B360-452D-AFC7-DEF83B5F5806}" type="slidenum">
               <a:rPr lang="en-US" smtClean="0"/>
               <a:pPr/>
-              <a:t>26</a:t>
+              <a:t>23</a:t>
             </a:fld>
-            <a:endParaRPr lang="en-US"/>
+            <a:r>
+              <a:rPr lang="en-US" dirty="0" smtClean="0"/>
+              <a:t>/26</a:t>
+            </a:r>
+            <a:endParaRPr lang="en-US" dirty="0"/>
           </a:p>
         </p:txBody>
       </p:sp>
@@ -8696,11 +9536,746 @@
           </a:graphicData>
         </a:graphic>
       </p:graphicFrame>
+      <p:sp>
+        <p:nvSpPr>
+          <p:cNvPr id="7" name="Content Placeholder 2"/>
+          <p:cNvSpPr txBox="1">
+            <a:spLocks/>
+          </p:cNvSpPr>
+          <p:nvPr/>
+        </p:nvSpPr>
+        <p:spPr>
+          <a:xfrm>
+            <a:off x="457200" y="5486400"/>
+            <a:ext cx="8229600" cy="639763"/>
+          </a:xfrm>
+          <a:prstGeom prst="rect">
+            <a:avLst/>
+          </a:prstGeom>
+        </p:spPr>
+        <p:txBody>
+          <a:bodyPr vert="horz" lIns="91440" tIns="45720" rIns="91440" bIns="45720" rtlCol="0">
+            <a:normAutofit/>
+          </a:bodyPr>
+          <a:lstStyle/>
+          <a:p>
+            <a:pPr marL="342900" indent="-342900">
+              <a:spcBef>
+                <a:spcPct val="20000"/>
+              </a:spcBef>
+              <a:buFont typeface="Arial" pitchFamily="34" charset="0"/>
+              <a:buChar char="•"/>
+            </a:pPr>
+            <a:r>
+              <a:rPr kumimoji="0" lang="en-US" sz="2800" b="0" i="0" u="none" strike="noStrike" kern="1200" cap="none" spc="0" normalizeH="0" baseline="0" noProof="0" dirty="0" smtClean="0">
+                <a:ln>
+                  <a:noFill/>
+                </a:ln>
+                <a:solidFill>
+                  <a:schemeClr val="tx1"/>
+                </a:solidFill>
+                <a:effectLst/>
+                <a:uLnTx/>
+                <a:uFillTx/>
+                <a:latin typeface="+mn-lt"/>
+                <a:ea typeface="+mn-ea"/>
+                <a:cs typeface="+mn-cs"/>
+              </a:rPr>
+              <a:t>(1B + 16B) / 6B = 3 </a:t>
+            </a:r>
+            <a:r>
+              <a:rPr kumimoji="0" lang="en-US" sz="2800" b="0" i="0" u="none" strike="noStrike" kern="1200" cap="none" spc="0" normalizeH="0" baseline="0" noProof="0" dirty="0" err="1" smtClean="0">
+                <a:ln>
+                  <a:noFill/>
+                </a:ln>
+                <a:solidFill>
+                  <a:schemeClr val="tx1"/>
+                </a:solidFill>
+                <a:effectLst/>
+                <a:uLnTx/>
+                <a:uFillTx/>
+                <a:latin typeface="+mn-lt"/>
+                <a:ea typeface="+mn-ea"/>
+                <a:cs typeface="+mn-cs"/>
+              </a:rPr>
+              <a:t>pakety</a:t>
+            </a:r>
+            <a:endParaRPr kumimoji="0" lang="sk-SK" sz="2800" b="0" i="0" u="none" strike="noStrike" kern="1200" cap="none" spc="0" normalizeH="0" baseline="0" noProof="0" dirty="0" smtClean="0">
+              <a:ln>
+                <a:noFill/>
+              </a:ln>
+              <a:solidFill>
+                <a:schemeClr val="tx1"/>
+              </a:solidFill>
+              <a:effectLst/>
+              <a:uLnTx/>
+              <a:uFillTx/>
+              <a:latin typeface="+mn-lt"/>
+              <a:ea typeface="+mn-ea"/>
+              <a:cs typeface="+mn-cs"/>
+            </a:endParaRPr>
+          </a:p>
+        </p:txBody>
+      </p:sp>
     </p:spTree>
   </p:cSld>
   <p:clrMapOvr>
     <a:masterClrMapping/>
   </p:clrMapOvr>
+  <p:timing>
+    <p:tnLst>
+      <p:par>
+        <p:cTn id="1" dur="indefinite" restart="never" nodeType="tmRoot"/>
+      </p:par>
+    </p:tnLst>
+  </p:timing>
+</p:sld>
+</file>
+
+<file path=ppt/slides/slide24.xml><?xml version="1.0" encoding="utf-8"?>
+<p:sld xmlns:a="http://schemas.openxmlformats.org/drawingml/2006/main" xmlns:r="http://schemas.openxmlformats.org/officeDocument/2006/relationships" xmlns:p="http://schemas.openxmlformats.org/presentationml/2006/main">
+  <p:cSld>
+    <p:spTree>
+      <p:nvGrpSpPr>
+        <p:cNvPr id="1" name=""/>
+        <p:cNvGrpSpPr/>
+        <p:nvPr/>
+      </p:nvGrpSpPr>
+      <p:grpSpPr>
+        <a:xfrm>
+          <a:off x="0" y="0"/>
+          <a:ext cx="0" cy="0"/>
+          <a:chOff x="0" y="0"/>
+          <a:chExt cx="0" cy="0"/>
+        </a:xfrm>
+      </p:grpSpPr>
+      <p:sp>
+        <p:nvSpPr>
+          <p:cNvPr id="2" name="Title 1"/>
+          <p:cNvSpPr>
+            <a:spLocks noGrp="1"/>
+          </p:cNvSpPr>
+          <p:nvPr>
+            <p:ph type="title"/>
+          </p:nvPr>
+        </p:nvSpPr>
+        <p:spPr/>
+        <p:txBody>
+          <a:bodyPr/>
+          <a:lstStyle/>
+          <a:p>
+            <a:r>
+              <a:rPr lang="sk-SK" dirty="0" smtClean="0"/>
+              <a:t>Vyhodnotenie</a:t>
+            </a:r>
+            <a:endParaRPr lang="en-US" dirty="0"/>
+          </a:p>
+        </p:txBody>
+      </p:sp>
+      <p:sp>
+        <p:nvSpPr>
+          <p:cNvPr id="3" name="Content Placeholder 2"/>
+          <p:cNvSpPr>
+            <a:spLocks noGrp="1"/>
+          </p:cNvSpPr>
+          <p:nvPr>
+            <p:ph idx="1"/>
+          </p:nvPr>
+        </p:nvSpPr>
+        <p:spPr/>
+        <p:txBody>
+          <a:bodyPr>
+            <a:normAutofit lnSpcReduction="10000"/>
+          </a:bodyPr>
+          <a:lstStyle/>
+          <a:p>
+            <a:r>
+              <a:rPr lang="sk-SK" dirty="0" smtClean="0"/>
+              <a:t>Prekvapený výsledkami HW </a:t>
+            </a:r>
+            <a:r>
+              <a:rPr lang="sk-SK" dirty="0" smtClean="0"/>
+              <a:t>riešenia</a:t>
+            </a:r>
+            <a:r>
+              <a:rPr lang="en-US" dirty="0" smtClean="0"/>
+              <a:t>, </a:t>
+            </a:r>
+            <a:r>
+              <a:rPr lang="sk-SK" dirty="0" smtClean="0"/>
+              <a:t>(</a:t>
+            </a:r>
+            <a:r>
+              <a:rPr lang="en-US" dirty="0" err="1" smtClean="0"/>
+              <a:t>opa</a:t>
+            </a:r>
+            <a:r>
+              <a:rPr lang="sk-SK" dirty="0" smtClean="0"/>
+              <a:t>čné ako sa predpokladalo)</a:t>
+            </a:r>
+          </a:p>
+          <a:p>
+            <a:pPr lvl="1"/>
+            <a:r>
+              <a:rPr lang="en-US" dirty="0" smtClean="0"/>
+              <a:t>v</a:t>
+            </a:r>
+            <a:r>
+              <a:rPr lang="sk-SK" dirty="0" smtClean="0"/>
+              <a:t>eľkosť programu</a:t>
+            </a:r>
+            <a:r>
+              <a:rPr lang="en-US" dirty="0" smtClean="0"/>
+              <a:t>:</a:t>
+            </a:r>
+            <a:r>
+              <a:rPr lang="sk-SK" dirty="0" smtClean="0"/>
+              <a:t> štandard</a:t>
+            </a:r>
+            <a:r>
+              <a:rPr lang="en-US" dirty="0" smtClean="0"/>
+              <a:t> ISO7816</a:t>
+            </a:r>
+            <a:r>
+              <a:rPr lang="sk-SK" dirty="0" smtClean="0"/>
+              <a:t>,</a:t>
+            </a:r>
+            <a:endParaRPr lang="en-US" dirty="0" smtClean="0"/>
+          </a:p>
+          <a:p>
+            <a:pPr lvl="1"/>
+            <a:r>
+              <a:rPr lang="en-US" dirty="0" err="1" smtClean="0"/>
+              <a:t>spotreba</a:t>
+            </a:r>
+            <a:r>
+              <a:rPr lang="en-US" dirty="0" smtClean="0"/>
+              <a:t>: </a:t>
+            </a:r>
+            <a:r>
+              <a:rPr lang="en-US" dirty="0" err="1" smtClean="0"/>
+              <a:t>aktivovan</a:t>
+            </a:r>
+            <a:r>
+              <a:rPr lang="sk-SK" dirty="0" smtClean="0"/>
+              <a:t>é viaceré periférie,</a:t>
+            </a:r>
+          </a:p>
+          <a:p>
+            <a:pPr lvl="1"/>
+            <a:r>
+              <a:rPr lang="sk-SK" dirty="0" smtClean="0"/>
+              <a:t>č</a:t>
+            </a:r>
+            <a:r>
+              <a:rPr lang="sk-SK" dirty="0" smtClean="0"/>
+              <a:t>as potrebný na vykonanie</a:t>
+            </a:r>
+            <a:r>
+              <a:rPr lang="en-US" dirty="0" smtClean="0"/>
+              <a:t>: </a:t>
+            </a:r>
+            <a:r>
+              <a:rPr lang="sk-SK" dirty="0" smtClean="0"/>
+              <a:t>postrácanie ANT </a:t>
+            </a:r>
+            <a:r>
+              <a:rPr lang="sk-SK" dirty="0" smtClean="0"/>
+              <a:t>paketov.</a:t>
+            </a:r>
+            <a:endParaRPr lang="sk-SK" dirty="0" smtClean="0"/>
+          </a:p>
+          <a:p>
+            <a:endParaRPr lang="sk-SK" dirty="0" smtClean="0"/>
+          </a:p>
+          <a:p>
+            <a:r>
+              <a:rPr lang="sk-SK" dirty="0" smtClean="0"/>
+              <a:t>PKI</a:t>
+            </a:r>
+            <a:endParaRPr lang="sk-SK" dirty="0" smtClean="0"/>
+          </a:p>
+          <a:p>
+            <a:pPr lvl="1"/>
+            <a:r>
+              <a:rPr lang="sk-SK" dirty="0" smtClean="0"/>
+              <a:t>RSA</a:t>
+            </a:r>
+            <a:r>
+              <a:rPr lang="en-US" dirty="0" smtClean="0"/>
+              <a:t> </a:t>
+            </a:r>
+            <a:r>
+              <a:rPr lang="sk-SK" dirty="0" smtClean="0"/>
+              <a:t>SW </a:t>
+            </a:r>
+            <a:r>
+              <a:rPr lang="sk-SK" dirty="0" smtClean="0"/>
+              <a:t>knižnice</a:t>
+            </a:r>
+            <a:endParaRPr lang="en-US" dirty="0" smtClean="0"/>
+          </a:p>
+          <a:p>
+            <a:pPr lvl="1"/>
+            <a:endParaRPr lang="sk-SK" dirty="0" smtClean="0"/>
+          </a:p>
+          <a:p>
+            <a:endParaRPr lang="sk-SK" dirty="0" smtClean="0"/>
+          </a:p>
+          <a:p>
+            <a:endParaRPr lang="sk-SK" dirty="0" smtClean="0"/>
+          </a:p>
+        </p:txBody>
+      </p:sp>
+      <p:sp>
+        <p:nvSpPr>
+          <p:cNvPr id="4" name="Slide Number Placeholder 3"/>
+          <p:cNvSpPr>
+            <a:spLocks noGrp="1"/>
+          </p:cNvSpPr>
+          <p:nvPr>
+            <p:ph type="sldNum" sz="quarter" idx="12"/>
+          </p:nvPr>
+        </p:nvSpPr>
+        <p:spPr/>
+        <p:txBody>
+          <a:bodyPr/>
+          <a:lstStyle/>
+          <a:p>
+            <a:fld id="{8C584B50-B360-452D-AFC7-DEF83B5F5806}" type="slidenum">
+              <a:rPr lang="en-US" smtClean="0"/>
+              <a:pPr/>
+              <a:t>24</a:t>
+            </a:fld>
+            <a:r>
+              <a:rPr lang="en-US" dirty="0" smtClean="0"/>
+              <a:t>/26</a:t>
+            </a:r>
+            <a:endParaRPr lang="en-US" dirty="0"/>
+          </a:p>
+        </p:txBody>
+      </p:sp>
+    </p:spTree>
+  </p:cSld>
+  <p:clrMapOvr>
+    <a:masterClrMapping/>
+  </p:clrMapOvr>
+  <p:timing>
+    <p:tnLst>
+      <p:par>
+        <p:cTn id="1" dur="indefinite" restart="never" nodeType="tmRoot"/>
+      </p:par>
+    </p:tnLst>
+  </p:timing>
+</p:sld>
+</file>
+
+<file path=ppt/slides/slide25.xml><?xml version="1.0" encoding="utf-8"?>
+<p:sld xmlns:a="http://schemas.openxmlformats.org/drawingml/2006/main" xmlns:r="http://schemas.openxmlformats.org/officeDocument/2006/relationships" xmlns:p="http://schemas.openxmlformats.org/presentationml/2006/main">
+  <p:cSld>
+    <p:spTree>
+      <p:nvGrpSpPr>
+        <p:cNvPr id="1" name=""/>
+        <p:cNvGrpSpPr/>
+        <p:nvPr/>
+      </p:nvGrpSpPr>
+      <p:grpSpPr>
+        <a:xfrm>
+          <a:off x="0" y="0"/>
+          <a:ext cx="0" cy="0"/>
+          <a:chOff x="0" y="0"/>
+          <a:chExt cx="0" cy="0"/>
+        </a:xfrm>
+      </p:grpSpPr>
+      <p:sp>
+        <p:nvSpPr>
+          <p:cNvPr id="2" name="Title 1"/>
+          <p:cNvSpPr>
+            <a:spLocks noGrp="1"/>
+          </p:cNvSpPr>
+          <p:nvPr>
+            <p:ph type="title"/>
+          </p:nvPr>
+        </p:nvSpPr>
+        <p:spPr/>
+        <p:txBody>
+          <a:bodyPr>
+            <a:normAutofit/>
+          </a:bodyPr>
+          <a:lstStyle/>
+          <a:p>
+            <a:r>
+              <a:rPr lang="en-US" dirty="0" smtClean="0"/>
+              <a:t>Z</a:t>
+            </a:r>
+            <a:r>
+              <a:rPr lang="sk-SK" dirty="0" smtClean="0"/>
+              <a:t>áver</a:t>
+            </a:r>
+            <a:endParaRPr lang="en-US" dirty="0"/>
+          </a:p>
+        </p:txBody>
+      </p:sp>
+      <p:sp>
+        <p:nvSpPr>
+          <p:cNvPr id="3" name="Content Placeholder 2"/>
+          <p:cNvSpPr>
+            <a:spLocks noGrp="1"/>
+          </p:cNvSpPr>
+          <p:nvPr>
+            <p:ph idx="1"/>
+          </p:nvPr>
+        </p:nvSpPr>
+        <p:spPr/>
+        <p:txBody>
+          <a:bodyPr>
+            <a:normAutofit/>
+          </a:bodyPr>
+          <a:lstStyle/>
+          <a:p>
+            <a:r>
+              <a:rPr lang="sk-SK" dirty="0" smtClean="0"/>
+              <a:t>nepodarilo sa zvýšiť zabezpečenie,</a:t>
+            </a:r>
+          </a:p>
+          <a:p>
+            <a:pPr lvl="1"/>
+            <a:r>
+              <a:rPr lang="sk-SK" dirty="0" smtClean="0"/>
+              <a:t>na základe výsledkov sa dá spraviť odhad riešenia pomocou </a:t>
+            </a:r>
+            <a:r>
+              <a:rPr lang="sk-SK" dirty="0" smtClean="0"/>
+              <a:t>PKI.</a:t>
+            </a:r>
+            <a:endParaRPr lang="sk-SK" dirty="0" smtClean="0"/>
+          </a:p>
+          <a:p>
+            <a:endParaRPr lang="sk-SK" dirty="0" smtClean="0"/>
+          </a:p>
+          <a:p>
+            <a:r>
+              <a:rPr lang="sk-SK" dirty="0" smtClean="0"/>
+              <a:t>PKI by bolo možné, </a:t>
+            </a:r>
+            <a:r>
+              <a:rPr lang="en-US" dirty="0" smtClean="0"/>
+              <a:t>r</a:t>
+            </a:r>
+            <a:r>
+              <a:rPr lang="sk-SK" dirty="0" smtClean="0"/>
+              <a:t>iešenie by bolo použiteľné</a:t>
+            </a:r>
+            <a:r>
+              <a:rPr lang="en-US" dirty="0" smtClean="0"/>
+              <a:t>:</a:t>
+            </a:r>
+            <a:endParaRPr lang="en-US" dirty="0" smtClean="0"/>
+          </a:p>
+          <a:p>
+            <a:pPr lvl="1"/>
+            <a:r>
+              <a:rPr lang="sk-SK" dirty="0" smtClean="0"/>
+              <a:t>na </a:t>
+            </a:r>
+            <a:r>
+              <a:rPr lang="sk-SK" dirty="0" smtClean="0"/>
+              <a:t>rýchlejších sieťach,</a:t>
+            </a:r>
+            <a:endParaRPr lang="sk-SK" dirty="0" smtClean="0"/>
+          </a:p>
+          <a:p>
+            <a:pPr lvl="1"/>
+            <a:r>
+              <a:rPr lang="sk-SK" dirty="0" smtClean="0"/>
+              <a:t>malé množstvo </a:t>
+            </a:r>
+            <a:r>
+              <a:rPr lang="sk-SK" dirty="0" smtClean="0"/>
+              <a:t>dát.</a:t>
+            </a:r>
+            <a:endParaRPr lang="sk-SK" dirty="0" smtClean="0"/>
+          </a:p>
+        </p:txBody>
+      </p:sp>
+      <p:sp>
+        <p:nvSpPr>
+          <p:cNvPr id="4" name="Slide Number Placeholder 3"/>
+          <p:cNvSpPr>
+            <a:spLocks noGrp="1"/>
+          </p:cNvSpPr>
+          <p:nvPr>
+            <p:ph type="sldNum" sz="quarter" idx="12"/>
+          </p:nvPr>
+        </p:nvSpPr>
+        <p:spPr/>
+        <p:txBody>
+          <a:bodyPr/>
+          <a:lstStyle/>
+          <a:p>
+            <a:fld id="{8C584B50-B360-452D-AFC7-DEF83B5F5806}" type="slidenum">
+              <a:rPr lang="en-US" smtClean="0"/>
+              <a:pPr/>
+              <a:t>25</a:t>
+            </a:fld>
+            <a:r>
+              <a:rPr lang="en-US" dirty="0" smtClean="0"/>
+              <a:t>/26</a:t>
+            </a:r>
+            <a:endParaRPr lang="en-US" dirty="0"/>
+          </a:p>
+        </p:txBody>
+      </p:sp>
+    </p:spTree>
+  </p:cSld>
+  <p:clrMapOvr>
+    <a:masterClrMapping/>
+  </p:clrMapOvr>
+  <p:timing>
+    <p:tnLst>
+      <p:par>
+        <p:cTn id="1" dur="indefinite" restart="never" nodeType="tmRoot"/>
+      </p:par>
+    </p:tnLst>
+  </p:timing>
+</p:sld>
+</file>
+
+<file path=ppt/slides/slide26.xml><?xml version="1.0" encoding="utf-8"?>
+<p:sld xmlns:a="http://schemas.openxmlformats.org/drawingml/2006/main" xmlns:r="http://schemas.openxmlformats.org/officeDocument/2006/relationships" xmlns:p="http://schemas.openxmlformats.org/presentationml/2006/main">
+  <p:cSld>
+    <p:spTree>
+      <p:nvGrpSpPr>
+        <p:cNvPr id="1" name=""/>
+        <p:cNvGrpSpPr/>
+        <p:nvPr/>
+      </p:nvGrpSpPr>
+      <p:grpSpPr>
+        <a:xfrm>
+          <a:off x="0" y="0"/>
+          <a:ext cx="0" cy="0"/>
+          <a:chOff x="0" y="0"/>
+          <a:chExt cx="0" cy="0"/>
+        </a:xfrm>
+      </p:grpSpPr>
+      <p:sp>
+        <p:nvSpPr>
+          <p:cNvPr id="2" name="Title 1"/>
+          <p:cNvSpPr>
+            <a:spLocks noGrp="1"/>
+          </p:cNvSpPr>
+          <p:nvPr>
+            <p:ph type="title"/>
+          </p:nvPr>
+        </p:nvSpPr>
+        <p:spPr/>
+        <p:txBody>
+          <a:bodyPr>
+            <a:normAutofit/>
+          </a:bodyPr>
+          <a:lstStyle/>
+          <a:p>
+            <a:r>
+              <a:rPr lang="sk-SK" dirty="0" smtClean="0"/>
+              <a:t>Plány do budúcna</a:t>
+            </a:r>
+            <a:endParaRPr lang="en-US" dirty="0"/>
+          </a:p>
+        </p:txBody>
+      </p:sp>
+      <p:sp>
+        <p:nvSpPr>
+          <p:cNvPr id="3" name="Content Placeholder 2"/>
+          <p:cNvSpPr>
+            <a:spLocks noGrp="1"/>
+          </p:cNvSpPr>
+          <p:nvPr>
+            <p:ph idx="1"/>
+          </p:nvPr>
+        </p:nvSpPr>
+        <p:spPr>
+          <a:xfrm>
+            <a:off x="457200" y="1600200"/>
+            <a:ext cx="8229600" cy="4953000"/>
+          </a:xfrm>
+        </p:spPr>
+        <p:txBody>
+          <a:bodyPr>
+            <a:normAutofit fontScale="92500"/>
+          </a:bodyPr>
+          <a:lstStyle/>
+          <a:p>
+            <a:r>
+              <a:rPr lang="sk-SK" dirty="0" smtClean="0"/>
+              <a:t>spracovanie RF komunikácie pomocou udalostí</a:t>
+            </a:r>
+            <a:r>
+              <a:rPr lang="en-US" dirty="0" smtClean="0"/>
+              <a:t>:</a:t>
+            </a:r>
+            <a:endParaRPr lang="sk-SK" dirty="0" smtClean="0"/>
+          </a:p>
+          <a:p>
+            <a:pPr lvl="1"/>
+            <a:r>
+              <a:rPr lang="sk-SK" dirty="0" smtClean="0"/>
+              <a:t>programová synchr</a:t>
+            </a:r>
+            <a:r>
+              <a:rPr lang="en-US" dirty="0" smtClean="0"/>
+              <a:t>o</a:t>
+            </a:r>
+            <a:r>
+              <a:rPr lang="sk-SK" dirty="0" smtClean="0"/>
+              <a:t>nizácia (</a:t>
+            </a:r>
+            <a:r>
+              <a:rPr lang="sk-SK" i="1" dirty="0" smtClean="0"/>
+              <a:t>program, chyby</a:t>
+            </a:r>
+            <a:r>
+              <a:rPr lang="sk-SK" dirty="0" smtClean="0"/>
+              <a:t>)</a:t>
+            </a:r>
+            <a:endParaRPr lang="en-US" dirty="0" smtClean="0"/>
+          </a:p>
+          <a:p>
+            <a:pPr lvl="1"/>
+            <a:endParaRPr lang="sk-SK" dirty="0" smtClean="0"/>
+          </a:p>
+          <a:p>
+            <a:r>
+              <a:rPr lang="sk-SK" dirty="0" smtClean="0"/>
+              <a:t>overenia na iných komunikačných protokoloch</a:t>
+            </a:r>
+            <a:r>
+              <a:rPr lang="en-US" dirty="0" smtClean="0"/>
+              <a:t>,</a:t>
+            </a:r>
+          </a:p>
+          <a:p>
+            <a:r>
+              <a:rPr lang="sk-SK" dirty="0" smtClean="0"/>
+              <a:t>väčšiu sieť</a:t>
+            </a:r>
+            <a:r>
+              <a:rPr lang="en-US" dirty="0" smtClean="0"/>
+              <a:t>,</a:t>
+            </a:r>
+            <a:endParaRPr lang="sk-SK" dirty="0" smtClean="0"/>
+          </a:p>
+          <a:p>
+            <a:endParaRPr lang="en-US" dirty="0" smtClean="0"/>
+          </a:p>
+          <a:p>
+            <a:r>
+              <a:rPr lang="sk-SK" dirty="0" smtClean="0"/>
+              <a:t>urýchlenie </a:t>
+            </a:r>
+            <a:r>
+              <a:rPr lang="sk-SK" dirty="0" smtClean="0"/>
+              <a:t>výpočtov</a:t>
+            </a:r>
+            <a:r>
+              <a:rPr lang="en-US" dirty="0" smtClean="0"/>
+              <a:t>/</a:t>
+            </a:r>
+            <a:r>
+              <a:rPr lang="en-US" dirty="0" err="1" smtClean="0"/>
+              <a:t>komuni</a:t>
+            </a:r>
+            <a:r>
+              <a:rPr lang="sk-SK" dirty="0" smtClean="0"/>
+              <a:t>kácie s ISO7816</a:t>
+            </a:r>
+            <a:r>
+              <a:rPr lang="en-US" dirty="0" smtClean="0"/>
+              <a:t>:</a:t>
+            </a:r>
+            <a:endParaRPr lang="sk-SK" dirty="0" smtClean="0"/>
+          </a:p>
+          <a:p>
+            <a:pPr lvl="1"/>
+            <a:r>
+              <a:rPr lang="en-US" dirty="0" smtClean="0"/>
+              <a:t>v</a:t>
+            </a:r>
+            <a:r>
+              <a:rPr lang="sk-SK" dirty="0" smtClean="0"/>
+              <a:t>yššia rýchlosť CLK (</a:t>
+            </a:r>
+            <a:r>
+              <a:rPr lang="sk-SK" i="1" dirty="0" smtClean="0"/>
+              <a:t>nábežné časy, šum</a:t>
+            </a:r>
+            <a:r>
+              <a:rPr lang="sk-SK" dirty="0" smtClean="0"/>
+              <a:t>)</a:t>
+            </a:r>
+            <a:r>
+              <a:rPr lang="en-US" dirty="0" smtClean="0"/>
+              <a:t>,</a:t>
+            </a:r>
+            <a:endParaRPr lang="sk-SK" dirty="0" smtClean="0"/>
+          </a:p>
+          <a:p>
+            <a:pPr lvl="1"/>
+            <a:r>
+              <a:rPr lang="sk-SK" dirty="0" smtClean="0"/>
+              <a:t>Secure </a:t>
+            </a:r>
+            <a:r>
+              <a:rPr lang="sk-SK" dirty="0" smtClean="0"/>
+              <a:t>channel</a:t>
+            </a:r>
+            <a:r>
+              <a:rPr lang="sk-SK" dirty="0" smtClean="0"/>
+              <a:t> a manuálnu inštaláciu appletu.</a:t>
+            </a:r>
+            <a:endParaRPr lang="sk-SK" dirty="0" smtClean="0"/>
+          </a:p>
+        </p:txBody>
+      </p:sp>
+      <p:sp>
+        <p:nvSpPr>
+          <p:cNvPr id="4" name="Slide Number Placeholder 3"/>
+          <p:cNvSpPr>
+            <a:spLocks noGrp="1"/>
+          </p:cNvSpPr>
+          <p:nvPr>
+            <p:ph type="sldNum" sz="quarter" idx="12"/>
+          </p:nvPr>
+        </p:nvSpPr>
+        <p:spPr/>
+        <p:txBody>
+          <a:bodyPr/>
+          <a:lstStyle/>
+          <a:p>
+            <a:fld id="{8C584B50-B360-452D-AFC7-DEF83B5F5806}" type="slidenum">
+              <a:rPr lang="en-US" smtClean="0"/>
+              <a:pPr/>
+              <a:t>26</a:t>
+            </a:fld>
+            <a:r>
+              <a:rPr lang="en-US" dirty="0" smtClean="0"/>
+              <a:t>/26</a:t>
+            </a:r>
+            <a:endParaRPr lang="en-US" dirty="0"/>
+          </a:p>
+        </p:txBody>
+      </p:sp>
+    </p:spTree>
+  </p:cSld>
+  <p:clrMapOvr>
+    <a:masterClrMapping/>
+  </p:clrMapOvr>
+  <p:timing>
+    <p:tnLst>
+      <p:par>
+        <p:cTn id="1" dur="indefinite" restart="never" nodeType="tmRoot"/>
+      </p:par>
+    </p:tnLst>
+  </p:timing>
 </p:sld>
 </file>
 
@@ -8733,116 +10308,250 @@
         </p:nvSpPr>
         <p:spPr/>
         <p:txBody>
-          <a:bodyPr/>
-          <a:lstStyle/>
-          <a:p>
-            <a:r>
-              <a:rPr lang="sk-SK" dirty="0" smtClean="0"/>
-              <a:t>Sebakritika</a:t>
-            </a:r>
-            <a:endParaRPr lang="en-US" dirty="0"/>
-          </a:p>
-        </p:txBody>
-      </p:sp>
-      <p:sp>
-        <p:nvSpPr>
-          <p:cNvPr id="3" name="Content Placeholder 2"/>
-          <p:cNvSpPr>
-            <a:spLocks noGrp="1"/>
-          </p:cNvSpPr>
-          <p:nvPr>
-            <p:ph idx="1"/>
-          </p:nvPr>
-        </p:nvSpPr>
-        <p:spPr/>
-        <p:txBody>
           <a:bodyPr>
             <a:normAutofit/>
           </a:bodyPr>
           <a:lstStyle/>
           <a:p>
             <a:r>
-              <a:rPr lang="sk-SK" dirty="0" smtClean="0"/>
-              <a:t>PKI</a:t>
-            </a:r>
-          </a:p>
-          <a:p>
-            <a:pPr lvl="1"/>
-            <a:r>
-              <a:rPr lang="sk-SK" dirty="0" smtClean="0"/>
-              <a:t>RSA</a:t>
-            </a:r>
-            <a:r>
-              <a:rPr lang="en-US" dirty="0" smtClean="0"/>
+              <a:rPr lang="en-US" dirty="0" err="1" smtClean="0"/>
+              <a:t>Ot</a:t>
+            </a:r>
+            <a:r>
+              <a:rPr lang="sk-SK" dirty="0" smtClean="0"/>
+              <a:t>ázky</a:t>
+            </a:r>
+            <a:r>
+              <a:rPr lang="en-US" dirty="0" smtClean="0"/>
+              <a:t>?</a:t>
+            </a:r>
+            <a:endParaRPr lang="en-US" dirty="0"/>
+          </a:p>
+        </p:txBody>
+      </p:sp>
+      <p:sp>
+        <p:nvSpPr>
+          <p:cNvPr id="3" name="Content Placeholder 2"/>
+          <p:cNvSpPr>
+            <a:spLocks noGrp="1"/>
+          </p:cNvSpPr>
+          <p:nvPr>
+            <p:ph idx="1"/>
+          </p:nvPr>
+        </p:nvSpPr>
+        <p:spPr>
+          <a:xfrm>
+            <a:off x="457200" y="1143000"/>
+            <a:ext cx="8229600" cy="5562600"/>
+          </a:xfrm>
+        </p:spPr>
+        <p:txBody>
+          <a:bodyPr>
+            <a:noAutofit/>
+          </a:bodyPr>
+          <a:lstStyle/>
+          <a:p>
+            <a:r>
+              <a:rPr lang="sk-SK" sz="1800" dirty="0" smtClean="0"/>
+              <a:t>Motivácia</a:t>
+            </a:r>
+            <a:endParaRPr lang="en-US" sz="1800" dirty="0" smtClean="0"/>
+          </a:p>
+          <a:p>
+            <a:r>
+              <a:rPr lang="sk-SK" sz="1800" dirty="0" smtClean="0"/>
+              <a:t>Informačná bezpečnosť</a:t>
+            </a:r>
+          </a:p>
+          <a:p>
+            <a:r>
+              <a:rPr lang="sk-SK" sz="1800" dirty="0" smtClean="0"/>
+              <a:t>Typy útokov</a:t>
+            </a:r>
+            <a:endParaRPr lang="en-US" sz="1800" dirty="0" smtClean="0"/>
+          </a:p>
+          <a:p>
+            <a:r>
+              <a:rPr lang="en-US" sz="1800" dirty="0" err="1" smtClean="0"/>
+              <a:t>Aktu</a:t>
+            </a:r>
+            <a:r>
+              <a:rPr lang="sk-SK" sz="1800" dirty="0" smtClean="0"/>
+              <a:t>álny s</a:t>
+            </a:r>
+            <a:r>
+              <a:rPr lang="en-US" sz="1800" dirty="0" err="1" smtClean="0"/>
+              <a:t>tav</a:t>
+            </a:r>
+            <a:r>
+              <a:rPr lang="en-US" sz="1800" dirty="0" smtClean="0"/>
               <a:t> </a:t>
             </a:r>
             <a:r>
-              <a:rPr lang="sk-SK" dirty="0" smtClean="0"/>
-              <a:t>SW knižnice</a:t>
-            </a:r>
-          </a:p>
-          <a:p>
-            <a:pPr lvl="1"/>
-            <a:r>
-              <a:rPr lang="sk-SK" dirty="0" smtClean="0"/>
-              <a:t>RSA HW (odhad</a:t>
-            </a:r>
-            <a:r>
-              <a:rPr lang="sk-SK" dirty="0" smtClean="0"/>
-              <a:t>)</a:t>
-            </a:r>
-          </a:p>
-          <a:p>
-            <a:endParaRPr lang="sk-SK" dirty="0" smtClean="0"/>
-          </a:p>
-          <a:p>
-            <a:r>
-              <a:rPr lang="sk-SK" dirty="0" smtClean="0"/>
-              <a:t>Prekvapený výsledkami HW riešenia</a:t>
-            </a:r>
-            <a:endParaRPr lang="sk-SK" dirty="0" smtClean="0"/>
-          </a:p>
-          <a:p>
-            <a:r>
-              <a:rPr lang="sk-SK" dirty="0" smtClean="0"/>
-              <a:t>postrácanie ANT paketov</a:t>
-            </a:r>
-            <a:r>
-              <a:rPr lang="en-US" dirty="0" smtClean="0"/>
-              <a:t>:</a:t>
-            </a:r>
-            <a:r>
-              <a:rPr lang="sk-SK" dirty="0" smtClean="0"/>
-              <a:t> po komunikácií s krypto-elementom</a:t>
-            </a:r>
-            <a:endParaRPr lang="en-US" dirty="0" smtClean="0"/>
-          </a:p>
-          <a:p>
-            <a:endParaRPr lang="sk-SK" dirty="0" smtClean="0"/>
-          </a:p>
-        </p:txBody>
-      </p:sp>
-      <p:sp>
-        <p:nvSpPr>
-          <p:cNvPr id="4" name="Slide Number Placeholder 3"/>
-          <p:cNvSpPr>
-            <a:spLocks noGrp="1"/>
-          </p:cNvSpPr>
-          <p:nvPr>
-            <p:ph type="sldNum" sz="quarter" idx="12"/>
-          </p:nvPr>
-        </p:nvSpPr>
-        <p:spPr/>
-        <p:txBody>
-          <a:bodyPr/>
-          <a:lstStyle/>
-          <a:p>
-            <a:fld id="{8C584B50-B360-452D-AFC7-DEF83B5F5806}" type="slidenum">
-              <a:rPr lang="en-US" smtClean="0"/>
-              <a:pPr/>
-              <a:t>27</a:t>
-            </a:fld>
-            <a:endParaRPr lang="en-US"/>
+              <a:rPr lang="sk-SK" sz="1800" dirty="0" smtClean="0"/>
+              <a:t>vo WPAN 802.15</a:t>
+            </a:r>
+            <a:endParaRPr lang="en-US" sz="1800" dirty="0" smtClean="0"/>
+          </a:p>
+          <a:p>
+            <a:r>
+              <a:rPr lang="sk-SK" sz="1800" dirty="0" smtClean="0"/>
+              <a:t>Navrhnuté riešenie</a:t>
+            </a:r>
+          </a:p>
+          <a:p>
+            <a:r>
+              <a:rPr lang="sk-SK" sz="1800" dirty="0" smtClean="0"/>
+              <a:t>Implementácia</a:t>
+            </a:r>
+            <a:endParaRPr lang="en-US" sz="1800" dirty="0" smtClean="0"/>
+          </a:p>
+          <a:p>
+            <a:pPr lvl="1">
+              <a:spcBef>
+                <a:spcPts val="100"/>
+              </a:spcBef>
+            </a:pPr>
+            <a:r>
+              <a:rPr lang="sk-SK" sz="1800" dirty="0" smtClean="0"/>
+              <a:t>Komunikačný protokol</a:t>
+            </a:r>
+            <a:endParaRPr lang="en-US" sz="1800" dirty="0" smtClean="0"/>
+          </a:p>
+          <a:p>
+            <a:pPr lvl="1">
+              <a:spcBef>
+                <a:spcPts val="100"/>
+              </a:spcBef>
+            </a:pPr>
+            <a:r>
+              <a:rPr lang="en-US" sz="1800" dirty="0" smtClean="0"/>
+              <a:t>RF k</a:t>
+            </a:r>
+            <a:r>
+              <a:rPr lang="sk-SK" sz="1800" dirty="0" smtClean="0"/>
+              <a:t>omuniká</a:t>
+            </a:r>
+            <a:r>
+              <a:rPr lang="en-US" sz="1800" dirty="0" err="1" smtClean="0"/>
+              <a:t>cia</a:t>
+            </a:r>
+            <a:endParaRPr lang="en-US" sz="1800" i="1" dirty="0" smtClean="0"/>
+          </a:p>
+          <a:p>
+            <a:pPr lvl="1">
+              <a:spcBef>
+                <a:spcPts val="100"/>
+              </a:spcBef>
+            </a:pPr>
+            <a:r>
+              <a:rPr lang="en-US" sz="1800" dirty="0" smtClean="0"/>
+              <a:t>Segment</a:t>
+            </a:r>
+            <a:r>
+              <a:rPr lang="sk-SK" sz="1800" dirty="0" smtClean="0"/>
+              <a:t>ácia správ </a:t>
+            </a:r>
+          </a:p>
+          <a:p>
+            <a:pPr lvl="1">
+              <a:spcBef>
+                <a:spcPts val="100"/>
+              </a:spcBef>
+            </a:pPr>
+            <a:r>
+              <a:rPr lang="sk-SK" sz="1800" dirty="0" smtClean="0"/>
+              <a:t>SW AES-128 a HW AES-128</a:t>
+            </a:r>
+            <a:endParaRPr lang="en-US" sz="1800" dirty="0" smtClean="0"/>
+          </a:p>
+          <a:p>
+            <a:pPr lvl="1">
+              <a:spcBef>
+                <a:spcPts val="100"/>
+              </a:spcBef>
+            </a:pPr>
+            <a:r>
+              <a:rPr lang="sk-SK" sz="1800" dirty="0" smtClean="0"/>
+              <a:t>ISO7816</a:t>
+            </a:r>
+            <a:endParaRPr lang="en-US" sz="1800" dirty="0" smtClean="0"/>
+          </a:p>
+          <a:p>
+            <a:pPr lvl="1">
+              <a:spcBef>
+                <a:spcPts val="100"/>
+              </a:spcBef>
+            </a:pPr>
+            <a:r>
+              <a:rPr lang="sk-SK" sz="1800" dirty="0" smtClean="0"/>
+              <a:t>Schémy</a:t>
+            </a:r>
+            <a:r>
+              <a:rPr lang="sk-SK" sz="1800" dirty="0" smtClean="0"/>
+              <a:t>, DPS</a:t>
+            </a:r>
+            <a:endParaRPr lang="en-US" sz="1800" dirty="0" smtClean="0"/>
+          </a:p>
+          <a:p>
+            <a:pPr lvl="1">
+              <a:spcBef>
+                <a:spcPts val="100"/>
+              </a:spcBef>
+            </a:pPr>
+            <a:r>
+              <a:rPr lang="sk-SK" sz="1800" dirty="0" smtClean="0"/>
+              <a:t>JavaCard</a:t>
+            </a:r>
+            <a:endParaRPr lang="en-US" sz="1800" dirty="0" smtClean="0"/>
+          </a:p>
+          <a:p>
+            <a:pPr lvl="1">
+              <a:spcBef>
+                <a:spcPts val="100"/>
+              </a:spcBef>
+            </a:pPr>
+            <a:r>
+              <a:rPr lang="sk-SK" sz="1800" dirty="0" smtClean="0"/>
+              <a:t>K</a:t>
+            </a:r>
+            <a:r>
+              <a:rPr lang="en-US" sz="1800" dirty="0" err="1" smtClean="0"/>
+              <a:t>onzola</a:t>
+            </a:r>
+            <a:endParaRPr lang="en-US" sz="1800" dirty="0" smtClean="0"/>
+          </a:p>
+          <a:p>
+            <a:r>
+              <a:rPr lang="sk-SK" sz="1800" dirty="0" smtClean="0"/>
+              <a:t>Testovanie a vyhodnotenie</a:t>
+            </a:r>
+            <a:endParaRPr lang="en-US" sz="1800" dirty="0" smtClean="0"/>
+          </a:p>
+          <a:p>
+            <a:r>
+              <a:rPr lang="sk-SK" sz="1800" dirty="0" smtClean="0"/>
+              <a:t>Sebakritika</a:t>
+            </a:r>
+            <a:endParaRPr lang="en-US" sz="1800" dirty="0" smtClean="0"/>
+          </a:p>
+          <a:p>
+            <a:r>
+              <a:rPr lang="en-US" sz="1800" dirty="0" smtClean="0"/>
+              <a:t>Z</a:t>
+            </a:r>
+            <a:r>
+              <a:rPr lang="sk-SK" sz="1800" dirty="0" smtClean="0"/>
+              <a:t>áver</a:t>
+            </a:r>
+            <a:endParaRPr lang="en-US" sz="1800" dirty="0" smtClean="0"/>
+          </a:p>
+          <a:p>
+            <a:r>
+              <a:rPr lang="sk-SK" sz="1800" dirty="0" smtClean="0"/>
+              <a:t>Plány do budúcna</a:t>
+            </a:r>
+            <a:endParaRPr lang="en-US" sz="1800" dirty="0"/>
           </a:p>
         </p:txBody>
       </p:sp>
@@ -8851,6 +10560,13 @@
   <p:clrMapOvr>
     <a:masterClrMapping/>
   </p:clrMapOvr>
+  <p:timing>
+    <p:tnLst>
+      <p:par>
+        <p:cTn id="1" dur="indefinite" restart="never" nodeType="tmRoot"/>
+      </p:par>
+    </p:tnLst>
+  </p:timing>
 </p:sld>
 </file>
 
@@ -8889,12 +10605,8 @@
           <a:lstStyle/>
           <a:p>
             <a:r>
-              <a:rPr lang="en-US" dirty="0" smtClean="0"/>
-              <a:t>Z</a:t>
-            </a:r>
-            <a:r>
-              <a:rPr lang="sk-SK" dirty="0" smtClean="0"/>
-              <a:t>áver</a:t>
+              <a:rPr lang="sk-SK" dirty="0" smtClean="0"/>
+              <a:t>Používané technológie</a:t>
             </a:r>
             <a:endParaRPr lang="en-US" dirty="0"/>
           </a:p>
@@ -8912,101 +10624,100 @@
         </p:nvSpPr>
         <p:spPr/>
         <p:txBody>
-          <a:bodyPr>
-            <a:normAutofit lnSpcReduction="10000"/>
-          </a:bodyPr>
-          <a:lstStyle/>
-          <a:p>
-            <a:r>
-              <a:rPr lang="sk-SK" dirty="0" smtClean="0"/>
-              <a:t>nepodarilo sa zvýšiť zabezpečenie,</a:t>
+          <a:bodyPr/>
+          <a:lstStyle/>
+          <a:p>
+            <a:r>
+              <a:rPr lang="sk-SK" dirty="0" smtClean="0"/>
+              <a:t>Viac m</a:t>
+            </a:r>
+            <a:r>
+              <a:rPr lang="en-US" dirty="0" err="1" smtClean="0"/>
+              <a:t>arketing</a:t>
+            </a:r>
+            <a:r>
+              <a:rPr lang="en-US" dirty="0" smtClean="0"/>
+              <a:t> ako </a:t>
+            </a:r>
+            <a:r>
+              <a:rPr lang="en-US" dirty="0" err="1" smtClean="0"/>
+              <a:t>technol</a:t>
+            </a:r>
+            <a:r>
+              <a:rPr lang="sk-SK" dirty="0" smtClean="0"/>
+              <a:t>ógie</a:t>
+            </a:r>
+            <a:r>
+              <a:rPr lang="en-US" dirty="0" smtClean="0"/>
+              <a:t> a </a:t>
+            </a:r>
+            <a:r>
+              <a:rPr lang="en-US" dirty="0" err="1" smtClean="0"/>
+              <a:t>parametre</a:t>
+            </a:r>
+            <a:r>
+              <a:rPr lang="en-US" dirty="0" smtClean="0"/>
+              <a:t>:</a:t>
             </a:r>
           </a:p>
           <a:p>
             <a:pPr lvl="1"/>
             <a:r>
               <a:rPr lang="sk-SK" dirty="0" smtClean="0"/>
-              <a:t>na </a:t>
-            </a:r>
-            <a:r>
-              <a:rPr lang="sk-SK" dirty="0" smtClean="0"/>
-              <a:t>základe výsledkov sa dá spraviť odhad riešenia pomocou PKI</a:t>
+              <a:t>iControl Networks</a:t>
+            </a:r>
+            <a:r>
+              <a:rPr lang="en-US" dirty="0" smtClean="0"/>
+              <a:t>:</a:t>
+            </a:r>
+            <a:r>
+              <a:rPr lang="sk-SK" dirty="0" smtClean="0"/>
+              <a:t> </a:t>
+            </a:r>
+            <a:r>
+              <a:rPr lang="en-US" dirty="0" err="1" smtClean="0"/>
+              <a:t>ZigBee</a:t>
+            </a:r>
+            <a:r>
+              <a:rPr lang="en-US" dirty="0" smtClean="0"/>
+              <a:t>, Z-Wave</a:t>
             </a:r>
           </a:p>
           <a:p>
             <a:pPr lvl="1"/>
             <a:r>
-              <a:rPr lang="sk-SK" dirty="0" smtClean="0"/>
-              <a:t>Identifikované </a:t>
-            </a:r>
-            <a:r>
-              <a:rPr lang="sk-SK" dirty="0" smtClean="0"/>
-              <a:t>slabiny daných technológií so Smart kartami</a:t>
-            </a:r>
-          </a:p>
-          <a:p>
+              <a:rPr lang="en-US" dirty="0" err="1" smtClean="0"/>
+              <a:t>BeeWi</a:t>
+            </a:r>
+            <a:r>
+              <a:rPr lang="en-US" dirty="0" smtClean="0"/>
+              <a:t>: Bluetooth</a:t>
+            </a:r>
             <a:endParaRPr lang="sk-SK" dirty="0" smtClean="0"/>
           </a:p>
           <a:p>
-            <a:r>
-              <a:rPr lang="sk-SK" dirty="0" smtClean="0"/>
-              <a:t>Riešenie </a:t>
-            </a:r>
-            <a:r>
-              <a:rPr lang="sk-SK" dirty="0" smtClean="0"/>
-              <a:t>je použiteľné</a:t>
-            </a:r>
-            <a:r>
-              <a:rPr lang="en-US" dirty="0" smtClean="0"/>
-              <a:t>:</a:t>
-            </a:r>
-            <a:endParaRPr lang="en-US" dirty="0" smtClean="0"/>
-          </a:p>
-          <a:p>
             <a:pPr lvl="1"/>
             <a:r>
               <a:rPr lang="sk-SK" dirty="0" smtClean="0"/>
-              <a:t>na </a:t>
-            </a:r>
-            <a:r>
-              <a:rPr lang="sk-SK" dirty="0" smtClean="0"/>
-              <a:t>rýchlejšie siete,</a:t>
-            </a:r>
-          </a:p>
-          <a:p>
-            <a:pPr lvl="1"/>
-            <a:r>
-              <a:rPr lang="sk-SK" dirty="0" smtClean="0"/>
-              <a:t>malé množstvo </a:t>
-            </a:r>
-            <a:r>
-              <a:rPr lang="sk-SK" dirty="0" smtClean="0"/>
-              <a:t>dát.</a:t>
-            </a:r>
-          </a:p>
-        </p:txBody>
-      </p:sp>
-      <p:sp>
-        <p:nvSpPr>
-          <p:cNvPr id="4" name="Slide Number Placeholder 3"/>
-          <p:cNvSpPr>
-            <a:spLocks noGrp="1"/>
-          </p:cNvSpPr>
-          <p:nvPr>
-            <p:ph type="sldNum" sz="quarter" idx="12"/>
-          </p:nvPr>
-        </p:nvSpPr>
-        <p:spPr/>
-        <p:txBody>
-          <a:bodyPr/>
-          <a:lstStyle/>
-          <a:p>
-            <a:fld id="{8C584B50-B360-452D-AFC7-DEF83B5F5806}" type="slidenum">
-              <a:rPr lang="en-US" smtClean="0"/>
-              <a:pPr/>
-              <a:t>28</a:t>
-            </a:fld>
-            <a:endParaRPr lang="en-US"/>
+              <a:t>Samsung SmartThings hub</a:t>
+            </a:r>
+            <a:r>
+              <a:rPr lang="en-US" dirty="0" smtClean="0"/>
+              <a:t>: </a:t>
+            </a:r>
+            <a:r>
+              <a:rPr lang="en-US" dirty="0" err="1" smtClean="0"/>
+              <a:t>WiFi</a:t>
+            </a:r>
+            <a:r>
+              <a:rPr lang="en-US" dirty="0" smtClean="0"/>
+              <a:t>, Z-Wave, LAN, </a:t>
+            </a:r>
+            <a:r>
+              <a:rPr lang="en-US" dirty="0" err="1" smtClean="0"/>
+              <a:t>ZigBee</a:t>
+            </a:r>
+            <a:endParaRPr lang="en-US" dirty="0"/>
           </a:p>
         </p:txBody>
       </p:sp>
@@ -9015,6 +10726,13 @@
   <p:clrMapOvr>
     <a:masterClrMapping/>
   </p:clrMapOvr>
+  <p:timing>
+    <p:tnLst>
+      <p:par>
+        <p:cTn id="1" dur="indefinite" restart="never" nodeType="tmRoot"/>
+      </p:par>
+    </p:tnLst>
+  </p:timing>
 </p:sld>
 </file>
 
@@ -9053,914 +10771,6 @@
           <a:lstStyle/>
           <a:p>
             <a:r>
-              <a:rPr lang="sk-SK" dirty="0" smtClean="0"/>
-              <a:t>Plány do budúcna</a:t>
-            </a:r>
-            <a:endParaRPr lang="en-US" dirty="0"/>
-          </a:p>
-        </p:txBody>
-      </p:sp>
-      <p:sp>
-        <p:nvSpPr>
-          <p:cNvPr id="3" name="Content Placeholder 2"/>
-          <p:cNvSpPr>
-            <a:spLocks noGrp="1"/>
-          </p:cNvSpPr>
-          <p:nvPr>
-            <p:ph idx="1"/>
-          </p:nvPr>
-        </p:nvSpPr>
-        <p:spPr>
-          <a:xfrm>
-            <a:off x="457200" y="1600200"/>
-            <a:ext cx="8229600" cy="4953000"/>
-          </a:xfrm>
-        </p:spPr>
-        <p:txBody>
-          <a:bodyPr>
-            <a:normAutofit fontScale="85000" lnSpcReduction="10000"/>
-          </a:bodyPr>
-          <a:lstStyle/>
-          <a:p>
-            <a:r>
-              <a:rPr lang="sk-SK" dirty="0" smtClean="0"/>
-              <a:t>spracovanie </a:t>
-            </a:r>
-            <a:r>
-              <a:rPr lang="sk-SK" dirty="0" smtClean="0"/>
-              <a:t>RF komunikácie pomocou udalostí</a:t>
-            </a:r>
-            <a:r>
-              <a:rPr lang="en-US" dirty="0" smtClean="0"/>
-              <a:t>:</a:t>
-            </a:r>
-            <a:endParaRPr lang="sk-SK" dirty="0" smtClean="0"/>
-          </a:p>
-          <a:p>
-            <a:pPr lvl="1"/>
-            <a:r>
-              <a:rPr lang="sk-SK" dirty="0" smtClean="0"/>
-              <a:t>programová </a:t>
-            </a:r>
-            <a:r>
-              <a:rPr lang="sk-SK" dirty="0" smtClean="0"/>
-              <a:t>synchr</a:t>
-            </a:r>
-            <a:r>
-              <a:rPr lang="en-US" dirty="0" smtClean="0"/>
-              <a:t>o</a:t>
-            </a:r>
-            <a:r>
-              <a:rPr lang="sk-SK" dirty="0" smtClean="0"/>
-              <a:t>nizácia (</a:t>
-            </a:r>
-            <a:r>
-              <a:rPr lang="sk-SK" i="1" dirty="0" smtClean="0"/>
-              <a:t>program, chyby</a:t>
-            </a:r>
-            <a:r>
-              <a:rPr lang="sk-SK" dirty="0" smtClean="0"/>
-              <a:t>)</a:t>
-            </a:r>
-            <a:endParaRPr lang="en-US" dirty="0" smtClean="0"/>
-          </a:p>
-          <a:p>
-            <a:pPr lvl="1"/>
-            <a:endParaRPr lang="sk-SK" dirty="0" smtClean="0"/>
-          </a:p>
-          <a:p>
-            <a:r>
-              <a:rPr lang="sk-SK" dirty="0" smtClean="0"/>
-              <a:t>overenia na iných komunikačných protokoloch</a:t>
-            </a:r>
-            <a:r>
-              <a:rPr lang="en-US" dirty="0" smtClean="0"/>
-              <a:t>,</a:t>
-            </a:r>
-          </a:p>
-          <a:p>
-            <a:r>
-              <a:rPr lang="sk-SK" dirty="0" smtClean="0"/>
-              <a:t>väčšiu sieť</a:t>
-            </a:r>
-            <a:r>
-              <a:rPr lang="en-US" dirty="0" smtClean="0"/>
-              <a:t>,</a:t>
-            </a:r>
-          </a:p>
-          <a:p>
-            <a:r>
-              <a:rPr lang="sk-SK" dirty="0" smtClean="0"/>
-              <a:t>testovanie zásobníka</a:t>
-            </a:r>
-            <a:r>
-              <a:rPr lang="en-US" dirty="0" smtClean="0"/>
-              <a:t> v ne</a:t>
-            </a:r>
-            <a:r>
-              <a:rPr lang="sk-SK" dirty="0" smtClean="0"/>
-              <a:t>štandardných situáciach</a:t>
-            </a:r>
-            <a:r>
-              <a:rPr lang="en-US" dirty="0" smtClean="0"/>
-              <a:t>,</a:t>
-            </a:r>
-            <a:endParaRPr lang="sk-SK" dirty="0" smtClean="0"/>
-          </a:p>
-          <a:p>
-            <a:r>
-              <a:rPr lang="sk-SK" dirty="0" smtClean="0"/>
-              <a:t>t</a:t>
-            </a:r>
-            <a:r>
-              <a:rPr lang="en-US" dirty="0" err="1" smtClean="0"/>
-              <a:t>estovanie</a:t>
-            </a:r>
-            <a:r>
-              <a:rPr lang="sk-SK" dirty="0" smtClean="0"/>
-              <a:t>,</a:t>
-            </a:r>
-          </a:p>
-          <a:p>
-            <a:r>
-              <a:rPr lang="sk-SK" dirty="0" smtClean="0"/>
-              <a:t>urýchlenie </a:t>
-            </a:r>
-            <a:r>
-              <a:rPr lang="sk-SK" dirty="0" smtClean="0"/>
-              <a:t>výpočtov</a:t>
-            </a:r>
-            <a:r>
-              <a:rPr lang="en-US" dirty="0" smtClean="0"/>
-              <a:t>/</a:t>
-            </a:r>
-            <a:r>
-              <a:rPr lang="en-US" dirty="0" err="1" smtClean="0"/>
-              <a:t>komuni</a:t>
-            </a:r>
-            <a:r>
-              <a:rPr lang="sk-SK" dirty="0" smtClean="0"/>
-              <a:t>kácie s ISO7816</a:t>
-            </a:r>
-            <a:r>
-              <a:rPr lang="en-US" dirty="0" smtClean="0"/>
-              <a:t>:</a:t>
-            </a:r>
-            <a:endParaRPr lang="sk-SK" dirty="0" smtClean="0"/>
-          </a:p>
-          <a:p>
-            <a:pPr lvl="1"/>
-            <a:r>
-              <a:rPr lang="en-US" dirty="0" smtClean="0"/>
-              <a:t>v</a:t>
-            </a:r>
-            <a:r>
-              <a:rPr lang="sk-SK" dirty="0" smtClean="0"/>
-              <a:t>yššia rýchlosť CLK (</a:t>
-            </a:r>
-            <a:r>
-              <a:rPr lang="sk-SK" i="1" dirty="0" smtClean="0"/>
-              <a:t>nábežné časy, šum</a:t>
-            </a:r>
-            <a:r>
-              <a:rPr lang="sk-SK" dirty="0" smtClean="0"/>
-              <a:t>)</a:t>
-            </a:r>
-            <a:r>
-              <a:rPr lang="en-US" dirty="0" smtClean="0"/>
-              <a:t>,</a:t>
-            </a:r>
-            <a:endParaRPr lang="sk-SK" dirty="0" smtClean="0"/>
-          </a:p>
-          <a:p>
-            <a:pPr lvl="1"/>
-            <a:r>
-              <a:rPr lang="sk-SK" dirty="0" smtClean="0"/>
-              <a:t>Secure messaging</a:t>
-            </a:r>
-            <a:r>
-              <a:rPr lang="en-US" dirty="0" smtClean="0"/>
-              <a:t>,</a:t>
-            </a:r>
-            <a:endParaRPr lang="sk-SK" dirty="0" smtClean="0"/>
-          </a:p>
-          <a:p>
-            <a:pPr lvl="1"/>
-            <a:r>
-              <a:rPr lang="en-US" dirty="0" err="1" smtClean="0"/>
-              <a:t>manu</a:t>
-            </a:r>
-            <a:r>
-              <a:rPr lang="sk-SK" dirty="0" smtClean="0"/>
-              <a:t>álny</a:t>
-            </a:r>
-            <a:r>
-              <a:rPr lang="en-US" dirty="0" smtClean="0"/>
-              <a:t>:</a:t>
-            </a:r>
-            <a:r>
-              <a:rPr lang="sk-SK" dirty="0" smtClean="0"/>
-              <a:t> select, upload, install (</a:t>
-            </a:r>
-            <a:r>
-              <a:rPr lang="sk-SK" i="1" dirty="0" smtClean="0"/>
-              <a:t>reprogramovanie</a:t>
-            </a:r>
-            <a:r>
-              <a:rPr lang="sk-SK" dirty="0" smtClean="0"/>
-              <a:t>)</a:t>
-            </a:r>
-            <a:r>
-              <a:rPr lang="en-US" dirty="0" smtClean="0"/>
-              <a:t>.</a:t>
-            </a:r>
-            <a:endParaRPr lang="sk-SK" dirty="0" smtClean="0"/>
-          </a:p>
-          <a:p>
-            <a:pPr lvl="1"/>
-            <a:endParaRPr lang="en-US" dirty="0"/>
-          </a:p>
-        </p:txBody>
-      </p:sp>
-      <p:sp>
-        <p:nvSpPr>
-          <p:cNvPr id="4" name="Slide Number Placeholder 3"/>
-          <p:cNvSpPr>
-            <a:spLocks noGrp="1"/>
-          </p:cNvSpPr>
-          <p:nvPr>
-            <p:ph type="sldNum" sz="quarter" idx="12"/>
-          </p:nvPr>
-        </p:nvSpPr>
-        <p:spPr/>
-        <p:txBody>
-          <a:bodyPr/>
-          <a:lstStyle/>
-          <a:p>
-            <a:fld id="{8C584B50-B360-452D-AFC7-DEF83B5F5806}" type="slidenum">
-              <a:rPr lang="en-US" smtClean="0"/>
-              <a:pPr/>
-              <a:t>29</a:t>
-            </a:fld>
-            <a:endParaRPr lang="en-US"/>
-          </a:p>
-        </p:txBody>
-      </p:sp>
-    </p:spTree>
-  </p:cSld>
-  <p:clrMapOvr>
-    <a:masterClrMapping/>
-  </p:clrMapOvr>
-</p:sld>
-</file>
-
-<file path=ppt/slides/slide3.xml><?xml version="1.0" encoding="utf-8"?>
-<p:sld xmlns:a="http://schemas.openxmlformats.org/drawingml/2006/main" xmlns:r="http://schemas.openxmlformats.org/officeDocument/2006/relationships" xmlns:p="http://schemas.openxmlformats.org/presentationml/2006/main">
-  <p:cSld>
-    <p:spTree>
-      <p:nvGrpSpPr>
-        <p:cNvPr id="1" name=""/>
-        <p:cNvGrpSpPr/>
-        <p:nvPr/>
-      </p:nvGrpSpPr>
-      <p:grpSpPr>
-        <a:xfrm>
-          <a:off x="0" y="0"/>
-          <a:ext cx="0" cy="0"/>
-          <a:chOff x="0" y="0"/>
-          <a:chExt cx="0" cy="0"/>
-        </a:xfrm>
-      </p:grpSpPr>
-      <p:sp>
-        <p:nvSpPr>
-          <p:cNvPr id="2" name="Title 1"/>
-          <p:cNvSpPr>
-            <a:spLocks noGrp="1"/>
-          </p:cNvSpPr>
-          <p:nvPr>
-            <p:ph type="title"/>
-          </p:nvPr>
-        </p:nvSpPr>
-        <p:spPr/>
-        <p:txBody>
-          <a:bodyPr/>
-          <a:lstStyle/>
-          <a:p>
-            <a:r>
-              <a:rPr lang="sk-SK" dirty="0" smtClean="0"/>
-              <a:t>Informačná bezpečnosť</a:t>
-            </a:r>
-          </a:p>
-        </p:txBody>
-      </p:sp>
-      <p:sp>
-        <p:nvSpPr>
-          <p:cNvPr id="3" name="Content Placeholder 2"/>
-          <p:cNvSpPr>
-            <a:spLocks noGrp="1"/>
-          </p:cNvSpPr>
-          <p:nvPr>
-            <p:ph idx="1"/>
-          </p:nvPr>
-        </p:nvSpPr>
-        <p:spPr/>
-        <p:txBody>
-          <a:bodyPr/>
-          <a:lstStyle/>
-          <a:p>
-            <a:endParaRPr lang="sk-SK" dirty="0" smtClean="0"/>
-          </a:p>
-        </p:txBody>
-      </p:sp>
-      <p:sp>
-        <p:nvSpPr>
-          <p:cNvPr id="4" name="Slide Number Placeholder 3"/>
-          <p:cNvSpPr>
-            <a:spLocks noGrp="1"/>
-          </p:cNvSpPr>
-          <p:nvPr>
-            <p:ph type="sldNum" sz="quarter" idx="12"/>
-          </p:nvPr>
-        </p:nvSpPr>
-        <p:spPr/>
-        <p:txBody>
-          <a:bodyPr/>
-          <a:lstStyle/>
-          <a:p>
-            <a:fld id="{8C584B50-B360-452D-AFC7-DEF83B5F5806}" type="slidenum">
-              <a:rPr lang="en-US" smtClean="0"/>
-              <a:pPr/>
-              <a:t>3</a:t>
-            </a:fld>
-            <a:endParaRPr lang="en-US"/>
-          </a:p>
-        </p:txBody>
-      </p:sp>
-      <p:pic>
-        <p:nvPicPr>
-          <p:cNvPr id="6" name="Picture 2" descr="C:\Lukas\Skola\FIIT\8. semester\DPII\Obrazky\a_CIA.png"/>
-          <p:cNvPicPr>
-            <a:picLocks noChangeAspect="1" noChangeArrowheads="1"/>
-          </p:cNvPicPr>
-          <p:nvPr/>
-        </p:nvPicPr>
-        <p:blipFill>
-          <a:blip r:embed="rId2"/>
-          <a:srcRect/>
-          <a:stretch>
-            <a:fillRect/>
-          </a:stretch>
-        </p:blipFill>
-        <p:spPr bwMode="auto">
-          <a:xfrm>
-            <a:off x="2057400" y="1600200"/>
-            <a:ext cx="5168703" cy="4525963"/>
-          </a:xfrm>
-          <a:prstGeom prst="rect">
-            <a:avLst/>
-          </a:prstGeom>
-          <a:noFill/>
-        </p:spPr>
-      </p:pic>
-    </p:spTree>
-  </p:cSld>
-  <p:clrMapOvr>
-    <a:masterClrMapping/>
-  </p:clrMapOvr>
-</p:sld>
-</file>
-
-<file path=ppt/slides/slide30.xml><?xml version="1.0" encoding="utf-8"?>
-<p:sld xmlns:a="http://schemas.openxmlformats.org/drawingml/2006/main" xmlns:r="http://schemas.openxmlformats.org/officeDocument/2006/relationships" xmlns:p="http://schemas.openxmlformats.org/presentationml/2006/main">
-  <p:cSld>
-    <p:spTree>
-      <p:nvGrpSpPr>
-        <p:cNvPr id="1" name=""/>
-        <p:cNvGrpSpPr/>
-        <p:nvPr/>
-      </p:nvGrpSpPr>
-      <p:grpSpPr>
-        <a:xfrm>
-          <a:off x="0" y="0"/>
-          <a:ext cx="0" cy="0"/>
-          <a:chOff x="0" y="0"/>
-          <a:chExt cx="0" cy="0"/>
-        </a:xfrm>
-      </p:grpSpPr>
-      <p:sp>
-        <p:nvSpPr>
-          <p:cNvPr id="2" name="Title 1"/>
-          <p:cNvSpPr>
-            <a:spLocks noGrp="1"/>
-          </p:cNvSpPr>
-          <p:nvPr>
-            <p:ph type="title"/>
-          </p:nvPr>
-        </p:nvSpPr>
-        <p:spPr/>
-        <p:txBody>
-          <a:bodyPr>
-            <a:normAutofit/>
-          </a:bodyPr>
-          <a:lstStyle/>
-          <a:p>
-            <a:r>
-              <a:rPr lang="en-US" dirty="0" err="1" smtClean="0"/>
-              <a:t>Ot</a:t>
-            </a:r>
-            <a:r>
-              <a:rPr lang="sk-SK" dirty="0" smtClean="0"/>
-              <a:t>ázky</a:t>
-            </a:r>
-            <a:r>
-              <a:rPr lang="en-US" dirty="0" smtClean="0"/>
-              <a:t>?</a:t>
-            </a:r>
-            <a:endParaRPr lang="en-US" dirty="0"/>
-          </a:p>
-        </p:txBody>
-      </p:sp>
-      <p:sp>
-        <p:nvSpPr>
-          <p:cNvPr id="3" name="Content Placeholder 2"/>
-          <p:cNvSpPr>
-            <a:spLocks noGrp="1"/>
-          </p:cNvSpPr>
-          <p:nvPr>
-            <p:ph idx="1"/>
-          </p:nvPr>
-        </p:nvSpPr>
-        <p:spPr>
-          <a:xfrm>
-            <a:off x="457200" y="1143000"/>
-            <a:ext cx="8229600" cy="5562600"/>
-          </a:xfrm>
-        </p:spPr>
-        <p:txBody>
-          <a:bodyPr>
-            <a:noAutofit/>
-          </a:bodyPr>
-          <a:lstStyle/>
-          <a:p>
-            <a:r>
-              <a:rPr lang="sk-SK" sz="1800" dirty="0" smtClean="0"/>
-              <a:t>Motivácia</a:t>
-            </a:r>
-            <a:endParaRPr lang="en-US" sz="1800" dirty="0" smtClean="0"/>
-          </a:p>
-          <a:p>
-            <a:r>
-              <a:rPr lang="sk-SK" sz="1800" dirty="0" smtClean="0"/>
-              <a:t>Informačná bezpečnosť</a:t>
-            </a:r>
-          </a:p>
-          <a:p>
-            <a:r>
-              <a:rPr lang="sk-SK" sz="1800" dirty="0" smtClean="0"/>
-              <a:t>Typy útokov</a:t>
-            </a:r>
-            <a:endParaRPr lang="en-US" sz="1800" dirty="0" smtClean="0"/>
-          </a:p>
-          <a:p>
-            <a:r>
-              <a:rPr lang="en-US" sz="1800" dirty="0" err="1" smtClean="0"/>
-              <a:t>Aktu</a:t>
-            </a:r>
-            <a:r>
-              <a:rPr lang="sk-SK" sz="1800" dirty="0" smtClean="0"/>
-              <a:t>álny s</a:t>
-            </a:r>
-            <a:r>
-              <a:rPr lang="en-US" sz="1800" dirty="0" err="1" smtClean="0"/>
-              <a:t>tav</a:t>
-            </a:r>
-            <a:r>
-              <a:rPr lang="en-US" sz="1800" dirty="0" smtClean="0"/>
-              <a:t> </a:t>
-            </a:r>
-            <a:r>
-              <a:rPr lang="sk-SK" sz="1800" dirty="0" smtClean="0"/>
-              <a:t>vo WPAN 802.15</a:t>
-            </a:r>
-            <a:endParaRPr lang="en-US" sz="1800" dirty="0" smtClean="0"/>
-          </a:p>
-          <a:p>
-            <a:r>
-              <a:rPr lang="sk-SK" sz="1800" dirty="0" smtClean="0"/>
-              <a:t>Navrhnuté riešenie</a:t>
-            </a:r>
-          </a:p>
-          <a:p>
-            <a:r>
-              <a:rPr lang="sk-SK" sz="1800" dirty="0" smtClean="0"/>
-              <a:t>Implementácia</a:t>
-            </a:r>
-            <a:endParaRPr lang="en-US" sz="1800" dirty="0" smtClean="0"/>
-          </a:p>
-          <a:p>
-            <a:pPr lvl="1">
-              <a:spcBef>
-                <a:spcPts val="100"/>
-              </a:spcBef>
-            </a:pPr>
-            <a:r>
-              <a:rPr lang="sk-SK" sz="1800" dirty="0" smtClean="0"/>
-              <a:t>Komunikačný protokol</a:t>
-            </a:r>
-            <a:endParaRPr lang="en-US" sz="1800" dirty="0" smtClean="0"/>
-          </a:p>
-          <a:p>
-            <a:pPr lvl="1">
-              <a:spcBef>
-                <a:spcPts val="100"/>
-              </a:spcBef>
-            </a:pPr>
-            <a:r>
-              <a:rPr lang="en-US" sz="1800" dirty="0" smtClean="0"/>
-              <a:t>RF k</a:t>
-            </a:r>
-            <a:r>
-              <a:rPr lang="sk-SK" sz="1800" dirty="0" smtClean="0"/>
-              <a:t>omuniká</a:t>
-            </a:r>
-            <a:r>
-              <a:rPr lang="en-US" sz="1800" dirty="0" err="1" smtClean="0"/>
-              <a:t>cia</a:t>
-            </a:r>
-            <a:endParaRPr lang="en-US" sz="1800" i="1" dirty="0" smtClean="0"/>
-          </a:p>
-          <a:p>
-            <a:pPr lvl="1">
-              <a:spcBef>
-                <a:spcPts val="100"/>
-              </a:spcBef>
-            </a:pPr>
-            <a:r>
-              <a:rPr lang="en-US" sz="1800" dirty="0" smtClean="0"/>
-              <a:t>Segment</a:t>
-            </a:r>
-            <a:r>
-              <a:rPr lang="sk-SK" sz="1800" dirty="0" smtClean="0"/>
-              <a:t>ácia správ </a:t>
-            </a:r>
-          </a:p>
-          <a:p>
-            <a:pPr lvl="1">
-              <a:spcBef>
-                <a:spcPts val="100"/>
-              </a:spcBef>
-            </a:pPr>
-            <a:r>
-              <a:rPr lang="sk-SK" sz="1800" dirty="0" smtClean="0"/>
-              <a:t>SW AES-128 a HW AES-128</a:t>
-            </a:r>
-            <a:endParaRPr lang="en-US" sz="1800" dirty="0" smtClean="0"/>
-          </a:p>
-          <a:p>
-            <a:pPr lvl="1">
-              <a:spcBef>
-                <a:spcPts val="100"/>
-              </a:spcBef>
-            </a:pPr>
-            <a:r>
-              <a:rPr lang="sk-SK" sz="1800" dirty="0" smtClean="0"/>
-              <a:t>ISO7816, APDU, blok dát, UART</a:t>
-            </a:r>
-            <a:endParaRPr lang="en-US" sz="1800" dirty="0" smtClean="0"/>
-          </a:p>
-          <a:p>
-            <a:pPr lvl="1">
-              <a:spcBef>
-                <a:spcPts val="100"/>
-              </a:spcBef>
-            </a:pPr>
-            <a:r>
-              <a:rPr lang="sk-SK" sz="1800" dirty="0" smtClean="0"/>
-              <a:t>Schémy, DPS</a:t>
-            </a:r>
-            <a:endParaRPr lang="en-US" sz="1800" dirty="0" smtClean="0"/>
-          </a:p>
-          <a:p>
-            <a:pPr lvl="1">
-              <a:spcBef>
-                <a:spcPts val="100"/>
-              </a:spcBef>
-            </a:pPr>
-            <a:r>
-              <a:rPr lang="sk-SK" sz="1800" dirty="0" smtClean="0"/>
-              <a:t>JavaCard</a:t>
-            </a:r>
-            <a:endParaRPr lang="en-US" sz="1800" dirty="0" smtClean="0"/>
-          </a:p>
-          <a:p>
-            <a:pPr lvl="1">
-              <a:spcBef>
-                <a:spcPts val="100"/>
-              </a:spcBef>
-            </a:pPr>
-            <a:r>
-              <a:rPr lang="sk-SK" sz="1800" dirty="0" smtClean="0"/>
-              <a:t>K</a:t>
-            </a:r>
-            <a:r>
-              <a:rPr lang="en-US" sz="1800" dirty="0" err="1" smtClean="0"/>
-              <a:t>onzola</a:t>
-            </a:r>
-            <a:endParaRPr lang="en-US" sz="1800" dirty="0" smtClean="0"/>
-          </a:p>
-          <a:p>
-            <a:r>
-              <a:rPr lang="sk-SK" sz="1800" dirty="0" smtClean="0"/>
-              <a:t>Testovanie </a:t>
-            </a:r>
-            <a:r>
-              <a:rPr lang="sk-SK" sz="1800" dirty="0" smtClean="0"/>
-              <a:t>a </a:t>
-            </a:r>
-            <a:r>
-              <a:rPr lang="sk-SK" sz="1800" dirty="0" smtClean="0"/>
-              <a:t>vyhodnotenie</a:t>
-            </a:r>
-            <a:endParaRPr lang="en-US" sz="1800" dirty="0" smtClean="0"/>
-          </a:p>
-          <a:p>
-            <a:r>
-              <a:rPr lang="sk-SK" sz="1800" dirty="0" smtClean="0"/>
-              <a:t>Sebakritika</a:t>
-            </a:r>
-            <a:endParaRPr lang="en-US" sz="1800" dirty="0" smtClean="0"/>
-          </a:p>
-          <a:p>
-            <a:r>
-              <a:rPr lang="en-US" sz="1800" dirty="0" smtClean="0"/>
-              <a:t>Z</a:t>
-            </a:r>
-            <a:r>
-              <a:rPr lang="sk-SK" sz="1800" dirty="0" smtClean="0"/>
-              <a:t>áver</a:t>
-            </a:r>
-            <a:endParaRPr lang="en-US" sz="1800" dirty="0" smtClean="0"/>
-          </a:p>
-          <a:p>
-            <a:r>
-              <a:rPr lang="sk-SK" sz="1800" dirty="0" smtClean="0"/>
-              <a:t>Plány do budúcna</a:t>
-            </a:r>
-            <a:endParaRPr lang="en-US" sz="1800" dirty="0"/>
-          </a:p>
-        </p:txBody>
-      </p:sp>
-      <p:sp>
-        <p:nvSpPr>
-          <p:cNvPr id="4" name="Slide Number Placeholder 3"/>
-          <p:cNvSpPr>
-            <a:spLocks noGrp="1"/>
-          </p:cNvSpPr>
-          <p:nvPr>
-            <p:ph type="sldNum" sz="quarter" idx="12"/>
-          </p:nvPr>
-        </p:nvSpPr>
-        <p:spPr/>
-        <p:txBody>
-          <a:bodyPr/>
-          <a:lstStyle/>
-          <a:p>
-            <a:fld id="{8C584B50-B360-452D-AFC7-DEF83B5F5806}" type="slidenum">
-              <a:rPr lang="en-US" smtClean="0"/>
-              <a:pPr/>
-              <a:t>30</a:t>
-            </a:fld>
-            <a:endParaRPr lang="en-US"/>
-          </a:p>
-        </p:txBody>
-      </p:sp>
-    </p:spTree>
-  </p:cSld>
-  <p:clrMapOvr>
-    <a:masterClrMapping/>
-  </p:clrMapOvr>
-</p:sld>
-</file>
-
-<file path=ppt/slides/slide31.xml><?xml version="1.0" encoding="utf-8"?>
-<p:sld xmlns:a="http://schemas.openxmlformats.org/drawingml/2006/main" xmlns:r="http://schemas.openxmlformats.org/officeDocument/2006/relationships" xmlns:p="http://schemas.openxmlformats.org/presentationml/2006/main">
-  <p:cSld>
-    <p:spTree>
-      <p:nvGrpSpPr>
-        <p:cNvPr id="1" name=""/>
-        <p:cNvGrpSpPr/>
-        <p:nvPr/>
-      </p:nvGrpSpPr>
-      <p:grpSpPr>
-        <a:xfrm>
-          <a:off x="0" y="0"/>
-          <a:ext cx="0" cy="0"/>
-          <a:chOff x="0" y="0"/>
-          <a:chExt cx="0" cy="0"/>
-        </a:xfrm>
-      </p:grpSpPr>
-      <p:sp>
-        <p:nvSpPr>
-          <p:cNvPr id="2" name="Title 1"/>
-          <p:cNvSpPr>
-            <a:spLocks noGrp="1"/>
-          </p:cNvSpPr>
-          <p:nvPr>
-            <p:ph type="title"/>
-          </p:nvPr>
-        </p:nvSpPr>
-        <p:spPr/>
-        <p:txBody>
-          <a:bodyPr>
-            <a:normAutofit/>
-          </a:bodyPr>
-          <a:lstStyle/>
-          <a:p>
-            <a:r>
-              <a:rPr lang="sk-SK" dirty="0" smtClean="0"/>
-              <a:t>Používané technológie</a:t>
-            </a:r>
-            <a:endParaRPr lang="en-US" dirty="0"/>
-          </a:p>
-        </p:txBody>
-      </p:sp>
-      <p:sp>
-        <p:nvSpPr>
-          <p:cNvPr id="3" name="Content Placeholder 2"/>
-          <p:cNvSpPr>
-            <a:spLocks noGrp="1"/>
-          </p:cNvSpPr>
-          <p:nvPr>
-            <p:ph idx="1"/>
-          </p:nvPr>
-        </p:nvSpPr>
-        <p:spPr/>
-        <p:txBody>
-          <a:bodyPr/>
-          <a:lstStyle/>
-          <a:p>
-            <a:r>
-              <a:rPr lang="sk-SK" dirty="0" smtClean="0"/>
-              <a:t>Viac m</a:t>
-            </a:r>
-            <a:r>
-              <a:rPr lang="en-US" dirty="0" err="1" smtClean="0"/>
-              <a:t>arketing</a:t>
-            </a:r>
-            <a:r>
-              <a:rPr lang="en-US" dirty="0" smtClean="0"/>
-              <a:t> ako </a:t>
-            </a:r>
-            <a:r>
-              <a:rPr lang="en-US" dirty="0" err="1" smtClean="0"/>
-              <a:t>technol</a:t>
-            </a:r>
-            <a:r>
-              <a:rPr lang="sk-SK" dirty="0" smtClean="0"/>
-              <a:t>ógie</a:t>
-            </a:r>
-            <a:r>
-              <a:rPr lang="en-US" dirty="0" smtClean="0"/>
-              <a:t> a </a:t>
-            </a:r>
-            <a:r>
-              <a:rPr lang="en-US" dirty="0" err="1" smtClean="0"/>
-              <a:t>parametre</a:t>
-            </a:r>
-            <a:r>
-              <a:rPr lang="en-US" dirty="0" smtClean="0"/>
-              <a:t>:</a:t>
-            </a:r>
-            <a:endParaRPr lang="en-US" dirty="0" smtClean="0"/>
-          </a:p>
-          <a:p>
-            <a:pPr lvl="1"/>
-            <a:r>
-              <a:rPr lang="sk-SK" dirty="0" smtClean="0"/>
-              <a:t>iControl Networks</a:t>
-            </a:r>
-            <a:r>
-              <a:rPr lang="en-US" dirty="0" smtClean="0"/>
-              <a:t>:</a:t>
-            </a:r>
-            <a:r>
-              <a:rPr lang="sk-SK" dirty="0" smtClean="0"/>
-              <a:t> </a:t>
-            </a:r>
-            <a:r>
-              <a:rPr lang="en-US" dirty="0" err="1" smtClean="0"/>
-              <a:t>ZigBee</a:t>
-            </a:r>
-            <a:r>
-              <a:rPr lang="en-US" dirty="0" smtClean="0"/>
-              <a:t>, Z-Wave</a:t>
-            </a:r>
-          </a:p>
-          <a:p>
-            <a:pPr lvl="1"/>
-            <a:r>
-              <a:rPr lang="en-US" dirty="0" err="1" smtClean="0"/>
-              <a:t>BeeWi</a:t>
-            </a:r>
-            <a:r>
-              <a:rPr lang="en-US" dirty="0" smtClean="0"/>
-              <a:t>: Bluetooth</a:t>
-            </a:r>
-            <a:endParaRPr lang="sk-SK" dirty="0" smtClean="0"/>
-          </a:p>
-          <a:p>
-            <a:pPr lvl="1"/>
-            <a:r>
-              <a:rPr lang="sk-SK" dirty="0" smtClean="0"/>
-              <a:t>Samsung SmartThings hub</a:t>
-            </a:r>
-            <a:r>
-              <a:rPr lang="en-US" dirty="0" smtClean="0"/>
-              <a:t>: </a:t>
-            </a:r>
-            <a:r>
-              <a:rPr lang="en-US" dirty="0" err="1" smtClean="0"/>
-              <a:t>WiFi</a:t>
-            </a:r>
-            <a:r>
-              <a:rPr lang="en-US" dirty="0" smtClean="0"/>
-              <a:t>, Z-Wave, LAN, </a:t>
-            </a:r>
-            <a:r>
-              <a:rPr lang="en-US" dirty="0" err="1" smtClean="0"/>
-              <a:t>ZigBee</a:t>
-            </a:r>
-            <a:endParaRPr lang="en-US" dirty="0"/>
-          </a:p>
-        </p:txBody>
-      </p:sp>
-      <p:sp>
-        <p:nvSpPr>
-          <p:cNvPr id="4" name="Slide Number Placeholder 3"/>
-          <p:cNvSpPr>
-            <a:spLocks noGrp="1"/>
-          </p:cNvSpPr>
-          <p:nvPr>
-            <p:ph type="sldNum" sz="quarter" idx="12"/>
-          </p:nvPr>
-        </p:nvSpPr>
-        <p:spPr/>
-        <p:txBody>
-          <a:bodyPr/>
-          <a:lstStyle/>
-          <a:p>
-            <a:fld id="{8C584B50-B360-452D-AFC7-DEF83B5F5806}" type="slidenum">
-              <a:rPr lang="en-US" smtClean="0"/>
-              <a:pPr/>
-              <a:t>31</a:t>
-            </a:fld>
-            <a:endParaRPr lang="en-US"/>
-          </a:p>
-        </p:txBody>
-      </p:sp>
-    </p:spTree>
-  </p:cSld>
-  <p:clrMapOvr>
-    <a:masterClrMapping/>
-  </p:clrMapOvr>
-</p:sld>
-</file>
-
-<file path=ppt/slides/slide32.xml><?xml version="1.0" encoding="utf-8"?>
-<p:sld xmlns:a="http://schemas.openxmlformats.org/drawingml/2006/main" xmlns:r="http://schemas.openxmlformats.org/officeDocument/2006/relationships" xmlns:p="http://schemas.openxmlformats.org/presentationml/2006/main">
-  <p:cSld>
-    <p:spTree>
-      <p:nvGrpSpPr>
-        <p:cNvPr id="1" name=""/>
-        <p:cNvGrpSpPr/>
-        <p:nvPr/>
-      </p:nvGrpSpPr>
-      <p:grpSpPr>
-        <a:xfrm>
-          <a:off x="0" y="0"/>
-          <a:ext cx="0" cy="0"/>
-          <a:chOff x="0" y="0"/>
-          <a:chExt cx="0" cy="0"/>
-        </a:xfrm>
-      </p:grpSpPr>
-      <p:sp>
-        <p:nvSpPr>
-          <p:cNvPr id="2" name="Title 1"/>
-          <p:cNvSpPr>
-            <a:spLocks noGrp="1"/>
-          </p:cNvSpPr>
-          <p:nvPr>
-            <p:ph type="title"/>
-          </p:nvPr>
-        </p:nvSpPr>
-        <p:spPr/>
-        <p:txBody>
-          <a:bodyPr>
-            <a:normAutofit/>
-          </a:bodyPr>
-          <a:lstStyle/>
-          <a:p>
-            <a:r>
               <a:rPr lang="en-US" dirty="0" err="1" smtClean="0"/>
               <a:t>Odpor</a:t>
             </a:r>
@@ -10075,30 +10885,6 @@
               <a:t>GSM</a:t>
             </a:r>
             <a:endParaRPr lang="en-US" dirty="0"/>
-          </a:p>
-        </p:txBody>
-      </p:sp>
-      <p:sp>
-        <p:nvSpPr>
-          <p:cNvPr id="4" name="Slide Number Placeholder 3"/>
-          <p:cNvSpPr>
-            <a:spLocks noGrp="1"/>
-          </p:cNvSpPr>
-          <p:nvPr>
-            <p:ph type="sldNum" sz="quarter" idx="12"/>
-          </p:nvPr>
-        </p:nvSpPr>
-        <p:spPr/>
-        <p:txBody>
-          <a:bodyPr/>
-          <a:lstStyle/>
-          <a:p>
-            <a:fld id="{8C584B50-B360-452D-AFC7-DEF83B5F5806}" type="slidenum">
-              <a:rPr lang="en-US" smtClean="0"/>
-              <a:pPr/>
-              <a:t>32</a:t>
-            </a:fld>
-            <a:endParaRPr lang="en-US"/>
           </a:p>
         </p:txBody>
       </p:sp>
@@ -10200,7 +10986,7 @@
         </p:nvCxnSpPr>
         <p:spPr>
           <a:xfrm rot="5400000">
-            <a:off x="3771622" y="3543022"/>
+            <a:off x="4000222" y="3619222"/>
             <a:ext cx="3885406" cy="1350"/>
           </a:xfrm>
           <a:prstGeom prst="straightConnector1">
@@ -10235,8 +11021,8 @@
         </p:nvSpPr>
         <p:spPr>
           <a:xfrm>
-            <a:off x="5867400" y="1600200"/>
-            <a:ext cx="2971800" cy="4525963"/>
+            <a:off x="6096000" y="1798637"/>
+            <a:ext cx="2514600" cy="4525963"/>
           </a:xfrm>
           <a:prstGeom prst="rect">
             <a:avLst/>
@@ -10260,11 +11046,43 @@
               </a:spcAft>
               <a:buClrTx/>
               <a:buSzTx/>
-              <a:buFont typeface="Arial" pitchFamily="34" charset="0"/>
-              <a:buChar char="•"/>
               <a:tabLst/>
               <a:defRPr/>
             </a:pPr>
+            <a:r>
+              <a:rPr kumimoji="0" lang="sk-SK" sz="2800" b="0" i="0" u="none" strike="noStrike" kern="1200" cap="none" spc="0" normalizeH="0" baseline="0" noProof="0" dirty="0" smtClean="0">
+                <a:ln>
+                  <a:noFill/>
+                </a:ln>
+                <a:solidFill>
+                  <a:schemeClr val="tx1"/>
+                </a:solidFill>
+                <a:effectLst/>
+                <a:uLnTx/>
+                <a:uFillTx/>
+                <a:latin typeface="+mn-lt"/>
+                <a:ea typeface="+mn-ea"/>
+                <a:cs typeface="+mn-cs"/>
+              </a:rPr>
+              <a:t>Parametre</a:t>
+            </a:r>
+            <a:r>
+              <a:rPr kumimoji="0" lang="en-US" sz="2800" b="0" i="0" u="none" strike="noStrike" kern="1200" cap="none" spc="0" normalizeH="0" baseline="0" noProof="0" dirty="0" smtClean="0">
+                <a:ln>
+                  <a:noFill/>
+                </a:ln>
+                <a:solidFill>
+                  <a:schemeClr val="tx1"/>
+                </a:solidFill>
+                <a:effectLst/>
+                <a:uLnTx/>
+                <a:uFillTx/>
+                <a:latin typeface="+mn-lt"/>
+                <a:ea typeface="+mn-ea"/>
+                <a:cs typeface="+mn-cs"/>
+              </a:rPr>
+              <a:t>:</a:t>
+            </a:r>
             <a:endParaRPr kumimoji="0" lang="en-US" sz="2800" b="0" i="0" u="none" strike="noStrike" kern="1200" cap="none" spc="0" normalizeH="0" baseline="0" noProof="0" dirty="0" smtClean="0">
               <a:ln>
                 <a:noFill/>
@@ -10286,7 +11104,7 @@
                 <a:spcPct val="100000"/>
               </a:lnSpc>
               <a:spcBef>
-                <a:spcPts val="1700"/>
+                <a:spcPts val="1200"/>
               </a:spcBef>
               <a:spcAft>
                 <a:spcPts val="0"/>
@@ -10296,6 +11114,23 @@
               <a:tabLst/>
               <a:defRPr/>
             </a:pPr>
+            <a:r>
+              <a:rPr kumimoji="0" lang="en-US" sz="2800" b="0" i="0" u="none" strike="noStrike" kern="1200" cap="none" spc="0" normalizeH="0" baseline="0" noProof="0" dirty="0" smtClean="0">
+                <a:ln>
+                  <a:noFill/>
+                </a:ln>
+                <a:solidFill>
+                  <a:schemeClr val="tx1"/>
+                </a:solidFill>
+                <a:effectLst/>
+                <a:uLnTx/>
+                <a:uFillTx/>
+                <a:latin typeface="+mn-lt"/>
+                <a:ea typeface="+mn-ea"/>
+                <a:cs typeface="+mn-cs"/>
+              </a:rPr>
+              <a:t>	</a:t>
+            </a:r>
             <a:r>
               <a:rPr kumimoji="0" lang="sk-SK" sz="2800" b="0" i="0" u="none" strike="noStrike" kern="1200" cap="none" spc="0" normalizeH="0" baseline="0" noProof="0" dirty="0" smtClean="0">
                 <a:ln>
@@ -10354,7 +11189,7 @@
                 <a:spcPct val="100000"/>
               </a:lnSpc>
               <a:spcBef>
-                <a:spcPts val="1700"/>
+                <a:spcPts val="1200"/>
               </a:spcBef>
               <a:spcAft>
                 <a:spcPts val="0"/>
@@ -10365,17 +11200,26 @@
               <a:defRPr/>
             </a:pPr>
             <a:r>
+              <a:rPr lang="en-US" sz="2800" dirty="0" smtClean="0"/>
+              <a:t>	</a:t>
+            </a:r>
+            <a:r>
               <a:rPr lang="sk-SK" sz="2800" dirty="0" smtClean="0"/>
               <a:t>Flexibilita</a:t>
             </a:r>
+            <a:endParaRPr lang="sk-SK" sz="2800" dirty="0" smtClean="0"/>
           </a:p>
           <a:p>
             <a:pPr marL="342900" indent="-342900">
               <a:spcBef>
-                <a:spcPts val="1700"/>
+                <a:spcPts val="1200"/>
               </a:spcBef>
             </a:pPr>
             <a:r>
+              <a:rPr lang="en-US" sz="2800" dirty="0" smtClean="0"/>
+              <a:t>	</a:t>
+            </a:r>
+            <a:r>
               <a:rPr lang="sk-SK" sz="2800" dirty="0" smtClean="0"/>
               <a:t>Spotreba</a:t>
             </a:r>
@@ -10384,12 +11228,20 @@
           <a:p>
             <a:pPr marL="342900" indent="-342900">
               <a:spcBef>
-                <a:spcPts val="1700"/>
+                <a:spcPts val="1200"/>
               </a:spcBef>
             </a:pPr>
             <a:r>
+              <a:rPr lang="en-US" sz="2800" dirty="0" smtClean="0"/>
+              <a:t>	</a:t>
+            </a:r>
+            <a:r>
               <a:rPr lang="sk-SK" sz="2800" dirty="0" smtClean="0"/>
-              <a:t>Kom. rýchlosť</a:t>
+              <a:t>Kom</a:t>
+            </a:r>
+            <a:r>
+              <a:rPr lang="sk-SK" sz="2800" dirty="0" smtClean="0"/>
+              <a:t>. rýchlosť</a:t>
             </a:r>
           </a:p>
           <a:p>
@@ -10398,7 +11250,7 @@
                 <a:spcPct val="100000"/>
               </a:lnSpc>
               <a:spcBef>
-                <a:spcPts val="1700"/>
+                <a:spcPts val="1200"/>
               </a:spcBef>
               <a:spcAft>
                 <a:spcPts val="0"/>
@@ -10408,6 +11260,23 @@
               <a:tabLst/>
               <a:defRPr/>
             </a:pPr>
+            <a:r>
+              <a:rPr kumimoji="0" lang="en-US" sz="2800" b="0" i="0" u="none" strike="noStrike" kern="1200" cap="none" spc="0" normalizeH="0" baseline="0" noProof="0" dirty="0" smtClean="0">
+                <a:ln>
+                  <a:noFill/>
+                </a:ln>
+                <a:solidFill>
+                  <a:schemeClr val="tx1"/>
+                </a:solidFill>
+                <a:effectLst/>
+                <a:uLnTx/>
+                <a:uFillTx/>
+                <a:latin typeface="+mn-lt"/>
+                <a:ea typeface="+mn-ea"/>
+                <a:cs typeface="+mn-cs"/>
+              </a:rPr>
+              <a:t>	</a:t>
+            </a:r>
             <a:r>
               <a:rPr kumimoji="0" lang="sk-SK" sz="2800" b="0" i="0" u="none" strike="noStrike" kern="1200" cap="none" spc="0" normalizeH="0" baseline="0" noProof="0" dirty="0" smtClean="0">
                 <a:ln>
@@ -10425,6 +11294,20 @@
               </a:rPr>
               <a:t>Dosah</a:t>
             </a:r>
+            <a:endParaRPr kumimoji="0" lang="sk-SK" sz="2800" b="0" i="0" u="none" strike="noStrike" kern="1200" cap="none" spc="0" normalizeH="0" baseline="0" noProof="0" dirty="0" smtClean="0">
+              <a:ln>
+                <a:noFill/>
+              </a:ln>
+              <a:solidFill>
+                <a:schemeClr val="tx1"/>
+              </a:solidFill>
+              <a:effectLst/>
+              <a:uLnTx/>
+              <a:uFillTx/>
+              <a:latin typeface="+mn-lt"/>
+              <a:ea typeface="+mn-ea"/>
+              <a:cs typeface="+mn-cs"/>
+            </a:endParaRPr>
           </a:p>
         </p:txBody>
       </p:sp>
@@ -10433,10 +11316,17 @@
   <p:clrMapOvr>
     <a:masterClrMapping/>
   </p:clrMapOvr>
+  <p:timing>
+    <p:tnLst>
+      <p:par>
+        <p:cTn id="1" dur="indefinite" restart="never" nodeType="tmRoot"/>
+      </p:par>
+    </p:tnLst>
+  </p:timing>
 </p:sld>
 </file>
 
-<file path=ppt/slides/slide33.xml><?xml version="1.0" encoding="utf-8"?>
+<file path=ppt/slides/slide3.xml><?xml version="1.0" encoding="utf-8"?>
 <p:sld xmlns:a="http://schemas.openxmlformats.org/drawingml/2006/main" xmlns:r="http://schemas.openxmlformats.org/officeDocument/2006/relationships" xmlns:p="http://schemas.openxmlformats.org/presentationml/2006/main">
   <p:cSld>
     <p:spTree>
@@ -10465,20 +11355,13 @@
         </p:nvSpPr>
         <p:spPr/>
         <p:txBody>
-          <a:bodyPr>
-            <a:normAutofit/>
-          </a:bodyPr>
-          <a:lstStyle/>
-          <a:p>
-            <a:r>
-              <a:rPr lang="sk-SK" dirty="0" smtClean="0"/>
-              <a:t>Prečo komunikačný protokol ANT</a:t>
-            </a:r>
-            <a:r>
-              <a:rPr lang="en-US" dirty="0" smtClean="0"/>
-              <a:t>?</a:t>
-            </a:r>
-            <a:endParaRPr lang="en-US" dirty="0"/>
+          <a:bodyPr/>
+          <a:lstStyle/>
+          <a:p>
+            <a:r>
+              <a:rPr lang="sk-SK" dirty="0" smtClean="0"/>
+              <a:t>Informačná bezpečnosť</a:t>
+            </a:r>
           </a:p>
         </p:txBody>
       </p:sp>
@@ -10497,54 +11380,7 @@
           <a:bodyPr/>
           <a:lstStyle/>
           <a:p>
-            <a:r>
-              <a:rPr lang="sk-SK" dirty="0" smtClean="0"/>
-              <a:t>Nutné na niečom overiť riešenie, fyzické výsledky</a:t>
-            </a:r>
-            <a:endParaRPr lang="en-US" dirty="0" smtClean="0"/>
-          </a:p>
-          <a:p>
-            <a:endParaRPr lang="en-US" dirty="0" smtClean="0"/>
-          </a:p>
-          <a:p>
-            <a:r>
-              <a:rPr lang="sk-SK" dirty="0" smtClean="0"/>
-              <a:t>g</a:t>
-            </a:r>
-            <a:r>
-              <a:rPr lang="en-US" dirty="0" err="1" smtClean="0"/>
-              <a:t>enerick</a:t>
-            </a:r>
-            <a:r>
-              <a:rPr lang="sk-SK" dirty="0" smtClean="0"/>
-              <a:t>é riešenie (</a:t>
-            </a:r>
-            <a:r>
-              <a:rPr lang="sk-SK" dirty="0" smtClean="0"/>
-              <a:t>rôznorodosť</a:t>
-            </a:r>
-            <a:r>
-              <a:rPr lang="sk-SK" dirty="0" smtClean="0"/>
-              <a:t>)</a:t>
-            </a:r>
-          </a:p>
-          <a:p>
-            <a:r>
-              <a:rPr lang="sk-SK" dirty="0" smtClean="0"/>
-              <a:t>vždy bude nutnosť optimalizácie na HW</a:t>
-            </a:r>
-          </a:p>
-          <a:p>
             <a:endParaRPr lang="sk-SK" dirty="0" smtClean="0"/>
-          </a:p>
-          <a:p>
-            <a:r>
-              <a:rPr lang="sk-SK" dirty="0" smtClean="0"/>
-              <a:t>bol po ruke</a:t>
-            </a:r>
-          </a:p>
-          <a:p>
-            <a:endParaRPr lang="en-US" dirty="0"/>
           </a:p>
         </p:txBody>
       </p:sp>
@@ -10566,21 +11402,58 @@
             <a:fld id="{8C584B50-B360-452D-AFC7-DEF83B5F5806}" type="slidenum">
               <a:rPr lang="en-US" smtClean="0"/>
               <a:pPr/>
-              <a:t>33</a:t>
+              <a:t>3</a:t>
             </a:fld>
-            <a:endParaRPr lang="en-US"/>
-          </a:p>
-        </p:txBody>
-      </p:sp>
+            <a:r>
+              <a:rPr lang="en-US" dirty="0" smtClean="0"/>
+              <a:t>/26</a:t>
+            </a:r>
+            <a:endParaRPr lang="en-US" dirty="0"/>
+          </a:p>
+        </p:txBody>
+      </p:sp>
+      <p:pic>
+        <p:nvPicPr>
+          <p:cNvPr id="6" name="Picture 2" descr="C:\Lukas\Skola\FIIT\8. semester\DPII\Obrazky\a_CIA.png"/>
+          <p:cNvPicPr>
+            <a:picLocks noChangeAspect="1" noChangeArrowheads="1"/>
+          </p:cNvPicPr>
+          <p:nvPr/>
+        </p:nvPicPr>
+        <p:blipFill>
+          <a:blip r:embed="rId3"/>
+          <a:srcRect/>
+          <a:stretch>
+            <a:fillRect/>
+          </a:stretch>
+        </p:blipFill>
+        <p:spPr bwMode="auto">
+          <a:xfrm>
+            <a:off x="2057400" y="1600200"/>
+            <a:ext cx="5168703" cy="4525963"/>
+          </a:xfrm>
+          <a:prstGeom prst="rect">
+            <a:avLst/>
+          </a:prstGeom>
+          <a:noFill/>
+        </p:spPr>
+      </p:pic>
     </p:spTree>
   </p:cSld>
   <p:clrMapOvr>
     <a:masterClrMapping/>
   </p:clrMapOvr>
+  <p:timing>
+    <p:tnLst>
+      <p:par>
+        <p:cTn id="1" dur="indefinite" restart="never" nodeType="tmRoot"/>
+      </p:par>
+    </p:tnLst>
+  </p:timing>
 </p:sld>
 </file>
 
-<file path=ppt/slides/slide34.xml><?xml version="1.0" encoding="utf-8"?>
+<file path=ppt/slides/slide30.xml><?xml version="1.0" encoding="utf-8"?>
 <p:sld xmlns:a="http://schemas.openxmlformats.org/drawingml/2006/main" xmlns:r="http://schemas.openxmlformats.org/officeDocument/2006/relationships" xmlns:p="http://schemas.openxmlformats.org/presentationml/2006/main">
   <p:cSld>
     <p:spTree>
@@ -10616,7 +11489,11 @@
           <a:p>
             <a:r>
               <a:rPr lang="sk-SK" dirty="0" smtClean="0"/>
-              <a:t>Najčastejšie dôvody porúch </a:t>
+              <a:t>Prečo komunikačný protokol ANT</a:t>
+            </a:r>
+            <a:r>
+              <a:rPr lang="en-US" dirty="0" smtClean="0"/>
+              <a:t>?</a:t>
             </a:r>
             <a:endParaRPr lang="en-US" dirty="0"/>
           </a:p>
@@ -10634,114 +11511,95 @@
         </p:nvSpPr>
         <p:spPr/>
         <p:txBody>
-          <a:bodyPr>
-            <a:normAutofit/>
-          </a:bodyPr>
-          <a:lstStyle/>
-          <a:p>
-            <a:r>
-              <a:rPr lang="sk-SK" dirty="0" smtClean="0"/>
-              <a:t>predpoklad že najmä kvôli </a:t>
-            </a:r>
-          </a:p>
-          <a:p>
-            <a:pPr lvl="1"/>
-            <a:r>
-              <a:rPr lang="sk-SK" dirty="0" smtClean="0"/>
-              <a:t>komunikáci</a:t>
-            </a:r>
-            <a:r>
-              <a:rPr lang="en-US" dirty="0" smtClean="0"/>
-              <a:t>a</a:t>
-            </a:r>
-            <a:r>
-              <a:rPr lang="sk-SK" dirty="0" smtClean="0"/>
-              <a:t> s kryptoelementom (atomicky)</a:t>
-            </a:r>
-          </a:p>
-          <a:p>
-            <a:pPr lvl="1"/>
-            <a:r>
-              <a:rPr lang="sk-SK" dirty="0" smtClean="0"/>
-              <a:t>zmeškanie časového okna pre posielanie</a:t>
-            </a:r>
-            <a:r>
-              <a:rPr lang="en-US" dirty="0" smtClean="0"/>
-              <a:t>: </a:t>
+          <a:bodyPr/>
+          <a:lstStyle/>
+          <a:p>
+            <a:r>
+              <a:rPr lang="sk-SK" dirty="0" smtClean="0"/>
+              <a:t>nutné </a:t>
+            </a:r>
+            <a:r>
+              <a:rPr lang="sk-SK" dirty="0" smtClean="0"/>
+              <a:t>na niečom overiť </a:t>
+            </a:r>
+            <a:r>
+              <a:rPr lang="sk-SK" dirty="0" smtClean="0"/>
+              <a:t>riešenie a získať </a:t>
+            </a:r>
+            <a:r>
+              <a:rPr lang="sk-SK" dirty="0" smtClean="0"/>
+              <a:t>fyzické výsledky</a:t>
+            </a:r>
+            <a:endParaRPr lang="en-US" dirty="0" smtClean="0"/>
+          </a:p>
+          <a:p>
+            <a:endParaRPr lang="en-US" dirty="0" smtClean="0"/>
+          </a:p>
+          <a:p>
+            <a:r>
+              <a:rPr lang="sk-SK" dirty="0" smtClean="0"/>
+              <a:t>g</a:t>
             </a:r>
             <a:r>
               <a:rPr lang="en-US" dirty="0" err="1" smtClean="0"/>
-              <a:t>rozsynchronizovanie</a:t>
-            </a:r>
-            <a:r>
-              <a:rPr lang="en-US" dirty="0" smtClean="0"/>
+              <a:t>enerick</a:t>
+            </a:r>
+            <a:r>
+              <a:rPr lang="sk-SK" dirty="0" smtClean="0"/>
+              <a:t>ý návrh</a:t>
+            </a:r>
+            <a:r>
+              <a:rPr lang="sk-SK" dirty="0" smtClean="0"/>
               <a:t> </a:t>
             </a:r>
             <a:r>
+              <a:rPr lang="sk-SK" dirty="0" smtClean="0"/>
+              <a:t>(rôznorodosť</a:t>
+            </a:r>
+            <a:r>
+              <a:rPr lang="sk-SK" dirty="0" smtClean="0"/>
+              <a:t>),</a:t>
+            </a:r>
+            <a:endParaRPr lang="sk-SK" dirty="0" smtClean="0"/>
+          </a:p>
+          <a:p>
+            <a:r>
+              <a:rPr lang="sk-SK" dirty="0" smtClean="0"/>
+              <a:t>IoT, WSN, vždy </a:t>
+            </a:r>
+            <a:r>
+              <a:rPr lang="sk-SK" dirty="0" smtClean="0"/>
+              <a:t>bude </a:t>
+            </a:r>
+            <a:r>
+              <a:rPr lang="sk-SK" dirty="0" smtClean="0"/>
+              <a:t>nutnosť optimalizácie </a:t>
+            </a:r>
+            <a:r>
+              <a:rPr lang="sk-SK" dirty="0" smtClean="0"/>
+              <a:t>na HW</a:t>
+            </a:r>
+          </a:p>
+          <a:p>
+            <a:endParaRPr lang="sk-SK" dirty="0" smtClean="0"/>
+          </a:p>
+          <a:p>
+            <a:r>
+              <a:rPr lang="sk-SK" dirty="0" smtClean="0"/>
+              <a:t>bol </a:t>
+            </a:r>
+            <a:r>
               <a:rPr lang="en-US" dirty="0" err="1" smtClean="0"/>
-              <a:t>protokolu</a:t>
+              <a:t>dostupn</a:t>
+            </a:r>
+            <a:r>
+              <a:rPr lang="sk-SK" dirty="0" smtClean="0"/>
+              <a:t>ý</a:t>
             </a:r>
             <a:endParaRPr lang="sk-SK" dirty="0" smtClean="0"/>
           </a:p>
           <a:p>
-            <a:endParaRPr lang="sk-SK" dirty="0" smtClean="0"/>
-          </a:p>
-          <a:p>
-            <a:r>
-              <a:rPr lang="sk-SK" dirty="0" smtClean="0"/>
-              <a:t>Protiopatrenia</a:t>
-            </a:r>
-          </a:p>
-          <a:p>
-            <a:pPr lvl="1"/>
-            <a:r>
-              <a:rPr lang="sk-SK" dirty="0" smtClean="0"/>
-              <a:t>pred-pripravovanie </a:t>
-            </a:r>
-            <a:r>
-              <a:rPr lang="sk-SK" dirty="0" smtClean="0"/>
-              <a:t>dát, posielanie neskôr</a:t>
-            </a:r>
-          </a:p>
-          <a:p>
-            <a:pPr lvl="1"/>
-            <a:r>
-              <a:rPr lang="sk-SK" dirty="0" smtClean="0"/>
-              <a:t>SoftDevice</a:t>
-            </a:r>
-            <a:r>
-              <a:rPr lang="en-US" dirty="0" smtClean="0"/>
-              <a:t>: </a:t>
-            </a:r>
-            <a:r>
-              <a:rPr lang="sk-SK" dirty="0" smtClean="0"/>
-              <a:t>kontrola, či sa nič neposiela</a:t>
-            </a:r>
             <a:endParaRPr lang="en-US" dirty="0"/>
-          </a:p>
-        </p:txBody>
-      </p:sp>
-      <p:sp>
-        <p:nvSpPr>
-          <p:cNvPr id="4" name="Slide Number Placeholder 3"/>
-          <p:cNvSpPr>
-            <a:spLocks noGrp="1"/>
-          </p:cNvSpPr>
-          <p:nvPr>
-            <p:ph type="sldNum" sz="quarter" idx="12"/>
-          </p:nvPr>
-        </p:nvSpPr>
-        <p:spPr/>
-        <p:txBody>
-          <a:bodyPr/>
-          <a:lstStyle/>
-          <a:p>
-            <a:fld id="{8C584B50-B360-452D-AFC7-DEF83B5F5806}" type="slidenum">
-              <a:rPr lang="en-US" smtClean="0"/>
-              <a:pPr/>
-              <a:t>34</a:t>
-            </a:fld>
-            <a:endParaRPr lang="en-US"/>
           </a:p>
         </p:txBody>
       </p:sp>
@@ -10753,7 +11611,7 @@
 </p:sld>
 </file>
 
-<file path=ppt/slides/slide35.xml><?xml version="1.0" encoding="utf-8"?>
+<file path=ppt/slides/slide31.xml><?xml version="1.0" encoding="utf-8"?>
 <p:sld xmlns:a="http://schemas.openxmlformats.org/drawingml/2006/main" xmlns:r="http://schemas.openxmlformats.org/officeDocument/2006/relationships" xmlns:p="http://schemas.openxmlformats.org/presentationml/2006/main">
   <p:cSld>
     <p:spTree>
@@ -10797,25 +11655,196 @@
       </p:sp>
       <p:sp>
         <p:nvSpPr>
-          <p:cNvPr id="4" name="Slide Number Placeholder 3"/>
-          <p:cNvSpPr>
-            <a:spLocks noGrp="1"/>
-          </p:cNvSpPr>
-          <p:nvPr>
-            <p:ph type="sldNum" sz="quarter" idx="12"/>
-          </p:nvPr>
-        </p:nvSpPr>
-        <p:spPr/>
-        <p:txBody>
-          <a:bodyPr/>
-          <a:lstStyle/>
-          <a:p>
-            <a:fld id="{8C584B50-B360-452D-AFC7-DEF83B5F5806}" type="slidenum">
-              <a:rPr lang="en-US" smtClean="0"/>
-              <a:pPr/>
-              <a:t>35</a:t>
-            </a:fld>
-            <a:endParaRPr lang="en-US"/>
+          <p:cNvPr id="3" name="Content Placeholder 2"/>
+          <p:cNvSpPr>
+            <a:spLocks noGrp="1"/>
+          </p:cNvSpPr>
+          <p:nvPr>
+            <p:ph idx="1"/>
+          </p:nvPr>
+        </p:nvSpPr>
+        <p:spPr/>
+        <p:txBody>
+          <a:bodyPr>
+            <a:normAutofit/>
+          </a:bodyPr>
+          <a:lstStyle/>
+          <a:p>
+            <a:r>
+              <a:rPr lang="sk-SK" dirty="0" smtClean="0"/>
+              <a:t>Protiopatrenia</a:t>
+            </a:r>
+            <a:r>
+              <a:rPr lang="en-US" dirty="0" smtClean="0"/>
+              <a:t>:</a:t>
+            </a:r>
+            <a:endParaRPr lang="sk-SK" dirty="0" smtClean="0"/>
+          </a:p>
+          <a:p>
+            <a:pPr lvl="1"/>
+            <a:r>
+              <a:rPr lang="sk-SK" dirty="0" smtClean="0"/>
+              <a:t>pred-pripravovanie dát, posielanie neskôr,</a:t>
+            </a:r>
+          </a:p>
+          <a:p>
+            <a:pPr lvl="1"/>
+            <a:r>
+              <a:rPr lang="sk-SK" dirty="0" smtClean="0"/>
+              <a:t>SoftDevice</a:t>
+            </a:r>
+            <a:r>
+              <a:rPr lang="en-US" dirty="0" smtClean="0"/>
+              <a:t>: </a:t>
+            </a:r>
+            <a:r>
+              <a:rPr lang="sk-SK" dirty="0" smtClean="0"/>
+              <a:t>kontrola, či sa nič neposiela.</a:t>
+            </a:r>
+            <a:endParaRPr lang="en-US" dirty="0" smtClean="0"/>
+          </a:p>
+          <a:p>
+            <a:endParaRPr lang="sk-SK" dirty="0" smtClean="0"/>
+          </a:p>
+          <a:p>
+            <a:r>
+              <a:rPr lang="sk-SK" dirty="0" smtClean="0"/>
+              <a:t>P</a:t>
+            </a:r>
+            <a:r>
+              <a:rPr lang="sk-SK" dirty="0" smtClean="0"/>
+              <a:t>redpoklad</a:t>
+            </a:r>
+            <a:r>
+              <a:rPr lang="en-US" dirty="0" smtClean="0"/>
+              <a:t> </a:t>
+            </a:r>
+            <a:r>
+              <a:rPr lang="sk-SK" dirty="0" smtClean="0"/>
+              <a:t>(</a:t>
+            </a:r>
+            <a:r>
+              <a:rPr lang="en-US" dirty="0" err="1" smtClean="0"/>
+              <a:t>bez</a:t>
+            </a:r>
+            <a:r>
+              <a:rPr lang="en-US" dirty="0" smtClean="0"/>
+              <a:t> </a:t>
+            </a:r>
+            <a:r>
+              <a:rPr lang="en-US" dirty="0" err="1" smtClean="0"/>
+              <a:t>podrobn</a:t>
+            </a:r>
+            <a:r>
+              <a:rPr lang="sk-SK" dirty="0" smtClean="0"/>
+              <a:t>ého testovania)</a:t>
+            </a:r>
+            <a:r>
+              <a:rPr lang="en-US" dirty="0" smtClean="0"/>
+              <a:t>:</a:t>
+            </a:r>
+            <a:endParaRPr lang="sk-SK" dirty="0" smtClean="0"/>
+          </a:p>
+          <a:p>
+            <a:pPr lvl="1"/>
+            <a:r>
+              <a:rPr lang="sk-SK" dirty="0" smtClean="0"/>
+              <a:t>komunikáci</a:t>
+            </a:r>
+            <a:r>
+              <a:rPr lang="en-US" dirty="0" smtClean="0"/>
+              <a:t>a</a:t>
+            </a:r>
+            <a:r>
+              <a:rPr lang="sk-SK" dirty="0" smtClean="0"/>
+              <a:t> s kryptoelementom (atomicky</a:t>
+            </a:r>
+            <a:r>
+              <a:rPr lang="sk-SK" dirty="0" smtClean="0"/>
+              <a:t>),</a:t>
+            </a:r>
+            <a:endParaRPr lang="sk-SK" dirty="0" smtClean="0"/>
+          </a:p>
+          <a:p>
+            <a:pPr lvl="1"/>
+            <a:r>
+              <a:rPr lang="sk-SK" dirty="0" smtClean="0"/>
+              <a:t>zmeškanie časového okna pre posielanie</a:t>
+            </a:r>
+            <a:r>
+              <a:rPr lang="en-US" dirty="0" smtClean="0"/>
+              <a:t>: </a:t>
+            </a:r>
+            <a:r>
+              <a:rPr lang="en-US" dirty="0" err="1" smtClean="0"/>
+              <a:t>rozsynchronizovanie</a:t>
+            </a:r>
+            <a:r>
+              <a:rPr lang="en-US" dirty="0" smtClean="0"/>
+              <a:t> </a:t>
+            </a:r>
+            <a:r>
+              <a:rPr lang="en-US" dirty="0" err="1" smtClean="0"/>
+              <a:t>protokolu</a:t>
+            </a:r>
+            <a:r>
+              <a:rPr lang="sk-SK" dirty="0" smtClean="0"/>
+              <a:t>.</a:t>
+            </a:r>
+            <a:endParaRPr lang="sk-SK" dirty="0" smtClean="0"/>
+          </a:p>
+          <a:p>
+            <a:endParaRPr lang="sk-SK" dirty="0" smtClean="0"/>
+          </a:p>
+        </p:txBody>
+      </p:sp>
+    </p:spTree>
+  </p:cSld>
+  <p:clrMapOvr>
+    <a:masterClrMapping/>
+  </p:clrMapOvr>
+</p:sld>
+</file>
+
+<file path=ppt/slides/slide32.xml><?xml version="1.0" encoding="utf-8"?>
+<p:sld xmlns:a="http://schemas.openxmlformats.org/drawingml/2006/main" xmlns:r="http://schemas.openxmlformats.org/officeDocument/2006/relationships" xmlns:p="http://schemas.openxmlformats.org/presentationml/2006/main">
+  <p:cSld>
+    <p:spTree>
+      <p:nvGrpSpPr>
+        <p:cNvPr id="1" name=""/>
+        <p:cNvGrpSpPr/>
+        <p:nvPr/>
+      </p:nvGrpSpPr>
+      <p:grpSpPr>
+        <a:xfrm>
+          <a:off x="0" y="0"/>
+          <a:ext cx="0" cy="0"/>
+          <a:chOff x="0" y="0"/>
+          <a:chExt cx="0" cy="0"/>
+        </a:xfrm>
+      </p:grpSpPr>
+      <p:sp>
+        <p:nvSpPr>
+          <p:cNvPr id="2" name="Title 1"/>
+          <p:cNvSpPr>
+            <a:spLocks noGrp="1"/>
+          </p:cNvSpPr>
+          <p:nvPr>
+            <p:ph type="title"/>
+          </p:nvPr>
+        </p:nvSpPr>
+        <p:spPr/>
+        <p:txBody>
+          <a:bodyPr>
+            <a:normAutofit/>
+          </a:bodyPr>
+          <a:lstStyle/>
+          <a:p>
+            <a:r>
+              <a:rPr lang="sk-SK" dirty="0" smtClean="0"/>
+              <a:t>Najčastejšie dôvody porúch </a:t>
+            </a:r>
+            <a:endParaRPr lang="en-US" dirty="0"/>
           </a:p>
         </p:txBody>
       </p:sp>
@@ -10862,7 +11891,7 @@
 </p:sld>
 </file>
 
-<file path=ppt/slides/slide36.xml><?xml version="1.0" encoding="utf-8"?>
+<file path=ppt/slides/slide33.xml><?xml version="1.0" encoding="utf-8"?>
 <p:sld xmlns:a="http://schemas.openxmlformats.org/drawingml/2006/main" xmlns:r="http://schemas.openxmlformats.org/officeDocument/2006/relationships" xmlns:p="http://schemas.openxmlformats.org/presentationml/2006/main">
   <p:cSld>
     <p:spTree>
@@ -10902,7 +11931,15 @@
             </a:r>
             <a:r>
               <a:rPr lang="sk-SK" dirty="0" smtClean="0"/>
-              <a:t>zefetkívniť </a:t>
+              <a:t>zefek</a:t>
+            </a:r>
+            <a:r>
+              <a:rPr lang="en-US" dirty="0" smtClean="0"/>
+              <a:t>t</a:t>
+            </a:r>
+            <a:r>
+              <a:rPr lang="sk-SK" dirty="0" smtClean="0"/>
+              <a:t>ívniť </a:t>
             </a:r>
             <a:r>
               <a:rPr lang="en-US" dirty="0" smtClean="0"/>
@@ -10933,45 +11970,90 @@
         <p:spPr/>
         <p:txBody>
           <a:bodyPr>
-            <a:normAutofit/>
+            <a:normAutofit fontScale="85000" lnSpcReduction="20000"/>
           </a:bodyPr>
           <a:lstStyle/>
           <a:p>
             <a:r>
-              <a:rPr lang="sk-SK" dirty="0" smtClean="0"/>
-              <a:t>vyššia rýchlosť ext. CLK pomocou GPIO</a:t>
-            </a:r>
-          </a:p>
-          <a:p>
-            <a:r>
-              <a:rPr lang="sk-SK" dirty="0" smtClean="0"/>
-              <a:t>dedikovaný periférie pre ISO7816 (atmel)</a:t>
-            </a:r>
-          </a:p>
-          <a:p>
-            <a:r>
-              <a:rPr lang="sk-SK" dirty="0" smtClean="0"/>
-              <a:t>konverter na ISO7816</a:t>
-            </a:r>
-          </a:p>
-          <a:p>
+              <a:rPr lang="en-US" dirty="0" err="1" smtClean="0"/>
+              <a:t>Predpripravi</a:t>
+            </a:r>
+            <a:r>
+              <a:rPr lang="sk-SK" dirty="0" smtClean="0"/>
+              <a:t>ť dáta vo vhodný okamich, programovú synchronizáciu,</a:t>
+            </a:r>
+          </a:p>
+          <a:p>
+            <a:endParaRPr lang="en-US" dirty="0" smtClean="0"/>
+          </a:p>
+          <a:p>
+            <a:r>
+              <a:rPr lang="sk-SK" dirty="0" smtClean="0"/>
+              <a:t>vyššia </a:t>
+            </a:r>
+            <a:r>
+              <a:rPr lang="sk-SK" dirty="0" smtClean="0"/>
+              <a:t>rýchlosť ext. CLK pomocou </a:t>
+            </a:r>
+            <a:r>
+              <a:rPr lang="sk-SK" dirty="0" smtClean="0"/>
+              <a:t>GPIO,</a:t>
+            </a:r>
             <a:endParaRPr lang="sk-SK" dirty="0" smtClean="0"/>
           </a:p>
           <a:p>
             <a:r>
               <a:rPr lang="sk-SK" dirty="0" smtClean="0"/>
-              <a:t>bude to niečo stáť</a:t>
-            </a:r>
+              <a:t>dedikované </a:t>
+            </a:r>
+            <a:r>
+              <a:rPr lang="sk-SK" dirty="0" smtClean="0"/>
+              <a:t>periférie pre ISO7816 (atmel</a:t>
+            </a:r>
+            <a:r>
+              <a:rPr lang="sk-SK" dirty="0" smtClean="0"/>
+              <a:t>),</a:t>
+            </a:r>
+            <a:endParaRPr lang="sk-SK" dirty="0" smtClean="0"/>
+          </a:p>
+          <a:p>
+            <a:r>
+              <a:rPr lang="sk-SK" dirty="0" smtClean="0"/>
+              <a:t>konvertor </a:t>
+            </a:r>
+            <a:r>
+              <a:rPr lang="sk-SK" dirty="0" smtClean="0"/>
+              <a:t>na </a:t>
+            </a:r>
+            <a:r>
+              <a:rPr lang="sk-SK" dirty="0" smtClean="0"/>
+              <a:t>ISO7816.</a:t>
+            </a:r>
+            <a:endParaRPr lang="sk-SK" dirty="0" smtClean="0"/>
+          </a:p>
+          <a:p>
+            <a:endParaRPr lang="sk-SK" dirty="0" smtClean="0"/>
+          </a:p>
+          <a:p>
+            <a:r>
+              <a:rPr lang="sk-SK" dirty="0" smtClean="0"/>
+              <a:t>môže narásť</a:t>
+            </a:r>
+            <a:r>
+              <a:rPr lang="en-US" dirty="0" smtClean="0"/>
+              <a:t>:</a:t>
+            </a:r>
+            <a:endParaRPr lang="sk-SK" dirty="0" smtClean="0"/>
           </a:p>
           <a:p>
             <a:pPr lvl="1"/>
             <a:r>
-              <a:rPr lang="en-US" dirty="0" smtClean="0"/>
-              <a:t>v</a:t>
-            </a:r>
-            <a:r>
-              <a:rPr lang="sk-SK" dirty="0" smtClean="0"/>
-              <a:t>ývoj</a:t>
+              <a:rPr lang="sk-SK" dirty="0" smtClean="0"/>
+              <a:t>veľkosť </a:t>
+            </a:r>
+            <a:r>
+              <a:rPr lang="sk-SK" dirty="0" smtClean="0"/>
+              <a:t>programu</a:t>
             </a:r>
             <a:r>
               <a:rPr lang="en-US" dirty="0" smtClean="0"/>
@@ -10983,7 +12065,7 @@
             <a:pPr lvl="1"/>
             <a:r>
               <a:rPr lang="sk-SK" dirty="0" smtClean="0"/>
-              <a:t>narastie veľkosť programu</a:t>
+              <a:t>cena a čas vývoja</a:t>
             </a:r>
             <a:r>
               <a:rPr lang="en-US" dirty="0" smtClean="0"/>
@@ -10995,37 +12077,21 @@
             <a:pPr lvl="1"/>
             <a:r>
               <a:rPr lang="sk-SK" dirty="0" smtClean="0"/>
-              <a:t>možnosť výskytu chýb</a:t>
+              <a:t>možnosť </a:t>
+            </a:r>
+            <a:r>
+              <a:rPr lang="sk-SK" dirty="0" smtClean="0"/>
+              <a:t>výskytu </a:t>
+            </a:r>
+            <a:r>
+              <a:rPr lang="sk-SK" dirty="0" smtClean="0"/>
+              <a:t>chýb a porúch</a:t>
             </a:r>
             <a:r>
               <a:rPr lang="en-US" dirty="0" smtClean="0"/>
               <a:t>.</a:t>
             </a:r>
             <a:endParaRPr lang="en-US" dirty="0"/>
-          </a:p>
-        </p:txBody>
-      </p:sp>
-      <p:sp>
-        <p:nvSpPr>
-          <p:cNvPr id="4" name="Slide Number Placeholder 3"/>
-          <p:cNvSpPr>
-            <a:spLocks noGrp="1"/>
-          </p:cNvSpPr>
-          <p:nvPr>
-            <p:ph type="sldNum" sz="quarter" idx="12"/>
-          </p:nvPr>
-        </p:nvSpPr>
-        <p:spPr/>
-        <p:txBody>
-          <a:bodyPr/>
-          <a:lstStyle/>
-          <a:p>
-            <a:fld id="{8C584B50-B360-452D-AFC7-DEF83B5F5806}" type="slidenum">
-              <a:rPr lang="en-US" smtClean="0"/>
-              <a:pPr/>
-              <a:t>36</a:t>
-            </a:fld>
-            <a:endParaRPr lang="en-US"/>
           </a:p>
         </p:txBody>
       </p:sp>
@@ -11034,6 +12100,244 @@
   <p:clrMapOvr>
     <a:masterClrMapping/>
   </p:clrMapOvr>
+</p:sld>
+</file>
+
+<file path=ppt/slides/slide34.xml><?xml version="1.0" encoding="utf-8"?>
+<p:sld xmlns:a="http://schemas.openxmlformats.org/drawingml/2006/main" xmlns:r="http://schemas.openxmlformats.org/officeDocument/2006/relationships" xmlns:p="http://schemas.openxmlformats.org/presentationml/2006/main">
+  <p:cSld>
+    <p:spTree>
+      <p:nvGrpSpPr>
+        <p:cNvPr id="1" name=""/>
+        <p:cNvGrpSpPr/>
+        <p:nvPr/>
+      </p:nvGrpSpPr>
+      <p:grpSpPr>
+        <a:xfrm>
+          <a:off x="0" y="0"/>
+          <a:ext cx="0" cy="0"/>
+          <a:chOff x="0" y="0"/>
+          <a:chExt cx="0" cy="0"/>
+        </a:xfrm>
+      </p:grpSpPr>
+      <p:sp>
+        <p:nvSpPr>
+          <p:cNvPr id="2" name="Title 1"/>
+          <p:cNvSpPr>
+            <a:spLocks noGrp="1"/>
+          </p:cNvSpPr>
+          <p:nvPr>
+            <p:ph type="title"/>
+          </p:nvPr>
+        </p:nvSpPr>
+        <p:spPr/>
+        <p:txBody>
+          <a:bodyPr>
+            <a:normAutofit fontScale="90000"/>
+          </a:bodyPr>
+          <a:lstStyle/>
+          <a:p>
+            <a:r>
+              <a:rPr lang="sk-SK" dirty="0" smtClean="0"/>
+              <a:t>Implementácia</a:t>
+            </a:r>
+            <a:r>
+              <a:rPr lang="en-US" dirty="0" smtClean="0"/>
+              <a:t>:</a:t>
+            </a:r>
+            <a:r>
+              <a:rPr lang="sk-SK" dirty="0" smtClean="0"/>
+              <a:t> ISO7816</a:t>
+            </a:r>
+            <a:br>
+              <a:rPr lang="sk-SK" dirty="0" smtClean="0"/>
+            </a:br>
+            <a:r>
+              <a:rPr lang="sk-SK" dirty="0" smtClean="0"/>
+              <a:t>APDU</a:t>
+            </a:r>
+            <a:r>
+              <a:rPr lang="en-US" dirty="0" smtClean="0"/>
+              <a:t> </a:t>
+            </a:r>
+            <a:r>
+              <a:rPr lang="sk-SK" dirty="0" smtClean="0"/>
+              <a:t>(T</a:t>
+            </a:r>
+            <a:r>
+              <a:rPr lang="en-US" dirty="0" smtClean="0"/>
+              <a:t>=0</a:t>
+            </a:r>
+            <a:r>
+              <a:rPr lang="sk-SK" dirty="0" smtClean="0"/>
+              <a:t>)</a:t>
+            </a:r>
+            <a:endParaRPr lang="en-US" dirty="0"/>
+          </a:p>
+        </p:txBody>
+      </p:sp>
+      <p:pic>
+        <p:nvPicPr>
+          <p:cNvPr id="5122" name="Picture 2"/>
+          <p:cNvPicPr>
+            <a:picLocks noGrp="1" noChangeAspect="1" noChangeArrowheads="1"/>
+          </p:cNvPicPr>
+          <p:nvPr>
+            <p:ph idx="1"/>
+          </p:nvPr>
+        </p:nvPicPr>
+        <p:blipFill>
+          <a:blip r:embed="rId2"/>
+          <a:srcRect/>
+          <a:stretch>
+            <a:fillRect/>
+          </a:stretch>
+        </p:blipFill>
+        <p:spPr bwMode="auto">
+          <a:xfrm>
+            <a:off x="457200" y="2772376"/>
+            <a:ext cx="8229600" cy="2380047"/>
+          </a:xfrm>
+          <a:prstGeom prst="rect">
+            <a:avLst/>
+          </a:prstGeom>
+          <a:noFill/>
+          <a:ln w="9525">
+            <a:noFill/>
+            <a:miter lim="800000"/>
+            <a:headEnd/>
+            <a:tailEnd/>
+          </a:ln>
+          <a:effectLst/>
+        </p:spPr>
+      </p:pic>
+    </p:spTree>
+  </p:cSld>
+  <p:clrMapOvr>
+    <a:masterClrMapping/>
+  </p:clrMapOvr>
+  <p:timing>
+    <p:tnLst>
+      <p:par>
+        <p:cTn id="1" dur="indefinite" restart="never" nodeType="tmRoot"/>
+      </p:par>
+    </p:tnLst>
+  </p:timing>
+</p:sld>
+</file>
+
+<file path=ppt/slides/slide35.xml><?xml version="1.0" encoding="utf-8"?>
+<p:sld xmlns:a="http://schemas.openxmlformats.org/drawingml/2006/main" xmlns:r="http://schemas.openxmlformats.org/officeDocument/2006/relationships" xmlns:p="http://schemas.openxmlformats.org/presentationml/2006/main">
+  <p:cSld>
+    <p:spTree>
+      <p:nvGrpSpPr>
+        <p:cNvPr id="1" name=""/>
+        <p:cNvGrpSpPr/>
+        <p:nvPr/>
+      </p:nvGrpSpPr>
+      <p:grpSpPr>
+        <a:xfrm>
+          <a:off x="0" y="0"/>
+          <a:ext cx="0" cy="0"/>
+          <a:chOff x="0" y="0"/>
+          <a:chExt cx="0" cy="0"/>
+        </a:xfrm>
+      </p:grpSpPr>
+      <p:sp>
+        <p:nvSpPr>
+          <p:cNvPr id="2" name="Title 1"/>
+          <p:cNvSpPr>
+            <a:spLocks noGrp="1"/>
+          </p:cNvSpPr>
+          <p:nvPr>
+            <p:ph type="title"/>
+          </p:nvPr>
+        </p:nvSpPr>
+        <p:spPr/>
+        <p:txBody>
+          <a:bodyPr>
+            <a:normAutofit fontScale="90000"/>
+          </a:bodyPr>
+          <a:lstStyle/>
+          <a:p>
+            <a:r>
+              <a:rPr lang="sk-SK" dirty="0" smtClean="0"/>
+              <a:t>Implementácia</a:t>
+            </a:r>
+            <a:r>
+              <a:rPr lang="en-US" dirty="0" smtClean="0"/>
+              <a:t>:</a:t>
+            </a:r>
+            <a:r>
+              <a:rPr lang="sk-SK" dirty="0" smtClean="0"/>
+              <a:t> ISO7816</a:t>
+            </a:r>
+            <a:br>
+              <a:rPr lang="sk-SK" dirty="0" smtClean="0"/>
+            </a:br>
+            <a:r>
+              <a:rPr lang="sk-SK" dirty="0" smtClean="0"/>
+              <a:t>Blok dát  (T</a:t>
+            </a:r>
+            <a:r>
+              <a:rPr lang="en-US" dirty="0" smtClean="0"/>
+              <a:t>=1</a:t>
+            </a:r>
+            <a:r>
+              <a:rPr lang="sk-SK" dirty="0" smtClean="0"/>
+              <a:t>)</a:t>
+            </a:r>
+            <a:endParaRPr lang="en-US" dirty="0"/>
+          </a:p>
+        </p:txBody>
+      </p:sp>
+      <p:pic>
+        <p:nvPicPr>
+          <p:cNvPr id="6146" name="Picture 2"/>
+          <p:cNvPicPr>
+            <a:picLocks noGrp="1" noChangeAspect="1" noChangeArrowheads="1"/>
+          </p:cNvPicPr>
+          <p:nvPr>
+            <p:ph idx="1"/>
+          </p:nvPr>
+        </p:nvPicPr>
+        <p:blipFill>
+          <a:blip r:embed="rId2"/>
+          <a:srcRect/>
+          <a:stretch>
+            <a:fillRect/>
+          </a:stretch>
+        </p:blipFill>
+        <p:spPr bwMode="auto">
+          <a:xfrm>
+            <a:off x="0" y="2532122"/>
+            <a:ext cx="9144000" cy="2860556"/>
+          </a:xfrm>
+          <a:prstGeom prst="rect">
+            <a:avLst/>
+          </a:prstGeom>
+          <a:noFill/>
+          <a:ln w="9525">
+            <a:noFill/>
+            <a:miter lim="800000"/>
+            <a:headEnd/>
+            <a:tailEnd/>
+          </a:ln>
+          <a:effectLst/>
+        </p:spPr>
+      </p:pic>
+    </p:spTree>
+  </p:cSld>
+  <p:clrMapOvr>
+    <a:masterClrMapping/>
+  </p:clrMapOvr>
+  <p:timing>
+    <p:tnLst>
+      <p:par>
+        <p:cTn id="1" dur="indefinite" restart="never" nodeType="tmRoot"/>
+      </p:par>
+    </p:tnLst>
+  </p:timing>
 </p:sld>
 </file>
 
@@ -11097,7 +12401,11 @@
               <a:pPr/>
               <a:t>4</a:t>
             </a:fld>
-            <a:endParaRPr lang="en-US"/>
+            <a:r>
+              <a:rPr lang="en-US" dirty="0" smtClean="0"/>
+              <a:t>/26</a:t>
+            </a:r>
+            <a:endParaRPr lang="en-US" dirty="0"/>
           </a:p>
         </p:txBody>
       </p:sp>
@@ -11112,7 +12420,7 @@
           </p:nvPr>
         </p:nvPicPr>
         <p:blipFill>
-          <a:blip r:embed="rId2"/>
+          <a:blip r:embed="rId3"/>
           <a:srcRect/>
           <a:stretch>
             <a:fillRect/>
@@ -11130,6 +12438,13 @@
   <p:clrMapOvr>
     <a:masterClrMapping/>
   </p:clrMapOvr>
+  <p:timing>
+    <p:tnLst>
+      <p:par>
+        <p:cTn id="1" dur="indefinite" restart="never" nodeType="tmRoot"/>
+      </p:par>
+    </p:tnLst>
+  </p:timing>
 </p:sld>
 </file>
 
@@ -11209,7 +12524,11 @@
               <a:pPr/>
               <a:t>5</a:t>
             </a:fld>
-            <a:endParaRPr lang="en-US"/>
+            <a:r>
+              <a:rPr lang="en-US" dirty="0" smtClean="0"/>
+              <a:t>/26</a:t>
+            </a:r>
+            <a:endParaRPr lang="en-US" dirty="0"/>
           </a:p>
         </p:txBody>
       </p:sp>
@@ -11230,7 +12549,11 @@
           <a:p>
             <a:r>
               <a:rPr lang="sk-SK" dirty="0" smtClean="0"/>
-              <a:t>Zabezpečenie na transpor</a:t>
+              <a:t>Zabezpečenie hlavne </a:t>
+            </a:r>
+            <a:r>
+              <a:rPr lang="sk-SK" dirty="0" smtClean="0"/>
+              <a:t>na transpor</a:t>
             </a:r>
             <a:r>
               <a:rPr lang="en-US" dirty="0" smtClean="0"/>
@@ -11238,13 +12561,14 @@
             </a:r>
             <a:r>
               <a:rPr lang="sk-SK" dirty="0" smtClean="0"/>
-              <a:t>nej ale aj aplikačnej vrstve</a:t>
-            </a:r>
-          </a:p>
-          <a:p>
+              <a:t>nej vrstve</a:t>
+            </a:r>
             <a:endParaRPr lang="sk-SK" dirty="0" smtClean="0"/>
           </a:p>
           <a:p>
+            <a:endParaRPr lang="sk-SK" dirty="0" smtClean="0"/>
+          </a:p>
+          <a:p>
             <a:r>
               <a:rPr lang="sk-SK" dirty="0" smtClean="0"/>
               <a:t>ANT</a:t>
@@ -11277,7 +12601,7 @@
           <a:p>
             <a:r>
               <a:rPr lang="sk-SK" dirty="0" smtClean="0"/>
-              <a:t>Zigbee</a:t>
+              <a:t>ZigBee</a:t>
             </a:r>
             <a:r>
               <a:rPr lang="en-US" dirty="0" smtClean="0"/>
@@ -11303,6 +12627,13 @@
   <p:clrMapOvr>
     <a:masterClrMapping/>
   </p:clrMapOvr>
+  <p:timing>
+    <p:tnLst>
+      <p:par>
+        <p:cTn id="1" dur="indefinite" restart="never" nodeType="tmRoot"/>
+      </p:par>
+    </p:tnLst>
+  </p:timing>
 </p:sld>
 </file>
 
@@ -11364,23 +12695,23 @@
           <a:lstStyle/>
           <a:p>
             <a:r>
-              <a:rPr lang="sk-SK" b="1" dirty="0" smtClean="0"/>
+              <a:rPr lang="sk-SK" dirty="0" smtClean="0"/>
               <a:t>Hardvérové zabezpečenie</a:t>
             </a:r>
-            <a:endParaRPr lang="sk-SK" b="1" dirty="0" smtClean="0"/>
           </a:p>
           <a:p>
             <a:pPr lvl="1"/>
             <a:r>
               <a:rPr lang="sk-SK" dirty="0" smtClean="0"/>
-              <a:t>kryptolementy</a:t>
-            </a:r>
-          </a:p>
-          <a:p>
-            <a:pPr lvl="1"/>
-            <a:r>
-              <a:rPr lang="sk-SK" dirty="0" smtClean="0"/>
-              <a:t>každý senzor osadený kryptoelement</a:t>
+              <a:t>každý </a:t>
+            </a:r>
+            <a:r>
+              <a:rPr lang="sk-SK" dirty="0" smtClean="0"/>
+              <a:t>senzor osadený </a:t>
+            </a:r>
+            <a:r>
+              <a:rPr lang="sk-SK" dirty="0" smtClean="0"/>
+              <a:t>kryptoelement.</a:t>
             </a:r>
             <a:endParaRPr lang="sk-SK" dirty="0" smtClean="0"/>
           </a:p>
@@ -11421,7 +12752,11 @@
             <a:pPr lvl="1"/>
             <a:r>
               <a:rPr lang="sk-SK" dirty="0" smtClean="0"/>
-              <a:t>najbližším zariadením s výpočtovým výkonom (cloud, HUB)</a:t>
+              <a:t>najbližším zariadením s výpočtovým výkonom (cloud, HUB</a:t>
+            </a:r>
+            <a:r>
+              <a:rPr lang="sk-SK" dirty="0" smtClean="0"/>
+              <a:t>).</a:t>
             </a:r>
             <a:endParaRPr lang="sk-SK" dirty="0"/>
           </a:p>
@@ -11447,7 +12782,11 @@
               <a:pPr/>
               <a:t>6</a:t>
             </a:fld>
-            <a:endParaRPr lang="en-US"/>
+            <a:r>
+              <a:rPr lang="en-US" dirty="0" smtClean="0"/>
+              <a:t>/26</a:t>
+            </a:r>
+            <a:endParaRPr lang="en-US" dirty="0"/>
           </a:p>
         </p:txBody>
       </p:sp>
@@ -11456,6 +12795,13 @@
   <p:clrMapOvr>
     <a:masterClrMapping/>
   </p:clrMapOvr>
+  <p:timing>
+    <p:tnLst>
+      <p:par>
+        <p:cTn id="1" dur="indefinite" restart="never" nodeType="tmRoot"/>
+      </p:par>
+    </p:tnLst>
+  </p:timing>
 </p:sld>
 </file>
 
@@ -11517,17 +12863,21 @@
         </p:spPr>
         <p:txBody>
           <a:bodyPr>
-            <a:normAutofit fontScale="92500" lnSpcReduction="20000"/>
+            <a:normAutofit fontScale="85000" lnSpcReduction="20000"/>
           </a:bodyPr>
           <a:lstStyle/>
           <a:p>
             <a:r>
+              <a:rPr lang="sk-SK" dirty="0" smtClean="0"/>
+              <a:t>c</a:t>
+            </a:r>
+            <a:r>
               <a:rPr lang="en-US" dirty="0" err="1" smtClean="0"/>
-              <a:t>centralizovan</a:t>
-            </a:r>
-            <a:r>
-              <a:rPr lang="sk-SK" dirty="0" smtClean="0"/>
-              <a:t>é </a:t>
+              <a:t>entralizovan</a:t>
+            </a:r>
+            <a:r>
+              <a:rPr lang="sk-SK" dirty="0" smtClean="0"/>
+              <a:t>á </a:t>
             </a:r>
             <a:r>
               <a:rPr lang="sk-SK" dirty="0" smtClean="0"/>
@@ -11576,27 +12926,7 @@
             <a:pPr lvl="1"/>
             <a:r>
               <a:rPr lang="sk-SK" dirty="0" smtClean="0"/>
-              <a:t>Certifikáty (ale predzdieľané </a:t>
-            </a:r>
-            <a:r>
-              <a:rPr lang="en-US" dirty="0" smtClean="0"/>
-              <a:t>“</a:t>
-            </a:r>
-            <a:r>
-              <a:rPr lang="en-US" dirty="0" err="1" smtClean="0"/>
-              <a:t>bezpe</a:t>
-            </a:r>
-            <a:r>
-              <a:rPr lang="sk-SK" dirty="0" smtClean="0"/>
-              <a:t>čne</a:t>
-            </a:r>
-            <a:r>
-              <a:rPr lang="en-US" dirty="0" smtClean="0"/>
-              <a:t>”</a:t>
-            </a:r>
-            <a:r>
-              <a:rPr lang="sk-SK" dirty="0" smtClean="0"/>
-              <a:t> NFC)</a:t>
+              <a:t>Certifikáty (obmedzenej forme)</a:t>
             </a:r>
           </a:p>
           <a:p>
@@ -11613,11 +12943,7 @@
             <a:pPr lvl="1"/>
             <a:r>
               <a:rPr lang="sk-SK" dirty="0" smtClean="0"/>
-              <a:t>ostatné aspekty inf. bezp. sa dajú </a:t>
-            </a:r>
-            <a:r>
-              <a:rPr lang="sk-SK" dirty="0" smtClean="0"/>
-              <a:t>z</a:t>
+              <a:t>ostatné aspekty inf. bezp. sa dajú z</a:t>
             </a:r>
             <a:r>
               <a:rPr lang="en-US" dirty="0" smtClean="0"/>
@@ -11625,11 +12951,7 @@
             </a:r>
             <a:r>
               <a:rPr lang="sk-SK" dirty="0" smtClean="0"/>
-              <a:t>bezpečiť </a:t>
-            </a:r>
-            <a:r>
-              <a:rPr lang="sk-SK" dirty="0" smtClean="0"/>
-              <a:t>nad touto vrstvou</a:t>
+              <a:t>bezpečiť nad touto vrstvou</a:t>
             </a:r>
           </a:p>
           <a:p>
@@ -11638,8 +12960,79 @@
           </a:p>
           <a:p>
             <a:r>
-              <a:rPr lang="sk-SK" dirty="0" smtClean="0"/>
-              <a:t>porovnané nezabezpečené riešenie, HW a SW zabezpečenie</a:t>
+              <a:rPr lang="en-US" dirty="0" err="1" smtClean="0"/>
+              <a:t>Overenie</a:t>
+            </a:r>
+            <a:r>
+              <a:rPr lang="sk-SK" dirty="0" smtClean="0"/>
+              <a:t> a porovnanie</a:t>
+            </a:r>
+            <a:r>
+              <a:rPr lang="en-US" dirty="0" smtClean="0"/>
+              <a:t> </a:t>
+            </a:r>
+            <a:r>
+              <a:rPr lang="en-US" dirty="0" err="1" smtClean="0"/>
+              <a:t>na</a:t>
+            </a:r>
+            <a:r>
+              <a:rPr lang="en-US" dirty="0" smtClean="0"/>
+              <a:t> </a:t>
+            </a:r>
+            <a:r>
+              <a:rPr lang="en-US" dirty="0" err="1" smtClean="0"/>
+              <a:t>rovnakej</a:t>
+            </a:r>
+            <a:r>
+              <a:rPr lang="en-US" dirty="0" smtClean="0"/>
+              <a:t> </a:t>
+            </a:r>
+            <a:r>
+              <a:rPr lang="en-US" dirty="0" err="1" smtClean="0"/>
+              <a:t>architekt</a:t>
+            </a:r>
+            <a:r>
+              <a:rPr lang="sk-SK" dirty="0" smtClean="0"/>
+              <a:t>úre</a:t>
+            </a:r>
+            <a:r>
+              <a:rPr lang="en-US" dirty="0" smtClean="0"/>
+              <a:t>:</a:t>
+            </a:r>
+          </a:p>
+          <a:p>
+            <a:pPr lvl="1"/>
+            <a:r>
+              <a:rPr lang="sk-SK" dirty="0" smtClean="0"/>
+              <a:t>nezabezpečené riešenie</a:t>
+            </a:r>
+            <a:endParaRPr lang="en-US" dirty="0" smtClean="0"/>
+          </a:p>
+          <a:p>
+            <a:pPr lvl="1"/>
+            <a:r>
+              <a:rPr lang="en-US" dirty="0" smtClean="0"/>
+              <a:t>S</a:t>
+            </a:r>
+            <a:r>
+              <a:rPr lang="sk-SK" dirty="0" smtClean="0"/>
+              <a:t>W </a:t>
+            </a:r>
+            <a:r>
+              <a:rPr lang="sk-SK" dirty="0" smtClean="0"/>
+              <a:t>a </a:t>
+            </a:r>
+            <a:r>
+              <a:rPr lang="en-US" dirty="0" smtClean="0"/>
+              <a:t>H</a:t>
+            </a:r>
+            <a:r>
+              <a:rPr lang="sk-SK" dirty="0" smtClean="0"/>
+              <a:t>W </a:t>
+            </a:r>
+            <a:r>
+              <a:rPr lang="sk-SK" dirty="0" smtClean="0"/>
+              <a:t>zabezpečenie</a:t>
             </a:r>
             <a:endParaRPr lang="en-US" dirty="0"/>
           </a:p>
@@ -11665,7 +13058,11 @@
               <a:pPr/>
               <a:t>7</a:t>
             </a:fld>
-            <a:endParaRPr lang="en-US"/>
+            <a:r>
+              <a:rPr lang="en-US" dirty="0" smtClean="0"/>
+              <a:t>/26</a:t>
+            </a:r>
+            <a:endParaRPr lang="en-US" dirty="0"/>
           </a:p>
         </p:txBody>
       </p:sp>
@@ -11674,6 +13071,13 @@
   <p:clrMapOvr>
     <a:masterClrMapping/>
   </p:clrMapOvr>
+  <p:timing>
+    <p:tnLst>
+      <p:par>
+        <p:cTn id="1" dur="indefinite" restart="never" nodeType="tmRoot"/>
+      </p:par>
+    </p:tnLst>
+  </p:timing>
 </p:sld>
 </file>
 
@@ -11754,8 +13158,13 @@
             </a:r>
             <a:r>
               <a:rPr lang="en-US" dirty="0" smtClean="0"/>
-              <a:t> nRF51422</a:t>
-            </a:r>
+              <a:t> </a:t>
+            </a:r>
+            <a:r>
+              <a:rPr lang="en-US" dirty="0" smtClean="0"/>
+              <a:t>(nRF51422)</a:t>
+            </a:r>
+            <a:endParaRPr lang="en-US" dirty="0" smtClean="0"/>
           </a:p>
           <a:p>
             <a:pPr lvl="1"/>
@@ -11763,21 +13172,35 @@
               <a:rPr lang="en-US" dirty="0" smtClean="0"/>
               <a:t>C</a:t>
             </a:r>
+            <a:r>
+              <a:rPr lang="sk-SK" dirty="0" smtClean="0"/>
+              <a:t>,</a:t>
+            </a:r>
             <a:endParaRPr lang="sk-SK" dirty="0" smtClean="0"/>
           </a:p>
           <a:p>
             <a:pPr lvl="1"/>
             <a:r>
               <a:rPr lang="sk-SK" dirty="0" smtClean="0"/>
-              <a:t>ANT SoftDevice, 2.4 GHz</a:t>
-            </a:r>
+              <a:t>ANT SoftDevice, 2.4 </a:t>
+            </a:r>
+            <a:r>
+              <a:rPr lang="sk-SK" dirty="0" smtClean="0"/>
+              <a:t>GHz,</a:t>
+            </a:r>
+            <a:endParaRPr lang="sk-SK" dirty="0" smtClean="0"/>
           </a:p>
           <a:p>
             <a:pPr lvl="1"/>
             <a:r>
               <a:rPr lang="sk-SK" dirty="0" smtClean="0"/>
-              <a:t>32bit architektúra</a:t>
-            </a:r>
+              <a:t>32bit </a:t>
+            </a:r>
+            <a:r>
+              <a:rPr lang="sk-SK" dirty="0" smtClean="0"/>
+              <a:t>architektúra,</a:t>
+            </a:r>
+            <a:endParaRPr lang="sk-SK" dirty="0" smtClean="0"/>
           </a:p>
           <a:p>
             <a:pPr lvl="1"/>
@@ -11787,7 +13210,7 @@
             </a:r>
             <a:r>
               <a:rPr lang="sk-SK" dirty="0" smtClean="0"/>
-              <a:t>RAM</a:t>
+              <a:t>RAM.</a:t>
             </a:r>
             <a:endParaRPr lang="sk-SK" dirty="0" smtClean="0"/>
           </a:p>
@@ -11813,7 +13236,11 @@
               <a:pPr/>
               <a:t>8</a:t>
             </a:fld>
-            <a:endParaRPr lang="en-US"/>
+            <a:r>
+              <a:rPr lang="en-US" dirty="0" smtClean="0"/>
+              <a:t>/26</a:t>
+            </a:r>
+            <a:endParaRPr lang="en-US" dirty="0"/>
           </a:p>
         </p:txBody>
       </p:sp>
@@ -11822,6 +13249,13 @@
   <p:clrMapOvr>
     <a:masterClrMapping/>
   </p:clrMapOvr>
+  <p:timing>
+    <p:tnLst>
+      <p:par>
+        <p:cTn id="1" dur="indefinite" restart="never" nodeType="tmRoot"/>
+      </p:par>
+    </p:tnLst>
+  </p:timing>
 </p:sld>
 </file>
 
@@ -11891,14 +13325,15 @@
         </p:nvPicPr>
         <p:blipFill>
           <a:blip r:embed="rId2"/>
+          <a:srcRect t="1710"/>
           <a:stretch>
             <a:fillRect/>
           </a:stretch>
         </p:blipFill>
         <p:spPr bwMode="auto">
           <a:xfrm>
-            <a:off x="609600" y="1117854"/>
-            <a:ext cx="7543800" cy="5054346"/>
+            <a:off x="495869" y="1130710"/>
+            <a:ext cx="7771262" cy="5117690"/>
           </a:xfrm>
           <a:prstGeom prst="rect">
             <a:avLst/>
@@ -11926,7 +13361,7 @@
         <p:spPr>
           <a:xfrm>
             <a:off x="762000" y="6172200"/>
-            <a:ext cx="3352800" cy="609600"/>
+            <a:ext cx="3581400" cy="609600"/>
           </a:xfrm>
         </p:spPr>
         <p:txBody>
@@ -11956,9 +13391,8 @@
             </a:r>
             <a:r>
               <a:rPr lang="sk-SK" sz="1800" dirty="0" smtClean="0"/>
-              <a:t>styk s prostredím</a:t>
-            </a:r>
-            <a:endParaRPr lang="en-US" sz="1800" dirty="0"/>
+              <a:t>kontakt s prostredím</a:t>
+            </a:r>
           </a:p>
         </p:txBody>
       </p:sp>
@@ -11982,7 +13416,11 @@
               <a:pPr/>
               <a:t>9</a:t>
             </a:fld>
-            <a:endParaRPr lang="en-US"/>
+            <a:r>
+              <a:rPr lang="en-US" dirty="0" smtClean="0"/>
+              <a:t>/26</a:t>
+            </a:r>
+            <a:endParaRPr lang="en-US" dirty="0"/>
           </a:p>
         </p:txBody>
       </p:sp>
@@ -12061,6 +13499,13 @@
   <p:clrMapOvr>
     <a:masterClrMapping/>
   </p:clrMapOvr>
+  <p:timing>
+    <p:tnLst>
+      <p:par>
+        <p:cTn id="1" dur="indefinite" restart="never" nodeType="tmRoot"/>
+      </p:par>
+    </p:tnLst>
+  </p:timing>
 </p:sld>
 </file>
 

--- a/Obhajoba/xdoubravsky_dp.pptx
+++ b/Obhajoba/xdoubravsky_dp.pptx
@@ -1814,6 +1814,98 @@
             <a:r>
               <a:rPr lang="sk-SK" baseline="0" dirty="0" smtClean="0"/>
               <a:t>Uprava spravy</a:t>
+            </a:r>
+          </a:p>
+          <a:p>
+            <a:endParaRPr lang="sk-SK" baseline="0" dirty="0" smtClean="0"/>
+          </a:p>
+          <a:p>
+            <a:endParaRPr lang="sk-SK" baseline="0" dirty="0" smtClean="0"/>
+          </a:p>
+          <a:p>
+            <a:endParaRPr lang="sk-SK" baseline="0" dirty="0" smtClean="0"/>
+          </a:p>
+          <a:p>
+            <a:r>
+              <a:rPr lang="sk-SK" baseline="0" dirty="0" smtClean="0"/>
+              <a:t>Phising</a:t>
+            </a:r>
+          </a:p>
+          <a:p>
+            <a:r>
+              <a:rPr lang="sk-SK" baseline="0" dirty="0" smtClean="0"/>
+              <a:t>Spoofing </a:t>
+            </a:r>
+          </a:p>
+          <a:p>
+            <a:r>
+              <a:rPr lang="sk-SK" baseline="0" dirty="0" smtClean="0"/>
+              <a:t>Brute force</a:t>
+            </a:r>
+          </a:p>
+          <a:p>
+            <a:pPr marL="0" marR="0" indent="0" algn="l" defTabSz="914400" rtl="0" eaLnBrk="1" fontAlgn="auto" latinLnBrk="0" hangingPunct="1">
+              <a:lnSpc>
+                <a:spcPct val="100000"/>
+              </a:lnSpc>
+              <a:spcBef>
+                <a:spcPts val="0"/>
+              </a:spcBef>
+              <a:spcAft>
+                <a:spcPts val="0"/>
+              </a:spcAft>
+              <a:buClrTx/>
+              <a:buSzTx/>
+              <a:buFontTx/>
+              <a:buNone/>
+              <a:tabLst/>
+              <a:defRPr/>
+            </a:pPr>
+            <a:r>
+              <a:rPr lang="sk-SK" baseline="0" dirty="0" smtClean="0"/>
+              <a:t>Slovnikove</a:t>
+            </a:r>
+          </a:p>
+          <a:p>
+            <a:r>
+              <a:rPr lang="sk-SK" baseline="0" dirty="0" smtClean="0"/>
+              <a:t>Rainbow tables</a:t>
+            </a:r>
+          </a:p>
+          <a:p>
+            <a:r>
+              <a:rPr lang="sk-SK" baseline="0" dirty="0" smtClean="0"/>
+              <a:t>DOS</a:t>
+            </a:r>
+          </a:p>
+          <a:p>
+            <a:r>
+              <a:rPr lang="sk-SK" baseline="0" dirty="0" smtClean="0"/>
+              <a:t>Sidechannel attack</a:t>
+            </a:r>
+          </a:p>
+          <a:p>
+            <a:r>
+              <a:rPr lang="sk-SK" baseline="0" dirty="0" smtClean="0"/>
+              <a:t>Socialne inzinierstov</a:t>
+            </a:r>
+          </a:p>
+          <a:p>
+            <a:r>
+              <a:rPr lang="sk-SK" baseline="0" dirty="0" smtClean="0"/>
+              <a:t>Tck syn, rst</a:t>
+            </a:r>
+          </a:p>
+          <a:p>
+            <a:r>
+              <a:rPr lang="sk-SK" baseline="0" dirty="0" smtClean="0"/>
+              <a:t>Software</a:t>
+            </a:r>
+          </a:p>
+          <a:p>
+            <a:r>
+              <a:rPr lang="sk-SK" baseline="0" smtClean="0"/>
+              <a:t>hardware</a:t>
             </a:r>
             <a:endParaRPr lang="en-US" dirty="0"/>
           </a:p>

--- a/Obhajoba/xdoubravsky_dp.pptx
+++ b/Obhajoba/xdoubravsky_dp.pptx
@@ -894,160 +894,9 @@
           <a:lstStyle/>
           <a:p>
             <a:r>
-              <a:rPr lang="en-US" dirty="0" smtClean="0"/>
-              <a:t>Desktop </a:t>
-            </a:r>
-            <a:r>
-              <a:rPr lang="en-US" dirty="0" err="1" smtClean="0"/>
-              <a:t>senzor</a:t>
-            </a:r>
-            <a:endParaRPr lang="en-US" dirty="0" smtClean="0"/>
-          </a:p>
-          <a:p>
-            <a:endParaRPr lang="en-US" dirty="0" smtClean="0"/>
-          </a:p>
-          <a:p>
-            <a:pPr marL="0" marR="0" lvl="1" indent="0" algn="l" defTabSz="914400" rtl="0" eaLnBrk="1" fontAlgn="auto" latinLnBrk="0" hangingPunct="1">
-              <a:lnSpc>
-                <a:spcPct val="100000"/>
-              </a:lnSpc>
-              <a:spcBef>
-                <a:spcPts val="0"/>
-              </a:spcBef>
-              <a:spcAft>
-                <a:spcPts val="0"/>
-              </a:spcAft>
-              <a:buClrTx/>
-              <a:buSzTx/>
-              <a:buFontTx/>
-              <a:buNone/>
-              <a:tabLst/>
-              <a:defRPr/>
-            </a:pPr>
-            <a:endParaRPr lang="en-US" dirty="0" smtClean="0"/>
-          </a:p>
-          <a:p>
-            <a:pPr marL="0" marR="0" lvl="1" indent="0" algn="l" defTabSz="914400" rtl="0" eaLnBrk="1" fontAlgn="auto" latinLnBrk="0" hangingPunct="1">
-              <a:lnSpc>
-                <a:spcPct val="100000"/>
-              </a:lnSpc>
-              <a:spcBef>
-                <a:spcPts val="0"/>
-              </a:spcBef>
-              <a:spcAft>
-                <a:spcPts val="0"/>
-              </a:spcAft>
-              <a:buClrTx/>
-              <a:buSzTx/>
-              <a:buFontTx/>
-              <a:buNone/>
-              <a:tabLst/>
-              <a:defRPr/>
-            </a:pPr>
-            <a:r>
-              <a:rPr lang="sk-SK" dirty="0" smtClean="0"/>
-              <a:t>testovacie výpisy,</a:t>
-            </a:r>
-            <a:endParaRPr lang="en-US" dirty="0" smtClean="0"/>
-          </a:p>
-          <a:p>
-            <a:pPr marL="0" marR="0" lvl="1" indent="0" algn="l" defTabSz="914400" rtl="0" eaLnBrk="1" fontAlgn="auto" latinLnBrk="0" hangingPunct="1">
-              <a:lnSpc>
-                <a:spcPct val="100000"/>
-              </a:lnSpc>
-              <a:spcBef>
-                <a:spcPts val="0"/>
-              </a:spcBef>
-              <a:spcAft>
-                <a:spcPts val="0"/>
-              </a:spcAft>
-              <a:buClrTx/>
-              <a:buSzTx/>
-              <a:buFontTx/>
-              <a:buNone/>
-              <a:tabLst/>
-              <a:defRPr/>
-            </a:pPr>
-            <a:r>
-              <a:rPr lang="sk-SK" dirty="0" smtClean="0"/>
-              <a:t>výpis ATR správy</a:t>
-            </a:r>
-            <a:r>
-              <a:rPr lang="en-US" dirty="0" smtClean="0"/>
-              <a:t>,</a:t>
-            </a:r>
-            <a:endParaRPr lang="sk-SK" dirty="0" smtClean="0"/>
-          </a:p>
-          <a:p>
-            <a:pPr lvl="1"/>
-            <a:r>
-              <a:rPr lang="sk-SK" dirty="0" smtClean="0"/>
-              <a:t>posielanie preddefinovaných správ,</a:t>
-            </a:r>
-          </a:p>
-          <a:p>
-            <a:pPr lvl="1"/>
-            <a:r>
-              <a:rPr lang="sk-SK" dirty="0" smtClean="0"/>
-              <a:t>aktivácia, deaktivácia, resetovanie,</a:t>
-            </a:r>
-          </a:p>
-          <a:p>
-            <a:pPr lvl="1"/>
-            <a:r>
-              <a:rPr lang="sk-SK" dirty="0" smtClean="0"/>
-              <a:t>p</a:t>
-            </a:r>
-            <a:r>
-              <a:rPr lang="en-US" dirty="0" err="1" smtClean="0"/>
-              <a:t>reh</a:t>
-            </a:r>
-            <a:r>
-              <a:rPr lang="sk-SK" dirty="0" smtClean="0"/>
-              <a:t>ľadávanie inštrukcií,</a:t>
-            </a:r>
-            <a:endParaRPr lang="en-US" dirty="0" smtClean="0"/>
-          </a:p>
-          <a:p>
-            <a:pPr lvl="1"/>
-            <a:r>
-              <a:rPr lang="sk-SK" dirty="0" smtClean="0"/>
-              <a:t>ľudsky čitateľný výpis stavu z odpovedi,</a:t>
-            </a:r>
-            <a:endParaRPr lang="en-US" dirty="0" smtClean="0"/>
-          </a:p>
-          <a:p>
-            <a:pPr lvl="1"/>
-            <a:r>
-              <a:rPr lang="en-US" dirty="0" smtClean="0"/>
-              <a:t>z</a:t>
-            </a:r>
-            <a:r>
-              <a:rPr lang="sk-SK" dirty="0" smtClean="0"/>
-              <a:t>menenie baudovej rýchlosti.</a:t>
-            </a:r>
-          </a:p>
-          <a:p>
-            <a:pPr marL="0" marR="0" lvl="1" indent="0" algn="l" defTabSz="914400" rtl="0" eaLnBrk="1" fontAlgn="auto" latinLnBrk="0" hangingPunct="1">
-              <a:lnSpc>
-                <a:spcPct val="100000"/>
-              </a:lnSpc>
-              <a:spcBef>
-                <a:spcPts val="0"/>
-              </a:spcBef>
-              <a:spcAft>
-                <a:spcPts val="0"/>
-              </a:spcAft>
-              <a:buClrTx/>
-              <a:buSzTx/>
-              <a:buFontTx/>
-              <a:buNone/>
-              <a:tabLst/>
-              <a:defRPr/>
-            </a:pPr>
-            <a:endParaRPr lang="sk-SK" dirty="0" smtClean="0"/>
-          </a:p>
-          <a:p>
+              <a:rPr lang="sk-SK" dirty="0" smtClean="0"/>
+              <a:t>Pasivne prepojenie</a:t>
+            </a:r>
             <a:endParaRPr lang="en-US" dirty="0"/>
           </a:p>
         </p:txBody>
@@ -1070,7 +919,7 @@
             <a:fld id="{72CCBEF4-1BE4-4B48-AF24-6E8DE69994C4}" type="slidenum">
               <a:rPr lang="en-US" smtClean="0"/>
               <a:pPr/>
-              <a:t>18</a:t>
+              <a:t>14</a:t>
             </a:fld>
             <a:endParaRPr lang="en-US"/>
           </a:p>
@@ -1132,39 +981,11 @@
           <a:p>
             <a:r>
               <a:rPr lang="sk-SK" dirty="0" smtClean="0"/>
-              <a:t>automatizovane</a:t>
-            </a:r>
-          </a:p>
-          <a:p>
-            <a:r>
-              <a:rPr lang="sk-SK" dirty="0" smtClean="0"/>
-              <a:t>Programovo</a:t>
+              <a:t>Rozloženie</a:t>
             </a:r>
             <a:r>
               <a:rPr lang="sk-SK" baseline="0" dirty="0" smtClean="0"/>
-              <a:t> </a:t>
-            </a:r>
-            <a:r>
-              <a:rPr lang="sk-SK" baseline="0" dirty="0" smtClean="0"/>
-              <a:t>generuju data,</a:t>
-            </a:r>
-          </a:p>
-          <a:p>
-            <a:r>
-              <a:rPr lang="sk-SK" baseline="0" dirty="0" smtClean="0"/>
-              <a:t>200 hodnot</a:t>
-            </a:r>
-          </a:p>
-          <a:p>
-            <a:r>
-              <a:rPr lang="sk-SK" baseline="0" dirty="0" smtClean="0"/>
-              <a:t>Implementovane timeout</a:t>
-            </a:r>
-          </a:p>
-          <a:p>
-            <a:r>
-              <a:rPr lang="sk-SK" baseline="0" dirty="0" smtClean="0"/>
-              <a:t>treshold</a:t>
+              <a:t> súciastok a preniest layout na dosku</a:t>
             </a:r>
             <a:endParaRPr lang="en-US" dirty="0"/>
           </a:p>
@@ -1188,7 +1009,7 @@
             <a:fld id="{72CCBEF4-1BE4-4B48-AF24-6E8DE69994C4}" type="slidenum">
               <a:rPr lang="en-US" smtClean="0"/>
               <a:pPr/>
-              <a:t>19</a:t>
+              <a:t>16</a:t>
             </a:fld>
             <a:endParaRPr lang="en-US"/>
           </a:p>
@@ -1249,8 +1070,36 @@
           <a:lstStyle/>
           <a:p>
             <a:r>
-              <a:rPr lang="sk-SK" dirty="0" smtClean="0"/>
-              <a:t>Dopad na rýhlosť</a:t>
+              <a:rPr lang="en-US" dirty="0" err="1" smtClean="0"/>
+              <a:t>Inicializ</a:t>
+            </a:r>
+            <a:r>
+              <a:rPr lang="sk-SK" dirty="0" smtClean="0"/>
+              <a:t>ácia</a:t>
+            </a:r>
+            <a:r>
+              <a:rPr lang="sk-SK" baseline="0" dirty="0" smtClean="0"/>
+              <a:t> po selekte</a:t>
+            </a:r>
+          </a:p>
+          <a:p>
+            <a:r>
+              <a:rPr lang="sk-SK" baseline="0" dirty="0" smtClean="0"/>
+              <a:t>Rozhoduje</a:t>
+            </a:r>
+          </a:p>
+          <a:p>
+            <a:r>
+              <a:rPr lang="sk-SK" baseline="0" dirty="0" smtClean="0"/>
+              <a:t>Kryptovanie</a:t>
+            </a:r>
+            <a:r>
+              <a:rPr lang="en-US" baseline="0" dirty="0" smtClean="0"/>
+              <a:t>/</a:t>
+            </a:r>
+            <a:r>
+              <a:rPr lang="sk-SK" baseline="0" dirty="0" smtClean="0"/>
+              <a:t>Dekryptovat </a:t>
             </a:r>
             <a:endParaRPr lang="en-US" dirty="0"/>
           </a:p>
@@ -1274,7 +1123,7 @@
             <a:fld id="{72CCBEF4-1BE4-4B48-AF24-6E8DE69994C4}" type="slidenum">
               <a:rPr lang="en-US" smtClean="0"/>
               <a:pPr/>
-              <a:t>26</a:t>
+              <a:t>17</a:t>
             </a:fld>
             <a:endParaRPr lang="en-US"/>
           </a:p>
@@ -1334,6 +1183,161 @@
           </a:bodyPr>
           <a:lstStyle/>
           <a:p>
+            <a:r>
+              <a:rPr lang="en-US" dirty="0" smtClean="0"/>
+              <a:t>Desktop </a:t>
+            </a:r>
+            <a:r>
+              <a:rPr lang="en-US" dirty="0" err="1" smtClean="0"/>
+              <a:t>senzor</a:t>
+            </a:r>
+            <a:endParaRPr lang="en-US" dirty="0" smtClean="0"/>
+          </a:p>
+          <a:p>
+            <a:endParaRPr lang="en-US" dirty="0" smtClean="0"/>
+          </a:p>
+          <a:p>
+            <a:pPr marL="0" marR="0" lvl="1" indent="0" algn="l" defTabSz="914400" rtl="0" eaLnBrk="1" fontAlgn="auto" latinLnBrk="0" hangingPunct="1">
+              <a:lnSpc>
+                <a:spcPct val="100000"/>
+              </a:lnSpc>
+              <a:spcBef>
+                <a:spcPts val="0"/>
+              </a:spcBef>
+              <a:spcAft>
+                <a:spcPts val="0"/>
+              </a:spcAft>
+              <a:buClrTx/>
+              <a:buSzTx/>
+              <a:buFontTx/>
+              <a:buNone/>
+              <a:tabLst/>
+              <a:defRPr/>
+            </a:pPr>
+            <a:endParaRPr lang="en-US" dirty="0" smtClean="0"/>
+          </a:p>
+          <a:p>
+            <a:pPr marL="0" marR="0" lvl="1" indent="0" algn="l" defTabSz="914400" rtl="0" eaLnBrk="1" fontAlgn="auto" latinLnBrk="0" hangingPunct="1">
+              <a:lnSpc>
+                <a:spcPct val="100000"/>
+              </a:lnSpc>
+              <a:spcBef>
+                <a:spcPts val="0"/>
+              </a:spcBef>
+              <a:spcAft>
+                <a:spcPts val="0"/>
+              </a:spcAft>
+              <a:buClrTx/>
+              <a:buSzTx/>
+              <a:buFontTx/>
+              <a:buNone/>
+              <a:tabLst/>
+              <a:defRPr/>
+            </a:pPr>
+            <a:r>
+              <a:rPr lang="sk-SK" dirty="0" smtClean="0"/>
+              <a:t>testovacie výpisy,</a:t>
+            </a:r>
+            <a:endParaRPr lang="en-US" dirty="0" smtClean="0"/>
+          </a:p>
+          <a:p>
+            <a:pPr marL="0" marR="0" lvl="1" indent="0" algn="l" defTabSz="914400" rtl="0" eaLnBrk="1" fontAlgn="auto" latinLnBrk="0" hangingPunct="1">
+              <a:lnSpc>
+                <a:spcPct val="100000"/>
+              </a:lnSpc>
+              <a:spcBef>
+                <a:spcPts val="0"/>
+              </a:spcBef>
+              <a:spcAft>
+                <a:spcPts val="0"/>
+              </a:spcAft>
+              <a:buClrTx/>
+              <a:buSzTx/>
+              <a:buFontTx/>
+              <a:buNone/>
+              <a:tabLst/>
+              <a:defRPr/>
+            </a:pPr>
+            <a:r>
+              <a:rPr lang="sk-SK" dirty="0" smtClean="0"/>
+              <a:t>výpis ATR správy</a:t>
+            </a:r>
+            <a:r>
+              <a:rPr lang="en-US" dirty="0" smtClean="0"/>
+              <a:t>,</a:t>
+            </a:r>
+            <a:endParaRPr lang="sk-SK" dirty="0" smtClean="0"/>
+          </a:p>
+          <a:p>
+            <a:pPr lvl="1"/>
+            <a:r>
+              <a:rPr lang="sk-SK" dirty="0" smtClean="0"/>
+              <a:t>posielanie preddefinovaných správ,</a:t>
+            </a:r>
+          </a:p>
+          <a:p>
+            <a:pPr lvl="1"/>
+            <a:r>
+              <a:rPr lang="sk-SK" dirty="0" smtClean="0"/>
+              <a:t>aktivácia, deaktivácia, resetovanie,</a:t>
+            </a:r>
+          </a:p>
+          <a:p>
+            <a:pPr lvl="1"/>
+            <a:r>
+              <a:rPr lang="sk-SK" dirty="0" smtClean="0"/>
+              <a:t>p</a:t>
+            </a:r>
+            <a:r>
+              <a:rPr lang="en-US" dirty="0" err="1" smtClean="0"/>
+              <a:t>reh</a:t>
+            </a:r>
+            <a:r>
+              <a:rPr lang="sk-SK" dirty="0" smtClean="0"/>
+              <a:t>ľadávanie inštrukcií,</a:t>
+            </a:r>
+            <a:endParaRPr lang="en-US" dirty="0" smtClean="0"/>
+          </a:p>
+          <a:p>
+            <a:pPr lvl="1"/>
+            <a:r>
+              <a:rPr lang="sk-SK" dirty="0" smtClean="0"/>
+              <a:t>ľudsky čitateľný výpis stavu z odpovedi,</a:t>
+            </a:r>
+            <a:endParaRPr lang="en-US" dirty="0" smtClean="0"/>
+          </a:p>
+          <a:p>
+            <a:pPr lvl="1"/>
+            <a:r>
+              <a:rPr lang="en-US" dirty="0" smtClean="0"/>
+              <a:t>z</a:t>
+            </a:r>
+            <a:r>
+              <a:rPr lang="sk-SK" dirty="0" smtClean="0"/>
+              <a:t>menenie baudovej rýchlosti.</a:t>
+            </a:r>
+          </a:p>
+          <a:p>
+            <a:pPr marL="0" marR="0" lvl="1" indent="0" algn="l" defTabSz="914400" rtl="0" eaLnBrk="1" fontAlgn="auto" latinLnBrk="0" hangingPunct="1">
+              <a:lnSpc>
+                <a:spcPct val="100000"/>
+              </a:lnSpc>
+              <a:spcBef>
+                <a:spcPts val="0"/>
+              </a:spcBef>
+              <a:spcAft>
+                <a:spcPts val="0"/>
+              </a:spcAft>
+              <a:buClrTx/>
+              <a:buSzTx/>
+              <a:buFontTx/>
+              <a:buNone/>
+              <a:tabLst/>
+              <a:defRPr/>
+            </a:pPr>
+            <a:endParaRPr lang="sk-SK" dirty="0" smtClean="0"/>
+          </a:p>
+          <a:p>
             <a:endParaRPr lang="en-US" dirty="0"/>
           </a:p>
         </p:txBody>
@@ -1356,7 +1360,7 @@
             <a:fld id="{72CCBEF4-1BE4-4B48-AF24-6E8DE69994C4}" type="slidenum">
               <a:rPr lang="en-US" smtClean="0"/>
               <a:pPr/>
-              <a:t>28</a:t>
+              <a:t>18</a:t>
             </a:fld>
             <a:endParaRPr lang="en-US"/>
           </a:p>
@@ -1418,6 +1422,306 @@
           <a:p>
             <a:r>
               <a:rPr lang="sk-SK" dirty="0" smtClean="0"/>
+              <a:t>automatizovane</a:t>
+            </a:r>
+          </a:p>
+          <a:p>
+            <a:r>
+              <a:rPr lang="sk-SK" dirty="0" smtClean="0"/>
+              <a:t>Programovo</a:t>
+            </a:r>
+            <a:r>
+              <a:rPr lang="sk-SK" baseline="0" dirty="0" smtClean="0"/>
+              <a:t> </a:t>
+            </a:r>
+            <a:r>
+              <a:rPr lang="sk-SK" baseline="0" dirty="0" smtClean="0"/>
+              <a:t>generuju data,</a:t>
+            </a:r>
+          </a:p>
+          <a:p>
+            <a:r>
+              <a:rPr lang="sk-SK" baseline="0" dirty="0" smtClean="0"/>
+              <a:t>Implementovane </a:t>
+            </a:r>
+            <a:r>
+              <a:rPr lang="sk-SK" baseline="0" dirty="0" smtClean="0"/>
+              <a:t>timeout</a:t>
+            </a:r>
+          </a:p>
+          <a:p>
+            <a:pPr marL="0" marR="0" indent="0" algn="l" defTabSz="914400" rtl="0" eaLnBrk="1" fontAlgn="auto" latinLnBrk="0" hangingPunct="1">
+              <a:lnSpc>
+                <a:spcPct val="100000"/>
+              </a:lnSpc>
+              <a:spcBef>
+                <a:spcPts val="0"/>
+              </a:spcBef>
+              <a:spcAft>
+                <a:spcPts val="0"/>
+              </a:spcAft>
+              <a:buClrTx/>
+              <a:buSzTx/>
+              <a:buFontTx/>
+              <a:buNone/>
+              <a:tabLst/>
+              <a:defRPr/>
+            </a:pPr>
+            <a:r>
+              <a:rPr lang="sk-SK" baseline="0" dirty="0" smtClean="0"/>
+              <a:t>Treshold 200 hodnot</a:t>
+            </a:r>
+          </a:p>
+        </p:txBody>
+      </p:sp>
+      <p:sp>
+        <p:nvSpPr>
+          <p:cNvPr id="4" name="Slide Number Placeholder 3"/>
+          <p:cNvSpPr>
+            <a:spLocks noGrp="1"/>
+          </p:cNvSpPr>
+          <p:nvPr>
+            <p:ph type="sldNum" sz="quarter" idx="10"/>
+          </p:nvPr>
+        </p:nvSpPr>
+        <p:spPr/>
+        <p:txBody>
+          <a:bodyPr/>
+          <a:lstStyle/>
+          <a:p>
+            <a:fld id="{72CCBEF4-1BE4-4B48-AF24-6E8DE69994C4}" type="slidenum">
+              <a:rPr lang="en-US" smtClean="0"/>
+              <a:pPr/>
+              <a:t>19</a:t>
+            </a:fld>
+            <a:endParaRPr lang="en-US"/>
+          </a:p>
+        </p:txBody>
+      </p:sp>
+    </p:spTree>
+  </p:cSld>
+  <p:clrMapOvr>
+    <a:masterClrMapping/>
+  </p:clrMapOvr>
+</p:notes>
+</file>
+
+<file path=ppt/notesSlides/notesSlide15.xml><?xml version="1.0" encoding="utf-8"?>
+<p:notes xmlns:a="http://schemas.openxmlformats.org/drawingml/2006/main" xmlns:r="http://schemas.openxmlformats.org/officeDocument/2006/relationships" xmlns:p="http://schemas.openxmlformats.org/presentationml/2006/main">
+  <p:cSld>
+    <p:spTree>
+      <p:nvGrpSpPr>
+        <p:cNvPr id="1" name=""/>
+        <p:cNvGrpSpPr/>
+        <p:nvPr/>
+      </p:nvGrpSpPr>
+      <p:grpSpPr>
+        <a:xfrm>
+          <a:off x="0" y="0"/>
+          <a:ext cx="0" cy="0"/>
+          <a:chOff x="0" y="0"/>
+          <a:chExt cx="0" cy="0"/>
+        </a:xfrm>
+      </p:grpSpPr>
+      <p:sp>
+        <p:nvSpPr>
+          <p:cNvPr id="2" name="Slide Image Placeholder 1"/>
+          <p:cNvSpPr>
+            <a:spLocks noGrp="1" noRot="1" noChangeAspect="1"/>
+          </p:cNvSpPr>
+          <p:nvPr>
+            <p:ph type="sldImg"/>
+          </p:nvPr>
+        </p:nvSpPr>
+        <p:spPr/>
+      </p:sp>
+      <p:sp>
+        <p:nvSpPr>
+          <p:cNvPr id="3" name="Notes Placeholder 2"/>
+          <p:cNvSpPr>
+            <a:spLocks noGrp="1"/>
+          </p:cNvSpPr>
+          <p:nvPr>
+            <p:ph type="body" idx="1"/>
+          </p:nvPr>
+        </p:nvSpPr>
+        <p:spPr/>
+        <p:txBody>
+          <a:bodyPr>
+            <a:normAutofit/>
+          </a:bodyPr>
+          <a:lstStyle/>
+          <a:p>
+            <a:r>
+              <a:rPr lang="sk-SK" dirty="0" smtClean="0"/>
+              <a:t>Dopad na rýhlosť</a:t>
+            </a:r>
+            <a:endParaRPr lang="en-US" dirty="0"/>
+          </a:p>
+        </p:txBody>
+      </p:sp>
+      <p:sp>
+        <p:nvSpPr>
+          <p:cNvPr id="4" name="Slide Number Placeholder 3"/>
+          <p:cNvSpPr>
+            <a:spLocks noGrp="1"/>
+          </p:cNvSpPr>
+          <p:nvPr>
+            <p:ph type="sldNum" sz="quarter" idx="10"/>
+          </p:nvPr>
+        </p:nvSpPr>
+        <p:spPr/>
+        <p:txBody>
+          <a:bodyPr/>
+          <a:lstStyle/>
+          <a:p>
+            <a:fld id="{72CCBEF4-1BE4-4B48-AF24-6E8DE69994C4}" type="slidenum">
+              <a:rPr lang="en-US" smtClean="0"/>
+              <a:pPr/>
+              <a:t>26</a:t>
+            </a:fld>
+            <a:endParaRPr lang="en-US"/>
+          </a:p>
+        </p:txBody>
+      </p:sp>
+    </p:spTree>
+  </p:cSld>
+  <p:clrMapOvr>
+    <a:masterClrMapping/>
+  </p:clrMapOvr>
+</p:notes>
+</file>
+
+<file path=ppt/notesSlides/notesSlide16.xml><?xml version="1.0" encoding="utf-8"?>
+<p:notes xmlns:a="http://schemas.openxmlformats.org/drawingml/2006/main" xmlns:r="http://schemas.openxmlformats.org/officeDocument/2006/relationships" xmlns:p="http://schemas.openxmlformats.org/presentationml/2006/main">
+  <p:cSld>
+    <p:spTree>
+      <p:nvGrpSpPr>
+        <p:cNvPr id="1" name=""/>
+        <p:cNvGrpSpPr/>
+        <p:nvPr/>
+      </p:nvGrpSpPr>
+      <p:grpSpPr>
+        <a:xfrm>
+          <a:off x="0" y="0"/>
+          <a:ext cx="0" cy="0"/>
+          <a:chOff x="0" y="0"/>
+          <a:chExt cx="0" cy="0"/>
+        </a:xfrm>
+      </p:grpSpPr>
+      <p:sp>
+        <p:nvSpPr>
+          <p:cNvPr id="2" name="Slide Image Placeholder 1"/>
+          <p:cNvSpPr>
+            <a:spLocks noGrp="1" noRot="1" noChangeAspect="1"/>
+          </p:cNvSpPr>
+          <p:nvPr>
+            <p:ph type="sldImg"/>
+          </p:nvPr>
+        </p:nvSpPr>
+        <p:spPr/>
+      </p:sp>
+      <p:sp>
+        <p:nvSpPr>
+          <p:cNvPr id="3" name="Notes Placeholder 2"/>
+          <p:cNvSpPr>
+            <a:spLocks noGrp="1"/>
+          </p:cNvSpPr>
+          <p:nvPr>
+            <p:ph type="body" idx="1"/>
+          </p:nvPr>
+        </p:nvSpPr>
+        <p:spPr/>
+        <p:txBody>
+          <a:bodyPr>
+            <a:normAutofit/>
+          </a:bodyPr>
+          <a:lstStyle/>
+          <a:p>
+            <a:endParaRPr lang="en-US" dirty="0"/>
+          </a:p>
+        </p:txBody>
+      </p:sp>
+      <p:sp>
+        <p:nvSpPr>
+          <p:cNvPr id="4" name="Slide Number Placeholder 3"/>
+          <p:cNvSpPr>
+            <a:spLocks noGrp="1"/>
+          </p:cNvSpPr>
+          <p:nvPr>
+            <p:ph type="sldNum" sz="quarter" idx="10"/>
+          </p:nvPr>
+        </p:nvSpPr>
+        <p:spPr/>
+        <p:txBody>
+          <a:bodyPr/>
+          <a:lstStyle/>
+          <a:p>
+            <a:fld id="{72CCBEF4-1BE4-4B48-AF24-6E8DE69994C4}" type="slidenum">
+              <a:rPr lang="en-US" smtClean="0"/>
+              <a:pPr/>
+              <a:t>28</a:t>
+            </a:fld>
+            <a:endParaRPr lang="en-US"/>
+          </a:p>
+        </p:txBody>
+      </p:sp>
+    </p:spTree>
+  </p:cSld>
+  <p:clrMapOvr>
+    <a:masterClrMapping/>
+  </p:clrMapOvr>
+</p:notes>
+</file>
+
+<file path=ppt/notesSlides/notesSlide17.xml><?xml version="1.0" encoding="utf-8"?>
+<p:notes xmlns:a="http://schemas.openxmlformats.org/drawingml/2006/main" xmlns:r="http://schemas.openxmlformats.org/officeDocument/2006/relationships" xmlns:p="http://schemas.openxmlformats.org/presentationml/2006/main">
+  <p:cSld>
+    <p:spTree>
+      <p:nvGrpSpPr>
+        <p:cNvPr id="1" name=""/>
+        <p:cNvGrpSpPr/>
+        <p:nvPr/>
+      </p:nvGrpSpPr>
+      <p:grpSpPr>
+        <a:xfrm>
+          <a:off x="0" y="0"/>
+          <a:ext cx="0" cy="0"/>
+          <a:chOff x="0" y="0"/>
+          <a:chExt cx="0" cy="0"/>
+        </a:xfrm>
+      </p:grpSpPr>
+      <p:sp>
+        <p:nvSpPr>
+          <p:cNvPr id="2" name="Slide Image Placeholder 1"/>
+          <p:cNvSpPr>
+            <a:spLocks noGrp="1" noRot="1" noChangeAspect="1"/>
+          </p:cNvSpPr>
+          <p:nvPr>
+            <p:ph type="sldImg"/>
+          </p:nvPr>
+        </p:nvSpPr>
+        <p:spPr/>
+      </p:sp>
+      <p:sp>
+        <p:nvSpPr>
+          <p:cNvPr id="3" name="Notes Placeholder 2"/>
+          <p:cNvSpPr>
+            <a:spLocks noGrp="1"/>
+          </p:cNvSpPr>
+          <p:nvPr>
+            <p:ph type="body" idx="1"/>
+          </p:nvPr>
+        </p:nvSpPr>
+        <p:spPr/>
+        <p:txBody>
+          <a:bodyPr>
+            <a:normAutofit/>
+          </a:bodyPr>
+          <a:lstStyle/>
+          <a:p>
+            <a:r>
+              <a:rPr lang="sk-SK" dirty="0" smtClean="0"/>
               <a:t>Veľkosť</a:t>
             </a:r>
             <a:r>
@@ -1537,13 +1841,24 @@
           <a:p>
             <a:r>
               <a:rPr lang="sk-SK" dirty="0" smtClean="0"/>
-              <a:t>Slabiny</a:t>
-            </a:r>
-          </a:p>
-          <a:p>
-            <a:r>
-              <a:rPr lang="sk-SK" dirty="0" smtClean="0"/>
-              <a:t>Vypoctovy vykon zariadeni rastie</a:t>
+              <a:t>Technologický pokrok</a:t>
+            </a:r>
+          </a:p>
+          <a:p>
+            <a:r>
+              <a:rPr lang="sk-SK" dirty="0" smtClean="0"/>
+              <a:t>	Slabiny</a:t>
+            </a:r>
+            <a:endParaRPr lang="sk-SK" dirty="0" smtClean="0"/>
+          </a:p>
+          <a:p>
+            <a:r>
+              <a:rPr lang="sk-SK" dirty="0" smtClean="0"/>
+              <a:t>	Vypoctovy </a:t>
+            </a:r>
+            <a:r>
+              <a:rPr lang="sk-SK" dirty="0" smtClean="0"/>
+              <a:t>vykon zariadeni rastie</a:t>
             </a:r>
             <a:endParaRPr lang="en-US" dirty="0"/>
           </a:p>
@@ -1904,7 +2219,7 @@
           </a:p>
           <a:p>
             <a:r>
-              <a:rPr lang="sk-SK" baseline="0" smtClean="0"/>
+              <a:rPr lang="sk-SK" baseline="0" dirty="0" smtClean="0"/>
               <a:t>hardware</a:t>
             </a:r>
             <a:endParaRPr lang="en-US" dirty="0"/>
@@ -2568,36 +2883,12 @@
           <a:lstStyle/>
           <a:p>
             <a:r>
-              <a:rPr lang="en-US" dirty="0" err="1" smtClean="0"/>
-              <a:t>Inicializ</a:t>
-            </a:r>
-            <a:r>
-              <a:rPr lang="sk-SK" dirty="0" smtClean="0"/>
-              <a:t>ácia</a:t>
+              <a:rPr lang="sk-SK" dirty="0" smtClean="0"/>
+              <a:t>Hardvérova</a:t>
             </a:r>
             <a:r>
               <a:rPr lang="sk-SK" baseline="0" dirty="0" smtClean="0"/>
-              <a:t> po selekte</a:t>
-            </a:r>
-          </a:p>
-          <a:p>
-            <a:r>
-              <a:rPr lang="sk-SK" baseline="0" dirty="0" smtClean="0"/>
-              <a:t>Rozhoduje</a:t>
-            </a:r>
-          </a:p>
-          <a:p>
-            <a:r>
-              <a:rPr lang="sk-SK" baseline="0" dirty="0" smtClean="0"/>
-              <a:t>Kryptovanie</a:t>
-            </a:r>
-            <a:r>
-              <a:rPr lang="en-US" baseline="0" dirty="0" smtClean="0"/>
-              <a:t>/</a:t>
-            </a:r>
-            <a:r>
-              <a:rPr lang="sk-SK" baseline="0" dirty="0" smtClean="0"/>
-              <a:t>Dekryptovat </a:t>
+              <a:t> implementacia boli pouzite metody</a:t>
             </a:r>
             <a:endParaRPr lang="en-US" dirty="0"/>
           </a:p>
@@ -2621,7 +2912,7 @@
             <a:fld id="{72CCBEF4-1BE4-4B48-AF24-6E8DE69994C4}" type="slidenum">
               <a:rPr lang="en-US" smtClean="0"/>
               <a:pPr/>
-              <a:t>17</a:t>
+              <a:t>12</a:t>
             </a:fld>
             <a:endParaRPr lang="en-US"/>
           </a:p>
@@ -5996,15 +6287,11 @@
           <a:p>
             <a:r>
               <a:rPr lang="sk-SK" dirty="0" smtClean="0"/>
-              <a:t>Referenčná</a:t>
-            </a:r>
-            <a:r>
-              <a:rPr lang="en-US" dirty="0" smtClean="0"/>
-              <a:t> </a:t>
-            </a:r>
-            <a:r>
-              <a:rPr lang="en-US" dirty="0" smtClean="0"/>
-              <a:t>SW</a:t>
+              <a:t>referenčná</a:t>
+            </a:r>
+            <a:r>
+              <a:rPr lang="en-US" dirty="0" smtClean="0"/>
+              <a:t> SW</a:t>
             </a:r>
             <a:r>
               <a:rPr lang="sk-SK" dirty="0" smtClean="0"/>
@@ -6165,7 +6452,11 @@
           <a:p>
             <a:r>
               <a:rPr lang="sk-SK" dirty="0" smtClean="0"/>
-              <a:t>Secure element</a:t>
+              <a:t>JVM, Secure </a:t>
+            </a:r>
+            <a:r>
+              <a:rPr lang="sk-SK" dirty="0" smtClean="0"/>
+              <a:t>element</a:t>
             </a:r>
           </a:p>
           <a:p>
@@ -6224,7 +6515,7 @@
           <p:nvPr/>
         </p:nvPicPr>
         <p:blipFill>
-          <a:blip r:embed="rId2" cstate="print"/>
+          <a:blip r:embed="rId3" cstate="print"/>
           <a:srcRect/>
           <a:stretch>
             <a:fillRect/>
@@ -6331,7 +6622,7 @@
         </p:spPr>
         <p:txBody>
           <a:bodyPr>
-            <a:normAutofit fontScale="70000" lnSpcReduction="20000"/>
+            <a:normAutofit fontScale="62500" lnSpcReduction="20000"/>
           </a:bodyPr>
           <a:lstStyle/>
           <a:p>
@@ -6366,6 +6657,21 @@
             <a:endParaRPr lang="sk-SK" dirty="0" smtClean="0"/>
           </a:p>
           <a:p>
+            <a:pPr lvl="1"/>
+            <a:r>
+              <a:rPr lang="sk-SK" dirty="0" smtClean="0"/>
+              <a:t>SIM,</a:t>
+            </a:r>
+          </a:p>
+          <a:p>
+            <a:pPr lvl="1"/>
+            <a:r>
+              <a:rPr lang="sk-SK" dirty="0" smtClean="0"/>
+              <a:t>platobné karty.</a:t>
+            </a:r>
+            <a:endParaRPr lang="sk-SK" dirty="0" smtClean="0"/>
+          </a:p>
+          <a:p>
             <a:endParaRPr lang="en-US" dirty="0" smtClean="0"/>
           </a:p>
           <a:p>
@@ -6414,8 +6720,13 @@
             </a:r>
             <a:r>
               <a:rPr lang="sk-SK" dirty="0" smtClean="0"/>
-              <a:t>2.667 MHz</a:t>
-            </a:r>
+              <a:t>2.667 </a:t>
+            </a:r>
+            <a:r>
+              <a:rPr lang="sk-SK" dirty="0" smtClean="0"/>
+              <a:t>MHz.</a:t>
+            </a:r>
+            <a:endParaRPr lang="sk-SK" dirty="0" smtClean="0"/>
           </a:p>
           <a:p>
             <a:endParaRPr lang="en-US" dirty="0" smtClean="0"/>
@@ -6431,11 +6742,11 @@
             </a:r>
             <a:r>
               <a:rPr lang="sk-SK" dirty="0" smtClean="0"/>
-              <a:t>O </a:t>
-            </a:r>
-            <a:r>
-              <a:rPr lang="sk-SK" dirty="0" smtClean="0"/>
-              <a:t>signál UART</a:t>
+              <a:t>O signál na </a:t>
+            </a:r>
+            <a:r>
+              <a:rPr lang="sk-SK" dirty="0" smtClean="0"/>
+              <a:t>UART</a:t>
             </a:r>
           </a:p>
           <a:p>
@@ -6463,7 +6774,7 @@
             </a:r>
             <a:r>
               <a:rPr lang="sk-SK" dirty="0" smtClean="0"/>
-              <a:t>)</a:t>
+              <a:t>), informácie o karte, preferované nastavenia</a:t>
             </a:r>
             <a:endParaRPr lang="en-US" dirty="0" smtClean="0"/>
           </a:p>
@@ -6475,6 +6786,11 @@
               <a:rPr lang="sk-SK" dirty="0" smtClean="0"/>
               <a:t>Komunikácia</a:t>
             </a:r>
+            <a:r>
+              <a:rPr lang="en-US" dirty="0" smtClean="0"/>
+              <a:t>:</a:t>
+            </a:r>
+            <a:endParaRPr lang="sk-SK" dirty="0" smtClean="0"/>
           </a:p>
           <a:p>
             <a:pPr lvl="1"/>
@@ -6661,7 +6977,7 @@
           </p:nvPr>
         </p:nvPicPr>
         <p:blipFill>
-          <a:blip r:embed="rId2"/>
+          <a:blip r:embed="rId3"/>
           <a:srcRect/>
           <a:stretch>
             <a:fillRect/>
@@ -6954,7 +7270,7 @@
           </p:nvPr>
         </p:nvPicPr>
         <p:blipFill>
-          <a:blip r:embed="rId2"/>
+          <a:blip r:embed="rId3"/>
           <a:srcRect/>
           <a:stretch>
             <a:fillRect/>
@@ -6987,7 +7303,7 @@
           <p:nvPr/>
         </p:nvPicPr>
         <p:blipFill>
-          <a:blip r:embed="rId3"/>
+          <a:blip r:embed="rId4"/>
           <a:srcRect l="12051" t="2628" r="5869" b="1447"/>
           <a:stretch>
             <a:fillRect/>
@@ -7102,13 +7418,38 @@
             <a:pPr lvl="1"/>
             <a:r>
               <a:rPr lang="sk-SK" dirty="0" smtClean="0"/>
-              <a:t>java</a:t>
-            </a:r>
-          </a:p>
-          <a:p>
-            <a:r>
-              <a:rPr lang="sk-SK" dirty="0" smtClean="0"/>
-              <a:t>HW AES-128 CBC</a:t>
+              <a:t>Java</a:t>
+            </a:r>
+            <a:endParaRPr lang="sk-SK" dirty="0" smtClean="0"/>
+          </a:p>
+          <a:p>
+            <a:r>
+              <a:rPr lang="sk-SK" dirty="0" smtClean="0"/>
+              <a:t>h</a:t>
+            </a:r>
+            <a:r>
+              <a:rPr lang="en-US" dirty="0" err="1" smtClean="0"/>
+              <a:t>ardv</a:t>
+            </a:r>
+            <a:r>
+              <a:rPr lang="sk-SK" dirty="0" smtClean="0"/>
+              <a:t>érovo impl. </a:t>
+            </a:r>
+            <a:r>
+              <a:rPr lang="sk-SK" dirty="0" smtClean="0"/>
+              <a:t>a</a:t>
+            </a:r>
+            <a:r>
+              <a:rPr lang="sk-SK" dirty="0" smtClean="0"/>
+              <a:t>lg.</a:t>
+            </a:r>
+            <a:r>
+              <a:rPr lang="sk-SK" dirty="0" smtClean="0"/>
+              <a:t> </a:t>
+            </a:r>
+            <a:r>
+              <a:rPr lang="sk-SK" dirty="0" smtClean="0"/>
+              <a:t>AES-128 CBC</a:t>
             </a:r>
           </a:p>
           <a:p>
@@ -7244,11 +7585,19 @@
             </a:r>
             <a:r>
               <a:rPr lang="sk-SK" dirty="0" smtClean="0"/>
-              <a:t> K</a:t>
+              <a:t> </a:t>
+            </a:r>
+            <a:r>
+              <a:rPr lang="sk-SK" dirty="0" smtClean="0"/>
+              <a:t>Funkc. k</a:t>
             </a:r>
             <a:r>
               <a:rPr lang="en-US" dirty="0" err="1" smtClean="0"/>
-              <a:t>onzola</a:t>
+              <a:t>onzol</a:t>
+            </a:r>
+            <a:r>
+              <a:rPr lang="sk-SK" dirty="0" smtClean="0"/>
+              <a:t>y</a:t>
             </a:r>
             <a:endParaRPr lang="en-US" dirty="0"/>
           </a:p>
@@ -7272,12 +7621,12 @@
           <a:lstStyle/>
           <a:p>
             <a:r>
-              <a:rPr lang="en-US" dirty="0" smtClean="0"/>
-              <a:t>Desktop-</a:t>
+              <a:rPr lang="sk-SK" dirty="0" smtClean="0"/>
+              <a:t>d</a:t>
             </a:r>
             <a:r>
               <a:rPr lang="en-US" dirty="0" err="1" smtClean="0"/>
-              <a:t>senzor</a:t>
+              <a:t>esktop-senzor</a:t>
             </a:r>
             <a:r>
               <a:rPr lang="sk-SK" dirty="0" smtClean="0"/>
@@ -7598,7 +7947,7 @@
             </a:r>
             <a:r>
               <a:rPr lang="sk-SK" dirty="0" smtClean="0"/>
-              <a:t>neustály boj</a:t>
+              <a:t>neustály boj,</a:t>
             </a:r>
             <a:endParaRPr lang="sk-SK" dirty="0" smtClean="0"/>
           </a:p>
@@ -9777,7 +10126,7 @@
         <p:spPr/>
         <p:txBody>
           <a:bodyPr>
-            <a:normAutofit lnSpcReduction="10000"/>
+            <a:normAutofit/>
           </a:bodyPr>
           <a:lstStyle/>
           <a:p>
@@ -9869,7 +10218,11 @@
             </a:r>
             <a:r>
               <a:rPr lang="sk-SK" dirty="0" smtClean="0"/>
-              <a:t>postrácanie ANT </a:t>
+              <a:t>strata </a:t>
+            </a:r>
+            <a:r>
+              <a:rPr lang="sk-SK" dirty="0" smtClean="0"/>
+              <a:t>ANT </a:t>
             </a:r>
             <a:r>
               <a:rPr lang="sk-SK" dirty="0" smtClean="0"/>
@@ -11603,7 +11956,9 @@
         </p:nvSpPr>
         <p:spPr/>
         <p:txBody>
-          <a:bodyPr/>
+          <a:bodyPr>
+            <a:normAutofit/>
+          </a:bodyPr>
           <a:lstStyle/>
           <a:p>
             <a:r>
@@ -11620,12 +11975,16 @@
             </a:r>
             <a:r>
               <a:rPr lang="sk-SK" dirty="0" smtClean="0"/>
-              <a:t>fyzické výsledky</a:t>
+              <a:t>fyzické </a:t>
+            </a:r>
+            <a:r>
+              <a:rPr lang="sk-SK" dirty="0" smtClean="0"/>
+              <a:t>výsledky,</a:t>
             </a:r>
             <a:endParaRPr lang="en-US" dirty="0" smtClean="0"/>
           </a:p>
           <a:p>
-            <a:endParaRPr lang="en-US" dirty="0" smtClean="0"/>
+            <a:endParaRPr lang="sk-SK" dirty="0" smtClean="0"/>
           </a:p>
           <a:p>
             <a:r>
@@ -11638,21 +11997,8 @@
             </a:r>
             <a:r>
               <a:rPr lang="sk-SK" dirty="0" smtClean="0"/>
-              <a:t>ý návrh</a:t>
-            </a:r>
-            <a:r>
-              <a:rPr lang="sk-SK" dirty="0" smtClean="0"/>
-              <a:t> </a:t>
-            </a:r>
-            <a:r>
-              <a:rPr lang="sk-SK" dirty="0" smtClean="0"/>
-              <a:t>(rôznorodosť</a:t>
-            </a:r>
-            <a:r>
-              <a:rPr lang="sk-SK" dirty="0" smtClean="0"/>
-              <a:t>),</a:t>
-            </a:r>
-            <a:endParaRPr lang="sk-SK" dirty="0" smtClean="0"/>
+              <a:t>ý návrh (rôznorodosť),</a:t>
+            </a:r>
           </a:p>
           <a:p>
             <a:r>
@@ -11791,7 +12137,15 @@
             </a:r>
             <a:r>
               <a:rPr lang="sk-SK" dirty="0" smtClean="0"/>
-              <a:t>kontrola, či sa nič neposiela.</a:t>
+              <a:t>kontrola, či sa </a:t>
+            </a:r>
+            <a:r>
+              <a:rPr lang="sk-SK" dirty="0" smtClean="0"/>
+              <a:t>niečo posiela</a:t>
+            </a:r>
+            <a:r>
+              <a:rPr lang="sk-SK" dirty="0" smtClean="0"/>
+              <a:t>.</a:t>
             </a:r>
             <a:endParaRPr lang="en-US" dirty="0" smtClean="0"/>
           </a:p>
@@ -12019,11 +12373,7 @@
           <a:p>
             <a:r>
               <a:rPr lang="sk-SK" dirty="0" smtClean="0"/>
-              <a:t>Ako </a:t>
-            </a:r>
-            <a:r>
-              <a:rPr lang="sk-SK" dirty="0" smtClean="0"/>
-              <a:t>zefek</a:t>
+              <a:t>Zefek</a:t>
             </a:r>
             <a:r>
               <a:rPr lang="en-US" dirty="0" smtClean="0"/>
@@ -12031,7 +12381,7 @@
             </a:r>
             <a:r>
               <a:rPr lang="sk-SK" dirty="0" smtClean="0"/>
-              <a:t>ívniť </a:t>
+              <a:t>ívnenie </a:t>
             </a:r>
             <a:r>
               <a:rPr lang="en-US" dirty="0" smtClean="0"/>
@@ -12039,11 +12389,11 @@
             </a:r>
             <a:r>
               <a:rPr lang="en-US" dirty="0" err="1" smtClean="0"/>
-              <a:t>kryptovanie</a:t>
-            </a:r>
-            <a:r>
-              <a:rPr lang="en-US" dirty="0" smtClean="0"/>
-              <a:t>?</a:t>
+              <a:t>kryptovani</a:t>
+            </a:r>
+            <a:r>
+              <a:rPr lang="sk-SK" dirty="0" smtClean="0"/>
+              <a:t>a</a:t>
             </a:r>
             <a:endParaRPr lang="en-US" dirty="0"/>
           </a:p>
@@ -12062,7 +12412,7 @@
         <p:spPr/>
         <p:txBody>
           <a:bodyPr>
-            <a:normAutofit fontScale="85000" lnSpcReduction="20000"/>
+            <a:normAutofit fontScale="70000" lnSpcReduction="20000"/>
           </a:bodyPr>
           <a:lstStyle/>
           <a:p>
@@ -12090,6 +12440,20 @@
             <a:r>
               <a:rPr lang="sk-SK" dirty="0" smtClean="0"/>
               <a:t>GPIO,</a:t>
+            </a:r>
+          </a:p>
+          <a:p>
+            <a:pPr lvl="1"/>
+            <a:r>
+              <a:rPr lang="sk-SK" dirty="0" smtClean="0"/>
+              <a:t>programovo max. 4MHz s 16MHz kryštálom</a:t>
+            </a:r>
+          </a:p>
+          <a:p>
+            <a:pPr lvl="1"/>
+            <a:r>
+              <a:rPr lang="sk-SK" dirty="0" smtClean="0"/>
+              <a:t>dedikovaný oscilátor max. 20MHz pri niektorých smart kartách</a:t>
             </a:r>
             <a:endParaRPr lang="sk-SK" dirty="0" smtClean="0"/>
           </a:p>
@@ -13242,7 +13606,11 @@
           <a:p>
             <a:r>
               <a:rPr lang="en-US" dirty="0" smtClean="0"/>
-              <a:t>DK Nordic Semi</a:t>
+              <a:t>Nordic </a:t>
+            </a:r>
+            <a:r>
+              <a:rPr lang="en-US" dirty="0" smtClean="0"/>
+              <a:t>Semi</a:t>
             </a:r>
             <a:r>
               <a:rPr lang="sk-SK" dirty="0" smtClean="0"/>

--- a/Obhajoba/xdoubravsky_dp.pptx
+++ b/Obhajoba/xdoubravsky_dp.pptx
@@ -5,44 +5,46 @@
     <p:sldMasterId id="2147483648" r:id="rId1"/>
   </p:sldMasterIdLst>
   <p:notesMasterIdLst>
-    <p:notesMasterId r:id="rId37"/>
+    <p:notesMasterId r:id="rId39"/>
   </p:notesMasterIdLst>
   <p:sldIdLst>
     <p:sldId id="256" r:id="rId2"/>
     <p:sldId id="257" r:id="rId3"/>
-    <p:sldId id="286" r:id="rId4"/>
-    <p:sldId id="283" r:id="rId5"/>
-    <p:sldId id="285" r:id="rId6"/>
-    <p:sldId id="271" r:id="rId7"/>
-    <p:sldId id="287" r:id="rId8"/>
-    <p:sldId id="258" r:id="rId9"/>
-    <p:sldId id="289" r:id="rId10"/>
-    <p:sldId id="278" r:id="rId11"/>
-    <p:sldId id="270" r:id="rId12"/>
-    <p:sldId id="272" r:id="rId13"/>
-    <p:sldId id="279" r:id="rId14"/>
-    <p:sldId id="276" r:id="rId15"/>
-    <p:sldId id="275" r:id="rId16"/>
-    <p:sldId id="284" r:id="rId17"/>
-    <p:sldId id="280" r:id="rId18"/>
-    <p:sldId id="281" r:id="rId19"/>
-    <p:sldId id="265" r:id="rId20"/>
-    <p:sldId id="266" r:id="rId21"/>
-    <p:sldId id="292" r:id="rId22"/>
-    <p:sldId id="293" r:id="rId23"/>
-    <p:sldId id="294" r:id="rId24"/>
-    <p:sldId id="273" r:id="rId25"/>
-    <p:sldId id="259" r:id="rId26"/>
-    <p:sldId id="282" r:id="rId27"/>
-    <p:sldId id="263" r:id="rId28"/>
-    <p:sldId id="260" r:id="rId29"/>
-    <p:sldId id="269" r:id="rId30"/>
-    <p:sldId id="261" r:id="rId31"/>
-    <p:sldId id="267" r:id="rId32"/>
-    <p:sldId id="288" r:id="rId33"/>
-    <p:sldId id="268" r:id="rId34"/>
-    <p:sldId id="291" r:id="rId35"/>
-    <p:sldId id="290" r:id="rId36"/>
+    <p:sldId id="297" r:id="rId4"/>
+    <p:sldId id="296" r:id="rId5"/>
+    <p:sldId id="283" r:id="rId6"/>
+    <p:sldId id="285" r:id="rId7"/>
+    <p:sldId id="271" r:id="rId8"/>
+    <p:sldId id="287" r:id="rId9"/>
+    <p:sldId id="258" r:id="rId10"/>
+    <p:sldId id="289" r:id="rId11"/>
+    <p:sldId id="278" r:id="rId12"/>
+    <p:sldId id="270" r:id="rId13"/>
+    <p:sldId id="272" r:id="rId14"/>
+    <p:sldId id="279" r:id="rId15"/>
+    <p:sldId id="276" r:id="rId16"/>
+    <p:sldId id="275" r:id="rId17"/>
+    <p:sldId id="284" r:id="rId18"/>
+    <p:sldId id="280" r:id="rId19"/>
+    <p:sldId id="281" r:id="rId20"/>
+    <p:sldId id="265" r:id="rId21"/>
+    <p:sldId id="266" r:id="rId22"/>
+    <p:sldId id="292" r:id="rId23"/>
+    <p:sldId id="293" r:id="rId24"/>
+    <p:sldId id="294" r:id="rId25"/>
+    <p:sldId id="273" r:id="rId26"/>
+    <p:sldId id="259" r:id="rId27"/>
+    <p:sldId id="282" r:id="rId28"/>
+    <p:sldId id="263" r:id="rId29"/>
+    <p:sldId id="260" r:id="rId30"/>
+    <p:sldId id="269" r:id="rId31"/>
+    <p:sldId id="261" r:id="rId32"/>
+    <p:sldId id="267" r:id="rId33"/>
+    <p:sldId id="288" r:id="rId34"/>
+    <p:sldId id="268" r:id="rId35"/>
+    <p:sldId id="291" r:id="rId36"/>
+    <p:sldId id="290" r:id="rId37"/>
+    <p:sldId id="295" r:id="rId38"/>
   </p:sldIdLst>
   <p:sldSz cx="9144000" cy="6858000" type="screen4x3"/>
   <p:notesSz cx="6858000" cy="9144000"/>
@@ -895,7 +897,11 @@
           <a:p>
             <a:r>
               <a:rPr lang="sk-SK" dirty="0" smtClean="0"/>
-              <a:t>Pasivne prepojenie</a:t>
+              <a:t>Hardvérova</a:t>
+            </a:r>
+            <a:r>
+              <a:rPr lang="sk-SK" baseline="0" dirty="0" smtClean="0"/>
+              <a:t> implementacia boli pouzite metody</a:t>
             </a:r>
             <a:endParaRPr lang="en-US" dirty="0"/>
           </a:p>
@@ -919,7 +925,7 @@
             <a:fld id="{72CCBEF4-1BE4-4B48-AF24-6E8DE69994C4}" type="slidenum">
               <a:rPr lang="en-US" smtClean="0"/>
               <a:pPr/>
-              <a:t>14</a:t>
+              <a:t>13</a:t>
             </a:fld>
             <a:endParaRPr lang="en-US"/>
           </a:p>
@@ -981,11 +987,7 @@
           <a:p>
             <a:r>
               <a:rPr lang="sk-SK" dirty="0" smtClean="0"/>
-              <a:t>Rozloženie</a:t>
-            </a:r>
-            <a:r>
-              <a:rPr lang="sk-SK" baseline="0" dirty="0" smtClean="0"/>
-              <a:t> súciastok a preniest layout na dosku</a:t>
+              <a:t>Pasivne prepojenie</a:t>
             </a:r>
             <a:endParaRPr lang="en-US" dirty="0"/>
           </a:p>
@@ -1009,7 +1011,7 @@
             <a:fld id="{72CCBEF4-1BE4-4B48-AF24-6E8DE69994C4}" type="slidenum">
               <a:rPr lang="en-US" smtClean="0"/>
               <a:pPr/>
-              <a:t>16</a:t>
+              <a:t>15</a:t>
             </a:fld>
             <a:endParaRPr lang="en-US"/>
           </a:p>
@@ -1070,36 +1072,12 @@
           <a:lstStyle/>
           <a:p>
             <a:r>
-              <a:rPr lang="en-US" dirty="0" err="1" smtClean="0"/>
-              <a:t>Inicializ</a:t>
-            </a:r>
-            <a:r>
-              <a:rPr lang="sk-SK" dirty="0" smtClean="0"/>
-              <a:t>ácia</a:t>
+              <a:rPr lang="sk-SK" dirty="0" smtClean="0"/>
+              <a:t>Rozloženie</a:t>
             </a:r>
             <a:r>
               <a:rPr lang="sk-SK" baseline="0" dirty="0" smtClean="0"/>
-              <a:t> po selekte</a:t>
-            </a:r>
-          </a:p>
-          <a:p>
-            <a:r>
-              <a:rPr lang="sk-SK" baseline="0" dirty="0" smtClean="0"/>
-              <a:t>Rozhoduje</a:t>
-            </a:r>
-          </a:p>
-          <a:p>
-            <a:r>
-              <a:rPr lang="sk-SK" baseline="0" dirty="0" smtClean="0"/>
-              <a:t>Kryptovanie</a:t>
-            </a:r>
-            <a:r>
-              <a:rPr lang="en-US" baseline="0" dirty="0" smtClean="0"/>
-              <a:t>/</a:t>
-            </a:r>
-            <a:r>
-              <a:rPr lang="sk-SK" baseline="0" dirty="0" smtClean="0"/>
-              <a:t>Dekryptovat </a:t>
+              <a:t> súciastok a preniest layout na dosku</a:t>
             </a:r>
             <a:endParaRPr lang="en-US" dirty="0"/>
           </a:p>
@@ -1184,160 +1162,37 @@
           <a:lstStyle/>
           <a:p>
             <a:r>
-              <a:rPr lang="en-US" dirty="0" smtClean="0"/>
-              <a:t>Desktop </a:t>
-            </a:r>
-            <a:r>
               <a:rPr lang="en-US" dirty="0" err="1" smtClean="0"/>
-              <a:t>senzor</a:t>
-            </a:r>
-            <a:endParaRPr lang="en-US" dirty="0" smtClean="0"/>
-          </a:p>
-          <a:p>
-            <a:endParaRPr lang="en-US" dirty="0" smtClean="0"/>
-          </a:p>
-          <a:p>
-            <a:pPr marL="0" marR="0" lvl="1" indent="0" algn="l" defTabSz="914400" rtl="0" eaLnBrk="1" fontAlgn="auto" latinLnBrk="0" hangingPunct="1">
-              <a:lnSpc>
-                <a:spcPct val="100000"/>
-              </a:lnSpc>
-              <a:spcBef>
-                <a:spcPts val="0"/>
-              </a:spcBef>
-              <a:spcAft>
-                <a:spcPts val="0"/>
-              </a:spcAft>
-              <a:buClrTx/>
-              <a:buSzTx/>
-              <a:buFontTx/>
-              <a:buNone/>
-              <a:tabLst/>
-              <a:defRPr/>
-            </a:pPr>
-            <a:endParaRPr lang="en-US" dirty="0" smtClean="0"/>
-          </a:p>
-          <a:p>
-            <a:pPr marL="0" marR="0" lvl="1" indent="0" algn="l" defTabSz="914400" rtl="0" eaLnBrk="1" fontAlgn="auto" latinLnBrk="0" hangingPunct="1">
-              <a:lnSpc>
-                <a:spcPct val="100000"/>
-              </a:lnSpc>
-              <a:spcBef>
-                <a:spcPts val="0"/>
-              </a:spcBef>
-              <a:spcAft>
-                <a:spcPts val="0"/>
-              </a:spcAft>
-              <a:buClrTx/>
-              <a:buSzTx/>
-              <a:buFontTx/>
-              <a:buNone/>
-              <a:tabLst/>
-              <a:defRPr/>
-            </a:pPr>
-            <a:r>
-              <a:rPr lang="sk-SK" dirty="0" smtClean="0"/>
-              <a:t>testovacie výpisy,</a:t>
-            </a:r>
-            <a:endParaRPr lang="en-US" dirty="0" smtClean="0"/>
-          </a:p>
-          <a:p>
-            <a:pPr marL="0" marR="0" lvl="1" indent="0" algn="l" defTabSz="914400" rtl="0" eaLnBrk="1" fontAlgn="auto" latinLnBrk="0" hangingPunct="1">
-              <a:lnSpc>
-                <a:spcPct val="100000"/>
-              </a:lnSpc>
-              <a:spcBef>
-                <a:spcPts val="0"/>
-              </a:spcBef>
-              <a:spcAft>
-                <a:spcPts val="0"/>
-              </a:spcAft>
-              <a:buClrTx/>
-              <a:buSzTx/>
-              <a:buFontTx/>
-              <a:buNone/>
-              <a:tabLst/>
-              <a:defRPr/>
-            </a:pPr>
-            <a:r>
-              <a:rPr lang="sk-SK" dirty="0" smtClean="0"/>
-              <a:t>výpis ATR správy</a:t>
-            </a:r>
-            <a:r>
-              <a:rPr lang="en-US" dirty="0" smtClean="0"/>
-              <a:t>,</a:t>
-            </a:r>
-            <a:endParaRPr lang="sk-SK" dirty="0" smtClean="0"/>
-          </a:p>
-          <a:p>
-            <a:pPr lvl="1"/>
-            <a:r>
-              <a:rPr lang="sk-SK" dirty="0" smtClean="0"/>
-              <a:t>posielanie preddefinovaných správ,</a:t>
-            </a:r>
-          </a:p>
-          <a:p>
-            <a:pPr lvl="1"/>
-            <a:r>
-              <a:rPr lang="sk-SK" dirty="0" smtClean="0"/>
-              <a:t>aktivácia, deaktivácia, resetovanie,</a:t>
-            </a:r>
-          </a:p>
-          <a:p>
-            <a:pPr lvl="1"/>
-            <a:r>
-              <a:rPr lang="sk-SK" dirty="0" smtClean="0"/>
-              <a:t>p</a:t>
-            </a:r>
-            <a:r>
-              <a:rPr lang="en-US" dirty="0" err="1" smtClean="0"/>
-              <a:t>reh</a:t>
-            </a:r>
-            <a:r>
-              <a:rPr lang="sk-SK" dirty="0" smtClean="0"/>
-              <a:t>ľadávanie inštrukcií,</a:t>
-            </a:r>
-            <a:endParaRPr lang="en-US" dirty="0" smtClean="0"/>
-          </a:p>
-          <a:p>
-            <a:pPr lvl="1"/>
-            <a:r>
-              <a:rPr lang="sk-SK" dirty="0" smtClean="0"/>
-              <a:t>ľudsky čitateľný výpis stavu z odpovedi,</a:t>
-            </a:r>
-            <a:endParaRPr lang="en-US" dirty="0" smtClean="0"/>
-          </a:p>
-          <a:p>
-            <a:pPr lvl="1"/>
-            <a:r>
-              <a:rPr lang="en-US" dirty="0" smtClean="0"/>
-              <a:t>z</a:t>
-            </a:r>
-            <a:r>
-              <a:rPr lang="sk-SK" dirty="0" smtClean="0"/>
-              <a:t>menenie baudovej rýchlosti.</a:t>
-            </a:r>
-          </a:p>
-          <a:p>
-            <a:pPr marL="0" marR="0" lvl="1" indent="0" algn="l" defTabSz="914400" rtl="0" eaLnBrk="1" fontAlgn="auto" latinLnBrk="0" hangingPunct="1">
-              <a:lnSpc>
-                <a:spcPct val="100000"/>
-              </a:lnSpc>
-              <a:spcBef>
-                <a:spcPts val="0"/>
-              </a:spcBef>
-              <a:spcAft>
-                <a:spcPts val="0"/>
-              </a:spcAft>
-              <a:buClrTx/>
-              <a:buSzTx/>
-              <a:buFontTx/>
-              <a:buNone/>
-              <a:tabLst/>
-              <a:defRPr/>
-            </a:pPr>
-            <a:endParaRPr lang="sk-SK" dirty="0" smtClean="0"/>
-          </a:p>
-          <a:p>
+              <a:t>Inicializ</a:t>
+            </a:r>
+            <a:r>
+              <a:rPr lang="sk-SK" dirty="0" smtClean="0"/>
+              <a:t>ácia</a:t>
+            </a:r>
+            <a:r>
+              <a:rPr lang="sk-SK" baseline="0" dirty="0" smtClean="0"/>
+              <a:t> po selekte</a:t>
+            </a:r>
+          </a:p>
+          <a:p>
+            <a:r>
+              <a:rPr lang="sk-SK" baseline="0" dirty="0" smtClean="0"/>
+              <a:t>Rozhoduje</a:t>
+            </a:r>
+          </a:p>
+          <a:p>
+            <a:r>
+              <a:rPr lang="sk-SK" baseline="0" dirty="0" smtClean="0"/>
+              <a:t>Kryptovanie</a:t>
+            </a:r>
+            <a:r>
+              <a:rPr lang="en-US" baseline="0" dirty="0" smtClean="0"/>
+              <a:t>/</a:t>
+            </a:r>
+            <a:r>
+              <a:rPr lang="sk-SK" baseline="0" dirty="0" smtClean="0"/>
+              <a:t>Dekryptovat </a:t>
+            </a:r>
             <a:endParaRPr lang="en-US" dirty="0"/>
           </a:p>
         </p:txBody>
@@ -1421,36 +1276,20 @@
           <a:lstStyle/>
           <a:p>
             <a:r>
-              <a:rPr lang="sk-SK" dirty="0" smtClean="0"/>
-              <a:t>automatizovane</a:t>
-            </a:r>
-          </a:p>
-          <a:p>
-            <a:r>
-              <a:rPr lang="sk-SK" dirty="0" smtClean="0"/>
-              <a:t>Programovo</a:t>
-            </a:r>
-            <a:r>
-              <a:rPr lang="sk-SK" baseline="0" dirty="0" smtClean="0"/>
-              <a:t> </a:t>
-            </a:r>
-            <a:r>
-              <a:rPr lang="sk-SK" baseline="0" dirty="0" smtClean="0"/>
-              <a:t>generuju data,</a:t>
-            </a:r>
-          </a:p>
-          <a:p>
-            <a:r>
-              <a:rPr lang="sk-SK" baseline="0" dirty="0" smtClean="0"/>
-              <a:t>Implementovane </a:t>
-            </a:r>
-            <a:r>
-              <a:rPr lang="sk-SK" baseline="0" dirty="0" smtClean="0"/>
-              <a:t>timeout</a:t>
-            </a:r>
-          </a:p>
-          <a:p>
-            <a:pPr marL="0" marR="0" indent="0" algn="l" defTabSz="914400" rtl="0" eaLnBrk="1" fontAlgn="auto" latinLnBrk="0" hangingPunct="1">
+              <a:rPr lang="en-US" dirty="0" smtClean="0"/>
+              <a:t>Desktop </a:t>
+            </a:r>
+            <a:r>
+              <a:rPr lang="en-US" dirty="0" err="1" smtClean="0"/>
+              <a:t>senzor</a:t>
+            </a:r>
+            <a:endParaRPr lang="en-US" dirty="0" smtClean="0"/>
+          </a:p>
+          <a:p>
+            <a:endParaRPr lang="en-US" dirty="0" smtClean="0"/>
+          </a:p>
+          <a:p>
+            <a:pPr marL="0" marR="0" lvl="1" indent="0" algn="l" defTabSz="914400" rtl="0" eaLnBrk="1" fontAlgn="auto" latinLnBrk="0" hangingPunct="1">
               <a:lnSpc>
                 <a:spcPct val="100000"/>
               </a:lnSpc>
@@ -1467,10 +1306,131 @@
               <a:tabLst/>
               <a:defRPr/>
             </a:pPr>
-            <a:r>
-              <a:rPr lang="sk-SK" baseline="0" dirty="0" smtClean="0"/>
-              <a:t>Treshold 200 hodnot</a:t>
-            </a:r>
+            <a:endParaRPr lang="en-US" dirty="0" smtClean="0"/>
+          </a:p>
+          <a:p>
+            <a:pPr marL="0" marR="0" lvl="1" indent="0" algn="l" defTabSz="914400" rtl="0" eaLnBrk="1" fontAlgn="auto" latinLnBrk="0" hangingPunct="1">
+              <a:lnSpc>
+                <a:spcPct val="100000"/>
+              </a:lnSpc>
+              <a:spcBef>
+                <a:spcPts val="0"/>
+              </a:spcBef>
+              <a:spcAft>
+                <a:spcPts val="0"/>
+              </a:spcAft>
+              <a:buClrTx/>
+              <a:buSzTx/>
+              <a:buFontTx/>
+              <a:buNone/>
+              <a:tabLst/>
+              <a:defRPr/>
+            </a:pPr>
+            <a:r>
+              <a:rPr lang="sk-SK" dirty="0" smtClean="0"/>
+              <a:t>testovacie výpisy,</a:t>
+            </a:r>
+            <a:endParaRPr lang="en-US" dirty="0" smtClean="0"/>
+          </a:p>
+          <a:p>
+            <a:pPr marL="0" marR="0" lvl="1" indent="0" algn="l" defTabSz="914400" rtl="0" eaLnBrk="1" fontAlgn="auto" latinLnBrk="0" hangingPunct="1">
+              <a:lnSpc>
+                <a:spcPct val="100000"/>
+              </a:lnSpc>
+              <a:spcBef>
+                <a:spcPts val="0"/>
+              </a:spcBef>
+              <a:spcAft>
+                <a:spcPts val="0"/>
+              </a:spcAft>
+              <a:buClrTx/>
+              <a:buSzTx/>
+              <a:buFontTx/>
+              <a:buNone/>
+              <a:tabLst/>
+              <a:defRPr/>
+            </a:pPr>
+            <a:r>
+              <a:rPr lang="sk-SK" dirty="0" smtClean="0"/>
+              <a:t>výpis ATR správy</a:t>
+            </a:r>
+            <a:r>
+              <a:rPr lang="en-US" dirty="0" smtClean="0"/>
+              <a:t>,</a:t>
+            </a:r>
+            <a:endParaRPr lang="sk-SK" dirty="0" smtClean="0"/>
+          </a:p>
+          <a:p>
+            <a:pPr lvl="1"/>
+            <a:r>
+              <a:rPr lang="sk-SK" dirty="0" smtClean="0"/>
+              <a:t>posielanie preddefinovaných správ,</a:t>
+            </a:r>
+          </a:p>
+          <a:p>
+            <a:pPr lvl="1"/>
+            <a:r>
+              <a:rPr lang="sk-SK" dirty="0" smtClean="0"/>
+              <a:t>aktivácia, deaktivácia, resetovanie,</a:t>
+            </a:r>
+          </a:p>
+          <a:p>
+            <a:pPr lvl="1"/>
+            <a:r>
+              <a:rPr lang="sk-SK" dirty="0" smtClean="0"/>
+              <a:t>p</a:t>
+            </a:r>
+            <a:r>
+              <a:rPr lang="en-US" dirty="0" err="1" smtClean="0"/>
+              <a:t>reh</a:t>
+            </a:r>
+            <a:r>
+              <a:rPr lang="sk-SK" dirty="0" smtClean="0"/>
+              <a:t>ľadávanie inštrukcií,</a:t>
+            </a:r>
+            <a:endParaRPr lang="en-US" dirty="0" smtClean="0"/>
+          </a:p>
+          <a:p>
+            <a:pPr lvl="1"/>
+            <a:r>
+              <a:rPr lang="sk-SK" dirty="0" smtClean="0"/>
+              <a:t>ľudsky čitateľný výpis stavu z odpovedi,</a:t>
+            </a:r>
+            <a:endParaRPr lang="en-US" dirty="0" smtClean="0"/>
+          </a:p>
+          <a:p>
+            <a:pPr lvl="1"/>
+            <a:r>
+              <a:rPr lang="en-US" dirty="0" smtClean="0"/>
+              <a:t>z</a:t>
+            </a:r>
+            <a:r>
+              <a:rPr lang="sk-SK" dirty="0" smtClean="0"/>
+              <a:t>menenie baudovej rýchlosti.</a:t>
+            </a:r>
+          </a:p>
+          <a:p>
+            <a:pPr marL="0" marR="0" lvl="1" indent="0" algn="l" defTabSz="914400" rtl="0" eaLnBrk="1" fontAlgn="auto" latinLnBrk="0" hangingPunct="1">
+              <a:lnSpc>
+                <a:spcPct val="100000"/>
+              </a:lnSpc>
+              <a:spcBef>
+                <a:spcPts val="0"/>
+              </a:spcBef>
+              <a:spcAft>
+                <a:spcPts val="0"/>
+              </a:spcAft>
+              <a:buClrTx/>
+              <a:buSzTx/>
+              <a:buFontTx/>
+              <a:buNone/>
+              <a:tabLst/>
+              <a:defRPr/>
+            </a:pPr>
+            <a:endParaRPr lang="sk-SK" dirty="0" smtClean="0"/>
+          </a:p>
+          <a:p>
+            <a:endParaRPr lang="en-US" dirty="0"/>
           </a:p>
         </p:txBody>
       </p:sp>
@@ -1554,9 +1514,55 @@
           <a:p>
             <a:r>
               <a:rPr lang="sk-SK" dirty="0" smtClean="0"/>
-              <a:t>Dopad na rýhlosť</a:t>
-            </a:r>
-            <a:endParaRPr lang="en-US" dirty="0"/>
+              <a:t>automatizovane</a:t>
+            </a:r>
+          </a:p>
+          <a:p>
+            <a:r>
+              <a:rPr lang="sk-SK" dirty="0" smtClean="0"/>
+              <a:t>Programovo</a:t>
+            </a:r>
+            <a:r>
+              <a:rPr lang="sk-SK" baseline="0" dirty="0" smtClean="0"/>
+              <a:t> </a:t>
+            </a:r>
+            <a:r>
+              <a:rPr lang="sk-SK" baseline="0" dirty="0" smtClean="0"/>
+              <a:t>generuju data,</a:t>
+            </a:r>
+          </a:p>
+          <a:p>
+            <a:r>
+              <a:rPr lang="sk-SK" baseline="0" dirty="0" smtClean="0"/>
+              <a:t>Implementovane </a:t>
+            </a:r>
+            <a:r>
+              <a:rPr lang="sk-SK" baseline="0" dirty="0" smtClean="0"/>
+              <a:t>timeout</a:t>
+            </a:r>
+          </a:p>
+          <a:p>
+            <a:pPr marL="0" marR="0" indent="0" algn="l" defTabSz="914400" rtl="0" eaLnBrk="1" fontAlgn="auto" latinLnBrk="0" hangingPunct="1">
+              <a:lnSpc>
+                <a:spcPct val="100000"/>
+              </a:lnSpc>
+              <a:spcBef>
+                <a:spcPts val="0"/>
+              </a:spcBef>
+              <a:spcAft>
+                <a:spcPts val="0"/>
+              </a:spcAft>
+              <a:buClrTx/>
+              <a:buSzTx/>
+              <a:buFontTx/>
+              <a:buNone/>
+              <a:tabLst/>
+              <a:defRPr/>
+            </a:pPr>
+            <a:r>
+              <a:rPr lang="sk-SK" baseline="0" dirty="0" smtClean="0"/>
+              <a:t>Treshold 200 hodnot</a:t>
+            </a:r>
           </a:p>
         </p:txBody>
       </p:sp>
@@ -1578,7 +1584,7 @@
             <a:fld id="{72CCBEF4-1BE4-4B48-AF24-6E8DE69994C4}" type="slidenum">
               <a:rPr lang="en-US" smtClean="0"/>
               <a:pPr/>
-              <a:t>26</a:t>
+              <a:t>20</a:t>
             </a:fld>
             <a:endParaRPr lang="en-US"/>
           </a:p>
@@ -1638,6 +1644,10 @@
           </a:bodyPr>
           <a:lstStyle/>
           <a:p>
+            <a:r>
+              <a:rPr lang="sk-SK" dirty="0" smtClean="0"/>
+              <a:t>Dopad na rýhlosť</a:t>
+            </a:r>
             <a:endParaRPr lang="en-US" dirty="0"/>
           </a:p>
         </p:txBody>
@@ -1660,7 +1670,7 @@
             <a:fld id="{72CCBEF4-1BE4-4B48-AF24-6E8DE69994C4}" type="slidenum">
               <a:rPr lang="en-US" smtClean="0"/>
               <a:pPr/>
-              <a:t>28</a:t>
+              <a:t>27</a:t>
             </a:fld>
             <a:endParaRPr lang="en-US"/>
           </a:p>
@@ -1720,43 +1730,6 @@
           </a:bodyPr>
           <a:lstStyle/>
           <a:p>
-            <a:r>
-              <a:rPr lang="sk-SK" dirty="0" smtClean="0"/>
-              <a:t>Veľkosť</a:t>
-            </a:r>
-            <a:r>
-              <a:rPr lang="sk-SK" baseline="0" dirty="0" smtClean="0"/>
-              <a:t> siete, rozšíriteľnosti</a:t>
-            </a:r>
-            <a:endParaRPr lang="sk-SK" dirty="0" smtClean="0"/>
-          </a:p>
-          <a:p>
-            <a:r>
-              <a:rPr lang="sk-SK" dirty="0" smtClean="0"/>
-              <a:t>Rychlost, cena,</a:t>
-            </a:r>
-          </a:p>
-          <a:p>
-            <a:r>
-              <a:rPr lang="sk-SK" dirty="0" smtClean="0"/>
-              <a:t>Frekvencia</a:t>
-            </a:r>
-            <a:r>
-              <a:rPr lang="sk-SK" baseline="0" dirty="0" smtClean="0"/>
-              <a:t> nosnej vlny</a:t>
-            </a:r>
-          </a:p>
-          <a:p>
-            <a:r>
-              <a:rPr lang="sk-SK" baseline="0" dirty="0" smtClean="0"/>
-              <a:t>Prenosove ryhlosti</a:t>
-            </a:r>
-          </a:p>
-          <a:p>
-            <a:r>
-              <a:rPr lang="sk-SK" baseline="0" dirty="0" smtClean="0"/>
-              <a:t>kódovania</a:t>
-            </a:r>
             <a:endParaRPr lang="en-US" dirty="0"/>
           </a:p>
         </p:txBody>
@@ -1780,6 +1753,125 @@
               <a:rPr lang="en-US" smtClean="0"/>
               <a:pPr/>
               <a:t>29</a:t>
+            </a:fld>
+            <a:endParaRPr lang="en-US"/>
+          </a:p>
+        </p:txBody>
+      </p:sp>
+    </p:spTree>
+  </p:cSld>
+  <p:clrMapOvr>
+    <a:masterClrMapping/>
+  </p:clrMapOvr>
+</p:notes>
+</file>
+
+<file path=ppt/notesSlides/notesSlide18.xml><?xml version="1.0" encoding="utf-8"?>
+<p:notes xmlns:a="http://schemas.openxmlformats.org/drawingml/2006/main" xmlns:r="http://schemas.openxmlformats.org/officeDocument/2006/relationships" xmlns:p="http://schemas.openxmlformats.org/presentationml/2006/main">
+  <p:cSld>
+    <p:spTree>
+      <p:nvGrpSpPr>
+        <p:cNvPr id="1" name=""/>
+        <p:cNvGrpSpPr/>
+        <p:nvPr/>
+      </p:nvGrpSpPr>
+      <p:grpSpPr>
+        <a:xfrm>
+          <a:off x="0" y="0"/>
+          <a:ext cx="0" cy="0"/>
+          <a:chOff x="0" y="0"/>
+          <a:chExt cx="0" cy="0"/>
+        </a:xfrm>
+      </p:grpSpPr>
+      <p:sp>
+        <p:nvSpPr>
+          <p:cNvPr id="2" name="Slide Image Placeholder 1"/>
+          <p:cNvSpPr>
+            <a:spLocks noGrp="1" noRot="1" noChangeAspect="1"/>
+          </p:cNvSpPr>
+          <p:nvPr>
+            <p:ph type="sldImg"/>
+          </p:nvPr>
+        </p:nvSpPr>
+        <p:spPr/>
+      </p:sp>
+      <p:sp>
+        <p:nvSpPr>
+          <p:cNvPr id="3" name="Notes Placeholder 2"/>
+          <p:cNvSpPr>
+            <a:spLocks noGrp="1"/>
+          </p:cNvSpPr>
+          <p:nvPr>
+            <p:ph type="body" idx="1"/>
+          </p:nvPr>
+        </p:nvSpPr>
+        <p:spPr/>
+        <p:txBody>
+          <a:bodyPr>
+            <a:normAutofit/>
+          </a:bodyPr>
+          <a:lstStyle/>
+          <a:p>
+            <a:r>
+              <a:rPr lang="sk-SK" dirty="0" smtClean="0"/>
+              <a:t>Veľkosť</a:t>
+            </a:r>
+            <a:r>
+              <a:rPr lang="sk-SK" baseline="0" dirty="0" smtClean="0"/>
+              <a:t> siete, rozšíriteľnosti</a:t>
+            </a:r>
+            <a:endParaRPr lang="sk-SK" dirty="0" smtClean="0"/>
+          </a:p>
+          <a:p>
+            <a:r>
+              <a:rPr lang="sk-SK" dirty="0" smtClean="0"/>
+              <a:t>Rychlost, cena,</a:t>
+            </a:r>
+          </a:p>
+          <a:p>
+            <a:r>
+              <a:rPr lang="sk-SK" dirty="0" smtClean="0"/>
+              <a:t>Frekvencia</a:t>
+            </a:r>
+            <a:r>
+              <a:rPr lang="sk-SK" baseline="0" dirty="0" smtClean="0"/>
+              <a:t> nosnej vlny</a:t>
+            </a:r>
+          </a:p>
+          <a:p>
+            <a:r>
+              <a:rPr lang="sk-SK" baseline="0" dirty="0" smtClean="0"/>
+              <a:t>Prenosove ryhlosti</a:t>
+            </a:r>
+          </a:p>
+          <a:p>
+            <a:r>
+              <a:rPr lang="sk-SK" baseline="0" dirty="0" smtClean="0"/>
+              <a:t>kódovania</a:t>
+            </a:r>
+            <a:endParaRPr lang="en-US" dirty="0"/>
+          </a:p>
+        </p:txBody>
+      </p:sp>
+      <p:sp>
+        <p:nvSpPr>
+          <p:cNvPr id="4" name="Slide Number Placeholder 3"/>
+          <p:cNvSpPr>
+            <a:spLocks noGrp="1"/>
+          </p:cNvSpPr>
+          <p:nvPr>
+            <p:ph type="sldNum" sz="quarter" idx="10"/>
+          </p:nvPr>
+        </p:nvSpPr>
+        <p:spPr/>
+        <p:txBody>
+          <a:bodyPr/>
+          <a:lstStyle/>
+          <a:p>
+            <a:fld id="{72CCBEF4-1BE4-4B48-AF24-6E8DE69994C4}" type="slidenum">
+              <a:rPr lang="en-US" smtClean="0"/>
+              <a:pPr/>
+              <a:t>30</a:t>
             </a:fld>
             <a:endParaRPr lang="en-US"/>
           </a:p>
@@ -1943,12 +2035,25 @@
           <a:lstStyle/>
           <a:p>
             <a:r>
-              <a:rPr lang="en-US" dirty="0" err="1" smtClean="0"/>
-              <a:t>Zakladny</a:t>
-            </a:r>
-            <a:r>
-              <a:rPr lang="en-US" dirty="0" smtClean="0"/>
-              <a:t> model</a:t>
+              <a:rPr lang="sk-SK" dirty="0" smtClean="0"/>
+              <a:t>Technologický pokrok</a:t>
+            </a:r>
+          </a:p>
+          <a:p>
+            <a:r>
+              <a:rPr lang="sk-SK" dirty="0" smtClean="0"/>
+              <a:t>	Slabiny</a:t>
+            </a:r>
+            <a:endParaRPr lang="sk-SK" dirty="0" smtClean="0"/>
+          </a:p>
+          <a:p>
+            <a:r>
+              <a:rPr lang="sk-SK" dirty="0" smtClean="0"/>
+              <a:t>	Vypoctovy </a:t>
+            </a:r>
+            <a:r>
+              <a:rPr lang="sk-SK" dirty="0" smtClean="0"/>
+              <a:t>vykon zariadeni rastie</a:t>
             </a:r>
             <a:endParaRPr lang="en-US" dirty="0"/>
           </a:p>
@@ -2034,193 +2139,11 @@
           <a:p>
             <a:r>
               <a:rPr lang="en-US" dirty="0" err="1" smtClean="0"/>
-              <a:t>Obsah</a:t>
-            </a:r>
-            <a:r>
-              <a:rPr lang="en-US" dirty="0" smtClean="0"/>
-              <a:t> </a:t>
-            </a:r>
-            <a:r>
-              <a:rPr lang="en-US" dirty="0" err="1" smtClean="0"/>
-              <a:t>spravy</a:t>
-            </a:r>
-            <a:r>
-              <a:rPr lang="en-US" baseline="0" dirty="0" smtClean="0"/>
-              <a:t> </a:t>
-            </a:r>
-            <a:r>
-              <a:rPr lang="en-US" baseline="0" dirty="0" err="1" smtClean="0"/>
-              <a:t>bude</a:t>
-            </a:r>
-            <a:r>
-              <a:rPr lang="en-US" baseline="0" dirty="0" smtClean="0"/>
-              <a:t> </a:t>
-            </a:r>
-            <a:r>
-              <a:rPr lang="en-US" baseline="0" dirty="0" err="1" smtClean="0"/>
-              <a:t>vyzradeny</a:t>
-            </a:r>
-            <a:endParaRPr lang="en-US" baseline="0" dirty="0" smtClean="0"/>
-          </a:p>
-          <a:p>
-            <a:r>
-              <a:rPr lang="en-US" baseline="0" dirty="0" err="1" smtClean="0"/>
-              <a:t>Niekto</a:t>
-            </a:r>
-            <a:r>
-              <a:rPr lang="en-US" baseline="0" dirty="0" smtClean="0"/>
-              <a:t> </a:t>
-            </a:r>
-            <a:r>
-              <a:rPr lang="en-US" baseline="0" dirty="0" err="1" smtClean="0"/>
-              <a:t>sa</a:t>
-            </a:r>
-            <a:r>
-              <a:rPr lang="en-US" baseline="0" dirty="0" smtClean="0"/>
-              <a:t> </a:t>
-            </a:r>
-            <a:r>
-              <a:rPr lang="en-US" baseline="0" dirty="0" err="1" smtClean="0"/>
-              <a:t>vydava</a:t>
-            </a:r>
-            <a:r>
-              <a:rPr lang="en-US" baseline="0" dirty="0" smtClean="0"/>
-              <a:t> </a:t>
-            </a:r>
-            <a:r>
-              <a:rPr lang="en-US" baseline="0" dirty="0" err="1" smtClean="0"/>
-              <a:t>za</a:t>
-            </a:r>
-            <a:r>
-              <a:rPr lang="en-US" baseline="0" dirty="0" smtClean="0"/>
-              <a:t> </a:t>
-            </a:r>
-            <a:r>
-              <a:rPr lang="en-US" baseline="0" dirty="0" err="1" smtClean="0"/>
-              <a:t>niekoho</a:t>
-            </a:r>
-            <a:r>
-              <a:rPr lang="en-US" baseline="0" dirty="0" smtClean="0"/>
-              <a:t> </a:t>
-            </a:r>
-            <a:r>
-              <a:rPr lang="en-US" baseline="0" dirty="0" err="1" smtClean="0"/>
-              <a:t>kym</a:t>
-            </a:r>
-            <a:r>
-              <a:rPr lang="en-US" baseline="0" dirty="0" smtClean="0"/>
-              <a:t> v </a:t>
-            </a:r>
-            <a:r>
-              <a:rPr lang="en-US" baseline="0" dirty="0" err="1" smtClean="0"/>
-              <a:t>skutocnosti</a:t>
-            </a:r>
-            <a:r>
-              <a:rPr lang="en-US" baseline="0" dirty="0" smtClean="0"/>
-              <a:t> </a:t>
-            </a:r>
-            <a:r>
-              <a:rPr lang="en-US" baseline="0" dirty="0" err="1" smtClean="0"/>
-              <a:t>nieje</a:t>
-            </a:r>
-            <a:endParaRPr lang="en-US" baseline="0" dirty="0" smtClean="0"/>
-          </a:p>
-          <a:p>
-            <a:r>
-              <a:rPr lang="sk-SK" baseline="0" dirty="0" smtClean="0"/>
-              <a:t>Uprava spravy</a:t>
-            </a:r>
-          </a:p>
-          <a:p>
-            <a:endParaRPr lang="sk-SK" baseline="0" dirty="0" smtClean="0"/>
-          </a:p>
-          <a:p>
-            <a:endParaRPr lang="sk-SK" baseline="0" dirty="0" smtClean="0"/>
-          </a:p>
-          <a:p>
-            <a:endParaRPr lang="sk-SK" baseline="0" dirty="0" smtClean="0"/>
-          </a:p>
-          <a:p>
-            <a:r>
-              <a:rPr lang="sk-SK" baseline="0" dirty="0" smtClean="0"/>
-              <a:t>Phising</a:t>
-            </a:r>
-          </a:p>
-          <a:p>
-            <a:r>
-              <a:rPr lang="sk-SK" baseline="0" dirty="0" smtClean="0"/>
-              <a:t>Spoofing </a:t>
-            </a:r>
-          </a:p>
-          <a:p>
-            <a:r>
-              <a:rPr lang="sk-SK" baseline="0" dirty="0" smtClean="0"/>
-              <a:t>Brute force</a:t>
-            </a:r>
-          </a:p>
-          <a:p>
-            <a:pPr marL="0" marR="0" indent="0" algn="l" defTabSz="914400" rtl="0" eaLnBrk="1" fontAlgn="auto" latinLnBrk="0" hangingPunct="1">
-              <a:lnSpc>
-                <a:spcPct val="100000"/>
-              </a:lnSpc>
-              <a:spcBef>
-                <a:spcPts val="0"/>
-              </a:spcBef>
-              <a:spcAft>
-                <a:spcPts val="0"/>
-              </a:spcAft>
-              <a:buClrTx/>
-              <a:buSzTx/>
-              <a:buFontTx/>
-              <a:buNone/>
-              <a:tabLst/>
-              <a:defRPr/>
-            </a:pPr>
-            <a:r>
-              <a:rPr lang="sk-SK" baseline="0" dirty="0" smtClean="0"/>
-              <a:t>Slovnikove</a:t>
-            </a:r>
-          </a:p>
-          <a:p>
-            <a:r>
-              <a:rPr lang="sk-SK" baseline="0" dirty="0" smtClean="0"/>
-              <a:t>Rainbow tables</a:t>
-            </a:r>
-          </a:p>
-          <a:p>
-            <a:r>
-              <a:rPr lang="sk-SK" baseline="0" dirty="0" smtClean="0"/>
-              <a:t>DOS</a:t>
-            </a:r>
-          </a:p>
-          <a:p>
-            <a:r>
-              <a:rPr lang="sk-SK" baseline="0" dirty="0" smtClean="0"/>
-              <a:t>Sidechannel attack</a:t>
-            </a:r>
-          </a:p>
-          <a:p>
-            <a:r>
-              <a:rPr lang="sk-SK" baseline="0" dirty="0" smtClean="0"/>
-              <a:t>Socialne inzinierstov</a:t>
-            </a:r>
-          </a:p>
-          <a:p>
-            <a:r>
-              <a:rPr lang="sk-SK" baseline="0" dirty="0" smtClean="0"/>
-              <a:t>Tck syn, rst</a:t>
-            </a:r>
-          </a:p>
-          <a:p>
-            <a:r>
-              <a:rPr lang="sk-SK" baseline="0" dirty="0" smtClean="0"/>
-              <a:t>Software</a:t>
-            </a:r>
-          </a:p>
-          <a:p>
-            <a:r>
-              <a:rPr lang="sk-SK" baseline="0" dirty="0" smtClean="0"/>
-              <a:t>hardware</a:t>
+              <a:t>Zakladny</a:t>
+            </a:r>
+            <a:r>
+              <a:rPr lang="en-US" dirty="0" smtClean="0"/>
+              <a:t> model</a:t>
             </a:r>
             <a:endParaRPr lang="en-US" dirty="0"/>
           </a:p>
@@ -2305,50 +2228,130 @@
           <a:lstStyle/>
           <a:p>
             <a:r>
-              <a:rPr lang="sk-SK" dirty="0" smtClean="0"/>
-              <a:t>Wireless personal area networks</a:t>
-            </a:r>
-          </a:p>
-          <a:p>
-            <a:endParaRPr lang="sk-SK" dirty="0" smtClean="0"/>
-          </a:p>
-          <a:p>
-            <a:r>
-              <a:rPr lang="sk-SK" dirty="0" smtClean="0"/>
-              <a:t>MAC message autentication code integritu</a:t>
-            </a:r>
-          </a:p>
-          <a:p>
-            <a:r>
-              <a:rPr lang="sk-SK" dirty="0" smtClean="0"/>
-              <a:t>CMAC </a:t>
-            </a:r>
-            <a:r>
-              <a:rPr lang="en-US" dirty="0" smtClean="0"/>
-              <a:t>Cipher-based Message Authentication Code</a:t>
-            </a:r>
-            <a:endParaRPr lang="sk-SK" dirty="0" smtClean="0"/>
-          </a:p>
-          <a:p>
-            <a:r>
-              <a:rPr lang="sk-SK" dirty="0" smtClean="0"/>
-              <a:t>	ekv</a:t>
-            </a:r>
-            <a:r>
-              <a:rPr lang="en-US" dirty="0" smtClean="0"/>
-              <a:t>:</a:t>
+              <a:rPr lang="en-US" dirty="0" err="1" smtClean="0"/>
+              <a:t>Obsah</a:t>
+            </a:r>
+            <a:r>
+              <a:rPr lang="en-US" dirty="0" smtClean="0"/>
+              <a:t> </a:t>
+            </a:r>
+            <a:r>
+              <a:rPr lang="en-US" dirty="0" err="1" smtClean="0"/>
+              <a:t>spravy</a:t>
             </a:r>
             <a:r>
               <a:rPr lang="en-US" baseline="0" dirty="0" smtClean="0"/>
               <a:t> </a:t>
             </a:r>
             <a:r>
-              <a:rPr lang="en-US" dirty="0" smtClean="0"/>
-              <a:t>One-Key CBC MAC1</a:t>
-            </a:r>
-          </a:p>
-          <a:p>
-            <a:endParaRPr lang="en-US" dirty="0" smtClean="0"/>
+              <a:rPr lang="en-US" baseline="0" dirty="0" err="1" smtClean="0"/>
+              <a:t>bude</a:t>
+            </a:r>
+            <a:r>
+              <a:rPr lang="en-US" baseline="0" dirty="0" smtClean="0"/>
+              <a:t> </a:t>
+            </a:r>
+            <a:r>
+              <a:rPr lang="en-US" baseline="0" dirty="0" err="1" smtClean="0"/>
+              <a:t>vyzradeny</a:t>
+            </a:r>
+            <a:endParaRPr lang="en-US" baseline="0" dirty="0" smtClean="0"/>
+          </a:p>
+          <a:p>
+            <a:r>
+              <a:rPr lang="en-US" baseline="0" dirty="0" err="1" smtClean="0"/>
+              <a:t>Niekto</a:t>
+            </a:r>
+            <a:r>
+              <a:rPr lang="en-US" baseline="0" dirty="0" smtClean="0"/>
+              <a:t> </a:t>
+            </a:r>
+            <a:r>
+              <a:rPr lang="en-US" baseline="0" dirty="0" err="1" smtClean="0"/>
+              <a:t>sa</a:t>
+            </a:r>
+            <a:r>
+              <a:rPr lang="en-US" baseline="0" dirty="0" smtClean="0"/>
+              <a:t> </a:t>
+            </a:r>
+            <a:r>
+              <a:rPr lang="en-US" baseline="0" dirty="0" err="1" smtClean="0"/>
+              <a:t>vydava</a:t>
+            </a:r>
+            <a:r>
+              <a:rPr lang="en-US" baseline="0" dirty="0" smtClean="0"/>
+              <a:t> </a:t>
+            </a:r>
+            <a:r>
+              <a:rPr lang="en-US" baseline="0" dirty="0" err="1" smtClean="0"/>
+              <a:t>za</a:t>
+            </a:r>
+            <a:r>
+              <a:rPr lang="en-US" baseline="0" dirty="0" smtClean="0"/>
+              <a:t> </a:t>
+            </a:r>
+            <a:r>
+              <a:rPr lang="en-US" baseline="0" dirty="0" err="1" smtClean="0"/>
+              <a:t>niekoho</a:t>
+            </a:r>
+            <a:r>
+              <a:rPr lang="en-US" baseline="0" dirty="0" smtClean="0"/>
+              <a:t> </a:t>
+            </a:r>
+            <a:r>
+              <a:rPr lang="en-US" baseline="0" dirty="0" err="1" smtClean="0"/>
+              <a:t>kym</a:t>
+            </a:r>
+            <a:r>
+              <a:rPr lang="en-US" baseline="0" dirty="0" smtClean="0"/>
+              <a:t> v </a:t>
+            </a:r>
+            <a:r>
+              <a:rPr lang="en-US" baseline="0" dirty="0" err="1" smtClean="0"/>
+              <a:t>skutocnosti</a:t>
+            </a:r>
+            <a:r>
+              <a:rPr lang="en-US" baseline="0" dirty="0" smtClean="0"/>
+              <a:t> </a:t>
+            </a:r>
+            <a:r>
+              <a:rPr lang="en-US" baseline="0" dirty="0" err="1" smtClean="0"/>
+              <a:t>nieje</a:t>
+            </a:r>
+            <a:endParaRPr lang="en-US" baseline="0" dirty="0" smtClean="0"/>
+          </a:p>
+          <a:p>
+            <a:r>
+              <a:rPr lang="sk-SK" baseline="0" dirty="0" smtClean="0"/>
+              <a:t>Uprava spravy</a:t>
+            </a:r>
+          </a:p>
+          <a:p>
+            <a:endParaRPr lang="sk-SK" baseline="0" dirty="0" smtClean="0"/>
+          </a:p>
+          <a:p>
+            <a:endParaRPr lang="sk-SK" baseline="0" dirty="0" smtClean="0"/>
+          </a:p>
+          <a:p>
+            <a:endParaRPr lang="sk-SK" baseline="0" dirty="0" smtClean="0"/>
+          </a:p>
+          <a:p>
+            <a:r>
+              <a:rPr lang="sk-SK" baseline="0" dirty="0" smtClean="0"/>
+              <a:t>Phising</a:t>
+            </a:r>
+          </a:p>
+          <a:p>
+            <a:r>
+              <a:rPr lang="sk-SK" baseline="0" dirty="0" smtClean="0"/>
+              <a:t>Spoofing </a:t>
+            </a:r>
+          </a:p>
+          <a:p>
+            <a:r>
+              <a:rPr lang="sk-SK" baseline="0" dirty="0" smtClean="0"/>
+              <a:t>Brute force</a:t>
+            </a:r>
           </a:p>
           <a:p>
             <a:pPr marL="0" marR="0" indent="0" algn="l" defTabSz="914400" rtl="0" eaLnBrk="1" fontAlgn="auto" latinLnBrk="0" hangingPunct="1">
@@ -2369,20 +2372,51 @@
               <a:defRPr/>
             </a:pPr>
             <a:r>
-              <a:rPr lang="en-US" b="0" dirty="0" smtClean="0"/>
-              <a:t>HMAC hash</a:t>
-            </a:r>
-            <a:r>
-              <a:rPr lang="en-US" b="0" baseline="0" dirty="0" smtClean="0"/>
-              <a:t> based</a:t>
-            </a:r>
-            <a:r>
-              <a:rPr lang="en-US" b="0" dirty="0" smtClean="0"/>
-              <a:t> Message Authentication Code</a:t>
-            </a:r>
-            <a:endParaRPr lang="sk-SK" b="0" dirty="0" smtClean="0"/>
-          </a:p>
-          <a:p>
+              <a:rPr lang="sk-SK" baseline="0" dirty="0" smtClean="0"/>
+              <a:t>Slovnikove</a:t>
+            </a:r>
+          </a:p>
+          <a:p>
+            <a:r>
+              <a:rPr lang="sk-SK" baseline="0" dirty="0" smtClean="0"/>
+              <a:t>Rainbow tables</a:t>
+            </a:r>
+          </a:p>
+          <a:p>
+            <a:r>
+              <a:rPr lang="sk-SK" baseline="0" dirty="0" smtClean="0"/>
+              <a:t>DOS</a:t>
+            </a:r>
+          </a:p>
+          <a:p>
+            <a:r>
+              <a:rPr lang="sk-SK" baseline="0" dirty="0" smtClean="0"/>
+              <a:t>Sidechannel attack</a:t>
+            </a:r>
+          </a:p>
+          <a:p>
+            <a:r>
+              <a:rPr lang="sk-SK" baseline="0" dirty="0" smtClean="0"/>
+              <a:t>Socialne inzinierstov</a:t>
+            </a:r>
+          </a:p>
+          <a:p>
+            <a:r>
+              <a:rPr lang="sk-SK" baseline="0" dirty="0" smtClean="0"/>
+              <a:t>Tck syn, rst</a:t>
+            </a:r>
+          </a:p>
+          <a:p>
+            <a:r>
+              <a:rPr lang="sk-SK" baseline="0" dirty="0" smtClean="0"/>
+              <a:t>Software</a:t>
+            </a:r>
+          </a:p>
+          <a:p>
+            <a:r>
+              <a:rPr lang="sk-SK" baseline="0" dirty="0" smtClean="0"/>
+              <a:t>hardware</a:t>
+            </a:r>
             <a:endParaRPr lang="en-US" dirty="0"/>
           </a:p>
         </p:txBody>
@@ -2467,12 +2501,83 @@
           <a:p>
             <a:r>
               <a:rPr lang="sk-SK" dirty="0" smtClean="0"/>
-              <a:t>Po nadviazani</a:t>
-            </a:r>
-            <a:r>
-              <a:rPr lang="sk-SK" baseline="0" dirty="0" smtClean="0"/>
-              <a:t> doveri</a:t>
-            </a:r>
+              <a:t>Wireless personal area networks</a:t>
+            </a:r>
+          </a:p>
+          <a:p>
+            <a:endParaRPr lang="sk-SK" dirty="0" smtClean="0"/>
+          </a:p>
+          <a:p>
+            <a:r>
+              <a:rPr lang="sk-SK" dirty="0" smtClean="0"/>
+              <a:t>MAC message autentication code integritu</a:t>
+            </a:r>
+          </a:p>
+          <a:p>
+            <a:r>
+              <a:rPr lang="sk-SK" dirty="0" smtClean="0"/>
+              <a:t>CMAC </a:t>
+            </a:r>
+            <a:r>
+              <a:rPr lang="en-US" dirty="0" smtClean="0"/>
+              <a:t>Cipher-based Message Authentication Code</a:t>
+            </a:r>
+            <a:endParaRPr lang="sk-SK" dirty="0" smtClean="0"/>
+          </a:p>
+          <a:p>
+            <a:r>
+              <a:rPr lang="sk-SK" dirty="0" smtClean="0"/>
+              <a:t>	ekv</a:t>
+            </a:r>
+            <a:r>
+              <a:rPr lang="en-US" dirty="0" smtClean="0"/>
+              <a:t>:</a:t>
+            </a:r>
+            <a:r>
+              <a:rPr lang="en-US" baseline="0" dirty="0" smtClean="0"/>
+              <a:t> </a:t>
+            </a:r>
+            <a:r>
+              <a:rPr lang="en-US" dirty="0" smtClean="0"/>
+              <a:t>One-Key CBC MAC1</a:t>
+            </a:r>
+          </a:p>
+          <a:p>
+            <a:endParaRPr lang="en-US" dirty="0" smtClean="0"/>
+          </a:p>
+          <a:p>
+            <a:pPr marL="0" marR="0" indent="0" algn="l" defTabSz="914400" rtl="0" eaLnBrk="1" fontAlgn="auto" latinLnBrk="0" hangingPunct="1">
+              <a:lnSpc>
+                <a:spcPct val="100000"/>
+              </a:lnSpc>
+              <a:spcBef>
+                <a:spcPts val="0"/>
+              </a:spcBef>
+              <a:spcAft>
+                <a:spcPts val="0"/>
+              </a:spcAft>
+              <a:buClrTx/>
+              <a:buSzTx/>
+              <a:buFontTx/>
+              <a:buNone/>
+              <a:tabLst/>
+              <a:defRPr/>
+            </a:pPr>
+            <a:r>
+              <a:rPr lang="en-US" b="0" dirty="0" smtClean="0"/>
+              <a:t>HMAC hash</a:t>
+            </a:r>
+            <a:r>
+              <a:rPr lang="en-US" b="0" baseline="0" dirty="0" smtClean="0"/>
+              <a:t> based</a:t>
+            </a:r>
+            <a:r>
+              <a:rPr lang="en-US" b="0" dirty="0" smtClean="0"/>
+              <a:t> Message Authentication Code</a:t>
+            </a:r>
+            <a:endParaRPr lang="sk-SK" b="0" dirty="0" smtClean="0"/>
+          </a:p>
+          <a:p>
             <a:endParaRPr lang="en-US" dirty="0"/>
           </a:p>
         </p:txBody>
@@ -2556,55 +2661,12 @@
           <a:lstStyle/>
           <a:p>
             <a:r>
-              <a:rPr lang="en-US" dirty="0" smtClean="0"/>
-              <a:t>ANT</a:t>
-            </a:r>
-            <a:r>
-              <a:rPr lang="en-US" baseline="0" dirty="0" smtClean="0"/>
-              <a:t> o </a:t>
-            </a:r>
-            <a:r>
-              <a:rPr lang="en-US" baseline="0" dirty="0" err="1" smtClean="0"/>
-              <a:t>ve</a:t>
-            </a:r>
-            <a:r>
-              <a:rPr lang="sk-SK" baseline="0" smtClean="0"/>
-              <a:t>ľskost 100  4Hz</a:t>
-            </a:r>
-            <a:endParaRPr lang="en-US" dirty="0" smtClean="0"/>
-          </a:p>
-          <a:p>
-            <a:endParaRPr lang="en-US" dirty="0" smtClean="0"/>
-          </a:p>
-          <a:p>
-            <a:r>
               <a:rPr lang="sk-SK" dirty="0" smtClean="0"/>
               <a:t>Po nadviazani</a:t>
             </a:r>
             <a:r>
               <a:rPr lang="sk-SK" baseline="0" dirty="0" smtClean="0"/>
               <a:t> doveri</a:t>
-            </a:r>
-          </a:p>
-          <a:p>
-            <a:endParaRPr lang="sk-SK" baseline="0" dirty="0" smtClean="0"/>
-          </a:p>
-          <a:p>
-            <a:r>
-              <a:rPr lang="sk-SK" baseline="0" dirty="0" smtClean="0"/>
-              <a:t>Potvrdzovanie</a:t>
-            </a:r>
-          </a:p>
-          <a:p>
-            <a:r>
-              <a:rPr lang="sk-SK" baseline="0" dirty="0" smtClean="0"/>
-              <a:t>Náhodné čisla</a:t>
-            </a:r>
-          </a:p>
-          <a:p>
-            <a:r>
-              <a:rPr lang="sk-SK" baseline="0" dirty="0" smtClean="0"/>
-              <a:t>čas</a:t>
             </a:r>
             <a:endParaRPr lang="en-US" dirty="0"/>
           </a:p>
@@ -2688,118 +2750,57 @@
           </a:bodyPr>
           <a:lstStyle/>
           <a:p>
-            <a:pPr marL="0" marR="0" lvl="1" indent="0" algn="l" defTabSz="914400" rtl="0" eaLnBrk="1" fontAlgn="auto" latinLnBrk="0" hangingPunct="1">
-              <a:lnSpc>
-                <a:spcPct val="100000"/>
-              </a:lnSpc>
-              <a:spcBef>
-                <a:spcPts val="0"/>
-              </a:spcBef>
-              <a:spcAft>
-                <a:spcPts val="0"/>
-              </a:spcAft>
-              <a:buClrTx/>
-              <a:buSzTx/>
-              <a:buFontTx/>
-              <a:buNone/>
-              <a:tabLst/>
-              <a:defRPr/>
-            </a:pPr>
-            <a:r>
-              <a:rPr lang="sk-SK" dirty="0" smtClean="0"/>
-              <a:t>Identifikacia stavu správy</a:t>
-            </a:r>
-          </a:p>
-          <a:p>
-            <a:pPr marL="0" marR="0" lvl="1" indent="0" algn="l" defTabSz="914400" rtl="0" eaLnBrk="1" fontAlgn="auto" latinLnBrk="0" hangingPunct="1">
-              <a:lnSpc>
-                <a:spcPct val="100000"/>
-              </a:lnSpc>
-              <a:spcBef>
-                <a:spcPts val="0"/>
-              </a:spcBef>
-              <a:spcAft>
-                <a:spcPts val="0"/>
-              </a:spcAft>
-              <a:buClrTx/>
-              <a:buSzTx/>
-              <a:buFontTx/>
-              <a:buNone/>
-              <a:tabLst/>
-              <a:defRPr/>
-            </a:pPr>
-            <a:r>
-              <a:rPr lang="sk-SK" dirty="0" smtClean="0"/>
-              <a:t>inkermentuje</a:t>
-            </a:r>
-          </a:p>
-          <a:p>
-            <a:pPr marL="0" marR="0" lvl="1" indent="0" algn="l" defTabSz="914400" rtl="0" eaLnBrk="1" fontAlgn="auto" latinLnBrk="0" hangingPunct="1">
-              <a:lnSpc>
-                <a:spcPct val="100000"/>
-              </a:lnSpc>
-              <a:spcBef>
-                <a:spcPts val="0"/>
-              </a:spcBef>
-              <a:spcAft>
-                <a:spcPts val="0"/>
-              </a:spcAft>
-              <a:buClrTx/>
-              <a:buSzTx/>
-              <a:buFontTx/>
-              <a:buNone/>
-              <a:tabLst/>
-              <a:defRPr/>
-            </a:pPr>
-            <a:endParaRPr lang="sk-SK" dirty="0" smtClean="0"/>
-          </a:p>
-          <a:p>
-            <a:pPr marL="0" marR="0" lvl="1" indent="0" algn="l" defTabSz="914400" rtl="0" eaLnBrk="1" fontAlgn="auto" latinLnBrk="0" hangingPunct="1">
-              <a:lnSpc>
-                <a:spcPct val="100000"/>
-              </a:lnSpc>
-              <a:spcBef>
-                <a:spcPts val="0"/>
-              </a:spcBef>
-              <a:spcAft>
-                <a:spcPts val="0"/>
-              </a:spcAft>
-              <a:buClrTx/>
-              <a:buSzTx/>
-              <a:buFontTx/>
-              <a:buNone/>
-              <a:tabLst/>
-              <a:defRPr/>
-            </a:pPr>
-            <a:r>
-              <a:rPr lang="sk-SK" dirty="0" smtClean="0"/>
-              <a:t>FF FF  ...		prázdna správa</a:t>
-            </a:r>
-          </a:p>
-          <a:p>
-            <a:pPr marL="0" marR="0" lvl="1" indent="0" algn="l" defTabSz="914400" rtl="0" eaLnBrk="1" fontAlgn="auto" latinLnBrk="0" hangingPunct="1">
-              <a:lnSpc>
-                <a:spcPct val="100000"/>
-              </a:lnSpc>
-              <a:spcBef>
-                <a:spcPts val="0"/>
-              </a:spcBef>
-              <a:spcAft>
-                <a:spcPts val="0"/>
-              </a:spcAft>
-              <a:buClrTx/>
-              <a:buSzTx/>
-              <a:buFontTx/>
-              <a:buNone/>
-              <a:tabLst/>
-              <a:defRPr/>
-            </a:pPr>
-            <a:r>
-              <a:rPr lang="sk-SK" dirty="0" smtClean="0"/>
-              <a:t>03 03 ...			prázdna správa</a:t>
-            </a:r>
-          </a:p>
-          <a:p>
+            <a:r>
+              <a:rPr lang="en-US" dirty="0" smtClean="0"/>
+              <a:t>ANT</a:t>
+            </a:r>
+            <a:r>
+              <a:rPr lang="en-US" baseline="0" dirty="0" smtClean="0"/>
+              <a:t> o </a:t>
+            </a:r>
+            <a:r>
+              <a:rPr lang="en-US" baseline="0" dirty="0" err="1" smtClean="0"/>
+              <a:t>ve</a:t>
+            </a:r>
+            <a:r>
+              <a:rPr lang="sk-SK" baseline="0" smtClean="0"/>
+              <a:t>ľskost 100  4Hz</a:t>
+            </a:r>
+            <a:endParaRPr lang="en-US" dirty="0" smtClean="0"/>
+          </a:p>
+          <a:p>
+            <a:endParaRPr lang="en-US" dirty="0" smtClean="0"/>
+          </a:p>
+          <a:p>
+            <a:r>
+              <a:rPr lang="sk-SK" dirty="0" smtClean="0"/>
+              <a:t>Po nadviazani</a:t>
+            </a:r>
+            <a:r>
+              <a:rPr lang="sk-SK" baseline="0" dirty="0" smtClean="0"/>
+              <a:t> doveri</a:t>
+            </a:r>
+          </a:p>
+          <a:p>
+            <a:endParaRPr lang="sk-SK" baseline="0" dirty="0" smtClean="0"/>
+          </a:p>
+          <a:p>
+            <a:r>
+              <a:rPr lang="sk-SK" baseline="0" dirty="0" smtClean="0"/>
+              <a:t>Potvrdzovanie</a:t>
+            </a:r>
+          </a:p>
+          <a:p>
+            <a:r>
+              <a:rPr lang="sk-SK" baseline="0" dirty="0" smtClean="0"/>
+              <a:t>Náhodné čisla</a:t>
+            </a:r>
+          </a:p>
+          <a:p>
+            <a:r>
+              <a:rPr lang="sk-SK" baseline="0" dirty="0" smtClean="0"/>
+              <a:t>čas</a:t>
+            </a:r>
             <a:endParaRPr lang="en-US" dirty="0"/>
           </a:p>
         </p:txBody>
@@ -2822,7 +2823,7 @@
             <a:fld id="{72CCBEF4-1BE4-4B48-AF24-6E8DE69994C4}" type="slidenum">
               <a:rPr lang="en-US" smtClean="0"/>
               <a:pPr/>
-              <a:t>10</a:t>
+              <a:t>8</a:t>
             </a:fld>
             <a:endParaRPr lang="en-US"/>
           </a:p>
@@ -2882,14 +2883,146 @@
           </a:bodyPr>
           <a:lstStyle/>
           <a:p>
-            <a:r>
-              <a:rPr lang="sk-SK" dirty="0" smtClean="0"/>
-              <a:t>Hardvérova</a:t>
+            <a:pPr marL="0" marR="0" lvl="1" indent="0" algn="l" defTabSz="914400" rtl="0" eaLnBrk="1" fontAlgn="auto" latinLnBrk="0" hangingPunct="1">
+              <a:lnSpc>
+                <a:spcPct val="100000"/>
+              </a:lnSpc>
+              <a:spcBef>
+                <a:spcPts val="0"/>
+              </a:spcBef>
+              <a:spcAft>
+                <a:spcPts val="0"/>
+              </a:spcAft>
+              <a:buClrTx/>
+              <a:buSzTx/>
+              <a:buFontTx/>
+              <a:buNone/>
+              <a:tabLst/>
+              <a:defRPr/>
+            </a:pPr>
+            <a:r>
+              <a:rPr lang="sk-SK" dirty="0" smtClean="0"/>
+              <a:t>Identifikacia stavu správy</a:t>
+            </a:r>
+          </a:p>
+          <a:p>
+            <a:pPr marL="0" marR="0" lvl="1" indent="0" algn="l" defTabSz="914400" rtl="0" eaLnBrk="1" fontAlgn="auto" latinLnBrk="0" hangingPunct="1">
+              <a:lnSpc>
+                <a:spcPct val="100000"/>
+              </a:lnSpc>
+              <a:spcBef>
+                <a:spcPts val="0"/>
+              </a:spcBef>
+              <a:spcAft>
+                <a:spcPts val="0"/>
+              </a:spcAft>
+              <a:buClrTx/>
+              <a:buSzTx/>
+              <a:buFontTx/>
+              <a:buNone/>
+              <a:tabLst/>
+              <a:defRPr/>
+            </a:pPr>
+            <a:r>
+              <a:rPr lang="sk-SK" dirty="0" smtClean="0"/>
+              <a:t>Inkermentuje</a:t>
+            </a:r>
+          </a:p>
+          <a:p>
+            <a:pPr marL="0" marR="0" lvl="1" indent="0" algn="l" defTabSz="914400" rtl="0" eaLnBrk="1" fontAlgn="auto" latinLnBrk="0" hangingPunct="1">
+              <a:lnSpc>
+                <a:spcPct val="100000"/>
+              </a:lnSpc>
+              <a:spcBef>
+                <a:spcPts val="0"/>
+              </a:spcBef>
+              <a:spcAft>
+                <a:spcPts val="0"/>
+              </a:spcAft>
+              <a:buClrTx/>
+              <a:buSzTx/>
+              <a:buFontTx/>
+              <a:buNone/>
+              <a:tabLst/>
+              <a:defRPr/>
+            </a:pPr>
+            <a:r>
+              <a:rPr lang="sk-SK" dirty="0" smtClean="0"/>
+              <a:t>Zistiť</a:t>
             </a:r>
             <a:r>
               <a:rPr lang="sk-SK" baseline="0" dirty="0" smtClean="0"/>
-              <a:t> implementacia boli pouzite metody</a:t>
-            </a:r>
+              <a:t> koľko ešte dát potrebuje</a:t>
+            </a:r>
+            <a:endParaRPr lang="sk-SK" dirty="0" smtClean="0"/>
+          </a:p>
+          <a:p>
+            <a:pPr marL="0" marR="0" lvl="1" indent="0" algn="l" defTabSz="914400" rtl="0" eaLnBrk="1" fontAlgn="auto" latinLnBrk="0" hangingPunct="1">
+              <a:lnSpc>
+                <a:spcPct val="100000"/>
+              </a:lnSpc>
+              <a:spcBef>
+                <a:spcPts val="0"/>
+              </a:spcBef>
+              <a:spcAft>
+                <a:spcPts val="0"/>
+              </a:spcAft>
+              <a:buClrTx/>
+              <a:buSzTx/>
+              <a:buFontTx/>
+              <a:buNone/>
+              <a:tabLst/>
+              <a:defRPr/>
+            </a:pPr>
+            <a:endParaRPr lang="sk-SK" dirty="0" smtClean="0"/>
+          </a:p>
+          <a:p>
+            <a:pPr marL="0" marR="0" lvl="1" indent="0" algn="l" defTabSz="914400" rtl="0" eaLnBrk="1" fontAlgn="auto" latinLnBrk="0" hangingPunct="1">
+              <a:lnSpc>
+                <a:spcPct val="100000"/>
+              </a:lnSpc>
+              <a:spcBef>
+                <a:spcPts val="0"/>
+              </a:spcBef>
+              <a:spcAft>
+                <a:spcPts val="0"/>
+              </a:spcAft>
+              <a:buClrTx/>
+              <a:buSzTx/>
+              <a:buFontTx/>
+              <a:buNone/>
+              <a:tabLst/>
+              <a:defRPr/>
+            </a:pPr>
+            <a:r>
+              <a:rPr lang="sk-SK" dirty="0" smtClean="0"/>
+              <a:t>FF FF  ...		prázdna správa</a:t>
+            </a:r>
+          </a:p>
+          <a:p>
+            <a:pPr marL="0" marR="0" lvl="1" indent="0" algn="l" defTabSz="914400" rtl="0" eaLnBrk="1" fontAlgn="auto" latinLnBrk="0" hangingPunct="1">
+              <a:lnSpc>
+                <a:spcPct val="100000"/>
+              </a:lnSpc>
+              <a:spcBef>
+                <a:spcPts val="0"/>
+              </a:spcBef>
+              <a:spcAft>
+                <a:spcPts val="0"/>
+              </a:spcAft>
+              <a:buClrTx/>
+              <a:buSzTx/>
+              <a:buFontTx/>
+              <a:buNone/>
+              <a:tabLst/>
+              <a:defRPr/>
+            </a:pPr>
+            <a:r>
+              <a:rPr lang="sk-SK" dirty="0" smtClean="0"/>
+              <a:t>03 03 ...			prázdna správa</a:t>
+            </a:r>
+          </a:p>
+          <a:p>
             <a:endParaRPr lang="en-US" dirty="0"/>
           </a:p>
         </p:txBody>
@@ -2912,7 +3045,7 @@
             <a:fld id="{72CCBEF4-1BE4-4B48-AF24-6E8DE69994C4}" type="slidenum">
               <a:rPr lang="en-US" smtClean="0"/>
               <a:pPr/>
-              <a:t>12</a:t>
+              <a:t>11</a:t>
             </a:fld>
             <a:endParaRPr lang="en-US"/>
           </a:p>
@@ -6061,6 +6194,260 @@
             </a:r>
             <a:r>
               <a:rPr lang="en-US" dirty="0" smtClean="0"/>
+              <a:t>: </a:t>
+            </a:r>
+            <a:r>
+              <a:rPr lang="sk-SK" dirty="0" smtClean="0"/>
+              <a:t>Model s</a:t>
+            </a:r>
+            <a:r>
+              <a:rPr lang="sk-SK" dirty="0" smtClean="0"/>
+              <a:t>iete</a:t>
+            </a:r>
+            <a:endParaRPr lang="en-US" i="1" dirty="0"/>
+          </a:p>
+        </p:txBody>
+      </p:sp>
+      <p:pic>
+        <p:nvPicPr>
+          <p:cNvPr id="1027" name="Picture 3"/>
+          <p:cNvPicPr>
+            <a:picLocks noGrp="1" noChangeAspect="1" noChangeArrowheads="1"/>
+          </p:cNvPicPr>
+          <p:nvPr>
+            <p:ph sz="half" idx="1"/>
+          </p:nvPr>
+        </p:nvPicPr>
+        <p:blipFill>
+          <a:blip r:embed="rId2"/>
+          <a:srcRect t="1710"/>
+          <a:stretch>
+            <a:fillRect/>
+          </a:stretch>
+        </p:blipFill>
+        <p:spPr bwMode="auto">
+          <a:xfrm>
+            <a:off x="495869" y="1130710"/>
+            <a:ext cx="7771262" cy="5117690"/>
+          </a:xfrm>
+          <a:prstGeom prst="rect">
+            <a:avLst/>
+          </a:prstGeom>
+          <a:noFill/>
+          <a:ln w="9525">
+            <a:noFill/>
+            <a:miter lim="800000"/>
+            <a:headEnd/>
+            <a:tailEnd/>
+          </a:ln>
+          <a:effectLst/>
+        </p:spPr>
+      </p:pic>
+      <p:sp>
+        <p:nvSpPr>
+          <p:cNvPr id="5" name="Content Placeholder 4"/>
+          <p:cNvSpPr>
+            <a:spLocks noGrp="1"/>
+          </p:cNvSpPr>
+          <p:nvPr>
+            <p:ph sz="half" idx="2"/>
+          </p:nvPr>
+        </p:nvSpPr>
+        <p:spPr>
+          <a:xfrm>
+            <a:off x="762000" y="6172200"/>
+            <a:ext cx="3581400" cy="609600"/>
+          </a:xfrm>
+        </p:spPr>
+        <p:txBody>
+          <a:bodyPr>
+            <a:normAutofit/>
+          </a:bodyPr>
+          <a:lstStyle/>
+          <a:p>
+            <a:pPr>
+              <a:buNone/>
+            </a:pPr>
+            <a:r>
+              <a:rPr lang="en-US" dirty="0" smtClean="0"/>
+              <a:t>"</a:t>
+            </a:r>
+            <a:r>
+              <a:rPr lang="sk-SK" dirty="0" smtClean="0"/>
+              <a:t>Master</a:t>
+            </a:r>
+            <a:r>
+              <a:rPr lang="en-US" dirty="0" smtClean="0"/>
+              <a:t>"</a:t>
+            </a:r>
+            <a:r>
+              <a:rPr lang="sk-SK" dirty="0" smtClean="0"/>
+              <a:t> </a:t>
+            </a:r>
+            <a:r>
+              <a:rPr lang="sk-SK" sz="1800" dirty="0" smtClean="0"/>
+              <a:t>kontakt s prostredím</a:t>
+            </a:r>
+          </a:p>
+        </p:txBody>
+      </p:sp>
+      <p:sp>
+        <p:nvSpPr>
+          <p:cNvPr id="4" name="Slide Number Placeholder 3"/>
+          <p:cNvSpPr>
+            <a:spLocks noGrp="1"/>
+          </p:cNvSpPr>
+          <p:nvPr>
+            <p:ph type="sldNum" sz="quarter" idx="12"/>
+          </p:nvPr>
+        </p:nvSpPr>
+        <p:spPr/>
+        <p:txBody>
+          <a:bodyPr/>
+          <a:lstStyle/>
+          <a:p>
+            <a:fld id="{8C584B50-B360-452D-AFC7-DEF83B5F5806}" type="slidenum">
+              <a:rPr lang="en-US" smtClean="0"/>
+              <a:pPr/>
+              <a:t>10</a:t>
+            </a:fld>
+            <a:r>
+              <a:rPr lang="en-US" dirty="0" smtClean="0"/>
+              <a:t>/2</a:t>
+            </a:r>
+            <a:r>
+              <a:rPr lang="sk-SK" dirty="0" smtClean="0"/>
+              <a:t>7</a:t>
+            </a:r>
+            <a:endParaRPr lang="en-US" dirty="0"/>
+          </a:p>
+        </p:txBody>
+      </p:sp>
+      <p:sp>
+        <p:nvSpPr>
+          <p:cNvPr id="6" name="Content Placeholder 4"/>
+          <p:cNvSpPr txBox="1">
+            <a:spLocks/>
+          </p:cNvSpPr>
+          <p:nvPr/>
+        </p:nvSpPr>
+        <p:spPr>
+          <a:xfrm>
+            <a:off x="6553200" y="6172200"/>
+            <a:ext cx="1295400" cy="609600"/>
+          </a:xfrm>
+          <a:prstGeom prst="rect">
+            <a:avLst/>
+          </a:prstGeom>
+        </p:spPr>
+        <p:txBody>
+          <a:bodyPr vert="horz" lIns="91440" tIns="45720" rIns="91440" bIns="45720" rtlCol="0">
+            <a:normAutofit/>
+          </a:bodyPr>
+          <a:lstStyle/>
+          <a:p>
+            <a:pPr marL="342900" lvl="0" indent="-342900">
+              <a:spcBef>
+                <a:spcPct val="20000"/>
+              </a:spcBef>
+            </a:pPr>
+            <a:r>
+              <a:rPr lang="en-US" sz="2800" dirty="0" smtClean="0"/>
+              <a:t>"</a:t>
+            </a:r>
+            <a:r>
+              <a:rPr kumimoji="0" lang="sk-SK" sz="2800" b="0" i="0" u="none" strike="noStrike" kern="1200" cap="none" spc="0" normalizeH="0" baseline="0" noProof="0" dirty="0" smtClean="0">
+                <a:ln>
+                  <a:noFill/>
+                </a:ln>
+                <a:solidFill>
+                  <a:schemeClr val="tx1"/>
+                </a:solidFill>
+                <a:effectLst/>
+                <a:uLnTx/>
+                <a:uFillTx/>
+                <a:latin typeface="+mn-lt"/>
+                <a:ea typeface="+mn-ea"/>
+                <a:cs typeface="+mn-cs"/>
+              </a:rPr>
+              <a:t>Slave</a:t>
+            </a:r>
+            <a:r>
+              <a:rPr lang="en-US" sz="2800" dirty="0" smtClean="0"/>
+              <a:t>"</a:t>
+            </a:r>
+            <a:endParaRPr kumimoji="0" lang="en-US" sz="1800" b="0" i="0" u="none" strike="noStrike" kern="1200" cap="none" spc="0" normalizeH="0" baseline="0" noProof="0" dirty="0">
+              <a:ln>
+                <a:noFill/>
+              </a:ln>
+              <a:solidFill>
+                <a:schemeClr val="tx1"/>
+              </a:solidFill>
+              <a:effectLst/>
+              <a:uLnTx/>
+              <a:uFillTx/>
+              <a:latin typeface="+mn-lt"/>
+              <a:ea typeface="+mn-ea"/>
+              <a:cs typeface="+mn-cs"/>
+            </a:endParaRPr>
+          </a:p>
+        </p:txBody>
+      </p:sp>
+    </p:spTree>
+  </p:cSld>
+  <p:clrMapOvr>
+    <a:masterClrMapping/>
+  </p:clrMapOvr>
+  <p:timing>
+    <p:tnLst>
+      <p:par>
+        <p:cTn id="1" dur="indefinite" restart="never" nodeType="tmRoot"/>
+      </p:par>
+    </p:tnLst>
+  </p:timing>
+</p:sld>
+</file>
+
+<file path=ppt/slides/slide11.xml><?xml version="1.0" encoding="utf-8"?>
+<p:sld xmlns:a="http://schemas.openxmlformats.org/drawingml/2006/main" xmlns:r="http://schemas.openxmlformats.org/officeDocument/2006/relationships" xmlns:p="http://schemas.openxmlformats.org/presentationml/2006/main">
+  <p:cSld>
+    <p:spTree>
+      <p:nvGrpSpPr>
+        <p:cNvPr id="1" name=""/>
+        <p:cNvGrpSpPr/>
+        <p:nvPr/>
+      </p:nvGrpSpPr>
+      <p:grpSpPr>
+        <a:xfrm>
+          <a:off x="0" y="0"/>
+          <a:ext cx="0" cy="0"/>
+          <a:chOff x="0" y="0"/>
+          <a:chExt cx="0" cy="0"/>
+        </a:xfrm>
+      </p:grpSpPr>
+      <p:sp>
+        <p:nvSpPr>
+          <p:cNvPr id="2" name="Title 1"/>
+          <p:cNvSpPr>
+            <a:spLocks noGrp="1"/>
+          </p:cNvSpPr>
+          <p:nvPr>
+            <p:ph type="title"/>
+          </p:nvPr>
+        </p:nvSpPr>
+        <p:spPr/>
+        <p:txBody>
+          <a:bodyPr>
+            <a:normAutofit/>
+          </a:bodyPr>
+          <a:lstStyle/>
+          <a:p>
+            <a:r>
+              <a:rPr lang="sk-SK" dirty="0" smtClean="0"/>
+              <a:t>Implementácia</a:t>
+            </a:r>
+            <a:r>
+              <a:rPr lang="en-US" dirty="0" smtClean="0"/>
               <a:t>: Segment</a:t>
             </a:r>
             <a:r>
@@ -6169,11 +6556,15 @@
             <a:fld id="{8C584B50-B360-452D-AFC7-DEF83B5F5806}" type="slidenum">
               <a:rPr lang="en-US" smtClean="0"/>
               <a:pPr/>
-              <a:t>10</a:t>
+              <a:t>11</a:t>
             </a:fld>
             <a:r>
               <a:rPr lang="en-US" dirty="0" smtClean="0"/>
-              <a:t>/26</a:t>
+              <a:t>/2</a:t>
+            </a:r>
+            <a:r>
+              <a:rPr lang="sk-SK" dirty="0" smtClean="0"/>
+              <a:t>7</a:t>
             </a:r>
             <a:endParaRPr lang="en-US" dirty="0"/>
           </a:p>
@@ -6220,171 +6611,6 @@
 </p:sld>
 </file>
 
-<file path=ppt/slides/slide11.xml><?xml version="1.0" encoding="utf-8"?>
-<p:sld xmlns:a="http://schemas.openxmlformats.org/drawingml/2006/main" xmlns:r="http://schemas.openxmlformats.org/officeDocument/2006/relationships" xmlns:p="http://schemas.openxmlformats.org/presentationml/2006/main">
-  <p:cSld>
-    <p:spTree>
-      <p:nvGrpSpPr>
-        <p:cNvPr id="1" name=""/>
-        <p:cNvGrpSpPr/>
-        <p:nvPr/>
-      </p:nvGrpSpPr>
-      <p:grpSpPr>
-        <a:xfrm>
-          <a:off x="0" y="0"/>
-          <a:ext cx="0" cy="0"/>
-          <a:chOff x="0" y="0"/>
-          <a:chExt cx="0" cy="0"/>
-        </a:xfrm>
-      </p:grpSpPr>
-      <p:sp>
-        <p:nvSpPr>
-          <p:cNvPr id="2" name="Title 1"/>
-          <p:cNvSpPr>
-            <a:spLocks noGrp="1"/>
-          </p:cNvSpPr>
-          <p:nvPr>
-            <p:ph type="title"/>
-          </p:nvPr>
-        </p:nvSpPr>
-        <p:spPr/>
-        <p:txBody>
-          <a:bodyPr>
-            <a:normAutofit/>
-          </a:bodyPr>
-          <a:lstStyle/>
-          <a:p>
-            <a:r>
-              <a:rPr lang="sk-SK" dirty="0" smtClean="0"/>
-              <a:t>Implementácia</a:t>
-            </a:r>
-            <a:r>
-              <a:rPr lang="en-US" dirty="0" smtClean="0"/>
-              <a:t>:</a:t>
-            </a:r>
-            <a:r>
-              <a:rPr lang="sk-SK" dirty="0" smtClean="0"/>
-              <a:t> SW AES</a:t>
-            </a:r>
-            <a:endParaRPr lang="en-US" dirty="0"/>
-          </a:p>
-        </p:txBody>
-      </p:sp>
-      <p:sp>
-        <p:nvSpPr>
-          <p:cNvPr id="3" name="Content Placeholder 2"/>
-          <p:cNvSpPr>
-            <a:spLocks noGrp="1"/>
-          </p:cNvSpPr>
-          <p:nvPr>
-            <p:ph idx="1"/>
-          </p:nvPr>
-        </p:nvSpPr>
-        <p:spPr/>
-        <p:txBody>
-          <a:bodyPr/>
-          <a:lstStyle/>
-          <a:p>
-            <a:r>
-              <a:rPr lang="sk-SK" dirty="0" smtClean="0"/>
-              <a:t>referenčná</a:t>
-            </a:r>
-            <a:r>
-              <a:rPr lang="en-US" dirty="0" smtClean="0"/>
-              <a:t> SW</a:t>
-            </a:r>
-            <a:r>
-              <a:rPr lang="sk-SK" dirty="0" smtClean="0"/>
-              <a:t> </a:t>
-            </a:r>
-            <a:r>
-              <a:rPr lang="sk-SK" dirty="0" smtClean="0"/>
-              <a:t>implementácia</a:t>
-            </a:r>
-          </a:p>
-          <a:p>
-            <a:r>
-              <a:rPr lang="en-US" dirty="0" err="1" smtClean="0"/>
-              <a:t>kni</a:t>
-            </a:r>
-            <a:r>
-              <a:rPr lang="sk-SK" dirty="0" smtClean="0"/>
-              <a:t>žnica</a:t>
-            </a:r>
-            <a:r>
-              <a:rPr lang="en-US" dirty="0" smtClean="0"/>
-              <a:t>:</a:t>
-            </a:r>
-            <a:r>
-              <a:rPr lang="sk-SK" dirty="0" smtClean="0"/>
-              <a:t> Tiny AES128 v jazyku C</a:t>
-            </a:r>
-            <a:endParaRPr lang="sk-SK" dirty="0" smtClean="0"/>
-          </a:p>
-          <a:p>
-            <a:r>
-              <a:rPr lang="en-US" dirty="0" smtClean="0"/>
-              <a:t>m</a:t>
-            </a:r>
-            <a:r>
-              <a:rPr lang="sk-SK" dirty="0" smtClean="0"/>
-              <a:t>ód</a:t>
-            </a:r>
-            <a:r>
-              <a:rPr lang="en-US" dirty="0" smtClean="0"/>
-              <a:t>: </a:t>
-            </a:r>
-            <a:r>
-              <a:rPr lang="sk-SK" dirty="0" smtClean="0"/>
-              <a:t>CBC</a:t>
-            </a:r>
-            <a:endParaRPr lang="sk-SK" dirty="0" smtClean="0"/>
-          </a:p>
-        </p:txBody>
-      </p:sp>
-      <p:sp>
-        <p:nvSpPr>
-          <p:cNvPr id="4" name="Slide Number Placeholder 3"/>
-          <p:cNvSpPr>
-            <a:spLocks noGrp="1"/>
-          </p:cNvSpPr>
-          <p:nvPr>
-            <p:ph type="sldNum" sz="quarter" idx="12"/>
-          </p:nvPr>
-        </p:nvSpPr>
-        <p:spPr/>
-        <p:txBody>
-          <a:bodyPr/>
-          <a:lstStyle/>
-          <a:p>
-            <a:fld id="{8C584B50-B360-452D-AFC7-DEF83B5F5806}" type="slidenum">
-              <a:rPr lang="en-US" smtClean="0"/>
-              <a:pPr/>
-              <a:t>11</a:t>
-            </a:fld>
-            <a:r>
-              <a:rPr lang="en-US" dirty="0" smtClean="0"/>
-              <a:t>/26</a:t>
-            </a:r>
-            <a:endParaRPr lang="en-US" dirty="0"/>
-          </a:p>
-        </p:txBody>
-      </p:sp>
-    </p:spTree>
-  </p:cSld>
-  <p:clrMapOvr>
-    <a:masterClrMapping/>
-  </p:clrMapOvr>
-  <p:timing>
-    <p:tnLst>
-      <p:par>
-        <p:cTn id="1" dur="indefinite" restart="never" nodeType="tmRoot"/>
-      </p:par>
-    </p:tnLst>
-  </p:timing>
-</p:sld>
-</file>
-
 <file path=ppt/slides/slide12.xml><?xml version="1.0" encoding="utf-8"?>
 <p:sld xmlns:a="http://schemas.openxmlformats.org/drawingml/2006/main" xmlns:r="http://schemas.openxmlformats.org/officeDocument/2006/relationships" xmlns:p="http://schemas.openxmlformats.org/presentationml/2006/main">
   <p:cSld>
@@ -6429,7 +6655,7 @@
             </a:r>
             <a:r>
               <a:rPr lang="sk-SK" dirty="0" smtClean="0"/>
-              <a:t> HW AES</a:t>
+              <a:t> SW AES</a:t>
             </a:r>
             <a:endParaRPr lang="en-US" dirty="0"/>
           </a:p>
@@ -6452,17 +6678,48 @@
           <a:p>
             <a:r>
               <a:rPr lang="sk-SK" dirty="0" smtClean="0"/>
-              <a:t>JVM, Secure </a:t>
-            </a:r>
-            <a:r>
-              <a:rPr lang="sk-SK" dirty="0" smtClean="0"/>
-              <a:t>element</a:t>
-            </a:r>
-          </a:p>
-          <a:p>
-            <a:r>
-              <a:rPr lang="sk-SK" dirty="0" smtClean="0"/>
-              <a:t>HW</a:t>
+              <a:t>referenčná</a:t>
+            </a:r>
+            <a:r>
+              <a:rPr lang="en-US" dirty="0" smtClean="0"/>
+              <a:t> SW</a:t>
+            </a:r>
+            <a:r>
+              <a:rPr lang="sk-SK" dirty="0" smtClean="0"/>
+              <a:t> </a:t>
+            </a:r>
+            <a:r>
+              <a:rPr lang="sk-SK" dirty="0" smtClean="0"/>
+              <a:t>implementácia</a:t>
+            </a:r>
+          </a:p>
+          <a:p>
+            <a:r>
+              <a:rPr lang="en-US" dirty="0" err="1" smtClean="0"/>
+              <a:t>kni</a:t>
+            </a:r>
+            <a:r>
+              <a:rPr lang="sk-SK" dirty="0" smtClean="0"/>
+              <a:t>žnica</a:t>
+            </a:r>
+            <a:r>
+              <a:rPr lang="en-US" dirty="0" smtClean="0"/>
+              <a:t>:</a:t>
+            </a:r>
+            <a:r>
+              <a:rPr lang="sk-SK" dirty="0" smtClean="0"/>
+              <a:t> Tiny AES128 v jazyku C</a:t>
+            </a:r>
+            <a:endParaRPr lang="sk-SK" dirty="0" smtClean="0"/>
+          </a:p>
+          <a:p>
+            <a:r>
+              <a:rPr lang="en-US" dirty="0" smtClean="0"/>
+              <a:t>m</a:t>
+            </a:r>
+            <a:r>
+              <a:rPr lang="sk-SK" dirty="0" smtClean="0"/>
+              <a:t>ód</a:t>
             </a:r>
             <a:r>
               <a:rPr lang="en-US" dirty="0" smtClean="0"/>
@@ -6470,10 +6727,8 @@
             </a:r>
             <a:r>
               <a:rPr lang="sk-SK" dirty="0" smtClean="0"/>
-              <a:t>NFC, RNG, RSA, ECC, AES, DES koprocesor apod. </a:t>
-            </a:r>
-          </a:p>
-          <a:p>
+              <a:t>CBC</a:t>
+            </a:r>
             <a:endParaRPr lang="sk-SK" dirty="0" smtClean="0"/>
           </a:p>
         </p:txBody>
@@ -6500,7 +6755,156 @@
             </a:fld>
             <a:r>
               <a:rPr lang="en-US" dirty="0" smtClean="0"/>
-              <a:t>/26</a:t>
+              <a:t>/2</a:t>
+            </a:r>
+            <a:r>
+              <a:rPr lang="sk-SK" dirty="0" smtClean="0"/>
+              <a:t>7</a:t>
+            </a:r>
+            <a:endParaRPr lang="en-US" dirty="0"/>
+          </a:p>
+        </p:txBody>
+      </p:sp>
+    </p:spTree>
+  </p:cSld>
+  <p:clrMapOvr>
+    <a:masterClrMapping/>
+  </p:clrMapOvr>
+  <p:timing>
+    <p:tnLst>
+      <p:par>
+        <p:cTn id="1" dur="indefinite" restart="never" nodeType="tmRoot"/>
+      </p:par>
+    </p:tnLst>
+  </p:timing>
+</p:sld>
+</file>
+
+<file path=ppt/slides/slide13.xml><?xml version="1.0" encoding="utf-8"?>
+<p:sld xmlns:a="http://schemas.openxmlformats.org/drawingml/2006/main" xmlns:r="http://schemas.openxmlformats.org/officeDocument/2006/relationships" xmlns:p="http://schemas.openxmlformats.org/presentationml/2006/main">
+  <p:cSld>
+    <p:spTree>
+      <p:nvGrpSpPr>
+        <p:cNvPr id="1" name=""/>
+        <p:cNvGrpSpPr/>
+        <p:nvPr/>
+      </p:nvGrpSpPr>
+      <p:grpSpPr>
+        <a:xfrm>
+          <a:off x="0" y="0"/>
+          <a:ext cx="0" cy="0"/>
+          <a:chOff x="0" y="0"/>
+          <a:chExt cx="0" cy="0"/>
+        </a:xfrm>
+      </p:grpSpPr>
+      <p:sp>
+        <p:nvSpPr>
+          <p:cNvPr id="2" name="Title 1"/>
+          <p:cNvSpPr>
+            <a:spLocks noGrp="1"/>
+          </p:cNvSpPr>
+          <p:nvPr>
+            <p:ph type="title"/>
+          </p:nvPr>
+        </p:nvSpPr>
+        <p:spPr/>
+        <p:txBody>
+          <a:bodyPr>
+            <a:normAutofit/>
+          </a:bodyPr>
+          <a:lstStyle/>
+          <a:p>
+            <a:r>
+              <a:rPr lang="sk-SK" dirty="0" smtClean="0"/>
+              <a:t>Implementácia</a:t>
+            </a:r>
+            <a:r>
+              <a:rPr lang="en-US" dirty="0" smtClean="0"/>
+              <a:t>:</a:t>
+            </a:r>
+            <a:r>
+              <a:rPr lang="sk-SK" dirty="0" smtClean="0"/>
+              <a:t> HW AES</a:t>
+            </a:r>
+            <a:endParaRPr lang="en-US" dirty="0"/>
+          </a:p>
+        </p:txBody>
+      </p:sp>
+      <p:sp>
+        <p:nvSpPr>
+          <p:cNvPr id="3" name="Content Placeholder 2"/>
+          <p:cNvSpPr>
+            <a:spLocks noGrp="1"/>
+          </p:cNvSpPr>
+          <p:nvPr>
+            <p:ph idx="1"/>
+          </p:nvPr>
+        </p:nvSpPr>
+        <p:spPr/>
+        <p:txBody>
+          <a:bodyPr/>
+          <a:lstStyle/>
+          <a:p>
+            <a:r>
+              <a:rPr lang="sk-SK" dirty="0" smtClean="0"/>
+              <a:t>NXP, S</a:t>
+            </a:r>
+            <a:r>
+              <a:rPr lang="sk-SK" dirty="0" smtClean="0"/>
+              <a:t>ecure element, </a:t>
+            </a:r>
+            <a:r>
+              <a:rPr lang="sk-SK" dirty="0" smtClean="0"/>
+              <a:t>JVM</a:t>
+            </a:r>
+            <a:endParaRPr lang="sk-SK" dirty="0" smtClean="0"/>
+          </a:p>
+          <a:p>
+            <a:r>
+              <a:rPr lang="sk-SK" dirty="0" smtClean="0"/>
+              <a:t>HW</a:t>
+            </a:r>
+            <a:r>
+              <a:rPr lang="en-US" dirty="0" smtClean="0"/>
+              <a:t>: </a:t>
+            </a:r>
+            <a:r>
+              <a:rPr lang="sk-SK" dirty="0" smtClean="0"/>
+              <a:t>NFC, RNG, RSA, ECC, AES, DES koprocesor apod. </a:t>
+            </a:r>
+          </a:p>
+          <a:p>
+            <a:endParaRPr lang="sk-SK" dirty="0" smtClean="0"/>
+          </a:p>
+        </p:txBody>
+      </p:sp>
+      <p:sp>
+        <p:nvSpPr>
+          <p:cNvPr id="4" name="Slide Number Placeholder 3"/>
+          <p:cNvSpPr>
+            <a:spLocks noGrp="1"/>
+          </p:cNvSpPr>
+          <p:nvPr>
+            <p:ph type="sldNum" sz="quarter" idx="12"/>
+          </p:nvPr>
+        </p:nvSpPr>
+        <p:spPr/>
+        <p:txBody>
+          <a:bodyPr/>
+          <a:lstStyle/>
+          <a:p>
+            <a:fld id="{8C584B50-B360-452D-AFC7-DEF83B5F5806}" type="slidenum">
+              <a:rPr lang="en-US" smtClean="0"/>
+              <a:pPr/>
+              <a:t>13</a:t>
+            </a:fld>
+            <a:r>
+              <a:rPr lang="en-US" dirty="0" smtClean="0"/>
+              <a:t>/2</a:t>
+            </a:r>
+            <a:r>
+              <a:rPr lang="sk-SK" dirty="0" smtClean="0"/>
+              <a:t>7</a:t>
             </a:r>
             <a:endParaRPr lang="en-US" dirty="0"/>
           </a:p>
@@ -6554,336 +6958,6 @@
 </p:sld>
 </file>
 
-<file path=ppt/slides/slide13.xml><?xml version="1.0" encoding="utf-8"?>
-<p:sld xmlns:a="http://schemas.openxmlformats.org/drawingml/2006/main" xmlns:r="http://schemas.openxmlformats.org/officeDocument/2006/relationships" xmlns:p="http://schemas.openxmlformats.org/presentationml/2006/main">
-  <p:cSld>
-    <p:spTree>
-      <p:nvGrpSpPr>
-        <p:cNvPr id="1" name=""/>
-        <p:cNvGrpSpPr/>
-        <p:nvPr/>
-      </p:nvGrpSpPr>
-      <p:grpSpPr>
-        <a:xfrm>
-          <a:off x="0" y="0"/>
-          <a:ext cx="0" cy="0"/>
-          <a:chOff x="0" y="0"/>
-          <a:chExt cx="0" cy="0"/>
-        </a:xfrm>
-      </p:grpSpPr>
-      <p:sp>
-        <p:nvSpPr>
-          <p:cNvPr id="2" name="Title 1"/>
-          <p:cNvSpPr>
-            <a:spLocks noGrp="1"/>
-          </p:cNvSpPr>
-          <p:nvPr>
-            <p:ph type="title"/>
-          </p:nvPr>
-        </p:nvSpPr>
-        <p:spPr/>
-        <p:txBody>
-          <a:bodyPr>
-            <a:normAutofit/>
-          </a:bodyPr>
-          <a:lstStyle/>
-          <a:p>
-            <a:r>
-              <a:rPr lang="sk-SK" dirty="0" smtClean="0"/>
-              <a:t>Implementácia</a:t>
-            </a:r>
-            <a:r>
-              <a:rPr lang="en-US" dirty="0" smtClean="0"/>
-              <a:t>:</a:t>
-            </a:r>
-            <a:r>
-              <a:rPr lang="sk-SK" dirty="0" smtClean="0"/>
-              <a:t> ISO7816</a:t>
-            </a:r>
-            <a:endParaRPr lang="en-US" dirty="0"/>
-          </a:p>
-        </p:txBody>
-      </p:sp>
-      <p:sp>
-        <p:nvSpPr>
-          <p:cNvPr id="3" name="Content Placeholder 2"/>
-          <p:cNvSpPr>
-            <a:spLocks noGrp="1"/>
-          </p:cNvSpPr>
-          <p:nvPr>
-            <p:ph idx="1"/>
-          </p:nvPr>
-        </p:nvSpPr>
-        <p:spPr>
-          <a:xfrm>
-            <a:off x="457200" y="1600200"/>
-            <a:ext cx="8229600" cy="4724400"/>
-          </a:xfrm>
-        </p:spPr>
-        <p:txBody>
-          <a:bodyPr>
-            <a:normAutofit fontScale="62500" lnSpcReduction="20000"/>
-          </a:bodyPr>
-          <a:lstStyle/>
-          <a:p>
-            <a:r>
-              <a:rPr lang="en-US" dirty="0" smtClean="0"/>
-              <a:t>p</a:t>
-            </a:r>
-            <a:r>
-              <a:rPr lang="en-US" dirty="0" smtClean="0"/>
-              <a:t>re </a:t>
-            </a:r>
-            <a:r>
-              <a:rPr lang="sk-SK" dirty="0" smtClean="0"/>
-              <a:t>k</a:t>
-            </a:r>
-            <a:r>
-              <a:rPr lang="en-US" dirty="0" err="1" smtClean="0"/>
-              <a:t>ontaktn</a:t>
-            </a:r>
-            <a:r>
-              <a:rPr lang="sk-SK" dirty="0" smtClean="0"/>
-              <a:t>é </a:t>
-            </a:r>
-            <a:r>
-              <a:rPr lang="en-US" dirty="0" smtClean="0"/>
-              <a:t>Smart </a:t>
-            </a:r>
-            <a:r>
-              <a:rPr lang="en-US" dirty="0" err="1" smtClean="0"/>
-              <a:t>karty</a:t>
-            </a:r>
-            <a:endParaRPr lang="sk-SK" dirty="0" smtClean="0"/>
-          </a:p>
-          <a:p>
-            <a:pPr lvl="1"/>
-            <a:r>
-              <a:rPr lang="sk-SK" dirty="0" smtClean="0"/>
-              <a:t>SIM,</a:t>
-            </a:r>
-          </a:p>
-          <a:p>
-            <a:pPr lvl="1"/>
-            <a:r>
-              <a:rPr lang="sk-SK" dirty="0" smtClean="0"/>
-              <a:t>platobné karty.</a:t>
-            </a:r>
-            <a:endParaRPr lang="sk-SK" dirty="0" smtClean="0"/>
-          </a:p>
-          <a:p>
-            <a:endParaRPr lang="en-US" dirty="0" smtClean="0"/>
-          </a:p>
-          <a:p>
-            <a:r>
-              <a:rPr lang="sk-SK" dirty="0" smtClean="0"/>
-              <a:t>s</a:t>
-            </a:r>
-            <a:r>
-              <a:rPr lang="sk-SK" dirty="0" smtClean="0"/>
-              <a:t>ignály </a:t>
-            </a:r>
-            <a:r>
-              <a:rPr lang="sk-SK" dirty="0" smtClean="0"/>
-              <a:t>sú generované GPIO a</a:t>
-            </a:r>
-            <a:r>
-              <a:rPr lang="en-US" dirty="0" smtClean="0"/>
-              <a:t> HW </a:t>
-            </a:r>
-            <a:r>
-              <a:rPr lang="en-US" dirty="0" err="1" smtClean="0"/>
-              <a:t>perif</a:t>
-            </a:r>
-            <a:r>
-              <a:rPr lang="sk-SK" dirty="0" smtClean="0"/>
-              <a:t>érií (</a:t>
-            </a:r>
-            <a:r>
-              <a:rPr lang="sk-SK" i="1" dirty="0" smtClean="0"/>
-              <a:t>PPI</a:t>
-            </a:r>
-            <a:r>
-              <a:rPr lang="sk-SK" dirty="0" smtClean="0"/>
-              <a:t>)</a:t>
-            </a:r>
-          </a:p>
-          <a:p>
-            <a:pPr lvl="1"/>
-            <a:r>
-              <a:rPr lang="sk-SK" dirty="0" smtClean="0"/>
-              <a:t>CLK</a:t>
-            </a:r>
-            <a:r>
-              <a:rPr lang="en-US" dirty="0" smtClean="0"/>
-              <a:t>: </a:t>
-            </a:r>
-            <a:r>
-              <a:rPr lang="sk-SK" dirty="0" smtClean="0"/>
-              <a:t>2.667 </a:t>
-            </a:r>
-            <a:r>
-              <a:rPr lang="sk-SK" dirty="0" smtClean="0"/>
-              <a:t>MHz.</a:t>
-            </a:r>
-            <a:endParaRPr lang="sk-SK" dirty="0" smtClean="0"/>
-          </a:p>
-          <a:p>
-            <a:endParaRPr lang="en-US" dirty="0" smtClean="0"/>
-          </a:p>
-          <a:p>
-            <a:r>
-              <a:rPr lang="sk-SK" dirty="0" smtClean="0"/>
-              <a:t>ISO7816 I</a:t>
-            </a:r>
-            <a:r>
-              <a:rPr lang="en-US" dirty="0" smtClean="0"/>
-              <a:t>/</a:t>
-            </a:r>
-            <a:r>
-              <a:rPr lang="sk-SK" dirty="0" smtClean="0"/>
-              <a:t>O signál na </a:t>
-            </a:r>
-            <a:r>
-              <a:rPr lang="sk-SK" dirty="0" smtClean="0"/>
-              <a:t>UART</a:t>
-            </a:r>
-          </a:p>
-          <a:p>
-            <a:pPr lvl="1"/>
-            <a:r>
-              <a:rPr lang="en-US" dirty="0" smtClean="0"/>
-              <a:t>Baud rate: </a:t>
-            </a:r>
-            <a:r>
-              <a:rPr lang="sk-SK" dirty="0" smtClean="0"/>
-              <a:t>7168 </a:t>
-            </a:r>
-            <a:r>
-              <a:rPr lang="sk-SK" dirty="0" smtClean="0"/>
-              <a:t>bps</a:t>
-            </a:r>
-          </a:p>
-          <a:p>
-            <a:endParaRPr lang="sk-SK" dirty="0" smtClean="0"/>
-          </a:p>
-          <a:p>
-            <a:r>
-              <a:rPr lang="sk-SK" dirty="0" smtClean="0"/>
-              <a:t>ATR (answer to reset</a:t>
-            </a:r>
-            <a:r>
-              <a:rPr lang="sk-SK" dirty="0" smtClean="0"/>
-              <a:t>), informácie o karte, preferované nastavenia</a:t>
-            </a:r>
-            <a:endParaRPr lang="en-US" dirty="0" smtClean="0"/>
-          </a:p>
-          <a:p>
-            <a:endParaRPr lang="sk-SK" dirty="0" smtClean="0"/>
-          </a:p>
-          <a:p>
-            <a:r>
-              <a:rPr lang="sk-SK" dirty="0" smtClean="0"/>
-              <a:t>Komunikácia</a:t>
-            </a:r>
-            <a:r>
-              <a:rPr lang="en-US" dirty="0" smtClean="0"/>
-              <a:t>:</a:t>
-            </a:r>
-            <a:endParaRPr lang="sk-SK" dirty="0" smtClean="0"/>
-          </a:p>
-          <a:p>
-            <a:pPr lvl="1"/>
-            <a:r>
-              <a:rPr lang="en-US" dirty="0" smtClean="0"/>
-              <a:t>T=0 </a:t>
-            </a:r>
-            <a:r>
-              <a:rPr lang="sk-SK" dirty="0" smtClean="0"/>
-              <a:t>bajtová</a:t>
-            </a:r>
-            <a:r>
-              <a:rPr lang="en-US" dirty="0" smtClean="0"/>
-              <a:t>: 	APDU </a:t>
-            </a:r>
-            <a:endParaRPr lang="sk-SK" dirty="0" smtClean="0"/>
-          </a:p>
-          <a:p>
-            <a:pPr lvl="1"/>
-            <a:r>
-              <a:rPr lang="sk-SK" dirty="0" smtClean="0"/>
-              <a:t>T</a:t>
-            </a:r>
-            <a:r>
-              <a:rPr lang="en-US" dirty="0" smtClean="0"/>
-              <a:t>=1 b</a:t>
-            </a:r>
-            <a:r>
-              <a:rPr lang="sk-SK" dirty="0" smtClean="0"/>
-              <a:t>loková</a:t>
-            </a:r>
-            <a:r>
-              <a:rPr lang="en-US" dirty="0" smtClean="0"/>
-              <a:t>: 	APDU</a:t>
-            </a:r>
-            <a:r>
-              <a:rPr lang="sk-SK" dirty="0" smtClean="0"/>
-              <a:t> </a:t>
-            </a:r>
-            <a:r>
-              <a:rPr lang="en-US" dirty="0" err="1" smtClean="0"/>
-              <a:t>zabalen</a:t>
-            </a:r>
-            <a:r>
-              <a:rPr lang="sk-SK" dirty="0" smtClean="0"/>
-              <a:t>é do bloku</a:t>
-            </a:r>
-          </a:p>
-        </p:txBody>
-      </p:sp>
-      <p:sp>
-        <p:nvSpPr>
-          <p:cNvPr id="4" name="Slide Number Placeholder 3"/>
-          <p:cNvSpPr>
-            <a:spLocks noGrp="1"/>
-          </p:cNvSpPr>
-          <p:nvPr>
-            <p:ph type="sldNum" sz="quarter" idx="12"/>
-          </p:nvPr>
-        </p:nvSpPr>
-        <p:spPr/>
-        <p:txBody>
-          <a:bodyPr/>
-          <a:lstStyle/>
-          <a:p>
-            <a:fld id="{8C584B50-B360-452D-AFC7-DEF83B5F5806}" type="slidenum">
-              <a:rPr lang="en-US" smtClean="0"/>
-              <a:pPr/>
-              <a:t>13</a:t>
-            </a:fld>
-            <a:r>
-              <a:rPr lang="en-US" dirty="0" smtClean="0"/>
-              <a:t>/26</a:t>
-            </a:r>
-            <a:endParaRPr lang="en-US" dirty="0"/>
-          </a:p>
-        </p:txBody>
-      </p:sp>
-    </p:spTree>
-  </p:cSld>
-  <p:clrMapOvr>
-    <a:masterClrMapping/>
-  </p:clrMapOvr>
-  <p:timing>
-    <p:tnLst>
-      <p:par>
-        <p:cTn id="1" dur="indefinite" restart="never" nodeType="tmRoot"/>
-      </p:par>
-    </p:tnLst>
-  </p:timing>
-</p:sld>
-</file>
-
 <file path=ppt/slides/slide14.xml><?xml version="1.0" encoding="utf-8"?>
 <p:sld xmlns:a="http://schemas.openxmlformats.org/drawingml/2006/main" xmlns:r="http://schemas.openxmlformats.org/officeDocument/2006/relationships" xmlns:p="http://schemas.openxmlformats.org/presentationml/2006/main">
   <p:cSld>
@@ -6924,17 +6998,267 @@
             </a:r>
             <a:r>
               <a:rPr lang="en-US" dirty="0" smtClean="0"/>
+              <a:t>:</a:t>
+            </a:r>
+            <a:r>
+              <a:rPr lang="sk-SK" dirty="0" smtClean="0"/>
+              <a:t> ISO7816</a:t>
+            </a:r>
+            <a:endParaRPr lang="en-US" dirty="0"/>
+          </a:p>
+        </p:txBody>
+      </p:sp>
+      <p:sp>
+        <p:nvSpPr>
+          <p:cNvPr id="3" name="Content Placeholder 2"/>
+          <p:cNvSpPr>
+            <a:spLocks noGrp="1"/>
+          </p:cNvSpPr>
+          <p:nvPr>
+            <p:ph idx="1"/>
+          </p:nvPr>
+        </p:nvSpPr>
+        <p:spPr>
+          <a:xfrm>
+            <a:off x="457200" y="1600200"/>
+            <a:ext cx="8229600" cy="4724400"/>
+          </a:xfrm>
+        </p:spPr>
+        <p:txBody>
+          <a:bodyPr>
+            <a:normAutofit fontScale="62500" lnSpcReduction="20000"/>
+          </a:bodyPr>
+          <a:lstStyle/>
+          <a:p>
+            <a:r>
+              <a:rPr lang="en-US" dirty="0" smtClean="0"/>
+              <a:t>p</a:t>
+            </a:r>
+            <a:r>
+              <a:rPr lang="en-US" dirty="0" smtClean="0"/>
+              <a:t>re </a:t>
+            </a:r>
+            <a:r>
+              <a:rPr lang="sk-SK" dirty="0" smtClean="0"/>
+              <a:t>k</a:t>
+            </a:r>
+            <a:r>
+              <a:rPr lang="en-US" dirty="0" err="1" smtClean="0"/>
+              <a:t>ontaktn</a:t>
+            </a:r>
+            <a:r>
+              <a:rPr lang="sk-SK" dirty="0" smtClean="0"/>
+              <a:t>é </a:t>
+            </a:r>
+            <a:r>
+              <a:rPr lang="en-US" dirty="0" smtClean="0"/>
+              <a:t>Smart </a:t>
+            </a:r>
+            <a:r>
+              <a:rPr lang="en-US" dirty="0" err="1" smtClean="0"/>
+              <a:t>karty</a:t>
+            </a:r>
+            <a:endParaRPr lang="sk-SK" dirty="0" smtClean="0"/>
+          </a:p>
+          <a:p>
+            <a:pPr lvl="1"/>
+            <a:r>
+              <a:rPr lang="sk-SK" dirty="0" smtClean="0"/>
+              <a:t>SIM,</a:t>
+            </a:r>
+          </a:p>
+          <a:p>
+            <a:pPr lvl="1"/>
+            <a:r>
+              <a:rPr lang="sk-SK" dirty="0" smtClean="0"/>
+              <a:t>platobné karty.</a:t>
+            </a:r>
+            <a:endParaRPr lang="sk-SK" dirty="0" smtClean="0"/>
+          </a:p>
+          <a:p>
+            <a:endParaRPr lang="en-US" dirty="0" smtClean="0"/>
+          </a:p>
+          <a:p>
+            <a:r>
+              <a:rPr lang="sk-SK" dirty="0" smtClean="0"/>
+              <a:t>s</a:t>
+            </a:r>
+            <a:r>
+              <a:rPr lang="sk-SK" dirty="0" smtClean="0"/>
+              <a:t>ignály </a:t>
+            </a:r>
+            <a:r>
+              <a:rPr lang="sk-SK" dirty="0" smtClean="0"/>
+              <a:t>sú </a:t>
+            </a:r>
+            <a:r>
+              <a:rPr lang="sk-SK" dirty="0" smtClean="0"/>
+              <a:t>generované SW</a:t>
+            </a:r>
+            <a:r>
+              <a:rPr lang="en-US" dirty="0" smtClean="0"/>
+              <a:t>:</a:t>
+            </a:r>
+            <a:r>
+              <a:rPr lang="sk-SK" dirty="0" smtClean="0"/>
+              <a:t> </a:t>
+            </a:r>
+            <a:r>
+              <a:rPr lang="sk-SK" dirty="0" smtClean="0"/>
+              <a:t>GPIO a</a:t>
+            </a:r>
+            <a:r>
+              <a:rPr lang="en-US" dirty="0" smtClean="0"/>
+              <a:t> HW </a:t>
+            </a:r>
+            <a:r>
+              <a:rPr lang="en-US" dirty="0" err="1" smtClean="0"/>
+              <a:t>perif</a:t>
+            </a:r>
+            <a:r>
+              <a:rPr lang="sk-SK" dirty="0" smtClean="0"/>
+              <a:t>érií (</a:t>
+            </a:r>
+            <a:r>
+              <a:rPr lang="sk-SK" i="1" dirty="0" smtClean="0"/>
+              <a:t>PPI</a:t>
+            </a:r>
+            <a:r>
+              <a:rPr lang="sk-SK" dirty="0" smtClean="0"/>
+              <a:t>)</a:t>
+            </a:r>
+            <a:endParaRPr lang="en-US" dirty="0" smtClean="0"/>
+          </a:p>
+          <a:p>
+            <a:pPr lvl="1"/>
+            <a:r>
+              <a:rPr lang="sk-SK" dirty="0" smtClean="0"/>
+              <a:t>CLK</a:t>
+            </a:r>
+            <a:r>
+              <a:rPr lang="en-US" dirty="0" smtClean="0"/>
               <a:t>: </a:t>
             </a:r>
             <a:r>
               <a:rPr lang="sk-SK" dirty="0" smtClean="0"/>
-              <a:t>ISO7816 na </a:t>
+              <a:t>2.667 </a:t>
+            </a:r>
+            <a:r>
+              <a:rPr lang="sk-SK" dirty="0" smtClean="0"/>
+              <a:t>MHz.</a:t>
+            </a:r>
+            <a:endParaRPr lang="sk-SK" dirty="0" smtClean="0"/>
+          </a:p>
+          <a:p>
+            <a:endParaRPr lang="en-US" dirty="0" smtClean="0"/>
+          </a:p>
+          <a:p>
+            <a:r>
+              <a:rPr lang="sk-SK" dirty="0" smtClean="0"/>
+              <a:t>ISO7816 I</a:t>
+            </a:r>
+            <a:r>
+              <a:rPr lang="en-US" dirty="0" smtClean="0"/>
+              <a:t>/</a:t>
+            </a:r>
+            <a:r>
+              <a:rPr lang="sk-SK" dirty="0" smtClean="0"/>
+              <a:t>O signál na </a:t>
             </a:r>
             <a:r>
               <a:rPr lang="sk-SK" dirty="0" smtClean="0"/>
               <a:t>UART</a:t>
             </a:r>
-            <a:endParaRPr lang="en-US" dirty="0"/>
+          </a:p>
+          <a:p>
+            <a:pPr lvl="1"/>
+            <a:r>
+              <a:rPr lang="en-US" dirty="0" smtClean="0"/>
+              <a:t>Baud rate: </a:t>
+            </a:r>
+            <a:r>
+              <a:rPr lang="sk-SK" dirty="0" smtClean="0"/>
+              <a:t>7168 </a:t>
+            </a:r>
+            <a:r>
+              <a:rPr lang="sk-SK" dirty="0" smtClean="0"/>
+              <a:t>bps</a:t>
+            </a:r>
+          </a:p>
+          <a:p>
+            <a:endParaRPr lang="sk-SK" dirty="0" smtClean="0"/>
+          </a:p>
+          <a:p>
+            <a:r>
+              <a:rPr lang="sk-SK" dirty="0" smtClean="0"/>
+              <a:t>ATR (answer to reset</a:t>
+            </a:r>
+            <a:r>
+              <a:rPr lang="sk-SK" dirty="0" smtClean="0"/>
+              <a:t>), informácie o karte, preferované nastavenia</a:t>
+            </a:r>
+            <a:endParaRPr lang="en-US" dirty="0" smtClean="0"/>
+          </a:p>
+          <a:p>
+            <a:endParaRPr lang="sk-SK" dirty="0" smtClean="0"/>
+          </a:p>
+          <a:p>
+            <a:r>
+              <a:rPr lang="sk-SK" dirty="0" smtClean="0"/>
+              <a:t>Komunikácia</a:t>
+            </a:r>
+            <a:r>
+              <a:rPr lang="en-US" dirty="0" smtClean="0"/>
+              <a:t>:</a:t>
+            </a:r>
+            <a:endParaRPr lang="sk-SK" dirty="0" smtClean="0"/>
+          </a:p>
+          <a:p>
+            <a:pPr lvl="1"/>
+            <a:r>
+              <a:rPr lang="en-US" dirty="0" smtClean="0"/>
+              <a:t>T=0 </a:t>
+            </a:r>
+            <a:r>
+              <a:rPr lang="sk-SK" dirty="0" smtClean="0"/>
+              <a:t>bajtová</a:t>
+            </a:r>
+            <a:r>
+              <a:rPr lang="en-US" dirty="0" smtClean="0"/>
+              <a:t>: 	APDU </a:t>
+            </a:r>
+            <a:endParaRPr lang="sk-SK" dirty="0" smtClean="0"/>
+          </a:p>
+          <a:p>
+            <a:pPr lvl="1"/>
+            <a:r>
+              <a:rPr lang="sk-SK" dirty="0" smtClean="0"/>
+              <a:t>T</a:t>
+            </a:r>
+            <a:r>
+              <a:rPr lang="en-US" dirty="0" smtClean="0"/>
+              <a:t>=1 b</a:t>
+            </a:r>
+            <a:r>
+              <a:rPr lang="sk-SK" dirty="0" smtClean="0"/>
+              <a:t>loková</a:t>
+            </a:r>
+            <a:r>
+              <a:rPr lang="en-US" dirty="0" smtClean="0"/>
+              <a:t>: 	APDU</a:t>
+            </a:r>
+            <a:r>
+              <a:rPr lang="sk-SK" dirty="0" smtClean="0"/>
+              <a:t> </a:t>
+            </a:r>
+            <a:r>
+              <a:rPr lang="en-US" dirty="0" err="1" smtClean="0"/>
+              <a:t>zabalen</a:t>
+            </a:r>
+            <a:r>
+              <a:rPr lang="sk-SK" dirty="0" smtClean="0"/>
+              <a:t>é do bloku</a:t>
+            </a:r>
           </a:p>
         </p:txBody>
       </p:sp>
@@ -6960,7 +7284,112 @@
             </a:fld>
             <a:r>
               <a:rPr lang="en-US" dirty="0" smtClean="0"/>
-              <a:t>/26</a:t>
+              <a:t>/2</a:t>
+            </a:r>
+            <a:r>
+              <a:rPr lang="sk-SK" dirty="0" smtClean="0"/>
+              <a:t>7</a:t>
+            </a:r>
+            <a:endParaRPr lang="en-US" dirty="0"/>
+          </a:p>
+        </p:txBody>
+      </p:sp>
+    </p:spTree>
+  </p:cSld>
+  <p:clrMapOvr>
+    <a:masterClrMapping/>
+  </p:clrMapOvr>
+  <p:timing>
+    <p:tnLst>
+      <p:par>
+        <p:cTn id="1" dur="indefinite" restart="never" nodeType="tmRoot"/>
+      </p:par>
+    </p:tnLst>
+  </p:timing>
+</p:sld>
+</file>
+
+<file path=ppt/slides/slide15.xml><?xml version="1.0" encoding="utf-8"?>
+<p:sld xmlns:a="http://schemas.openxmlformats.org/drawingml/2006/main" xmlns:r="http://schemas.openxmlformats.org/officeDocument/2006/relationships" xmlns:p="http://schemas.openxmlformats.org/presentationml/2006/main">
+  <p:cSld>
+    <p:spTree>
+      <p:nvGrpSpPr>
+        <p:cNvPr id="1" name=""/>
+        <p:cNvGrpSpPr/>
+        <p:nvPr/>
+      </p:nvGrpSpPr>
+      <p:grpSpPr>
+        <a:xfrm>
+          <a:off x="0" y="0"/>
+          <a:ext cx="0" cy="0"/>
+          <a:chOff x="0" y="0"/>
+          <a:chExt cx="0" cy="0"/>
+        </a:xfrm>
+      </p:grpSpPr>
+      <p:sp>
+        <p:nvSpPr>
+          <p:cNvPr id="2" name="Title 1"/>
+          <p:cNvSpPr>
+            <a:spLocks noGrp="1"/>
+          </p:cNvSpPr>
+          <p:nvPr>
+            <p:ph type="title"/>
+          </p:nvPr>
+        </p:nvSpPr>
+        <p:spPr/>
+        <p:txBody>
+          <a:bodyPr>
+            <a:normAutofit/>
+          </a:bodyPr>
+          <a:lstStyle/>
+          <a:p>
+            <a:r>
+              <a:rPr lang="sk-SK" dirty="0" smtClean="0"/>
+              <a:t>Implementácia</a:t>
+            </a:r>
+            <a:r>
+              <a:rPr lang="en-US" dirty="0" smtClean="0"/>
+              <a:t>: </a:t>
+            </a:r>
+            <a:r>
+              <a:rPr lang="sk-SK" dirty="0" smtClean="0"/>
+              <a:t>ISO7816 na </a:t>
+            </a:r>
+            <a:r>
+              <a:rPr lang="sk-SK" dirty="0" smtClean="0"/>
+              <a:t>UART</a:t>
+            </a:r>
+            <a:endParaRPr lang="en-US" dirty="0"/>
+          </a:p>
+        </p:txBody>
+      </p:sp>
+      <p:sp>
+        <p:nvSpPr>
+          <p:cNvPr id="4" name="Slide Number Placeholder 3"/>
+          <p:cNvSpPr>
+            <a:spLocks noGrp="1"/>
+          </p:cNvSpPr>
+          <p:nvPr>
+            <p:ph type="sldNum" sz="quarter" idx="12"/>
+          </p:nvPr>
+        </p:nvSpPr>
+        <p:spPr/>
+        <p:txBody>
+          <a:bodyPr/>
+          <a:lstStyle/>
+          <a:p>
+            <a:fld id="{8C584B50-B360-452D-AFC7-DEF83B5F5806}" type="slidenum">
+              <a:rPr lang="en-US" smtClean="0"/>
+              <a:pPr/>
+              <a:t>15</a:t>
+            </a:fld>
+            <a:r>
+              <a:rPr lang="en-US" dirty="0" smtClean="0"/>
+              <a:t>/2</a:t>
+            </a:r>
+            <a:r>
+              <a:rPr lang="sk-SK" dirty="0" smtClean="0"/>
+              <a:t>7</a:t>
             </a:r>
             <a:endParaRPr lang="en-US" dirty="0"/>
           </a:p>
@@ -7016,7 +7445,7 @@
 </p:sld>
 </file>
 
-<file path=ppt/slides/slide15.xml><?xml version="1.0" encoding="utf-8"?>
+<file path=ppt/slides/slide16.xml><?xml version="1.0" encoding="utf-8"?>
 <p:sld xmlns:a="http://schemas.openxmlformats.org/drawingml/2006/main" xmlns:r="http://schemas.openxmlformats.org/officeDocument/2006/relationships" xmlns:p="http://schemas.openxmlformats.org/presentationml/2006/main">
   <p:cSld>
     <p:spTree>
@@ -7088,11 +7517,15 @@
             <a:fld id="{8C584B50-B360-452D-AFC7-DEF83B5F5806}" type="slidenum">
               <a:rPr lang="en-US" smtClean="0"/>
               <a:pPr/>
-              <a:t>15</a:t>
+              <a:t>16</a:t>
             </a:fld>
             <a:r>
               <a:rPr lang="en-US" dirty="0" smtClean="0"/>
-              <a:t>/26</a:t>
+              <a:t>/2</a:t>
+            </a:r>
+            <a:r>
+              <a:rPr lang="sk-SK" dirty="0" smtClean="0"/>
+              <a:t>7</a:t>
             </a:r>
             <a:endParaRPr lang="en-US" dirty="0"/>
           </a:p>
@@ -7181,7 +7614,7 @@
 </p:sld>
 </file>
 
-<file path=ppt/slides/slide16.xml><?xml version="1.0" encoding="utf-8"?>
+<file path=ppt/slides/slide17.xml><?xml version="1.0" encoding="utf-8"?>
 <p:sld xmlns:a="http://schemas.openxmlformats.org/drawingml/2006/main" xmlns:r="http://schemas.openxmlformats.org/officeDocument/2006/relationships" xmlns:p="http://schemas.openxmlformats.org/presentationml/2006/main">
   <p:cSld>
     <p:spTree>
@@ -7249,11 +7682,15 @@
             <a:fld id="{8C584B50-B360-452D-AFC7-DEF83B5F5806}" type="slidenum">
               <a:rPr lang="en-US" smtClean="0"/>
               <a:pPr/>
-              <a:t>16</a:t>
+              <a:t>17</a:t>
             </a:fld>
             <a:r>
               <a:rPr lang="en-US" dirty="0" smtClean="0"/>
-              <a:t>/26</a:t>
+              <a:t>/2</a:t>
+            </a:r>
+            <a:r>
+              <a:rPr lang="sk-SK" dirty="0" smtClean="0"/>
+              <a:t>7</a:t>
             </a:r>
             <a:endParaRPr lang="en-US" dirty="0"/>
           </a:p>
@@ -7342,7 +7779,7 @@
 </p:sld>
 </file>
 
-<file path=ppt/slides/slide17.xml><?xml version="1.0" encoding="utf-8"?>
+<file path=ppt/slides/slide18.xml><?xml version="1.0" encoding="utf-8"?>
 <p:sld xmlns:a="http://schemas.openxmlformats.org/drawingml/2006/main" xmlns:r="http://schemas.openxmlformats.org/officeDocument/2006/relationships" xmlns:p="http://schemas.openxmlformats.org/presentationml/2006/main">
   <p:cSld>
     <p:spTree>
@@ -7483,11 +7920,15 @@
             <a:fld id="{8C584B50-B360-452D-AFC7-DEF83B5F5806}" type="slidenum">
               <a:rPr lang="en-US" smtClean="0"/>
               <a:pPr/>
-              <a:t>17</a:t>
+              <a:t>18</a:t>
             </a:fld>
             <a:r>
               <a:rPr lang="en-US" dirty="0" smtClean="0"/>
-              <a:t>/26</a:t>
+              <a:t>/2</a:t>
+            </a:r>
+            <a:r>
+              <a:rPr lang="sk-SK" dirty="0" smtClean="0"/>
+              <a:t>7</a:t>
             </a:r>
             <a:endParaRPr lang="en-US" dirty="0"/>
           </a:p>
@@ -7541,223 +7982,6 @@
 </p:sld>
 </file>
 
-<file path=ppt/slides/slide18.xml><?xml version="1.0" encoding="utf-8"?>
-<p:sld xmlns:a="http://schemas.openxmlformats.org/drawingml/2006/main" xmlns:r="http://schemas.openxmlformats.org/officeDocument/2006/relationships" xmlns:p="http://schemas.openxmlformats.org/presentationml/2006/main">
-  <p:cSld>
-    <p:spTree>
-      <p:nvGrpSpPr>
-        <p:cNvPr id="1" name=""/>
-        <p:cNvGrpSpPr/>
-        <p:nvPr/>
-      </p:nvGrpSpPr>
-      <p:grpSpPr>
-        <a:xfrm>
-          <a:off x="0" y="0"/>
-          <a:ext cx="0" cy="0"/>
-          <a:chOff x="0" y="0"/>
-          <a:chExt cx="0" cy="0"/>
-        </a:xfrm>
-      </p:grpSpPr>
-      <p:sp>
-        <p:nvSpPr>
-          <p:cNvPr id="2" name="Title 1"/>
-          <p:cNvSpPr>
-            <a:spLocks noGrp="1"/>
-          </p:cNvSpPr>
-          <p:nvPr>
-            <p:ph type="title"/>
-          </p:nvPr>
-        </p:nvSpPr>
-        <p:spPr/>
-        <p:txBody>
-          <a:bodyPr>
-            <a:normAutofit/>
-          </a:bodyPr>
-          <a:lstStyle/>
-          <a:p>
-            <a:r>
-              <a:rPr lang="sk-SK" dirty="0" smtClean="0"/>
-              <a:t>Implementácia</a:t>
-            </a:r>
-            <a:r>
-              <a:rPr lang="en-US" dirty="0" smtClean="0"/>
-              <a:t>:</a:t>
-            </a:r>
-            <a:r>
-              <a:rPr lang="sk-SK" dirty="0" smtClean="0"/>
-              <a:t> </a:t>
-            </a:r>
-            <a:r>
-              <a:rPr lang="sk-SK" dirty="0" smtClean="0"/>
-              <a:t>Funkc. k</a:t>
-            </a:r>
-            <a:r>
-              <a:rPr lang="en-US" dirty="0" err="1" smtClean="0"/>
-              <a:t>onzol</a:t>
-            </a:r>
-            <a:r>
-              <a:rPr lang="sk-SK" dirty="0" smtClean="0"/>
-              <a:t>y</a:t>
-            </a:r>
-            <a:endParaRPr lang="en-US" dirty="0"/>
-          </a:p>
-        </p:txBody>
-      </p:sp>
-      <p:sp>
-        <p:nvSpPr>
-          <p:cNvPr id="3" name="Content Placeholder 2"/>
-          <p:cNvSpPr>
-            <a:spLocks noGrp="1"/>
-          </p:cNvSpPr>
-          <p:nvPr>
-            <p:ph idx="1"/>
-          </p:nvPr>
-        </p:nvSpPr>
-        <p:spPr/>
-        <p:txBody>
-          <a:bodyPr>
-            <a:normAutofit/>
-          </a:bodyPr>
-          <a:lstStyle/>
-          <a:p>
-            <a:r>
-              <a:rPr lang="sk-SK" dirty="0" smtClean="0"/>
-              <a:t>d</a:t>
-            </a:r>
-            <a:r>
-              <a:rPr lang="en-US" dirty="0" err="1" smtClean="0"/>
-              <a:t>esktop-senzor</a:t>
-            </a:r>
-            <a:r>
-              <a:rPr lang="sk-SK" dirty="0" smtClean="0"/>
-              <a:t>,</a:t>
-            </a:r>
-            <a:endParaRPr lang="en-US" dirty="0" smtClean="0"/>
-          </a:p>
-          <a:p>
-            <a:r>
-              <a:rPr lang="sk-SK" dirty="0" smtClean="0"/>
-              <a:t>Segger </a:t>
-            </a:r>
-            <a:r>
-              <a:rPr lang="sk-SK" dirty="0" smtClean="0"/>
-              <a:t>J-Link RTT</a:t>
-            </a:r>
-            <a:r>
-              <a:rPr lang="en-US" dirty="0" smtClean="0"/>
-              <a:t> (Real Time Transfer):</a:t>
-            </a:r>
-            <a:endParaRPr lang="sk-SK" dirty="0" smtClean="0"/>
-          </a:p>
-          <a:p>
-            <a:pPr lvl="1"/>
-            <a:r>
-              <a:rPr lang="sk-SK" dirty="0" smtClean="0"/>
-              <a:t>monitorovanie,</a:t>
-            </a:r>
-          </a:p>
-          <a:p>
-            <a:pPr lvl="1"/>
-            <a:r>
-              <a:rPr lang="sk-SK" dirty="0" smtClean="0"/>
-              <a:t>testovanie</a:t>
-            </a:r>
-            <a:r>
-              <a:rPr lang="sk-SK" dirty="0" smtClean="0"/>
-              <a:t>,</a:t>
-            </a:r>
-          </a:p>
-          <a:p>
-            <a:pPr lvl="1"/>
-            <a:r>
-              <a:rPr lang="sk-SK" dirty="0" smtClean="0"/>
-              <a:t>vyhľadávanie </a:t>
-            </a:r>
-            <a:r>
-              <a:rPr lang="sk-SK" dirty="0" smtClean="0"/>
-              <a:t>manažéra karty,</a:t>
-            </a:r>
-          </a:p>
-          <a:p>
-            <a:pPr lvl="1"/>
-            <a:r>
-              <a:rPr lang="sk-SK" dirty="0" smtClean="0"/>
-              <a:t>posielanie APDU správy blokovo</a:t>
-            </a:r>
-            <a:r>
-              <a:rPr lang="en-US" dirty="0" smtClean="0"/>
-              <a:t>/</a:t>
-            </a:r>
-            <a:r>
-              <a:rPr lang="en-US" dirty="0" err="1" smtClean="0"/>
-              <a:t>bajtovo</a:t>
-            </a:r>
-            <a:r>
-              <a:rPr lang="sk-SK" dirty="0" smtClean="0"/>
-              <a:t>,</a:t>
-            </a:r>
-            <a:endParaRPr lang="en-US" dirty="0" smtClean="0"/>
-          </a:p>
-          <a:p>
-            <a:pPr lvl="1"/>
-            <a:r>
-              <a:rPr lang="sk-SK" dirty="0" smtClean="0"/>
-              <a:t>ľudsky čitateľný výpis stavu z </a:t>
-            </a:r>
-            <a:r>
-              <a:rPr lang="sk-SK" dirty="0" smtClean="0"/>
-              <a:t>odpovedi</a:t>
-            </a:r>
-            <a:r>
-              <a:rPr lang="en-US" dirty="0" smtClean="0"/>
-              <a:t>.</a:t>
-            </a:r>
-          </a:p>
-        </p:txBody>
-      </p:sp>
-      <p:sp>
-        <p:nvSpPr>
-          <p:cNvPr id="4" name="Slide Number Placeholder 3"/>
-          <p:cNvSpPr>
-            <a:spLocks noGrp="1"/>
-          </p:cNvSpPr>
-          <p:nvPr>
-            <p:ph type="sldNum" sz="quarter" idx="12"/>
-          </p:nvPr>
-        </p:nvSpPr>
-        <p:spPr/>
-        <p:txBody>
-          <a:bodyPr/>
-          <a:lstStyle/>
-          <a:p>
-            <a:fld id="{8C584B50-B360-452D-AFC7-DEF83B5F5806}" type="slidenum">
-              <a:rPr lang="en-US" smtClean="0"/>
-              <a:pPr/>
-              <a:t>18</a:t>
-            </a:fld>
-            <a:r>
-              <a:rPr lang="en-US" dirty="0" smtClean="0"/>
-              <a:t>/26</a:t>
-            </a:r>
-            <a:endParaRPr lang="en-US" dirty="0"/>
-          </a:p>
-        </p:txBody>
-      </p:sp>
-    </p:spTree>
-  </p:cSld>
-  <p:clrMapOvr>
-    <a:masterClrMapping/>
-  </p:clrMapOvr>
-  <p:timing>
-    <p:tnLst>
-      <p:par>
-        <p:cTn id="1" dur="indefinite" restart="never" nodeType="tmRoot"/>
-      </p:par>
-    </p:tnLst>
-  </p:timing>
-</p:sld>
-</file>
-
 <file path=ppt/slides/slide19.xml><?xml version="1.0" encoding="utf-8"?>
 <p:sld xmlns:a="http://schemas.openxmlformats.org/drawingml/2006/main" xmlns:r="http://schemas.openxmlformats.org/officeDocument/2006/relationships" xmlns:p="http://schemas.openxmlformats.org/presentationml/2006/main">
   <p:cSld>
@@ -7787,14 +8011,148 @@
         </p:nvSpPr>
         <p:spPr/>
         <p:txBody>
-          <a:bodyPr/>
-          <a:lstStyle/>
-          <a:p>
-            <a:r>
-              <a:rPr lang="sk-SK" dirty="0" smtClean="0"/>
-              <a:t>Testovanie</a:t>
+          <a:bodyPr>
+            <a:normAutofit/>
+          </a:bodyPr>
+          <a:lstStyle/>
+          <a:p>
+            <a:r>
+              <a:rPr lang="sk-SK" dirty="0" smtClean="0"/>
+              <a:t>Implementácia</a:t>
+            </a:r>
+            <a:r>
+              <a:rPr lang="en-US" dirty="0" smtClean="0"/>
+              <a:t>:</a:t>
+            </a:r>
+            <a:r>
+              <a:rPr lang="sk-SK" dirty="0" smtClean="0"/>
+              <a:t> </a:t>
+            </a:r>
+            <a:r>
+              <a:rPr lang="sk-SK" dirty="0" smtClean="0"/>
+              <a:t>Funkc. k</a:t>
+            </a:r>
+            <a:r>
+              <a:rPr lang="en-US" dirty="0" err="1" smtClean="0"/>
+              <a:t>onzol</a:t>
+            </a:r>
+            <a:r>
+              <a:rPr lang="sk-SK" dirty="0" smtClean="0"/>
+              <a:t>y</a:t>
             </a:r>
             <a:endParaRPr lang="en-US" dirty="0"/>
+          </a:p>
+        </p:txBody>
+      </p:sp>
+      <p:sp>
+        <p:nvSpPr>
+          <p:cNvPr id="3" name="Content Placeholder 2"/>
+          <p:cNvSpPr>
+            <a:spLocks noGrp="1"/>
+          </p:cNvSpPr>
+          <p:nvPr>
+            <p:ph idx="1"/>
+          </p:nvPr>
+        </p:nvSpPr>
+        <p:spPr/>
+        <p:txBody>
+          <a:bodyPr>
+            <a:normAutofit/>
+          </a:bodyPr>
+          <a:lstStyle/>
+          <a:p>
+            <a:r>
+              <a:rPr lang="sk-SK" dirty="0" smtClean="0"/>
+              <a:t>d</a:t>
+            </a:r>
+            <a:r>
+              <a:rPr lang="en-US" dirty="0" err="1" smtClean="0"/>
+              <a:t>esktop-senzor</a:t>
+            </a:r>
+            <a:r>
+              <a:rPr lang="sk-SK" dirty="0" smtClean="0"/>
+              <a:t>,</a:t>
+            </a:r>
+            <a:endParaRPr lang="en-US" dirty="0" smtClean="0"/>
+          </a:p>
+          <a:p>
+            <a:r>
+              <a:rPr lang="sk-SK" dirty="0" smtClean="0"/>
+              <a:t>Segger </a:t>
+            </a:r>
+            <a:r>
+              <a:rPr lang="sk-SK" dirty="0" smtClean="0"/>
+              <a:t>J-Link RTT</a:t>
+            </a:r>
+            <a:r>
+              <a:rPr lang="en-US" dirty="0" smtClean="0"/>
+              <a:t> (Real Time Transfer):</a:t>
+            </a:r>
+            <a:endParaRPr lang="sk-SK" dirty="0" smtClean="0"/>
+          </a:p>
+          <a:p>
+            <a:pPr lvl="1"/>
+            <a:r>
+              <a:rPr lang="sk-SK" dirty="0" smtClean="0"/>
+              <a:t>monitorovanie,</a:t>
+            </a:r>
+          </a:p>
+          <a:p>
+            <a:pPr lvl="1"/>
+            <a:r>
+              <a:rPr lang="sk-SK" dirty="0" smtClean="0"/>
+              <a:t>testovanie</a:t>
+            </a:r>
+            <a:r>
+              <a:rPr lang="sk-SK" dirty="0" smtClean="0"/>
+              <a:t>,</a:t>
+            </a:r>
+          </a:p>
+          <a:p>
+            <a:pPr lvl="1"/>
+            <a:r>
+              <a:rPr lang="sk-SK" dirty="0" smtClean="0"/>
+              <a:t>vyhľadávanie </a:t>
+            </a:r>
+            <a:r>
+              <a:rPr lang="sk-SK" dirty="0" smtClean="0"/>
+              <a:t>manažéra karty,</a:t>
+            </a:r>
+          </a:p>
+          <a:p>
+            <a:pPr lvl="1"/>
+            <a:r>
+              <a:rPr lang="sk-SK" dirty="0" smtClean="0"/>
+              <a:t>posielanie APDU správy blokovo</a:t>
+            </a:r>
+            <a:r>
+              <a:rPr lang="en-US" dirty="0" smtClean="0"/>
+              <a:t>/</a:t>
+            </a:r>
+            <a:r>
+              <a:rPr lang="en-US" dirty="0" err="1" smtClean="0"/>
+              <a:t>bajtovo</a:t>
+            </a:r>
+            <a:r>
+              <a:rPr lang="sk-SK" dirty="0" smtClean="0"/>
+              <a:t>,</a:t>
+            </a:r>
+            <a:endParaRPr lang="en-US" dirty="0" smtClean="0"/>
+          </a:p>
+          <a:p>
+            <a:pPr lvl="1"/>
+            <a:r>
+              <a:rPr lang="sk-SK" dirty="0" smtClean="0"/>
+              <a:t>ľudsky čitateľný výpis stavu z </a:t>
+            </a:r>
+            <a:r>
+              <a:rPr lang="sk-SK" dirty="0" smtClean="0"/>
+              <a:t>odpovedi</a:t>
+            </a:r>
+            <a:r>
+              <a:rPr lang="en-US" dirty="0" smtClean="0"/>
+              <a:t>.</a:t>
+            </a:r>
           </a:p>
         </p:txBody>
       </p:sp>
@@ -7820,7 +8178,275 @@
             </a:fld>
             <a:r>
               <a:rPr lang="en-US" dirty="0" smtClean="0"/>
-              <a:t>/26</a:t>
+              <a:t>/2</a:t>
+            </a:r>
+            <a:r>
+              <a:rPr lang="sk-SK" dirty="0" smtClean="0"/>
+              <a:t>7</a:t>
+            </a:r>
+            <a:endParaRPr lang="en-US" dirty="0"/>
+          </a:p>
+        </p:txBody>
+      </p:sp>
+    </p:spTree>
+  </p:cSld>
+  <p:clrMapOvr>
+    <a:masterClrMapping/>
+  </p:clrMapOvr>
+  <p:timing>
+    <p:tnLst>
+      <p:par>
+        <p:cTn id="1" dur="indefinite" restart="never" nodeType="tmRoot"/>
+      </p:par>
+    </p:tnLst>
+  </p:timing>
+</p:sld>
+</file>
+
+<file path=ppt/slides/slide2.xml><?xml version="1.0" encoding="utf-8"?>
+<p:sld xmlns:a="http://schemas.openxmlformats.org/drawingml/2006/main" xmlns:r="http://schemas.openxmlformats.org/officeDocument/2006/relationships" xmlns:p="http://schemas.openxmlformats.org/presentationml/2006/main">
+  <p:cSld>
+    <p:spTree>
+      <p:nvGrpSpPr>
+        <p:cNvPr id="1" name=""/>
+        <p:cNvGrpSpPr/>
+        <p:nvPr/>
+      </p:nvGrpSpPr>
+      <p:grpSpPr>
+        <a:xfrm>
+          <a:off x="0" y="0"/>
+          <a:ext cx="0" cy="0"/>
+          <a:chOff x="0" y="0"/>
+          <a:chExt cx="0" cy="0"/>
+        </a:xfrm>
+      </p:grpSpPr>
+      <p:sp>
+        <p:nvSpPr>
+          <p:cNvPr id="2" name="Title 1"/>
+          <p:cNvSpPr>
+            <a:spLocks noGrp="1"/>
+          </p:cNvSpPr>
+          <p:nvPr>
+            <p:ph type="title"/>
+          </p:nvPr>
+        </p:nvSpPr>
+        <p:spPr/>
+        <p:txBody>
+          <a:bodyPr/>
+          <a:lstStyle/>
+          <a:p>
+            <a:r>
+              <a:rPr lang="sk-SK" dirty="0" smtClean="0"/>
+              <a:t>Motivácia</a:t>
+            </a:r>
+            <a:endParaRPr lang="en-US" dirty="0"/>
+          </a:p>
+        </p:txBody>
+      </p:sp>
+      <p:sp>
+        <p:nvSpPr>
+          <p:cNvPr id="3" name="Content Placeholder 2"/>
+          <p:cNvSpPr>
+            <a:spLocks noGrp="1"/>
+          </p:cNvSpPr>
+          <p:nvPr>
+            <p:ph idx="1"/>
+          </p:nvPr>
+        </p:nvSpPr>
+        <p:spPr/>
+        <p:txBody>
+          <a:bodyPr>
+            <a:normAutofit/>
+          </a:bodyPr>
+          <a:lstStyle/>
+          <a:p>
+            <a:r>
+              <a:rPr lang="sk-SK" dirty="0" smtClean="0"/>
+              <a:t>b</a:t>
+            </a:r>
+            <a:r>
+              <a:rPr lang="en-US" dirty="0" err="1" smtClean="0"/>
+              <a:t>ezpe</a:t>
+            </a:r>
+            <a:r>
+              <a:rPr lang="sk-SK" dirty="0" smtClean="0"/>
+              <a:t>čnosť je </a:t>
+            </a:r>
+            <a:r>
+              <a:rPr lang="sk-SK" dirty="0" smtClean="0"/>
+              <a:t>neustály boj,</a:t>
+            </a:r>
+            <a:endParaRPr lang="sk-SK" dirty="0" smtClean="0"/>
+          </a:p>
+          <a:p>
+            <a:endParaRPr lang="en-US" dirty="0" smtClean="0"/>
+          </a:p>
+          <a:p>
+            <a:r>
+              <a:rPr lang="sk-SK" dirty="0" smtClean="0"/>
+              <a:t>bezpečnejšie verzie algoritmov,</a:t>
+            </a:r>
+          </a:p>
+          <a:p>
+            <a:r>
+              <a:rPr lang="sk-SK" dirty="0" smtClean="0"/>
+              <a:t>tam, kde pred tým nebola,</a:t>
+            </a:r>
+            <a:endParaRPr lang="sk-SK" dirty="0" smtClean="0"/>
+          </a:p>
+          <a:p>
+            <a:r>
+              <a:rPr lang="sk-SK" dirty="0" smtClean="0"/>
+              <a:t>efektívnejšie</a:t>
+            </a:r>
+            <a:r>
+              <a:rPr lang="sk-SK" dirty="0" smtClean="0"/>
+              <a:t>,</a:t>
+            </a:r>
+          </a:p>
+          <a:p>
+            <a:pPr lvl="1"/>
+            <a:r>
+              <a:rPr lang="sk-SK" dirty="0" smtClean="0"/>
+              <a:t>pamäť,</a:t>
+            </a:r>
+            <a:endParaRPr lang="sk-SK" dirty="0" smtClean="0"/>
+          </a:p>
+          <a:p>
+            <a:pPr lvl="1"/>
+            <a:r>
+              <a:rPr lang="sk-SK" dirty="0" smtClean="0"/>
+              <a:t>spotreba,</a:t>
+            </a:r>
+          </a:p>
+          <a:p>
+            <a:pPr lvl="1"/>
+            <a:r>
+              <a:rPr lang="sk-SK" dirty="0" smtClean="0"/>
+              <a:t>rýchlosť</a:t>
+            </a:r>
+            <a:r>
+              <a:rPr lang="sk-SK" dirty="0" smtClean="0"/>
+              <a:t>.</a:t>
+            </a:r>
+            <a:endParaRPr lang="sk-SK" dirty="0" smtClean="0"/>
+          </a:p>
+        </p:txBody>
+      </p:sp>
+      <p:sp>
+        <p:nvSpPr>
+          <p:cNvPr id="4" name="Slide Number Placeholder 3"/>
+          <p:cNvSpPr>
+            <a:spLocks noGrp="1"/>
+          </p:cNvSpPr>
+          <p:nvPr>
+            <p:ph type="sldNum" sz="quarter" idx="12"/>
+          </p:nvPr>
+        </p:nvSpPr>
+        <p:spPr/>
+        <p:txBody>
+          <a:bodyPr/>
+          <a:lstStyle/>
+          <a:p>
+            <a:fld id="{8C584B50-B360-452D-AFC7-DEF83B5F5806}" type="slidenum">
+              <a:rPr lang="en-US" smtClean="0"/>
+              <a:pPr/>
+              <a:t>2</a:t>
+            </a:fld>
+            <a:r>
+              <a:rPr lang="en-US" dirty="0" smtClean="0"/>
+              <a:t>/2</a:t>
+            </a:r>
+            <a:r>
+              <a:rPr lang="sk-SK" dirty="0" smtClean="0"/>
+              <a:t>7</a:t>
+            </a:r>
+            <a:endParaRPr lang="en-US" dirty="0"/>
+          </a:p>
+        </p:txBody>
+      </p:sp>
+    </p:spTree>
+  </p:cSld>
+  <p:clrMapOvr>
+    <a:masterClrMapping/>
+  </p:clrMapOvr>
+  <p:timing>
+    <p:tnLst>
+      <p:par>
+        <p:cTn id="1" dur="indefinite" restart="never" nodeType="tmRoot"/>
+      </p:par>
+    </p:tnLst>
+  </p:timing>
+</p:sld>
+</file>
+
+<file path=ppt/slides/slide20.xml><?xml version="1.0" encoding="utf-8"?>
+<p:sld xmlns:a="http://schemas.openxmlformats.org/drawingml/2006/main" xmlns:r="http://schemas.openxmlformats.org/officeDocument/2006/relationships" xmlns:p="http://schemas.openxmlformats.org/presentationml/2006/main">
+  <p:cSld>
+    <p:spTree>
+      <p:nvGrpSpPr>
+        <p:cNvPr id="1" name=""/>
+        <p:cNvGrpSpPr/>
+        <p:nvPr/>
+      </p:nvGrpSpPr>
+      <p:grpSpPr>
+        <a:xfrm>
+          <a:off x="0" y="0"/>
+          <a:ext cx="0" cy="0"/>
+          <a:chOff x="0" y="0"/>
+          <a:chExt cx="0" cy="0"/>
+        </a:xfrm>
+      </p:grpSpPr>
+      <p:sp>
+        <p:nvSpPr>
+          <p:cNvPr id="2" name="Title 1"/>
+          <p:cNvSpPr>
+            <a:spLocks noGrp="1"/>
+          </p:cNvSpPr>
+          <p:nvPr>
+            <p:ph type="title"/>
+          </p:nvPr>
+        </p:nvSpPr>
+        <p:spPr/>
+        <p:txBody>
+          <a:bodyPr/>
+          <a:lstStyle/>
+          <a:p>
+            <a:r>
+              <a:rPr lang="sk-SK" dirty="0" smtClean="0"/>
+              <a:t>Testovanie</a:t>
+            </a:r>
+            <a:endParaRPr lang="en-US" dirty="0"/>
+          </a:p>
+        </p:txBody>
+      </p:sp>
+      <p:sp>
+        <p:nvSpPr>
+          <p:cNvPr id="4" name="Slide Number Placeholder 3"/>
+          <p:cNvSpPr>
+            <a:spLocks noGrp="1"/>
+          </p:cNvSpPr>
+          <p:nvPr>
+            <p:ph type="sldNum" sz="quarter" idx="12"/>
+          </p:nvPr>
+        </p:nvSpPr>
+        <p:spPr/>
+        <p:txBody>
+          <a:bodyPr/>
+          <a:lstStyle/>
+          <a:p>
+            <a:fld id="{8C584B50-B360-452D-AFC7-DEF83B5F5806}" type="slidenum">
+              <a:rPr lang="en-US" smtClean="0"/>
+              <a:pPr/>
+              <a:t>20</a:t>
+            </a:fld>
+            <a:r>
+              <a:rPr lang="en-US" dirty="0" smtClean="0"/>
+              <a:t>/2</a:t>
+            </a:r>
+            <a:r>
+              <a:rPr lang="sk-SK" dirty="0" smtClean="0"/>
+              <a:t>7</a:t>
             </a:r>
             <a:endParaRPr lang="en-US" dirty="0" smtClean="0"/>
           </a:p>
@@ -7876,208 +8502,7 @@
 </p:sld>
 </file>
 
-<file path=ppt/slides/slide2.xml><?xml version="1.0" encoding="utf-8"?>
-<p:sld xmlns:a="http://schemas.openxmlformats.org/drawingml/2006/main" xmlns:r="http://schemas.openxmlformats.org/officeDocument/2006/relationships" xmlns:p="http://schemas.openxmlformats.org/presentationml/2006/main">
-  <p:cSld>
-    <p:spTree>
-      <p:nvGrpSpPr>
-        <p:cNvPr id="1" name=""/>
-        <p:cNvGrpSpPr/>
-        <p:nvPr/>
-      </p:nvGrpSpPr>
-      <p:grpSpPr>
-        <a:xfrm>
-          <a:off x="0" y="0"/>
-          <a:ext cx="0" cy="0"/>
-          <a:chOff x="0" y="0"/>
-          <a:chExt cx="0" cy="0"/>
-        </a:xfrm>
-      </p:grpSpPr>
-      <p:sp>
-        <p:nvSpPr>
-          <p:cNvPr id="2" name="Title 1"/>
-          <p:cNvSpPr>
-            <a:spLocks noGrp="1"/>
-          </p:cNvSpPr>
-          <p:nvPr>
-            <p:ph type="title"/>
-          </p:nvPr>
-        </p:nvSpPr>
-        <p:spPr/>
-        <p:txBody>
-          <a:bodyPr/>
-          <a:lstStyle/>
-          <a:p>
-            <a:r>
-              <a:rPr lang="sk-SK" dirty="0" smtClean="0"/>
-              <a:t>Motivácia</a:t>
-            </a:r>
-            <a:endParaRPr lang="en-US" dirty="0"/>
-          </a:p>
-        </p:txBody>
-      </p:sp>
-      <p:sp>
-        <p:nvSpPr>
-          <p:cNvPr id="3" name="Content Placeholder 2"/>
-          <p:cNvSpPr>
-            <a:spLocks noGrp="1"/>
-          </p:cNvSpPr>
-          <p:nvPr>
-            <p:ph idx="1"/>
-          </p:nvPr>
-        </p:nvSpPr>
-        <p:spPr/>
-        <p:txBody>
-          <a:bodyPr>
-            <a:normAutofit fontScale="92500" lnSpcReduction="20000"/>
-          </a:bodyPr>
-          <a:lstStyle/>
-          <a:p>
-            <a:r>
-              <a:rPr lang="sk-SK" dirty="0" smtClean="0"/>
-              <a:t>b</a:t>
-            </a:r>
-            <a:r>
-              <a:rPr lang="en-US" dirty="0" err="1" smtClean="0"/>
-              <a:t>ezpe</a:t>
-            </a:r>
-            <a:r>
-              <a:rPr lang="sk-SK" dirty="0" smtClean="0"/>
-              <a:t>čnosť je </a:t>
-            </a:r>
-            <a:r>
-              <a:rPr lang="sk-SK" dirty="0" smtClean="0"/>
-              <a:t>neustály boj,</a:t>
-            </a:r>
-            <a:endParaRPr lang="sk-SK" dirty="0" smtClean="0"/>
-          </a:p>
-          <a:p>
-            <a:endParaRPr lang="en-US" dirty="0" smtClean="0"/>
-          </a:p>
-          <a:p>
-            <a:r>
-              <a:rPr lang="sk-SK" dirty="0" smtClean="0"/>
-              <a:t>bezpečnejšie verzie algoritmov,</a:t>
-            </a:r>
-            <a:endParaRPr lang="sk-SK" dirty="0" smtClean="0"/>
-          </a:p>
-          <a:p>
-            <a:r>
-              <a:rPr lang="sk-SK" dirty="0" smtClean="0"/>
-              <a:t>efektívnejšie</a:t>
-            </a:r>
-            <a:r>
-              <a:rPr lang="sk-SK" dirty="0" smtClean="0"/>
-              <a:t>,</a:t>
-            </a:r>
-          </a:p>
-          <a:p>
-            <a:pPr lvl="1"/>
-            <a:r>
-              <a:rPr lang="sk-SK" dirty="0" smtClean="0"/>
-              <a:t>pamäť,</a:t>
-            </a:r>
-            <a:endParaRPr lang="sk-SK" dirty="0" smtClean="0"/>
-          </a:p>
-          <a:p>
-            <a:pPr lvl="1"/>
-            <a:r>
-              <a:rPr lang="sk-SK" dirty="0" smtClean="0"/>
-              <a:t>spotreba,</a:t>
-            </a:r>
-          </a:p>
-          <a:p>
-            <a:pPr lvl="1"/>
-            <a:r>
-              <a:rPr lang="sk-SK" dirty="0" smtClean="0"/>
-              <a:t>rýchlosť.</a:t>
-            </a:r>
-          </a:p>
-          <a:p>
-            <a:pPr lvl="1"/>
-            <a:endParaRPr lang="sk-SK" dirty="0" smtClean="0"/>
-          </a:p>
-          <a:p>
-            <a:r>
-              <a:rPr lang="en-US" dirty="0" err="1" smtClean="0"/>
-              <a:t>Cie</a:t>
-            </a:r>
-            <a:r>
-              <a:rPr lang="sk-SK" dirty="0" smtClean="0"/>
-              <a:t>ľ</a:t>
-            </a:r>
-            <a:r>
-              <a:rPr lang="en-US" dirty="0" smtClean="0"/>
-              <a:t>: </a:t>
-            </a:r>
-            <a:r>
-              <a:rPr lang="sk-SK" dirty="0" smtClean="0"/>
-              <a:t>zvýši</a:t>
-            </a:r>
-            <a:r>
-              <a:rPr lang="sk-SK" dirty="0" smtClean="0"/>
-              <a:t>ť</a:t>
-            </a:r>
-            <a:r>
-              <a:rPr lang="sk-SK" dirty="0" smtClean="0"/>
-              <a:t> zabezpečenie v </a:t>
-            </a:r>
-            <a:r>
-              <a:rPr lang="en-US" dirty="0" err="1" smtClean="0"/>
-              <a:t>inteligent</a:t>
-            </a:r>
-            <a:r>
-              <a:rPr lang="sk-SK" dirty="0" smtClean="0"/>
-              <a:t>ných domácnostiach</a:t>
-            </a:r>
-            <a:endParaRPr lang="sk-SK" dirty="0" smtClean="0"/>
-          </a:p>
-        </p:txBody>
-      </p:sp>
-      <p:sp>
-        <p:nvSpPr>
-          <p:cNvPr id="4" name="Slide Number Placeholder 3"/>
-          <p:cNvSpPr>
-            <a:spLocks noGrp="1"/>
-          </p:cNvSpPr>
-          <p:nvPr>
-            <p:ph type="sldNum" sz="quarter" idx="12"/>
-          </p:nvPr>
-        </p:nvSpPr>
-        <p:spPr/>
-        <p:txBody>
-          <a:bodyPr/>
-          <a:lstStyle/>
-          <a:p>
-            <a:fld id="{8C584B50-B360-452D-AFC7-DEF83B5F5806}" type="slidenum">
-              <a:rPr lang="en-US" smtClean="0"/>
-              <a:pPr/>
-              <a:t>2</a:t>
-            </a:fld>
-            <a:r>
-              <a:rPr lang="en-US" dirty="0" smtClean="0"/>
-              <a:t>/26</a:t>
-            </a:r>
-            <a:endParaRPr lang="en-US" dirty="0"/>
-          </a:p>
-        </p:txBody>
-      </p:sp>
-    </p:spTree>
-  </p:cSld>
-  <p:clrMapOvr>
-    <a:masterClrMapping/>
-  </p:clrMapOvr>
-  <p:timing>
-    <p:tnLst>
-      <p:par>
-        <p:cTn id="1" dur="indefinite" restart="never" nodeType="tmRoot"/>
-      </p:par>
-    </p:tnLst>
-  </p:timing>
-</p:sld>
-</file>
-
-<file path=ppt/slides/slide20.xml><?xml version="1.0" encoding="utf-8"?>
+<file path=ppt/slides/slide21.xml><?xml version="1.0" encoding="utf-8"?>
 <p:sld xmlns:a="http://schemas.openxmlformats.org/drawingml/2006/main" xmlns:r="http://schemas.openxmlformats.org/officeDocument/2006/relationships" xmlns:p="http://schemas.openxmlformats.org/presentationml/2006/main">
   <p:cSld>
     <p:spTree>
@@ -8526,11 +8951,15 @@
             <a:fld id="{8C584B50-B360-452D-AFC7-DEF83B5F5806}" type="slidenum">
               <a:rPr lang="en-US" smtClean="0"/>
               <a:pPr/>
-              <a:t>20</a:t>
+              <a:t>21</a:t>
             </a:fld>
             <a:r>
               <a:rPr lang="en-US" dirty="0" smtClean="0"/>
-              <a:t>/26</a:t>
+              <a:t>/2</a:t>
+            </a:r>
+            <a:r>
+              <a:rPr lang="sk-SK" dirty="0" smtClean="0"/>
+              <a:t>7</a:t>
             </a:r>
             <a:endParaRPr lang="en-US" dirty="0"/>
           </a:p>
@@ -8632,7 +9061,7 @@
 </p:sld>
 </file>
 
-<file path=ppt/slides/slide21.xml><?xml version="1.0" encoding="utf-8"?>
+<file path=ppt/slides/slide22.xml><?xml version="1.0" encoding="utf-8"?>
 <p:sld xmlns:a="http://schemas.openxmlformats.org/drawingml/2006/main" xmlns:r="http://schemas.openxmlformats.org/officeDocument/2006/relationships" xmlns:p="http://schemas.openxmlformats.org/presentationml/2006/main">
   <p:cSld>
     <p:spTree>
@@ -8694,11 +9123,15 @@
             <a:fld id="{8C584B50-B360-452D-AFC7-DEF83B5F5806}" type="slidenum">
               <a:rPr lang="en-US" smtClean="0"/>
               <a:pPr/>
-              <a:t>21</a:t>
+              <a:t>22</a:t>
             </a:fld>
             <a:r>
               <a:rPr lang="en-US" dirty="0" smtClean="0"/>
-              <a:t>/26</a:t>
+              <a:t>/2</a:t>
+            </a:r>
+            <a:r>
+              <a:rPr lang="sk-SK" dirty="0" smtClean="0"/>
+              <a:t>7</a:t>
             </a:r>
             <a:endParaRPr lang="en-US" dirty="0"/>
           </a:p>
@@ -9114,7 +9547,7 @@
 </p:sld>
 </file>
 
-<file path=ppt/slides/slide22.xml><?xml version="1.0" encoding="utf-8"?>
+<file path=ppt/slides/slide23.xml><?xml version="1.0" encoding="utf-8"?>
 <p:sld xmlns:a="http://schemas.openxmlformats.org/drawingml/2006/main" xmlns:r="http://schemas.openxmlformats.org/officeDocument/2006/relationships" xmlns:p="http://schemas.openxmlformats.org/presentationml/2006/main">
   <p:cSld>
     <p:spTree>
@@ -9172,11 +9605,15 @@
             <a:fld id="{8C584B50-B360-452D-AFC7-DEF83B5F5806}" type="slidenum">
               <a:rPr lang="en-US" smtClean="0"/>
               <a:pPr/>
-              <a:t>22</a:t>
+              <a:t>23</a:t>
             </a:fld>
             <a:r>
               <a:rPr lang="en-US" dirty="0" smtClean="0"/>
-              <a:t>/26</a:t>
+              <a:t>/2</a:t>
+            </a:r>
+            <a:r>
+              <a:rPr lang="sk-SK" dirty="0" smtClean="0"/>
+              <a:t>7</a:t>
             </a:r>
             <a:endParaRPr lang="en-US" dirty="0"/>
           </a:p>
@@ -9588,6 +10025,23 @@
               <a:buChar char="•"/>
             </a:pPr>
             <a:r>
+              <a:rPr kumimoji="0" lang="en-US" sz="2800" b="0" i="0" u="none" strike="noStrike" kern="1200" cap="none" spc="0" normalizeH="0" baseline="0" noProof="0" dirty="0" smtClean="0">
+                <a:ln>
+                  <a:noFill/>
+                </a:ln>
+                <a:solidFill>
+                  <a:schemeClr val="tx1"/>
+                </a:solidFill>
+                <a:effectLst/>
+                <a:uLnTx/>
+                <a:uFillTx/>
+                <a:latin typeface="+mn-lt"/>
+                <a:ea typeface="+mn-ea"/>
+                <a:cs typeface="+mn-cs"/>
+              </a:rPr>
+              <a:t>D</a:t>
+            </a:r>
+            <a:r>
               <a:rPr kumimoji="0" lang="sk-SK" sz="2800" b="0" i="0" u="none" strike="noStrike" kern="1200" cap="none" spc="0" normalizeH="0" baseline="0" noProof="0" dirty="0" smtClean="0">
                 <a:ln>
                   <a:noFill/>
@@ -9602,7 +10056,7 @@
                 <a:ea typeface="+mn-ea"/>
                 <a:cs typeface="+mn-cs"/>
               </a:rPr>
-              <a:t>Nárast času</a:t>
+              <a:t>ĺžka</a:t>
             </a:r>
             <a:r>
               <a:rPr kumimoji="0" lang="sk-SK" sz="2800" b="0" i="0" u="none" strike="noStrike" kern="1200" cap="none" spc="0" normalizeH="0" noProof="0" dirty="0" smtClean="0">
@@ -9619,7 +10073,7 @@
                 <a:ea typeface="+mn-ea"/>
                 <a:cs typeface="+mn-cs"/>
               </a:rPr>
-              <a:t> vykonania</a:t>
+              <a:t> vykonania testu</a:t>
             </a:r>
             <a:r>
               <a:rPr lang="sk-SK" sz="2800" dirty="0" smtClean="0"/>
@@ -9661,7 +10115,7 @@
 </p:sld>
 </file>
 
-<file path=ppt/slides/slide23.xml><?xml version="1.0" encoding="utf-8"?>
+<file path=ppt/slides/slide24.xml><?xml version="1.0" encoding="utf-8"?>
 <p:sld xmlns:a="http://schemas.openxmlformats.org/drawingml/2006/main" xmlns:r="http://schemas.openxmlformats.org/officeDocument/2006/relationships" xmlns:p="http://schemas.openxmlformats.org/presentationml/2006/main">
   <p:cSld>
     <p:spTree>
@@ -9719,11 +10173,15 @@
             <a:fld id="{8C584B50-B360-452D-AFC7-DEF83B5F5806}" type="slidenum">
               <a:rPr lang="en-US" smtClean="0"/>
               <a:pPr/>
-              <a:t>23</a:t>
+              <a:t>24</a:t>
             </a:fld>
             <a:r>
               <a:rPr lang="en-US" dirty="0" smtClean="0"/>
-              <a:t>/26</a:t>
+              <a:t>/2</a:t>
+            </a:r>
+            <a:r>
+              <a:rPr lang="sk-SK" dirty="0" smtClean="0"/>
+              <a:t>7</a:t>
             </a:r>
             <a:endParaRPr lang="en-US" dirty="0"/>
           </a:p>
@@ -10073,248 +10531,6 @@
 </p:sld>
 </file>
 
-<file path=ppt/slides/slide24.xml><?xml version="1.0" encoding="utf-8"?>
-<p:sld xmlns:a="http://schemas.openxmlformats.org/drawingml/2006/main" xmlns:r="http://schemas.openxmlformats.org/officeDocument/2006/relationships" xmlns:p="http://schemas.openxmlformats.org/presentationml/2006/main">
-  <p:cSld>
-    <p:spTree>
-      <p:nvGrpSpPr>
-        <p:cNvPr id="1" name=""/>
-        <p:cNvGrpSpPr/>
-        <p:nvPr/>
-      </p:nvGrpSpPr>
-      <p:grpSpPr>
-        <a:xfrm>
-          <a:off x="0" y="0"/>
-          <a:ext cx="0" cy="0"/>
-          <a:chOff x="0" y="0"/>
-          <a:chExt cx="0" cy="0"/>
-        </a:xfrm>
-      </p:grpSpPr>
-      <p:sp>
-        <p:nvSpPr>
-          <p:cNvPr id="2" name="Title 1"/>
-          <p:cNvSpPr>
-            <a:spLocks noGrp="1"/>
-          </p:cNvSpPr>
-          <p:nvPr>
-            <p:ph type="title"/>
-          </p:nvPr>
-        </p:nvSpPr>
-        <p:spPr/>
-        <p:txBody>
-          <a:bodyPr/>
-          <a:lstStyle/>
-          <a:p>
-            <a:r>
-              <a:rPr lang="sk-SK" dirty="0" smtClean="0"/>
-              <a:t>Vyhodnotenie</a:t>
-            </a:r>
-            <a:endParaRPr lang="en-US" dirty="0"/>
-          </a:p>
-        </p:txBody>
-      </p:sp>
-      <p:sp>
-        <p:nvSpPr>
-          <p:cNvPr id="3" name="Content Placeholder 2"/>
-          <p:cNvSpPr>
-            <a:spLocks noGrp="1"/>
-          </p:cNvSpPr>
-          <p:nvPr>
-            <p:ph idx="1"/>
-          </p:nvPr>
-        </p:nvSpPr>
-        <p:spPr/>
-        <p:txBody>
-          <a:bodyPr>
-            <a:normAutofit/>
-          </a:bodyPr>
-          <a:lstStyle/>
-          <a:p>
-            <a:r>
-              <a:rPr lang="sk-SK" dirty="0" smtClean="0"/>
-              <a:t>Prekvapený výsledkami HW </a:t>
-            </a:r>
-            <a:r>
-              <a:rPr lang="sk-SK" dirty="0" smtClean="0"/>
-              <a:t>riešenia</a:t>
-            </a:r>
-            <a:r>
-              <a:rPr lang="en-US" dirty="0" smtClean="0"/>
-              <a:t>, </a:t>
-            </a:r>
-            <a:r>
-              <a:rPr lang="sk-SK" dirty="0" smtClean="0"/>
-              <a:t>(</a:t>
-            </a:r>
-            <a:r>
-              <a:rPr lang="en-US" dirty="0" err="1" smtClean="0"/>
-              <a:t>opa</a:t>
-            </a:r>
-            <a:r>
-              <a:rPr lang="sk-SK" dirty="0" smtClean="0"/>
-              <a:t>čné ako sa predpokladalo)</a:t>
-            </a:r>
-          </a:p>
-          <a:p>
-            <a:pPr lvl="1"/>
-            <a:r>
-              <a:rPr lang="en-US" dirty="0" smtClean="0"/>
-              <a:t>v</a:t>
-            </a:r>
-            <a:r>
-              <a:rPr lang="sk-SK" dirty="0" smtClean="0"/>
-              <a:t>eľkosť programu</a:t>
-            </a:r>
-            <a:r>
-              <a:rPr lang="en-US" dirty="0" smtClean="0"/>
-              <a:t>:</a:t>
-            </a:r>
-            <a:r>
-              <a:rPr lang="sk-SK" dirty="0" smtClean="0"/>
-              <a:t> štandard</a:t>
-            </a:r>
-            <a:r>
-              <a:rPr lang="en-US" dirty="0" smtClean="0"/>
-              <a:t> ISO7816</a:t>
-            </a:r>
-            <a:r>
-              <a:rPr lang="sk-SK" dirty="0" smtClean="0"/>
-              <a:t>,</a:t>
-            </a:r>
-            <a:endParaRPr lang="en-US" dirty="0" smtClean="0"/>
-          </a:p>
-          <a:p>
-            <a:pPr lvl="1"/>
-            <a:r>
-              <a:rPr lang="en-US" dirty="0" err="1" smtClean="0"/>
-              <a:t>spotreba</a:t>
-            </a:r>
-            <a:r>
-              <a:rPr lang="en-US" dirty="0" smtClean="0"/>
-              <a:t>: </a:t>
-            </a:r>
-            <a:r>
-              <a:rPr lang="en-US" dirty="0" err="1" smtClean="0"/>
-              <a:t>aktivovan</a:t>
-            </a:r>
-            <a:r>
-              <a:rPr lang="sk-SK" dirty="0" smtClean="0"/>
-              <a:t>é viaceré periférie,</a:t>
-            </a:r>
-          </a:p>
-          <a:p>
-            <a:pPr lvl="1"/>
-            <a:r>
-              <a:rPr lang="sk-SK" dirty="0" smtClean="0"/>
-              <a:t>č</a:t>
-            </a:r>
-            <a:r>
-              <a:rPr lang="sk-SK" dirty="0" smtClean="0"/>
-              <a:t>as potrebný na vykonanie</a:t>
-            </a:r>
-            <a:r>
-              <a:rPr lang="en-US" dirty="0" smtClean="0"/>
-              <a:t>: </a:t>
-            </a:r>
-            <a:r>
-              <a:rPr lang="sk-SK" dirty="0" smtClean="0"/>
-              <a:t>strata </a:t>
-            </a:r>
-            <a:r>
-              <a:rPr lang="sk-SK" dirty="0" smtClean="0"/>
-              <a:t>ANT </a:t>
-            </a:r>
-            <a:r>
-              <a:rPr lang="sk-SK" dirty="0" smtClean="0"/>
-              <a:t>paketov.</a:t>
-            </a:r>
-            <a:endParaRPr lang="sk-SK" dirty="0" smtClean="0"/>
-          </a:p>
-          <a:p>
-            <a:endParaRPr lang="sk-SK" dirty="0" smtClean="0"/>
-          </a:p>
-          <a:p>
-            <a:r>
-              <a:rPr lang="sk-SK" dirty="0" smtClean="0"/>
-              <a:t>PKI</a:t>
-            </a:r>
-            <a:endParaRPr lang="sk-SK" dirty="0" smtClean="0"/>
-          </a:p>
-          <a:p>
-            <a:pPr lvl="1"/>
-            <a:r>
-              <a:rPr lang="sk-SK" dirty="0" smtClean="0"/>
-              <a:t>RSA</a:t>
-            </a:r>
-            <a:r>
-              <a:rPr lang="en-US" dirty="0" smtClean="0"/>
-              <a:t> </a:t>
-            </a:r>
-            <a:r>
-              <a:rPr lang="sk-SK" dirty="0" smtClean="0"/>
-              <a:t>SW </a:t>
-            </a:r>
-            <a:r>
-              <a:rPr lang="sk-SK" dirty="0" smtClean="0"/>
-              <a:t>knižnice</a:t>
-            </a:r>
-            <a:endParaRPr lang="en-US" dirty="0" smtClean="0"/>
-          </a:p>
-          <a:p>
-            <a:pPr lvl="1"/>
-            <a:endParaRPr lang="sk-SK" dirty="0" smtClean="0"/>
-          </a:p>
-          <a:p>
-            <a:endParaRPr lang="sk-SK" dirty="0" smtClean="0"/>
-          </a:p>
-          <a:p>
-            <a:endParaRPr lang="sk-SK" dirty="0" smtClean="0"/>
-          </a:p>
-        </p:txBody>
-      </p:sp>
-      <p:sp>
-        <p:nvSpPr>
-          <p:cNvPr id="4" name="Slide Number Placeholder 3"/>
-          <p:cNvSpPr>
-            <a:spLocks noGrp="1"/>
-          </p:cNvSpPr>
-          <p:nvPr>
-            <p:ph type="sldNum" sz="quarter" idx="12"/>
-          </p:nvPr>
-        </p:nvSpPr>
-        <p:spPr/>
-        <p:txBody>
-          <a:bodyPr/>
-          <a:lstStyle/>
-          <a:p>
-            <a:fld id="{8C584B50-B360-452D-AFC7-DEF83B5F5806}" type="slidenum">
-              <a:rPr lang="en-US" smtClean="0"/>
-              <a:pPr/>
-              <a:t>24</a:t>
-            </a:fld>
-            <a:r>
-              <a:rPr lang="en-US" dirty="0" smtClean="0"/>
-              <a:t>/26</a:t>
-            </a:r>
-            <a:endParaRPr lang="en-US" dirty="0"/>
-          </a:p>
-        </p:txBody>
-      </p:sp>
-    </p:spTree>
-  </p:cSld>
-  <p:clrMapOvr>
-    <a:masterClrMapping/>
-  </p:clrMapOvr>
-  <p:timing>
-    <p:tnLst>
-      <p:par>
-        <p:cTn id="1" dur="indefinite" restart="never" nodeType="tmRoot"/>
-      </p:par>
-    </p:tnLst>
-  </p:timing>
-</p:sld>
-</file>
-
 <file path=ppt/slides/slide25.xml><?xml version="1.0" encoding="utf-8"?>
 <p:sld xmlns:a="http://schemas.openxmlformats.org/drawingml/2006/main" xmlns:r="http://schemas.openxmlformats.org/officeDocument/2006/relationships" xmlns:p="http://schemas.openxmlformats.org/presentationml/2006/main">
   <p:cSld>
@@ -10344,54 +10560,131 @@
         </p:nvSpPr>
         <p:spPr/>
         <p:txBody>
+          <a:bodyPr/>
+          <a:lstStyle/>
+          <a:p>
+            <a:r>
+              <a:rPr lang="sk-SK" dirty="0" smtClean="0"/>
+              <a:t>Vyhodnotenie</a:t>
+            </a:r>
+            <a:endParaRPr lang="en-US" dirty="0"/>
+          </a:p>
+        </p:txBody>
+      </p:sp>
+      <p:sp>
+        <p:nvSpPr>
+          <p:cNvPr id="3" name="Content Placeholder 2"/>
+          <p:cNvSpPr>
+            <a:spLocks noGrp="1"/>
+          </p:cNvSpPr>
+          <p:nvPr>
+            <p:ph idx="1"/>
+          </p:nvPr>
+        </p:nvSpPr>
+        <p:spPr/>
+        <p:txBody>
           <a:bodyPr>
             <a:normAutofit/>
           </a:bodyPr>
           <a:lstStyle/>
           <a:p>
             <a:r>
-              <a:rPr lang="en-US" dirty="0" smtClean="0"/>
-              <a:t>Z</a:t>
-            </a:r>
-            <a:r>
-              <a:rPr lang="sk-SK" dirty="0" smtClean="0"/>
-              <a:t>áver</a:t>
-            </a:r>
-            <a:endParaRPr lang="en-US" dirty="0"/>
-          </a:p>
-        </p:txBody>
-      </p:sp>
-      <p:sp>
-        <p:nvSpPr>
-          <p:cNvPr id="3" name="Content Placeholder 2"/>
-          <p:cNvSpPr>
-            <a:spLocks noGrp="1"/>
-          </p:cNvSpPr>
-          <p:nvPr>
-            <p:ph idx="1"/>
-          </p:nvPr>
-        </p:nvSpPr>
-        <p:spPr/>
-        <p:txBody>
-          <a:bodyPr>
-            <a:normAutofit/>
-          </a:bodyPr>
-          <a:lstStyle/>
-          <a:p>
-            <a:r>
-              <a:rPr lang="sk-SK" dirty="0" smtClean="0"/>
-              <a:t>nepodarilo sa zvýšiť zabezpečenie,</a:t>
+              <a:rPr lang="sk-SK" dirty="0" smtClean="0"/>
+              <a:t>Prekvapený výsledkami HW </a:t>
+            </a:r>
+            <a:r>
+              <a:rPr lang="sk-SK" dirty="0" smtClean="0"/>
+              <a:t>riešenia</a:t>
+            </a:r>
+            <a:r>
+              <a:rPr lang="en-US" dirty="0" smtClean="0"/>
+              <a:t>, </a:t>
+            </a:r>
+            <a:r>
+              <a:rPr lang="sk-SK" dirty="0" smtClean="0"/>
+              <a:t>(</a:t>
+            </a:r>
+            <a:r>
+              <a:rPr lang="en-US" dirty="0" err="1" smtClean="0"/>
+              <a:t>opa</a:t>
+            </a:r>
+            <a:r>
+              <a:rPr lang="sk-SK" dirty="0" smtClean="0"/>
+              <a:t>čné ako sa predpokladalo)</a:t>
             </a:r>
           </a:p>
           <a:p>
             <a:pPr lvl="1"/>
             <a:r>
-              <a:rPr lang="sk-SK" dirty="0" smtClean="0"/>
-              <a:t>na základe výsledkov sa dá spraviť odhad riešenia pomocou </a:t>
-            </a:r>
-            <a:r>
-              <a:rPr lang="sk-SK" dirty="0" smtClean="0"/>
-              <a:t>PKI.</a:t>
+              <a:rPr lang="en-US" dirty="0" smtClean="0"/>
+              <a:t>v</a:t>
+            </a:r>
+            <a:r>
+              <a:rPr lang="sk-SK" dirty="0" smtClean="0"/>
+              <a:t>eľkosť programu</a:t>
+            </a:r>
+            <a:r>
+              <a:rPr lang="en-US" dirty="0" smtClean="0"/>
+              <a:t>:</a:t>
+            </a:r>
+            <a:r>
+              <a:rPr lang="sk-SK" dirty="0" smtClean="0"/>
+              <a:t> štandard</a:t>
+            </a:r>
+            <a:r>
+              <a:rPr lang="en-US" dirty="0" smtClean="0"/>
+              <a:t> ISO7816</a:t>
+            </a:r>
+            <a:r>
+              <a:rPr lang="sk-SK" dirty="0" smtClean="0"/>
+              <a:t>,</a:t>
+            </a:r>
+            <a:endParaRPr lang="en-US" dirty="0" smtClean="0"/>
+          </a:p>
+          <a:p>
+            <a:pPr lvl="1"/>
+            <a:r>
+              <a:rPr lang="en-US" dirty="0" err="1" smtClean="0"/>
+              <a:t>spotreba</a:t>
+            </a:r>
+            <a:r>
+              <a:rPr lang="en-US" dirty="0" smtClean="0"/>
+              <a:t>: </a:t>
+            </a:r>
+            <a:r>
+              <a:rPr lang="en-US" dirty="0" err="1" smtClean="0"/>
+              <a:t>aktivovan</a:t>
+            </a:r>
+            <a:r>
+              <a:rPr lang="sk-SK" dirty="0" smtClean="0"/>
+              <a:t>é viaceré periférie,</a:t>
+            </a:r>
+          </a:p>
+          <a:p>
+            <a:pPr lvl="1"/>
+            <a:r>
+              <a:rPr lang="sk-SK" dirty="0" smtClean="0"/>
+              <a:t>č</a:t>
+            </a:r>
+            <a:r>
+              <a:rPr lang="sk-SK" dirty="0" smtClean="0"/>
+              <a:t>as komunikácie</a:t>
+            </a:r>
+            <a:r>
+              <a:rPr lang="en-US" dirty="0" smtClean="0"/>
+              <a:t>: </a:t>
+            </a:r>
+            <a:r>
+              <a:rPr lang="sk-SK" dirty="0" smtClean="0"/>
+              <a:t>strata </a:t>
+            </a:r>
+            <a:r>
+              <a:rPr lang="sk-SK" dirty="0" smtClean="0"/>
+              <a:t>ANT </a:t>
+            </a:r>
+            <a:r>
+              <a:rPr lang="sk-SK" dirty="0" smtClean="0"/>
+              <a:t>paketov.</a:t>
             </a:r>
             <a:endParaRPr lang="sk-SK" dirty="0" smtClean="0"/>
           </a:p>
@@ -10401,44 +10694,34 @@
           <a:p>
             <a:r>
               <a:rPr lang="sk-SK" dirty="0" smtClean="0"/>
-              <a:t>PKI by bolo možné, </a:t>
-            </a:r>
-            <a:r>
-              <a:rPr lang="en-US" dirty="0" smtClean="0"/>
-              <a:t>r</a:t>
-            </a:r>
-            <a:r>
-              <a:rPr lang="sk-SK" dirty="0" smtClean="0"/>
-              <a:t>iešenie by bolo použiteľné</a:t>
-            </a:r>
-            <a:r>
-              <a:rPr lang="en-US" dirty="0" smtClean="0"/>
-              <a:t>:</a:t>
-            </a:r>
-            <a:endParaRPr lang="en-US" dirty="0" smtClean="0"/>
+              <a:t>PKI</a:t>
+            </a:r>
+            <a:endParaRPr lang="sk-SK" dirty="0" smtClean="0"/>
           </a:p>
           <a:p>
             <a:pPr lvl="1"/>
             <a:r>
               <a:rPr lang="sk-SK" dirty="0" smtClean="0"/>
-              <a:t>na </a:t>
-            </a:r>
-            <a:r>
-              <a:rPr lang="sk-SK" dirty="0" smtClean="0"/>
-              <a:t>rýchlejších sieťach,</a:t>
+              <a:t>RSA</a:t>
+            </a:r>
+            <a:r>
+              <a:rPr lang="en-US" dirty="0" smtClean="0"/>
+              <a:t> </a:t>
+            </a:r>
+            <a:r>
+              <a:rPr lang="sk-SK" dirty="0" smtClean="0"/>
+              <a:t>SW </a:t>
+            </a:r>
+            <a:r>
+              <a:rPr lang="sk-SK" dirty="0" smtClean="0"/>
+              <a:t>knižnice v C</a:t>
             </a:r>
             <a:endParaRPr lang="sk-SK" dirty="0" smtClean="0"/>
           </a:p>
           <a:p>
-            <a:pPr lvl="1"/>
-            <a:r>
-              <a:rPr lang="sk-SK" dirty="0" smtClean="0"/>
-              <a:t>malé množstvo </a:t>
-            </a:r>
-            <a:r>
-              <a:rPr lang="sk-SK" dirty="0" smtClean="0"/>
-              <a:t>dát.</a:t>
-            </a:r>
+            <a:endParaRPr lang="sk-SK" dirty="0" smtClean="0"/>
+          </a:p>
+          <a:p>
             <a:endParaRPr lang="sk-SK" dirty="0" smtClean="0"/>
           </a:p>
         </p:txBody>
@@ -10465,7 +10748,15 @@
             </a:fld>
             <a:r>
               <a:rPr lang="en-US" dirty="0" smtClean="0"/>
-              <a:t>/26</a:t>
+              <a:t>/</a:t>
+            </a:r>
+            <a:r>
+              <a:rPr lang="en-US" dirty="0" smtClean="0"/>
+              <a:t>2</a:t>
+            </a:r>
+            <a:r>
+              <a:rPr lang="sk-SK" dirty="0" smtClean="0"/>
+              <a:t>7</a:t>
             </a:r>
             <a:endParaRPr lang="en-US" dirty="0"/>
           </a:p>
@@ -10521,8 +10812,12 @@
           <a:lstStyle/>
           <a:p>
             <a:r>
-              <a:rPr lang="sk-SK" dirty="0" smtClean="0"/>
-              <a:t>Plány do budúcna</a:t>
+              <a:rPr lang="en-US" dirty="0" smtClean="0"/>
+              <a:t>Z</a:t>
+            </a:r>
+            <a:r>
+              <a:rPr lang="sk-SK" dirty="0" smtClean="0"/>
+              <a:t>áver</a:t>
             </a:r>
             <a:endParaRPr lang="en-US" dirty="0"/>
           </a:p>
@@ -10538,144 +10833,73 @@
             <p:ph idx="1"/>
           </p:nvPr>
         </p:nvSpPr>
-        <p:spPr>
-          <a:xfrm>
-            <a:off x="457200" y="1600200"/>
-            <a:ext cx="8229600" cy="4953000"/>
-          </a:xfrm>
-        </p:spPr>
+        <p:spPr/>
         <p:txBody>
           <a:bodyPr>
-            <a:normAutofit fontScale="92500"/>
+            <a:normAutofit/>
           </a:bodyPr>
           <a:lstStyle/>
           <a:p>
             <a:r>
               <a:rPr lang="sk-SK" dirty="0" smtClean="0"/>
-              <a:t>spracovanie RF komunikácie pomocou udalostí</a:t>
+              <a:t>nepodarilo sa zvýšiť zabezpečenie,</a:t>
+            </a:r>
+          </a:p>
+          <a:p>
+            <a:pPr lvl="1"/>
+            <a:r>
+              <a:rPr lang="sk-SK" dirty="0" smtClean="0"/>
+              <a:t>na základe výsledkov sa dá spraviť odhad riešenia pomocou </a:t>
+            </a:r>
+            <a:r>
+              <a:rPr lang="sk-SK" dirty="0" smtClean="0"/>
+              <a:t>PKI.</a:t>
+            </a:r>
+            <a:endParaRPr lang="sk-SK" dirty="0" smtClean="0"/>
+          </a:p>
+          <a:p>
+            <a:endParaRPr lang="sk-SK" dirty="0" smtClean="0"/>
+          </a:p>
+          <a:p>
+            <a:r>
+              <a:rPr lang="sk-SK" dirty="0" smtClean="0"/>
+              <a:t>PKI by bolo možné, </a:t>
+            </a:r>
+            <a:r>
+              <a:rPr lang="en-US" dirty="0" smtClean="0"/>
+              <a:t>r</a:t>
+            </a:r>
+            <a:r>
+              <a:rPr lang="sk-SK" dirty="0" smtClean="0"/>
+              <a:t>iešenie by bolo použiteľné</a:t>
             </a:r>
             <a:r>
               <a:rPr lang="en-US" dirty="0" smtClean="0"/>
               <a:t>:</a:t>
             </a:r>
+            <a:endParaRPr lang="en-US" dirty="0" smtClean="0"/>
+          </a:p>
+          <a:p>
+            <a:pPr lvl="1"/>
+            <a:r>
+              <a:rPr lang="sk-SK" dirty="0" smtClean="0"/>
+              <a:t>na </a:t>
+            </a:r>
+            <a:r>
+              <a:rPr lang="sk-SK" dirty="0" smtClean="0"/>
+              <a:t>rýchlejších sieťach,</a:t>
+            </a:r>
             <a:endParaRPr lang="sk-SK" dirty="0" smtClean="0"/>
           </a:p>
           <a:p>
             <a:pPr lvl="1"/>
             <a:r>
               <a:rPr lang="sk-SK" dirty="0" smtClean="0"/>
-              <a:t>programová synchr</a:t>
-            </a:r>
-            <a:r>
-              <a:rPr lang="en-US" dirty="0" smtClean="0"/>
-              <a:t>o</a:t>
-            </a:r>
-            <a:r>
-              <a:rPr lang="sk-SK" dirty="0" smtClean="0"/>
-              <a:t>nizácia (</a:t>
-            </a:r>
-            <a:r>
-              <a:rPr lang="sk-SK" i="1" dirty="0" smtClean="0"/>
-              <a:t>program, chyby</a:t>
-            </a:r>
-            <a:r>
-              <a:rPr lang="sk-SK" dirty="0" smtClean="0"/>
-              <a:t>)</a:t>
-            </a:r>
-            <a:endParaRPr lang="en-US" dirty="0" smtClean="0"/>
-          </a:p>
-          <a:p>
-            <a:pPr lvl="1"/>
-            <a:endParaRPr lang="sk-SK" dirty="0" smtClean="0"/>
-          </a:p>
-          <a:p>
-            <a:r>
-              <a:rPr lang="sk-SK" dirty="0" smtClean="0"/>
-              <a:t>overenia na iných komunikačných protokoloch</a:t>
-            </a:r>
-            <a:r>
-              <a:rPr lang="en-US" dirty="0" smtClean="0"/>
-              <a:t>,</a:t>
-            </a:r>
-          </a:p>
-          <a:p>
-            <a:r>
-              <a:rPr lang="sk-SK" dirty="0" smtClean="0"/>
-              <a:t>väčšiu sieť</a:t>
-            </a:r>
-            <a:r>
-              <a:rPr lang="en-US" dirty="0" smtClean="0"/>
-              <a:t>,</a:t>
-            </a:r>
-            <a:endParaRPr lang="sk-SK" dirty="0" smtClean="0"/>
-          </a:p>
-          <a:p>
-            <a:endParaRPr lang="en-US" dirty="0" smtClean="0"/>
-          </a:p>
-          <a:p>
-            <a:r>
-              <a:rPr lang="sk-SK" dirty="0" smtClean="0"/>
-              <a:t>urýchlenie </a:t>
-            </a:r>
-            <a:r>
-              <a:rPr lang="sk-SK" dirty="0" smtClean="0"/>
-              <a:t>výpočtov</a:t>
-            </a:r>
-            <a:r>
-              <a:rPr lang="en-US" dirty="0" smtClean="0"/>
-              <a:t>/</a:t>
-            </a:r>
-            <a:r>
-              <a:rPr lang="en-US" dirty="0" err="1" smtClean="0"/>
-              <a:t>komuni</a:t>
-            </a:r>
-            <a:r>
-              <a:rPr lang="sk-SK" dirty="0" smtClean="0"/>
-              <a:t>kácie s ISO7816</a:t>
-            </a:r>
-            <a:r>
-              <a:rPr lang="en-US" dirty="0" smtClean="0"/>
-              <a:t>:</a:t>
-            </a:r>
-            <a:endParaRPr lang="sk-SK" dirty="0" smtClean="0"/>
-          </a:p>
-          <a:p>
-            <a:pPr lvl="1"/>
-            <a:r>
-              <a:rPr lang="en-US" dirty="0" smtClean="0"/>
-              <a:t>v</a:t>
-            </a:r>
-            <a:r>
-              <a:rPr lang="sk-SK" dirty="0" smtClean="0"/>
-              <a:t>yššia rýchlosť CLK (</a:t>
-            </a:r>
-            <a:r>
-              <a:rPr lang="sk-SK" i="1" dirty="0" smtClean="0"/>
-              <a:t>nábežné časy, šum</a:t>
-            </a:r>
-            <a:r>
-              <a:rPr lang="sk-SK" dirty="0" smtClean="0"/>
-              <a:t>)</a:t>
-            </a:r>
-            <a:r>
-              <a:rPr lang="en-US" dirty="0" smtClean="0"/>
-              <a:t>,</a:t>
-            </a:r>
-            <a:endParaRPr lang="sk-SK" dirty="0" smtClean="0"/>
-          </a:p>
-          <a:p>
-            <a:pPr lvl="1"/>
-            <a:r>
-              <a:rPr lang="sk-SK" dirty="0" smtClean="0"/>
-              <a:t>Secure </a:t>
-            </a:r>
-            <a:r>
-              <a:rPr lang="sk-SK" dirty="0" smtClean="0"/>
-              <a:t>channel</a:t>
-            </a:r>
-            <a:r>
-              <a:rPr lang="sk-SK" dirty="0" smtClean="0"/>
-              <a:t> a manuálnu inštaláciu appletu.</a:t>
+              <a:t>malé množstvo </a:t>
+            </a:r>
+            <a:r>
+              <a:rPr lang="sk-SK" dirty="0" smtClean="0"/>
+              <a:t>dát (ISO7816).</a:t>
             </a:r>
             <a:endParaRPr lang="sk-SK" dirty="0" smtClean="0"/>
           </a:p>
@@ -10703,7 +10927,11 @@
             </a:fld>
             <a:r>
               <a:rPr lang="en-US" dirty="0" smtClean="0"/>
-              <a:t>/26</a:t>
+              <a:t>/2</a:t>
+            </a:r>
+            <a:r>
+              <a:rPr lang="sk-SK" dirty="0" smtClean="0"/>
+              <a:t>7</a:t>
             </a:r>
             <a:endParaRPr lang="en-US" dirty="0"/>
           </a:p>
@@ -10759,16 +10987,8 @@
           <a:lstStyle/>
           <a:p>
             <a:r>
-              <a:rPr lang="en-US" dirty="0" err="1" smtClean="0"/>
-              <a:t>Ot</a:t>
-            </a:r>
-            <a:r>
-              <a:rPr lang="sk-SK" dirty="0" smtClean="0"/>
-              <a:t>ázky</a:t>
-            </a:r>
-            <a:r>
-              <a:rPr lang="en-US" dirty="0" smtClean="0"/>
-              <a:t>?</a:t>
+              <a:rPr lang="sk-SK" dirty="0" smtClean="0"/>
+              <a:t>Plány do budúcna</a:t>
             </a:r>
             <a:endParaRPr lang="en-US" dirty="0"/>
           </a:p>
@@ -10786,217 +11006,191 @@
         </p:nvSpPr>
         <p:spPr>
           <a:xfrm>
-            <a:off x="457200" y="1143000"/>
-            <a:ext cx="8229600" cy="5562600"/>
+            <a:off x="457200" y="1600200"/>
+            <a:ext cx="8229600" cy="4953000"/>
           </a:xfrm>
         </p:spPr>
         <p:txBody>
           <a:bodyPr>
-            <a:noAutofit/>
+            <a:normAutofit fontScale="92500" lnSpcReduction="20000"/>
           </a:bodyPr>
           <a:lstStyle/>
           <a:p>
             <a:r>
-              <a:rPr lang="sk-SK" sz="1800" dirty="0" smtClean="0"/>
-              <a:t>Motivácia</a:t>
-            </a:r>
-            <a:endParaRPr lang="en-US" sz="1800" dirty="0" smtClean="0"/>
-          </a:p>
-          <a:p>
-            <a:r>
-              <a:rPr lang="sk-SK" sz="1800" dirty="0" smtClean="0"/>
-              <a:t>Informačná bezpečnosť</a:t>
-            </a:r>
-          </a:p>
-          <a:p>
-            <a:r>
-              <a:rPr lang="sk-SK" sz="1800" dirty="0" smtClean="0"/>
-              <a:t>Typy útokov</a:t>
-            </a:r>
-            <a:endParaRPr lang="en-US" sz="1800" dirty="0" smtClean="0"/>
-          </a:p>
-          <a:p>
-            <a:r>
-              <a:rPr lang="en-US" sz="1800" dirty="0" err="1" smtClean="0"/>
-              <a:t>Aktu</a:t>
-            </a:r>
-            <a:r>
-              <a:rPr lang="sk-SK" sz="1800" dirty="0" smtClean="0"/>
-              <a:t>álny s</a:t>
-            </a:r>
-            <a:r>
-              <a:rPr lang="en-US" sz="1800" dirty="0" err="1" smtClean="0"/>
-              <a:t>tav</a:t>
-            </a:r>
-            <a:r>
-              <a:rPr lang="en-US" sz="1800" dirty="0" smtClean="0"/>
-              <a:t> </a:t>
-            </a:r>
-            <a:r>
-              <a:rPr lang="sk-SK" sz="1800" dirty="0" smtClean="0"/>
-              <a:t>vo WPAN 802.15</a:t>
-            </a:r>
-            <a:endParaRPr lang="en-US" sz="1800" dirty="0" smtClean="0"/>
-          </a:p>
-          <a:p>
-            <a:r>
-              <a:rPr lang="sk-SK" sz="1800" dirty="0" smtClean="0"/>
-              <a:t>Navrhnuté riešenie</a:t>
-            </a:r>
-          </a:p>
-          <a:p>
-            <a:r>
-              <a:rPr lang="sk-SK" sz="1800" dirty="0" smtClean="0"/>
-              <a:t>Implementácia</a:t>
-            </a:r>
-            <a:endParaRPr lang="en-US" sz="1800" dirty="0" smtClean="0"/>
-          </a:p>
-          <a:p>
-            <a:pPr lvl="1">
-              <a:spcBef>
-                <a:spcPts val="100"/>
-              </a:spcBef>
-            </a:pPr>
-            <a:r>
-              <a:rPr lang="sk-SK" sz="1800" dirty="0" smtClean="0"/>
-              <a:t>Komunikačný protokol</a:t>
-            </a:r>
-            <a:endParaRPr lang="en-US" sz="1800" dirty="0" smtClean="0"/>
-          </a:p>
-          <a:p>
-            <a:pPr lvl="1">
-              <a:spcBef>
-                <a:spcPts val="100"/>
-              </a:spcBef>
-            </a:pPr>
-            <a:r>
-              <a:rPr lang="en-US" sz="1800" dirty="0" smtClean="0"/>
-              <a:t>RF k</a:t>
-            </a:r>
-            <a:r>
-              <a:rPr lang="sk-SK" sz="1800" dirty="0" smtClean="0"/>
-              <a:t>omuniká</a:t>
-            </a:r>
-            <a:r>
-              <a:rPr lang="en-US" sz="1800" dirty="0" err="1" smtClean="0"/>
-              <a:t>cia</a:t>
-            </a:r>
-            <a:endParaRPr lang="en-US" sz="1800" i="1" dirty="0" smtClean="0"/>
-          </a:p>
-          <a:p>
-            <a:pPr lvl="1">
-              <a:spcBef>
-                <a:spcPts val="100"/>
-              </a:spcBef>
-            </a:pPr>
-            <a:r>
-              <a:rPr lang="en-US" sz="1800" dirty="0" smtClean="0"/>
-              <a:t>Segment</a:t>
-            </a:r>
-            <a:r>
-              <a:rPr lang="sk-SK" sz="1800" dirty="0" smtClean="0"/>
-              <a:t>ácia správ </a:t>
-            </a:r>
-          </a:p>
-          <a:p>
-            <a:pPr lvl="1">
-              <a:spcBef>
-                <a:spcPts val="100"/>
-              </a:spcBef>
-            </a:pPr>
-            <a:r>
-              <a:rPr lang="sk-SK" sz="1800" dirty="0" smtClean="0"/>
-              <a:t>SW AES-128 a HW AES-128</a:t>
-            </a:r>
-            <a:endParaRPr lang="en-US" sz="1800" dirty="0" smtClean="0"/>
-          </a:p>
-          <a:p>
-            <a:pPr lvl="1">
-              <a:spcBef>
-                <a:spcPts val="100"/>
-              </a:spcBef>
-            </a:pPr>
-            <a:r>
-              <a:rPr lang="sk-SK" sz="1800" dirty="0" smtClean="0"/>
-              <a:t>ISO7816</a:t>
-            </a:r>
-            <a:endParaRPr lang="en-US" sz="1800" dirty="0" smtClean="0"/>
-          </a:p>
-          <a:p>
-            <a:pPr lvl="1">
-              <a:spcBef>
-                <a:spcPts val="100"/>
-              </a:spcBef>
-            </a:pPr>
-            <a:r>
-              <a:rPr lang="sk-SK" sz="1800" dirty="0" smtClean="0"/>
-              <a:t>Schémy</a:t>
-            </a:r>
-            <a:r>
-              <a:rPr lang="sk-SK" sz="1800" dirty="0" smtClean="0"/>
-              <a:t>, DPS</a:t>
-            </a:r>
-            <a:endParaRPr lang="en-US" sz="1800" dirty="0" smtClean="0"/>
-          </a:p>
-          <a:p>
-            <a:pPr lvl="1">
-              <a:spcBef>
-                <a:spcPts val="100"/>
-              </a:spcBef>
-            </a:pPr>
-            <a:r>
-              <a:rPr lang="sk-SK" sz="1800" dirty="0" smtClean="0"/>
-              <a:t>JavaCard</a:t>
-            </a:r>
-            <a:endParaRPr lang="en-US" sz="1800" dirty="0" smtClean="0"/>
-          </a:p>
-          <a:p>
-            <a:pPr lvl="1">
-              <a:spcBef>
-                <a:spcPts val="100"/>
-              </a:spcBef>
-            </a:pPr>
-            <a:r>
-              <a:rPr lang="sk-SK" sz="1800" dirty="0" smtClean="0"/>
-              <a:t>K</a:t>
-            </a:r>
-            <a:r>
-              <a:rPr lang="en-US" sz="1800" dirty="0" err="1" smtClean="0"/>
-              <a:t>onzola</a:t>
-            </a:r>
-            <a:endParaRPr lang="en-US" sz="1800" dirty="0" smtClean="0"/>
-          </a:p>
-          <a:p>
-            <a:r>
-              <a:rPr lang="sk-SK" sz="1800" dirty="0" smtClean="0"/>
-              <a:t>Testovanie a vyhodnotenie</a:t>
-            </a:r>
-            <a:endParaRPr lang="en-US" sz="1800" dirty="0" smtClean="0"/>
-          </a:p>
-          <a:p>
-            <a:r>
-              <a:rPr lang="sk-SK" sz="1800" dirty="0" smtClean="0"/>
-              <a:t>Sebakritika</a:t>
-            </a:r>
-            <a:endParaRPr lang="en-US" sz="1800" dirty="0" smtClean="0"/>
-          </a:p>
-          <a:p>
-            <a:r>
-              <a:rPr lang="en-US" sz="1800" dirty="0" smtClean="0"/>
-              <a:t>Z</a:t>
-            </a:r>
-            <a:r>
-              <a:rPr lang="sk-SK" sz="1800" dirty="0" smtClean="0"/>
-              <a:t>áver</a:t>
-            </a:r>
-            <a:endParaRPr lang="en-US" sz="1800" dirty="0" smtClean="0"/>
-          </a:p>
-          <a:p>
-            <a:r>
-              <a:rPr lang="sk-SK" sz="1800" dirty="0" smtClean="0"/>
-              <a:t>Plány do budúcna</a:t>
-            </a:r>
-            <a:endParaRPr lang="en-US" sz="1800" dirty="0"/>
+              <a:rPr lang="sk-SK" dirty="0" smtClean="0"/>
+              <a:t>spracovanie RF komunikácie pomocou udalostí</a:t>
+            </a:r>
+            <a:r>
+              <a:rPr lang="en-US" dirty="0" smtClean="0"/>
+              <a:t>:</a:t>
+            </a:r>
+            <a:endParaRPr lang="sk-SK" dirty="0" smtClean="0"/>
+          </a:p>
+          <a:p>
+            <a:pPr lvl="1"/>
+            <a:r>
+              <a:rPr lang="sk-SK" dirty="0" smtClean="0"/>
+              <a:t>programová synchr</a:t>
+            </a:r>
+            <a:r>
+              <a:rPr lang="en-US" dirty="0" smtClean="0"/>
+              <a:t>o</a:t>
+            </a:r>
+            <a:r>
+              <a:rPr lang="sk-SK" dirty="0" smtClean="0"/>
+              <a:t>nizácia (</a:t>
+            </a:r>
+            <a:r>
+              <a:rPr lang="sk-SK" i="1" dirty="0" smtClean="0"/>
+              <a:t>program, chyby</a:t>
+            </a:r>
+            <a:r>
+              <a:rPr lang="sk-SK" dirty="0" smtClean="0"/>
+              <a:t>)</a:t>
+            </a:r>
+            <a:endParaRPr lang="en-US" dirty="0" smtClean="0"/>
+          </a:p>
+          <a:p>
+            <a:pPr lvl="1"/>
+            <a:endParaRPr lang="sk-SK" dirty="0" smtClean="0"/>
+          </a:p>
+          <a:p>
+            <a:r>
+              <a:rPr lang="sk-SK" dirty="0" smtClean="0"/>
+              <a:t>overenia na iných komunikačných protokoloch</a:t>
+            </a:r>
+            <a:r>
+              <a:rPr lang="en-US" dirty="0" smtClean="0"/>
+              <a:t>,</a:t>
+            </a:r>
+          </a:p>
+          <a:p>
+            <a:r>
+              <a:rPr lang="sk-SK" dirty="0" smtClean="0"/>
+              <a:t>väčšiu sieť</a:t>
+            </a:r>
+            <a:r>
+              <a:rPr lang="en-US" dirty="0" smtClean="0"/>
+              <a:t>,</a:t>
+            </a:r>
+            <a:endParaRPr lang="sk-SK" dirty="0" smtClean="0"/>
+          </a:p>
+          <a:p>
+            <a:r>
+              <a:rPr lang="sk-SK" dirty="0" smtClean="0"/>
+              <a:t>testovanie,</a:t>
+            </a:r>
+            <a:endParaRPr lang="sk-SK" dirty="0" smtClean="0"/>
+          </a:p>
+          <a:p>
+            <a:endParaRPr lang="en-US" dirty="0" smtClean="0"/>
+          </a:p>
+          <a:p>
+            <a:r>
+              <a:rPr lang="sk-SK" dirty="0" smtClean="0"/>
+              <a:t>urýchlenie </a:t>
+            </a:r>
+            <a:r>
+              <a:rPr lang="sk-SK" dirty="0" smtClean="0"/>
+              <a:t>výpočtov</a:t>
+            </a:r>
+            <a:r>
+              <a:rPr lang="en-US" dirty="0" smtClean="0"/>
+              <a:t>/</a:t>
+            </a:r>
+            <a:r>
+              <a:rPr lang="en-US" dirty="0" err="1" smtClean="0"/>
+              <a:t>komuni</a:t>
+            </a:r>
+            <a:r>
+              <a:rPr lang="sk-SK" dirty="0" smtClean="0"/>
+              <a:t>kácie s ISO7816</a:t>
+            </a:r>
+            <a:r>
+              <a:rPr lang="en-US" dirty="0" smtClean="0"/>
+              <a:t>:</a:t>
+            </a:r>
+            <a:endParaRPr lang="sk-SK" dirty="0" smtClean="0"/>
+          </a:p>
+          <a:p>
+            <a:pPr lvl="1"/>
+            <a:r>
+              <a:rPr lang="sk-SK" dirty="0" smtClean="0"/>
+              <a:t>PKI,</a:t>
+            </a:r>
+            <a:endParaRPr lang="sk-SK" dirty="0" smtClean="0"/>
+          </a:p>
+          <a:p>
+            <a:pPr lvl="1"/>
+            <a:r>
+              <a:rPr lang="en-US" dirty="0" smtClean="0"/>
+              <a:t>v</a:t>
+            </a:r>
+            <a:r>
+              <a:rPr lang="sk-SK" dirty="0" smtClean="0"/>
+              <a:t>yššia rýchlosť CLK (</a:t>
+            </a:r>
+            <a:r>
+              <a:rPr lang="sk-SK" i="1" dirty="0" smtClean="0"/>
+              <a:t>nábežné časy, šum</a:t>
+            </a:r>
+            <a:r>
+              <a:rPr lang="sk-SK" dirty="0" smtClean="0"/>
+              <a:t>)</a:t>
+            </a:r>
+            <a:r>
+              <a:rPr lang="en-US" dirty="0" smtClean="0"/>
+              <a:t>,</a:t>
+            </a:r>
+            <a:endParaRPr lang="sk-SK" dirty="0" smtClean="0"/>
+          </a:p>
+          <a:p>
+            <a:pPr lvl="1"/>
+            <a:r>
+              <a:rPr lang="sk-SK" dirty="0" smtClean="0"/>
+              <a:t>Secure </a:t>
+            </a:r>
+            <a:r>
+              <a:rPr lang="sk-SK" dirty="0" smtClean="0"/>
+              <a:t>channel</a:t>
+            </a:r>
+            <a:r>
+              <a:rPr lang="sk-SK" dirty="0" smtClean="0"/>
+              <a:t> a manuálnu inštaláciu appletu.</a:t>
+            </a:r>
+            <a:endParaRPr lang="sk-SK" dirty="0" smtClean="0"/>
+          </a:p>
+        </p:txBody>
+      </p:sp>
+      <p:sp>
+        <p:nvSpPr>
+          <p:cNvPr id="4" name="Slide Number Placeholder 3"/>
+          <p:cNvSpPr>
+            <a:spLocks noGrp="1"/>
+          </p:cNvSpPr>
+          <p:nvPr>
+            <p:ph type="sldNum" sz="quarter" idx="12"/>
+          </p:nvPr>
+        </p:nvSpPr>
+        <p:spPr/>
+        <p:txBody>
+          <a:bodyPr/>
+          <a:lstStyle/>
+          <a:p>
+            <a:fld id="{8C584B50-B360-452D-AFC7-DEF83B5F5806}" type="slidenum">
+              <a:rPr lang="en-US" smtClean="0"/>
+              <a:pPr/>
+              <a:t>27</a:t>
+            </a:fld>
+            <a:r>
+              <a:rPr lang="en-US" dirty="0" smtClean="0"/>
+              <a:t>/2</a:t>
+            </a:r>
+            <a:r>
+              <a:rPr lang="sk-SK" dirty="0" smtClean="0"/>
+              <a:t>7</a:t>
+            </a:r>
+            <a:endParaRPr lang="en-US" dirty="0"/>
           </a:p>
         </p:txBody>
       </p:sp>
@@ -11050,8 +11244,16 @@
           <a:lstStyle/>
           <a:p>
             <a:r>
-              <a:rPr lang="sk-SK" dirty="0" smtClean="0"/>
-              <a:t>Používané technológie</a:t>
+              <a:rPr lang="en-US" dirty="0" err="1" smtClean="0"/>
+              <a:t>Ot</a:t>
+            </a:r>
+            <a:r>
+              <a:rPr lang="sk-SK" dirty="0" smtClean="0"/>
+              <a:t>ázky</a:t>
+            </a:r>
+            <a:r>
+              <a:rPr lang="en-US" dirty="0" smtClean="0"/>
+              <a:t>?</a:t>
             </a:r>
             <a:endParaRPr lang="en-US" dirty="0"/>
           </a:p>
@@ -11067,102 +11269,222 @@
             <p:ph idx="1"/>
           </p:nvPr>
         </p:nvSpPr>
-        <p:spPr/>
-        <p:txBody>
-          <a:bodyPr/>
-          <a:lstStyle/>
-          <a:p>
-            <a:r>
-              <a:rPr lang="sk-SK" dirty="0" smtClean="0"/>
-              <a:t>Viac m</a:t>
-            </a:r>
-            <a:r>
-              <a:rPr lang="en-US" dirty="0" err="1" smtClean="0"/>
-              <a:t>arketing</a:t>
-            </a:r>
-            <a:r>
-              <a:rPr lang="en-US" dirty="0" smtClean="0"/>
-              <a:t> ako </a:t>
-            </a:r>
-            <a:r>
-              <a:rPr lang="en-US" dirty="0" err="1" smtClean="0"/>
-              <a:t>technol</a:t>
-            </a:r>
-            <a:r>
-              <a:rPr lang="sk-SK" dirty="0" smtClean="0"/>
-              <a:t>ógie</a:t>
-            </a:r>
-            <a:r>
-              <a:rPr lang="en-US" dirty="0" smtClean="0"/>
-              <a:t> a </a:t>
-            </a:r>
-            <a:r>
-              <a:rPr lang="en-US" dirty="0" err="1" smtClean="0"/>
-              <a:t>parametre</a:t>
-            </a:r>
-            <a:r>
-              <a:rPr lang="en-US" dirty="0" smtClean="0"/>
+        <p:spPr>
+          <a:xfrm>
+            <a:off x="457200" y="1143000"/>
+            <a:ext cx="8229600" cy="5562600"/>
+          </a:xfrm>
+        </p:spPr>
+        <p:txBody>
+          <a:bodyPr>
+            <a:noAutofit/>
+          </a:bodyPr>
+          <a:lstStyle/>
+          <a:p>
+            <a:r>
+              <a:rPr lang="sk-SK" sz="1800" dirty="0" smtClean="0"/>
+              <a:t>Motivácia</a:t>
+            </a:r>
+            <a:endParaRPr lang="en-US" sz="1800" dirty="0" smtClean="0"/>
+          </a:p>
+          <a:p>
+            <a:r>
+              <a:rPr lang="sk-SK" sz="1800" dirty="0" smtClean="0"/>
+              <a:t>Informačná bezpečnosť</a:t>
+            </a:r>
+          </a:p>
+          <a:p>
+            <a:r>
+              <a:rPr lang="sk-SK" sz="1800" dirty="0" smtClean="0"/>
+              <a:t>Typy útokov</a:t>
+            </a:r>
+            <a:endParaRPr lang="en-US" sz="1800" dirty="0" smtClean="0"/>
+          </a:p>
+          <a:p>
+            <a:r>
+              <a:rPr lang="en-US" sz="1800" dirty="0" err="1" smtClean="0"/>
+              <a:t>Aktu</a:t>
+            </a:r>
+            <a:r>
+              <a:rPr lang="sk-SK" sz="1800" dirty="0" smtClean="0"/>
+              <a:t>álny s</a:t>
+            </a:r>
+            <a:r>
+              <a:rPr lang="en-US" sz="1800" dirty="0" err="1" smtClean="0"/>
+              <a:t>tav</a:t>
+            </a:r>
+            <a:r>
+              <a:rPr lang="en-US" sz="1800" dirty="0" smtClean="0"/>
+              <a:t> </a:t>
+            </a:r>
+            <a:r>
+              <a:rPr lang="sk-SK" sz="1800" dirty="0" smtClean="0"/>
+              <a:t>vo WPAN 802.15</a:t>
+            </a:r>
+            <a:endParaRPr lang="en-US" sz="1800" dirty="0" smtClean="0"/>
+          </a:p>
+          <a:p>
+            <a:r>
+              <a:rPr lang="sk-SK" sz="1800" dirty="0" smtClean="0"/>
+              <a:t>Navrhnuté riešenie</a:t>
+            </a:r>
+          </a:p>
+          <a:p>
+            <a:r>
+              <a:rPr lang="sk-SK" sz="1800" dirty="0" smtClean="0"/>
+              <a:t>Implementácia</a:t>
+            </a:r>
+            <a:r>
+              <a:rPr lang="en-US" sz="1800" dirty="0" smtClean="0"/>
               <a:t>:</a:t>
             </a:r>
-          </a:p>
-          <a:p>
-            <a:pPr lvl="1"/>
-            <a:r>
-              <a:rPr lang="sk-SK" dirty="0" smtClean="0"/>
-              <a:t>iControl Networks</a:t>
-            </a:r>
-            <a:r>
-              <a:rPr lang="en-US" dirty="0" smtClean="0"/>
-              <a:t>:</a:t>
-            </a:r>
-            <a:r>
-              <a:rPr lang="sk-SK" dirty="0" smtClean="0"/>
-              <a:t> </a:t>
-            </a:r>
-            <a:r>
-              <a:rPr lang="en-US" dirty="0" err="1" smtClean="0"/>
-              <a:t>ZigBee</a:t>
-            </a:r>
-            <a:r>
-              <a:rPr lang="en-US" dirty="0" smtClean="0"/>
-              <a:t>, Z-Wave</a:t>
-            </a:r>
-          </a:p>
-          <a:p>
-            <a:pPr lvl="1"/>
-            <a:r>
-              <a:rPr lang="en-US" dirty="0" err="1" smtClean="0"/>
-              <a:t>BeeWi</a:t>
-            </a:r>
-            <a:r>
-              <a:rPr lang="en-US" dirty="0" smtClean="0"/>
-              <a:t>: Bluetooth</a:t>
-            </a:r>
-            <a:endParaRPr lang="sk-SK" dirty="0" smtClean="0"/>
-          </a:p>
-          <a:p>
-            <a:pPr lvl="1"/>
-            <a:r>
-              <a:rPr lang="sk-SK" dirty="0" smtClean="0"/>
-              <a:t>Samsung SmartThings hub</a:t>
-            </a:r>
-            <a:r>
-              <a:rPr lang="en-US" dirty="0" smtClean="0"/>
-              <a:t>: </a:t>
-            </a:r>
-            <a:r>
-              <a:rPr lang="en-US" dirty="0" err="1" smtClean="0"/>
-              <a:t>WiFi</a:t>
-            </a:r>
-            <a:r>
-              <a:rPr lang="en-US" dirty="0" smtClean="0"/>
-              <a:t>, Z-Wave, LAN, </a:t>
-            </a:r>
-            <a:r>
-              <a:rPr lang="en-US" dirty="0" err="1" smtClean="0"/>
-              <a:t>ZigBee</a:t>
-            </a:r>
-            <a:endParaRPr lang="en-US" dirty="0"/>
+            <a:endParaRPr lang="en-US" sz="1800" dirty="0" smtClean="0"/>
+          </a:p>
+          <a:p>
+            <a:pPr lvl="1">
+              <a:spcBef>
+                <a:spcPts val="100"/>
+              </a:spcBef>
+            </a:pPr>
+            <a:r>
+              <a:rPr lang="sk-SK" sz="1800" dirty="0" smtClean="0"/>
+              <a:t>Bezdrôtová </a:t>
+            </a:r>
+            <a:r>
+              <a:rPr lang="sk-SK" sz="1800" dirty="0" smtClean="0"/>
+              <a:t>komunikácia</a:t>
+            </a:r>
+          </a:p>
+          <a:p>
+            <a:pPr lvl="1">
+              <a:spcBef>
+                <a:spcPts val="100"/>
+              </a:spcBef>
+            </a:pPr>
+            <a:r>
+              <a:rPr lang="sk-SK" sz="1800" dirty="0" smtClean="0"/>
+              <a:t>Model siete </a:t>
+            </a:r>
+            <a:endParaRPr lang="sk-SK" sz="1800" dirty="0" smtClean="0"/>
+          </a:p>
+          <a:p>
+            <a:pPr lvl="1">
+              <a:spcBef>
+                <a:spcPts val="100"/>
+              </a:spcBef>
+            </a:pPr>
+            <a:r>
+              <a:rPr lang="en-US" sz="1800" dirty="0" smtClean="0"/>
+              <a:t>Segment</a:t>
+            </a:r>
+            <a:r>
+              <a:rPr lang="sk-SK" sz="1800" dirty="0" smtClean="0"/>
+              <a:t>ácia správ </a:t>
+            </a:r>
+          </a:p>
+          <a:p>
+            <a:pPr lvl="1">
+              <a:spcBef>
+                <a:spcPts val="100"/>
+              </a:spcBef>
+            </a:pPr>
+            <a:r>
+              <a:rPr lang="sk-SK" sz="1800" dirty="0" smtClean="0"/>
+              <a:t>SW AES-128 a HW AES-128</a:t>
+            </a:r>
+            <a:endParaRPr lang="en-US" sz="1800" dirty="0" smtClean="0"/>
+          </a:p>
+          <a:p>
+            <a:pPr lvl="1">
+              <a:spcBef>
+                <a:spcPts val="100"/>
+              </a:spcBef>
+            </a:pPr>
+            <a:r>
+              <a:rPr lang="sk-SK" sz="1800" dirty="0" smtClean="0"/>
+              <a:t>ISO7816</a:t>
+            </a:r>
+            <a:endParaRPr lang="en-US" sz="1800" dirty="0" smtClean="0"/>
+          </a:p>
+          <a:p>
+            <a:pPr lvl="1">
+              <a:spcBef>
+                <a:spcPts val="100"/>
+              </a:spcBef>
+            </a:pPr>
+            <a:r>
+              <a:rPr lang="sk-SK" sz="1800" dirty="0" smtClean="0"/>
+              <a:t>Schémy</a:t>
+            </a:r>
+            <a:r>
+              <a:rPr lang="sk-SK" sz="1800" dirty="0" smtClean="0"/>
+              <a:t>, DPS</a:t>
+            </a:r>
+            <a:endParaRPr lang="en-US" sz="1800" dirty="0" smtClean="0"/>
+          </a:p>
+          <a:p>
+            <a:pPr lvl="1">
+              <a:spcBef>
+                <a:spcPts val="100"/>
+              </a:spcBef>
+            </a:pPr>
+            <a:r>
+              <a:rPr lang="sk-SK" sz="1800" dirty="0" smtClean="0"/>
+              <a:t>JavaCard</a:t>
+            </a:r>
+            <a:endParaRPr lang="en-US" sz="1800" dirty="0" smtClean="0"/>
+          </a:p>
+          <a:p>
+            <a:pPr lvl="1">
+              <a:spcBef>
+                <a:spcPts val="100"/>
+              </a:spcBef>
+            </a:pPr>
+            <a:r>
+              <a:rPr lang="sk-SK" sz="1800" dirty="0" smtClean="0"/>
+              <a:t>Funkcionalita k</a:t>
+            </a:r>
+            <a:r>
+              <a:rPr lang="en-US" sz="1800" dirty="0" err="1" smtClean="0"/>
+              <a:t>onzol</a:t>
+            </a:r>
+            <a:r>
+              <a:rPr lang="sk-SK" sz="1800" dirty="0" smtClean="0"/>
+              <a:t>y</a:t>
+            </a:r>
+            <a:endParaRPr lang="en-US" sz="1800" dirty="0" smtClean="0"/>
+          </a:p>
+          <a:p>
+            <a:r>
+              <a:rPr lang="sk-SK" sz="1800" dirty="0" smtClean="0"/>
+              <a:t>Testovanie a vyhodnotenie</a:t>
+            </a:r>
+            <a:endParaRPr lang="en-US" sz="1800" dirty="0" smtClean="0"/>
+          </a:p>
+          <a:p>
+            <a:r>
+              <a:rPr lang="sk-SK" sz="1800" dirty="0" smtClean="0"/>
+              <a:t>Sebakritika</a:t>
+            </a:r>
+            <a:endParaRPr lang="en-US" sz="1800" dirty="0" smtClean="0"/>
+          </a:p>
+          <a:p>
+            <a:r>
+              <a:rPr lang="en-US" sz="1800" dirty="0" smtClean="0"/>
+              <a:t>Z</a:t>
+            </a:r>
+            <a:r>
+              <a:rPr lang="sk-SK" sz="1800" dirty="0" smtClean="0"/>
+              <a:t>áver</a:t>
+            </a:r>
+            <a:endParaRPr lang="en-US" sz="1800" dirty="0" smtClean="0"/>
+          </a:p>
+          <a:p>
+            <a:r>
+              <a:rPr lang="sk-SK" sz="1800" dirty="0" smtClean="0"/>
+              <a:t>Plány do budúcna</a:t>
+            </a:r>
+            <a:endParaRPr lang="en-US" sz="1800" dirty="0"/>
           </a:p>
         </p:txBody>
       </p:sp>
@@ -11182,6 +11504,288 @@
 </file>
 
 <file path=ppt/slides/slide29.xml><?xml version="1.0" encoding="utf-8"?>
+<p:sld xmlns:a="http://schemas.openxmlformats.org/drawingml/2006/main" xmlns:r="http://schemas.openxmlformats.org/officeDocument/2006/relationships" xmlns:p="http://schemas.openxmlformats.org/presentationml/2006/main">
+  <p:cSld>
+    <p:spTree>
+      <p:nvGrpSpPr>
+        <p:cNvPr id="1" name=""/>
+        <p:cNvGrpSpPr/>
+        <p:nvPr/>
+      </p:nvGrpSpPr>
+      <p:grpSpPr>
+        <a:xfrm>
+          <a:off x="0" y="0"/>
+          <a:ext cx="0" cy="0"/>
+          <a:chOff x="0" y="0"/>
+          <a:chExt cx="0" cy="0"/>
+        </a:xfrm>
+      </p:grpSpPr>
+      <p:sp>
+        <p:nvSpPr>
+          <p:cNvPr id="2" name="Title 1"/>
+          <p:cNvSpPr>
+            <a:spLocks noGrp="1"/>
+          </p:cNvSpPr>
+          <p:nvPr>
+            <p:ph type="title"/>
+          </p:nvPr>
+        </p:nvSpPr>
+        <p:spPr/>
+        <p:txBody>
+          <a:bodyPr>
+            <a:normAutofit/>
+          </a:bodyPr>
+          <a:lstStyle/>
+          <a:p>
+            <a:r>
+              <a:rPr lang="sk-SK" dirty="0" smtClean="0"/>
+              <a:t>Používané technológie</a:t>
+            </a:r>
+            <a:endParaRPr lang="en-US" dirty="0"/>
+          </a:p>
+        </p:txBody>
+      </p:sp>
+      <p:sp>
+        <p:nvSpPr>
+          <p:cNvPr id="3" name="Content Placeholder 2"/>
+          <p:cNvSpPr>
+            <a:spLocks noGrp="1"/>
+          </p:cNvSpPr>
+          <p:nvPr>
+            <p:ph idx="1"/>
+          </p:nvPr>
+        </p:nvSpPr>
+        <p:spPr/>
+        <p:txBody>
+          <a:bodyPr/>
+          <a:lstStyle/>
+          <a:p>
+            <a:r>
+              <a:rPr lang="sk-SK" dirty="0" smtClean="0"/>
+              <a:t>Viac m</a:t>
+            </a:r>
+            <a:r>
+              <a:rPr lang="en-US" dirty="0" err="1" smtClean="0"/>
+              <a:t>arketing</a:t>
+            </a:r>
+            <a:r>
+              <a:rPr lang="en-US" dirty="0" smtClean="0"/>
+              <a:t> ako </a:t>
+            </a:r>
+            <a:r>
+              <a:rPr lang="en-US" dirty="0" err="1" smtClean="0"/>
+              <a:t>technol</a:t>
+            </a:r>
+            <a:r>
+              <a:rPr lang="sk-SK" dirty="0" smtClean="0"/>
+              <a:t>ógie</a:t>
+            </a:r>
+            <a:r>
+              <a:rPr lang="en-US" dirty="0" smtClean="0"/>
+              <a:t> a </a:t>
+            </a:r>
+            <a:r>
+              <a:rPr lang="en-US" dirty="0" err="1" smtClean="0"/>
+              <a:t>parametre</a:t>
+            </a:r>
+            <a:r>
+              <a:rPr lang="en-US" dirty="0" smtClean="0"/>
+              <a:t>:</a:t>
+            </a:r>
+          </a:p>
+          <a:p>
+            <a:pPr lvl="1"/>
+            <a:r>
+              <a:rPr lang="sk-SK" dirty="0" smtClean="0"/>
+              <a:t>iControl Networks</a:t>
+            </a:r>
+            <a:r>
+              <a:rPr lang="en-US" dirty="0" smtClean="0"/>
+              <a:t>:</a:t>
+            </a:r>
+            <a:r>
+              <a:rPr lang="sk-SK" dirty="0" smtClean="0"/>
+              <a:t> </a:t>
+            </a:r>
+            <a:r>
+              <a:rPr lang="en-US" dirty="0" err="1" smtClean="0"/>
+              <a:t>ZigBee</a:t>
+            </a:r>
+            <a:r>
+              <a:rPr lang="en-US" dirty="0" smtClean="0"/>
+              <a:t>, Z-Wave</a:t>
+            </a:r>
+          </a:p>
+          <a:p>
+            <a:pPr lvl="1"/>
+            <a:r>
+              <a:rPr lang="en-US" dirty="0" err="1" smtClean="0"/>
+              <a:t>BeeWi</a:t>
+            </a:r>
+            <a:r>
+              <a:rPr lang="en-US" dirty="0" smtClean="0"/>
+              <a:t>: Bluetooth</a:t>
+            </a:r>
+            <a:endParaRPr lang="sk-SK" dirty="0" smtClean="0"/>
+          </a:p>
+          <a:p>
+            <a:pPr lvl="1"/>
+            <a:r>
+              <a:rPr lang="sk-SK" dirty="0" smtClean="0"/>
+              <a:t>Samsung SmartThings hub</a:t>
+            </a:r>
+            <a:r>
+              <a:rPr lang="en-US" dirty="0" smtClean="0"/>
+              <a:t>: </a:t>
+            </a:r>
+            <a:r>
+              <a:rPr lang="en-US" dirty="0" err="1" smtClean="0"/>
+              <a:t>WiFi</a:t>
+            </a:r>
+            <a:r>
+              <a:rPr lang="en-US" dirty="0" smtClean="0"/>
+              <a:t>, Z-Wave, LAN, </a:t>
+            </a:r>
+            <a:r>
+              <a:rPr lang="en-US" dirty="0" err="1" smtClean="0"/>
+              <a:t>ZigBee</a:t>
+            </a:r>
+            <a:endParaRPr lang="en-US" dirty="0"/>
+          </a:p>
+        </p:txBody>
+      </p:sp>
+    </p:spTree>
+  </p:cSld>
+  <p:clrMapOvr>
+    <a:masterClrMapping/>
+  </p:clrMapOvr>
+  <p:timing>
+    <p:tnLst>
+      <p:par>
+        <p:cTn id="1" dur="indefinite" restart="never" nodeType="tmRoot"/>
+      </p:par>
+    </p:tnLst>
+  </p:timing>
+</p:sld>
+</file>
+
+<file path=ppt/slides/slide3.xml><?xml version="1.0" encoding="utf-8"?>
+<p:sld xmlns:a="http://schemas.openxmlformats.org/drawingml/2006/main" xmlns:r="http://schemas.openxmlformats.org/officeDocument/2006/relationships" xmlns:p="http://schemas.openxmlformats.org/presentationml/2006/main">
+  <p:cSld>
+    <p:spTree>
+      <p:nvGrpSpPr>
+        <p:cNvPr id="1" name=""/>
+        <p:cNvGrpSpPr/>
+        <p:nvPr/>
+      </p:nvGrpSpPr>
+      <p:grpSpPr>
+        <a:xfrm>
+          <a:off x="0" y="0"/>
+          <a:ext cx="0" cy="0"/>
+          <a:chOff x="0" y="0"/>
+          <a:chExt cx="0" cy="0"/>
+        </a:xfrm>
+      </p:grpSpPr>
+      <p:sp>
+        <p:nvSpPr>
+          <p:cNvPr id="2" name="Title 1"/>
+          <p:cNvSpPr>
+            <a:spLocks noGrp="1"/>
+          </p:cNvSpPr>
+          <p:nvPr>
+            <p:ph type="title"/>
+          </p:nvPr>
+        </p:nvSpPr>
+        <p:spPr/>
+        <p:txBody>
+          <a:bodyPr/>
+          <a:lstStyle/>
+          <a:p>
+            <a:r>
+              <a:rPr lang="en-US" dirty="0" err="1" smtClean="0"/>
+              <a:t>Cie</a:t>
+            </a:r>
+            <a:r>
+              <a:rPr lang="sk-SK" dirty="0" smtClean="0"/>
+              <a:t>ľ</a:t>
+            </a:r>
+            <a:endParaRPr lang="en-US" dirty="0"/>
+          </a:p>
+        </p:txBody>
+      </p:sp>
+      <p:sp>
+        <p:nvSpPr>
+          <p:cNvPr id="3" name="Content Placeholder 2"/>
+          <p:cNvSpPr>
+            <a:spLocks noGrp="1"/>
+          </p:cNvSpPr>
+          <p:nvPr>
+            <p:ph idx="1"/>
+          </p:nvPr>
+        </p:nvSpPr>
+        <p:spPr/>
+        <p:txBody>
+          <a:bodyPr>
+            <a:normAutofit/>
+          </a:bodyPr>
+          <a:lstStyle/>
+          <a:p>
+            <a:r>
+              <a:rPr lang="sk-SK" dirty="0" smtClean="0"/>
+              <a:t>Zvýšiť zabezpečenie v bezdrôtových komunikačných sieťach</a:t>
+            </a:r>
+            <a:endParaRPr lang="sk-SK" dirty="0" smtClean="0"/>
+          </a:p>
+        </p:txBody>
+      </p:sp>
+      <p:sp>
+        <p:nvSpPr>
+          <p:cNvPr id="4" name="Slide Number Placeholder 3"/>
+          <p:cNvSpPr>
+            <a:spLocks noGrp="1"/>
+          </p:cNvSpPr>
+          <p:nvPr>
+            <p:ph type="sldNum" sz="quarter" idx="12"/>
+          </p:nvPr>
+        </p:nvSpPr>
+        <p:spPr/>
+        <p:txBody>
+          <a:bodyPr/>
+          <a:lstStyle/>
+          <a:p>
+            <a:fld id="{8C584B50-B360-452D-AFC7-DEF83B5F5806}" type="slidenum">
+              <a:rPr lang="en-US" smtClean="0"/>
+              <a:pPr/>
+              <a:t>3</a:t>
+            </a:fld>
+            <a:r>
+              <a:rPr lang="en-US" dirty="0" smtClean="0"/>
+              <a:t>/2</a:t>
+            </a:r>
+            <a:r>
+              <a:rPr lang="sk-SK" dirty="0" smtClean="0"/>
+              <a:t>7</a:t>
+            </a:r>
+            <a:endParaRPr lang="en-US" dirty="0"/>
+          </a:p>
+        </p:txBody>
+      </p:sp>
+    </p:spTree>
+  </p:cSld>
+  <p:clrMapOvr>
+    <a:masterClrMapping/>
+  </p:clrMapOvr>
+  <p:timing>
+    <p:tnLst>
+      <p:par>
+        <p:cTn id="1" dur="indefinite" restart="never" nodeType="tmRoot"/>
+      </p:par>
+    </p:tnLst>
+  </p:timing>
+</p:sld>
+</file>
+
+<file path=ppt/slides/slide30.xml><?xml version="1.0" encoding="utf-8"?>
 <p:sld xmlns:a="http://schemas.openxmlformats.org/drawingml/2006/main" xmlns:r="http://schemas.openxmlformats.org/officeDocument/2006/relationships" xmlns:p="http://schemas.openxmlformats.org/presentationml/2006/main">
   <p:cSld>
     <p:spTree>
@@ -11771,284 +12375,6 @@
 </p:sld>
 </file>
 
-<file path=ppt/slides/slide3.xml><?xml version="1.0" encoding="utf-8"?>
-<p:sld xmlns:a="http://schemas.openxmlformats.org/drawingml/2006/main" xmlns:r="http://schemas.openxmlformats.org/officeDocument/2006/relationships" xmlns:p="http://schemas.openxmlformats.org/presentationml/2006/main">
-  <p:cSld>
-    <p:spTree>
-      <p:nvGrpSpPr>
-        <p:cNvPr id="1" name=""/>
-        <p:cNvGrpSpPr/>
-        <p:nvPr/>
-      </p:nvGrpSpPr>
-      <p:grpSpPr>
-        <a:xfrm>
-          <a:off x="0" y="0"/>
-          <a:ext cx="0" cy="0"/>
-          <a:chOff x="0" y="0"/>
-          <a:chExt cx="0" cy="0"/>
-        </a:xfrm>
-      </p:grpSpPr>
-      <p:sp>
-        <p:nvSpPr>
-          <p:cNvPr id="2" name="Title 1"/>
-          <p:cNvSpPr>
-            <a:spLocks noGrp="1"/>
-          </p:cNvSpPr>
-          <p:nvPr>
-            <p:ph type="title"/>
-          </p:nvPr>
-        </p:nvSpPr>
-        <p:spPr/>
-        <p:txBody>
-          <a:bodyPr/>
-          <a:lstStyle/>
-          <a:p>
-            <a:r>
-              <a:rPr lang="sk-SK" dirty="0" smtClean="0"/>
-              <a:t>Informačná bezpečnosť</a:t>
-            </a:r>
-          </a:p>
-        </p:txBody>
-      </p:sp>
-      <p:sp>
-        <p:nvSpPr>
-          <p:cNvPr id="3" name="Content Placeholder 2"/>
-          <p:cNvSpPr>
-            <a:spLocks noGrp="1"/>
-          </p:cNvSpPr>
-          <p:nvPr>
-            <p:ph idx="1"/>
-          </p:nvPr>
-        </p:nvSpPr>
-        <p:spPr/>
-        <p:txBody>
-          <a:bodyPr/>
-          <a:lstStyle/>
-          <a:p>
-            <a:endParaRPr lang="sk-SK" dirty="0" smtClean="0"/>
-          </a:p>
-        </p:txBody>
-      </p:sp>
-      <p:sp>
-        <p:nvSpPr>
-          <p:cNvPr id="4" name="Slide Number Placeholder 3"/>
-          <p:cNvSpPr>
-            <a:spLocks noGrp="1"/>
-          </p:cNvSpPr>
-          <p:nvPr>
-            <p:ph type="sldNum" sz="quarter" idx="12"/>
-          </p:nvPr>
-        </p:nvSpPr>
-        <p:spPr/>
-        <p:txBody>
-          <a:bodyPr/>
-          <a:lstStyle/>
-          <a:p>
-            <a:fld id="{8C584B50-B360-452D-AFC7-DEF83B5F5806}" type="slidenum">
-              <a:rPr lang="en-US" smtClean="0"/>
-              <a:pPr/>
-              <a:t>3</a:t>
-            </a:fld>
-            <a:r>
-              <a:rPr lang="en-US" dirty="0" smtClean="0"/>
-              <a:t>/26</a:t>
-            </a:r>
-            <a:endParaRPr lang="en-US" dirty="0"/>
-          </a:p>
-        </p:txBody>
-      </p:sp>
-      <p:pic>
-        <p:nvPicPr>
-          <p:cNvPr id="6" name="Picture 2" descr="C:\Lukas\Skola\FIIT\8. semester\DPII\Obrazky\a_CIA.png"/>
-          <p:cNvPicPr>
-            <a:picLocks noChangeAspect="1" noChangeArrowheads="1"/>
-          </p:cNvPicPr>
-          <p:nvPr/>
-        </p:nvPicPr>
-        <p:blipFill>
-          <a:blip r:embed="rId3"/>
-          <a:srcRect/>
-          <a:stretch>
-            <a:fillRect/>
-          </a:stretch>
-        </p:blipFill>
-        <p:spPr bwMode="auto">
-          <a:xfrm>
-            <a:off x="2057400" y="1600200"/>
-            <a:ext cx="5168703" cy="4525963"/>
-          </a:xfrm>
-          <a:prstGeom prst="rect">
-            <a:avLst/>
-          </a:prstGeom>
-          <a:noFill/>
-        </p:spPr>
-      </p:pic>
-    </p:spTree>
-  </p:cSld>
-  <p:clrMapOvr>
-    <a:masterClrMapping/>
-  </p:clrMapOvr>
-  <p:timing>
-    <p:tnLst>
-      <p:par>
-        <p:cTn id="1" dur="indefinite" restart="never" nodeType="tmRoot"/>
-      </p:par>
-    </p:tnLst>
-  </p:timing>
-</p:sld>
-</file>
-
-<file path=ppt/slides/slide30.xml><?xml version="1.0" encoding="utf-8"?>
-<p:sld xmlns:a="http://schemas.openxmlformats.org/drawingml/2006/main" xmlns:r="http://schemas.openxmlformats.org/officeDocument/2006/relationships" xmlns:p="http://schemas.openxmlformats.org/presentationml/2006/main">
-  <p:cSld>
-    <p:spTree>
-      <p:nvGrpSpPr>
-        <p:cNvPr id="1" name=""/>
-        <p:cNvGrpSpPr/>
-        <p:nvPr/>
-      </p:nvGrpSpPr>
-      <p:grpSpPr>
-        <a:xfrm>
-          <a:off x="0" y="0"/>
-          <a:ext cx="0" cy="0"/>
-          <a:chOff x="0" y="0"/>
-          <a:chExt cx="0" cy="0"/>
-        </a:xfrm>
-      </p:grpSpPr>
-      <p:sp>
-        <p:nvSpPr>
-          <p:cNvPr id="2" name="Title 1"/>
-          <p:cNvSpPr>
-            <a:spLocks noGrp="1"/>
-          </p:cNvSpPr>
-          <p:nvPr>
-            <p:ph type="title"/>
-          </p:nvPr>
-        </p:nvSpPr>
-        <p:spPr/>
-        <p:txBody>
-          <a:bodyPr>
-            <a:normAutofit/>
-          </a:bodyPr>
-          <a:lstStyle/>
-          <a:p>
-            <a:r>
-              <a:rPr lang="sk-SK" dirty="0" smtClean="0"/>
-              <a:t>Prečo komunikačný protokol ANT</a:t>
-            </a:r>
-            <a:r>
-              <a:rPr lang="en-US" dirty="0" smtClean="0"/>
-              <a:t>?</a:t>
-            </a:r>
-            <a:endParaRPr lang="en-US" dirty="0"/>
-          </a:p>
-        </p:txBody>
-      </p:sp>
-      <p:sp>
-        <p:nvSpPr>
-          <p:cNvPr id="3" name="Content Placeholder 2"/>
-          <p:cNvSpPr>
-            <a:spLocks noGrp="1"/>
-          </p:cNvSpPr>
-          <p:nvPr>
-            <p:ph idx="1"/>
-          </p:nvPr>
-        </p:nvSpPr>
-        <p:spPr/>
-        <p:txBody>
-          <a:bodyPr>
-            <a:normAutofit/>
-          </a:bodyPr>
-          <a:lstStyle/>
-          <a:p>
-            <a:r>
-              <a:rPr lang="sk-SK" dirty="0" smtClean="0"/>
-              <a:t>nutné </a:t>
-            </a:r>
-            <a:r>
-              <a:rPr lang="sk-SK" dirty="0" smtClean="0"/>
-              <a:t>na niečom overiť </a:t>
-            </a:r>
-            <a:r>
-              <a:rPr lang="sk-SK" dirty="0" smtClean="0"/>
-              <a:t>riešenie a získať </a:t>
-            </a:r>
-            <a:r>
-              <a:rPr lang="sk-SK" dirty="0" smtClean="0"/>
-              <a:t>fyzické </a:t>
-            </a:r>
-            <a:r>
-              <a:rPr lang="sk-SK" dirty="0" smtClean="0"/>
-              <a:t>výsledky,</a:t>
-            </a:r>
-            <a:endParaRPr lang="en-US" dirty="0" smtClean="0"/>
-          </a:p>
-          <a:p>
-            <a:endParaRPr lang="sk-SK" dirty="0" smtClean="0"/>
-          </a:p>
-          <a:p>
-            <a:r>
-              <a:rPr lang="sk-SK" dirty="0" smtClean="0"/>
-              <a:t>g</a:t>
-            </a:r>
-            <a:r>
-              <a:rPr lang="en-US" dirty="0" err="1" smtClean="0"/>
-              <a:t>enerick</a:t>
-            </a:r>
-            <a:r>
-              <a:rPr lang="sk-SK" dirty="0" smtClean="0"/>
-              <a:t>ý návrh (rôznorodosť),</a:t>
-            </a:r>
-          </a:p>
-          <a:p>
-            <a:r>
-              <a:rPr lang="sk-SK" dirty="0" smtClean="0"/>
-              <a:t>IoT, WSN, vždy </a:t>
-            </a:r>
-            <a:r>
-              <a:rPr lang="sk-SK" dirty="0" smtClean="0"/>
-              <a:t>bude </a:t>
-            </a:r>
-            <a:r>
-              <a:rPr lang="sk-SK" dirty="0" smtClean="0"/>
-              <a:t>nutnosť optimalizácie </a:t>
-            </a:r>
-            <a:r>
-              <a:rPr lang="sk-SK" dirty="0" smtClean="0"/>
-              <a:t>na HW</a:t>
-            </a:r>
-          </a:p>
-          <a:p>
-            <a:endParaRPr lang="sk-SK" dirty="0" smtClean="0"/>
-          </a:p>
-          <a:p>
-            <a:r>
-              <a:rPr lang="sk-SK" dirty="0" smtClean="0"/>
-              <a:t>bol </a:t>
-            </a:r>
-            <a:r>
-              <a:rPr lang="en-US" dirty="0" err="1" smtClean="0"/>
-              <a:t>dostupn</a:t>
-            </a:r>
-            <a:r>
-              <a:rPr lang="sk-SK" dirty="0" smtClean="0"/>
-              <a:t>ý</a:t>
-            </a:r>
-            <a:endParaRPr lang="sk-SK" dirty="0" smtClean="0"/>
-          </a:p>
-          <a:p>
-            <a:endParaRPr lang="en-US" dirty="0"/>
-          </a:p>
-        </p:txBody>
-      </p:sp>
-    </p:spTree>
-  </p:cSld>
-  <p:clrMapOvr>
-    <a:masterClrMapping/>
-  </p:clrMapOvr>
-</p:sld>
-</file>
-
 <file path=ppt/slides/slide31.xml><?xml version="1.0" encoding="utf-8"?>
 <p:sld xmlns:a="http://schemas.openxmlformats.org/drawingml/2006/main" xmlns:r="http://schemas.openxmlformats.org/officeDocument/2006/relationships" xmlns:p="http://schemas.openxmlformats.org/presentationml/2006/main">
   <p:cSld>
@@ -12085,7 +12411,11 @@
           <a:p>
             <a:r>
               <a:rPr lang="sk-SK" dirty="0" smtClean="0"/>
-              <a:t>Najčastejšie dôvody porúch </a:t>
+              <a:t>Prečo komunikačný protokol ANT</a:t>
+            </a:r>
+            <a:r>
+              <a:rPr lang="en-US" dirty="0" smtClean="0"/>
+              <a:t>?</a:t>
             </a:r>
             <a:endParaRPr lang="en-US" dirty="0"/>
           </a:p>
@@ -12110,44 +12440,60 @@
           <a:p>
             <a:r>
               <a:rPr lang="sk-SK" dirty="0" smtClean="0"/>
-              <a:t>Protiopatrenia</a:t>
-            </a:r>
-            <a:r>
-              <a:rPr lang="en-US" dirty="0" smtClean="0"/>
-              <a:t>:</a:t>
-            </a:r>
+              <a:t>nutné </a:t>
+            </a:r>
+            <a:r>
+              <a:rPr lang="sk-SK" dirty="0" smtClean="0"/>
+              <a:t>na niečom overiť </a:t>
+            </a:r>
+            <a:r>
+              <a:rPr lang="sk-SK" dirty="0" smtClean="0"/>
+              <a:t>riešenie a získať </a:t>
+            </a:r>
+            <a:r>
+              <a:rPr lang="sk-SK" dirty="0" smtClean="0"/>
+              <a:t>fyzické </a:t>
+            </a:r>
+            <a:r>
+              <a:rPr lang="sk-SK" dirty="0" smtClean="0"/>
+              <a:t>výsledky,</a:t>
+            </a:r>
+            <a:endParaRPr lang="en-US" dirty="0" smtClean="0"/>
+          </a:p>
+          <a:p>
             <a:endParaRPr lang="sk-SK" dirty="0" smtClean="0"/>
           </a:p>
           <a:p>
-            <a:pPr lvl="1"/>
-            <a:r>
-              <a:rPr lang="sk-SK" dirty="0" smtClean="0"/>
-              <a:t>pred-pripravovanie dát, posielanie neskôr,</a:t>
-            </a:r>
-          </a:p>
-          <a:p>
-            <a:pPr lvl="1"/>
-            <a:r>
-              <a:rPr lang="sk-SK" dirty="0" smtClean="0"/>
-              <a:t>SoftDevice</a:t>
-            </a:r>
-            <a:r>
-              <a:rPr lang="en-US" dirty="0" smtClean="0"/>
-              <a:t>: </a:t>
-            </a:r>
-            <a:r>
-              <a:rPr lang="sk-SK" dirty="0" smtClean="0"/>
-              <a:t>kontrola, či sa </a:t>
-            </a:r>
-            <a:r>
-              <a:rPr lang="sk-SK" dirty="0" smtClean="0"/>
-              <a:t>niečo posiela</a:t>
-            </a:r>
-            <a:r>
-              <a:rPr lang="sk-SK" dirty="0" smtClean="0"/>
-              <a:t>.</a:t>
-            </a:r>
-            <a:endParaRPr lang="en-US" dirty="0" smtClean="0"/>
+            <a:r>
+              <a:rPr lang="sk-SK" dirty="0" smtClean="0"/>
+              <a:t>g</a:t>
+            </a:r>
+            <a:r>
+              <a:rPr lang="en-US" dirty="0" err="1" smtClean="0"/>
+              <a:t>enerick</a:t>
+            </a:r>
+            <a:r>
+              <a:rPr lang="sk-SK" dirty="0" smtClean="0"/>
+              <a:t>ý návrh (rôznorodosť),</a:t>
+            </a:r>
+          </a:p>
+          <a:p>
+            <a:r>
+              <a:rPr lang="sk-SK" dirty="0" smtClean="0"/>
+              <a:t>IoT, WSN, vždy </a:t>
+            </a:r>
+            <a:r>
+              <a:rPr lang="sk-SK" dirty="0" smtClean="0"/>
+              <a:t>bude </a:t>
+            </a:r>
+            <a:r>
+              <a:rPr lang="sk-SK" dirty="0" smtClean="0"/>
+              <a:t>nutnosť optimalizácie </a:t>
+            </a:r>
+            <a:r>
+              <a:rPr lang="sk-SK" dirty="0" smtClean="0"/>
+              <a:t>na HW</a:t>
+            </a:r>
           </a:p>
           <a:p>
             <a:endParaRPr lang="sk-SK" dirty="0" smtClean="0"/>
@@ -12155,92 +12501,20 @@
           <a:p>
             <a:r>
               <a:rPr lang="sk-SK" dirty="0" smtClean="0"/>
-              <a:t>P</a:t>
-            </a:r>
-            <a:r>
-              <a:rPr lang="sk-SK" dirty="0" smtClean="0"/>
-              <a:t>redpoklad</a:t>
-            </a:r>
-            <a:r>
-              <a:rPr lang="en-US" dirty="0" smtClean="0"/>
-              <a:t> </a:t>
-            </a:r>
-            <a:r>
-              <a:rPr lang="sk-SK" dirty="0" smtClean="0"/>
-              <a:t>(</a:t>
+              <a:t>bol </a:t>
             </a:r>
             <a:r>
               <a:rPr lang="en-US" dirty="0" err="1" smtClean="0"/>
-              <a:t>bez</a:t>
-            </a:r>
-            <a:r>
-              <a:rPr lang="en-US" dirty="0" smtClean="0"/>
-              <a:t> </a:t>
-            </a:r>
-            <a:r>
-              <a:rPr lang="en-US" dirty="0" err="1" smtClean="0"/>
-              <a:t>podrobn</a:t>
-            </a:r>
-            <a:r>
-              <a:rPr lang="sk-SK" dirty="0" smtClean="0"/>
-              <a:t>ého testovania)</a:t>
-            </a:r>
-            <a:r>
-              <a:rPr lang="en-US" dirty="0" smtClean="0"/>
-              <a:t>:</a:t>
+              <a:t>dostupn</a:t>
+            </a:r>
+            <a:r>
+              <a:rPr lang="sk-SK" dirty="0" smtClean="0"/>
+              <a:t>ý</a:t>
             </a:r>
             <a:endParaRPr lang="sk-SK" dirty="0" smtClean="0"/>
           </a:p>
           <a:p>
-            <a:pPr lvl="1"/>
-            <a:r>
-              <a:rPr lang="sk-SK" dirty="0" smtClean="0"/>
-              <a:t>komunikáci</a:t>
-            </a:r>
-            <a:r>
-              <a:rPr lang="en-US" dirty="0" smtClean="0"/>
-              <a:t>a</a:t>
-            </a:r>
-            <a:r>
-              <a:rPr lang="sk-SK" dirty="0" smtClean="0"/>
-              <a:t> s kryptoelementom (atomicky</a:t>
-            </a:r>
-            <a:r>
-              <a:rPr lang="sk-SK" dirty="0" smtClean="0"/>
-              <a:t>),</a:t>
-            </a:r>
-            <a:endParaRPr lang="sk-SK" dirty="0" smtClean="0"/>
-          </a:p>
-          <a:p>
-            <a:pPr lvl="1"/>
-            <a:r>
-              <a:rPr lang="sk-SK" dirty="0" smtClean="0"/>
-              <a:t>zmeškanie časového okna pre posielanie</a:t>
-            </a:r>
-            <a:r>
-              <a:rPr lang="en-US" dirty="0" smtClean="0"/>
-              <a:t>: </a:t>
-            </a:r>
-            <a:r>
-              <a:rPr lang="en-US" dirty="0" err="1" smtClean="0"/>
-              <a:t>rozsynchronizovanie</a:t>
-            </a:r>
-            <a:r>
-              <a:rPr lang="en-US" dirty="0" smtClean="0"/>
-              <a:t> </a:t>
-            </a:r>
-            <a:r>
-              <a:rPr lang="en-US" dirty="0" err="1" smtClean="0"/>
-              <a:t>protokolu</a:t>
-            </a:r>
-            <a:r>
-              <a:rPr lang="sk-SK" dirty="0" smtClean="0"/>
-              <a:t>.</a:t>
-            </a:r>
-            <a:endParaRPr lang="sk-SK" dirty="0" smtClean="0"/>
-          </a:p>
-          <a:p>
-            <a:endParaRPr lang="sk-SK" dirty="0" smtClean="0"/>
+            <a:endParaRPr lang="en-US" dirty="0"/>
           </a:p>
         </p:txBody>
       </p:sp>
@@ -12253,6 +12527,209 @@
 </file>
 
 <file path=ppt/slides/slide32.xml><?xml version="1.0" encoding="utf-8"?>
+<p:sld xmlns:a="http://schemas.openxmlformats.org/drawingml/2006/main" xmlns:r="http://schemas.openxmlformats.org/officeDocument/2006/relationships" xmlns:p="http://schemas.openxmlformats.org/presentationml/2006/main">
+  <p:cSld>
+    <p:spTree>
+      <p:nvGrpSpPr>
+        <p:cNvPr id="1" name=""/>
+        <p:cNvGrpSpPr/>
+        <p:nvPr/>
+      </p:nvGrpSpPr>
+      <p:grpSpPr>
+        <a:xfrm>
+          <a:off x="0" y="0"/>
+          <a:ext cx="0" cy="0"/>
+          <a:chOff x="0" y="0"/>
+          <a:chExt cx="0" cy="0"/>
+        </a:xfrm>
+      </p:grpSpPr>
+      <p:sp>
+        <p:nvSpPr>
+          <p:cNvPr id="2" name="Title 1"/>
+          <p:cNvSpPr>
+            <a:spLocks noGrp="1"/>
+          </p:cNvSpPr>
+          <p:nvPr>
+            <p:ph type="title"/>
+          </p:nvPr>
+        </p:nvSpPr>
+        <p:spPr/>
+        <p:txBody>
+          <a:bodyPr>
+            <a:normAutofit/>
+          </a:bodyPr>
+          <a:lstStyle/>
+          <a:p>
+            <a:r>
+              <a:rPr lang="sk-SK" dirty="0" smtClean="0"/>
+              <a:t>Najčastejšie dôvody porúch </a:t>
+            </a:r>
+            <a:endParaRPr lang="en-US" dirty="0"/>
+          </a:p>
+        </p:txBody>
+      </p:sp>
+      <p:sp>
+        <p:nvSpPr>
+          <p:cNvPr id="3" name="Content Placeholder 2"/>
+          <p:cNvSpPr>
+            <a:spLocks noGrp="1"/>
+          </p:cNvSpPr>
+          <p:nvPr>
+            <p:ph idx="1"/>
+          </p:nvPr>
+        </p:nvSpPr>
+        <p:spPr/>
+        <p:txBody>
+          <a:bodyPr>
+            <a:normAutofit/>
+          </a:bodyPr>
+          <a:lstStyle/>
+          <a:p>
+            <a:r>
+              <a:rPr lang="sk-SK" dirty="0" smtClean="0"/>
+              <a:t>Protiopatrenia</a:t>
+            </a:r>
+            <a:r>
+              <a:rPr lang="en-US" dirty="0" smtClean="0"/>
+              <a:t>:</a:t>
+            </a:r>
+            <a:endParaRPr lang="sk-SK" dirty="0" smtClean="0"/>
+          </a:p>
+          <a:p>
+            <a:pPr lvl="1"/>
+            <a:r>
+              <a:rPr lang="sk-SK" dirty="0" smtClean="0"/>
+              <a:t>pred-pripravovanie dát, posielanie neskôr,</a:t>
+            </a:r>
+          </a:p>
+          <a:p>
+            <a:pPr lvl="1"/>
+            <a:r>
+              <a:rPr lang="sk-SK" dirty="0" smtClean="0"/>
+              <a:t>SoftDevice</a:t>
+            </a:r>
+            <a:r>
+              <a:rPr lang="en-US" dirty="0" smtClean="0"/>
+              <a:t>: </a:t>
+            </a:r>
+            <a:r>
+              <a:rPr lang="sk-SK" dirty="0" smtClean="0"/>
+              <a:t>kontrola, či sa </a:t>
+            </a:r>
+            <a:r>
+              <a:rPr lang="sk-SK" dirty="0" smtClean="0"/>
+              <a:t>niečo posiela</a:t>
+            </a:r>
+            <a:r>
+              <a:rPr lang="sk-SK" dirty="0" smtClean="0"/>
+              <a:t>.</a:t>
+            </a:r>
+            <a:endParaRPr lang="en-US" dirty="0" smtClean="0"/>
+          </a:p>
+          <a:p>
+            <a:endParaRPr lang="sk-SK" dirty="0" smtClean="0"/>
+          </a:p>
+          <a:p>
+            <a:r>
+              <a:rPr lang="sk-SK" dirty="0" smtClean="0"/>
+              <a:t>P</a:t>
+            </a:r>
+            <a:r>
+              <a:rPr lang="sk-SK" dirty="0" smtClean="0"/>
+              <a:t>redpoklad</a:t>
+            </a:r>
+            <a:r>
+              <a:rPr lang="en-US" dirty="0" smtClean="0"/>
+              <a:t> </a:t>
+            </a:r>
+            <a:r>
+              <a:rPr lang="sk-SK" dirty="0" smtClean="0"/>
+              <a:t>(</a:t>
+            </a:r>
+            <a:r>
+              <a:rPr lang="en-US" dirty="0" err="1" smtClean="0"/>
+              <a:t>bez</a:t>
+            </a:r>
+            <a:r>
+              <a:rPr lang="en-US" dirty="0" smtClean="0"/>
+              <a:t> </a:t>
+            </a:r>
+            <a:r>
+              <a:rPr lang="en-US" dirty="0" err="1" smtClean="0"/>
+              <a:t>podrobn</a:t>
+            </a:r>
+            <a:r>
+              <a:rPr lang="sk-SK" dirty="0" smtClean="0"/>
+              <a:t>ého testovania)</a:t>
+            </a:r>
+            <a:r>
+              <a:rPr lang="en-US" dirty="0" smtClean="0"/>
+              <a:t>:</a:t>
+            </a:r>
+            <a:endParaRPr lang="sk-SK" dirty="0" smtClean="0"/>
+          </a:p>
+          <a:p>
+            <a:pPr lvl="1"/>
+            <a:r>
+              <a:rPr lang="sk-SK" dirty="0" smtClean="0"/>
+              <a:t>komunikáci</a:t>
+            </a:r>
+            <a:r>
+              <a:rPr lang="en-US" dirty="0" smtClean="0"/>
+              <a:t>a</a:t>
+            </a:r>
+            <a:r>
+              <a:rPr lang="sk-SK" dirty="0" smtClean="0"/>
+              <a:t> s kryptoelementom (atomicky</a:t>
+            </a:r>
+            <a:r>
+              <a:rPr lang="sk-SK" dirty="0" smtClean="0"/>
+              <a:t>),</a:t>
+            </a:r>
+            <a:endParaRPr lang="sk-SK" dirty="0" smtClean="0"/>
+          </a:p>
+          <a:p>
+            <a:pPr lvl="1"/>
+            <a:r>
+              <a:rPr lang="sk-SK" dirty="0" smtClean="0"/>
+              <a:t>zmeškanie časového okna pre posielanie</a:t>
+            </a:r>
+            <a:r>
+              <a:rPr lang="en-US" dirty="0" smtClean="0"/>
+              <a:t>: </a:t>
+            </a:r>
+            <a:r>
+              <a:rPr lang="en-US" dirty="0" err="1" smtClean="0"/>
+              <a:t>rozsynchronizovanie</a:t>
+            </a:r>
+            <a:r>
+              <a:rPr lang="en-US" dirty="0" smtClean="0"/>
+              <a:t> </a:t>
+            </a:r>
+            <a:r>
+              <a:rPr lang="en-US" dirty="0" err="1" smtClean="0"/>
+              <a:t>protokolu</a:t>
+            </a:r>
+            <a:r>
+              <a:rPr lang="sk-SK" dirty="0" smtClean="0"/>
+              <a:t>.</a:t>
+            </a:r>
+            <a:endParaRPr lang="sk-SK" dirty="0" smtClean="0"/>
+          </a:p>
+          <a:p>
+            <a:endParaRPr lang="sk-SK" dirty="0" smtClean="0"/>
+          </a:p>
+        </p:txBody>
+      </p:sp>
+    </p:spTree>
+  </p:cSld>
+  <p:clrMapOvr>
+    <a:masterClrMapping/>
+  </p:clrMapOvr>
+</p:sld>
+</file>
+
+<file path=ppt/slides/slide33.xml><?xml version="1.0" encoding="utf-8"?>
 <p:sld xmlns:a="http://schemas.openxmlformats.org/drawingml/2006/main" xmlns:r="http://schemas.openxmlformats.org/officeDocument/2006/relationships" xmlns:p="http://schemas.openxmlformats.org/presentationml/2006/main">
   <p:cSld>
     <p:spTree>
@@ -12337,7 +12814,7 @@
 </p:sld>
 </file>
 
-<file path=ppt/slides/slide33.xml><?xml version="1.0" encoding="utf-8"?>
+<file path=ppt/slides/slide34.xml><?xml version="1.0" encoding="utf-8"?>
 <p:sld xmlns:a="http://schemas.openxmlformats.org/drawingml/2006/main" xmlns:r="http://schemas.openxmlformats.org/officeDocument/2006/relationships" xmlns:p="http://schemas.openxmlformats.org/presentationml/2006/main">
   <p:cSld>
     <p:spTree>
@@ -12559,7 +13036,7 @@
 </p:sld>
 </file>
 
-<file path=ppt/slides/slide34.xml><?xml version="1.0" encoding="utf-8"?>
+<file path=ppt/slides/slide35.xml><?xml version="1.0" encoding="utf-8"?>
 <p:sld xmlns:a="http://schemas.openxmlformats.org/drawingml/2006/main" xmlns:r="http://schemas.openxmlformats.org/officeDocument/2006/relationships" xmlns:p="http://schemas.openxmlformats.org/presentationml/2006/main">
   <p:cSld>
     <p:spTree>
@@ -12682,7 +13159,7 @@
 </p:sld>
 </file>
 
-<file path=ppt/slides/slide35.xml><?xml version="1.0" encoding="utf-8"?>
+<file path=ppt/slides/slide36.xml><?xml version="1.0" encoding="utf-8"?>
 <p:sld xmlns:a="http://schemas.openxmlformats.org/drawingml/2006/main" xmlns:r="http://schemas.openxmlformats.org/officeDocument/2006/relationships" xmlns:p="http://schemas.openxmlformats.org/presentationml/2006/main">
   <p:cSld>
     <p:spTree>
@@ -12768,6 +13245,114 @@
           <a:xfrm>
             <a:off x="0" y="2532122"/>
             <a:ext cx="9144000" cy="2860556"/>
+          </a:xfrm>
+          <a:prstGeom prst="rect">
+            <a:avLst/>
+          </a:prstGeom>
+          <a:noFill/>
+          <a:ln w="9525">
+            <a:noFill/>
+            <a:miter lim="800000"/>
+            <a:headEnd/>
+            <a:tailEnd/>
+          </a:ln>
+          <a:effectLst/>
+        </p:spPr>
+      </p:pic>
+    </p:spTree>
+  </p:cSld>
+  <p:clrMapOvr>
+    <a:masterClrMapping/>
+  </p:clrMapOvr>
+  <p:timing>
+    <p:tnLst>
+      <p:par>
+        <p:cTn id="1" dur="indefinite" restart="never" nodeType="tmRoot"/>
+      </p:par>
+    </p:tnLst>
+  </p:timing>
+</p:sld>
+</file>
+
+<file path=ppt/slides/slide37.xml><?xml version="1.0" encoding="utf-8"?>
+<p:sld xmlns:a="http://schemas.openxmlformats.org/drawingml/2006/main" xmlns:r="http://schemas.openxmlformats.org/officeDocument/2006/relationships" xmlns:p="http://schemas.openxmlformats.org/presentationml/2006/main">
+  <p:cSld>
+    <p:spTree>
+      <p:nvGrpSpPr>
+        <p:cNvPr id="1" name=""/>
+        <p:cNvGrpSpPr/>
+        <p:nvPr/>
+      </p:nvGrpSpPr>
+      <p:grpSpPr>
+        <a:xfrm>
+          <a:off x="0" y="0"/>
+          <a:ext cx="0" cy="0"/>
+          <a:chOff x="0" y="0"/>
+          <a:chExt cx="0" cy="0"/>
+        </a:xfrm>
+      </p:grpSpPr>
+      <p:sp>
+        <p:nvSpPr>
+          <p:cNvPr id="2" name="Title 1"/>
+          <p:cNvSpPr>
+            <a:spLocks noGrp="1"/>
+          </p:cNvSpPr>
+          <p:nvPr>
+            <p:ph type="title"/>
+          </p:nvPr>
+        </p:nvSpPr>
+        <p:spPr/>
+        <p:txBody>
+          <a:bodyPr>
+            <a:normAutofit/>
+          </a:bodyPr>
+          <a:lstStyle/>
+          <a:p>
+            <a:r>
+              <a:rPr lang="sk-SK" dirty="0" smtClean="0"/>
+              <a:t>Implementácia</a:t>
+            </a:r>
+            <a:r>
+              <a:rPr lang="en-US" dirty="0" smtClean="0"/>
+              <a:t>:</a:t>
+            </a:r>
+            <a:r>
+              <a:rPr lang="sk-SK" dirty="0" smtClean="0"/>
+              <a:t> </a:t>
+            </a:r>
+            <a:r>
+              <a:rPr lang="sk-SK" dirty="0" smtClean="0"/>
+              <a:t>ISO7816</a:t>
+            </a:r>
+            <a:r>
+              <a:rPr lang="en-US" dirty="0" smtClean="0"/>
+              <a:t> ATR</a:t>
+            </a:r>
+            <a:endParaRPr lang="en-US" dirty="0"/>
+          </a:p>
+        </p:txBody>
+      </p:sp>
+      <p:pic>
+        <p:nvPicPr>
+          <p:cNvPr id="1027" name="Picture 3"/>
+          <p:cNvPicPr>
+            <a:picLocks noGrp="1" noChangeAspect="1" noChangeArrowheads="1"/>
+          </p:cNvPicPr>
+          <p:nvPr>
+            <p:ph idx="1"/>
+          </p:nvPr>
+        </p:nvPicPr>
+        <p:blipFill>
+          <a:blip r:embed="rId2"/>
+          <a:srcRect/>
+          <a:stretch>
+            <a:fillRect/>
+          </a:stretch>
+        </p:blipFill>
+        <p:spPr bwMode="auto">
+          <a:xfrm>
+            <a:off x="2514600" y="1126944"/>
+            <a:ext cx="4114800" cy="5472476"/>
           </a:xfrm>
           <a:prstGeom prst="rect">
             <a:avLst/>
@@ -12831,9 +13416,27 @@
           <a:p>
             <a:r>
               <a:rPr lang="sk-SK" dirty="0" smtClean="0"/>
-              <a:t>Typy útokov</a:t>
-            </a:r>
-            <a:endParaRPr lang="en-US" dirty="0"/>
+              <a:t>Informačná bezpečnosť</a:t>
+            </a:r>
+          </a:p>
+        </p:txBody>
+      </p:sp>
+      <p:sp>
+        <p:nvSpPr>
+          <p:cNvPr id="3" name="Content Placeholder 2"/>
+          <p:cNvSpPr>
+            <a:spLocks noGrp="1"/>
+          </p:cNvSpPr>
+          <p:nvPr>
+            <p:ph idx="1"/>
+          </p:nvPr>
+        </p:nvSpPr>
+        <p:spPr/>
+        <p:txBody>
+          <a:bodyPr/>
+          <a:lstStyle/>
+          <a:p>
+            <a:endParaRPr lang="sk-SK" dirty="0" smtClean="0"/>
           </a:p>
         </p:txBody>
       </p:sp>
@@ -12859,7 +13462,11 @@
             </a:fld>
             <a:r>
               <a:rPr lang="en-US" dirty="0" smtClean="0"/>
-              <a:t>/26</a:t>
+              <a:t>/2</a:t>
+            </a:r>
+            <a:r>
+              <a:rPr lang="sk-SK" dirty="0" smtClean="0"/>
+              <a:t>7</a:t>
             </a:r>
             <a:endParaRPr lang="en-US" dirty="0"/>
           </a:p>
@@ -12867,13 +13474,11 @@
       </p:sp>
       <p:pic>
         <p:nvPicPr>
-          <p:cNvPr id="8" name="Picture 3" descr="C:\Lukas\Skola\FIIT\8. semester\DPII\Obrazky\a_attacks.png"/>
+          <p:cNvPr id="6" name="Picture 2" descr="C:\Lukas\Skola\FIIT\8. semester\DPII\Obrazky\a_CIA.png"/>
           <p:cNvPicPr>
-            <a:picLocks noGrp="1" noChangeAspect="1" noChangeArrowheads="1"/>
+            <a:picLocks noChangeAspect="1" noChangeArrowheads="1"/>
           </p:cNvPicPr>
-          <p:nvPr>
-            <p:ph idx="1"/>
-          </p:nvPr>
+          <p:nvPr/>
         </p:nvPicPr>
         <p:blipFill>
           <a:blip r:embed="rId3"/>
@@ -12883,6 +13488,10 @@
           </a:stretch>
         </p:blipFill>
         <p:spPr bwMode="auto">
+          <a:xfrm>
+            <a:off x="2057400" y="1600200"/>
+            <a:ext cx="5168703" cy="4525963"/>
+          </a:xfrm>
           <a:prstGeom prst="rect">
             <a:avLst/>
           </a:prstGeom>
@@ -12937,24 +13546,8 @@
           <a:lstStyle/>
           <a:p>
             <a:r>
-              <a:rPr lang="en-US" dirty="0" err="1" smtClean="0"/>
-              <a:t>Aktu</a:t>
-            </a:r>
-            <a:r>
-              <a:rPr lang="sk-SK" dirty="0" smtClean="0"/>
-              <a:t>álny s</a:t>
-            </a:r>
-            <a:r>
-              <a:rPr lang="en-US" dirty="0" err="1" smtClean="0"/>
-              <a:t>tav</a:t>
-            </a:r>
-            <a:r>
-              <a:rPr lang="en-US" dirty="0" smtClean="0"/>
-              <a:t> </a:t>
-            </a:r>
-            <a:r>
-              <a:rPr lang="sk-SK" dirty="0" smtClean="0"/>
-              <a:t>vo WPAN 802.15</a:t>
+              <a:rPr lang="sk-SK" dirty="0" smtClean="0"/>
+              <a:t>Typy útokov</a:t>
             </a:r>
             <a:endParaRPr lang="en-US" dirty="0"/>
           </a:p>
@@ -12982,102 +13575,40 @@
             </a:fld>
             <a:r>
               <a:rPr lang="en-US" dirty="0" smtClean="0"/>
-              <a:t>/26</a:t>
+              <a:t>/2</a:t>
+            </a:r>
+            <a:r>
+              <a:rPr lang="sk-SK" dirty="0" smtClean="0"/>
+              <a:t>7</a:t>
             </a:r>
             <a:endParaRPr lang="en-US" dirty="0"/>
           </a:p>
         </p:txBody>
       </p:sp>
-      <p:sp>
-        <p:nvSpPr>
-          <p:cNvPr id="5" name="Content Placeholder 4"/>
-          <p:cNvSpPr>
-            <a:spLocks noGrp="1"/>
-          </p:cNvSpPr>
+      <p:pic>
+        <p:nvPicPr>
+          <p:cNvPr id="8" name="Picture 3" descr="C:\Lukas\Skola\FIIT\8. semester\DPII\Obrazky\a_attacks.png"/>
+          <p:cNvPicPr>
+            <a:picLocks noGrp="1" noChangeAspect="1" noChangeArrowheads="1"/>
+          </p:cNvPicPr>
           <p:nvPr>
             <p:ph idx="1"/>
           </p:nvPr>
-        </p:nvSpPr>
-        <p:spPr/>
-        <p:txBody>
-          <a:bodyPr/>
-          <a:lstStyle/>
-          <a:p>
-            <a:r>
-              <a:rPr lang="sk-SK" dirty="0" smtClean="0"/>
-              <a:t>Zabezpečenie hlavne </a:t>
-            </a:r>
-            <a:r>
-              <a:rPr lang="sk-SK" dirty="0" smtClean="0"/>
-              <a:t>na transpor</a:t>
-            </a:r>
-            <a:r>
-              <a:rPr lang="en-US" dirty="0" smtClean="0"/>
-              <a:t>t</a:t>
-            </a:r>
-            <a:r>
-              <a:rPr lang="sk-SK" dirty="0" smtClean="0"/>
-              <a:t>nej vrstve</a:t>
-            </a:r>
-            <a:endParaRPr lang="sk-SK" dirty="0" smtClean="0"/>
-          </a:p>
-          <a:p>
-            <a:endParaRPr lang="sk-SK" dirty="0" smtClean="0"/>
-          </a:p>
-          <a:p>
-            <a:r>
-              <a:rPr lang="sk-SK" dirty="0" smtClean="0"/>
-              <a:t>ANT</a:t>
-            </a:r>
-            <a:r>
-              <a:rPr lang="en-US" dirty="0" smtClean="0"/>
-              <a:t>:		</a:t>
-            </a:r>
-            <a:r>
-              <a:rPr lang="sk-SK" dirty="0" smtClean="0"/>
-              <a:t>AES</a:t>
-            </a:r>
-            <a:r>
-              <a:rPr lang="en-US" dirty="0" smtClean="0"/>
-              <a:t>-128</a:t>
-            </a:r>
-            <a:endParaRPr lang="sk-SK" dirty="0" smtClean="0"/>
-          </a:p>
-          <a:p>
-            <a:r>
-              <a:rPr lang="sk-SK" dirty="0" smtClean="0"/>
-              <a:t>Bluetooth</a:t>
-            </a:r>
-            <a:r>
-              <a:rPr lang="en-US" dirty="0" smtClean="0"/>
-              <a:t>:	AES-CMAC (128)</a:t>
-            </a:r>
-            <a:endParaRPr lang="sk-SK" dirty="0" smtClean="0"/>
-          </a:p>
-          <a:p>
-            <a:r>
-              <a:rPr lang="sk-SK" dirty="0" smtClean="0"/>
-              <a:t>ZigBee</a:t>
-            </a:r>
-            <a:r>
-              <a:rPr lang="en-US" dirty="0" smtClean="0"/>
-              <a:t>:		AES-128</a:t>
-            </a:r>
-            <a:endParaRPr lang="sk-SK" dirty="0" smtClean="0"/>
-          </a:p>
-          <a:p>
-            <a:r>
-              <a:rPr lang="sk-SK" dirty="0" smtClean="0"/>
-              <a:t>LoRa</a:t>
-            </a:r>
-            <a:r>
-              <a:rPr lang="en-US" dirty="0" smtClean="0"/>
-              <a:t>WAN:	AES-128</a:t>
-            </a:r>
-            <a:endParaRPr lang="sk-SK" dirty="0" smtClean="0"/>
-          </a:p>
-        </p:txBody>
-      </p:sp>
+        </p:nvPicPr>
+        <p:blipFill>
+          <a:blip r:embed="rId3"/>
+          <a:srcRect/>
+          <a:stretch>
+            <a:fillRect/>
+          </a:stretch>
+        </p:blipFill>
+        <p:spPr bwMode="auto">
+          <a:prstGeom prst="rect">
+            <a:avLst/>
+          </a:prstGeom>
+          <a:noFill/>
+        </p:spPr>
+      </p:pic>
     </p:spTree>
   </p:cSld>
   <p:clrMapOvr>
@@ -13126,95 +13657,26 @@
           <a:lstStyle/>
           <a:p>
             <a:r>
-              <a:rPr lang="sk-SK" dirty="0" smtClean="0"/>
-              <a:t>Navrhnuté riešenie</a:t>
+              <a:rPr lang="en-US" dirty="0" err="1" smtClean="0"/>
+              <a:t>Aktu</a:t>
+            </a:r>
+            <a:r>
+              <a:rPr lang="sk-SK" dirty="0" smtClean="0"/>
+              <a:t>álny s</a:t>
+            </a:r>
+            <a:r>
+              <a:rPr lang="en-US" dirty="0" err="1" smtClean="0"/>
+              <a:t>tav</a:t>
+            </a:r>
+            <a:r>
+              <a:rPr lang="en-US" dirty="0" smtClean="0"/>
+              <a:t> </a:t>
+            </a:r>
+            <a:r>
+              <a:rPr lang="sk-SK" dirty="0" smtClean="0"/>
+              <a:t>vo WPAN 802.15</a:t>
             </a:r>
             <a:endParaRPr lang="en-US" dirty="0"/>
-          </a:p>
-        </p:txBody>
-      </p:sp>
-      <p:sp>
-        <p:nvSpPr>
-          <p:cNvPr id="3" name="Content Placeholder 2"/>
-          <p:cNvSpPr>
-            <a:spLocks noGrp="1"/>
-          </p:cNvSpPr>
-          <p:nvPr>
-            <p:ph idx="1"/>
-          </p:nvPr>
-        </p:nvSpPr>
-        <p:spPr/>
-        <p:txBody>
-          <a:bodyPr>
-            <a:normAutofit/>
-          </a:bodyPr>
-          <a:lstStyle/>
-          <a:p>
-            <a:r>
-              <a:rPr lang="sk-SK" dirty="0" smtClean="0"/>
-              <a:t>Hardvérové zabezpečenie</a:t>
-            </a:r>
-          </a:p>
-          <a:p>
-            <a:pPr lvl="1"/>
-            <a:r>
-              <a:rPr lang="sk-SK" dirty="0" smtClean="0"/>
-              <a:t>každý </a:t>
-            </a:r>
-            <a:r>
-              <a:rPr lang="sk-SK" dirty="0" smtClean="0"/>
-              <a:t>senzor osadený </a:t>
-            </a:r>
-            <a:r>
-              <a:rPr lang="sk-SK" dirty="0" smtClean="0"/>
-              <a:t>kryptoelement.</a:t>
-            </a:r>
-            <a:endParaRPr lang="sk-SK" dirty="0" smtClean="0"/>
-          </a:p>
-          <a:p>
-            <a:endParaRPr lang="sk-SK" dirty="0" smtClean="0"/>
-          </a:p>
-          <a:p>
-            <a:r>
-              <a:rPr lang="en-US" dirty="0" err="1" smtClean="0"/>
-              <a:t>Zabezpe</a:t>
-            </a:r>
-            <a:r>
-              <a:rPr lang="sk-SK" dirty="0" smtClean="0"/>
-              <a:t>čiť komunikáci</a:t>
-            </a:r>
-            <a:r>
-              <a:rPr lang="en-US" dirty="0" smtClean="0"/>
-              <a:t>u</a:t>
-            </a:r>
-            <a:r>
-              <a:rPr lang="sk-SK" dirty="0" smtClean="0"/>
-              <a:t> medzi</a:t>
-            </a:r>
-            <a:r>
-              <a:rPr lang="en-US" dirty="0" smtClean="0"/>
-              <a:t>:</a:t>
-            </a:r>
-            <a:endParaRPr lang="sk-SK" dirty="0" smtClean="0"/>
-          </a:p>
-          <a:p>
-            <a:pPr lvl="1"/>
-            <a:r>
-              <a:rPr lang="sk-SK" dirty="0" smtClean="0"/>
-              <a:t>senzorom,</a:t>
-            </a:r>
-          </a:p>
-          <a:p>
-            <a:pPr lvl="1"/>
-            <a:r>
-              <a:rPr lang="sk-SK" dirty="0" smtClean="0"/>
-              <a:t>najbližším zariadením s výpočtovým výkonom (cloud, HUB</a:t>
-            </a:r>
-            <a:r>
-              <a:rPr lang="sk-SK" dirty="0" smtClean="0"/>
-              <a:t>).</a:t>
-            </a:r>
-            <a:endParaRPr lang="sk-SK" dirty="0"/>
           </a:p>
         </p:txBody>
       </p:sp>
@@ -13240,9 +13702,103 @@
             </a:fld>
             <a:r>
               <a:rPr lang="en-US" dirty="0" smtClean="0"/>
-              <a:t>/26</a:t>
+              <a:t>/2</a:t>
+            </a:r>
+            <a:r>
+              <a:rPr lang="sk-SK" dirty="0" smtClean="0"/>
+              <a:t>7</a:t>
             </a:r>
             <a:endParaRPr lang="en-US" dirty="0"/>
+          </a:p>
+        </p:txBody>
+      </p:sp>
+      <p:sp>
+        <p:nvSpPr>
+          <p:cNvPr id="5" name="Content Placeholder 4"/>
+          <p:cNvSpPr>
+            <a:spLocks noGrp="1"/>
+          </p:cNvSpPr>
+          <p:nvPr>
+            <p:ph idx="1"/>
+          </p:nvPr>
+        </p:nvSpPr>
+        <p:spPr/>
+        <p:txBody>
+          <a:bodyPr/>
+          <a:lstStyle/>
+          <a:p>
+            <a:r>
+              <a:rPr lang="sk-SK" dirty="0" smtClean="0"/>
+              <a:t>Zabezpečenie hlavne </a:t>
+            </a:r>
+            <a:r>
+              <a:rPr lang="sk-SK" dirty="0" smtClean="0"/>
+              <a:t>na transpor</a:t>
+            </a:r>
+            <a:r>
+              <a:rPr lang="en-US" dirty="0" smtClean="0"/>
+              <a:t>t</a:t>
+            </a:r>
+            <a:r>
+              <a:rPr lang="sk-SK" dirty="0" smtClean="0"/>
+              <a:t>nej vrstve</a:t>
+            </a:r>
+            <a:endParaRPr lang="sk-SK" dirty="0" smtClean="0"/>
+          </a:p>
+          <a:p>
+            <a:endParaRPr lang="sk-SK" dirty="0" smtClean="0"/>
+          </a:p>
+          <a:p>
+            <a:r>
+              <a:rPr lang="sk-SK" dirty="0" smtClean="0"/>
+              <a:t>ANT</a:t>
+            </a:r>
+            <a:r>
+              <a:rPr lang="en-US" dirty="0" smtClean="0"/>
+              <a:t>:		</a:t>
+            </a:r>
+            <a:r>
+              <a:rPr lang="sk-SK" dirty="0" smtClean="0"/>
+              <a:t>AES</a:t>
+            </a:r>
+            <a:r>
+              <a:rPr lang="en-US" dirty="0" smtClean="0"/>
+              <a:t>-128</a:t>
+            </a:r>
+            <a:endParaRPr lang="sk-SK" dirty="0" smtClean="0"/>
+          </a:p>
+          <a:p>
+            <a:r>
+              <a:rPr lang="sk-SK" dirty="0" smtClean="0"/>
+              <a:t>Bluetooth</a:t>
+            </a:r>
+            <a:r>
+              <a:rPr lang="en-US" dirty="0" smtClean="0"/>
+              <a:t>:	AES-CMAC (128)</a:t>
+            </a:r>
+            <a:endParaRPr lang="sk-SK" dirty="0" smtClean="0"/>
+          </a:p>
+          <a:p>
+            <a:r>
+              <a:rPr lang="sk-SK" dirty="0" smtClean="0"/>
+              <a:t>ZigBee</a:t>
+            </a:r>
+            <a:r>
+              <a:rPr lang="en-US" dirty="0" smtClean="0"/>
+              <a:t>:		AES-128</a:t>
+            </a:r>
+            <a:endParaRPr lang="sk-SK" dirty="0" smtClean="0"/>
+          </a:p>
+          <a:p>
+            <a:r>
+              <a:rPr lang="sk-SK" dirty="0" smtClean="0"/>
+              <a:t>LoRa</a:t>
+            </a:r>
+            <a:r>
+              <a:rPr lang="en-US" dirty="0" smtClean="0"/>
+              <a:t>WAN:	AES-128</a:t>
+            </a:r>
+            <a:endParaRPr lang="sk-SK" dirty="0" smtClean="0"/>
           </a:p>
         </p:txBody>
       </p:sp>
@@ -13311,186 +13867,88 @@
             <p:ph idx="1"/>
           </p:nvPr>
         </p:nvSpPr>
-        <p:spPr>
-          <a:xfrm>
-            <a:off x="457200" y="1600200"/>
-            <a:ext cx="8229600" cy="4800600"/>
-          </a:xfrm>
-        </p:spPr>
+        <p:spPr/>
         <p:txBody>
           <a:bodyPr>
-            <a:normAutofit fontScale="85000" lnSpcReduction="20000"/>
+            <a:normAutofit lnSpcReduction="10000"/>
           </a:bodyPr>
           <a:lstStyle/>
           <a:p>
             <a:r>
               <a:rPr lang="sk-SK" dirty="0" smtClean="0"/>
-              <a:t>c</a:t>
-            </a:r>
+              <a:t>Hardvérové zabezpečenie</a:t>
+            </a:r>
+          </a:p>
+          <a:p>
+            <a:pPr lvl="1"/>
+            <a:r>
+              <a:rPr lang="sk-SK" dirty="0" smtClean="0"/>
+              <a:t>každý </a:t>
+            </a:r>
+            <a:r>
+              <a:rPr lang="sk-SK" dirty="0" smtClean="0"/>
+              <a:t>senzor osadený </a:t>
+            </a:r>
+            <a:r>
+              <a:rPr lang="sk-SK" dirty="0" smtClean="0"/>
+              <a:t>kryptoelement.</a:t>
+            </a:r>
+            <a:endParaRPr lang="sk-SK" dirty="0" smtClean="0"/>
+          </a:p>
+          <a:p>
+            <a:endParaRPr lang="sk-SK" dirty="0" smtClean="0"/>
+          </a:p>
+          <a:p>
             <a:r>
               <a:rPr lang="en-US" dirty="0" err="1" smtClean="0"/>
-              <a:t>entralizovan</a:t>
-            </a:r>
-            <a:r>
-              <a:rPr lang="sk-SK" dirty="0" smtClean="0"/>
-              <a:t>á </a:t>
-            </a:r>
-            <a:r>
-              <a:rPr lang="sk-SK" dirty="0" smtClean="0"/>
-              <a:t>architektúra siete</a:t>
-            </a:r>
-            <a:r>
-              <a:rPr lang="en-US" dirty="0" smtClean="0"/>
-              <a:t>,</a:t>
+              <a:t>Zabezpe</a:t>
+            </a:r>
+            <a:r>
+              <a:rPr lang="sk-SK" dirty="0" smtClean="0"/>
+              <a:t>čiť komunikáci</a:t>
+            </a:r>
+            <a:r>
+              <a:rPr lang="en-US" dirty="0" smtClean="0"/>
+              <a:t>u</a:t>
+            </a:r>
+            <a:r>
+              <a:rPr lang="sk-SK" dirty="0" smtClean="0"/>
+              <a:t> medzi</a:t>
+            </a:r>
+            <a:r>
+              <a:rPr lang="en-US" dirty="0" smtClean="0"/>
+              <a:t>:</a:t>
             </a:r>
             <a:endParaRPr lang="sk-SK" dirty="0" smtClean="0"/>
           </a:p>
           <a:p>
-            <a:r>
-              <a:rPr lang="sk-SK" dirty="0" smtClean="0"/>
-              <a:t>PKI</a:t>
-            </a:r>
-          </a:p>
-          <a:p>
             <a:pPr lvl="1"/>
             <a:r>
               <a:rPr lang="sk-SK" dirty="0" smtClean="0"/>
-              <a:t>RSA</a:t>
-            </a:r>
-            <a:r>
-              <a:rPr lang="en-US" dirty="0" smtClean="0"/>
-              <a:t>/ECC</a:t>
-            </a:r>
-            <a:r>
-              <a:rPr lang="sk-SK" dirty="0" smtClean="0"/>
-              <a:t>-AES</a:t>
-            </a:r>
-            <a:r>
-              <a:rPr lang="en-US" dirty="0" smtClean="0"/>
-              <a:t> + </a:t>
-            </a:r>
-            <a:r>
-              <a:rPr lang="en-US" dirty="0" err="1" smtClean="0"/>
-              <a:t>podpisov</a:t>
-            </a:r>
-            <a:r>
-              <a:rPr lang="sk-SK" dirty="0" smtClean="0"/>
-              <a:t>é schémy</a:t>
+              <a:t>senzorom,</a:t>
             </a:r>
           </a:p>
           <a:p>
             <a:pPr lvl="1"/>
             <a:r>
               <a:rPr lang="sk-SK" dirty="0" smtClean="0"/>
-              <a:t>Certifikáty (obmedzenej forme)</a:t>
+              <a:t>najbližším zariadením s výpočtovým výkonom (cloud, HUB</a:t>
+            </a:r>
+            <a:r>
+              <a:rPr lang="sk-SK" dirty="0" smtClean="0"/>
+              <a:t>).</a:t>
             </a:r>
           </a:p>
           <a:p>
             <a:pPr lvl="1"/>
-            <a:endParaRPr lang="en-US" dirty="0" smtClean="0"/>
-          </a:p>
-          <a:p>
-            <a:r>
-              <a:rPr lang="sk-SK" dirty="0" smtClean="0"/>
-              <a:t>Autentifikáciu na aplikačnej vrstve</a:t>
-            </a:r>
-          </a:p>
-          <a:p>
-            <a:pPr lvl="1"/>
-            <a:r>
-              <a:rPr lang="sk-SK" dirty="0" smtClean="0"/>
-              <a:t>ostatné aspekty inf. bezp. sa dajú z</a:t>
-            </a:r>
-            <a:r>
-              <a:rPr lang="en-US" dirty="0" smtClean="0"/>
-              <a:t>a</a:t>
-            </a:r>
-            <a:r>
-              <a:rPr lang="sk-SK" dirty="0" smtClean="0"/>
-              <a:t>bezpečiť nad touto vrstvou</a:t>
-            </a:r>
-          </a:p>
-          <a:p>
-            <a:pPr lvl="1"/>
+            <a:endParaRPr lang="sk-SK" dirty="0" smtClean="0"/>
+          </a:p>
+          <a:p>
+            <a:r>
+              <a:rPr lang="sk-SK" dirty="0" smtClean="0"/>
+              <a:t>ľudský faktor</a:t>
+            </a:r>
             <a:endParaRPr lang="sk-SK" dirty="0"/>
-          </a:p>
-          <a:p>
-            <a:r>
-              <a:rPr lang="en-US" dirty="0" err="1" smtClean="0"/>
-              <a:t>Overenie</a:t>
-            </a:r>
-            <a:r>
-              <a:rPr lang="sk-SK" dirty="0" smtClean="0"/>
-              <a:t> a porovnanie</a:t>
-            </a:r>
-            <a:r>
-              <a:rPr lang="en-US" dirty="0" smtClean="0"/>
-              <a:t> </a:t>
-            </a:r>
-            <a:r>
-              <a:rPr lang="en-US" dirty="0" err="1" smtClean="0"/>
-              <a:t>na</a:t>
-            </a:r>
-            <a:r>
-              <a:rPr lang="en-US" dirty="0" smtClean="0"/>
-              <a:t> </a:t>
-            </a:r>
-            <a:r>
-              <a:rPr lang="en-US" dirty="0" err="1" smtClean="0"/>
-              <a:t>rovnakej</a:t>
-            </a:r>
-            <a:r>
-              <a:rPr lang="en-US" dirty="0" smtClean="0"/>
-              <a:t> </a:t>
-            </a:r>
-            <a:r>
-              <a:rPr lang="en-US" dirty="0" err="1" smtClean="0"/>
-              <a:t>architekt</a:t>
-            </a:r>
-            <a:r>
-              <a:rPr lang="sk-SK" dirty="0" smtClean="0"/>
-              <a:t>úre</a:t>
-            </a:r>
-            <a:r>
-              <a:rPr lang="en-US" dirty="0" smtClean="0"/>
-              <a:t>:</a:t>
-            </a:r>
-          </a:p>
-          <a:p>
-            <a:pPr lvl="1"/>
-            <a:r>
-              <a:rPr lang="sk-SK" dirty="0" smtClean="0"/>
-              <a:t>nezabezpečené riešenie</a:t>
-            </a:r>
-            <a:endParaRPr lang="en-US" dirty="0" smtClean="0"/>
-          </a:p>
-          <a:p>
-            <a:pPr lvl="1"/>
-            <a:r>
-              <a:rPr lang="en-US" dirty="0" smtClean="0"/>
-              <a:t>S</a:t>
-            </a:r>
-            <a:r>
-              <a:rPr lang="sk-SK" dirty="0" smtClean="0"/>
-              <a:t>W </a:t>
-            </a:r>
-            <a:r>
-              <a:rPr lang="sk-SK" dirty="0" smtClean="0"/>
-              <a:t>a </a:t>
-            </a:r>
-            <a:r>
-              <a:rPr lang="en-US" dirty="0" smtClean="0"/>
-              <a:t>H</a:t>
-            </a:r>
-            <a:r>
-              <a:rPr lang="sk-SK" dirty="0" smtClean="0"/>
-              <a:t>W </a:t>
-            </a:r>
-            <a:r>
-              <a:rPr lang="sk-SK" dirty="0" smtClean="0"/>
-              <a:t>zabezpečenie</a:t>
-            </a:r>
-            <a:endParaRPr lang="en-US" dirty="0"/>
           </a:p>
         </p:txBody>
       </p:sp>
@@ -13516,7 +13974,11 @@
             </a:fld>
             <a:r>
               <a:rPr lang="en-US" dirty="0" smtClean="0"/>
-              <a:t>/26</a:t>
+              <a:t>/2</a:t>
+            </a:r>
+            <a:r>
+              <a:rPr lang="sk-SK" dirty="0" smtClean="0"/>
+              <a:t>7</a:t>
             </a:r>
             <a:endParaRPr lang="en-US" dirty="0"/>
           </a:p>
@@ -13566,113 +14028,207 @@
         </p:nvSpPr>
         <p:spPr/>
         <p:txBody>
+          <a:bodyPr/>
+          <a:lstStyle/>
+          <a:p>
+            <a:r>
+              <a:rPr lang="sk-SK" dirty="0" smtClean="0"/>
+              <a:t>Navrhnuté riešenie</a:t>
+            </a:r>
+            <a:endParaRPr lang="en-US" dirty="0"/>
+          </a:p>
+        </p:txBody>
+      </p:sp>
+      <p:sp>
+        <p:nvSpPr>
+          <p:cNvPr id="3" name="Content Placeholder 2"/>
+          <p:cNvSpPr>
+            <a:spLocks noGrp="1"/>
+          </p:cNvSpPr>
+          <p:nvPr>
+            <p:ph idx="1"/>
+          </p:nvPr>
+        </p:nvSpPr>
+        <p:spPr>
+          <a:xfrm>
+            <a:off x="457200" y="1600200"/>
+            <a:ext cx="8229600" cy="4800600"/>
+          </a:xfrm>
+        </p:spPr>
+        <p:txBody>
           <a:bodyPr>
-            <a:normAutofit fontScale="90000"/>
+            <a:normAutofit fontScale="85000" lnSpcReduction="20000"/>
           </a:bodyPr>
           <a:lstStyle/>
           <a:p>
             <a:r>
               <a:rPr lang="sk-SK" dirty="0" smtClean="0"/>
-              <a:t>Implementácia</a:t>
-            </a:r>
-            <a:r>
-              <a:rPr lang="en-US" dirty="0" smtClean="0"/>
-              <a:t>: </a:t>
-            </a:r>
-            <a:r>
-              <a:rPr lang="sk-SK" dirty="0" smtClean="0"/>
-              <a:t>Komunikačný protokol</a:t>
+              <a:t>c</a:t>
+            </a:r>
+            <a:r>
+              <a:rPr lang="en-US" dirty="0" err="1" smtClean="0"/>
+              <a:t>entralizovan</a:t>
+            </a:r>
+            <a:r>
+              <a:rPr lang="sk-SK" dirty="0" smtClean="0"/>
+              <a:t>á </a:t>
+            </a:r>
+            <a:r>
+              <a:rPr lang="sk-SK" dirty="0" smtClean="0"/>
+              <a:t>architektúra siete</a:t>
+            </a:r>
+            <a:r>
+              <a:rPr lang="en-US" dirty="0" smtClean="0"/>
+              <a:t>,</a:t>
+            </a:r>
+            <a:endParaRPr lang="sk-SK" dirty="0" smtClean="0"/>
+          </a:p>
+          <a:p>
+            <a:r>
+              <a:rPr lang="sk-SK" dirty="0" smtClean="0"/>
+              <a:t>PKI</a:t>
+            </a:r>
+          </a:p>
+          <a:p>
+            <a:pPr lvl="1"/>
+            <a:r>
+              <a:rPr lang="sk-SK" dirty="0" smtClean="0"/>
+              <a:t>RSA</a:t>
+            </a:r>
+            <a:r>
+              <a:rPr lang="en-US" dirty="0" smtClean="0"/>
+              <a:t>/ECC</a:t>
+            </a:r>
+            <a:r>
+              <a:rPr lang="sk-SK" dirty="0" smtClean="0"/>
+              <a:t>-AES</a:t>
+            </a:r>
+            <a:r>
+              <a:rPr lang="en-US" dirty="0" smtClean="0"/>
+              <a:t> + </a:t>
+            </a:r>
+            <a:r>
+              <a:rPr lang="en-US" dirty="0" err="1" smtClean="0"/>
+              <a:t>podpisov</a:t>
+            </a:r>
+            <a:r>
+              <a:rPr lang="sk-SK" dirty="0" smtClean="0"/>
+              <a:t>é schémy</a:t>
+            </a:r>
+          </a:p>
+          <a:p>
+            <a:pPr lvl="1"/>
+            <a:r>
+              <a:rPr lang="sk-SK" dirty="0" smtClean="0"/>
+              <a:t>Certifikáty (obmedzenej forme)</a:t>
+            </a:r>
+          </a:p>
+          <a:p>
+            <a:pPr lvl="1"/>
+            <a:endParaRPr lang="en-US" dirty="0" smtClean="0"/>
+          </a:p>
+          <a:p>
+            <a:r>
+              <a:rPr lang="sk-SK" dirty="0" smtClean="0"/>
+              <a:t>Autentifikáciu na aplikačnej vrstve</a:t>
+            </a:r>
+          </a:p>
+          <a:p>
+            <a:pPr lvl="1"/>
+            <a:r>
+              <a:rPr lang="sk-SK" dirty="0" smtClean="0"/>
+              <a:t>ostatné aspekty inf. bezp. sa dajú z</a:t>
+            </a:r>
+            <a:r>
+              <a:rPr lang="en-US" dirty="0" smtClean="0"/>
+              <a:t>a</a:t>
+            </a:r>
+            <a:r>
+              <a:rPr lang="sk-SK" dirty="0" smtClean="0"/>
+              <a:t>bezpečiť nad touto vrstvou</a:t>
+            </a:r>
+          </a:p>
+          <a:p>
+            <a:pPr lvl="1"/>
+            <a:endParaRPr lang="sk-SK" dirty="0"/>
+          </a:p>
+          <a:p>
+            <a:r>
+              <a:rPr lang="en-US" dirty="0" err="1" smtClean="0"/>
+              <a:t>Overenie</a:t>
+            </a:r>
+            <a:r>
+              <a:rPr lang="sk-SK" dirty="0" smtClean="0"/>
+              <a:t> a porovnanie</a:t>
+            </a:r>
+            <a:r>
+              <a:rPr lang="en-US" dirty="0" smtClean="0"/>
+              <a:t> </a:t>
+            </a:r>
+            <a:r>
+              <a:rPr lang="en-US" dirty="0" err="1" smtClean="0"/>
+              <a:t>na</a:t>
+            </a:r>
+            <a:r>
+              <a:rPr lang="en-US" dirty="0" smtClean="0"/>
+              <a:t> </a:t>
+            </a:r>
+            <a:r>
+              <a:rPr lang="en-US" dirty="0" err="1" smtClean="0"/>
+              <a:t>rovnakej</a:t>
+            </a:r>
+            <a:r>
+              <a:rPr lang="en-US" dirty="0" smtClean="0"/>
+              <a:t> </a:t>
+            </a:r>
+            <a:r>
+              <a:rPr lang="en-US" dirty="0" err="1" smtClean="0"/>
+              <a:t>architekt</a:t>
+            </a:r>
+            <a:r>
+              <a:rPr lang="sk-SK" dirty="0" smtClean="0"/>
+              <a:t>úre</a:t>
+            </a:r>
+            <a:r>
+              <a:rPr lang="en-US" dirty="0" smtClean="0"/>
+              <a:t>:</a:t>
+            </a:r>
+          </a:p>
+          <a:p>
+            <a:pPr lvl="1"/>
+            <a:r>
+              <a:rPr lang="sk-SK" dirty="0" smtClean="0"/>
+              <a:t>nezabezpečené riešenie</a:t>
+            </a:r>
+            <a:endParaRPr lang="en-US" dirty="0" smtClean="0"/>
+          </a:p>
+          <a:p>
+            <a:pPr lvl="1"/>
+            <a:r>
+              <a:rPr lang="en-US" dirty="0" smtClean="0"/>
+              <a:t>S</a:t>
+            </a:r>
+            <a:r>
+              <a:rPr lang="sk-SK" dirty="0" smtClean="0"/>
+              <a:t>W </a:t>
+            </a:r>
+            <a:r>
+              <a:rPr lang="sk-SK" dirty="0" smtClean="0"/>
+              <a:t>a </a:t>
+            </a:r>
+            <a:r>
+              <a:rPr lang="en-US" dirty="0" smtClean="0"/>
+              <a:t>H</a:t>
+            </a:r>
+            <a:r>
+              <a:rPr lang="sk-SK" dirty="0" smtClean="0"/>
+              <a:t>W </a:t>
+            </a:r>
+            <a:r>
+              <a:rPr lang="sk-SK" dirty="0" smtClean="0"/>
+              <a:t>zabezpečenie</a:t>
             </a:r>
             <a:endParaRPr lang="en-US" dirty="0"/>
-          </a:p>
-        </p:txBody>
-      </p:sp>
-      <p:sp>
-        <p:nvSpPr>
-          <p:cNvPr id="3" name="Content Placeholder 2"/>
-          <p:cNvSpPr>
-            <a:spLocks noGrp="1"/>
-          </p:cNvSpPr>
-          <p:nvPr>
-            <p:ph idx="1"/>
-          </p:nvPr>
-        </p:nvSpPr>
-        <p:spPr/>
-        <p:txBody>
-          <a:bodyPr>
-            <a:normAutofit/>
-          </a:bodyPr>
-          <a:lstStyle/>
-          <a:p>
-            <a:r>
-              <a:rPr lang="en-US" dirty="0" smtClean="0"/>
-              <a:t>Nordic </a:t>
-            </a:r>
-            <a:r>
-              <a:rPr lang="en-US" dirty="0" smtClean="0"/>
-              <a:t>Semi</a:t>
-            </a:r>
-            <a:r>
-              <a:rPr lang="sk-SK" dirty="0" smtClean="0"/>
-              <a:t>conductors</a:t>
-            </a:r>
-            <a:r>
-              <a:rPr lang="en-US" dirty="0" smtClean="0"/>
-              <a:t> </a:t>
-            </a:r>
-            <a:r>
-              <a:rPr lang="en-US" dirty="0" smtClean="0"/>
-              <a:t>(nRF51422)</a:t>
-            </a:r>
-            <a:endParaRPr lang="en-US" dirty="0" smtClean="0"/>
-          </a:p>
-          <a:p>
-            <a:pPr lvl="1"/>
-            <a:r>
-              <a:rPr lang="en-US" dirty="0" smtClean="0"/>
-              <a:t>C</a:t>
-            </a:r>
-            <a:r>
-              <a:rPr lang="sk-SK" dirty="0" smtClean="0"/>
-              <a:t>,</a:t>
-            </a:r>
-            <a:endParaRPr lang="sk-SK" dirty="0" smtClean="0"/>
-          </a:p>
-          <a:p>
-            <a:pPr lvl="1"/>
-            <a:r>
-              <a:rPr lang="sk-SK" dirty="0" smtClean="0"/>
-              <a:t>ANT SoftDevice, 2.4 </a:t>
-            </a:r>
-            <a:r>
-              <a:rPr lang="sk-SK" dirty="0" smtClean="0"/>
-              <a:t>GHz,</a:t>
-            </a:r>
-            <a:endParaRPr lang="sk-SK" dirty="0" smtClean="0"/>
-          </a:p>
-          <a:p>
-            <a:pPr lvl="1"/>
-            <a:r>
-              <a:rPr lang="sk-SK" dirty="0" smtClean="0"/>
-              <a:t>32bit </a:t>
-            </a:r>
-            <a:r>
-              <a:rPr lang="sk-SK" dirty="0" smtClean="0"/>
-              <a:t>architektúra,</a:t>
-            </a:r>
-            <a:endParaRPr lang="sk-SK" dirty="0" smtClean="0"/>
-          </a:p>
-          <a:p>
-            <a:pPr lvl="1"/>
-            <a:r>
-              <a:rPr lang="sk-SK" dirty="0" smtClean="0"/>
-              <a:t>256 kB program, 16kB </a:t>
-            </a:r>
-            <a:r>
-              <a:rPr lang="sk-SK" dirty="0" smtClean="0"/>
-              <a:t>RAM.</a:t>
-            </a:r>
-            <a:endParaRPr lang="sk-SK" dirty="0" smtClean="0"/>
           </a:p>
         </p:txBody>
       </p:sp>
@@ -13698,7 +14254,11 @@
             </a:fld>
             <a:r>
               <a:rPr lang="en-US" dirty="0" smtClean="0"/>
-              <a:t>/26</a:t>
+              <a:t>/2</a:t>
+            </a:r>
+            <a:r>
+              <a:rPr lang="sk-SK" dirty="0" smtClean="0"/>
+              <a:t>7</a:t>
             </a:r>
             <a:endParaRPr lang="en-US" dirty="0"/>
           </a:p>
@@ -13749,7 +14309,7 @@
         <p:spPr/>
         <p:txBody>
           <a:bodyPr>
-            <a:normAutofit/>
+            <a:normAutofit fontScale="90000"/>
           </a:bodyPr>
           <a:lstStyle/>
           <a:p>
@@ -13759,100 +14319,102 @@
             </a:r>
             <a:r>
               <a:rPr lang="en-US" dirty="0" smtClean="0"/>
-              <a:t>:  RF k</a:t>
-            </a:r>
-            <a:r>
-              <a:rPr lang="sk-SK" dirty="0" smtClean="0"/>
-              <a:t>omuniká</a:t>
-            </a:r>
-            <a:r>
-              <a:rPr lang="en-US" dirty="0" err="1" smtClean="0"/>
-              <a:t>cia</a:t>
-            </a:r>
-            <a:endParaRPr lang="en-US" i="1" dirty="0"/>
-          </a:p>
-        </p:txBody>
-      </p:sp>
-      <p:pic>
-        <p:nvPicPr>
-          <p:cNvPr id="1027" name="Picture 3"/>
-          <p:cNvPicPr>
-            <a:picLocks noGrp="1" noChangeAspect="1" noChangeArrowheads="1"/>
-          </p:cNvPicPr>
-          <p:nvPr>
-            <p:ph sz="half" idx="1"/>
-          </p:nvPr>
-        </p:nvPicPr>
-        <p:blipFill>
-          <a:blip r:embed="rId2"/>
-          <a:srcRect t="1710"/>
-          <a:stretch>
-            <a:fillRect/>
-          </a:stretch>
-        </p:blipFill>
-        <p:spPr bwMode="auto">
-          <a:xfrm>
-            <a:off x="495869" y="1130710"/>
-            <a:ext cx="7771262" cy="5117690"/>
-          </a:xfrm>
-          <a:prstGeom prst="rect">
-            <a:avLst/>
-          </a:prstGeom>
-          <a:noFill/>
-          <a:ln w="9525">
-            <a:noFill/>
-            <a:miter lim="800000"/>
-            <a:headEnd/>
-            <a:tailEnd/>
-          </a:ln>
-          <a:effectLst/>
-        </p:spPr>
-      </p:pic>
-      <p:sp>
-        <p:nvSpPr>
-          <p:cNvPr id="5" name="Content Placeholder 4"/>
-          <p:cNvSpPr>
-            <a:spLocks noGrp="1"/>
-          </p:cNvSpPr>
-          <p:nvPr>
-            <p:ph sz="half" idx="2"/>
-          </p:nvPr>
-        </p:nvSpPr>
-        <p:spPr>
-          <a:xfrm>
-            <a:off x="762000" y="6172200"/>
-            <a:ext cx="3581400" cy="609600"/>
-          </a:xfrm>
-        </p:spPr>
+              <a:t>: </a:t>
+            </a:r>
+            <a:r>
+              <a:rPr lang="sk-SK" dirty="0" smtClean="0"/>
+              <a:t>Bezdrôtová komunikácia</a:t>
+            </a:r>
+            <a:endParaRPr lang="en-US" dirty="0"/>
+          </a:p>
+        </p:txBody>
+      </p:sp>
+      <p:sp>
+        <p:nvSpPr>
+          <p:cNvPr id="3" name="Content Placeholder 2"/>
+          <p:cNvSpPr>
+            <a:spLocks noGrp="1"/>
+          </p:cNvSpPr>
+          <p:nvPr>
+            <p:ph idx="1"/>
+          </p:nvPr>
+        </p:nvSpPr>
+        <p:spPr/>
         <p:txBody>
           <a:bodyPr>
             <a:normAutofit/>
           </a:bodyPr>
           <a:lstStyle/>
           <a:p>
-            <a:pPr>
-              <a:buNone/>
-            </a:pPr>
-            <a:r>
-              <a:rPr lang="en-US" dirty="0" smtClean="0"/>
-              <a:t>"</a:t>
-            </a:r>
-            <a:r>
-              <a:rPr lang="sk-SK" dirty="0" smtClean="0"/>
-              <a:t>Master</a:t>
-            </a:r>
-            <a:r>
-              <a:rPr lang="en-US" dirty="0" smtClean="0"/>
-              <a:t>"</a:t>
-            </a:r>
-            <a:r>
-              <a:rPr lang="sk-SK" dirty="0" smtClean="0"/>
+            <a:r>
+              <a:rPr lang="en-US" dirty="0" smtClean="0"/>
+              <a:t>Nordic </a:t>
+            </a:r>
+            <a:r>
+              <a:rPr lang="en-US" dirty="0" smtClean="0"/>
+              <a:t>Semi</a:t>
+            </a:r>
+            <a:r>
+              <a:rPr lang="sk-SK" dirty="0" smtClean="0"/>
+              <a:t>conductors</a:t>
+            </a:r>
+            <a:r>
+              <a:rPr lang="en-US" dirty="0" smtClean="0"/>
               <a:t> </a:t>
             </a:r>
             <a:r>
-              <a:rPr lang="sk-SK" sz="1800" dirty="0" smtClean="0"/>
-              <a:t>kontakt s prostredím</a:t>
-            </a:r>
+              <a:rPr lang="en-US" dirty="0" smtClean="0"/>
+              <a:t>(nRF51422)</a:t>
+            </a:r>
+            <a:endParaRPr lang="en-US" dirty="0" smtClean="0"/>
+          </a:p>
+          <a:p>
+            <a:pPr lvl="1"/>
+            <a:r>
+              <a:rPr lang="en-US" dirty="0" smtClean="0"/>
+              <a:t>C</a:t>
+            </a:r>
+            <a:r>
+              <a:rPr lang="sk-SK" dirty="0" smtClean="0"/>
+              <a:t>,</a:t>
+            </a:r>
+            <a:endParaRPr lang="sk-SK" dirty="0" smtClean="0"/>
+          </a:p>
+          <a:p>
+            <a:pPr lvl="1"/>
+            <a:r>
+              <a:rPr lang="sk-SK" dirty="0" smtClean="0"/>
+              <a:t>ANT SoftDevice, 2.4 </a:t>
+            </a:r>
+            <a:r>
+              <a:rPr lang="sk-SK" dirty="0" smtClean="0"/>
+              <a:t>GHz,</a:t>
+            </a:r>
+            <a:endParaRPr lang="sk-SK" dirty="0" smtClean="0"/>
+          </a:p>
+          <a:p>
+            <a:pPr lvl="1"/>
+            <a:r>
+              <a:rPr lang="sk-SK" dirty="0" smtClean="0"/>
+              <a:t>32bit </a:t>
+            </a:r>
+            <a:r>
+              <a:rPr lang="sk-SK" dirty="0" smtClean="0"/>
+              <a:t>architektúra,</a:t>
+            </a:r>
+            <a:endParaRPr lang="sk-SK" dirty="0" smtClean="0"/>
+          </a:p>
+          <a:p>
+            <a:pPr lvl="1"/>
+            <a:r>
+              <a:rPr lang="sk-SK" dirty="0" smtClean="0"/>
+              <a:t>256 kB program, 16kB </a:t>
+            </a:r>
+            <a:r>
+              <a:rPr lang="sk-SK" dirty="0" smtClean="0"/>
+              <a:t>RAM.</a:t>
+            </a:r>
+            <a:endParaRPr lang="sk-SK" dirty="0" smtClean="0"/>
           </a:p>
         </p:txBody>
       </p:sp>
@@ -13878,79 +14440,13 @@
             </a:fld>
             <a:r>
               <a:rPr lang="en-US" dirty="0" smtClean="0"/>
-              <a:t>/26</a:t>
+              <a:t>/2</a:t>
+            </a:r>
+            <a:r>
+              <a:rPr lang="sk-SK" dirty="0" smtClean="0"/>
+              <a:t>7</a:t>
             </a:r>
             <a:endParaRPr lang="en-US" dirty="0"/>
-          </a:p>
-        </p:txBody>
-      </p:sp>
-      <p:sp>
-        <p:nvSpPr>
-          <p:cNvPr id="6" name="Content Placeholder 4"/>
-          <p:cNvSpPr txBox="1">
-            <a:spLocks/>
-          </p:cNvSpPr>
-          <p:nvPr/>
-        </p:nvSpPr>
-        <p:spPr>
-          <a:xfrm>
-            <a:off x="6553200" y="6172200"/>
-            <a:ext cx="1295400" cy="609600"/>
-          </a:xfrm>
-          <a:prstGeom prst="rect">
-            <a:avLst/>
-          </a:prstGeom>
-        </p:spPr>
-        <p:txBody>
-          <a:bodyPr vert="horz" lIns="91440" tIns="45720" rIns="91440" bIns="45720" rtlCol="0">
-            <a:normAutofit/>
-          </a:bodyPr>
-          <a:lstStyle/>
-          <a:p>
-            <a:pPr marL="342900" lvl="0" indent="-342900">
-              <a:spcBef>
-                <a:spcPct val="20000"/>
-              </a:spcBef>
-            </a:pPr>
-            <a:r>
-              <a:rPr lang="en-US" sz="2800" dirty="0" smtClean="0"/>
-              <a:t>"</a:t>
-            </a:r>
-            <a:r>
-              <a:rPr kumimoji="0" lang="sk-SK" sz="2800" b="0" i="0" u="none" strike="noStrike" kern="1200" cap="none" spc="0" normalizeH="0" baseline="0" noProof="0" dirty="0" smtClean="0">
-                <a:ln>
-                  <a:noFill/>
-                </a:ln>
-                <a:solidFill>
-                  <a:schemeClr val="tx1"/>
-                </a:solidFill>
-                <a:effectLst/>
-                <a:uLnTx/>
-                <a:uFillTx/>
-                <a:latin typeface="+mn-lt"/>
-                <a:ea typeface="+mn-ea"/>
-                <a:cs typeface="+mn-cs"/>
-              </a:rPr>
-              <a:t>Slave</a:t>
-            </a:r>
-            <a:r>
-              <a:rPr lang="en-US" sz="2800" dirty="0" smtClean="0"/>
-              <a:t>"</a:t>
-            </a:r>
-            <a:endParaRPr kumimoji="0" lang="en-US" sz="1800" b="0" i="0" u="none" strike="noStrike" kern="1200" cap="none" spc="0" normalizeH="0" baseline="0" noProof="0" dirty="0">
-              <a:ln>
-                <a:noFill/>
-              </a:ln>
-              <a:solidFill>
-                <a:schemeClr val="tx1"/>
-              </a:solidFill>
-              <a:effectLst/>
-              <a:uLnTx/>
-              <a:uFillTx/>
-              <a:latin typeface="+mn-lt"/>
-              <a:ea typeface="+mn-ea"/>
-              <a:cs typeface="+mn-cs"/>
-            </a:endParaRPr>
           </a:p>
         </p:txBody>
       </p:sp>

--- a/Obhajoba/xdoubravsky_dp.pptx
+++ b/Obhajoba/xdoubravsky_dp.pptx
@@ -31,20 +31,20 @@
     <p:sldId id="266" r:id="rId22"/>
     <p:sldId id="292" r:id="rId23"/>
     <p:sldId id="293" r:id="rId24"/>
-    <p:sldId id="294" r:id="rId25"/>
-    <p:sldId id="273" r:id="rId26"/>
-    <p:sldId id="259" r:id="rId27"/>
-    <p:sldId id="282" r:id="rId28"/>
-    <p:sldId id="263" r:id="rId29"/>
-    <p:sldId id="260" r:id="rId30"/>
-    <p:sldId id="269" r:id="rId31"/>
-    <p:sldId id="261" r:id="rId32"/>
-    <p:sldId id="267" r:id="rId33"/>
-    <p:sldId id="288" r:id="rId34"/>
-    <p:sldId id="268" r:id="rId35"/>
-    <p:sldId id="291" r:id="rId36"/>
-    <p:sldId id="290" r:id="rId37"/>
-    <p:sldId id="295" r:id="rId38"/>
+    <p:sldId id="273" r:id="rId25"/>
+    <p:sldId id="259" r:id="rId26"/>
+    <p:sldId id="282" r:id="rId27"/>
+    <p:sldId id="263" r:id="rId28"/>
+    <p:sldId id="260" r:id="rId29"/>
+    <p:sldId id="269" r:id="rId30"/>
+    <p:sldId id="261" r:id="rId31"/>
+    <p:sldId id="267" r:id="rId32"/>
+    <p:sldId id="288" r:id="rId33"/>
+    <p:sldId id="268" r:id="rId34"/>
+    <p:sldId id="291" r:id="rId35"/>
+    <p:sldId id="290" r:id="rId36"/>
+    <p:sldId id="295" r:id="rId37"/>
+    <p:sldId id="294" r:id="rId38"/>
   </p:sldIdLst>
   <p:sldSz cx="9144000" cy="6858000" type="screen4x3"/>
   <p:notesSz cx="6858000" cy="9144000"/>
@@ -1524,21 +1524,13 @@
             </a:r>
             <a:r>
               <a:rPr lang="sk-SK" baseline="0" dirty="0" smtClean="0"/>
-              <a:t> </a:t>
-            </a:r>
+              <a:t> generuju data,</a:t>
+            </a:r>
+          </a:p>
+          <a:p>
             <a:r>
               <a:rPr lang="sk-SK" baseline="0" dirty="0" smtClean="0"/>
-              <a:t>generuju data,</a:t>
-            </a:r>
-          </a:p>
-          <a:p>
-            <a:r>
-              <a:rPr lang="sk-SK" baseline="0" dirty="0" smtClean="0"/>
-              <a:t>Implementovane </a:t>
-            </a:r>
-            <a:r>
-              <a:rPr lang="sk-SK" baseline="0" dirty="0" smtClean="0"/>
-              <a:t>timeout</a:t>
+              <a:t>Implementovane timeout</a:t>
             </a:r>
           </a:p>
           <a:p>
@@ -1644,10 +1636,6 @@
           </a:bodyPr>
           <a:lstStyle/>
           <a:p>
-            <a:r>
-              <a:rPr lang="sk-SK" dirty="0" smtClean="0"/>
-              <a:t>Dopad na rýhlosť</a:t>
-            </a:r>
             <a:endParaRPr lang="en-US" dirty="0"/>
           </a:p>
         </p:txBody>
@@ -1670,7 +1658,7 @@
             <a:fld id="{72CCBEF4-1BE4-4B48-AF24-6E8DE69994C4}" type="slidenum">
               <a:rPr lang="en-US" smtClean="0"/>
               <a:pPr/>
-              <a:t>27</a:t>
+              <a:t>24</a:t>
             </a:fld>
             <a:endParaRPr lang="en-US"/>
           </a:p>
@@ -1730,6 +1718,10 @@
           </a:bodyPr>
           <a:lstStyle/>
           <a:p>
+            <a:r>
+              <a:rPr lang="sk-SK" dirty="0" smtClean="0"/>
+              <a:t>Dopad na rýhlosť</a:t>
+            </a:r>
             <a:endParaRPr lang="en-US" dirty="0"/>
           </a:p>
         </p:txBody>
@@ -1752,7 +1744,7 @@
             <a:fld id="{72CCBEF4-1BE4-4B48-AF24-6E8DE69994C4}" type="slidenum">
               <a:rPr lang="en-US" smtClean="0"/>
               <a:pPr/>
-              <a:t>29</a:t>
+              <a:t>26</a:t>
             </a:fld>
             <a:endParaRPr lang="en-US"/>
           </a:p>
@@ -1812,43 +1804,6 @@
           </a:bodyPr>
           <a:lstStyle/>
           <a:p>
-            <a:r>
-              <a:rPr lang="sk-SK" dirty="0" smtClean="0"/>
-              <a:t>Veľkosť</a:t>
-            </a:r>
-            <a:r>
-              <a:rPr lang="sk-SK" baseline="0" dirty="0" smtClean="0"/>
-              <a:t> siete, rozšíriteľnosti</a:t>
-            </a:r>
-            <a:endParaRPr lang="sk-SK" dirty="0" smtClean="0"/>
-          </a:p>
-          <a:p>
-            <a:r>
-              <a:rPr lang="sk-SK" dirty="0" smtClean="0"/>
-              <a:t>Rychlost, cena,</a:t>
-            </a:r>
-          </a:p>
-          <a:p>
-            <a:r>
-              <a:rPr lang="sk-SK" dirty="0" smtClean="0"/>
-              <a:t>Frekvencia</a:t>
-            </a:r>
-            <a:r>
-              <a:rPr lang="sk-SK" baseline="0" dirty="0" smtClean="0"/>
-              <a:t> nosnej vlny</a:t>
-            </a:r>
-          </a:p>
-          <a:p>
-            <a:r>
-              <a:rPr lang="sk-SK" baseline="0" dirty="0" smtClean="0"/>
-              <a:t>Prenosove ryhlosti</a:t>
-            </a:r>
-          </a:p>
-          <a:p>
-            <a:r>
-              <a:rPr lang="sk-SK" baseline="0" dirty="0" smtClean="0"/>
-              <a:t>kódovania</a:t>
-            </a:r>
             <a:endParaRPr lang="en-US" dirty="0"/>
           </a:p>
         </p:txBody>
@@ -1871,7 +1826,126 @@
             <a:fld id="{72CCBEF4-1BE4-4B48-AF24-6E8DE69994C4}" type="slidenum">
               <a:rPr lang="en-US" smtClean="0"/>
               <a:pPr/>
-              <a:t>30</a:t>
+              <a:t>28</a:t>
+            </a:fld>
+            <a:endParaRPr lang="en-US"/>
+          </a:p>
+        </p:txBody>
+      </p:sp>
+    </p:spTree>
+  </p:cSld>
+  <p:clrMapOvr>
+    <a:masterClrMapping/>
+  </p:clrMapOvr>
+</p:notes>
+</file>
+
+<file path=ppt/notesSlides/notesSlide19.xml><?xml version="1.0" encoding="utf-8"?>
+<p:notes xmlns:a="http://schemas.openxmlformats.org/drawingml/2006/main" xmlns:r="http://schemas.openxmlformats.org/officeDocument/2006/relationships" xmlns:p="http://schemas.openxmlformats.org/presentationml/2006/main">
+  <p:cSld>
+    <p:spTree>
+      <p:nvGrpSpPr>
+        <p:cNvPr id="1" name=""/>
+        <p:cNvGrpSpPr/>
+        <p:nvPr/>
+      </p:nvGrpSpPr>
+      <p:grpSpPr>
+        <a:xfrm>
+          <a:off x="0" y="0"/>
+          <a:ext cx="0" cy="0"/>
+          <a:chOff x="0" y="0"/>
+          <a:chExt cx="0" cy="0"/>
+        </a:xfrm>
+      </p:grpSpPr>
+      <p:sp>
+        <p:nvSpPr>
+          <p:cNvPr id="2" name="Slide Image Placeholder 1"/>
+          <p:cNvSpPr>
+            <a:spLocks noGrp="1" noRot="1" noChangeAspect="1"/>
+          </p:cNvSpPr>
+          <p:nvPr>
+            <p:ph type="sldImg"/>
+          </p:nvPr>
+        </p:nvSpPr>
+        <p:spPr/>
+      </p:sp>
+      <p:sp>
+        <p:nvSpPr>
+          <p:cNvPr id="3" name="Notes Placeholder 2"/>
+          <p:cNvSpPr>
+            <a:spLocks noGrp="1"/>
+          </p:cNvSpPr>
+          <p:nvPr>
+            <p:ph type="body" idx="1"/>
+          </p:nvPr>
+        </p:nvSpPr>
+        <p:spPr/>
+        <p:txBody>
+          <a:bodyPr>
+            <a:normAutofit/>
+          </a:bodyPr>
+          <a:lstStyle/>
+          <a:p>
+            <a:r>
+              <a:rPr lang="sk-SK" dirty="0" smtClean="0"/>
+              <a:t>Veľkosť</a:t>
+            </a:r>
+            <a:r>
+              <a:rPr lang="sk-SK" baseline="0" dirty="0" smtClean="0"/>
+              <a:t> siete, rozšíriteľnosti</a:t>
+            </a:r>
+            <a:endParaRPr lang="sk-SK" dirty="0" smtClean="0"/>
+          </a:p>
+          <a:p>
+            <a:r>
+              <a:rPr lang="sk-SK" dirty="0" smtClean="0"/>
+              <a:t>Rychlost, cena,</a:t>
+            </a:r>
+          </a:p>
+          <a:p>
+            <a:r>
+              <a:rPr lang="sk-SK" dirty="0" smtClean="0"/>
+              <a:t>Frekvencia</a:t>
+            </a:r>
+            <a:r>
+              <a:rPr lang="sk-SK" baseline="0" dirty="0" smtClean="0"/>
+              <a:t> nosnej vlny</a:t>
+            </a:r>
+          </a:p>
+          <a:p>
+            <a:r>
+              <a:rPr lang="sk-SK" baseline="0" dirty="0" smtClean="0"/>
+              <a:t>Prenosove ryhlosti</a:t>
+            </a:r>
+          </a:p>
+          <a:p>
+            <a:r>
+              <a:rPr lang="sk-SK" baseline="0" dirty="0" smtClean="0"/>
+              <a:t>kódovania</a:t>
+            </a:r>
+            <a:endParaRPr lang="en-US" dirty="0"/>
+          </a:p>
+        </p:txBody>
+      </p:sp>
+      <p:sp>
+        <p:nvSpPr>
+          <p:cNvPr id="4" name="Slide Number Placeholder 3"/>
+          <p:cNvSpPr>
+            <a:spLocks noGrp="1"/>
+          </p:cNvSpPr>
+          <p:nvPr>
+            <p:ph type="sldNum" sz="quarter" idx="10"/>
+          </p:nvPr>
+        </p:nvSpPr>
+        <p:spPr/>
+        <p:txBody>
+          <a:bodyPr/>
+          <a:lstStyle/>
+          <a:p>
+            <a:fld id="{72CCBEF4-1BE4-4B48-AF24-6E8DE69994C4}" type="slidenum">
+              <a:rPr lang="en-US" smtClean="0"/>
+              <a:pPr/>
+              <a:t>29</a:t>
             </a:fld>
             <a:endParaRPr lang="en-US"/>
           </a:p>
@@ -1941,16 +2015,11 @@
               <a:rPr lang="sk-SK" dirty="0" smtClean="0"/>
               <a:t>	Slabiny</a:t>
             </a:r>
-            <a:endParaRPr lang="sk-SK" dirty="0" smtClean="0"/>
-          </a:p>
-          <a:p>
-            <a:r>
-              <a:rPr lang="sk-SK" dirty="0" smtClean="0"/>
-              <a:t>	Vypoctovy </a:t>
-            </a:r>
-            <a:r>
-              <a:rPr lang="sk-SK" dirty="0" smtClean="0"/>
-              <a:t>vykon zariadeni rastie</a:t>
+          </a:p>
+          <a:p>
+            <a:r>
+              <a:rPr lang="sk-SK" dirty="0" smtClean="0"/>
+              <a:t>	Vypoctovy vykon zariadeni rastie</a:t>
             </a:r>
             <a:endParaRPr lang="en-US" dirty="0"/>
           </a:p>
@@ -2034,27 +2103,6 @@
           </a:bodyPr>
           <a:lstStyle/>
           <a:p>
-            <a:r>
-              <a:rPr lang="sk-SK" dirty="0" smtClean="0"/>
-              <a:t>Technologický pokrok</a:t>
-            </a:r>
-          </a:p>
-          <a:p>
-            <a:r>
-              <a:rPr lang="sk-SK" dirty="0" smtClean="0"/>
-              <a:t>	Slabiny</a:t>
-            </a:r>
-            <a:endParaRPr lang="sk-SK" dirty="0" smtClean="0"/>
-          </a:p>
-          <a:p>
-            <a:r>
-              <a:rPr lang="sk-SK" dirty="0" smtClean="0"/>
-              <a:t>	Vypoctovy </a:t>
-            </a:r>
-            <a:r>
-              <a:rPr lang="sk-SK" dirty="0" smtClean="0"/>
-              <a:t>vykon zariadeni rastie</a:t>
-            </a:r>
             <a:endParaRPr lang="en-US" dirty="0"/>
           </a:p>
         </p:txBody>
@@ -2252,8 +2300,12 @@
               <a:t> </a:t>
             </a:r>
             <a:r>
+              <a:rPr lang="sk-SK" baseline="0" dirty="0" smtClean="0"/>
+              <a:t>pre</a:t>
+            </a:r>
+            <a:r>
               <a:rPr lang="en-US" baseline="0" dirty="0" err="1" smtClean="0"/>
-              <a:t>vyzradeny</a:t>
+              <a:t>zradeny</a:t>
             </a:r>
             <a:endParaRPr lang="en-US" baseline="0" dirty="0" smtClean="0"/>
           </a:p>
@@ -2666,7 +2718,17 @@
             </a:r>
             <a:r>
               <a:rPr lang="sk-SK" baseline="0" dirty="0" smtClean="0"/>
-              <a:t> doveri</a:t>
+              <a:t> </a:t>
+            </a:r>
+            <a:r>
+              <a:rPr lang="sk-SK" baseline="0" dirty="0" smtClean="0"/>
+              <a:t>doveri</a:t>
+            </a:r>
+          </a:p>
+          <a:p>
+            <a:r>
+              <a:rPr lang="sk-SK" baseline="0" dirty="0" smtClean="0"/>
+              <a:t>Ludsky faktor</a:t>
             </a:r>
             <a:endParaRPr lang="en-US" dirty="0"/>
           </a:p>
@@ -6198,11 +6260,7 @@
             </a:r>
             <a:r>
               <a:rPr lang="sk-SK" dirty="0" smtClean="0"/>
-              <a:t>Model s</a:t>
-            </a:r>
-            <a:r>
-              <a:rPr lang="sk-SK" dirty="0" smtClean="0"/>
-              <a:t>iete</a:t>
+              <a:t>Model siete</a:t>
             </a:r>
             <a:endParaRPr lang="en-US" i="1" dirty="0"/>
           </a:p>
@@ -6515,11 +6573,7 @@
             </a:pPr>
             <a:r>
               <a:rPr lang="sk-SK" dirty="0" smtClean="0"/>
-              <a:t>00 </a:t>
-            </a:r>
-            <a:r>
-              <a:rPr lang="sk-SK" dirty="0" smtClean="0"/>
-              <a:t>00 ...			prázdna správa</a:t>
+              <a:t>00 00 ...			prázdna správa</a:t>
             </a:r>
           </a:p>
           <a:p>
@@ -6682,16 +6736,21 @@
             </a:r>
             <a:r>
               <a:rPr lang="en-US" dirty="0" smtClean="0"/>
-              <a:t> SW</a:t>
-            </a:r>
-            <a:r>
-              <a:rPr lang="sk-SK" dirty="0" smtClean="0"/>
               <a:t> </a:t>
             </a:r>
             <a:r>
-              <a:rPr lang="sk-SK" dirty="0" smtClean="0"/>
-              <a:t>implementácia</a:t>
-            </a:r>
+              <a:rPr lang="en-US" dirty="0" smtClean="0"/>
+              <a:t>SW</a:t>
+            </a:r>
+            <a:r>
+              <a:rPr lang="sk-SK" dirty="0" smtClean="0"/>
+              <a:t> </a:t>
+            </a:r>
+            <a:r>
+              <a:rPr lang="sk-SK" dirty="0" smtClean="0"/>
+              <a:t>implementácia pre zabezpečenie komunikačného kanála</a:t>
+            </a:r>
+            <a:endParaRPr lang="sk-SK" dirty="0" smtClean="0"/>
           </a:p>
           <a:p>
             <a:r>
@@ -6710,7 +6769,6 @@
               <a:rPr lang="sk-SK" dirty="0" smtClean="0"/>
               <a:t> Tiny AES128 v jazyku C</a:t>
             </a:r>
-            <a:endParaRPr lang="sk-SK" dirty="0" smtClean="0"/>
           </a:p>
           <a:p>
             <a:r>
@@ -6729,7 +6787,6 @@
               <a:rPr lang="sk-SK" dirty="0" smtClean="0"/>
               <a:t>CBC</a:t>
             </a:r>
-            <a:endParaRPr lang="sk-SK" dirty="0" smtClean="0"/>
           </a:p>
         </p:txBody>
       </p:sp>
@@ -6847,17 +6904,8 @@
           <a:p>
             <a:r>
               <a:rPr lang="sk-SK" dirty="0" smtClean="0"/>
-              <a:t>NXP, S</a:t>
-            </a:r>
-            <a:r>
-              <a:rPr lang="sk-SK" dirty="0" smtClean="0"/>
-              <a:t>ecure element, </a:t>
-            </a:r>
-            <a:r>
-              <a:rPr lang="sk-SK" dirty="0" smtClean="0"/>
-              <a:t>JVM</a:t>
-            </a:r>
-            <a:endParaRPr lang="sk-SK" dirty="0" smtClean="0"/>
+              <a:t>NXP, Secure element, JVM</a:t>
+            </a:r>
           </a:p>
           <a:p>
             <a:r>
@@ -7032,11 +7080,7 @@
           <a:p>
             <a:r>
               <a:rPr lang="en-US" dirty="0" smtClean="0"/>
-              <a:t>p</a:t>
-            </a:r>
-            <a:r>
-              <a:rPr lang="en-US" dirty="0" smtClean="0"/>
-              <a:t>re </a:t>
+              <a:t>pre </a:t>
             </a:r>
             <a:r>
               <a:rPr lang="sk-SK" dirty="0" smtClean="0"/>
@@ -7073,7 +7117,6 @@
               <a:rPr lang="sk-SK" dirty="0" smtClean="0"/>
               <a:t>platobné karty.</a:t>
             </a:r>
-            <a:endParaRPr lang="sk-SK" dirty="0" smtClean="0"/>
           </a:p>
           <a:p>
             <a:endParaRPr lang="en-US" dirty="0" smtClean="0"/>
@@ -7081,19 +7124,7 @@
           <a:p>
             <a:r>
               <a:rPr lang="sk-SK" dirty="0" smtClean="0"/>
-              <a:t>s</a:t>
-            </a:r>
-            <a:r>
-              <a:rPr lang="sk-SK" dirty="0" smtClean="0"/>
-              <a:t>ignály </a:t>
-            </a:r>
-            <a:r>
-              <a:rPr lang="sk-SK" dirty="0" smtClean="0"/>
-              <a:t>sú </a:t>
-            </a:r>
-            <a:r>
-              <a:rPr lang="sk-SK" dirty="0" smtClean="0"/>
-              <a:t>generované SW</a:t>
+              <a:t>signály sú generované SW</a:t>
             </a:r>
             <a:r>
               <a:rPr lang="en-US" dirty="0" smtClean="0"/>
@@ -7101,11 +7132,7 @@
             </a:r>
             <a:r>
               <a:rPr lang="sk-SK" dirty="0" smtClean="0"/>
-              <a:t> </a:t>
-            </a:r>
-            <a:r>
-              <a:rPr lang="sk-SK" dirty="0" smtClean="0"/>
-              <a:t>GPIO a</a:t>
+              <a:t> GPIO a</a:t>
             </a:r>
             <a:r>
               <a:rPr lang="en-US" dirty="0" smtClean="0"/>
@@ -7141,61 +7168,44 @@
             </a:r>
             <a:r>
               <a:rPr lang="sk-SK" dirty="0" smtClean="0"/>
-              <a:t>2.667 </a:t>
-            </a:r>
-            <a:r>
-              <a:rPr lang="sk-SK" dirty="0" smtClean="0"/>
-              <a:t>MHz.</a:t>
-            </a:r>
+              <a:t>2.667 MHz.</a:t>
+            </a:r>
+          </a:p>
+          <a:p>
+            <a:endParaRPr lang="en-US" dirty="0" smtClean="0"/>
+          </a:p>
+          <a:p>
+            <a:r>
+              <a:rPr lang="sk-SK" dirty="0" smtClean="0"/>
+              <a:t>ISO7816 I</a:t>
+            </a:r>
+            <a:r>
+              <a:rPr lang="en-US" dirty="0" smtClean="0"/>
+              <a:t>/</a:t>
+            </a:r>
+            <a:r>
+              <a:rPr lang="sk-SK" dirty="0" smtClean="0"/>
+              <a:t>O signál na UART</a:t>
+            </a:r>
+          </a:p>
+          <a:p>
+            <a:pPr lvl="1"/>
+            <a:r>
+              <a:rPr lang="en-US" dirty="0" smtClean="0"/>
+              <a:t>Baud rate: </a:t>
+            </a:r>
+            <a:r>
+              <a:rPr lang="sk-SK" dirty="0" smtClean="0"/>
+              <a:t>7168 bps</a:t>
+            </a:r>
+          </a:p>
+          <a:p>
             <a:endParaRPr lang="sk-SK" dirty="0" smtClean="0"/>
           </a:p>
           <a:p>
-            <a:endParaRPr lang="en-US" dirty="0" smtClean="0"/>
-          </a:p>
-          <a:p>
-            <a:r>
-              <a:rPr lang="sk-SK" dirty="0" smtClean="0"/>
-              <a:t>ISO7816 I</a:t>
-            </a:r>
-            <a:r>
-              <a:rPr lang="en-US" dirty="0" smtClean="0"/>
-              <a:t>/</a:t>
-            </a:r>
-            <a:r>
-              <a:rPr lang="sk-SK" dirty="0" smtClean="0"/>
-              <a:t>O signál na </a:t>
-            </a:r>
-            <a:r>
-              <a:rPr lang="sk-SK" dirty="0" smtClean="0"/>
-              <a:t>UART</a:t>
-            </a:r>
-          </a:p>
-          <a:p>
-            <a:pPr lvl="1"/>
-            <a:r>
-              <a:rPr lang="en-US" dirty="0" smtClean="0"/>
-              <a:t>Baud rate: </a:t>
-            </a:r>
-            <a:r>
-              <a:rPr lang="sk-SK" dirty="0" smtClean="0"/>
-              <a:t>7168 </a:t>
-            </a:r>
-            <a:r>
-              <a:rPr lang="sk-SK" dirty="0" smtClean="0"/>
-              <a:t>bps</a:t>
-            </a:r>
-          </a:p>
-          <a:p>
-            <a:endParaRPr lang="sk-SK" dirty="0" smtClean="0"/>
-          </a:p>
-          <a:p>
-            <a:r>
-              <a:rPr lang="sk-SK" dirty="0" smtClean="0"/>
-              <a:t>ATR (answer to reset</a:t>
-            </a:r>
-            <a:r>
-              <a:rPr lang="sk-SK" dirty="0" smtClean="0"/>
-              <a:t>), informácie o karte, preferované nastavenia</a:t>
+            <a:r>
+              <a:rPr lang="sk-SK" dirty="0" smtClean="0"/>
+              <a:t>ATR (answer to reset), informácie o karte, preferované nastavenia</a:t>
             </a:r>
             <a:endParaRPr lang="en-US" dirty="0" smtClean="0"/>
           </a:p>
@@ -7353,11 +7363,7 @@
             </a:r>
             <a:r>
               <a:rPr lang="sk-SK" dirty="0" smtClean="0"/>
-              <a:t>ISO7816 na </a:t>
-            </a:r>
-            <a:r>
-              <a:rPr lang="sk-SK" dirty="0" smtClean="0"/>
-              <a:t>UART</a:t>
+              <a:t>ISO7816 na UART</a:t>
             </a:r>
             <a:endParaRPr lang="en-US" dirty="0"/>
           </a:p>
@@ -7857,7 +7863,6 @@
               <a:rPr lang="sk-SK" dirty="0" smtClean="0"/>
               <a:t>Java</a:t>
             </a:r>
-            <a:endParaRPr lang="sk-SK" dirty="0" smtClean="0"/>
           </a:p>
           <a:p>
             <a:r>
@@ -7870,35 +7875,22 @@
             </a:r>
             <a:r>
               <a:rPr lang="sk-SK" dirty="0" smtClean="0"/>
-              <a:t>érovo impl. </a:t>
-            </a:r>
-            <a:r>
-              <a:rPr lang="sk-SK" dirty="0" smtClean="0"/>
-              <a:t>a</a:t>
-            </a:r>
-            <a:r>
-              <a:rPr lang="sk-SK" dirty="0" smtClean="0"/>
-              <a:t>lg.</a:t>
-            </a:r>
-            <a:r>
-              <a:rPr lang="sk-SK" dirty="0" smtClean="0"/>
-              <a:t> </a:t>
-            </a:r>
-            <a:r>
-              <a:rPr lang="sk-SK" dirty="0" smtClean="0"/>
-              <a:t>AES-128 CBC</a:t>
-            </a:r>
-          </a:p>
-          <a:p>
-            <a:r>
-              <a:rPr lang="en-US" dirty="0" smtClean="0"/>
-              <a:t>Form</a:t>
+              <a:t>érovo impl. alg. AES-128 CBC</a:t>
+            </a:r>
+          </a:p>
+          <a:p>
+            <a:r>
+              <a:rPr lang="sk-SK" dirty="0" smtClean="0"/>
+              <a:t>f</a:t>
+            </a:r>
+            <a:r>
+              <a:rPr lang="en-US" dirty="0" err="1" smtClean="0"/>
+              <a:t>orm</a:t>
             </a:r>
             <a:r>
               <a:rPr lang="sk-SK" dirty="0" smtClean="0"/>
               <a:t>át správy APDU (terminál-SmartCard)</a:t>
             </a:r>
-            <a:endParaRPr lang="sk-SK" dirty="0" smtClean="0"/>
           </a:p>
         </p:txBody>
       </p:sp>
@@ -8026,11 +8018,7 @@
             </a:r>
             <a:r>
               <a:rPr lang="sk-SK" dirty="0" smtClean="0"/>
-              <a:t> </a:t>
-            </a:r>
-            <a:r>
-              <a:rPr lang="sk-SK" dirty="0" smtClean="0"/>
-              <a:t>Funkc. k</a:t>
+              <a:t> Funkc. k</a:t>
             </a:r>
             <a:r>
               <a:rPr lang="en-US" dirty="0" err="1" smtClean="0"/>
@@ -8078,11 +8066,7 @@
           <a:p>
             <a:r>
               <a:rPr lang="sk-SK" dirty="0" smtClean="0"/>
-              <a:t>Segger </a:t>
-            </a:r>
-            <a:r>
-              <a:rPr lang="sk-SK" dirty="0" smtClean="0"/>
-              <a:t>J-Link RTT</a:t>
+              <a:t>Segger J-Link RTT</a:t>
             </a:r>
             <a:r>
               <a:rPr lang="en-US" dirty="0" smtClean="0"/>
@@ -8101,29 +8085,19 @@
             <a:pPr lvl="1"/>
             <a:r>
               <a:rPr lang="sk-SK" dirty="0" smtClean="0"/>
-              <a:t>testovanie</a:t>
-            </a:r>
-            <a:r>
-              <a:rPr lang="sk-SK" dirty="0" smtClean="0"/>
-              <a:t>,</a:t>
-            </a:r>
+              <a:t>testovanie ISO7816,</a:t>
+            </a:r>
+            <a:endParaRPr lang="sk-SK" dirty="0" smtClean="0"/>
           </a:p>
           <a:p>
             <a:pPr lvl="1"/>
             <a:r>
               <a:rPr lang="sk-SK" dirty="0" smtClean="0"/>
-              <a:t>vyhľadávanie </a:t>
-            </a:r>
-            <a:r>
-              <a:rPr lang="sk-SK" dirty="0" smtClean="0"/>
-              <a:t>manažéra karty,</a:t>
-            </a:r>
-          </a:p>
-          <a:p>
-            <a:pPr lvl="1"/>
-            <a:r>
-              <a:rPr lang="sk-SK" dirty="0" smtClean="0"/>
-              <a:t>posielanie APDU správy blokovo</a:t>
+              <a:t>posielanie </a:t>
+            </a:r>
+            <a:r>
+              <a:rPr lang="sk-SK" dirty="0" smtClean="0"/>
+              <a:t>APDU správy blokovo</a:t>
             </a:r>
             <a:r>
               <a:rPr lang="en-US" dirty="0" smtClean="0"/>
@@ -8137,17 +8111,24 @@
               <a:rPr lang="sk-SK" dirty="0" smtClean="0"/>
               <a:t>,</a:t>
             </a:r>
+          </a:p>
+          <a:p>
+            <a:pPr lvl="1"/>
+            <a:r>
+              <a:rPr lang="sk-SK" dirty="0" smtClean="0"/>
+              <a:t>vyhľadávanie manažéra karty</a:t>
+            </a:r>
+            <a:r>
+              <a:rPr lang="sk-SK" dirty="0" smtClean="0"/>
+              <a:t>,</a:t>
+            </a:r>
             <a:endParaRPr lang="en-US" dirty="0" smtClean="0"/>
           </a:p>
           <a:p>
             <a:pPr lvl="1"/>
             <a:r>
               <a:rPr lang="sk-SK" dirty="0" smtClean="0"/>
-              <a:t>ľudsky čitateľný výpis stavu z </a:t>
-            </a:r>
-            <a:r>
-              <a:rPr lang="sk-SK" dirty="0" smtClean="0"/>
-              <a:t>odpovedi</a:t>
+              <a:t>ľudsky čitateľný výpis stavu z odpovedi</a:t>
             </a:r>
             <a:r>
               <a:rPr lang="en-US" dirty="0" smtClean="0"/>
@@ -8270,13 +8251,8 @@
             </a:r>
             <a:r>
               <a:rPr lang="sk-SK" dirty="0" smtClean="0"/>
-              <a:t>čnosť je </a:t>
-            </a:r>
-            <a:r>
-              <a:rPr lang="sk-SK" dirty="0" smtClean="0"/>
-              <a:t>neustály boj,</a:t>
-            </a:r>
-            <a:endParaRPr lang="sk-SK" dirty="0" smtClean="0"/>
+              <a:t>čnosť je neustály boj,</a:t>
+            </a:r>
           </a:p>
           <a:p>
             <a:endParaRPr lang="en-US" dirty="0" smtClean="0"/>
@@ -8284,7 +8260,11 @@
           <a:p>
             <a:r>
               <a:rPr lang="sk-SK" dirty="0" smtClean="0"/>
-              <a:t>bezpečnejšie verzie algoritmov,</a:t>
+              <a:t>verzie kryptografických </a:t>
+            </a:r>
+            <a:r>
+              <a:rPr lang="sk-SK" dirty="0" smtClean="0"/>
+              <a:t>algoritmov,</a:t>
             </a:r>
           </a:p>
           <a:p>
@@ -8292,16 +8272,11 @@
               <a:rPr lang="sk-SK" dirty="0" smtClean="0"/>
               <a:t>tam, kde pred tým nebola,</a:t>
             </a:r>
-            <a:endParaRPr lang="sk-SK" dirty="0" smtClean="0"/>
-          </a:p>
-          <a:p>
-            <a:r>
-              <a:rPr lang="sk-SK" dirty="0" smtClean="0"/>
-              <a:t>efektívnejšie</a:t>
-            </a:r>
-            <a:r>
-              <a:rPr lang="sk-SK" dirty="0" smtClean="0"/>
-              <a:t>,</a:t>
+          </a:p>
+          <a:p>
+            <a:r>
+              <a:rPr lang="sk-SK" dirty="0" smtClean="0"/>
+              <a:t>efektívnejšie,</a:t>
             </a:r>
           </a:p>
           <a:p>
@@ -8310,7 +8285,6 @@
               <a:rPr lang="sk-SK" dirty="0" smtClean="0"/>
               <a:t>pamäť,</a:t>
             </a:r>
-            <a:endParaRPr lang="sk-SK" dirty="0" smtClean="0"/>
           </a:p>
           <a:p>
             <a:pPr lvl="1"/>
@@ -8323,13 +8297,8 @@
             <a:pPr lvl="1"/>
             <a:r>
               <a:rPr lang="sk-SK" dirty="0" smtClean="0"/>
-              <a:t>rýchlosť</a:t>
-            </a:r>
-            <a:r>
-              <a:rPr lang="sk-SK" dirty="0" smtClean="0"/>
-              <a:t>.</a:t>
-            </a:r>
-            <a:endParaRPr lang="sk-SK" dirty="0" smtClean="0"/>
+              <a:t>rýchlosť.</a:t>
+            </a:r>
           </a:p>
         </p:txBody>
       </p:sp>
@@ -8536,11 +8505,7 @@
           <a:p>
             <a:r>
               <a:rPr lang="sk-SK" dirty="0" smtClean="0"/>
-              <a:t>Výsledky </a:t>
-            </a:r>
-            <a:r>
-              <a:rPr lang="sk-SK" dirty="0" smtClean="0"/>
-              <a:t>testovania</a:t>
+              <a:t>Výsledky testovania</a:t>
             </a:r>
             <a:endParaRPr lang="en-US" dirty="0"/>
           </a:p>
@@ -8718,31 +8683,22 @@
                     <a:p>
                       <a:pPr algn="ctr" fontAlgn="b"/>
                       <a:r>
-                        <a:rPr lang="en-US" sz="2400" b="0" i="0" u="none" strike="noStrike" dirty="0" err="1">
+                        <a:rPr lang="sk-SK" sz="2400" b="0" i="0" u="none" strike="noStrike" dirty="0" smtClean="0">
                           <a:solidFill>
                             <a:srgbClr val="000000"/>
                           </a:solidFill>
                           <a:latin typeface="Calibri"/>
                         </a:rPr>
-                        <a:t>Žiadne</a:t>
+                        <a:t>Nezabezpečený</a:t>
                       </a:r>
                       <a:r>
-                        <a:rPr lang="en-US" sz="2400" b="0" i="0" u="none" strike="noStrike" dirty="0">
+                        <a:rPr lang="sk-SK" sz="2400" b="0" i="0" u="none" strike="noStrike" baseline="0" dirty="0" smtClean="0">
                           <a:solidFill>
                             <a:srgbClr val="000000"/>
                           </a:solidFill>
                           <a:latin typeface="Calibri"/>
                         </a:rPr>
-                        <a:t> </a:t>
-                      </a:r>
-                      <a:r>
-                        <a:rPr lang="en-US" sz="2400" b="0" i="0" u="none" strike="noStrike" dirty="0" err="1">
-                          <a:solidFill>
-                            <a:srgbClr val="000000"/>
-                          </a:solidFill>
-                          <a:latin typeface="Calibri"/>
-                        </a:rPr>
-                        <a:t>zabezpečenie</a:t>
+                        <a:t> kom.</a:t>
                       </a:r>
                       <a:endParaRPr lang="en-US" sz="2400" b="0" i="0" u="none" strike="noStrike" dirty="0">
                         <a:solidFill>
@@ -9095,11 +9051,7 @@
           <a:p>
             <a:r>
               <a:rPr lang="sk-SK" dirty="0" smtClean="0"/>
-              <a:t>Výsledky </a:t>
-            </a:r>
-            <a:r>
-              <a:rPr lang="sk-SK" dirty="0" smtClean="0"/>
-              <a:t>testovania</a:t>
+              <a:t>Výsledky testovania</a:t>
             </a:r>
             <a:endParaRPr lang="en-US" dirty="0"/>
           </a:p>
@@ -9324,31 +9276,22 @@
                     <a:p>
                       <a:pPr algn="ctr" fontAlgn="b"/>
                       <a:r>
-                        <a:rPr lang="en-US" sz="2400" b="0" i="0" u="none" strike="noStrike" dirty="0" err="1">
+                        <a:rPr lang="sk-SK" sz="2400" b="0" i="0" u="none" strike="noStrike" dirty="0" smtClean="0">
                           <a:solidFill>
                             <a:srgbClr val="000000"/>
                           </a:solidFill>
-                          <a:latin typeface="Calibri"/>
+                          <a:latin typeface="+mn-lt"/>
                         </a:rPr>
-                        <a:t>Žiadne</a:t>
+                        <a:t>Nezabezpečený</a:t>
                       </a:r>
                       <a:r>
-                        <a:rPr lang="en-US" sz="2400" b="0" i="0" u="none" strike="noStrike" dirty="0">
+                        <a:rPr lang="sk-SK" sz="2400" b="0" i="0" u="none" strike="noStrike" baseline="0" dirty="0" smtClean="0">
                           <a:solidFill>
                             <a:srgbClr val="000000"/>
                           </a:solidFill>
-                          <a:latin typeface="Calibri"/>
+                          <a:latin typeface="+mn-lt"/>
                         </a:rPr>
-                        <a:t> </a:t>
-                      </a:r>
-                      <a:r>
-                        <a:rPr lang="en-US" sz="2400" b="0" i="0" u="none" strike="noStrike" dirty="0" err="1">
-                          <a:solidFill>
-                            <a:srgbClr val="000000"/>
-                          </a:solidFill>
-                          <a:latin typeface="Calibri"/>
-                        </a:rPr>
-                        <a:t>zabezpečenie</a:t>
+                        <a:t> kom.</a:t>
                       </a:r>
                       <a:endParaRPr lang="en-US" sz="2400" b="0" i="0" u="none" strike="noStrike" dirty="0">
                         <a:solidFill>
@@ -9792,10 +9735,24 @@
                     <a:p>
                       <a:pPr algn="ctr" fontAlgn="b"/>
                       <a:r>
-                        <a:rPr lang="en-US" sz="2400" u="none" strike="noStrike"/>
-                        <a:t>Žiadne zabezpečenie</a:t>
+                        <a:rPr lang="sk-SK" sz="2400" b="0" i="0" u="none" strike="noStrike" dirty="0" smtClean="0">
+                          <a:solidFill>
+                            <a:srgbClr val="000000"/>
+                          </a:solidFill>
+                          <a:latin typeface="+mn-lt"/>
+                        </a:rPr>
+                        <a:t>Nezabezpečený</a:t>
                       </a:r>
-                      <a:endParaRPr lang="en-US" sz="2400" b="0" i="0" u="none" strike="noStrike">
+                      <a:r>
+                        <a:rPr lang="sk-SK" sz="2400" b="0" i="0" u="none" strike="noStrike" baseline="0" dirty="0" smtClean="0">
+                          <a:solidFill>
+                            <a:srgbClr val="000000"/>
+                          </a:solidFill>
+                          <a:latin typeface="+mn-lt"/>
+                        </a:rPr>
+                        <a:t> kom.</a:t>
+                      </a:r>
+                      <a:endParaRPr lang="en-US" sz="2400" b="0" i="0" u="none" strike="noStrike" dirty="0">
                         <a:solidFill>
                           <a:srgbClr val="000000"/>
                         </a:solidFill>
@@ -10077,11 +10034,7 @@
             </a:r>
             <a:r>
               <a:rPr lang="sk-SK" sz="2800" dirty="0" smtClean="0"/>
-              <a:t>, </a:t>
-            </a:r>
-            <a:r>
-              <a:rPr lang="sk-SK" sz="2800" dirty="0" smtClean="0"/>
-              <a:t>aj pri HW zabezpečení</a:t>
+              <a:t>, aj pri HW zabezpečení</a:t>
             </a:r>
             <a:endParaRPr kumimoji="0" lang="sk-SK" sz="2800" b="0" i="0" u="none" strike="noStrike" kern="1200" cap="none" spc="0" normalizeH="0" baseline="0" noProof="0" dirty="0" smtClean="0">
               <a:ln>
@@ -10149,9 +10102,145 @@
           <a:p>
             <a:r>
               <a:rPr lang="sk-SK" dirty="0" smtClean="0"/>
-              <a:t>Výsledky testovania</a:t>
+              <a:t>Vyhodnotenie</a:t>
             </a:r>
             <a:endParaRPr lang="en-US" dirty="0"/>
+          </a:p>
+        </p:txBody>
+      </p:sp>
+      <p:sp>
+        <p:nvSpPr>
+          <p:cNvPr id="3" name="Content Placeholder 2"/>
+          <p:cNvSpPr>
+            <a:spLocks noGrp="1"/>
+          </p:cNvSpPr>
+          <p:nvPr>
+            <p:ph idx="1"/>
+          </p:nvPr>
+        </p:nvSpPr>
+        <p:spPr/>
+        <p:txBody>
+          <a:bodyPr>
+            <a:normAutofit lnSpcReduction="10000"/>
+          </a:bodyPr>
+          <a:lstStyle/>
+          <a:p>
+            <a:r>
+              <a:rPr lang="sk-SK" dirty="0" smtClean="0"/>
+              <a:t>Prekvapený výsledkami HW riešenia</a:t>
+            </a:r>
+            <a:r>
+              <a:rPr lang="en-US" dirty="0" smtClean="0"/>
+              <a:t>, </a:t>
+            </a:r>
+            <a:r>
+              <a:rPr lang="sk-SK" dirty="0" smtClean="0"/>
+              <a:t>(</a:t>
+            </a:r>
+            <a:r>
+              <a:rPr lang="en-US" dirty="0" err="1" smtClean="0"/>
+              <a:t>opa</a:t>
+            </a:r>
+            <a:r>
+              <a:rPr lang="sk-SK" dirty="0" smtClean="0"/>
+              <a:t>čné ako sa predpokladalo)</a:t>
+            </a:r>
+          </a:p>
+          <a:p>
+            <a:pPr lvl="1"/>
+            <a:r>
+              <a:rPr lang="en-US" dirty="0" smtClean="0"/>
+              <a:t>v</a:t>
+            </a:r>
+            <a:r>
+              <a:rPr lang="sk-SK" dirty="0" smtClean="0"/>
+              <a:t>eľkosť programu</a:t>
+            </a:r>
+            <a:r>
+              <a:rPr lang="en-US" dirty="0" smtClean="0"/>
+              <a:t>:</a:t>
+            </a:r>
+            <a:r>
+              <a:rPr lang="sk-SK" dirty="0" smtClean="0"/>
+              <a:t> štandard</a:t>
+            </a:r>
+            <a:r>
+              <a:rPr lang="en-US" dirty="0" smtClean="0"/>
+              <a:t> ISO7816</a:t>
+            </a:r>
+            <a:r>
+              <a:rPr lang="sk-SK" dirty="0" smtClean="0"/>
+              <a:t>,</a:t>
+            </a:r>
+            <a:endParaRPr lang="en-US" dirty="0" smtClean="0"/>
+          </a:p>
+          <a:p>
+            <a:pPr lvl="1"/>
+            <a:r>
+              <a:rPr lang="en-US" dirty="0" err="1" smtClean="0"/>
+              <a:t>spotreba</a:t>
+            </a:r>
+            <a:r>
+              <a:rPr lang="en-US" dirty="0" smtClean="0"/>
+              <a:t>: </a:t>
+            </a:r>
+            <a:r>
+              <a:rPr lang="en-US" dirty="0" err="1" smtClean="0"/>
+              <a:t>aktivovan</a:t>
+            </a:r>
+            <a:r>
+              <a:rPr lang="sk-SK" dirty="0" smtClean="0"/>
+              <a:t>é viaceré periférie,</a:t>
+            </a:r>
+          </a:p>
+          <a:p>
+            <a:pPr lvl="1"/>
+            <a:r>
+              <a:rPr lang="sk-SK" dirty="0" smtClean="0"/>
+              <a:t>čas komunikácie</a:t>
+            </a:r>
+            <a:r>
+              <a:rPr lang="en-US" dirty="0" smtClean="0"/>
+              <a:t>: </a:t>
+            </a:r>
+            <a:r>
+              <a:rPr lang="sk-SK" dirty="0" smtClean="0"/>
+              <a:t>protokolový zásobník, strata paketov</a:t>
+            </a:r>
+            <a:r>
+              <a:rPr lang="sk-SK" dirty="0" smtClean="0"/>
+              <a:t>.</a:t>
+            </a:r>
+          </a:p>
+          <a:p>
+            <a:endParaRPr lang="sk-SK" dirty="0" smtClean="0"/>
+          </a:p>
+          <a:p>
+            <a:r>
+              <a:rPr lang="sk-SK" dirty="0" smtClean="0"/>
+              <a:t>PKI</a:t>
+            </a:r>
+          </a:p>
+          <a:p>
+            <a:pPr lvl="1"/>
+            <a:r>
+              <a:rPr lang="sk-SK" dirty="0" smtClean="0"/>
+              <a:t>RSA</a:t>
+            </a:r>
+            <a:r>
+              <a:rPr lang="en-US" dirty="0" smtClean="0"/>
+              <a:t> </a:t>
+            </a:r>
+            <a:r>
+              <a:rPr lang="sk-SK" dirty="0" smtClean="0"/>
+              <a:t>SW knižnice v C</a:t>
+            </a:r>
+          </a:p>
+          <a:p>
+            <a:endParaRPr lang="sk-SK" dirty="0" smtClean="0"/>
+          </a:p>
+          <a:p>
+            <a:endParaRPr lang="sk-SK" dirty="0" smtClean="0"/>
           </a:p>
         </p:txBody>
       </p:sp>
@@ -10174,6 +10263,2531 @@
               <a:rPr lang="en-US" smtClean="0"/>
               <a:pPr/>
               <a:t>24</a:t>
+            </a:fld>
+            <a:r>
+              <a:rPr lang="en-US" dirty="0" smtClean="0"/>
+              <a:t>/2</a:t>
+            </a:r>
+            <a:r>
+              <a:rPr lang="sk-SK" dirty="0" smtClean="0"/>
+              <a:t>7</a:t>
+            </a:r>
+            <a:endParaRPr lang="en-US" dirty="0"/>
+          </a:p>
+        </p:txBody>
+      </p:sp>
+    </p:spTree>
+  </p:cSld>
+  <p:clrMapOvr>
+    <a:masterClrMapping/>
+  </p:clrMapOvr>
+  <p:timing>
+    <p:tnLst>
+      <p:par>
+        <p:cTn id="1" dur="indefinite" restart="never" nodeType="tmRoot"/>
+      </p:par>
+    </p:tnLst>
+  </p:timing>
+</p:sld>
+</file>
+
+<file path=ppt/slides/slide25.xml><?xml version="1.0" encoding="utf-8"?>
+<p:sld xmlns:a="http://schemas.openxmlformats.org/drawingml/2006/main" xmlns:r="http://schemas.openxmlformats.org/officeDocument/2006/relationships" xmlns:p="http://schemas.openxmlformats.org/presentationml/2006/main">
+  <p:cSld>
+    <p:spTree>
+      <p:nvGrpSpPr>
+        <p:cNvPr id="1" name=""/>
+        <p:cNvGrpSpPr/>
+        <p:nvPr/>
+      </p:nvGrpSpPr>
+      <p:grpSpPr>
+        <a:xfrm>
+          <a:off x="0" y="0"/>
+          <a:ext cx="0" cy="0"/>
+          <a:chOff x="0" y="0"/>
+          <a:chExt cx="0" cy="0"/>
+        </a:xfrm>
+      </p:grpSpPr>
+      <p:sp>
+        <p:nvSpPr>
+          <p:cNvPr id="2" name="Title 1"/>
+          <p:cNvSpPr>
+            <a:spLocks noGrp="1"/>
+          </p:cNvSpPr>
+          <p:nvPr>
+            <p:ph type="title"/>
+          </p:nvPr>
+        </p:nvSpPr>
+        <p:spPr/>
+        <p:txBody>
+          <a:bodyPr>
+            <a:normAutofit/>
+          </a:bodyPr>
+          <a:lstStyle/>
+          <a:p>
+            <a:r>
+              <a:rPr lang="en-US" dirty="0" smtClean="0"/>
+              <a:t>Z</a:t>
+            </a:r>
+            <a:r>
+              <a:rPr lang="sk-SK" dirty="0" smtClean="0"/>
+              <a:t>áver</a:t>
+            </a:r>
+            <a:endParaRPr lang="en-US" dirty="0"/>
+          </a:p>
+        </p:txBody>
+      </p:sp>
+      <p:sp>
+        <p:nvSpPr>
+          <p:cNvPr id="3" name="Content Placeholder 2"/>
+          <p:cNvSpPr>
+            <a:spLocks noGrp="1"/>
+          </p:cNvSpPr>
+          <p:nvPr>
+            <p:ph idx="1"/>
+          </p:nvPr>
+        </p:nvSpPr>
+        <p:spPr/>
+        <p:txBody>
+          <a:bodyPr>
+            <a:normAutofit/>
+          </a:bodyPr>
+          <a:lstStyle/>
+          <a:p>
+            <a:r>
+              <a:rPr lang="sk-SK" dirty="0" smtClean="0"/>
+              <a:t>nepodarilo sa zvýšiť zabezpečenie,</a:t>
+            </a:r>
+          </a:p>
+          <a:p>
+            <a:pPr lvl="1"/>
+            <a:r>
+              <a:rPr lang="sk-SK" dirty="0" smtClean="0"/>
+              <a:t>na základe výsledkov sa dá spraviť odhad riešenia pomocou PKI.</a:t>
+            </a:r>
+          </a:p>
+          <a:p>
+            <a:endParaRPr lang="sk-SK" dirty="0" smtClean="0"/>
+          </a:p>
+          <a:p>
+            <a:r>
+              <a:rPr lang="sk-SK" dirty="0" smtClean="0"/>
+              <a:t>PKI by bolo možné, </a:t>
+            </a:r>
+            <a:r>
+              <a:rPr lang="en-US" dirty="0" smtClean="0"/>
+              <a:t>r</a:t>
+            </a:r>
+            <a:r>
+              <a:rPr lang="sk-SK" dirty="0" smtClean="0"/>
+              <a:t>iešenie by bolo použiteľné</a:t>
+            </a:r>
+            <a:r>
+              <a:rPr lang="en-US" dirty="0" smtClean="0"/>
+              <a:t>:</a:t>
+            </a:r>
+          </a:p>
+          <a:p>
+            <a:pPr lvl="1"/>
+            <a:r>
+              <a:rPr lang="sk-SK" dirty="0" smtClean="0"/>
+              <a:t>na rýchlejších sieťach,</a:t>
+            </a:r>
+          </a:p>
+          <a:p>
+            <a:pPr lvl="1"/>
+            <a:r>
+              <a:rPr lang="sk-SK" dirty="0" smtClean="0"/>
+              <a:t>malé množstvo dát (ISO7816).</a:t>
+            </a:r>
+          </a:p>
+        </p:txBody>
+      </p:sp>
+      <p:sp>
+        <p:nvSpPr>
+          <p:cNvPr id="4" name="Slide Number Placeholder 3"/>
+          <p:cNvSpPr>
+            <a:spLocks noGrp="1"/>
+          </p:cNvSpPr>
+          <p:nvPr>
+            <p:ph type="sldNum" sz="quarter" idx="12"/>
+          </p:nvPr>
+        </p:nvSpPr>
+        <p:spPr/>
+        <p:txBody>
+          <a:bodyPr/>
+          <a:lstStyle/>
+          <a:p>
+            <a:fld id="{8C584B50-B360-452D-AFC7-DEF83B5F5806}" type="slidenum">
+              <a:rPr lang="en-US" smtClean="0"/>
+              <a:pPr/>
+              <a:t>25</a:t>
+            </a:fld>
+            <a:r>
+              <a:rPr lang="en-US" dirty="0" smtClean="0"/>
+              <a:t>/2</a:t>
+            </a:r>
+            <a:r>
+              <a:rPr lang="sk-SK" dirty="0" smtClean="0"/>
+              <a:t>7</a:t>
+            </a:r>
+            <a:endParaRPr lang="en-US" dirty="0"/>
+          </a:p>
+        </p:txBody>
+      </p:sp>
+    </p:spTree>
+  </p:cSld>
+  <p:clrMapOvr>
+    <a:masterClrMapping/>
+  </p:clrMapOvr>
+  <p:timing>
+    <p:tnLst>
+      <p:par>
+        <p:cTn id="1" dur="indefinite" restart="never" nodeType="tmRoot"/>
+      </p:par>
+    </p:tnLst>
+  </p:timing>
+</p:sld>
+</file>
+
+<file path=ppt/slides/slide26.xml><?xml version="1.0" encoding="utf-8"?>
+<p:sld xmlns:a="http://schemas.openxmlformats.org/drawingml/2006/main" xmlns:r="http://schemas.openxmlformats.org/officeDocument/2006/relationships" xmlns:p="http://schemas.openxmlformats.org/presentationml/2006/main">
+  <p:cSld>
+    <p:spTree>
+      <p:nvGrpSpPr>
+        <p:cNvPr id="1" name=""/>
+        <p:cNvGrpSpPr/>
+        <p:nvPr/>
+      </p:nvGrpSpPr>
+      <p:grpSpPr>
+        <a:xfrm>
+          <a:off x="0" y="0"/>
+          <a:ext cx="0" cy="0"/>
+          <a:chOff x="0" y="0"/>
+          <a:chExt cx="0" cy="0"/>
+        </a:xfrm>
+      </p:grpSpPr>
+      <p:sp>
+        <p:nvSpPr>
+          <p:cNvPr id="2" name="Title 1"/>
+          <p:cNvSpPr>
+            <a:spLocks noGrp="1"/>
+          </p:cNvSpPr>
+          <p:nvPr>
+            <p:ph type="title"/>
+          </p:nvPr>
+        </p:nvSpPr>
+        <p:spPr/>
+        <p:txBody>
+          <a:bodyPr>
+            <a:normAutofit/>
+          </a:bodyPr>
+          <a:lstStyle/>
+          <a:p>
+            <a:r>
+              <a:rPr lang="sk-SK" dirty="0" smtClean="0"/>
+              <a:t>Plány do budúcna</a:t>
+            </a:r>
+            <a:endParaRPr lang="en-US" dirty="0"/>
+          </a:p>
+        </p:txBody>
+      </p:sp>
+      <p:sp>
+        <p:nvSpPr>
+          <p:cNvPr id="3" name="Content Placeholder 2"/>
+          <p:cNvSpPr>
+            <a:spLocks noGrp="1"/>
+          </p:cNvSpPr>
+          <p:nvPr>
+            <p:ph idx="1"/>
+          </p:nvPr>
+        </p:nvSpPr>
+        <p:spPr>
+          <a:xfrm>
+            <a:off x="457200" y="1600200"/>
+            <a:ext cx="8229600" cy="4953000"/>
+          </a:xfrm>
+        </p:spPr>
+        <p:txBody>
+          <a:bodyPr>
+            <a:normAutofit fontScale="92500" lnSpcReduction="10000"/>
+          </a:bodyPr>
+          <a:lstStyle/>
+          <a:p>
+            <a:r>
+              <a:rPr lang="sk-SK" dirty="0" smtClean="0"/>
+              <a:t>spracovanie </a:t>
+            </a:r>
+            <a:r>
+              <a:rPr lang="sk-SK" dirty="0" smtClean="0"/>
+              <a:t>bezdrôtovej </a:t>
+            </a:r>
+            <a:r>
+              <a:rPr lang="sk-SK" dirty="0" smtClean="0"/>
+              <a:t>komunikácie pomocou udalostí</a:t>
+            </a:r>
+            <a:r>
+              <a:rPr lang="en-US" dirty="0" smtClean="0"/>
+              <a:t>:</a:t>
+            </a:r>
+            <a:endParaRPr lang="sk-SK" dirty="0" smtClean="0"/>
+          </a:p>
+          <a:p>
+            <a:pPr lvl="1"/>
+            <a:r>
+              <a:rPr lang="sk-SK" dirty="0" smtClean="0"/>
+              <a:t>programová synchr</a:t>
+            </a:r>
+            <a:r>
+              <a:rPr lang="en-US" dirty="0" smtClean="0"/>
+              <a:t>o</a:t>
+            </a:r>
+            <a:r>
+              <a:rPr lang="sk-SK" dirty="0" smtClean="0"/>
+              <a:t>nizácia (</a:t>
+            </a:r>
+            <a:r>
+              <a:rPr lang="sk-SK" i="1" dirty="0" smtClean="0"/>
+              <a:t>program, chyby</a:t>
+            </a:r>
+            <a:r>
+              <a:rPr lang="sk-SK" dirty="0" smtClean="0"/>
+              <a:t>)</a:t>
+            </a:r>
+            <a:endParaRPr lang="en-US" dirty="0" smtClean="0"/>
+          </a:p>
+          <a:p>
+            <a:endParaRPr lang="sk-SK" dirty="0" smtClean="0"/>
+          </a:p>
+          <a:p>
+            <a:r>
+              <a:rPr lang="sk-SK" dirty="0" smtClean="0"/>
+              <a:t>overenia </a:t>
+            </a:r>
+            <a:r>
+              <a:rPr lang="sk-SK" dirty="0" smtClean="0"/>
+              <a:t>na iných komunikačných protokoloch</a:t>
+            </a:r>
+            <a:r>
+              <a:rPr lang="en-US" dirty="0" smtClean="0"/>
+              <a:t>,</a:t>
+            </a:r>
+          </a:p>
+          <a:p>
+            <a:r>
+              <a:rPr lang="sk-SK" dirty="0" smtClean="0"/>
+              <a:t>väčšiu sieť</a:t>
+            </a:r>
+            <a:r>
+              <a:rPr lang="en-US" dirty="0" smtClean="0"/>
+              <a:t>,</a:t>
+            </a:r>
+            <a:endParaRPr lang="sk-SK" dirty="0" smtClean="0"/>
+          </a:p>
+          <a:p>
+            <a:pPr marL="342900" lvl="1" indent="-342900">
+              <a:buFont typeface="Arial" pitchFamily="34" charset="0"/>
+              <a:buChar char="•"/>
+            </a:pPr>
+            <a:r>
+              <a:rPr lang="sk-SK" dirty="0" smtClean="0"/>
+              <a:t>PKI,</a:t>
+            </a:r>
+            <a:endParaRPr lang="sk-SK" dirty="0" smtClean="0"/>
+          </a:p>
+          <a:p>
+            <a:endParaRPr lang="sk-SK" dirty="0" smtClean="0"/>
+          </a:p>
+          <a:p>
+            <a:r>
+              <a:rPr lang="sk-SK" dirty="0" smtClean="0"/>
+              <a:t>urýchlenie </a:t>
+            </a:r>
+            <a:r>
+              <a:rPr lang="sk-SK" dirty="0" smtClean="0"/>
+              <a:t>výpočtov</a:t>
+            </a:r>
+            <a:r>
+              <a:rPr lang="en-US" dirty="0" smtClean="0"/>
+              <a:t>/</a:t>
+            </a:r>
+            <a:r>
+              <a:rPr lang="en-US" dirty="0" err="1" smtClean="0"/>
+              <a:t>komuni</a:t>
+            </a:r>
+            <a:r>
+              <a:rPr lang="sk-SK" dirty="0" smtClean="0"/>
+              <a:t>kácie s ISO7816</a:t>
+            </a:r>
+            <a:r>
+              <a:rPr lang="en-US" dirty="0" smtClean="0"/>
+              <a:t>:</a:t>
+            </a:r>
+            <a:endParaRPr lang="sk-SK" dirty="0" smtClean="0"/>
+          </a:p>
+          <a:p>
+            <a:pPr lvl="1"/>
+            <a:r>
+              <a:rPr lang="sk-SK" dirty="0" smtClean="0"/>
+              <a:t>Secure </a:t>
+            </a:r>
+            <a:r>
+              <a:rPr lang="sk-SK" dirty="0" smtClean="0"/>
+              <a:t>channel a manuálnu inštaláciu appletu.</a:t>
+            </a:r>
+          </a:p>
+        </p:txBody>
+      </p:sp>
+      <p:sp>
+        <p:nvSpPr>
+          <p:cNvPr id="4" name="Slide Number Placeholder 3"/>
+          <p:cNvSpPr>
+            <a:spLocks noGrp="1"/>
+          </p:cNvSpPr>
+          <p:nvPr>
+            <p:ph type="sldNum" sz="quarter" idx="12"/>
+          </p:nvPr>
+        </p:nvSpPr>
+        <p:spPr/>
+        <p:txBody>
+          <a:bodyPr/>
+          <a:lstStyle/>
+          <a:p>
+            <a:fld id="{8C584B50-B360-452D-AFC7-DEF83B5F5806}" type="slidenum">
+              <a:rPr lang="en-US" smtClean="0"/>
+              <a:pPr/>
+              <a:t>26</a:t>
+            </a:fld>
+            <a:r>
+              <a:rPr lang="en-US" dirty="0" smtClean="0"/>
+              <a:t>/2</a:t>
+            </a:r>
+            <a:r>
+              <a:rPr lang="sk-SK" dirty="0" smtClean="0"/>
+              <a:t>7</a:t>
+            </a:r>
+            <a:endParaRPr lang="en-US" dirty="0"/>
+          </a:p>
+        </p:txBody>
+      </p:sp>
+    </p:spTree>
+  </p:cSld>
+  <p:clrMapOvr>
+    <a:masterClrMapping/>
+  </p:clrMapOvr>
+  <p:timing>
+    <p:tnLst>
+      <p:par>
+        <p:cTn id="1" dur="indefinite" restart="never" nodeType="tmRoot"/>
+      </p:par>
+    </p:tnLst>
+  </p:timing>
+</p:sld>
+</file>
+
+<file path=ppt/slides/slide27.xml><?xml version="1.0" encoding="utf-8"?>
+<p:sld xmlns:a="http://schemas.openxmlformats.org/drawingml/2006/main" xmlns:r="http://schemas.openxmlformats.org/officeDocument/2006/relationships" xmlns:p="http://schemas.openxmlformats.org/presentationml/2006/main">
+  <p:cSld>
+    <p:spTree>
+      <p:nvGrpSpPr>
+        <p:cNvPr id="1" name=""/>
+        <p:cNvGrpSpPr/>
+        <p:nvPr/>
+      </p:nvGrpSpPr>
+      <p:grpSpPr>
+        <a:xfrm>
+          <a:off x="0" y="0"/>
+          <a:ext cx="0" cy="0"/>
+          <a:chOff x="0" y="0"/>
+          <a:chExt cx="0" cy="0"/>
+        </a:xfrm>
+      </p:grpSpPr>
+      <p:sp>
+        <p:nvSpPr>
+          <p:cNvPr id="2" name="Title 1"/>
+          <p:cNvSpPr>
+            <a:spLocks noGrp="1"/>
+          </p:cNvSpPr>
+          <p:nvPr>
+            <p:ph type="title"/>
+          </p:nvPr>
+        </p:nvSpPr>
+        <p:spPr/>
+        <p:txBody>
+          <a:bodyPr>
+            <a:normAutofit/>
+          </a:bodyPr>
+          <a:lstStyle/>
+          <a:p>
+            <a:r>
+              <a:rPr lang="en-US" dirty="0" err="1" smtClean="0"/>
+              <a:t>Ot</a:t>
+            </a:r>
+            <a:r>
+              <a:rPr lang="sk-SK" dirty="0" smtClean="0"/>
+              <a:t>ázky</a:t>
+            </a:r>
+            <a:r>
+              <a:rPr lang="en-US" dirty="0" smtClean="0"/>
+              <a:t>?</a:t>
+            </a:r>
+            <a:endParaRPr lang="en-US" dirty="0"/>
+          </a:p>
+        </p:txBody>
+      </p:sp>
+      <p:sp>
+        <p:nvSpPr>
+          <p:cNvPr id="3" name="Content Placeholder 2"/>
+          <p:cNvSpPr>
+            <a:spLocks noGrp="1"/>
+          </p:cNvSpPr>
+          <p:nvPr>
+            <p:ph idx="1"/>
+          </p:nvPr>
+        </p:nvSpPr>
+        <p:spPr>
+          <a:xfrm>
+            <a:off x="457200" y="1143000"/>
+            <a:ext cx="8229600" cy="5562600"/>
+          </a:xfrm>
+        </p:spPr>
+        <p:txBody>
+          <a:bodyPr>
+            <a:noAutofit/>
+          </a:bodyPr>
+          <a:lstStyle/>
+          <a:p>
+            <a:r>
+              <a:rPr lang="sk-SK" sz="1800" dirty="0" smtClean="0"/>
+              <a:t>Motivácia</a:t>
+            </a:r>
+            <a:endParaRPr lang="en-US" sz="1800" dirty="0" smtClean="0"/>
+          </a:p>
+          <a:p>
+            <a:r>
+              <a:rPr lang="sk-SK" sz="1800" dirty="0" smtClean="0"/>
+              <a:t>Informačná bezpečnosť</a:t>
+            </a:r>
+          </a:p>
+          <a:p>
+            <a:r>
+              <a:rPr lang="sk-SK" sz="1800" dirty="0" smtClean="0"/>
+              <a:t>Typy útokov</a:t>
+            </a:r>
+            <a:endParaRPr lang="en-US" sz="1800" dirty="0" smtClean="0"/>
+          </a:p>
+          <a:p>
+            <a:r>
+              <a:rPr lang="en-US" sz="1800" dirty="0" err="1" smtClean="0"/>
+              <a:t>Aktu</a:t>
+            </a:r>
+            <a:r>
+              <a:rPr lang="sk-SK" sz="1800" dirty="0" smtClean="0"/>
+              <a:t>álny s</a:t>
+            </a:r>
+            <a:r>
+              <a:rPr lang="en-US" sz="1800" dirty="0" err="1" smtClean="0"/>
+              <a:t>tav</a:t>
+            </a:r>
+            <a:r>
+              <a:rPr lang="en-US" sz="1800" dirty="0" smtClean="0"/>
+              <a:t> </a:t>
+            </a:r>
+            <a:r>
+              <a:rPr lang="sk-SK" sz="1800" dirty="0" smtClean="0"/>
+              <a:t>vo WPAN 802.15</a:t>
+            </a:r>
+            <a:endParaRPr lang="en-US" sz="1800" dirty="0" smtClean="0"/>
+          </a:p>
+          <a:p>
+            <a:r>
+              <a:rPr lang="sk-SK" sz="1800" dirty="0" smtClean="0"/>
+              <a:t>Navrhnuté riešenie</a:t>
+            </a:r>
+          </a:p>
+          <a:p>
+            <a:r>
+              <a:rPr lang="sk-SK" sz="1800" dirty="0" smtClean="0"/>
+              <a:t>Implementácia</a:t>
+            </a:r>
+            <a:r>
+              <a:rPr lang="en-US" sz="1800" dirty="0" smtClean="0"/>
+              <a:t>:</a:t>
+            </a:r>
+          </a:p>
+          <a:p>
+            <a:pPr lvl="1">
+              <a:spcBef>
+                <a:spcPts val="100"/>
+              </a:spcBef>
+            </a:pPr>
+            <a:r>
+              <a:rPr lang="sk-SK" sz="1800" dirty="0" smtClean="0"/>
+              <a:t>Bezdrôtová komunikácia</a:t>
+            </a:r>
+          </a:p>
+          <a:p>
+            <a:pPr lvl="1">
+              <a:spcBef>
+                <a:spcPts val="100"/>
+              </a:spcBef>
+            </a:pPr>
+            <a:r>
+              <a:rPr lang="sk-SK" sz="1800" dirty="0" smtClean="0"/>
+              <a:t>Model siete </a:t>
+            </a:r>
+          </a:p>
+          <a:p>
+            <a:pPr lvl="1">
+              <a:spcBef>
+                <a:spcPts val="100"/>
+              </a:spcBef>
+            </a:pPr>
+            <a:r>
+              <a:rPr lang="en-US" sz="1800" dirty="0" smtClean="0"/>
+              <a:t>Segment</a:t>
+            </a:r>
+            <a:r>
+              <a:rPr lang="sk-SK" sz="1800" dirty="0" smtClean="0"/>
+              <a:t>ácia správ </a:t>
+            </a:r>
+          </a:p>
+          <a:p>
+            <a:pPr lvl="1">
+              <a:spcBef>
+                <a:spcPts val="100"/>
+              </a:spcBef>
+            </a:pPr>
+            <a:r>
+              <a:rPr lang="sk-SK" sz="1800" dirty="0" smtClean="0"/>
+              <a:t>SW AES-128 a HW AES-128</a:t>
+            </a:r>
+            <a:endParaRPr lang="en-US" sz="1800" dirty="0" smtClean="0"/>
+          </a:p>
+          <a:p>
+            <a:pPr lvl="1">
+              <a:spcBef>
+                <a:spcPts val="100"/>
+              </a:spcBef>
+            </a:pPr>
+            <a:r>
+              <a:rPr lang="sk-SK" sz="1800" dirty="0" smtClean="0"/>
+              <a:t>ISO7816</a:t>
+            </a:r>
+            <a:endParaRPr lang="en-US" sz="1800" dirty="0" smtClean="0"/>
+          </a:p>
+          <a:p>
+            <a:pPr lvl="1">
+              <a:spcBef>
+                <a:spcPts val="100"/>
+              </a:spcBef>
+            </a:pPr>
+            <a:r>
+              <a:rPr lang="sk-SK" sz="1800" dirty="0" smtClean="0"/>
+              <a:t>Schémy, DPS</a:t>
+            </a:r>
+            <a:endParaRPr lang="en-US" sz="1800" dirty="0" smtClean="0"/>
+          </a:p>
+          <a:p>
+            <a:pPr lvl="1">
+              <a:spcBef>
+                <a:spcPts val="100"/>
+              </a:spcBef>
+            </a:pPr>
+            <a:r>
+              <a:rPr lang="sk-SK" sz="1800" dirty="0" smtClean="0"/>
+              <a:t>JavaCard</a:t>
+            </a:r>
+            <a:endParaRPr lang="en-US" sz="1800" dirty="0" smtClean="0"/>
+          </a:p>
+          <a:p>
+            <a:pPr lvl="1">
+              <a:spcBef>
+                <a:spcPts val="100"/>
+              </a:spcBef>
+            </a:pPr>
+            <a:r>
+              <a:rPr lang="sk-SK" sz="1800" dirty="0" smtClean="0"/>
+              <a:t>Funkcionalita k</a:t>
+            </a:r>
+            <a:r>
+              <a:rPr lang="en-US" sz="1800" dirty="0" err="1" smtClean="0"/>
+              <a:t>onzol</a:t>
+            </a:r>
+            <a:r>
+              <a:rPr lang="sk-SK" sz="1800" dirty="0" smtClean="0"/>
+              <a:t>y</a:t>
+            </a:r>
+            <a:endParaRPr lang="en-US" sz="1800" dirty="0" smtClean="0"/>
+          </a:p>
+          <a:p>
+            <a:r>
+              <a:rPr lang="sk-SK" sz="1800" dirty="0" smtClean="0"/>
+              <a:t>Testovanie a vyhodnotenie</a:t>
+            </a:r>
+            <a:endParaRPr lang="en-US" sz="1800" dirty="0" smtClean="0"/>
+          </a:p>
+          <a:p>
+            <a:r>
+              <a:rPr lang="sk-SK" sz="1800" dirty="0" smtClean="0"/>
+              <a:t>Sebakritika</a:t>
+            </a:r>
+            <a:endParaRPr lang="en-US" sz="1800" dirty="0" smtClean="0"/>
+          </a:p>
+          <a:p>
+            <a:r>
+              <a:rPr lang="en-US" sz="1800" dirty="0" smtClean="0"/>
+              <a:t>Z</a:t>
+            </a:r>
+            <a:r>
+              <a:rPr lang="sk-SK" sz="1800" dirty="0" smtClean="0"/>
+              <a:t>áver</a:t>
+            </a:r>
+            <a:endParaRPr lang="en-US" sz="1800" dirty="0" smtClean="0"/>
+          </a:p>
+          <a:p>
+            <a:r>
+              <a:rPr lang="sk-SK" sz="1800" dirty="0" smtClean="0"/>
+              <a:t>Plány do budúcna</a:t>
+            </a:r>
+            <a:endParaRPr lang="en-US" sz="1800" dirty="0"/>
+          </a:p>
+        </p:txBody>
+      </p:sp>
+    </p:spTree>
+  </p:cSld>
+  <p:clrMapOvr>
+    <a:masterClrMapping/>
+  </p:clrMapOvr>
+  <p:timing>
+    <p:tnLst>
+      <p:par>
+        <p:cTn id="1" dur="indefinite" restart="never" nodeType="tmRoot"/>
+      </p:par>
+    </p:tnLst>
+  </p:timing>
+</p:sld>
+</file>
+
+<file path=ppt/slides/slide28.xml><?xml version="1.0" encoding="utf-8"?>
+<p:sld xmlns:a="http://schemas.openxmlformats.org/drawingml/2006/main" xmlns:r="http://schemas.openxmlformats.org/officeDocument/2006/relationships" xmlns:p="http://schemas.openxmlformats.org/presentationml/2006/main">
+  <p:cSld>
+    <p:spTree>
+      <p:nvGrpSpPr>
+        <p:cNvPr id="1" name=""/>
+        <p:cNvGrpSpPr/>
+        <p:nvPr/>
+      </p:nvGrpSpPr>
+      <p:grpSpPr>
+        <a:xfrm>
+          <a:off x="0" y="0"/>
+          <a:ext cx="0" cy="0"/>
+          <a:chOff x="0" y="0"/>
+          <a:chExt cx="0" cy="0"/>
+        </a:xfrm>
+      </p:grpSpPr>
+      <p:sp>
+        <p:nvSpPr>
+          <p:cNvPr id="2" name="Title 1"/>
+          <p:cNvSpPr>
+            <a:spLocks noGrp="1"/>
+          </p:cNvSpPr>
+          <p:nvPr>
+            <p:ph type="title"/>
+          </p:nvPr>
+        </p:nvSpPr>
+        <p:spPr/>
+        <p:txBody>
+          <a:bodyPr>
+            <a:normAutofit/>
+          </a:bodyPr>
+          <a:lstStyle/>
+          <a:p>
+            <a:r>
+              <a:rPr lang="sk-SK" dirty="0" smtClean="0"/>
+              <a:t>Používané technológie</a:t>
+            </a:r>
+            <a:endParaRPr lang="en-US" dirty="0"/>
+          </a:p>
+        </p:txBody>
+      </p:sp>
+      <p:sp>
+        <p:nvSpPr>
+          <p:cNvPr id="3" name="Content Placeholder 2"/>
+          <p:cNvSpPr>
+            <a:spLocks noGrp="1"/>
+          </p:cNvSpPr>
+          <p:nvPr>
+            <p:ph idx="1"/>
+          </p:nvPr>
+        </p:nvSpPr>
+        <p:spPr/>
+        <p:txBody>
+          <a:bodyPr/>
+          <a:lstStyle/>
+          <a:p>
+            <a:r>
+              <a:rPr lang="sk-SK" dirty="0" smtClean="0"/>
+              <a:t>Viac m</a:t>
+            </a:r>
+            <a:r>
+              <a:rPr lang="en-US" dirty="0" err="1" smtClean="0"/>
+              <a:t>arketing</a:t>
+            </a:r>
+            <a:r>
+              <a:rPr lang="en-US" dirty="0" smtClean="0"/>
+              <a:t> ako </a:t>
+            </a:r>
+            <a:r>
+              <a:rPr lang="en-US" dirty="0" err="1" smtClean="0"/>
+              <a:t>technol</a:t>
+            </a:r>
+            <a:r>
+              <a:rPr lang="sk-SK" dirty="0" smtClean="0"/>
+              <a:t>ógie</a:t>
+            </a:r>
+            <a:r>
+              <a:rPr lang="en-US" dirty="0" smtClean="0"/>
+              <a:t> a </a:t>
+            </a:r>
+            <a:r>
+              <a:rPr lang="en-US" dirty="0" err="1" smtClean="0"/>
+              <a:t>parametre</a:t>
+            </a:r>
+            <a:r>
+              <a:rPr lang="en-US" dirty="0" smtClean="0"/>
+              <a:t>:</a:t>
+            </a:r>
+          </a:p>
+          <a:p>
+            <a:pPr lvl="1"/>
+            <a:r>
+              <a:rPr lang="sk-SK" dirty="0" smtClean="0"/>
+              <a:t>iControl Networks</a:t>
+            </a:r>
+            <a:r>
+              <a:rPr lang="en-US" dirty="0" smtClean="0"/>
+              <a:t>:</a:t>
+            </a:r>
+            <a:r>
+              <a:rPr lang="sk-SK" dirty="0" smtClean="0"/>
+              <a:t> </a:t>
+            </a:r>
+            <a:r>
+              <a:rPr lang="en-US" dirty="0" err="1" smtClean="0"/>
+              <a:t>ZigBee</a:t>
+            </a:r>
+            <a:r>
+              <a:rPr lang="en-US" dirty="0" smtClean="0"/>
+              <a:t>, Z-Wave</a:t>
+            </a:r>
+          </a:p>
+          <a:p>
+            <a:pPr lvl="1"/>
+            <a:r>
+              <a:rPr lang="en-US" dirty="0" err="1" smtClean="0"/>
+              <a:t>BeeWi</a:t>
+            </a:r>
+            <a:r>
+              <a:rPr lang="en-US" dirty="0" smtClean="0"/>
+              <a:t>: Bluetooth</a:t>
+            </a:r>
+            <a:endParaRPr lang="sk-SK" dirty="0" smtClean="0"/>
+          </a:p>
+          <a:p>
+            <a:pPr lvl="1"/>
+            <a:r>
+              <a:rPr lang="sk-SK" dirty="0" smtClean="0"/>
+              <a:t>Samsung SmartThings hub</a:t>
+            </a:r>
+            <a:r>
+              <a:rPr lang="en-US" dirty="0" smtClean="0"/>
+              <a:t>: </a:t>
+            </a:r>
+            <a:r>
+              <a:rPr lang="en-US" dirty="0" err="1" smtClean="0"/>
+              <a:t>WiFi</a:t>
+            </a:r>
+            <a:r>
+              <a:rPr lang="en-US" dirty="0" smtClean="0"/>
+              <a:t>, Z-Wave, LAN, </a:t>
+            </a:r>
+            <a:r>
+              <a:rPr lang="en-US" dirty="0" err="1" smtClean="0"/>
+              <a:t>ZigBee</a:t>
+            </a:r>
+            <a:endParaRPr lang="en-US" dirty="0"/>
+          </a:p>
+        </p:txBody>
+      </p:sp>
+    </p:spTree>
+  </p:cSld>
+  <p:clrMapOvr>
+    <a:masterClrMapping/>
+  </p:clrMapOvr>
+  <p:timing>
+    <p:tnLst>
+      <p:par>
+        <p:cTn id="1" dur="indefinite" restart="never" nodeType="tmRoot"/>
+      </p:par>
+    </p:tnLst>
+  </p:timing>
+</p:sld>
+</file>
+
+<file path=ppt/slides/slide29.xml><?xml version="1.0" encoding="utf-8"?>
+<p:sld xmlns:a="http://schemas.openxmlformats.org/drawingml/2006/main" xmlns:r="http://schemas.openxmlformats.org/officeDocument/2006/relationships" xmlns:p="http://schemas.openxmlformats.org/presentationml/2006/main">
+  <p:cSld>
+    <p:spTree>
+      <p:nvGrpSpPr>
+        <p:cNvPr id="1" name=""/>
+        <p:cNvGrpSpPr/>
+        <p:nvPr/>
+      </p:nvGrpSpPr>
+      <p:grpSpPr>
+        <a:xfrm>
+          <a:off x="0" y="0"/>
+          <a:ext cx="0" cy="0"/>
+          <a:chOff x="0" y="0"/>
+          <a:chExt cx="0" cy="0"/>
+        </a:xfrm>
+      </p:grpSpPr>
+      <p:sp>
+        <p:nvSpPr>
+          <p:cNvPr id="2" name="Title 1"/>
+          <p:cNvSpPr>
+            <a:spLocks noGrp="1"/>
+          </p:cNvSpPr>
+          <p:nvPr>
+            <p:ph type="title"/>
+          </p:nvPr>
+        </p:nvSpPr>
+        <p:spPr/>
+        <p:txBody>
+          <a:bodyPr>
+            <a:normAutofit/>
+          </a:bodyPr>
+          <a:lstStyle/>
+          <a:p>
+            <a:r>
+              <a:rPr lang="en-US" dirty="0" err="1" smtClean="0"/>
+              <a:t>Odpor</a:t>
+            </a:r>
+            <a:r>
+              <a:rPr lang="sk-SK" dirty="0" smtClean="0"/>
+              <a:t>účané aplikácie sietí</a:t>
+            </a:r>
+            <a:endParaRPr lang="en-US" dirty="0"/>
+          </a:p>
+        </p:txBody>
+      </p:sp>
+      <p:sp>
+        <p:nvSpPr>
+          <p:cNvPr id="3" name="Content Placeholder 2"/>
+          <p:cNvSpPr>
+            <a:spLocks noGrp="1"/>
+          </p:cNvSpPr>
+          <p:nvPr>
+            <p:ph sz="half" idx="1"/>
+          </p:nvPr>
+        </p:nvSpPr>
+        <p:spPr/>
+        <p:txBody>
+          <a:bodyPr/>
+          <a:lstStyle/>
+          <a:p>
+            <a:r>
+              <a:rPr lang="sk-SK" dirty="0" smtClean="0"/>
+              <a:t>NFC</a:t>
+            </a:r>
+          </a:p>
+          <a:p>
+            <a:r>
+              <a:rPr lang="sk-SK" dirty="0" smtClean="0"/>
+              <a:t>RFID</a:t>
+            </a:r>
+          </a:p>
+          <a:p>
+            <a:r>
+              <a:rPr lang="sk-SK" dirty="0" smtClean="0"/>
+              <a:t>ANT</a:t>
+            </a:r>
+          </a:p>
+          <a:p>
+            <a:r>
+              <a:rPr lang="en-US" dirty="0" smtClean="0"/>
+              <a:t>Bluetooth</a:t>
+            </a:r>
+            <a:endParaRPr lang="sk-SK" dirty="0" smtClean="0"/>
+          </a:p>
+          <a:p>
+            <a:r>
+              <a:rPr lang="sk-SK" dirty="0" smtClean="0"/>
+              <a:t>ZigBee</a:t>
+            </a:r>
+          </a:p>
+          <a:p>
+            <a:r>
+              <a:rPr lang="sk-SK" dirty="0" smtClean="0"/>
+              <a:t>SigFox</a:t>
+            </a:r>
+            <a:r>
+              <a:rPr lang="en-US" dirty="0" smtClean="0"/>
+              <a:t>/</a:t>
+            </a:r>
+            <a:r>
+              <a:rPr lang="sk-SK" dirty="0" smtClean="0"/>
+              <a:t>LoRa WAN</a:t>
+            </a:r>
+          </a:p>
+          <a:p>
+            <a:r>
+              <a:rPr lang="sk-SK" dirty="0" smtClean="0"/>
+              <a:t>WiFi</a:t>
+            </a:r>
+          </a:p>
+          <a:p>
+            <a:endParaRPr lang="en-US" dirty="0"/>
+          </a:p>
+        </p:txBody>
+      </p:sp>
+      <p:sp>
+        <p:nvSpPr>
+          <p:cNvPr id="5" name="Content Placeholder 4"/>
+          <p:cNvSpPr>
+            <a:spLocks noGrp="1"/>
+          </p:cNvSpPr>
+          <p:nvPr>
+            <p:ph sz="half" idx="2"/>
+          </p:nvPr>
+        </p:nvSpPr>
+        <p:spPr>
+          <a:xfrm>
+            <a:off x="3733800" y="1600200"/>
+            <a:ext cx="1295400" cy="4525963"/>
+          </a:xfrm>
+        </p:spPr>
+        <p:txBody>
+          <a:bodyPr/>
+          <a:lstStyle/>
+          <a:p>
+            <a:endParaRPr lang="en-US" dirty="0" smtClean="0"/>
+          </a:p>
+          <a:p>
+            <a:pPr>
+              <a:spcBef>
+                <a:spcPts val="1700"/>
+              </a:spcBef>
+            </a:pPr>
+            <a:r>
+              <a:rPr lang="en-US" dirty="0" smtClean="0"/>
+              <a:t>GSM</a:t>
+            </a:r>
+            <a:endParaRPr lang="en-US" dirty="0"/>
+          </a:p>
+        </p:txBody>
+      </p:sp>
+      <p:sp>
+        <p:nvSpPr>
+          <p:cNvPr id="6" name="Content Placeholder 4"/>
+          <p:cNvSpPr txBox="1">
+            <a:spLocks/>
+          </p:cNvSpPr>
+          <p:nvPr/>
+        </p:nvSpPr>
+        <p:spPr>
+          <a:xfrm>
+            <a:off x="5715000" y="1600200"/>
+            <a:ext cx="2819400" cy="4525963"/>
+          </a:xfrm>
+          <a:prstGeom prst="rect">
+            <a:avLst/>
+          </a:prstGeom>
+        </p:spPr>
+        <p:txBody>
+          <a:bodyPr vert="horz" lIns="91440" tIns="45720" rIns="91440" bIns="45720" rtlCol="0">
+            <a:normAutofit/>
+          </a:bodyPr>
+          <a:lstStyle/>
+          <a:p>
+            <a:pPr marL="342900" marR="0" lvl="0" indent="-342900" algn="l" defTabSz="914400" rtl="0" eaLnBrk="1" fontAlgn="auto" latinLnBrk="0" hangingPunct="1">
+              <a:lnSpc>
+                <a:spcPct val="100000"/>
+              </a:lnSpc>
+              <a:spcBef>
+                <a:spcPct val="20000"/>
+              </a:spcBef>
+              <a:spcAft>
+                <a:spcPts val="0"/>
+              </a:spcAft>
+              <a:buClrTx/>
+              <a:buSzTx/>
+              <a:buFont typeface="Arial" pitchFamily="34" charset="0"/>
+              <a:buChar char="•"/>
+              <a:tabLst/>
+              <a:defRPr/>
+            </a:pPr>
+            <a:endParaRPr kumimoji="0" lang="en-US" sz="2800" b="0" i="0" u="none" strike="noStrike" kern="1200" cap="none" spc="0" normalizeH="0" baseline="0" noProof="0" dirty="0" smtClean="0">
+              <a:ln>
+                <a:noFill/>
+              </a:ln>
+              <a:solidFill>
+                <a:schemeClr val="tx1"/>
+              </a:solidFill>
+              <a:effectLst/>
+              <a:uLnTx/>
+              <a:uFillTx/>
+              <a:latin typeface="+mn-lt"/>
+              <a:ea typeface="+mn-ea"/>
+              <a:cs typeface="+mn-cs"/>
+            </a:endParaRPr>
+          </a:p>
+          <a:p>
+            <a:pPr marL="342900" marR="0" lvl="0" indent="-342900" algn="l" defTabSz="914400" rtl="0" eaLnBrk="1" fontAlgn="auto" latinLnBrk="0" hangingPunct="1">
+              <a:lnSpc>
+                <a:spcPct val="100000"/>
+              </a:lnSpc>
+              <a:spcBef>
+                <a:spcPts val="1700"/>
+              </a:spcBef>
+              <a:spcAft>
+                <a:spcPts val="0"/>
+              </a:spcAft>
+              <a:buClrTx/>
+              <a:buSzTx/>
+              <a:buFont typeface="Arial" pitchFamily="34" charset="0"/>
+              <a:buChar char="•"/>
+              <a:tabLst/>
+              <a:defRPr/>
+            </a:pPr>
+            <a:endParaRPr kumimoji="0" lang="en-US" sz="2800" b="0" i="0" u="none" strike="noStrike" kern="1200" cap="none" spc="0" normalizeH="0" baseline="0" noProof="0" dirty="0">
+              <a:ln>
+                <a:noFill/>
+              </a:ln>
+              <a:solidFill>
+                <a:schemeClr val="tx1"/>
+              </a:solidFill>
+              <a:effectLst/>
+              <a:uLnTx/>
+              <a:uFillTx/>
+              <a:latin typeface="+mn-lt"/>
+              <a:ea typeface="+mn-ea"/>
+              <a:cs typeface="+mn-cs"/>
+            </a:endParaRPr>
+          </a:p>
+        </p:txBody>
+      </p:sp>
+      <p:cxnSp>
+        <p:nvCxnSpPr>
+          <p:cNvPr id="8" name="Straight Arrow Connector 7"/>
+          <p:cNvCxnSpPr/>
+          <p:nvPr/>
+        </p:nvCxnSpPr>
+        <p:spPr>
+          <a:xfrm rot="5400000">
+            <a:off x="4000222" y="3619222"/>
+            <a:ext cx="3885406" cy="1350"/>
+          </a:xfrm>
+          <a:prstGeom prst="straightConnector1">
+            <a:avLst/>
+          </a:prstGeom>
+          <a:ln>
+            <a:tailEnd type="arrow"/>
+          </a:ln>
+        </p:spPr>
+        <p:style>
+          <a:lnRef idx="3">
+            <a:schemeClr val="dk1"/>
+          </a:lnRef>
+          <a:fillRef idx="0">
+            <a:schemeClr val="dk1"/>
+          </a:fillRef>
+          <a:effectRef idx="2">
+            <a:schemeClr val="dk1"/>
+          </a:effectRef>
+          <a:fontRef idx="minor">
+            <a:schemeClr val="tx1"/>
+          </a:fontRef>
+        </p:style>
+      </p:cxnSp>
+      <p:sp>
+        <p:nvSpPr>
+          <p:cNvPr id="9" name="Content Placeholder 4"/>
+          <p:cNvSpPr txBox="1">
+            <a:spLocks/>
+          </p:cNvSpPr>
+          <p:nvPr/>
+        </p:nvSpPr>
+        <p:spPr>
+          <a:xfrm>
+            <a:off x="6096000" y="1798637"/>
+            <a:ext cx="2514600" cy="4525963"/>
+          </a:xfrm>
+          <a:prstGeom prst="rect">
+            <a:avLst/>
+          </a:prstGeom>
+        </p:spPr>
+        <p:txBody>
+          <a:bodyPr vert="horz" lIns="91440" tIns="45720" rIns="91440" bIns="45720" rtlCol="0">
+            <a:normAutofit/>
+          </a:bodyPr>
+          <a:lstStyle/>
+          <a:p>
+            <a:pPr marL="342900" marR="0" lvl="0" indent="-342900" algn="l" defTabSz="914400" rtl="0" eaLnBrk="1" fontAlgn="auto" latinLnBrk="0" hangingPunct="1">
+              <a:lnSpc>
+                <a:spcPct val="100000"/>
+              </a:lnSpc>
+              <a:spcBef>
+                <a:spcPct val="20000"/>
+              </a:spcBef>
+              <a:spcAft>
+                <a:spcPts val="0"/>
+              </a:spcAft>
+              <a:buClrTx/>
+              <a:buSzTx/>
+              <a:tabLst/>
+              <a:defRPr/>
+            </a:pPr>
+            <a:r>
+              <a:rPr kumimoji="0" lang="sk-SK" sz="2800" b="0" i="0" u="none" strike="noStrike" kern="1200" cap="none" spc="0" normalizeH="0" baseline="0" noProof="0" dirty="0" smtClean="0">
+                <a:ln>
+                  <a:noFill/>
+                </a:ln>
+                <a:solidFill>
+                  <a:schemeClr val="tx1"/>
+                </a:solidFill>
+                <a:effectLst/>
+                <a:uLnTx/>
+                <a:uFillTx/>
+                <a:latin typeface="+mn-lt"/>
+                <a:ea typeface="+mn-ea"/>
+                <a:cs typeface="+mn-cs"/>
+              </a:rPr>
+              <a:t>Parametre</a:t>
+            </a:r>
+            <a:r>
+              <a:rPr kumimoji="0" lang="en-US" sz="2800" b="0" i="0" u="none" strike="noStrike" kern="1200" cap="none" spc="0" normalizeH="0" baseline="0" noProof="0" dirty="0" smtClean="0">
+                <a:ln>
+                  <a:noFill/>
+                </a:ln>
+                <a:solidFill>
+                  <a:schemeClr val="tx1"/>
+                </a:solidFill>
+                <a:effectLst/>
+                <a:uLnTx/>
+                <a:uFillTx/>
+                <a:latin typeface="+mn-lt"/>
+                <a:ea typeface="+mn-ea"/>
+                <a:cs typeface="+mn-cs"/>
+              </a:rPr>
+              <a:t>:</a:t>
+            </a:r>
+          </a:p>
+          <a:p>
+            <a:pPr marL="342900" marR="0" lvl="0" indent="-342900" algn="l" defTabSz="914400" rtl="0" eaLnBrk="1" fontAlgn="auto" latinLnBrk="0" hangingPunct="1">
+              <a:lnSpc>
+                <a:spcPct val="100000"/>
+              </a:lnSpc>
+              <a:spcBef>
+                <a:spcPts val="1200"/>
+              </a:spcBef>
+              <a:spcAft>
+                <a:spcPts val="0"/>
+              </a:spcAft>
+              <a:buClrTx/>
+              <a:buSzTx/>
+              <a:tabLst/>
+              <a:defRPr/>
+            </a:pPr>
+            <a:r>
+              <a:rPr kumimoji="0" lang="en-US" sz="2800" b="0" i="0" u="none" strike="noStrike" kern="1200" cap="none" spc="0" normalizeH="0" baseline="0" noProof="0" dirty="0" smtClean="0">
+                <a:ln>
+                  <a:noFill/>
+                </a:ln>
+                <a:solidFill>
+                  <a:schemeClr val="tx1"/>
+                </a:solidFill>
+                <a:effectLst/>
+                <a:uLnTx/>
+                <a:uFillTx/>
+                <a:latin typeface="+mn-lt"/>
+                <a:ea typeface="+mn-ea"/>
+                <a:cs typeface="+mn-cs"/>
+              </a:rPr>
+              <a:t>	</a:t>
+            </a:r>
+            <a:r>
+              <a:rPr kumimoji="0" lang="sk-SK" sz="2800" b="0" i="0" u="none" strike="noStrike" kern="1200" cap="none" spc="0" normalizeH="0" baseline="0" noProof="0" dirty="0" smtClean="0">
+                <a:ln>
+                  <a:noFill/>
+                </a:ln>
+                <a:solidFill>
+                  <a:schemeClr val="tx1"/>
+                </a:solidFill>
+                <a:effectLst/>
+                <a:uLnTx/>
+                <a:uFillTx/>
+                <a:latin typeface="+mn-lt"/>
+                <a:ea typeface="+mn-ea"/>
+                <a:cs typeface="+mn-cs"/>
+              </a:rPr>
+              <a:t>Veľkosť</a:t>
+            </a:r>
+            <a:r>
+              <a:rPr kumimoji="0" lang="sk-SK" sz="2800" b="0" i="0" u="none" strike="noStrike" kern="1200" cap="none" spc="0" normalizeH="0" noProof="0" dirty="0" smtClean="0">
+                <a:ln>
+                  <a:noFill/>
+                </a:ln>
+                <a:solidFill>
+                  <a:schemeClr val="tx1"/>
+                </a:solidFill>
+                <a:effectLst/>
+                <a:uLnTx/>
+                <a:uFillTx/>
+                <a:latin typeface="+mn-lt"/>
+                <a:ea typeface="+mn-ea"/>
+                <a:cs typeface="+mn-cs"/>
+              </a:rPr>
+              <a:t> </a:t>
+            </a:r>
+            <a:r>
+              <a:rPr kumimoji="0" lang="sk-SK" sz="2800" b="0" i="0" u="none" strike="noStrike" kern="1200" cap="none" spc="0" normalizeH="0" baseline="0" noProof="0" dirty="0" smtClean="0">
+                <a:ln>
+                  <a:noFill/>
+                </a:ln>
+                <a:solidFill>
+                  <a:schemeClr val="tx1"/>
+                </a:solidFill>
+                <a:effectLst/>
+                <a:uLnTx/>
+                <a:uFillTx/>
+                <a:latin typeface="+mn-lt"/>
+                <a:ea typeface="+mn-ea"/>
+                <a:cs typeface="+mn-cs"/>
+              </a:rPr>
+              <a:t>siete</a:t>
+            </a:r>
+          </a:p>
+          <a:p>
+            <a:pPr marL="342900" marR="0" lvl="0" indent="-342900" algn="l" defTabSz="914400" rtl="0" eaLnBrk="1" fontAlgn="auto" latinLnBrk="0" hangingPunct="1">
+              <a:lnSpc>
+                <a:spcPct val="100000"/>
+              </a:lnSpc>
+              <a:spcBef>
+                <a:spcPts val="1200"/>
+              </a:spcBef>
+              <a:spcAft>
+                <a:spcPts val="0"/>
+              </a:spcAft>
+              <a:buClrTx/>
+              <a:buSzTx/>
+              <a:tabLst/>
+              <a:defRPr/>
+            </a:pPr>
+            <a:r>
+              <a:rPr lang="en-US" sz="2800" dirty="0" smtClean="0"/>
+              <a:t>	</a:t>
+            </a:r>
+            <a:r>
+              <a:rPr lang="sk-SK" sz="2800" dirty="0" smtClean="0"/>
+              <a:t>Flexibilita</a:t>
+            </a:r>
+          </a:p>
+          <a:p>
+            <a:pPr marL="342900" indent="-342900">
+              <a:spcBef>
+                <a:spcPts val="1200"/>
+              </a:spcBef>
+            </a:pPr>
+            <a:r>
+              <a:rPr lang="en-US" sz="2800" dirty="0" smtClean="0"/>
+              <a:t>	</a:t>
+            </a:r>
+            <a:r>
+              <a:rPr lang="sk-SK" sz="2800" dirty="0" smtClean="0"/>
+              <a:t>Spotreba</a:t>
+            </a:r>
+            <a:endParaRPr lang="en-US" sz="2800" dirty="0" smtClean="0"/>
+          </a:p>
+          <a:p>
+            <a:pPr marL="342900" indent="-342900">
+              <a:spcBef>
+                <a:spcPts val="1200"/>
+              </a:spcBef>
+            </a:pPr>
+            <a:r>
+              <a:rPr lang="en-US" sz="2800" dirty="0" smtClean="0"/>
+              <a:t>	</a:t>
+            </a:r>
+            <a:r>
+              <a:rPr lang="sk-SK" sz="2800" dirty="0" smtClean="0"/>
+              <a:t>Kom. rýchlosť</a:t>
+            </a:r>
+          </a:p>
+          <a:p>
+            <a:pPr marL="342900" marR="0" lvl="0" indent="-342900" algn="l" defTabSz="914400" rtl="0" eaLnBrk="1" fontAlgn="auto" latinLnBrk="0" hangingPunct="1">
+              <a:lnSpc>
+                <a:spcPct val="100000"/>
+              </a:lnSpc>
+              <a:spcBef>
+                <a:spcPts val="1200"/>
+              </a:spcBef>
+              <a:spcAft>
+                <a:spcPts val="0"/>
+              </a:spcAft>
+              <a:buClrTx/>
+              <a:buSzTx/>
+              <a:tabLst/>
+              <a:defRPr/>
+            </a:pPr>
+            <a:r>
+              <a:rPr kumimoji="0" lang="en-US" sz="2800" b="0" i="0" u="none" strike="noStrike" kern="1200" cap="none" spc="0" normalizeH="0" baseline="0" noProof="0" dirty="0" smtClean="0">
+                <a:ln>
+                  <a:noFill/>
+                </a:ln>
+                <a:solidFill>
+                  <a:schemeClr val="tx1"/>
+                </a:solidFill>
+                <a:effectLst/>
+                <a:uLnTx/>
+                <a:uFillTx/>
+                <a:latin typeface="+mn-lt"/>
+                <a:ea typeface="+mn-ea"/>
+                <a:cs typeface="+mn-cs"/>
+              </a:rPr>
+              <a:t>	</a:t>
+            </a:r>
+            <a:r>
+              <a:rPr kumimoji="0" lang="sk-SK" sz="2800" b="0" i="0" u="none" strike="noStrike" kern="1200" cap="none" spc="0" normalizeH="0" baseline="0" noProof="0" dirty="0" smtClean="0">
+                <a:ln>
+                  <a:noFill/>
+                </a:ln>
+                <a:solidFill>
+                  <a:schemeClr val="tx1"/>
+                </a:solidFill>
+                <a:effectLst/>
+                <a:uLnTx/>
+                <a:uFillTx/>
+                <a:latin typeface="+mn-lt"/>
+                <a:ea typeface="+mn-ea"/>
+                <a:cs typeface="+mn-cs"/>
+              </a:rPr>
+              <a:t>Dosah</a:t>
+            </a:r>
+          </a:p>
+        </p:txBody>
+      </p:sp>
+    </p:spTree>
+  </p:cSld>
+  <p:clrMapOvr>
+    <a:masterClrMapping/>
+  </p:clrMapOvr>
+  <p:timing>
+    <p:tnLst>
+      <p:par>
+        <p:cTn id="1" dur="indefinite" restart="never" nodeType="tmRoot"/>
+      </p:par>
+    </p:tnLst>
+  </p:timing>
+</p:sld>
+</file>
+
+<file path=ppt/slides/slide3.xml><?xml version="1.0" encoding="utf-8"?>
+<p:sld xmlns:a="http://schemas.openxmlformats.org/drawingml/2006/main" xmlns:r="http://schemas.openxmlformats.org/officeDocument/2006/relationships" xmlns:p="http://schemas.openxmlformats.org/presentationml/2006/main">
+  <p:cSld>
+    <p:spTree>
+      <p:nvGrpSpPr>
+        <p:cNvPr id="1" name=""/>
+        <p:cNvGrpSpPr/>
+        <p:nvPr/>
+      </p:nvGrpSpPr>
+      <p:grpSpPr>
+        <a:xfrm>
+          <a:off x="0" y="0"/>
+          <a:ext cx="0" cy="0"/>
+          <a:chOff x="0" y="0"/>
+          <a:chExt cx="0" cy="0"/>
+        </a:xfrm>
+      </p:grpSpPr>
+      <p:sp>
+        <p:nvSpPr>
+          <p:cNvPr id="2" name="Title 1"/>
+          <p:cNvSpPr>
+            <a:spLocks noGrp="1"/>
+          </p:cNvSpPr>
+          <p:nvPr>
+            <p:ph type="title"/>
+          </p:nvPr>
+        </p:nvSpPr>
+        <p:spPr/>
+        <p:txBody>
+          <a:bodyPr/>
+          <a:lstStyle/>
+          <a:p>
+            <a:r>
+              <a:rPr lang="en-US" dirty="0" err="1" smtClean="0"/>
+              <a:t>Cie</a:t>
+            </a:r>
+            <a:r>
+              <a:rPr lang="sk-SK" dirty="0" smtClean="0"/>
+              <a:t>ľ</a:t>
+            </a:r>
+            <a:endParaRPr lang="en-US" dirty="0"/>
+          </a:p>
+        </p:txBody>
+      </p:sp>
+      <p:sp>
+        <p:nvSpPr>
+          <p:cNvPr id="3" name="Content Placeholder 2"/>
+          <p:cNvSpPr>
+            <a:spLocks noGrp="1"/>
+          </p:cNvSpPr>
+          <p:nvPr>
+            <p:ph idx="1"/>
+          </p:nvPr>
+        </p:nvSpPr>
+        <p:spPr/>
+        <p:txBody>
+          <a:bodyPr>
+            <a:normAutofit/>
+          </a:bodyPr>
+          <a:lstStyle/>
+          <a:p>
+            <a:r>
+              <a:rPr lang="sk-SK" dirty="0" smtClean="0"/>
+              <a:t>Zvýšiť zabezpečenie v bezdrôtových komunikačných </a:t>
+            </a:r>
+            <a:r>
+              <a:rPr lang="sk-SK" dirty="0" smtClean="0"/>
+              <a:t>sieťach v inteligentných domácnostiach</a:t>
+            </a:r>
+            <a:endParaRPr lang="sk-SK" dirty="0" smtClean="0"/>
+          </a:p>
+        </p:txBody>
+      </p:sp>
+      <p:sp>
+        <p:nvSpPr>
+          <p:cNvPr id="4" name="Slide Number Placeholder 3"/>
+          <p:cNvSpPr>
+            <a:spLocks noGrp="1"/>
+          </p:cNvSpPr>
+          <p:nvPr>
+            <p:ph type="sldNum" sz="quarter" idx="12"/>
+          </p:nvPr>
+        </p:nvSpPr>
+        <p:spPr/>
+        <p:txBody>
+          <a:bodyPr/>
+          <a:lstStyle/>
+          <a:p>
+            <a:fld id="{8C584B50-B360-452D-AFC7-DEF83B5F5806}" type="slidenum">
+              <a:rPr lang="en-US" smtClean="0"/>
+              <a:pPr/>
+              <a:t>3</a:t>
+            </a:fld>
+            <a:r>
+              <a:rPr lang="en-US" dirty="0" smtClean="0"/>
+              <a:t>/2</a:t>
+            </a:r>
+            <a:r>
+              <a:rPr lang="sk-SK" dirty="0" smtClean="0"/>
+              <a:t>7</a:t>
+            </a:r>
+            <a:endParaRPr lang="en-US" dirty="0"/>
+          </a:p>
+        </p:txBody>
+      </p:sp>
+    </p:spTree>
+  </p:cSld>
+  <p:clrMapOvr>
+    <a:masterClrMapping/>
+  </p:clrMapOvr>
+  <p:timing>
+    <p:tnLst>
+      <p:par>
+        <p:cTn id="1" dur="indefinite" restart="never" nodeType="tmRoot"/>
+      </p:par>
+    </p:tnLst>
+  </p:timing>
+</p:sld>
+</file>
+
+<file path=ppt/slides/slide30.xml><?xml version="1.0" encoding="utf-8"?>
+<p:sld xmlns:a="http://schemas.openxmlformats.org/drawingml/2006/main" xmlns:r="http://schemas.openxmlformats.org/officeDocument/2006/relationships" xmlns:p="http://schemas.openxmlformats.org/presentationml/2006/main">
+  <p:cSld>
+    <p:spTree>
+      <p:nvGrpSpPr>
+        <p:cNvPr id="1" name=""/>
+        <p:cNvGrpSpPr/>
+        <p:nvPr/>
+      </p:nvGrpSpPr>
+      <p:grpSpPr>
+        <a:xfrm>
+          <a:off x="0" y="0"/>
+          <a:ext cx="0" cy="0"/>
+          <a:chOff x="0" y="0"/>
+          <a:chExt cx="0" cy="0"/>
+        </a:xfrm>
+      </p:grpSpPr>
+      <p:sp>
+        <p:nvSpPr>
+          <p:cNvPr id="2" name="Title 1"/>
+          <p:cNvSpPr>
+            <a:spLocks noGrp="1"/>
+          </p:cNvSpPr>
+          <p:nvPr>
+            <p:ph type="title"/>
+          </p:nvPr>
+        </p:nvSpPr>
+        <p:spPr/>
+        <p:txBody>
+          <a:bodyPr>
+            <a:normAutofit/>
+          </a:bodyPr>
+          <a:lstStyle/>
+          <a:p>
+            <a:r>
+              <a:rPr lang="sk-SK" dirty="0" smtClean="0"/>
+              <a:t>Prečo komunikačný protokol ANT</a:t>
+            </a:r>
+            <a:r>
+              <a:rPr lang="en-US" dirty="0" smtClean="0"/>
+              <a:t>?</a:t>
+            </a:r>
+            <a:endParaRPr lang="en-US" dirty="0"/>
+          </a:p>
+        </p:txBody>
+      </p:sp>
+      <p:sp>
+        <p:nvSpPr>
+          <p:cNvPr id="3" name="Content Placeholder 2"/>
+          <p:cNvSpPr>
+            <a:spLocks noGrp="1"/>
+          </p:cNvSpPr>
+          <p:nvPr>
+            <p:ph idx="1"/>
+          </p:nvPr>
+        </p:nvSpPr>
+        <p:spPr/>
+        <p:txBody>
+          <a:bodyPr>
+            <a:normAutofit/>
+          </a:bodyPr>
+          <a:lstStyle/>
+          <a:p>
+            <a:r>
+              <a:rPr lang="sk-SK" dirty="0" smtClean="0"/>
+              <a:t>nutné na niečom overiť riešenie a získať fyzické výsledky,</a:t>
+            </a:r>
+            <a:endParaRPr lang="en-US" dirty="0" smtClean="0"/>
+          </a:p>
+          <a:p>
+            <a:endParaRPr lang="sk-SK" dirty="0" smtClean="0"/>
+          </a:p>
+          <a:p>
+            <a:r>
+              <a:rPr lang="sk-SK" dirty="0" smtClean="0"/>
+              <a:t>g</a:t>
+            </a:r>
+            <a:r>
+              <a:rPr lang="en-US" dirty="0" err="1" smtClean="0"/>
+              <a:t>enerick</a:t>
+            </a:r>
+            <a:r>
+              <a:rPr lang="sk-SK" dirty="0" smtClean="0"/>
+              <a:t>ý návrh (rôznorodosť),</a:t>
+            </a:r>
+          </a:p>
+          <a:p>
+            <a:r>
+              <a:rPr lang="sk-SK" dirty="0" smtClean="0"/>
+              <a:t>IoT, WSN, vždy bude nutnosť optimalizácie na HW</a:t>
+            </a:r>
+          </a:p>
+          <a:p>
+            <a:endParaRPr lang="sk-SK" dirty="0" smtClean="0"/>
+          </a:p>
+          <a:p>
+            <a:r>
+              <a:rPr lang="sk-SK" dirty="0" smtClean="0"/>
+              <a:t>bol </a:t>
+            </a:r>
+            <a:r>
+              <a:rPr lang="en-US" dirty="0" err="1" smtClean="0"/>
+              <a:t>dostupn</a:t>
+            </a:r>
+            <a:r>
+              <a:rPr lang="sk-SK" dirty="0" smtClean="0"/>
+              <a:t>ý</a:t>
+            </a:r>
+          </a:p>
+          <a:p>
+            <a:endParaRPr lang="en-US" dirty="0"/>
+          </a:p>
+        </p:txBody>
+      </p:sp>
+    </p:spTree>
+  </p:cSld>
+  <p:clrMapOvr>
+    <a:masterClrMapping/>
+  </p:clrMapOvr>
+</p:sld>
+</file>
+
+<file path=ppt/slides/slide31.xml><?xml version="1.0" encoding="utf-8"?>
+<p:sld xmlns:a="http://schemas.openxmlformats.org/drawingml/2006/main" xmlns:r="http://schemas.openxmlformats.org/officeDocument/2006/relationships" xmlns:p="http://schemas.openxmlformats.org/presentationml/2006/main">
+  <p:cSld>
+    <p:spTree>
+      <p:nvGrpSpPr>
+        <p:cNvPr id="1" name=""/>
+        <p:cNvGrpSpPr/>
+        <p:nvPr/>
+      </p:nvGrpSpPr>
+      <p:grpSpPr>
+        <a:xfrm>
+          <a:off x="0" y="0"/>
+          <a:ext cx="0" cy="0"/>
+          <a:chOff x="0" y="0"/>
+          <a:chExt cx="0" cy="0"/>
+        </a:xfrm>
+      </p:grpSpPr>
+      <p:sp>
+        <p:nvSpPr>
+          <p:cNvPr id="2" name="Title 1"/>
+          <p:cNvSpPr>
+            <a:spLocks noGrp="1"/>
+          </p:cNvSpPr>
+          <p:nvPr>
+            <p:ph type="title"/>
+          </p:nvPr>
+        </p:nvSpPr>
+        <p:spPr/>
+        <p:txBody>
+          <a:bodyPr>
+            <a:normAutofit/>
+          </a:bodyPr>
+          <a:lstStyle/>
+          <a:p>
+            <a:r>
+              <a:rPr lang="sk-SK" dirty="0" smtClean="0"/>
+              <a:t>Najčastejšie dôvody porúch </a:t>
+            </a:r>
+            <a:endParaRPr lang="en-US" dirty="0"/>
+          </a:p>
+        </p:txBody>
+      </p:sp>
+      <p:sp>
+        <p:nvSpPr>
+          <p:cNvPr id="3" name="Content Placeholder 2"/>
+          <p:cNvSpPr>
+            <a:spLocks noGrp="1"/>
+          </p:cNvSpPr>
+          <p:nvPr>
+            <p:ph idx="1"/>
+          </p:nvPr>
+        </p:nvSpPr>
+        <p:spPr/>
+        <p:txBody>
+          <a:bodyPr>
+            <a:normAutofit/>
+          </a:bodyPr>
+          <a:lstStyle/>
+          <a:p>
+            <a:r>
+              <a:rPr lang="sk-SK" dirty="0" smtClean="0"/>
+              <a:t>Protiopatrenia</a:t>
+            </a:r>
+            <a:r>
+              <a:rPr lang="en-US" dirty="0" smtClean="0"/>
+              <a:t>:</a:t>
+            </a:r>
+            <a:endParaRPr lang="sk-SK" dirty="0" smtClean="0"/>
+          </a:p>
+          <a:p>
+            <a:pPr lvl="1"/>
+            <a:r>
+              <a:rPr lang="sk-SK" dirty="0" smtClean="0"/>
+              <a:t>pred-pripravovanie dát, posielanie neskôr,</a:t>
+            </a:r>
+          </a:p>
+          <a:p>
+            <a:pPr lvl="1"/>
+            <a:r>
+              <a:rPr lang="sk-SK" dirty="0" smtClean="0"/>
+              <a:t>SoftDevice</a:t>
+            </a:r>
+            <a:r>
+              <a:rPr lang="en-US" dirty="0" smtClean="0"/>
+              <a:t>: </a:t>
+            </a:r>
+            <a:r>
+              <a:rPr lang="sk-SK" dirty="0" smtClean="0"/>
+              <a:t>kontrola, či sa niečo posiela.</a:t>
+            </a:r>
+            <a:endParaRPr lang="en-US" dirty="0" smtClean="0"/>
+          </a:p>
+          <a:p>
+            <a:endParaRPr lang="sk-SK" dirty="0" smtClean="0"/>
+          </a:p>
+          <a:p>
+            <a:r>
+              <a:rPr lang="sk-SK" dirty="0" smtClean="0"/>
+              <a:t>Predpoklad</a:t>
+            </a:r>
+            <a:r>
+              <a:rPr lang="en-US" dirty="0" smtClean="0"/>
+              <a:t> </a:t>
+            </a:r>
+            <a:r>
+              <a:rPr lang="sk-SK" dirty="0" smtClean="0"/>
+              <a:t>(</a:t>
+            </a:r>
+            <a:r>
+              <a:rPr lang="en-US" dirty="0" err="1" smtClean="0"/>
+              <a:t>bez</a:t>
+            </a:r>
+            <a:r>
+              <a:rPr lang="en-US" dirty="0" smtClean="0"/>
+              <a:t> </a:t>
+            </a:r>
+            <a:r>
+              <a:rPr lang="en-US" dirty="0" err="1" smtClean="0"/>
+              <a:t>podrobn</a:t>
+            </a:r>
+            <a:r>
+              <a:rPr lang="sk-SK" dirty="0" smtClean="0"/>
+              <a:t>ého testovania)</a:t>
+            </a:r>
+            <a:r>
+              <a:rPr lang="en-US" dirty="0" smtClean="0"/>
+              <a:t>:</a:t>
+            </a:r>
+            <a:endParaRPr lang="sk-SK" dirty="0" smtClean="0"/>
+          </a:p>
+          <a:p>
+            <a:pPr lvl="1"/>
+            <a:r>
+              <a:rPr lang="sk-SK" dirty="0" smtClean="0"/>
+              <a:t>komunikáci</a:t>
+            </a:r>
+            <a:r>
+              <a:rPr lang="en-US" dirty="0" smtClean="0"/>
+              <a:t>a</a:t>
+            </a:r>
+            <a:r>
+              <a:rPr lang="sk-SK" dirty="0" smtClean="0"/>
+              <a:t> s kryptoelementom (atomicky),</a:t>
+            </a:r>
+          </a:p>
+          <a:p>
+            <a:pPr lvl="1"/>
+            <a:r>
+              <a:rPr lang="sk-SK" dirty="0" smtClean="0"/>
+              <a:t>zmeškanie časového okna pre posielanie</a:t>
+            </a:r>
+            <a:r>
+              <a:rPr lang="en-US" dirty="0" smtClean="0"/>
+              <a:t>: </a:t>
+            </a:r>
+            <a:r>
+              <a:rPr lang="en-US" dirty="0" err="1" smtClean="0"/>
+              <a:t>rozsynchronizovanie</a:t>
+            </a:r>
+            <a:r>
+              <a:rPr lang="en-US" dirty="0" smtClean="0"/>
+              <a:t> </a:t>
+            </a:r>
+            <a:r>
+              <a:rPr lang="en-US" dirty="0" err="1" smtClean="0"/>
+              <a:t>protokolu</a:t>
+            </a:r>
+            <a:r>
+              <a:rPr lang="sk-SK" dirty="0" smtClean="0"/>
+              <a:t>.</a:t>
+            </a:r>
+          </a:p>
+          <a:p>
+            <a:endParaRPr lang="sk-SK" dirty="0" smtClean="0"/>
+          </a:p>
+        </p:txBody>
+      </p:sp>
+    </p:spTree>
+  </p:cSld>
+  <p:clrMapOvr>
+    <a:masterClrMapping/>
+  </p:clrMapOvr>
+</p:sld>
+</file>
+
+<file path=ppt/slides/slide32.xml><?xml version="1.0" encoding="utf-8"?>
+<p:sld xmlns:a="http://schemas.openxmlformats.org/drawingml/2006/main" xmlns:r="http://schemas.openxmlformats.org/officeDocument/2006/relationships" xmlns:p="http://schemas.openxmlformats.org/presentationml/2006/main">
+  <p:cSld>
+    <p:spTree>
+      <p:nvGrpSpPr>
+        <p:cNvPr id="1" name=""/>
+        <p:cNvGrpSpPr/>
+        <p:nvPr/>
+      </p:nvGrpSpPr>
+      <p:grpSpPr>
+        <a:xfrm>
+          <a:off x="0" y="0"/>
+          <a:ext cx="0" cy="0"/>
+          <a:chOff x="0" y="0"/>
+          <a:chExt cx="0" cy="0"/>
+        </a:xfrm>
+      </p:grpSpPr>
+      <p:sp>
+        <p:nvSpPr>
+          <p:cNvPr id="2" name="Title 1"/>
+          <p:cNvSpPr>
+            <a:spLocks noGrp="1"/>
+          </p:cNvSpPr>
+          <p:nvPr>
+            <p:ph type="title"/>
+          </p:nvPr>
+        </p:nvSpPr>
+        <p:spPr/>
+        <p:txBody>
+          <a:bodyPr>
+            <a:normAutofit/>
+          </a:bodyPr>
+          <a:lstStyle/>
+          <a:p>
+            <a:r>
+              <a:rPr lang="sk-SK" dirty="0" smtClean="0"/>
+              <a:t>Najčastejšie dôvody porúch </a:t>
+            </a:r>
+            <a:endParaRPr lang="en-US" dirty="0"/>
+          </a:p>
+        </p:txBody>
+      </p:sp>
+      <p:pic>
+        <p:nvPicPr>
+          <p:cNvPr id="1026" name="Picture 2"/>
+          <p:cNvPicPr>
+            <a:picLocks noGrp="1" noChangeAspect="1" noChangeArrowheads="1"/>
+          </p:cNvPicPr>
+          <p:nvPr>
+            <p:ph idx="1"/>
+          </p:nvPr>
+        </p:nvPicPr>
+        <p:blipFill>
+          <a:blip r:embed="rId2"/>
+          <a:srcRect/>
+          <a:stretch>
+            <a:fillRect/>
+          </a:stretch>
+        </p:blipFill>
+        <p:spPr bwMode="auto">
+          <a:xfrm>
+            <a:off x="-11658" y="2697163"/>
+            <a:ext cx="9167316" cy="2332038"/>
+          </a:xfrm>
+          <a:prstGeom prst="rect">
+            <a:avLst/>
+          </a:prstGeom>
+          <a:noFill/>
+          <a:ln w="9525">
+            <a:noFill/>
+            <a:miter lim="800000"/>
+            <a:headEnd/>
+            <a:tailEnd/>
+          </a:ln>
+          <a:effectLst/>
+        </p:spPr>
+      </p:pic>
+    </p:spTree>
+  </p:cSld>
+  <p:clrMapOvr>
+    <a:masterClrMapping/>
+  </p:clrMapOvr>
+</p:sld>
+</file>
+
+<file path=ppt/slides/slide33.xml><?xml version="1.0" encoding="utf-8"?>
+<p:sld xmlns:a="http://schemas.openxmlformats.org/drawingml/2006/main" xmlns:r="http://schemas.openxmlformats.org/officeDocument/2006/relationships" xmlns:p="http://schemas.openxmlformats.org/presentationml/2006/main">
+  <p:cSld>
+    <p:spTree>
+      <p:nvGrpSpPr>
+        <p:cNvPr id="1" name=""/>
+        <p:cNvGrpSpPr/>
+        <p:nvPr/>
+      </p:nvGrpSpPr>
+      <p:grpSpPr>
+        <a:xfrm>
+          <a:off x="0" y="0"/>
+          <a:ext cx="0" cy="0"/>
+          <a:chOff x="0" y="0"/>
+          <a:chExt cx="0" cy="0"/>
+        </a:xfrm>
+      </p:grpSpPr>
+      <p:sp>
+        <p:nvSpPr>
+          <p:cNvPr id="2" name="Title 1"/>
+          <p:cNvSpPr>
+            <a:spLocks noGrp="1"/>
+          </p:cNvSpPr>
+          <p:nvPr>
+            <p:ph type="title"/>
+          </p:nvPr>
+        </p:nvSpPr>
+        <p:spPr/>
+        <p:txBody>
+          <a:bodyPr>
+            <a:normAutofit/>
+          </a:bodyPr>
+          <a:lstStyle/>
+          <a:p>
+            <a:r>
+              <a:rPr lang="sk-SK" dirty="0" smtClean="0"/>
+              <a:t>Zefek</a:t>
+            </a:r>
+            <a:r>
+              <a:rPr lang="en-US" dirty="0" smtClean="0"/>
+              <a:t>t</a:t>
+            </a:r>
+            <a:r>
+              <a:rPr lang="sk-SK" dirty="0" smtClean="0"/>
+              <a:t>ívnenie </a:t>
+            </a:r>
+            <a:r>
+              <a:rPr lang="en-US" dirty="0" smtClean="0"/>
+              <a:t>HW </a:t>
+            </a:r>
+            <a:r>
+              <a:rPr lang="en-US" dirty="0" err="1" smtClean="0"/>
+              <a:t>kryptovani</a:t>
+            </a:r>
+            <a:r>
+              <a:rPr lang="sk-SK" dirty="0" smtClean="0"/>
+              <a:t>a</a:t>
+            </a:r>
+            <a:endParaRPr lang="en-US" dirty="0"/>
+          </a:p>
+        </p:txBody>
+      </p:sp>
+      <p:sp>
+        <p:nvSpPr>
+          <p:cNvPr id="3" name="Content Placeholder 2"/>
+          <p:cNvSpPr>
+            <a:spLocks noGrp="1"/>
+          </p:cNvSpPr>
+          <p:nvPr>
+            <p:ph idx="1"/>
+          </p:nvPr>
+        </p:nvSpPr>
+        <p:spPr/>
+        <p:txBody>
+          <a:bodyPr>
+            <a:normAutofit fontScale="70000" lnSpcReduction="20000"/>
+          </a:bodyPr>
+          <a:lstStyle/>
+          <a:p>
+            <a:r>
+              <a:rPr lang="en-US" dirty="0" err="1" smtClean="0"/>
+              <a:t>Predpripravi</a:t>
+            </a:r>
+            <a:r>
+              <a:rPr lang="sk-SK" dirty="0" smtClean="0"/>
+              <a:t>ť dáta vo vhodný okamich, programovú synchronizáciu,</a:t>
+            </a:r>
+          </a:p>
+          <a:p>
+            <a:endParaRPr lang="en-US" dirty="0" smtClean="0"/>
+          </a:p>
+          <a:p>
+            <a:r>
+              <a:rPr lang="sk-SK" dirty="0" smtClean="0"/>
+              <a:t>vyššia rýchlosť ext. CLK pomocou GPIO,</a:t>
+            </a:r>
+          </a:p>
+          <a:p>
+            <a:pPr lvl="1"/>
+            <a:r>
+              <a:rPr lang="sk-SK" dirty="0" smtClean="0"/>
+              <a:t>programovo max. 4MHz s 16MHz kryštálom</a:t>
+            </a:r>
+          </a:p>
+          <a:p>
+            <a:pPr lvl="1"/>
+            <a:r>
+              <a:rPr lang="sk-SK" dirty="0" smtClean="0"/>
+              <a:t>dedikovaný oscilátor max. 20MHz pri niektorých smart kartách</a:t>
+            </a:r>
+          </a:p>
+          <a:p>
+            <a:r>
+              <a:rPr lang="sk-SK" dirty="0" smtClean="0"/>
+              <a:t>dedikované periférie pre ISO7816 (atmel),</a:t>
+            </a:r>
+          </a:p>
+          <a:p>
+            <a:r>
+              <a:rPr lang="sk-SK" dirty="0" smtClean="0"/>
+              <a:t>konvertor na ISO7816.</a:t>
+            </a:r>
+          </a:p>
+          <a:p>
+            <a:endParaRPr lang="sk-SK" dirty="0" smtClean="0"/>
+          </a:p>
+          <a:p>
+            <a:r>
+              <a:rPr lang="sk-SK" dirty="0" smtClean="0"/>
+              <a:t>môže narásť</a:t>
+            </a:r>
+            <a:r>
+              <a:rPr lang="en-US" dirty="0" smtClean="0"/>
+              <a:t>:</a:t>
+            </a:r>
+            <a:endParaRPr lang="sk-SK" dirty="0" smtClean="0"/>
+          </a:p>
+          <a:p>
+            <a:pPr lvl="1"/>
+            <a:r>
+              <a:rPr lang="sk-SK" dirty="0" smtClean="0"/>
+              <a:t>veľkosť programu</a:t>
+            </a:r>
+            <a:r>
+              <a:rPr lang="en-US" dirty="0" smtClean="0"/>
+              <a:t>,</a:t>
+            </a:r>
+            <a:endParaRPr lang="sk-SK" dirty="0" smtClean="0"/>
+          </a:p>
+          <a:p>
+            <a:pPr lvl="1"/>
+            <a:r>
+              <a:rPr lang="sk-SK" dirty="0" smtClean="0"/>
+              <a:t>cena a čas vývoja</a:t>
+            </a:r>
+            <a:r>
+              <a:rPr lang="en-US" dirty="0" smtClean="0"/>
+              <a:t>,</a:t>
+            </a:r>
+            <a:endParaRPr lang="sk-SK" dirty="0" smtClean="0"/>
+          </a:p>
+          <a:p>
+            <a:pPr lvl="1"/>
+            <a:r>
+              <a:rPr lang="sk-SK" dirty="0" smtClean="0"/>
+              <a:t>možnosť výskytu chýb a porúch</a:t>
+            </a:r>
+            <a:r>
+              <a:rPr lang="en-US" dirty="0" smtClean="0"/>
+              <a:t>.</a:t>
+            </a:r>
+            <a:endParaRPr lang="en-US" dirty="0"/>
+          </a:p>
+        </p:txBody>
+      </p:sp>
+    </p:spTree>
+  </p:cSld>
+  <p:clrMapOvr>
+    <a:masterClrMapping/>
+  </p:clrMapOvr>
+</p:sld>
+</file>
+
+<file path=ppt/slides/slide34.xml><?xml version="1.0" encoding="utf-8"?>
+<p:sld xmlns:a="http://schemas.openxmlformats.org/drawingml/2006/main" xmlns:r="http://schemas.openxmlformats.org/officeDocument/2006/relationships" xmlns:p="http://schemas.openxmlformats.org/presentationml/2006/main">
+  <p:cSld>
+    <p:spTree>
+      <p:nvGrpSpPr>
+        <p:cNvPr id="1" name=""/>
+        <p:cNvGrpSpPr/>
+        <p:nvPr/>
+      </p:nvGrpSpPr>
+      <p:grpSpPr>
+        <a:xfrm>
+          <a:off x="0" y="0"/>
+          <a:ext cx="0" cy="0"/>
+          <a:chOff x="0" y="0"/>
+          <a:chExt cx="0" cy="0"/>
+        </a:xfrm>
+      </p:grpSpPr>
+      <p:sp>
+        <p:nvSpPr>
+          <p:cNvPr id="2" name="Title 1"/>
+          <p:cNvSpPr>
+            <a:spLocks noGrp="1"/>
+          </p:cNvSpPr>
+          <p:nvPr>
+            <p:ph type="title"/>
+          </p:nvPr>
+        </p:nvSpPr>
+        <p:spPr/>
+        <p:txBody>
+          <a:bodyPr>
+            <a:normAutofit fontScale="90000"/>
+          </a:bodyPr>
+          <a:lstStyle/>
+          <a:p>
+            <a:r>
+              <a:rPr lang="sk-SK" dirty="0" smtClean="0"/>
+              <a:t>Implementácia</a:t>
+            </a:r>
+            <a:r>
+              <a:rPr lang="en-US" dirty="0" smtClean="0"/>
+              <a:t>:</a:t>
+            </a:r>
+            <a:r>
+              <a:rPr lang="sk-SK" dirty="0" smtClean="0"/>
+              <a:t> ISO7816</a:t>
+            </a:r>
+            <a:br>
+              <a:rPr lang="sk-SK" dirty="0" smtClean="0"/>
+            </a:br>
+            <a:r>
+              <a:rPr lang="sk-SK" dirty="0" smtClean="0"/>
+              <a:t>APDU</a:t>
+            </a:r>
+            <a:r>
+              <a:rPr lang="en-US" dirty="0" smtClean="0"/>
+              <a:t> </a:t>
+            </a:r>
+            <a:r>
+              <a:rPr lang="sk-SK" dirty="0" smtClean="0"/>
+              <a:t>(T</a:t>
+            </a:r>
+            <a:r>
+              <a:rPr lang="en-US" dirty="0" smtClean="0"/>
+              <a:t>=0</a:t>
+            </a:r>
+            <a:r>
+              <a:rPr lang="sk-SK" dirty="0" smtClean="0"/>
+              <a:t>)</a:t>
+            </a:r>
+            <a:endParaRPr lang="en-US" dirty="0"/>
+          </a:p>
+        </p:txBody>
+      </p:sp>
+      <p:pic>
+        <p:nvPicPr>
+          <p:cNvPr id="5122" name="Picture 2"/>
+          <p:cNvPicPr>
+            <a:picLocks noGrp="1" noChangeAspect="1" noChangeArrowheads="1"/>
+          </p:cNvPicPr>
+          <p:nvPr>
+            <p:ph idx="1"/>
+          </p:nvPr>
+        </p:nvPicPr>
+        <p:blipFill>
+          <a:blip r:embed="rId2"/>
+          <a:srcRect/>
+          <a:stretch>
+            <a:fillRect/>
+          </a:stretch>
+        </p:blipFill>
+        <p:spPr bwMode="auto">
+          <a:xfrm>
+            <a:off x="457200" y="2772376"/>
+            <a:ext cx="8229600" cy="2380047"/>
+          </a:xfrm>
+          <a:prstGeom prst="rect">
+            <a:avLst/>
+          </a:prstGeom>
+          <a:noFill/>
+          <a:ln w="9525">
+            <a:noFill/>
+            <a:miter lim="800000"/>
+            <a:headEnd/>
+            <a:tailEnd/>
+          </a:ln>
+          <a:effectLst/>
+        </p:spPr>
+      </p:pic>
+    </p:spTree>
+  </p:cSld>
+  <p:clrMapOvr>
+    <a:masterClrMapping/>
+  </p:clrMapOvr>
+  <p:timing>
+    <p:tnLst>
+      <p:par>
+        <p:cTn id="1" dur="indefinite" restart="never" nodeType="tmRoot"/>
+      </p:par>
+    </p:tnLst>
+  </p:timing>
+</p:sld>
+</file>
+
+<file path=ppt/slides/slide35.xml><?xml version="1.0" encoding="utf-8"?>
+<p:sld xmlns:a="http://schemas.openxmlformats.org/drawingml/2006/main" xmlns:r="http://schemas.openxmlformats.org/officeDocument/2006/relationships" xmlns:p="http://schemas.openxmlformats.org/presentationml/2006/main">
+  <p:cSld>
+    <p:spTree>
+      <p:nvGrpSpPr>
+        <p:cNvPr id="1" name=""/>
+        <p:cNvGrpSpPr/>
+        <p:nvPr/>
+      </p:nvGrpSpPr>
+      <p:grpSpPr>
+        <a:xfrm>
+          <a:off x="0" y="0"/>
+          <a:ext cx="0" cy="0"/>
+          <a:chOff x="0" y="0"/>
+          <a:chExt cx="0" cy="0"/>
+        </a:xfrm>
+      </p:grpSpPr>
+      <p:sp>
+        <p:nvSpPr>
+          <p:cNvPr id="2" name="Title 1"/>
+          <p:cNvSpPr>
+            <a:spLocks noGrp="1"/>
+          </p:cNvSpPr>
+          <p:nvPr>
+            <p:ph type="title"/>
+          </p:nvPr>
+        </p:nvSpPr>
+        <p:spPr/>
+        <p:txBody>
+          <a:bodyPr>
+            <a:normAutofit fontScale="90000"/>
+          </a:bodyPr>
+          <a:lstStyle/>
+          <a:p>
+            <a:r>
+              <a:rPr lang="sk-SK" dirty="0" smtClean="0"/>
+              <a:t>Implementácia</a:t>
+            </a:r>
+            <a:r>
+              <a:rPr lang="en-US" dirty="0" smtClean="0"/>
+              <a:t>:</a:t>
+            </a:r>
+            <a:r>
+              <a:rPr lang="sk-SK" dirty="0" smtClean="0"/>
+              <a:t> ISO7816</a:t>
+            </a:r>
+            <a:br>
+              <a:rPr lang="sk-SK" dirty="0" smtClean="0"/>
+            </a:br>
+            <a:r>
+              <a:rPr lang="sk-SK" dirty="0" smtClean="0"/>
+              <a:t>Blok dát  (T</a:t>
+            </a:r>
+            <a:r>
+              <a:rPr lang="en-US" dirty="0" smtClean="0"/>
+              <a:t>=1</a:t>
+            </a:r>
+            <a:r>
+              <a:rPr lang="sk-SK" dirty="0" smtClean="0"/>
+              <a:t>)</a:t>
+            </a:r>
+            <a:endParaRPr lang="en-US" dirty="0"/>
+          </a:p>
+        </p:txBody>
+      </p:sp>
+      <p:pic>
+        <p:nvPicPr>
+          <p:cNvPr id="6146" name="Picture 2"/>
+          <p:cNvPicPr>
+            <a:picLocks noGrp="1" noChangeAspect="1" noChangeArrowheads="1"/>
+          </p:cNvPicPr>
+          <p:nvPr>
+            <p:ph idx="1"/>
+          </p:nvPr>
+        </p:nvPicPr>
+        <p:blipFill>
+          <a:blip r:embed="rId2"/>
+          <a:srcRect/>
+          <a:stretch>
+            <a:fillRect/>
+          </a:stretch>
+        </p:blipFill>
+        <p:spPr bwMode="auto">
+          <a:xfrm>
+            <a:off x="0" y="2532122"/>
+            <a:ext cx="9144000" cy="2860556"/>
+          </a:xfrm>
+          <a:prstGeom prst="rect">
+            <a:avLst/>
+          </a:prstGeom>
+          <a:noFill/>
+          <a:ln w="9525">
+            <a:noFill/>
+            <a:miter lim="800000"/>
+            <a:headEnd/>
+            <a:tailEnd/>
+          </a:ln>
+          <a:effectLst/>
+        </p:spPr>
+      </p:pic>
+    </p:spTree>
+  </p:cSld>
+  <p:clrMapOvr>
+    <a:masterClrMapping/>
+  </p:clrMapOvr>
+  <p:timing>
+    <p:tnLst>
+      <p:par>
+        <p:cTn id="1" dur="indefinite" restart="never" nodeType="tmRoot"/>
+      </p:par>
+    </p:tnLst>
+  </p:timing>
+</p:sld>
+</file>
+
+<file path=ppt/slides/slide36.xml><?xml version="1.0" encoding="utf-8"?>
+<p:sld xmlns:a="http://schemas.openxmlformats.org/drawingml/2006/main" xmlns:r="http://schemas.openxmlformats.org/officeDocument/2006/relationships" xmlns:p="http://schemas.openxmlformats.org/presentationml/2006/main">
+  <p:cSld>
+    <p:spTree>
+      <p:nvGrpSpPr>
+        <p:cNvPr id="1" name=""/>
+        <p:cNvGrpSpPr/>
+        <p:nvPr/>
+      </p:nvGrpSpPr>
+      <p:grpSpPr>
+        <a:xfrm>
+          <a:off x="0" y="0"/>
+          <a:ext cx="0" cy="0"/>
+          <a:chOff x="0" y="0"/>
+          <a:chExt cx="0" cy="0"/>
+        </a:xfrm>
+      </p:grpSpPr>
+      <p:sp>
+        <p:nvSpPr>
+          <p:cNvPr id="2" name="Title 1"/>
+          <p:cNvSpPr>
+            <a:spLocks noGrp="1"/>
+          </p:cNvSpPr>
+          <p:nvPr>
+            <p:ph type="title"/>
+          </p:nvPr>
+        </p:nvSpPr>
+        <p:spPr/>
+        <p:txBody>
+          <a:bodyPr>
+            <a:normAutofit/>
+          </a:bodyPr>
+          <a:lstStyle/>
+          <a:p>
+            <a:r>
+              <a:rPr lang="sk-SK" dirty="0" smtClean="0"/>
+              <a:t>Implementácia</a:t>
+            </a:r>
+            <a:r>
+              <a:rPr lang="en-US" dirty="0" smtClean="0"/>
+              <a:t>:</a:t>
+            </a:r>
+            <a:r>
+              <a:rPr lang="sk-SK" dirty="0" smtClean="0"/>
+              <a:t> ISO7816</a:t>
+            </a:r>
+            <a:r>
+              <a:rPr lang="en-US" dirty="0" smtClean="0"/>
+              <a:t> ATR</a:t>
+            </a:r>
+            <a:endParaRPr lang="en-US" dirty="0"/>
+          </a:p>
+        </p:txBody>
+      </p:sp>
+      <p:pic>
+        <p:nvPicPr>
+          <p:cNvPr id="1027" name="Picture 3"/>
+          <p:cNvPicPr>
+            <a:picLocks noGrp="1" noChangeAspect="1" noChangeArrowheads="1"/>
+          </p:cNvPicPr>
+          <p:nvPr>
+            <p:ph idx="1"/>
+          </p:nvPr>
+        </p:nvPicPr>
+        <p:blipFill>
+          <a:blip r:embed="rId2"/>
+          <a:srcRect/>
+          <a:stretch>
+            <a:fillRect/>
+          </a:stretch>
+        </p:blipFill>
+        <p:spPr bwMode="auto">
+          <a:xfrm>
+            <a:off x="2514600" y="1126944"/>
+            <a:ext cx="4114800" cy="5472476"/>
+          </a:xfrm>
+          <a:prstGeom prst="rect">
+            <a:avLst/>
+          </a:prstGeom>
+          <a:noFill/>
+          <a:ln w="9525">
+            <a:noFill/>
+            <a:miter lim="800000"/>
+            <a:headEnd/>
+            <a:tailEnd/>
+          </a:ln>
+          <a:effectLst/>
+        </p:spPr>
+      </p:pic>
+    </p:spTree>
+  </p:cSld>
+  <p:clrMapOvr>
+    <a:masterClrMapping/>
+  </p:clrMapOvr>
+  <p:timing>
+    <p:tnLst>
+      <p:par>
+        <p:cTn id="1" dur="indefinite" restart="never" nodeType="tmRoot"/>
+      </p:par>
+    </p:tnLst>
+  </p:timing>
+</p:sld>
+</file>
+
+<file path=ppt/slides/slide37.xml><?xml version="1.0" encoding="utf-8"?>
+<p:sld xmlns:a="http://schemas.openxmlformats.org/drawingml/2006/main" xmlns:r="http://schemas.openxmlformats.org/officeDocument/2006/relationships" xmlns:p="http://schemas.openxmlformats.org/presentationml/2006/main">
+  <p:cSld>
+    <p:spTree>
+      <p:nvGrpSpPr>
+        <p:cNvPr id="1" name=""/>
+        <p:cNvGrpSpPr/>
+        <p:nvPr/>
+      </p:nvGrpSpPr>
+      <p:grpSpPr>
+        <a:xfrm>
+          <a:off x="0" y="0"/>
+          <a:ext cx="0" cy="0"/>
+          <a:chOff x="0" y="0"/>
+          <a:chExt cx="0" cy="0"/>
+        </a:xfrm>
+      </p:grpSpPr>
+      <p:sp>
+        <p:nvSpPr>
+          <p:cNvPr id="2" name="Title 1"/>
+          <p:cNvSpPr>
+            <a:spLocks noGrp="1"/>
+          </p:cNvSpPr>
+          <p:nvPr>
+            <p:ph type="title"/>
+          </p:nvPr>
+        </p:nvSpPr>
+        <p:spPr/>
+        <p:txBody>
+          <a:bodyPr/>
+          <a:lstStyle/>
+          <a:p>
+            <a:r>
+              <a:rPr lang="sk-SK" dirty="0" smtClean="0"/>
+              <a:t>Výsledky testovania</a:t>
+            </a:r>
+            <a:endParaRPr lang="en-US" dirty="0"/>
+          </a:p>
+        </p:txBody>
+      </p:sp>
+      <p:sp>
+        <p:nvSpPr>
+          <p:cNvPr id="4" name="Slide Number Placeholder 3"/>
+          <p:cNvSpPr>
+            <a:spLocks noGrp="1"/>
+          </p:cNvSpPr>
+          <p:nvPr>
+            <p:ph type="sldNum" sz="quarter" idx="12"/>
+          </p:nvPr>
+        </p:nvSpPr>
+        <p:spPr/>
+        <p:txBody>
+          <a:bodyPr/>
+          <a:lstStyle/>
+          <a:p>
+            <a:fld id="{8C584B50-B360-452D-AFC7-DEF83B5F5806}" type="slidenum">
+              <a:rPr lang="en-US" smtClean="0"/>
+              <a:pPr/>
+              <a:t>37</a:t>
             </a:fld>
             <a:r>
               <a:rPr lang="en-US" dirty="0" smtClean="0"/>
@@ -10531,2857 +13145,6 @@
 </p:sld>
 </file>
 
-<file path=ppt/slides/slide25.xml><?xml version="1.0" encoding="utf-8"?>
-<p:sld xmlns:a="http://schemas.openxmlformats.org/drawingml/2006/main" xmlns:r="http://schemas.openxmlformats.org/officeDocument/2006/relationships" xmlns:p="http://schemas.openxmlformats.org/presentationml/2006/main">
-  <p:cSld>
-    <p:spTree>
-      <p:nvGrpSpPr>
-        <p:cNvPr id="1" name=""/>
-        <p:cNvGrpSpPr/>
-        <p:nvPr/>
-      </p:nvGrpSpPr>
-      <p:grpSpPr>
-        <a:xfrm>
-          <a:off x="0" y="0"/>
-          <a:ext cx="0" cy="0"/>
-          <a:chOff x="0" y="0"/>
-          <a:chExt cx="0" cy="0"/>
-        </a:xfrm>
-      </p:grpSpPr>
-      <p:sp>
-        <p:nvSpPr>
-          <p:cNvPr id="2" name="Title 1"/>
-          <p:cNvSpPr>
-            <a:spLocks noGrp="1"/>
-          </p:cNvSpPr>
-          <p:nvPr>
-            <p:ph type="title"/>
-          </p:nvPr>
-        </p:nvSpPr>
-        <p:spPr/>
-        <p:txBody>
-          <a:bodyPr/>
-          <a:lstStyle/>
-          <a:p>
-            <a:r>
-              <a:rPr lang="sk-SK" dirty="0" smtClean="0"/>
-              <a:t>Vyhodnotenie</a:t>
-            </a:r>
-            <a:endParaRPr lang="en-US" dirty="0"/>
-          </a:p>
-        </p:txBody>
-      </p:sp>
-      <p:sp>
-        <p:nvSpPr>
-          <p:cNvPr id="3" name="Content Placeholder 2"/>
-          <p:cNvSpPr>
-            <a:spLocks noGrp="1"/>
-          </p:cNvSpPr>
-          <p:nvPr>
-            <p:ph idx="1"/>
-          </p:nvPr>
-        </p:nvSpPr>
-        <p:spPr/>
-        <p:txBody>
-          <a:bodyPr>
-            <a:normAutofit/>
-          </a:bodyPr>
-          <a:lstStyle/>
-          <a:p>
-            <a:r>
-              <a:rPr lang="sk-SK" dirty="0" smtClean="0"/>
-              <a:t>Prekvapený výsledkami HW </a:t>
-            </a:r>
-            <a:r>
-              <a:rPr lang="sk-SK" dirty="0" smtClean="0"/>
-              <a:t>riešenia</a:t>
-            </a:r>
-            <a:r>
-              <a:rPr lang="en-US" dirty="0" smtClean="0"/>
-              <a:t>, </a:t>
-            </a:r>
-            <a:r>
-              <a:rPr lang="sk-SK" dirty="0" smtClean="0"/>
-              <a:t>(</a:t>
-            </a:r>
-            <a:r>
-              <a:rPr lang="en-US" dirty="0" err="1" smtClean="0"/>
-              <a:t>opa</a:t>
-            </a:r>
-            <a:r>
-              <a:rPr lang="sk-SK" dirty="0" smtClean="0"/>
-              <a:t>čné ako sa predpokladalo)</a:t>
-            </a:r>
-          </a:p>
-          <a:p>
-            <a:pPr lvl="1"/>
-            <a:r>
-              <a:rPr lang="en-US" dirty="0" smtClean="0"/>
-              <a:t>v</a:t>
-            </a:r>
-            <a:r>
-              <a:rPr lang="sk-SK" dirty="0" smtClean="0"/>
-              <a:t>eľkosť programu</a:t>
-            </a:r>
-            <a:r>
-              <a:rPr lang="en-US" dirty="0" smtClean="0"/>
-              <a:t>:</a:t>
-            </a:r>
-            <a:r>
-              <a:rPr lang="sk-SK" dirty="0" smtClean="0"/>
-              <a:t> štandard</a:t>
-            </a:r>
-            <a:r>
-              <a:rPr lang="en-US" dirty="0" smtClean="0"/>
-              <a:t> ISO7816</a:t>
-            </a:r>
-            <a:r>
-              <a:rPr lang="sk-SK" dirty="0" smtClean="0"/>
-              <a:t>,</a:t>
-            </a:r>
-            <a:endParaRPr lang="en-US" dirty="0" smtClean="0"/>
-          </a:p>
-          <a:p>
-            <a:pPr lvl="1"/>
-            <a:r>
-              <a:rPr lang="en-US" dirty="0" err="1" smtClean="0"/>
-              <a:t>spotreba</a:t>
-            </a:r>
-            <a:r>
-              <a:rPr lang="en-US" dirty="0" smtClean="0"/>
-              <a:t>: </a:t>
-            </a:r>
-            <a:r>
-              <a:rPr lang="en-US" dirty="0" err="1" smtClean="0"/>
-              <a:t>aktivovan</a:t>
-            </a:r>
-            <a:r>
-              <a:rPr lang="sk-SK" dirty="0" smtClean="0"/>
-              <a:t>é viaceré periférie,</a:t>
-            </a:r>
-          </a:p>
-          <a:p>
-            <a:pPr lvl="1"/>
-            <a:r>
-              <a:rPr lang="sk-SK" dirty="0" smtClean="0"/>
-              <a:t>č</a:t>
-            </a:r>
-            <a:r>
-              <a:rPr lang="sk-SK" dirty="0" smtClean="0"/>
-              <a:t>as komunikácie</a:t>
-            </a:r>
-            <a:r>
-              <a:rPr lang="en-US" dirty="0" smtClean="0"/>
-              <a:t>: </a:t>
-            </a:r>
-            <a:r>
-              <a:rPr lang="sk-SK" dirty="0" smtClean="0"/>
-              <a:t>strata </a:t>
-            </a:r>
-            <a:r>
-              <a:rPr lang="sk-SK" dirty="0" smtClean="0"/>
-              <a:t>ANT </a:t>
-            </a:r>
-            <a:r>
-              <a:rPr lang="sk-SK" dirty="0" smtClean="0"/>
-              <a:t>paketov.</a:t>
-            </a:r>
-            <a:endParaRPr lang="sk-SK" dirty="0" smtClean="0"/>
-          </a:p>
-          <a:p>
-            <a:endParaRPr lang="sk-SK" dirty="0" smtClean="0"/>
-          </a:p>
-          <a:p>
-            <a:r>
-              <a:rPr lang="sk-SK" dirty="0" smtClean="0"/>
-              <a:t>PKI</a:t>
-            </a:r>
-            <a:endParaRPr lang="sk-SK" dirty="0" smtClean="0"/>
-          </a:p>
-          <a:p>
-            <a:pPr lvl="1"/>
-            <a:r>
-              <a:rPr lang="sk-SK" dirty="0" smtClean="0"/>
-              <a:t>RSA</a:t>
-            </a:r>
-            <a:r>
-              <a:rPr lang="en-US" dirty="0" smtClean="0"/>
-              <a:t> </a:t>
-            </a:r>
-            <a:r>
-              <a:rPr lang="sk-SK" dirty="0" smtClean="0"/>
-              <a:t>SW </a:t>
-            </a:r>
-            <a:r>
-              <a:rPr lang="sk-SK" dirty="0" smtClean="0"/>
-              <a:t>knižnice v C</a:t>
-            </a:r>
-            <a:endParaRPr lang="sk-SK" dirty="0" smtClean="0"/>
-          </a:p>
-          <a:p>
-            <a:endParaRPr lang="sk-SK" dirty="0" smtClean="0"/>
-          </a:p>
-          <a:p>
-            <a:endParaRPr lang="sk-SK" dirty="0" smtClean="0"/>
-          </a:p>
-        </p:txBody>
-      </p:sp>
-      <p:sp>
-        <p:nvSpPr>
-          <p:cNvPr id="4" name="Slide Number Placeholder 3"/>
-          <p:cNvSpPr>
-            <a:spLocks noGrp="1"/>
-          </p:cNvSpPr>
-          <p:nvPr>
-            <p:ph type="sldNum" sz="quarter" idx="12"/>
-          </p:nvPr>
-        </p:nvSpPr>
-        <p:spPr/>
-        <p:txBody>
-          <a:bodyPr/>
-          <a:lstStyle/>
-          <a:p>
-            <a:fld id="{8C584B50-B360-452D-AFC7-DEF83B5F5806}" type="slidenum">
-              <a:rPr lang="en-US" smtClean="0"/>
-              <a:pPr/>
-              <a:t>25</a:t>
-            </a:fld>
-            <a:r>
-              <a:rPr lang="en-US" dirty="0" smtClean="0"/>
-              <a:t>/</a:t>
-            </a:r>
-            <a:r>
-              <a:rPr lang="en-US" dirty="0" smtClean="0"/>
-              <a:t>2</a:t>
-            </a:r>
-            <a:r>
-              <a:rPr lang="sk-SK" dirty="0" smtClean="0"/>
-              <a:t>7</a:t>
-            </a:r>
-            <a:endParaRPr lang="en-US" dirty="0"/>
-          </a:p>
-        </p:txBody>
-      </p:sp>
-    </p:spTree>
-  </p:cSld>
-  <p:clrMapOvr>
-    <a:masterClrMapping/>
-  </p:clrMapOvr>
-  <p:timing>
-    <p:tnLst>
-      <p:par>
-        <p:cTn id="1" dur="indefinite" restart="never" nodeType="tmRoot"/>
-      </p:par>
-    </p:tnLst>
-  </p:timing>
-</p:sld>
-</file>
-
-<file path=ppt/slides/slide26.xml><?xml version="1.0" encoding="utf-8"?>
-<p:sld xmlns:a="http://schemas.openxmlformats.org/drawingml/2006/main" xmlns:r="http://schemas.openxmlformats.org/officeDocument/2006/relationships" xmlns:p="http://schemas.openxmlformats.org/presentationml/2006/main">
-  <p:cSld>
-    <p:spTree>
-      <p:nvGrpSpPr>
-        <p:cNvPr id="1" name=""/>
-        <p:cNvGrpSpPr/>
-        <p:nvPr/>
-      </p:nvGrpSpPr>
-      <p:grpSpPr>
-        <a:xfrm>
-          <a:off x="0" y="0"/>
-          <a:ext cx="0" cy="0"/>
-          <a:chOff x="0" y="0"/>
-          <a:chExt cx="0" cy="0"/>
-        </a:xfrm>
-      </p:grpSpPr>
-      <p:sp>
-        <p:nvSpPr>
-          <p:cNvPr id="2" name="Title 1"/>
-          <p:cNvSpPr>
-            <a:spLocks noGrp="1"/>
-          </p:cNvSpPr>
-          <p:nvPr>
-            <p:ph type="title"/>
-          </p:nvPr>
-        </p:nvSpPr>
-        <p:spPr/>
-        <p:txBody>
-          <a:bodyPr>
-            <a:normAutofit/>
-          </a:bodyPr>
-          <a:lstStyle/>
-          <a:p>
-            <a:r>
-              <a:rPr lang="en-US" dirty="0" smtClean="0"/>
-              <a:t>Z</a:t>
-            </a:r>
-            <a:r>
-              <a:rPr lang="sk-SK" dirty="0" smtClean="0"/>
-              <a:t>áver</a:t>
-            </a:r>
-            <a:endParaRPr lang="en-US" dirty="0"/>
-          </a:p>
-        </p:txBody>
-      </p:sp>
-      <p:sp>
-        <p:nvSpPr>
-          <p:cNvPr id="3" name="Content Placeholder 2"/>
-          <p:cNvSpPr>
-            <a:spLocks noGrp="1"/>
-          </p:cNvSpPr>
-          <p:nvPr>
-            <p:ph idx="1"/>
-          </p:nvPr>
-        </p:nvSpPr>
-        <p:spPr/>
-        <p:txBody>
-          <a:bodyPr>
-            <a:normAutofit/>
-          </a:bodyPr>
-          <a:lstStyle/>
-          <a:p>
-            <a:r>
-              <a:rPr lang="sk-SK" dirty="0" smtClean="0"/>
-              <a:t>nepodarilo sa zvýšiť zabezpečenie,</a:t>
-            </a:r>
-          </a:p>
-          <a:p>
-            <a:pPr lvl="1"/>
-            <a:r>
-              <a:rPr lang="sk-SK" dirty="0" smtClean="0"/>
-              <a:t>na základe výsledkov sa dá spraviť odhad riešenia pomocou </a:t>
-            </a:r>
-            <a:r>
-              <a:rPr lang="sk-SK" dirty="0" smtClean="0"/>
-              <a:t>PKI.</a:t>
-            </a:r>
-            <a:endParaRPr lang="sk-SK" dirty="0" smtClean="0"/>
-          </a:p>
-          <a:p>
-            <a:endParaRPr lang="sk-SK" dirty="0" smtClean="0"/>
-          </a:p>
-          <a:p>
-            <a:r>
-              <a:rPr lang="sk-SK" dirty="0" smtClean="0"/>
-              <a:t>PKI by bolo možné, </a:t>
-            </a:r>
-            <a:r>
-              <a:rPr lang="en-US" dirty="0" smtClean="0"/>
-              <a:t>r</a:t>
-            </a:r>
-            <a:r>
-              <a:rPr lang="sk-SK" dirty="0" smtClean="0"/>
-              <a:t>iešenie by bolo použiteľné</a:t>
-            </a:r>
-            <a:r>
-              <a:rPr lang="en-US" dirty="0" smtClean="0"/>
-              <a:t>:</a:t>
-            </a:r>
-            <a:endParaRPr lang="en-US" dirty="0" smtClean="0"/>
-          </a:p>
-          <a:p>
-            <a:pPr lvl="1"/>
-            <a:r>
-              <a:rPr lang="sk-SK" dirty="0" smtClean="0"/>
-              <a:t>na </a:t>
-            </a:r>
-            <a:r>
-              <a:rPr lang="sk-SK" dirty="0" smtClean="0"/>
-              <a:t>rýchlejších sieťach,</a:t>
-            </a:r>
-            <a:endParaRPr lang="sk-SK" dirty="0" smtClean="0"/>
-          </a:p>
-          <a:p>
-            <a:pPr lvl="1"/>
-            <a:r>
-              <a:rPr lang="sk-SK" dirty="0" smtClean="0"/>
-              <a:t>malé množstvo </a:t>
-            </a:r>
-            <a:r>
-              <a:rPr lang="sk-SK" dirty="0" smtClean="0"/>
-              <a:t>dát (ISO7816).</a:t>
-            </a:r>
-            <a:endParaRPr lang="sk-SK" dirty="0" smtClean="0"/>
-          </a:p>
-        </p:txBody>
-      </p:sp>
-      <p:sp>
-        <p:nvSpPr>
-          <p:cNvPr id="4" name="Slide Number Placeholder 3"/>
-          <p:cNvSpPr>
-            <a:spLocks noGrp="1"/>
-          </p:cNvSpPr>
-          <p:nvPr>
-            <p:ph type="sldNum" sz="quarter" idx="12"/>
-          </p:nvPr>
-        </p:nvSpPr>
-        <p:spPr/>
-        <p:txBody>
-          <a:bodyPr/>
-          <a:lstStyle/>
-          <a:p>
-            <a:fld id="{8C584B50-B360-452D-AFC7-DEF83B5F5806}" type="slidenum">
-              <a:rPr lang="en-US" smtClean="0"/>
-              <a:pPr/>
-              <a:t>26</a:t>
-            </a:fld>
-            <a:r>
-              <a:rPr lang="en-US" dirty="0" smtClean="0"/>
-              <a:t>/2</a:t>
-            </a:r>
-            <a:r>
-              <a:rPr lang="sk-SK" dirty="0" smtClean="0"/>
-              <a:t>7</a:t>
-            </a:r>
-            <a:endParaRPr lang="en-US" dirty="0"/>
-          </a:p>
-        </p:txBody>
-      </p:sp>
-    </p:spTree>
-  </p:cSld>
-  <p:clrMapOvr>
-    <a:masterClrMapping/>
-  </p:clrMapOvr>
-  <p:timing>
-    <p:tnLst>
-      <p:par>
-        <p:cTn id="1" dur="indefinite" restart="never" nodeType="tmRoot"/>
-      </p:par>
-    </p:tnLst>
-  </p:timing>
-</p:sld>
-</file>
-
-<file path=ppt/slides/slide27.xml><?xml version="1.0" encoding="utf-8"?>
-<p:sld xmlns:a="http://schemas.openxmlformats.org/drawingml/2006/main" xmlns:r="http://schemas.openxmlformats.org/officeDocument/2006/relationships" xmlns:p="http://schemas.openxmlformats.org/presentationml/2006/main">
-  <p:cSld>
-    <p:spTree>
-      <p:nvGrpSpPr>
-        <p:cNvPr id="1" name=""/>
-        <p:cNvGrpSpPr/>
-        <p:nvPr/>
-      </p:nvGrpSpPr>
-      <p:grpSpPr>
-        <a:xfrm>
-          <a:off x="0" y="0"/>
-          <a:ext cx="0" cy="0"/>
-          <a:chOff x="0" y="0"/>
-          <a:chExt cx="0" cy="0"/>
-        </a:xfrm>
-      </p:grpSpPr>
-      <p:sp>
-        <p:nvSpPr>
-          <p:cNvPr id="2" name="Title 1"/>
-          <p:cNvSpPr>
-            <a:spLocks noGrp="1"/>
-          </p:cNvSpPr>
-          <p:nvPr>
-            <p:ph type="title"/>
-          </p:nvPr>
-        </p:nvSpPr>
-        <p:spPr/>
-        <p:txBody>
-          <a:bodyPr>
-            <a:normAutofit/>
-          </a:bodyPr>
-          <a:lstStyle/>
-          <a:p>
-            <a:r>
-              <a:rPr lang="sk-SK" dirty="0" smtClean="0"/>
-              <a:t>Plány do budúcna</a:t>
-            </a:r>
-            <a:endParaRPr lang="en-US" dirty="0"/>
-          </a:p>
-        </p:txBody>
-      </p:sp>
-      <p:sp>
-        <p:nvSpPr>
-          <p:cNvPr id="3" name="Content Placeholder 2"/>
-          <p:cNvSpPr>
-            <a:spLocks noGrp="1"/>
-          </p:cNvSpPr>
-          <p:nvPr>
-            <p:ph idx="1"/>
-          </p:nvPr>
-        </p:nvSpPr>
-        <p:spPr>
-          <a:xfrm>
-            <a:off x="457200" y="1600200"/>
-            <a:ext cx="8229600" cy="4953000"/>
-          </a:xfrm>
-        </p:spPr>
-        <p:txBody>
-          <a:bodyPr>
-            <a:normAutofit fontScale="92500" lnSpcReduction="20000"/>
-          </a:bodyPr>
-          <a:lstStyle/>
-          <a:p>
-            <a:r>
-              <a:rPr lang="sk-SK" dirty="0" smtClean="0"/>
-              <a:t>spracovanie RF komunikácie pomocou udalostí</a:t>
-            </a:r>
-            <a:r>
-              <a:rPr lang="en-US" dirty="0" smtClean="0"/>
-              <a:t>:</a:t>
-            </a:r>
-            <a:endParaRPr lang="sk-SK" dirty="0" smtClean="0"/>
-          </a:p>
-          <a:p>
-            <a:pPr lvl="1"/>
-            <a:r>
-              <a:rPr lang="sk-SK" dirty="0" smtClean="0"/>
-              <a:t>programová synchr</a:t>
-            </a:r>
-            <a:r>
-              <a:rPr lang="en-US" dirty="0" smtClean="0"/>
-              <a:t>o</a:t>
-            </a:r>
-            <a:r>
-              <a:rPr lang="sk-SK" dirty="0" smtClean="0"/>
-              <a:t>nizácia (</a:t>
-            </a:r>
-            <a:r>
-              <a:rPr lang="sk-SK" i="1" dirty="0" smtClean="0"/>
-              <a:t>program, chyby</a:t>
-            </a:r>
-            <a:r>
-              <a:rPr lang="sk-SK" dirty="0" smtClean="0"/>
-              <a:t>)</a:t>
-            </a:r>
-            <a:endParaRPr lang="en-US" dirty="0" smtClean="0"/>
-          </a:p>
-          <a:p>
-            <a:pPr lvl="1"/>
-            <a:endParaRPr lang="sk-SK" dirty="0" smtClean="0"/>
-          </a:p>
-          <a:p>
-            <a:r>
-              <a:rPr lang="sk-SK" dirty="0" smtClean="0"/>
-              <a:t>overenia na iných komunikačných protokoloch</a:t>
-            </a:r>
-            <a:r>
-              <a:rPr lang="en-US" dirty="0" smtClean="0"/>
-              <a:t>,</a:t>
-            </a:r>
-          </a:p>
-          <a:p>
-            <a:r>
-              <a:rPr lang="sk-SK" dirty="0" smtClean="0"/>
-              <a:t>väčšiu sieť</a:t>
-            </a:r>
-            <a:r>
-              <a:rPr lang="en-US" dirty="0" smtClean="0"/>
-              <a:t>,</a:t>
-            </a:r>
-            <a:endParaRPr lang="sk-SK" dirty="0" smtClean="0"/>
-          </a:p>
-          <a:p>
-            <a:r>
-              <a:rPr lang="sk-SK" dirty="0" smtClean="0"/>
-              <a:t>testovanie,</a:t>
-            </a:r>
-            <a:endParaRPr lang="sk-SK" dirty="0" smtClean="0"/>
-          </a:p>
-          <a:p>
-            <a:endParaRPr lang="en-US" dirty="0" smtClean="0"/>
-          </a:p>
-          <a:p>
-            <a:r>
-              <a:rPr lang="sk-SK" dirty="0" smtClean="0"/>
-              <a:t>urýchlenie </a:t>
-            </a:r>
-            <a:r>
-              <a:rPr lang="sk-SK" dirty="0" smtClean="0"/>
-              <a:t>výpočtov</a:t>
-            </a:r>
-            <a:r>
-              <a:rPr lang="en-US" dirty="0" smtClean="0"/>
-              <a:t>/</a:t>
-            </a:r>
-            <a:r>
-              <a:rPr lang="en-US" dirty="0" err="1" smtClean="0"/>
-              <a:t>komuni</a:t>
-            </a:r>
-            <a:r>
-              <a:rPr lang="sk-SK" dirty="0" smtClean="0"/>
-              <a:t>kácie s ISO7816</a:t>
-            </a:r>
-            <a:r>
-              <a:rPr lang="en-US" dirty="0" smtClean="0"/>
-              <a:t>:</a:t>
-            </a:r>
-            <a:endParaRPr lang="sk-SK" dirty="0" smtClean="0"/>
-          </a:p>
-          <a:p>
-            <a:pPr lvl="1"/>
-            <a:r>
-              <a:rPr lang="sk-SK" dirty="0" smtClean="0"/>
-              <a:t>PKI,</a:t>
-            </a:r>
-            <a:endParaRPr lang="sk-SK" dirty="0" smtClean="0"/>
-          </a:p>
-          <a:p>
-            <a:pPr lvl="1"/>
-            <a:r>
-              <a:rPr lang="en-US" dirty="0" smtClean="0"/>
-              <a:t>v</a:t>
-            </a:r>
-            <a:r>
-              <a:rPr lang="sk-SK" dirty="0" smtClean="0"/>
-              <a:t>yššia rýchlosť CLK (</a:t>
-            </a:r>
-            <a:r>
-              <a:rPr lang="sk-SK" i="1" dirty="0" smtClean="0"/>
-              <a:t>nábežné časy, šum</a:t>
-            </a:r>
-            <a:r>
-              <a:rPr lang="sk-SK" dirty="0" smtClean="0"/>
-              <a:t>)</a:t>
-            </a:r>
-            <a:r>
-              <a:rPr lang="en-US" dirty="0" smtClean="0"/>
-              <a:t>,</a:t>
-            </a:r>
-            <a:endParaRPr lang="sk-SK" dirty="0" smtClean="0"/>
-          </a:p>
-          <a:p>
-            <a:pPr lvl="1"/>
-            <a:r>
-              <a:rPr lang="sk-SK" dirty="0" smtClean="0"/>
-              <a:t>Secure </a:t>
-            </a:r>
-            <a:r>
-              <a:rPr lang="sk-SK" dirty="0" smtClean="0"/>
-              <a:t>channel</a:t>
-            </a:r>
-            <a:r>
-              <a:rPr lang="sk-SK" dirty="0" smtClean="0"/>
-              <a:t> a manuálnu inštaláciu appletu.</a:t>
-            </a:r>
-            <a:endParaRPr lang="sk-SK" dirty="0" smtClean="0"/>
-          </a:p>
-        </p:txBody>
-      </p:sp>
-      <p:sp>
-        <p:nvSpPr>
-          <p:cNvPr id="4" name="Slide Number Placeholder 3"/>
-          <p:cNvSpPr>
-            <a:spLocks noGrp="1"/>
-          </p:cNvSpPr>
-          <p:nvPr>
-            <p:ph type="sldNum" sz="quarter" idx="12"/>
-          </p:nvPr>
-        </p:nvSpPr>
-        <p:spPr/>
-        <p:txBody>
-          <a:bodyPr/>
-          <a:lstStyle/>
-          <a:p>
-            <a:fld id="{8C584B50-B360-452D-AFC7-DEF83B5F5806}" type="slidenum">
-              <a:rPr lang="en-US" smtClean="0"/>
-              <a:pPr/>
-              <a:t>27</a:t>
-            </a:fld>
-            <a:r>
-              <a:rPr lang="en-US" dirty="0" smtClean="0"/>
-              <a:t>/2</a:t>
-            </a:r>
-            <a:r>
-              <a:rPr lang="sk-SK" dirty="0" smtClean="0"/>
-              <a:t>7</a:t>
-            </a:r>
-            <a:endParaRPr lang="en-US" dirty="0"/>
-          </a:p>
-        </p:txBody>
-      </p:sp>
-    </p:spTree>
-  </p:cSld>
-  <p:clrMapOvr>
-    <a:masterClrMapping/>
-  </p:clrMapOvr>
-  <p:timing>
-    <p:tnLst>
-      <p:par>
-        <p:cTn id="1" dur="indefinite" restart="never" nodeType="tmRoot"/>
-      </p:par>
-    </p:tnLst>
-  </p:timing>
-</p:sld>
-</file>
-
-<file path=ppt/slides/slide28.xml><?xml version="1.0" encoding="utf-8"?>
-<p:sld xmlns:a="http://schemas.openxmlformats.org/drawingml/2006/main" xmlns:r="http://schemas.openxmlformats.org/officeDocument/2006/relationships" xmlns:p="http://schemas.openxmlformats.org/presentationml/2006/main">
-  <p:cSld>
-    <p:spTree>
-      <p:nvGrpSpPr>
-        <p:cNvPr id="1" name=""/>
-        <p:cNvGrpSpPr/>
-        <p:nvPr/>
-      </p:nvGrpSpPr>
-      <p:grpSpPr>
-        <a:xfrm>
-          <a:off x="0" y="0"/>
-          <a:ext cx="0" cy="0"/>
-          <a:chOff x="0" y="0"/>
-          <a:chExt cx="0" cy="0"/>
-        </a:xfrm>
-      </p:grpSpPr>
-      <p:sp>
-        <p:nvSpPr>
-          <p:cNvPr id="2" name="Title 1"/>
-          <p:cNvSpPr>
-            <a:spLocks noGrp="1"/>
-          </p:cNvSpPr>
-          <p:nvPr>
-            <p:ph type="title"/>
-          </p:nvPr>
-        </p:nvSpPr>
-        <p:spPr/>
-        <p:txBody>
-          <a:bodyPr>
-            <a:normAutofit/>
-          </a:bodyPr>
-          <a:lstStyle/>
-          <a:p>
-            <a:r>
-              <a:rPr lang="en-US" dirty="0" err="1" smtClean="0"/>
-              <a:t>Ot</a:t>
-            </a:r>
-            <a:r>
-              <a:rPr lang="sk-SK" dirty="0" smtClean="0"/>
-              <a:t>ázky</a:t>
-            </a:r>
-            <a:r>
-              <a:rPr lang="en-US" dirty="0" smtClean="0"/>
-              <a:t>?</a:t>
-            </a:r>
-            <a:endParaRPr lang="en-US" dirty="0"/>
-          </a:p>
-        </p:txBody>
-      </p:sp>
-      <p:sp>
-        <p:nvSpPr>
-          <p:cNvPr id="3" name="Content Placeholder 2"/>
-          <p:cNvSpPr>
-            <a:spLocks noGrp="1"/>
-          </p:cNvSpPr>
-          <p:nvPr>
-            <p:ph idx="1"/>
-          </p:nvPr>
-        </p:nvSpPr>
-        <p:spPr>
-          <a:xfrm>
-            <a:off x="457200" y="1143000"/>
-            <a:ext cx="8229600" cy="5562600"/>
-          </a:xfrm>
-        </p:spPr>
-        <p:txBody>
-          <a:bodyPr>
-            <a:noAutofit/>
-          </a:bodyPr>
-          <a:lstStyle/>
-          <a:p>
-            <a:r>
-              <a:rPr lang="sk-SK" sz="1800" dirty="0" smtClean="0"/>
-              <a:t>Motivácia</a:t>
-            </a:r>
-            <a:endParaRPr lang="en-US" sz="1800" dirty="0" smtClean="0"/>
-          </a:p>
-          <a:p>
-            <a:r>
-              <a:rPr lang="sk-SK" sz="1800" dirty="0" smtClean="0"/>
-              <a:t>Informačná bezpečnosť</a:t>
-            </a:r>
-          </a:p>
-          <a:p>
-            <a:r>
-              <a:rPr lang="sk-SK" sz="1800" dirty="0" smtClean="0"/>
-              <a:t>Typy útokov</a:t>
-            </a:r>
-            <a:endParaRPr lang="en-US" sz="1800" dirty="0" smtClean="0"/>
-          </a:p>
-          <a:p>
-            <a:r>
-              <a:rPr lang="en-US" sz="1800" dirty="0" err="1" smtClean="0"/>
-              <a:t>Aktu</a:t>
-            </a:r>
-            <a:r>
-              <a:rPr lang="sk-SK" sz="1800" dirty="0" smtClean="0"/>
-              <a:t>álny s</a:t>
-            </a:r>
-            <a:r>
-              <a:rPr lang="en-US" sz="1800" dirty="0" err="1" smtClean="0"/>
-              <a:t>tav</a:t>
-            </a:r>
-            <a:r>
-              <a:rPr lang="en-US" sz="1800" dirty="0" smtClean="0"/>
-              <a:t> </a:t>
-            </a:r>
-            <a:r>
-              <a:rPr lang="sk-SK" sz="1800" dirty="0" smtClean="0"/>
-              <a:t>vo WPAN 802.15</a:t>
-            </a:r>
-            <a:endParaRPr lang="en-US" sz="1800" dirty="0" smtClean="0"/>
-          </a:p>
-          <a:p>
-            <a:r>
-              <a:rPr lang="sk-SK" sz="1800" dirty="0" smtClean="0"/>
-              <a:t>Navrhnuté riešenie</a:t>
-            </a:r>
-          </a:p>
-          <a:p>
-            <a:r>
-              <a:rPr lang="sk-SK" sz="1800" dirty="0" smtClean="0"/>
-              <a:t>Implementácia</a:t>
-            </a:r>
-            <a:r>
-              <a:rPr lang="en-US" sz="1800" dirty="0" smtClean="0"/>
-              <a:t>:</a:t>
-            </a:r>
-            <a:endParaRPr lang="en-US" sz="1800" dirty="0" smtClean="0"/>
-          </a:p>
-          <a:p>
-            <a:pPr lvl="1">
-              <a:spcBef>
-                <a:spcPts val="100"/>
-              </a:spcBef>
-            </a:pPr>
-            <a:r>
-              <a:rPr lang="sk-SK" sz="1800" dirty="0" smtClean="0"/>
-              <a:t>Bezdrôtová </a:t>
-            </a:r>
-            <a:r>
-              <a:rPr lang="sk-SK" sz="1800" dirty="0" smtClean="0"/>
-              <a:t>komunikácia</a:t>
-            </a:r>
-          </a:p>
-          <a:p>
-            <a:pPr lvl="1">
-              <a:spcBef>
-                <a:spcPts val="100"/>
-              </a:spcBef>
-            </a:pPr>
-            <a:r>
-              <a:rPr lang="sk-SK" sz="1800" dirty="0" smtClean="0"/>
-              <a:t>Model siete </a:t>
-            </a:r>
-            <a:endParaRPr lang="sk-SK" sz="1800" dirty="0" smtClean="0"/>
-          </a:p>
-          <a:p>
-            <a:pPr lvl="1">
-              <a:spcBef>
-                <a:spcPts val="100"/>
-              </a:spcBef>
-            </a:pPr>
-            <a:r>
-              <a:rPr lang="en-US" sz="1800" dirty="0" smtClean="0"/>
-              <a:t>Segment</a:t>
-            </a:r>
-            <a:r>
-              <a:rPr lang="sk-SK" sz="1800" dirty="0" smtClean="0"/>
-              <a:t>ácia správ </a:t>
-            </a:r>
-          </a:p>
-          <a:p>
-            <a:pPr lvl="1">
-              <a:spcBef>
-                <a:spcPts val="100"/>
-              </a:spcBef>
-            </a:pPr>
-            <a:r>
-              <a:rPr lang="sk-SK" sz="1800" dirty="0" smtClean="0"/>
-              <a:t>SW AES-128 a HW AES-128</a:t>
-            </a:r>
-            <a:endParaRPr lang="en-US" sz="1800" dirty="0" smtClean="0"/>
-          </a:p>
-          <a:p>
-            <a:pPr lvl="1">
-              <a:spcBef>
-                <a:spcPts val="100"/>
-              </a:spcBef>
-            </a:pPr>
-            <a:r>
-              <a:rPr lang="sk-SK" sz="1800" dirty="0" smtClean="0"/>
-              <a:t>ISO7816</a:t>
-            </a:r>
-            <a:endParaRPr lang="en-US" sz="1800" dirty="0" smtClean="0"/>
-          </a:p>
-          <a:p>
-            <a:pPr lvl="1">
-              <a:spcBef>
-                <a:spcPts val="100"/>
-              </a:spcBef>
-            </a:pPr>
-            <a:r>
-              <a:rPr lang="sk-SK" sz="1800" dirty="0" smtClean="0"/>
-              <a:t>Schémy</a:t>
-            </a:r>
-            <a:r>
-              <a:rPr lang="sk-SK" sz="1800" dirty="0" smtClean="0"/>
-              <a:t>, DPS</a:t>
-            </a:r>
-            <a:endParaRPr lang="en-US" sz="1800" dirty="0" smtClean="0"/>
-          </a:p>
-          <a:p>
-            <a:pPr lvl="1">
-              <a:spcBef>
-                <a:spcPts val="100"/>
-              </a:spcBef>
-            </a:pPr>
-            <a:r>
-              <a:rPr lang="sk-SK" sz="1800" dirty="0" smtClean="0"/>
-              <a:t>JavaCard</a:t>
-            </a:r>
-            <a:endParaRPr lang="en-US" sz="1800" dirty="0" smtClean="0"/>
-          </a:p>
-          <a:p>
-            <a:pPr lvl="1">
-              <a:spcBef>
-                <a:spcPts val="100"/>
-              </a:spcBef>
-            </a:pPr>
-            <a:r>
-              <a:rPr lang="sk-SK" sz="1800" dirty="0" smtClean="0"/>
-              <a:t>Funkcionalita k</a:t>
-            </a:r>
-            <a:r>
-              <a:rPr lang="en-US" sz="1800" dirty="0" err="1" smtClean="0"/>
-              <a:t>onzol</a:t>
-            </a:r>
-            <a:r>
-              <a:rPr lang="sk-SK" sz="1800" dirty="0" smtClean="0"/>
-              <a:t>y</a:t>
-            </a:r>
-            <a:endParaRPr lang="en-US" sz="1800" dirty="0" smtClean="0"/>
-          </a:p>
-          <a:p>
-            <a:r>
-              <a:rPr lang="sk-SK" sz="1800" dirty="0" smtClean="0"/>
-              <a:t>Testovanie a vyhodnotenie</a:t>
-            </a:r>
-            <a:endParaRPr lang="en-US" sz="1800" dirty="0" smtClean="0"/>
-          </a:p>
-          <a:p>
-            <a:r>
-              <a:rPr lang="sk-SK" sz="1800" dirty="0" smtClean="0"/>
-              <a:t>Sebakritika</a:t>
-            </a:r>
-            <a:endParaRPr lang="en-US" sz="1800" dirty="0" smtClean="0"/>
-          </a:p>
-          <a:p>
-            <a:r>
-              <a:rPr lang="en-US" sz="1800" dirty="0" smtClean="0"/>
-              <a:t>Z</a:t>
-            </a:r>
-            <a:r>
-              <a:rPr lang="sk-SK" sz="1800" dirty="0" smtClean="0"/>
-              <a:t>áver</a:t>
-            </a:r>
-            <a:endParaRPr lang="en-US" sz="1800" dirty="0" smtClean="0"/>
-          </a:p>
-          <a:p>
-            <a:r>
-              <a:rPr lang="sk-SK" sz="1800" dirty="0" smtClean="0"/>
-              <a:t>Plány do budúcna</a:t>
-            </a:r>
-            <a:endParaRPr lang="en-US" sz="1800" dirty="0"/>
-          </a:p>
-        </p:txBody>
-      </p:sp>
-    </p:spTree>
-  </p:cSld>
-  <p:clrMapOvr>
-    <a:masterClrMapping/>
-  </p:clrMapOvr>
-  <p:timing>
-    <p:tnLst>
-      <p:par>
-        <p:cTn id="1" dur="indefinite" restart="never" nodeType="tmRoot"/>
-      </p:par>
-    </p:tnLst>
-  </p:timing>
-</p:sld>
-</file>
-
-<file path=ppt/slides/slide29.xml><?xml version="1.0" encoding="utf-8"?>
-<p:sld xmlns:a="http://schemas.openxmlformats.org/drawingml/2006/main" xmlns:r="http://schemas.openxmlformats.org/officeDocument/2006/relationships" xmlns:p="http://schemas.openxmlformats.org/presentationml/2006/main">
-  <p:cSld>
-    <p:spTree>
-      <p:nvGrpSpPr>
-        <p:cNvPr id="1" name=""/>
-        <p:cNvGrpSpPr/>
-        <p:nvPr/>
-      </p:nvGrpSpPr>
-      <p:grpSpPr>
-        <a:xfrm>
-          <a:off x="0" y="0"/>
-          <a:ext cx="0" cy="0"/>
-          <a:chOff x="0" y="0"/>
-          <a:chExt cx="0" cy="0"/>
-        </a:xfrm>
-      </p:grpSpPr>
-      <p:sp>
-        <p:nvSpPr>
-          <p:cNvPr id="2" name="Title 1"/>
-          <p:cNvSpPr>
-            <a:spLocks noGrp="1"/>
-          </p:cNvSpPr>
-          <p:nvPr>
-            <p:ph type="title"/>
-          </p:nvPr>
-        </p:nvSpPr>
-        <p:spPr/>
-        <p:txBody>
-          <a:bodyPr>
-            <a:normAutofit/>
-          </a:bodyPr>
-          <a:lstStyle/>
-          <a:p>
-            <a:r>
-              <a:rPr lang="sk-SK" dirty="0" smtClean="0"/>
-              <a:t>Používané technológie</a:t>
-            </a:r>
-            <a:endParaRPr lang="en-US" dirty="0"/>
-          </a:p>
-        </p:txBody>
-      </p:sp>
-      <p:sp>
-        <p:nvSpPr>
-          <p:cNvPr id="3" name="Content Placeholder 2"/>
-          <p:cNvSpPr>
-            <a:spLocks noGrp="1"/>
-          </p:cNvSpPr>
-          <p:nvPr>
-            <p:ph idx="1"/>
-          </p:nvPr>
-        </p:nvSpPr>
-        <p:spPr/>
-        <p:txBody>
-          <a:bodyPr/>
-          <a:lstStyle/>
-          <a:p>
-            <a:r>
-              <a:rPr lang="sk-SK" dirty="0" smtClean="0"/>
-              <a:t>Viac m</a:t>
-            </a:r>
-            <a:r>
-              <a:rPr lang="en-US" dirty="0" err="1" smtClean="0"/>
-              <a:t>arketing</a:t>
-            </a:r>
-            <a:r>
-              <a:rPr lang="en-US" dirty="0" smtClean="0"/>
-              <a:t> ako </a:t>
-            </a:r>
-            <a:r>
-              <a:rPr lang="en-US" dirty="0" err="1" smtClean="0"/>
-              <a:t>technol</a:t>
-            </a:r>
-            <a:r>
-              <a:rPr lang="sk-SK" dirty="0" smtClean="0"/>
-              <a:t>ógie</a:t>
-            </a:r>
-            <a:r>
-              <a:rPr lang="en-US" dirty="0" smtClean="0"/>
-              <a:t> a </a:t>
-            </a:r>
-            <a:r>
-              <a:rPr lang="en-US" dirty="0" err="1" smtClean="0"/>
-              <a:t>parametre</a:t>
-            </a:r>
-            <a:r>
-              <a:rPr lang="en-US" dirty="0" smtClean="0"/>
-              <a:t>:</a:t>
-            </a:r>
-          </a:p>
-          <a:p>
-            <a:pPr lvl="1"/>
-            <a:r>
-              <a:rPr lang="sk-SK" dirty="0" smtClean="0"/>
-              <a:t>iControl Networks</a:t>
-            </a:r>
-            <a:r>
-              <a:rPr lang="en-US" dirty="0" smtClean="0"/>
-              <a:t>:</a:t>
-            </a:r>
-            <a:r>
-              <a:rPr lang="sk-SK" dirty="0" smtClean="0"/>
-              <a:t> </a:t>
-            </a:r>
-            <a:r>
-              <a:rPr lang="en-US" dirty="0" err="1" smtClean="0"/>
-              <a:t>ZigBee</a:t>
-            </a:r>
-            <a:r>
-              <a:rPr lang="en-US" dirty="0" smtClean="0"/>
-              <a:t>, Z-Wave</a:t>
-            </a:r>
-          </a:p>
-          <a:p>
-            <a:pPr lvl="1"/>
-            <a:r>
-              <a:rPr lang="en-US" dirty="0" err="1" smtClean="0"/>
-              <a:t>BeeWi</a:t>
-            </a:r>
-            <a:r>
-              <a:rPr lang="en-US" dirty="0" smtClean="0"/>
-              <a:t>: Bluetooth</a:t>
-            </a:r>
-            <a:endParaRPr lang="sk-SK" dirty="0" smtClean="0"/>
-          </a:p>
-          <a:p>
-            <a:pPr lvl="1"/>
-            <a:r>
-              <a:rPr lang="sk-SK" dirty="0" smtClean="0"/>
-              <a:t>Samsung SmartThings hub</a:t>
-            </a:r>
-            <a:r>
-              <a:rPr lang="en-US" dirty="0" smtClean="0"/>
-              <a:t>: </a:t>
-            </a:r>
-            <a:r>
-              <a:rPr lang="en-US" dirty="0" err="1" smtClean="0"/>
-              <a:t>WiFi</a:t>
-            </a:r>
-            <a:r>
-              <a:rPr lang="en-US" dirty="0" smtClean="0"/>
-              <a:t>, Z-Wave, LAN, </a:t>
-            </a:r>
-            <a:r>
-              <a:rPr lang="en-US" dirty="0" err="1" smtClean="0"/>
-              <a:t>ZigBee</a:t>
-            </a:r>
-            <a:endParaRPr lang="en-US" dirty="0"/>
-          </a:p>
-        </p:txBody>
-      </p:sp>
-    </p:spTree>
-  </p:cSld>
-  <p:clrMapOvr>
-    <a:masterClrMapping/>
-  </p:clrMapOvr>
-  <p:timing>
-    <p:tnLst>
-      <p:par>
-        <p:cTn id="1" dur="indefinite" restart="never" nodeType="tmRoot"/>
-      </p:par>
-    </p:tnLst>
-  </p:timing>
-</p:sld>
-</file>
-
-<file path=ppt/slides/slide3.xml><?xml version="1.0" encoding="utf-8"?>
-<p:sld xmlns:a="http://schemas.openxmlformats.org/drawingml/2006/main" xmlns:r="http://schemas.openxmlformats.org/officeDocument/2006/relationships" xmlns:p="http://schemas.openxmlformats.org/presentationml/2006/main">
-  <p:cSld>
-    <p:spTree>
-      <p:nvGrpSpPr>
-        <p:cNvPr id="1" name=""/>
-        <p:cNvGrpSpPr/>
-        <p:nvPr/>
-      </p:nvGrpSpPr>
-      <p:grpSpPr>
-        <a:xfrm>
-          <a:off x="0" y="0"/>
-          <a:ext cx="0" cy="0"/>
-          <a:chOff x="0" y="0"/>
-          <a:chExt cx="0" cy="0"/>
-        </a:xfrm>
-      </p:grpSpPr>
-      <p:sp>
-        <p:nvSpPr>
-          <p:cNvPr id="2" name="Title 1"/>
-          <p:cNvSpPr>
-            <a:spLocks noGrp="1"/>
-          </p:cNvSpPr>
-          <p:nvPr>
-            <p:ph type="title"/>
-          </p:nvPr>
-        </p:nvSpPr>
-        <p:spPr/>
-        <p:txBody>
-          <a:bodyPr/>
-          <a:lstStyle/>
-          <a:p>
-            <a:r>
-              <a:rPr lang="en-US" dirty="0" err="1" smtClean="0"/>
-              <a:t>Cie</a:t>
-            </a:r>
-            <a:r>
-              <a:rPr lang="sk-SK" dirty="0" smtClean="0"/>
-              <a:t>ľ</a:t>
-            </a:r>
-            <a:endParaRPr lang="en-US" dirty="0"/>
-          </a:p>
-        </p:txBody>
-      </p:sp>
-      <p:sp>
-        <p:nvSpPr>
-          <p:cNvPr id="3" name="Content Placeholder 2"/>
-          <p:cNvSpPr>
-            <a:spLocks noGrp="1"/>
-          </p:cNvSpPr>
-          <p:nvPr>
-            <p:ph idx="1"/>
-          </p:nvPr>
-        </p:nvSpPr>
-        <p:spPr/>
-        <p:txBody>
-          <a:bodyPr>
-            <a:normAutofit/>
-          </a:bodyPr>
-          <a:lstStyle/>
-          <a:p>
-            <a:r>
-              <a:rPr lang="sk-SK" dirty="0" smtClean="0"/>
-              <a:t>Zvýšiť zabezpečenie v bezdrôtových komunikačných sieťach</a:t>
-            </a:r>
-            <a:endParaRPr lang="sk-SK" dirty="0" smtClean="0"/>
-          </a:p>
-        </p:txBody>
-      </p:sp>
-      <p:sp>
-        <p:nvSpPr>
-          <p:cNvPr id="4" name="Slide Number Placeholder 3"/>
-          <p:cNvSpPr>
-            <a:spLocks noGrp="1"/>
-          </p:cNvSpPr>
-          <p:nvPr>
-            <p:ph type="sldNum" sz="quarter" idx="12"/>
-          </p:nvPr>
-        </p:nvSpPr>
-        <p:spPr/>
-        <p:txBody>
-          <a:bodyPr/>
-          <a:lstStyle/>
-          <a:p>
-            <a:fld id="{8C584B50-B360-452D-AFC7-DEF83B5F5806}" type="slidenum">
-              <a:rPr lang="en-US" smtClean="0"/>
-              <a:pPr/>
-              <a:t>3</a:t>
-            </a:fld>
-            <a:r>
-              <a:rPr lang="en-US" dirty="0" smtClean="0"/>
-              <a:t>/2</a:t>
-            </a:r>
-            <a:r>
-              <a:rPr lang="sk-SK" dirty="0" smtClean="0"/>
-              <a:t>7</a:t>
-            </a:r>
-            <a:endParaRPr lang="en-US" dirty="0"/>
-          </a:p>
-        </p:txBody>
-      </p:sp>
-    </p:spTree>
-  </p:cSld>
-  <p:clrMapOvr>
-    <a:masterClrMapping/>
-  </p:clrMapOvr>
-  <p:timing>
-    <p:tnLst>
-      <p:par>
-        <p:cTn id="1" dur="indefinite" restart="never" nodeType="tmRoot"/>
-      </p:par>
-    </p:tnLst>
-  </p:timing>
-</p:sld>
-</file>
-
-<file path=ppt/slides/slide30.xml><?xml version="1.0" encoding="utf-8"?>
-<p:sld xmlns:a="http://schemas.openxmlformats.org/drawingml/2006/main" xmlns:r="http://schemas.openxmlformats.org/officeDocument/2006/relationships" xmlns:p="http://schemas.openxmlformats.org/presentationml/2006/main">
-  <p:cSld>
-    <p:spTree>
-      <p:nvGrpSpPr>
-        <p:cNvPr id="1" name=""/>
-        <p:cNvGrpSpPr/>
-        <p:nvPr/>
-      </p:nvGrpSpPr>
-      <p:grpSpPr>
-        <a:xfrm>
-          <a:off x="0" y="0"/>
-          <a:ext cx="0" cy="0"/>
-          <a:chOff x="0" y="0"/>
-          <a:chExt cx="0" cy="0"/>
-        </a:xfrm>
-      </p:grpSpPr>
-      <p:sp>
-        <p:nvSpPr>
-          <p:cNvPr id="2" name="Title 1"/>
-          <p:cNvSpPr>
-            <a:spLocks noGrp="1"/>
-          </p:cNvSpPr>
-          <p:nvPr>
-            <p:ph type="title"/>
-          </p:nvPr>
-        </p:nvSpPr>
-        <p:spPr/>
-        <p:txBody>
-          <a:bodyPr>
-            <a:normAutofit/>
-          </a:bodyPr>
-          <a:lstStyle/>
-          <a:p>
-            <a:r>
-              <a:rPr lang="en-US" dirty="0" err="1" smtClean="0"/>
-              <a:t>Odpor</a:t>
-            </a:r>
-            <a:r>
-              <a:rPr lang="sk-SK" dirty="0" smtClean="0"/>
-              <a:t>účané aplikácie sietí</a:t>
-            </a:r>
-            <a:endParaRPr lang="en-US" dirty="0"/>
-          </a:p>
-        </p:txBody>
-      </p:sp>
-      <p:sp>
-        <p:nvSpPr>
-          <p:cNvPr id="3" name="Content Placeholder 2"/>
-          <p:cNvSpPr>
-            <a:spLocks noGrp="1"/>
-          </p:cNvSpPr>
-          <p:nvPr>
-            <p:ph sz="half" idx="1"/>
-          </p:nvPr>
-        </p:nvSpPr>
-        <p:spPr/>
-        <p:txBody>
-          <a:bodyPr/>
-          <a:lstStyle/>
-          <a:p>
-            <a:r>
-              <a:rPr lang="sk-SK" dirty="0" smtClean="0"/>
-              <a:t>NFC</a:t>
-            </a:r>
-          </a:p>
-          <a:p>
-            <a:r>
-              <a:rPr lang="sk-SK" dirty="0" smtClean="0"/>
-              <a:t>RFID</a:t>
-            </a:r>
-          </a:p>
-          <a:p>
-            <a:r>
-              <a:rPr lang="sk-SK" dirty="0" smtClean="0"/>
-              <a:t>ANT</a:t>
-            </a:r>
-          </a:p>
-          <a:p>
-            <a:r>
-              <a:rPr lang="en-US" dirty="0" smtClean="0"/>
-              <a:t>Bluetooth</a:t>
-            </a:r>
-            <a:endParaRPr lang="sk-SK" dirty="0" smtClean="0"/>
-          </a:p>
-          <a:p>
-            <a:r>
-              <a:rPr lang="sk-SK" dirty="0" smtClean="0"/>
-              <a:t>ZigBee</a:t>
-            </a:r>
-          </a:p>
-          <a:p>
-            <a:r>
-              <a:rPr lang="sk-SK" dirty="0" smtClean="0"/>
-              <a:t>SigFox</a:t>
-            </a:r>
-            <a:r>
-              <a:rPr lang="en-US" dirty="0" smtClean="0"/>
-              <a:t>/</a:t>
-            </a:r>
-            <a:r>
-              <a:rPr lang="sk-SK" dirty="0" smtClean="0"/>
-              <a:t>LoRa WAN</a:t>
-            </a:r>
-          </a:p>
-          <a:p>
-            <a:r>
-              <a:rPr lang="sk-SK" dirty="0" smtClean="0"/>
-              <a:t>WiFi</a:t>
-            </a:r>
-          </a:p>
-          <a:p>
-            <a:endParaRPr lang="en-US" dirty="0"/>
-          </a:p>
-        </p:txBody>
-      </p:sp>
-      <p:sp>
-        <p:nvSpPr>
-          <p:cNvPr id="5" name="Content Placeholder 4"/>
-          <p:cNvSpPr>
-            <a:spLocks noGrp="1"/>
-          </p:cNvSpPr>
-          <p:nvPr>
-            <p:ph sz="half" idx="2"/>
-          </p:nvPr>
-        </p:nvSpPr>
-        <p:spPr>
-          <a:xfrm>
-            <a:off x="3733800" y="1600200"/>
-            <a:ext cx="1295400" cy="4525963"/>
-          </a:xfrm>
-        </p:spPr>
-        <p:txBody>
-          <a:bodyPr/>
-          <a:lstStyle/>
-          <a:p>
-            <a:endParaRPr lang="en-US" dirty="0" smtClean="0"/>
-          </a:p>
-          <a:p>
-            <a:pPr>
-              <a:spcBef>
-                <a:spcPts val="1700"/>
-              </a:spcBef>
-            </a:pPr>
-            <a:r>
-              <a:rPr lang="en-US" dirty="0" smtClean="0"/>
-              <a:t>GSM</a:t>
-            </a:r>
-            <a:endParaRPr lang="en-US" dirty="0"/>
-          </a:p>
-        </p:txBody>
-      </p:sp>
-      <p:sp>
-        <p:nvSpPr>
-          <p:cNvPr id="6" name="Content Placeholder 4"/>
-          <p:cNvSpPr txBox="1">
-            <a:spLocks/>
-          </p:cNvSpPr>
-          <p:nvPr/>
-        </p:nvSpPr>
-        <p:spPr>
-          <a:xfrm>
-            <a:off x="5715000" y="1600200"/>
-            <a:ext cx="2819400" cy="4525963"/>
-          </a:xfrm>
-          <a:prstGeom prst="rect">
-            <a:avLst/>
-          </a:prstGeom>
-        </p:spPr>
-        <p:txBody>
-          <a:bodyPr vert="horz" lIns="91440" tIns="45720" rIns="91440" bIns="45720" rtlCol="0">
-            <a:normAutofit/>
-          </a:bodyPr>
-          <a:lstStyle/>
-          <a:p>
-            <a:pPr marL="342900" marR="0" lvl="0" indent="-342900" algn="l" defTabSz="914400" rtl="0" eaLnBrk="1" fontAlgn="auto" latinLnBrk="0" hangingPunct="1">
-              <a:lnSpc>
-                <a:spcPct val="100000"/>
-              </a:lnSpc>
-              <a:spcBef>
-                <a:spcPct val="20000"/>
-              </a:spcBef>
-              <a:spcAft>
-                <a:spcPts val="0"/>
-              </a:spcAft>
-              <a:buClrTx/>
-              <a:buSzTx/>
-              <a:buFont typeface="Arial" pitchFamily="34" charset="0"/>
-              <a:buChar char="•"/>
-              <a:tabLst/>
-              <a:defRPr/>
-            </a:pPr>
-            <a:endParaRPr kumimoji="0" lang="en-US" sz="2800" b="0" i="0" u="none" strike="noStrike" kern="1200" cap="none" spc="0" normalizeH="0" baseline="0" noProof="0" dirty="0" smtClean="0">
-              <a:ln>
-                <a:noFill/>
-              </a:ln>
-              <a:solidFill>
-                <a:schemeClr val="tx1"/>
-              </a:solidFill>
-              <a:effectLst/>
-              <a:uLnTx/>
-              <a:uFillTx/>
-              <a:latin typeface="+mn-lt"/>
-              <a:ea typeface="+mn-ea"/>
-              <a:cs typeface="+mn-cs"/>
-            </a:endParaRPr>
-          </a:p>
-          <a:p>
-            <a:pPr marL="342900" marR="0" lvl="0" indent="-342900" algn="l" defTabSz="914400" rtl="0" eaLnBrk="1" fontAlgn="auto" latinLnBrk="0" hangingPunct="1">
-              <a:lnSpc>
-                <a:spcPct val="100000"/>
-              </a:lnSpc>
-              <a:spcBef>
-                <a:spcPts val="1700"/>
-              </a:spcBef>
-              <a:spcAft>
-                <a:spcPts val="0"/>
-              </a:spcAft>
-              <a:buClrTx/>
-              <a:buSzTx/>
-              <a:buFont typeface="Arial" pitchFamily="34" charset="0"/>
-              <a:buChar char="•"/>
-              <a:tabLst/>
-              <a:defRPr/>
-            </a:pPr>
-            <a:endParaRPr kumimoji="0" lang="en-US" sz="2800" b="0" i="0" u="none" strike="noStrike" kern="1200" cap="none" spc="0" normalizeH="0" baseline="0" noProof="0" dirty="0">
-              <a:ln>
-                <a:noFill/>
-              </a:ln>
-              <a:solidFill>
-                <a:schemeClr val="tx1"/>
-              </a:solidFill>
-              <a:effectLst/>
-              <a:uLnTx/>
-              <a:uFillTx/>
-              <a:latin typeface="+mn-lt"/>
-              <a:ea typeface="+mn-ea"/>
-              <a:cs typeface="+mn-cs"/>
-            </a:endParaRPr>
-          </a:p>
-        </p:txBody>
-      </p:sp>
-      <p:cxnSp>
-        <p:nvCxnSpPr>
-          <p:cNvPr id="8" name="Straight Arrow Connector 7"/>
-          <p:cNvCxnSpPr/>
-          <p:nvPr/>
-        </p:nvCxnSpPr>
-        <p:spPr>
-          <a:xfrm rot="5400000">
-            <a:off x="4000222" y="3619222"/>
-            <a:ext cx="3885406" cy="1350"/>
-          </a:xfrm>
-          <a:prstGeom prst="straightConnector1">
-            <a:avLst/>
-          </a:prstGeom>
-          <a:ln>
-            <a:tailEnd type="arrow"/>
-          </a:ln>
-        </p:spPr>
-        <p:style>
-          <a:lnRef idx="3">
-            <a:schemeClr val="dk1"/>
-          </a:lnRef>
-          <a:fillRef idx="0">
-            <a:schemeClr val="dk1"/>
-          </a:fillRef>
-          <a:effectRef idx="2">
-            <a:schemeClr val="dk1"/>
-          </a:effectRef>
-          <a:fontRef idx="minor">
-            <a:schemeClr val="tx1"/>
-          </a:fontRef>
-        </p:style>
-      </p:cxnSp>
-      <p:sp>
-        <p:nvSpPr>
-          <p:cNvPr id="9" name="Content Placeholder 4"/>
-          <p:cNvSpPr txBox="1">
-            <a:spLocks/>
-          </p:cNvSpPr>
-          <p:nvPr/>
-        </p:nvSpPr>
-        <p:spPr>
-          <a:xfrm>
-            <a:off x="6096000" y="1798637"/>
-            <a:ext cx="2514600" cy="4525963"/>
-          </a:xfrm>
-          <a:prstGeom prst="rect">
-            <a:avLst/>
-          </a:prstGeom>
-        </p:spPr>
-        <p:txBody>
-          <a:bodyPr vert="horz" lIns="91440" tIns="45720" rIns="91440" bIns="45720" rtlCol="0">
-            <a:normAutofit/>
-          </a:bodyPr>
-          <a:lstStyle/>
-          <a:p>
-            <a:pPr marL="342900" marR="0" lvl="0" indent="-342900" algn="l" defTabSz="914400" rtl="0" eaLnBrk="1" fontAlgn="auto" latinLnBrk="0" hangingPunct="1">
-              <a:lnSpc>
-                <a:spcPct val="100000"/>
-              </a:lnSpc>
-              <a:spcBef>
-                <a:spcPct val="20000"/>
-              </a:spcBef>
-              <a:spcAft>
-                <a:spcPts val="0"/>
-              </a:spcAft>
-              <a:buClrTx/>
-              <a:buSzTx/>
-              <a:tabLst/>
-              <a:defRPr/>
-            </a:pPr>
-            <a:r>
-              <a:rPr kumimoji="0" lang="sk-SK" sz="2800" b="0" i="0" u="none" strike="noStrike" kern="1200" cap="none" spc="0" normalizeH="0" baseline="0" noProof="0" dirty="0" smtClean="0">
-                <a:ln>
-                  <a:noFill/>
-                </a:ln>
-                <a:solidFill>
-                  <a:schemeClr val="tx1"/>
-                </a:solidFill>
-                <a:effectLst/>
-                <a:uLnTx/>
-                <a:uFillTx/>
-                <a:latin typeface="+mn-lt"/>
-                <a:ea typeface="+mn-ea"/>
-                <a:cs typeface="+mn-cs"/>
-              </a:rPr>
-              <a:t>Parametre</a:t>
-            </a:r>
-            <a:r>
-              <a:rPr kumimoji="0" lang="en-US" sz="2800" b="0" i="0" u="none" strike="noStrike" kern="1200" cap="none" spc="0" normalizeH="0" baseline="0" noProof="0" dirty="0" smtClean="0">
-                <a:ln>
-                  <a:noFill/>
-                </a:ln>
-                <a:solidFill>
-                  <a:schemeClr val="tx1"/>
-                </a:solidFill>
-                <a:effectLst/>
-                <a:uLnTx/>
-                <a:uFillTx/>
-                <a:latin typeface="+mn-lt"/>
-                <a:ea typeface="+mn-ea"/>
-                <a:cs typeface="+mn-cs"/>
-              </a:rPr>
-              <a:t>:</a:t>
-            </a:r>
-            <a:endParaRPr kumimoji="0" lang="en-US" sz="2800" b="0" i="0" u="none" strike="noStrike" kern="1200" cap="none" spc="0" normalizeH="0" baseline="0" noProof="0" dirty="0" smtClean="0">
-              <a:ln>
-                <a:noFill/>
-              </a:ln>
-              <a:solidFill>
-                <a:schemeClr val="tx1"/>
-              </a:solidFill>
-              <a:effectLst/>
-              <a:uLnTx/>
-              <a:uFillTx/>
-              <a:latin typeface="+mn-lt"/>
-              <a:ea typeface="+mn-ea"/>
-              <a:cs typeface="+mn-cs"/>
-            </a:endParaRPr>
-          </a:p>
-          <a:p>
-            <a:pPr marL="342900" marR="0" lvl="0" indent="-342900" algn="l" defTabSz="914400" rtl="0" eaLnBrk="1" fontAlgn="auto" latinLnBrk="0" hangingPunct="1">
-              <a:lnSpc>
-                <a:spcPct val="100000"/>
-              </a:lnSpc>
-              <a:spcBef>
-                <a:spcPts val="1200"/>
-              </a:spcBef>
-              <a:spcAft>
-                <a:spcPts val="0"/>
-              </a:spcAft>
-              <a:buClrTx/>
-              <a:buSzTx/>
-              <a:tabLst/>
-              <a:defRPr/>
-            </a:pPr>
-            <a:r>
-              <a:rPr kumimoji="0" lang="en-US" sz="2800" b="0" i="0" u="none" strike="noStrike" kern="1200" cap="none" spc="0" normalizeH="0" baseline="0" noProof="0" dirty="0" smtClean="0">
-                <a:ln>
-                  <a:noFill/>
-                </a:ln>
-                <a:solidFill>
-                  <a:schemeClr val="tx1"/>
-                </a:solidFill>
-                <a:effectLst/>
-                <a:uLnTx/>
-                <a:uFillTx/>
-                <a:latin typeface="+mn-lt"/>
-                <a:ea typeface="+mn-ea"/>
-                <a:cs typeface="+mn-cs"/>
-              </a:rPr>
-              <a:t>	</a:t>
-            </a:r>
-            <a:r>
-              <a:rPr kumimoji="0" lang="sk-SK" sz="2800" b="0" i="0" u="none" strike="noStrike" kern="1200" cap="none" spc="0" normalizeH="0" baseline="0" noProof="0" dirty="0" smtClean="0">
-                <a:ln>
-                  <a:noFill/>
-                </a:ln>
-                <a:solidFill>
-                  <a:schemeClr val="tx1"/>
-                </a:solidFill>
-                <a:effectLst/>
-                <a:uLnTx/>
-                <a:uFillTx/>
-                <a:latin typeface="+mn-lt"/>
-                <a:ea typeface="+mn-ea"/>
-                <a:cs typeface="+mn-cs"/>
-              </a:rPr>
-              <a:t>Veľkosť</a:t>
-            </a:r>
-            <a:r>
-              <a:rPr kumimoji="0" lang="sk-SK" sz="2800" b="0" i="0" u="none" strike="noStrike" kern="1200" cap="none" spc="0" normalizeH="0" noProof="0" dirty="0" smtClean="0">
-                <a:ln>
-                  <a:noFill/>
-                </a:ln>
-                <a:solidFill>
-                  <a:schemeClr val="tx1"/>
-                </a:solidFill>
-                <a:effectLst/>
-                <a:uLnTx/>
-                <a:uFillTx/>
-                <a:latin typeface="+mn-lt"/>
-                <a:ea typeface="+mn-ea"/>
-                <a:cs typeface="+mn-cs"/>
-              </a:rPr>
-              <a:t> </a:t>
-            </a:r>
-            <a:r>
-              <a:rPr kumimoji="0" lang="sk-SK" sz="2800" b="0" i="0" u="none" strike="noStrike" kern="1200" cap="none" spc="0" normalizeH="0" baseline="0" noProof="0" dirty="0" smtClean="0">
-                <a:ln>
-                  <a:noFill/>
-                </a:ln>
-                <a:solidFill>
-                  <a:schemeClr val="tx1"/>
-                </a:solidFill>
-                <a:effectLst/>
-                <a:uLnTx/>
-                <a:uFillTx/>
-                <a:latin typeface="+mn-lt"/>
-                <a:ea typeface="+mn-ea"/>
-                <a:cs typeface="+mn-cs"/>
-              </a:rPr>
-              <a:t>siete</a:t>
-            </a:r>
-          </a:p>
-          <a:p>
-            <a:pPr marL="342900" marR="0" lvl="0" indent="-342900" algn="l" defTabSz="914400" rtl="0" eaLnBrk="1" fontAlgn="auto" latinLnBrk="0" hangingPunct="1">
-              <a:lnSpc>
-                <a:spcPct val="100000"/>
-              </a:lnSpc>
-              <a:spcBef>
-                <a:spcPts val="1200"/>
-              </a:spcBef>
-              <a:spcAft>
-                <a:spcPts val="0"/>
-              </a:spcAft>
-              <a:buClrTx/>
-              <a:buSzTx/>
-              <a:tabLst/>
-              <a:defRPr/>
-            </a:pPr>
-            <a:r>
-              <a:rPr lang="en-US" sz="2800" dirty="0" smtClean="0"/>
-              <a:t>	</a:t>
-            </a:r>
-            <a:r>
-              <a:rPr lang="sk-SK" sz="2800" dirty="0" smtClean="0"/>
-              <a:t>Flexibilita</a:t>
-            </a:r>
-            <a:endParaRPr lang="sk-SK" sz="2800" dirty="0" smtClean="0"/>
-          </a:p>
-          <a:p>
-            <a:pPr marL="342900" indent="-342900">
-              <a:spcBef>
-                <a:spcPts val="1200"/>
-              </a:spcBef>
-            </a:pPr>
-            <a:r>
-              <a:rPr lang="en-US" sz="2800" dirty="0" smtClean="0"/>
-              <a:t>	</a:t>
-            </a:r>
-            <a:r>
-              <a:rPr lang="sk-SK" sz="2800" dirty="0" smtClean="0"/>
-              <a:t>Spotreba</a:t>
-            </a:r>
-            <a:endParaRPr lang="en-US" sz="2800" dirty="0" smtClean="0"/>
-          </a:p>
-          <a:p>
-            <a:pPr marL="342900" indent="-342900">
-              <a:spcBef>
-                <a:spcPts val="1200"/>
-              </a:spcBef>
-            </a:pPr>
-            <a:r>
-              <a:rPr lang="en-US" sz="2800" dirty="0" smtClean="0"/>
-              <a:t>	</a:t>
-            </a:r>
-            <a:r>
-              <a:rPr lang="sk-SK" sz="2800" dirty="0" smtClean="0"/>
-              <a:t>Kom</a:t>
-            </a:r>
-            <a:r>
-              <a:rPr lang="sk-SK" sz="2800" dirty="0" smtClean="0"/>
-              <a:t>. rýchlosť</a:t>
-            </a:r>
-          </a:p>
-          <a:p>
-            <a:pPr marL="342900" marR="0" lvl="0" indent="-342900" algn="l" defTabSz="914400" rtl="0" eaLnBrk="1" fontAlgn="auto" latinLnBrk="0" hangingPunct="1">
-              <a:lnSpc>
-                <a:spcPct val="100000"/>
-              </a:lnSpc>
-              <a:spcBef>
-                <a:spcPts val="1200"/>
-              </a:spcBef>
-              <a:spcAft>
-                <a:spcPts val="0"/>
-              </a:spcAft>
-              <a:buClrTx/>
-              <a:buSzTx/>
-              <a:tabLst/>
-              <a:defRPr/>
-            </a:pPr>
-            <a:r>
-              <a:rPr kumimoji="0" lang="en-US" sz="2800" b="0" i="0" u="none" strike="noStrike" kern="1200" cap="none" spc="0" normalizeH="0" baseline="0" noProof="0" dirty="0" smtClean="0">
-                <a:ln>
-                  <a:noFill/>
-                </a:ln>
-                <a:solidFill>
-                  <a:schemeClr val="tx1"/>
-                </a:solidFill>
-                <a:effectLst/>
-                <a:uLnTx/>
-                <a:uFillTx/>
-                <a:latin typeface="+mn-lt"/>
-                <a:ea typeface="+mn-ea"/>
-                <a:cs typeface="+mn-cs"/>
-              </a:rPr>
-              <a:t>	</a:t>
-            </a:r>
-            <a:r>
-              <a:rPr kumimoji="0" lang="sk-SK" sz="2800" b="0" i="0" u="none" strike="noStrike" kern="1200" cap="none" spc="0" normalizeH="0" baseline="0" noProof="0" dirty="0" smtClean="0">
-                <a:ln>
-                  <a:noFill/>
-                </a:ln>
-                <a:solidFill>
-                  <a:schemeClr val="tx1"/>
-                </a:solidFill>
-                <a:effectLst/>
-                <a:uLnTx/>
-                <a:uFillTx/>
-                <a:latin typeface="+mn-lt"/>
-                <a:ea typeface="+mn-ea"/>
-                <a:cs typeface="+mn-cs"/>
-              </a:rPr>
-              <a:t>Dosah</a:t>
-            </a:r>
-            <a:endParaRPr kumimoji="0" lang="sk-SK" sz="2800" b="0" i="0" u="none" strike="noStrike" kern="1200" cap="none" spc="0" normalizeH="0" baseline="0" noProof="0" dirty="0" smtClean="0">
-              <a:ln>
-                <a:noFill/>
-              </a:ln>
-              <a:solidFill>
-                <a:schemeClr val="tx1"/>
-              </a:solidFill>
-              <a:effectLst/>
-              <a:uLnTx/>
-              <a:uFillTx/>
-              <a:latin typeface="+mn-lt"/>
-              <a:ea typeface="+mn-ea"/>
-              <a:cs typeface="+mn-cs"/>
-            </a:endParaRPr>
-          </a:p>
-        </p:txBody>
-      </p:sp>
-    </p:spTree>
-  </p:cSld>
-  <p:clrMapOvr>
-    <a:masterClrMapping/>
-  </p:clrMapOvr>
-  <p:timing>
-    <p:tnLst>
-      <p:par>
-        <p:cTn id="1" dur="indefinite" restart="never" nodeType="tmRoot"/>
-      </p:par>
-    </p:tnLst>
-  </p:timing>
-</p:sld>
-</file>
-
-<file path=ppt/slides/slide31.xml><?xml version="1.0" encoding="utf-8"?>
-<p:sld xmlns:a="http://schemas.openxmlformats.org/drawingml/2006/main" xmlns:r="http://schemas.openxmlformats.org/officeDocument/2006/relationships" xmlns:p="http://schemas.openxmlformats.org/presentationml/2006/main">
-  <p:cSld>
-    <p:spTree>
-      <p:nvGrpSpPr>
-        <p:cNvPr id="1" name=""/>
-        <p:cNvGrpSpPr/>
-        <p:nvPr/>
-      </p:nvGrpSpPr>
-      <p:grpSpPr>
-        <a:xfrm>
-          <a:off x="0" y="0"/>
-          <a:ext cx="0" cy="0"/>
-          <a:chOff x="0" y="0"/>
-          <a:chExt cx="0" cy="0"/>
-        </a:xfrm>
-      </p:grpSpPr>
-      <p:sp>
-        <p:nvSpPr>
-          <p:cNvPr id="2" name="Title 1"/>
-          <p:cNvSpPr>
-            <a:spLocks noGrp="1"/>
-          </p:cNvSpPr>
-          <p:nvPr>
-            <p:ph type="title"/>
-          </p:nvPr>
-        </p:nvSpPr>
-        <p:spPr/>
-        <p:txBody>
-          <a:bodyPr>
-            <a:normAutofit/>
-          </a:bodyPr>
-          <a:lstStyle/>
-          <a:p>
-            <a:r>
-              <a:rPr lang="sk-SK" dirty="0" smtClean="0"/>
-              <a:t>Prečo komunikačný protokol ANT</a:t>
-            </a:r>
-            <a:r>
-              <a:rPr lang="en-US" dirty="0" smtClean="0"/>
-              <a:t>?</a:t>
-            </a:r>
-            <a:endParaRPr lang="en-US" dirty="0"/>
-          </a:p>
-        </p:txBody>
-      </p:sp>
-      <p:sp>
-        <p:nvSpPr>
-          <p:cNvPr id="3" name="Content Placeholder 2"/>
-          <p:cNvSpPr>
-            <a:spLocks noGrp="1"/>
-          </p:cNvSpPr>
-          <p:nvPr>
-            <p:ph idx="1"/>
-          </p:nvPr>
-        </p:nvSpPr>
-        <p:spPr/>
-        <p:txBody>
-          <a:bodyPr>
-            <a:normAutofit/>
-          </a:bodyPr>
-          <a:lstStyle/>
-          <a:p>
-            <a:r>
-              <a:rPr lang="sk-SK" dirty="0" smtClean="0"/>
-              <a:t>nutné </a:t>
-            </a:r>
-            <a:r>
-              <a:rPr lang="sk-SK" dirty="0" smtClean="0"/>
-              <a:t>na niečom overiť </a:t>
-            </a:r>
-            <a:r>
-              <a:rPr lang="sk-SK" dirty="0" smtClean="0"/>
-              <a:t>riešenie a získať </a:t>
-            </a:r>
-            <a:r>
-              <a:rPr lang="sk-SK" dirty="0" smtClean="0"/>
-              <a:t>fyzické </a:t>
-            </a:r>
-            <a:r>
-              <a:rPr lang="sk-SK" dirty="0" smtClean="0"/>
-              <a:t>výsledky,</a:t>
-            </a:r>
-            <a:endParaRPr lang="en-US" dirty="0" smtClean="0"/>
-          </a:p>
-          <a:p>
-            <a:endParaRPr lang="sk-SK" dirty="0" smtClean="0"/>
-          </a:p>
-          <a:p>
-            <a:r>
-              <a:rPr lang="sk-SK" dirty="0" smtClean="0"/>
-              <a:t>g</a:t>
-            </a:r>
-            <a:r>
-              <a:rPr lang="en-US" dirty="0" err="1" smtClean="0"/>
-              <a:t>enerick</a:t>
-            </a:r>
-            <a:r>
-              <a:rPr lang="sk-SK" dirty="0" smtClean="0"/>
-              <a:t>ý návrh (rôznorodosť),</a:t>
-            </a:r>
-          </a:p>
-          <a:p>
-            <a:r>
-              <a:rPr lang="sk-SK" dirty="0" smtClean="0"/>
-              <a:t>IoT, WSN, vždy </a:t>
-            </a:r>
-            <a:r>
-              <a:rPr lang="sk-SK" dirty="0" smtClean="0"/>
-              <a:t>bude </a:t>
-            </a:r>
-            <a:r>
-              <a:rPr lang="sk-SK" dirty="0" smtClean="0"/>
-              <a:t>nutnosť optimalizácie </a:t>
-            </a:r>
-            <a:r>
-              <a:rPr lang="sk-SK" dirty="0" smtClean="0"/>
-              <a:t>na HW</a:t>
-            </a:r>
-          </a:p>
-          <a:p>
-            <a:endParaRPr lang="sk-SK" dirty="0" smtClean="0"/>
-          </a:p>
-          <a:p>
-            <a:r>
-              <a:rPr lang="sk-SK" dirty="0" smtClean="0"/>
-              <a:t>bol </a:t>
-            </a:r>
-            <a:r>
-              <a:rPr lang="en-US" dirty="0" err="1" smtClean="0"/>
-              <a:t>dostupn</a:t>
-            </a:r>
-            <a:r>
-              <a:rPr lang="sk-SK" dirty="0" smtClean="0"/>
-              <a:t>ý</a:t>
-            </a:r>
-            <a:endParaRPr lang="sk-SK" dirty="0" smtClean="0"/>
-          </a:p>
-          <a:p>
-            <a:endParaRPr lang="en-US" dirty="0"/>
-          </a:p>
-        </p:txBody>
-      </p:sp>
-    </p:spTree>
-  </p:cSld>
-  <p:clrMapOvr>
-    <a:masterClrMapping/>
-  </p:clrMapOvr>
-</p:sld>
-</file>
-
-<file path=ppt/slides/slide32.xml><?xml version="1.0" encoding="utf-8"?>
-<p:sld xmlns:a="http://schemas.openxmlformats.org/drawingml/2006/main" xmlns:r="http://schemas.openxmlformats.org/officeDocument/2006/relationships" xmlns:p="http://schemas.openxmlformats.org/presentationml/2006/main">
-  <p:cSld>
-    <p:spTree>
-      <p:nvGrpSpPr>
-        <p:cNvPr id="1" name=""/>
-        <p:cNvGrpSpPr/>
-        <p:nvPr/>
-      </p:nvGrpSpPr>
-      <p:grpSpPr>
-        <a:xfrm>
-          <a:off x="0" y="0"/>
-          <a:ext cx="0" cy="0"/>
-          <a:chOff x="0" y="0"/>
-          <a:chExt cx="0" cy="0"/>
-        </a:xfrm>
-      </p:grpSpPr>
-      <p:sp>
-        <p:nvSpPr>
-          <p:cNvPr id="2" name="Title 1"/>
-          <p:cNvSpPr>
-            <a:spLocks noGrp="1"/>
-          </p:cNvSpPr>
-          <p:nvPr>
-            <p:ph type="title"/>
-          </p:nvPr>
-        </p:nvSpPr>
-        <p:spPr/>
-        <p:txBody>
-          <a:bodyPr>
-            <a:normAutofit/>
-          </a:bodyPr>
-          <a:lstStyle/>
-          <a:p>
-            <a:r>
-              <a:rPr lang="sk-SK" dirty="0" smtClean="0"/>
-              <a:t>Najčastejšie dôvody porúch </a:t>
-            </a:r>
-            <a:endParaRPr lang="en-US" dirty="0"/>
-          </a:p>
-        </p:txBody>
-      </p:sp>
-      <p:sp>
-        <p:nvSpPr>
-          <p:cNvPr id="3" name="Content Placeholder 2"/>
-          <p:cNvSpPr>
-            <a:spLocks noGrp="1"/>
-          </p:cNvSpPr>
-          <p:nvPr>
-            <p:ph idx="1"/>
-          </p:nvPr>
-        </p:nvSpPr>
-        <p:spPr/>
-        <p:txBody>
-          <a:bodyPr>
-            <a:normAutofit/>
-          </a:bodyPr>
-          <a:lstStyle/>
-          <a:p>
-            <a:r>
-              <a:rPr lang="sk-SK" dirty="0" smtClean="0"/>
-              <a:t>Protiopatrenia</a:t>
-            </a:r>
-            <a:r>
-              <a:rPr lang="en-US" dirty="0" smtClean="0"/>
-              <a:t>:</a:t>
-            </a:r>
-            <a:endParaRPr lang="sk-SK" dirty="0" smtClean="0"/>
-          </a:p>
-          <a:p>
-            <a:pPr lvl="1"/>
-            <a:r>
-              <a:rPr lang="sk-SK" dirty="0" smtClean="0"/>
-              <a:t>pred-pripravovanie dát, posielanie neskôr,</a:t>
-            </a:r>
-          </a:p>
-          <a:p>
-            <a:pPr lvl="1"/>
-            <a:r>
-              <a:rPr lang="sk-SK" dirty="0" smtClean="0"/>
-              <a:t>SoftDevice</a:t>
-            </a:r>
-            <a:r>
-              <a:rPr lang="en-US" dirty="0" smtClean="0"/>
-              <a:t>: </a:t>
-            </a:r>
-            <a:r>
-              <a:rPr lang="sk-SK" dirty="0" smtClean="0"/>
-              <a:t>kontrola, či sa </a:t>
-            </a:r>
-            <a:r>
-              <a:rPr lang="sk-SK" dirty="0" smtClean="0"/>
-              <a:t>niečo posiela</a:t>
-            </a:r>
-            <a:r>
-              <a:rPr lang="sk-SK" dirty="0" smtClean="0"/>
-              <a:t>.</a:t>
-            </a:r>
-            <a:endParaRPr lang="en-US" dirty="0" smtClean="0"/>
-          </a:p>
-          <a:p>
-            <a:endParaRPr lang="sk-SK" dirty="0" smtClean="0"/>
-          </a:p>
-          <a:p>
-            <a:r>
-              <a:rPr lang="sk-SK" dirty="0" smtClean="0"/>
-              <a:t>P</a:t>
-            </a:r>
-            <a:r>
-              <a:rPr lang="sk-SK" dirty="0" smtClean="0"/>
-              <a:t>redpoklad</a:t>
-            </a:r>
-            <a:r>
-              <a:rPr lang="en-US" dirty="0" smtClean="0"/>
-              <a:t> </a:t>
-            </a:r>
-            <a:r>
-              <a:rPr lang="sk-SK" dirty="0" smtClean="0"/>
-              <a:t>(</a:t>
-            </a:r>
-            <a:r>
-              <a:rPr lang="en-US" dirty="0" err="1" smtClean="0"/>
-              <a:t>bez</a:t>
-            </a:r>
-            <a:r>
-              <a:rPr lang="en-US" dirty="0" smtClean="0"/>
-              <a:t> </a:t>
-            </a:r>
-            <a:r>
-              <a:rPr lang="en-US" dirty="0" err="1" smtClean="0"/>
-              <a:t>podrobn</a:t>
-            </a:r>
-            <a:r>
-              <a:rPr lang="sk-SK" dirty="0" smtClean="0"/>
-              <a:t>ého testovania)</a:t>
-            </a:r>
-            <a:r>
-              <a:rPr lang="en-US" dirty="0" smtClean="0"/>
-              <a:t>:</a:t>
-            </a:r>
-            <a:endParaRPr lang="sk-SK" dirty="0" smtClean="0"/>
-          </a:p>
-          <a:p>
-            <a:pPr lvl="1"/>
-            <a:r>
-              <a:rPr lang="sk-SK" dirty="0" smtClean="0"/>
-              <a:t>komunikáci</a:t>
-            </a:r>
-            <a:r>
-              <a:rPr lang="en-US" dirty="0" smtClean="0"/>
-              <a:t>a</a:t>
-            </a:r>
-            <a:r>
-              <a:rPr lang="sk-SK" dirty="0" smtClean="0"/>
-              <a:t> s kryptoelementom (atomicky</a:t>
-            </a:r>
-            <a:r>
-              <a:rPr lang="sk-SK" dirty="0" smtClean="0"/>
-              <a:t>),</a:t>
-            </a:r>
-            <a:endParaRPr lang="sk-SK" dirty="0" smtClean="0"/>
-          </a:p>
-          <a:p>
-            <a:pPr lvl="1"/>
-            <a:r>
-              <a:rPr lang="sk-SK" dirty="0" smtClean="0"/>
-              <a:t>zmeškanie časového okna pre posielanie</a:t>
-            </a:r>
-            <a:r>
-              <a:rPr lang="en-US" dirty="0" smtClean="0"/>
-              <a:t>: </a:t>
-            </a:r>
-            <a:r>
-              <a:rPr lang="en-US" dirty="0" err="1" smtClean="0"/>
-              <a:t>rozsynchronizovanie</a:t>
-            </a:r>
-            <a:r>
-              <a:rPr lang="en-US" dirty="0" smtClean="0"/>
-              <a:t> </a:t>
-            </a:r>
-            <a:r>
-              <a:rPr lang="en-US" dirty="0" err="1" smtClean="0"/>
-              <a:t>protokolu</a:t>
-            </a:r>
-            <a:r>
-              <a:rPr lang="sk-SK" dirty="0" smtClean="0"/>
-              <a:t>.</a:t>
-            </a:r>
-            <a:endParaRPr lang="sk-SK" dirty="0" smtClean="0"/>
-          </a:p>
-          <a:p>
-            <a:endParaRPr lang="sk-SK" dirty="0" smtClean="0"/>
-          </a:p>
-        </p:txBody>
-      </p:sp>
-    </p:spTree>
-  </p:cSld>
-  <p:clrMapOvr>
-    <a:masterClrMapping/>
-  </p:clrMapOvr>
-</p:sld>
-</file>
-
-<file path=ppt/slides/slide33.xml><?xml version="1.0" encoding="utf-8"?>
-<p:sld xmlns:a="http://schemas.openxmlformats.org/drawingml/2006/main" xmlns:r="http://schemas.openxmlformats.org/officeDocument/2006/relationships" xmlns:p="http://schemas.openxmlformats.org/presentationml/2006/main">
-  <p:cSld>
-    <p:spTree>
-      <p:nvGrpSpPr>
-        <p:cNvPr id="1" name=""/>
-        <p:cNvGrpSpPr/>
-        <p:nvPr/>
-      </p:nvGrpSpPr>
-      <p:grpSpPr>
-        <a:xfrm>
-          <a:off x="0" y="0"/>
-          <a:ext cx="0" cy="0"/>
-          <a:chOff x="0" y="0"/>
-          <a:chExt cx="0" cy="0"/>
-        </a:xfrm>
-      </p:grpSpPr>
-      <p:sp>
-        <p:nvSpPr>
-          <p:cNvPr id="2" name="Title 1"/>
-          <p:cNvSpPr>
-            <a:spLocks noGrp="1"/>
-          </p:cNvSpPr>
-          <p:nvPr>
-            <p:ph type="title"/>
-          </p:nvPr>
-        </p:nvSpPr>
-        <p:spPr/>
-        <p:txBody>
-          <a:bodyPr>
-            <a:normAutofit/>
-          </a:bodyPr>
-          <a:lstStyle/>
-          <a:p>
-            <a:r>
-              <a:rPr lang="sk-SK" dirty="0" smtClean="0"/>
-              <a:t>Najčastejšie dôvody porúch </a:t>
-            </a:r>
-            <a:endParaRPr lang="en-US" dirty="0"/>
-          </a:p>
-        </p:txBody>
-      </p:sp>
-      <p:pic>
-        <p:nvPicPr>
-          <p:cNvPr id="1026" name="Picture 2"/>
-          <p:cNvPicPr>
-            <a:picLocks noGrp="1" noChangeAspect="1" noChangeArrowheads="1"/>
-          </p:cNvPicPr>
-          <p:nvPr>
-            <p:ph idx="1"/>
-          </p:nvPr>
-        </p:nvPicPr>
-        <p:blipFill>
-          <a:blip r:embed="rId2"/>
-          <a:srcRect/>
-          <a:stretch>
-            <a:fillRect/>
-          </a:stretch>
-        </p:blipFill>
-        <p:spPr bwMode="auto">
-          <a:xfrm>
-            <a:off x="-11658" y="2697163"/>
-            <a:ext cx="9167316" cy="2332038"/>
-          </a:xfrm>
-          <a:prstGeom prst="rect">
-            <a:avLst/>
-          </a:prstGeom>
-          <a:noFill/>
-          <a:ln w="9525">
-            <a:noFill/>
-            <a:miter lim="800000"/>
-            <a:headEnd/>
-            <a:tailEnd/>
-          </a:ln>
-          <a:effectLst/>
-        </p:spPr>
-      </p:pic>
-    </p:spTree>
-  </p:cSld>
-  <p:clrMapOvr>
-    <a:masterClrMapping/>
-  </p:clrMapOvr>
-</p:sld>
-</file>
-
-<file path=ppt/slides/slide34.xml><?xml version="1.0" encoding="utf-8"?>
-<p:sld xmlns:a="http://schemas.openxmlformats.org/drawingml/2006/main" xmlns:r="http://schemas.openxmlformats.org/officeDocument/2006/relationships" xmlns:p="http://schemas.openxmlformats.org/presentationml/2006/main">
-  <p:cSld>
-    <p:spTree>
-      <p:nvGrpSpPr>
-        <p:cNvPr id="1" name=""/>
-        <p:cNvGrpSpPr/>
-        <p:nvPr/>
-      </p:nvGrpSpPr>
-      <p:grpSpPr>
-        <a:xfrm>
-          <a:off x="0" y="0"/>
-          <a:ext cx="0" cy="0"/>
-          <a:chOff x="0" y="0"/>
-          <a:chExt cx="0" cy="0"/>
-        </a:xfrm>
-      </p:grpSpPr>
-      <p:sp>
-        <p:nvSpPr>
-          <p:cNvPr id="2" name="Title 1"/>
-          <p:cNvSpPr>
-            <a:spLocks noGrp="1"/>
-          </p:cNvSpPr>
-          <p:nvPr>
-            <p:ph type="title"/>
-          </p:nvPr>
-        </p:nvSpPr>
-        <p:spPr/>
-        <p:txBody>
-          <a:bodyPr>
-            <a:normAutofit/>
-          </a:bodyPr>
-          <a:lstStyle/>
-          <a:p>
-            <a:r>
-              <a:rPr lang="sk-SK" dirty="0" smtClean="0"/>
-              <a:t>Zefek</a:t>
-            </a:r>
-            <a:r>
-              <a:rPr lang="en-US" dirty="0" smtClean="0"/>
-              <a:t>t</a:t>
-            </a:r>
-            <a:r>
-              <a:rPr lang="sk-SK" dirty="0" smtClean="0"/>
-              <a:t>ívnenie </a:t>
-            </a:r>
-            <a:r>
-              <a:rPr lang="en-US" dirty="0" smtClean="0"/>
-              <a:t>HW </a:t>
-            </a:r>
-            <a:r>
-              <a:rPr lang="en-US" dirty="0" err="1" smtClean="0"/>
-              <a:t>kryptovani</a:t>
-            </a:r>
-            <a:r>
-              <a:rPr lang="sk-SK" dirty="0" smtClean="0"/>
-              <a:t>a</a:t>
-            </a:r>
-            <a:endParaRPr lang="en-US" dirty="0"/>
-          </a:p>
-        </p:txBody>
-      </p:sp>
-      <p:sp>
-        <p:nvSpPr>
-          <p:cNvPr id="3" name="Content Placeholder 2"/>
-          <p:cNvSpPr>
-            <a:spLocks noGrp="1"/>
-          </p:cNvSpPr>
-          <p:nvPr>
-            <p:ph idx="1"/>
-          </p:nvPr>
-        </p:nvSpPr>
-        <p:spPr/>
-        <p:txBody>
-          <a:bodyPr>
-            <a:normAutofit fontScale="70000" lnSpcReduction="20000"/>
-          </a:bodyPr>
-          <a:lstStyle/>
-          <a:p>
-            <a:r>
-              <a:rPr lang="en-US" dirty="0" err="1" smtClean="0"/>
-              <a:t>Predpripravi</a:t>
-            </a:r>
-            <a:r>
-              <a:rPr lang="sk-SK" dirty="0" smtClean="0"/>
-              <a:t>ť dáta vo vhodný okamich, programovú synchronizáciu,</a:t>
-            </a:r>
-          </a:p>
-          <a:p>
-            <a:endParaRPr lang="en-US" dirty="0" smtClean="0"/>
-          </a:p>
-          <a:p>
-            <a:r>
-              <a:rPr lang="sk-SK" dirty="0" smtClean="0"/>
-              <a:t>vyššia </a:t>
-            </a:r>
-            <a:r>
-              <a:rPr lang="sk-SK" dirty="0" smtClean="0"/>
-              <a:t>rýchlosť ext. CLK pomocou </a:t>
-            </a:r>
-            <a:r>
-              <a:rPr lang="sk-SK" dirty="0" smtClean="0"/>
-              <a:t>GPIO,</a:t>
-            </a:r>
-          </a:p>
-          <a:p>
-            <a:pPr lvl="1"/>
-            <a:r>
-              <a:rPr lang="sk-SK" dirty="0" smtClean="0"/>
-              <a:t>programovo max. 4MHz s 16MHz kryštálom</a:t>
-            </a:r>
-          </a:p>
-          <a:p>
-            <a:pPr lvl="1"/>
-            <a:r>
-              <a:rPr lang="sk-SK" dirty="0" smtClean="0"/>
-              <a:t>dedikovaný oscilátor max. 20MHz pri niektorých smart kartách</a:t>
-            </a:r>
-            <a:endParaRPr lang="sk-SK" dirty="0" smtClean="0"/>
-          </a:p>
-          <a:p>
-            <a:r>
-              <a:rPr lang="sk-SK" dirty="0" smtClean="0"/>
-              <a:t>dedikované </a:t>
-            </a:r>
-            <a:r>
-              <a:rPr lang="sk-SK" dirty="0" smtClean="0"/>
-              <a:t>periférie pre ISO7816 (atmel</a:t>
-            </a:r>
-            <a:r>
-              <a:rPr lang="sk-SK" dirty="0" smtClean="0"/>
-              <a:t>),</a:t>
-            </a:r>
-            <a:endParaRPr lang="sk-SK" dirty="0" smtClean="0"/>
-          </a:p>
-          <a:p>
-            <a:r>
-              <a:rPr lang="sk-SK" dirty="0" smtClean="0"/>
-              <a:t>konvertor </a:t>
-            </a:r>
-            <a:r>
-              <a:rPr lang="sk-SK" dirty="0" smtClean="0"/>
-              <a:t>na </a:t>
-            </a:r>
-            <a:r>
-              <a:rPr lang="sk-SK" dirty="0" smtClean="0"/>
-              <a:t>ISO7816.</a:t>
-            </a:r>
-            <a:endParaRPr lang="sk-SK" dirty="0" smtClean="0"/>
-          </a:p>
-          <a:p>
-            <a:endParaRPr lang="sk-SK" dirty="0" smtClean="0"/>
-          </a:p>
-          <a:p>
-            <a:r>
-              <a:rPr lang="sk-SK" dirty="0" smtClean="0"/>
-              <a:t>môže narásť</a:t>
-            </a:r>
-            <a:r>
-              <a:rPr lang="en-US" dirty="0" smtClean="0"/>
-              <a:t>:</a:t>
-            </a:r>
-            <a:endParaRPr lang="sk-SK" dirty="0" smtClean="0"/>
-          </a:p>
-          <a:p>
-            <a:pPr lvl="1"/>
-            <a:r>
-              <a:rPr lang="sk-SK" dirty="0" smtClean="0"/>
-              <a:t>veľkosť </a:t>
-            </a:r>
-            <a:r>
-              <a:rPr lang="sk-SK" dirty="0" smtClean="0"/>
-              <a:t>programu</a:t>
-            </a:r>
-            <a:r>
-              <a:rPr lang="en-US" dirty="0" smtClean="0"/>
-              <a:t>,</a:t>
-            </a:r>
-            <a:endParaRPr lang="sk-SK" dirty="0" smtClean="0"/>
-          </a:p>
-          <a:p>
-            <a:pPr lvl="1"/>
-            <a:r>
-              <a:rPr lang="sk-SK" dirty="0" smtClean="0"/>
-              <a:t>cena a čas vývoja</a:t>
-            </a:r>
-            <a:r>
-              <a:rPr lang="en-US" dirty="0" smtClean="0"/>
-              <a:t>,</a:t>
-            </a:r>
-            <a:endParaRPr lang="sk-SK" dirty="0" smtClean="0"/>
-          </a:p>
-          <a:p>
-            <a:pPr lvl="1"/>
-            <a:r>
-              <a:rPr lang="sk-SK" dirty="0" smtClean="0"/>
-              <a:t>možnosť </a:t>
-            </a:r>
-            <a:r>
-              <a:rPr lang="sk-SK" dirty="0" smtClean="0"/>
-              <a:t>výskytu </a:t>
-            </a:r>
-            <a:r>
-              <a:rPr lang="sk-SK" dirty="0" smtClean="0"/>
-              <a:t>chýb a porúch</a:t>
-            </a:r>
-            <a:r>
-              <a:rPr lang="en-US" dirty="0" smtClean="0"/>
-              <a:t>.</a:t>
-            </a:r>
-            <a:endParaRPr lang="en-US" dirty="0"/>
-          </a:p>
-        </p:txBody>
-      </p:sp>
-    </p:spTree>
-  </p:cSld>
-  <p:clrMapOvr>
-    <a:masterClrMapping/>
-  </p:clrMapOvr>
-</p:sld>
-</file>
-
-<file path=ppt/slides/slide35.xml><?xml version="1.0" encoding="utf-8"?>
-<p:sld xmlns:a="http://schemas.openxmlformats.org/drawingml/2006/main" xmlns:r="http://schemas.openxmlformats.org/officeDocument/2006/relationships" xmlns:p="http://schemas.openxmlformats.org/presentationml/2006/main">
-  <p:cSld>
-    <p:spTree>
-      <p:nvGrpSpPr>
-        <p:cNvPr id="1" name=""/>
-        <p:cNvGrpSpPr/>
-        <p:nvPr/>
-      </p:nvGrpSpPr>
-      <p:grpSpPr>
-        <a:xfrm>
-          <a:off x="0" y="0"/>
-          <a:ext cx="0" cy="0"/>
-          <a:chOff x="0" y="0"/>
-          <a:chExt cx="0" cy="0"/>
-        </a:xfrm>
-      </p:grpSpPr>
-      <p:sp>
-        <p:nvSpPr>
-          <p:cNvPr id="2" name="Title 1"/>
-          <p:cNvSpPr>
-            <a:spLocks noGrp="1"/>
-          </p:cNvSpPr>
-          <p:nvPr>
-            <p:ph type="title"/>
-          </p:nvPr>
-        </p:nvSpPr>
-        <p:spPr/>
-        <p:txBody>
-          <a:bodyPr>
-            <a:normAutofit fontScale="90000"/>
-          </a:bodyPr>
-          <a:lstStyle/>
-          <a:p>
-            <a:r>
-              <a:rPr lang="sk-SK" dirty="0" smtClean="0"/>
-              <a:t>Implementácia</a:t>
-            </a:r>
-            <a:r>
-              <a:rPr lang="en-US" dirty="0" smtClean="0"/>
-              <a:t>:</a:t>
-            </a:r>
-            <a:r>
-              <a:rPr lang="sk-SK" dirty="0" smtClean="0"/>
-              <a:t> ISO7816</a:t>
-            </a:r>
-            <a:br>
-              <a:rPr lang="sk-SK" dirty="0" smtClean="0"/>
-            </a:br>
-            <a:r>
-              <a:rPr lang="sk-SK" dirty="0" smtClean="0"/>
-              <a:t>APDU</a:t>
-            </a:r>
-            <a:r>
-              <a:rPr lang="en-US" dirty="0" smtClean="0"/>
-              <a:t> </a:t>
-            </a:r>
-            <a:r>
-              <a:rPr lang="sk-SK" dirty="0" smtClean="0"/>
-              <a:t>(T</a:t>
-            </a:r>
-            <a:r>
-              <a:rPr lang="en-US" dirty="0" smtClean="0"/>
-              <a:t>=0</a:t>
-            </a:r>
-            <a:r>
-              <a:rPr lang="sk-SK" dirty="0" smtClean="0"/>
-              <a:t>)</a:t>
-            </a:r>
-            <a:endParaRPr lang="en-US" dirty="0"/>
-          </a:p>
-        </p:txBody>
-      </p:sp>
-      <p:pic>
-        <p:nvPicPr>
-          <p:cNvPr id="5122" name="Picture 2"/>
-          <p:cNvPicPr>
-            <a:picLocks noGrp="1" noChangeAspect="1" noChangeArrowheads="1"/>
-          </p:cNvPicPr>
-          <p:nvPr>
-            <p:ph idx="1"/>
-          </p:nvPr>
-        </p:nvPicPr>
-        <p:blipFill>
-          <a:blip r:embed="rId2"/>
-          <a:srcRect/>
-          <a:stretch>
-            <a:fillRect/>
-          </a:stretch>
-        </p:blipFill>
-        <p:spPr bwMode="auto">
-          <a:xfrm>
-            <a:off x="457200" y="2772376"/>
-            <a:ext cx="8229600" cy="2380047"/>
-          </a:xfrm>
-          <a:prstGeom prst="rect">
-            <a:avLst/>
-          </a:prstGeom>
-          <a:noFill/>
-          <a:ln w="9525">
-            <a:noFill/>
-            <a:miter lim="800000"/>
-            <a:headEnd/>
-            <a:tailEnd/>
-          </a:ln>
-          <a:effectLst/>
-        </p:spPr>
-      </p:pic>
-    </p:spTree>
-  </p:cSld>
-  <p:clrMapOvr>
-    <a:masterClrMapping/>
-  </p:clrMapOvr>
-  <p:timing>
-    <p:tnLst>
-      <p:par>
-        <p:cTn id="1" dur="indefinite" restart="never" nodeType="tmRoot"/>
-      </p:par>
-    </p:tnLst>
-  </p:timing>
-</p:sld>
-</file>
-
-<file path=ppt/slides/slide36.xml><?xml version="1.0" encoding="utf-8"?>
-<p:sld xmlns:a="http://schemas.openxmlformats.org/drawingml/2006/main" xmlns:r="http://schemas.openxmlformats.org/officeDocument/2006/relationships" xmlns:p="http://schemas.openxmlformats.org/presentationml/2006/main">
-  <p:cSld>
-    <p:spTree>
-      <p:nvGrpSpPr>
-        <p:cNvPr id="1" name=""/>
-        <p:cNvGrpSpPr/>
-        <p:nvPr/>
-      </p:nvGrpSpPr>
-      <p:grpSpPr>
-        <a:xfrm>
-          <a:off x="0" y="0"/>
-          <a:ext cx="0" cy="0"/>
-          <a:chOff x="0" y="0"/>
-          <a:chExt cx="0" cy="0"/>
-        </a:xfrm>
-      </p:grpSpPr>
-      <p:sp>
-        <p:nvSpPr>
-          <p:cNvPr id="2" name="Title 1"/>
-          <p:cNvSpPr>
-            <a:spLocks noGrp="1"/>
-          </p:cNvSpPr>
-          <p:nvPr>
-            <p:ph type="title"/>
-          </p:nvPr>
-        </p:nvSpPr>
-        <p:spPr/>
-        <p:txBody>
-          <a:bodyPr>
-            <a:normAutofit fontScale="90000"/>
-          </a:bodyPr>
-          <a:lstStyle/>
-          <a:p>
-            <a:r>
-              <a:rPr lang="sk-SK" dirty="0" smtClean="0"/>
-              <a:t>Implementácia</a:t>
-            </a:r>
-            <a:r>
-              <a:rPr lang="en-US" dirty="0" smtClean="0"/>
-              <a:t>:</a:t>
-            </a:r>
-            <a:r>
-              <a:rPr lang="sk-SK" dirty="0" smtClean="0"/>
-              <a:t> ISO7816</a:t>
-            </a:r>
-            <a:br>
-              <a:rPr lang="sk-SK" dirty="0" smtClean="0"/>
-            </a:br>
-            <a:r>
-              <a:rPr lang="sk-SK" dirty="0" smtClean="0"/>
-              <a:t>Blok dát  (T</a:t>
-            </a:r>
-            <a:r>
-              <a:rPr lang="en-US" dirty="0" smtClean="0"/>
-              <a:t>=1</a:t>
-            </a:r>
-            <a:r>
-              <a:rPr lang="sk-SK" dirty="0" smtClean="0"/>
-              <a:t>)</a:t>
-            </a:r>
-            <a:endParaRPr lang="en-US" dirty="0"/>
-          </a:p>
-        </p:txBody>
-      </p:sp>
-      <p:pic>
-        <p:nvPicPr>
-          <p:cNvPr id="6146" name="Picture 2"/>
-          <p:cNvPicPr>
-            <a:picLocks noGrp="1" noChangeAspect="1" noChangeArrowheads="1"/>
-          </p:cNvPicPr>
-          <p:nvPr>
-            <p:ph idx="1"/>
-          </p:nvPr>
-        </p:nvPicPr>
-        <p:blipFill>
-          <a:blip r:embed="rId2"/>
-          <a:srcRect/>
-          <a:stretch>
-            <a:fillRect/>
-          </a:stretch>
-        </p:blipFill>
-        <p:spPr bwMode="auto">
-          <a:xfrm>
-            <a:off x="0" y="2532122"/>
-            <a:ext cx="9144000" cy="2860556"/>
-          </a:xfrm>
-          <a:prstGeom prst="rect">
-            <a:avLst/>
-          </a:prstGeom>
-          <a:noFill/>
-          <a:ln w="9525">
-            <a:noFill/>
-            <a:miter lim="800000"/>
-            <a:headEnd/>
-            <a:tailEnd/>
-          </a:ln>
-          <a:effectLst/>
-        </p:spPr>
-      </p:pic>
-    </p:spTree>
-  </p:cSld>
-  <p:clrMapOvr>
-    <a:masterClrMapping/>
-  </p:clrMapOvr>
-  <p:timing>
-    <p:tnLst>
-      <p:par>
-        <p:cTn id="1" dur="indefinite" restart="never" nodeType="tmRoot"/>
-      </p:par>
-    </p:tnLst>
-  </p:timing>
-</p:sld>
-</file>
-
-<file path=ppt/slides/slide37.xml><?xml version="1.0" encoding="utf-8"?>
-<p:sld xmlns:a="http://schemas.openxmlformats.org/drawingml/2006/main" xmlns:r="http://schemas.openxmlformats.org/officeDocument/2006/relationships" xmlns:p="http://schemas.openxmlformats.org/presentationml/2006/main">
-  <p:cSld>
-    <p:spTree>
-      <p:nvGrpSpPr>
-        <p:cNvPr id="1" name=""/>
-        <p:cNvGrpSpPr/>
-        <p:nvPr/>
-      </p:nvGrpSpPr>
-      <p:grpSpPr>
-        <a:xfrm>
-          <a:off x="0" y="0"/>
-          <a:ext cx="0" cy="0"/>
-          <a:chOff x="0" y="0"/>
-          <a:chExt cx="0" cy="0"/>
-        </a:xfrm>
-      </p:grpSpPr>
-      <p:sp>
-        <p:nvSpPr>
-          <p:cNvPr id="2" name="Title 1"/>
-          <p:cNvSpPr>
-            <a:spLocks noGrp="1"/>
-          </p:cNvSpPr>
-          <p:nvPr>
-            <p:ph type="title"/>
-          </p:nvPr>
-        </p:nvSpPr>
-        <p:spPr/>
-        <p:txBody>
-          <a:bodyPr>
-            <a:normAutofit/>
-          </a:bodyPr>
-          <a:lstStyle/>
-          <a:p>
-            <a:r>
-              <a:rPr lang="sk-SK" dirty="0" smtClean="0"/>
-              <a:t>Implementácia</a:t>
-            </a:r>
-            <a:r>
-              <a:rPr lang="en-US" dirty="0" smtClean="0"/>
-              <a:t>:</a:t>
-            </a:r>
-            <a:r>
-              <a:rPr lang="sk-SK" dirty="0" smtClean="0"/>
-              <a:t> </a:t>
-            </a:r>
-            <a:r>
-              <a:rPr lang="sk-SK" dirty="0" smtClean="0"/>
-              <a:t>ISO7816</a:t>
-            </a:r>
-            <a:r>
-              <a:rPr lang="en-US" dirty="0" smtClean="0"/>
-              <a:t> ATR</a:t>
-            </a:r>
-            <a:endParaRPr lang="en-US" dirty="0"/>
-          </a:p>
-        </p:txBody>
-      </p:sp>
-      <p:pic>
-        <p:nvPicPr>
-          <p:cNvPr id="1027" name="Picture 3"/>
-          <p:cNvPicPr>
-            <a:picLocks noGrp="1" noChangeAspect="1" noChangeArrowheads="1"/>
-          </p:cNvPicPr>
-          <p:nvPr>
-            <p:ph idx="1"/>
-          </p:nvPr>
-        </p:nvPicPr>
-        <p:blipFill>
-          <a:blip r:embed="rId2"/>
-          <a:srcRect/>
-          <a:stretch>
-            <a:fillRect/>
-          </a:stretch>
-        </p:blipFill>
-        <p:spPr bwMode="auto">
-          <a:xfrm>
-            <a:off x="2514600" y="1126944"/>
-            <a:ext cx="4114800" cy="5472476"/>
-          </a:xfrm>
-          <a:prstGeom prst="rect">
-            <a:avLst/>
-          </a:prstGeom>
-          <a:noFill/>
-          <a:ln w="9525">
-            <a:noFill/>
-            <a:miter lim="800000"/>
-            <a:headEnd/>
-            <a:tailEnd/>
-          </a:ln>
-          <a:effectLst/>
-        </p:spPr>
-      </p:pic>
-    </p:spTree>
-  </p:cSld>
-  <p:clrMapOvr>
-    <a:masterClrMapping/>
-  </p:clrMapOvr>
-  <p:timing>
-    <p:tnLst>
-      <p:par>
-        <p:cTn id="1" dur="indefinite" restart="never" nodeType="tmRoot"/>
-      </p:par>
-    </p:tnLst>
-  </p:timing>
-</p:sld>
-</file>
-
 <file path=ppt/slides/slide4.xml><?xml version="1.0" encoding="utf-8"?>
 <p:sld xmlns:a="http://schemas.openxmlformats.org/drawingml/2006/main" xmlns:r="http://schemas.openxmlformats.org/officeDocument/2006/relationships" xmlns:p="http://schemas.openxmlformats.org/presentationml/2006/main">
   <p:cSld>
@@ -13416,7 +13179,11 @@
           <a:p>
             <a:r>
               <a:rPr lang="sk-SK" dirty="0" smtClean="0"/>
-              <a:t>Informačná bezpečnosť</a:t>
+              <a:t>Informačná </a:t>
+            </a:r>
+            <a:r>
+              <a:rPr lang="sk-SK" dirty="0" smtClean="0"/>
+              <a:t>bezpečnosť</a:t>
             </a:r>
           </a:p>
         </p:txBody>
@@ -13729,11 +13496,7 @@
           <a:p>
             <a:r>
               <a:rPr lang="sk-SK" dirty="0" smtClean="0"/>
-              <a:t>Zabezpečenie hlavne </a:t>
-            </a:r>
-            <a:r>
-              <a:rPr lang="sk-SK" dirty="0" smtClean="0"/>
-              <a:t>na transpor</a:t>
+              <a:t>Zabezpečenie hlavne na transpor</a:t>
             </a:r>
             <a:r>
               <a:rPr lang="en-US" dirty="0" smtClean="0"/>
@@ -13743,7 +13506,6 @@
               <a:rPr lang="sk-SK" dirty="0" smtClean="0"/>
               <a:t>nej vrstve</a:t>
             </a:r>
-            <a:endParaRPr lang="sk-SK" dirty="0" smtClean="0"/>
           </a:p>
           <a:p>
             <a:endParaRPr lang="sk-SK" dirty="0" smtClean="0"/>
@@ -13870,30 +13632,30 @@
         <p:spPr/>
         <p:txBody>
           <a:bodyPr>
-            <a:normAutofit lnSpcReduction="10000"/>
+            <a:normAutofit/>
           </a:bodyPr>
           <a:lstStyle/>
           <a:p>
             <a:r>
-              <a:rPr lang="sk-SK" dirty="0" smtClean="0"/>
-              <a:t>Hardvérové zabezpečenie</a:t>
-            </a:r>
+              <a:rPr lang="en-US" dirty="0" err="1" smtClean="0"/>
+              <a:t>Pou</a:t>
+            </a:r>
+            <a:r>
+              <a:rPr lang="sk-SK" dirty="0" smtClean="0"/>
+              <a:t>žitie h</a:t>
+            </a:r>
+            <a:r>
+              <a:rPr lang="sk-SK" dirty="0" smtClean="0"/>
+              <a:t>ardvérových kryptografických algoritmov</a:t>
+            </a:r>
+            <a:endParaRPr lang="sk-SK" dirty="0" smtClean="0"/>
           </a:p>
           <a:p>
             <a:pPr lvl="1"/>
             <a:r>
               <a:rPr lang="sk-SK" dirty="0" smtClean="0"/>
-              <a:t>každý </a:t>
-            </a:r>
-            <a:r>
-              <a:rPr lang="sk-SK" dirty="0" smtClean="0"/>
-              <a:t>senzor osadený </a:t>
-            </a:r>
-            <a:r>
-              <a:rPr lang="sk-SK" dirty="0" smtClean="0"/>
-              <a:t>kryptoelement.</a:t>
-            </a:r>
-            <a:endParaRPr lang="sk-SK" dirty="0" smtClean="0"/>
+              <a:t>každý senzor osadený kryptoelement.</a:t>
+            </a:r>
           </a:p>
           <a:p>
             <a:endParaRPr lang="sk-SK" dirty="0" smtClean="0"/>
@@ -13938,17 +13700,7 @@
               <a:rPr lang="sk-SK" dirty="0" smtClean="0"/>
               <a:t>).</a:t>
             </a:r>
-          </a:p>
-          <a:p>
-            <a:pPr lvl="1"/>
             <a:endParaRPr lang="sk-SK" dirty="0" smtClean="0"/>
-          </a:p>
-          <a:p>
-            <a:r>
-              <a:rPr lang="sk-SK" dirty="0" smtClean="0"/>
-              <a:t>ľudský faktor</a:t>
-            </a:r>
-            <a:endParaRPr lang="sk-SK" dirty="0"/>
           </a:p>
         </p:txBody>
       </p:sp>
@@ -14071,11 +13823,7 @@
             </a:r>
             <a:r>
               <a:rPr lang="sk-SK" dirty="0" smtClean="0"/>
-              <a:t>á </a:t>
-            </a:r>
-            <a:r>
-              <a:rPr lang="sk-SK" dirty="0" smtClean="0"/>
-              <a:t>architektúra siete</a:t>
+              <a:t>á architektúra siete</a:t>
             </a:r>
             <a:r>
               <a:rPr lang="en-US" dirty="0" smtClean="0"/>
@@ -14120,7 +13868,11 @@
             <a:pPr lvl="1"/>
             <a:r>
               <a:rPr lang="sk-SK" dirty="0" smtClean="0"/>
-              <a:t>Certifikáty (obmedzenej forme)</a:t>
+              <a:t>certifikáty </a:t>
+            </a:r>
+            <a:r>
+              <a:rPr lang="sk-SK" dirty="0" smtClean="0"/>
+              <a:t>(obmedzenej forme)</a:t>
             </a:r>
           </a:p>
           <a:p>
@@ -14159,10 +13911,6 @@
             </a:r>
             <a:r>
               <a:rPr lang="sk-SK" dirty="0" smtClean="0"/>
-              <a:t> a porovnanie</a:t>
-            </a:r>
-            <a:r>
-              <a:rPr lang="en-US" dirty="0" smtClean="0"/>
               <a:t> </a:t>
             </a:r>
             <a:r>
@@ -14198,7 +13946,7 @@
             <a:pPr lvl="1"/>
             <a:r>
               <a:rPr lang="sk-SK" dirty="0" smtClean="0"/>
-              <a:t>nezabezpečené riešenie</a:t>
+              <a:t>nezabezpečená komunikačná sieť</a:t>
             </a:r>
             <a:endParaRPr lang="en-US" dirty="0" smtClean="0"/>
           </a:p>
@@ -14210,11 +13958,7 @@
             </a:r>
             <a:r>
               <a:rPr lang="sk-SK" dirty="0" smtClean="0"/>
-              <a:t>W </a:t>
-            </a:r>
-            <a:r>
-              <a:rPr lang="sk-SK" dirty="0" smtClean="0"/>
-              <a:t>a </a:t>
+              <a:t>W a </a:t>
             </a:r>
             <a:r>
               <a:rPr lang="en-US" dirty="0" smtClean="0"/>
@@ -14222,11 +13966,7 @@
             </a:r>
             <a:r>
               <a:rPr lang="sk-SK" dirty="0" smtClean="0"/>
-              <a:t>W </a:t>
-            </a:r>
-            <a:r>
-              <a:rPr lang="sk-SK" dirty="0" smtClean="0"/>
-              <a:t>zabezpečenie</a:t>
+              <a:t>W zabezpečenie</a:t>
             </a:r>
             <a:endParaRPr lang="en-US" dirty="0"/>
           </a:p>
@@ -14348,11 +14088,7 @@
           <a:p>
             <a:r>
               <a:rPr lang="en-US" dirty="0" smtClean="0"/>
-              <a:t>Nordic </a:t>
-            </a:r>
-            <a:r>
-              <a:rPr lang="en-US" dirty="0" smtClean="0"/>
-              <a:t>Semi</a:t>
+              <a:t>Nordic Semi</a:t>
             </a:r>
             <a:r>
               <a:rPr lang="sk-SK" dirty="0" smtClean="0"/>
@@ -14360,13 +14096,8 @@
             </a:r>
             <a:r>
               <a:rPr lang="en-US" dirty="0" smtClean="0"/>
-              <a:t> </a:t>
-            </a:r>
-            <a:r>
-              <a:rPr lang="en-US" dirty="0" smtClean="0"/>
-              <a:t>(nRF51422)</a:t>
-            </a:r>
-            <a:endParaRPr lang="en-US" dirty="0" smtClean="0"/>
+              <a:t> (nRF51422)</a:t>
+            </a:r>
           </a:p>
           <a:p>
             <a:pPr lvl="1"/>
@@ -14378,23 +14109,21 @@
               <a:rPr lang="sk-SK" dirty="0" smtClean="0"/>
               <a:t>,</a:t>
             </a:r>
-            <a:endParaRPr lang="sk-SK" dirty="0" smtClean="0"/>
           </a:p>
           <a:p>
             <a:pPr lvl="1"/>
             <a:r>
               <a:rPr lang="sk-SK" dirty="0" smtClean="0"/>
-              <a:t>ANT SoftDevice, 2.4 </a:t>
-            </a:r>
-            <a:r>
-              <a:rPr lang="sk-SK" dirty="0" smtClean="0"/>
-              <a:t>GHz,</a:t>
-            </a:r>
-            <a:endParaRPr lang="sk-SK" dirty="0" smtClean="0"/>
+              <a:t>ANT SoftDevice, 2.4 GHz,</a:t>
+            </a:r>
           </a:p>
           <a:p>
             <a:pPr lvl="1"/>
             <a:r>
+              <a:rPr lang="en-US" dirty="0" smtClean="0"/>
+              <a:t>ARM, </a:t>
+            </a:r>
+            <a:r>
               <a:rPr lang="sk-SK" dirty="0" smtClean="0"/>
               <a:t>32bit </a:t>
             </a:r>
@@ -14402,19 +14131,13 @@
               <a:rPr lang="sk-SK" dirty="0" smtClean="0"/>
               <a:t>architektúra,</a:t>
             </a:r>
-            <a:endParaRPr lang="sk-SK" dirty="0" smtClean="0"/>
           </a:p>
           <a:p>
             <a:pPr lvl="1"/>
             <a:r>
               <a:rPr lang="sk-SK" dirty="0" smtClean="0"/>
-              <a:t>256 kB program, 16kB </a:t>
-            </a:r>
-            <a:r>
-              <a:rPr lang="sk-SK" dirty="0" smtClean="0"/>
-              <a:t>RAM.</a:t>
-            </a:r>
-            <a:endParaRPr lang="sk-SK" dirty="0" smtClean="0"/>
+              <a:t>256 kB program, 16kB RAM.</a:t>
+            </a:r>
           </a:p>
         </p:txBody>
       </p:sp>
